--- a/Advanced Python workshop.pptx
+++ b/Advanced Python workshop.pptx
@@ -151,7 +151,7 @@
   <pc:docChgLst>
     <pc:chgData name="Noam Cohen" userId="91dab1e8-3a56-42f2-9f70-7df54632f194" providerId="ADAL" clId="{4A58AB60-FFCE-45E6-B313-A3ABF4C9F6DD}"/>
     <pc:docChg chg="undo redo custSel addSld delSld modSld">
-      <pc:chgData name="Noam Cohen" userId="91dab1e8-3a56-42f2-9f70-7df54632f194" providerId="ADAL" clId="{4A58AB60-FFCE-45E6-B313-A3ABF4C9F6DD}" dt="2019-06-25T13:44:00.115" v="6666" actId="404"/>
+      <pc:chgData name="Noam Cohen" userId="91dab1e8-3a56-42f2-9f70-7df54632f194" providerId="ADAL" clId="{4A58AB60-FFCE-45E6-B313-A3ABF4C9F6DD}" dt="2019-07-07T10:34:35.196" v="7009" actId="313"/>
       <pc:docMkLst>
         <pc:docMk/>
       </pc:docMkLst>
@@ -417,12 +417,68 @@
           </ac:spMkLst>
         </pc:spChg>
       </pc:sldChg>
-      <pc:sldChg chg="add">
-        <pc:chgData name="Noam Cohen" userId="91dab1e8-3a56-42f2-9f70-7df54632f194" providerId="ADAL" clId="{4A58AB60-FFCE-45E6-B313-A3ABF4C9F6DD}" dt="2019-05-19T14:00:33.590" v="2006"/>
+      <pc:sldChg chg="addSp delSp modSp add modNotesTx">
+        <pc:chgData name="Noam Cohen" userId="91dab1e8-3a56-42f2-9f70-7df54632f194" providerId="ADAL" clId="{4A58AB60-FFCE-45E6-B313-A3ABF4C9F6DD}" dt="2019-07-07T10:34:35.196" v="7009" actId="313"/>
         <pc:sldMkLst>
           <pc:docMk/>
           <pc:sldMk cId="1103280647" sldId="268"/>
         </pc:sldMkLst>
+        <pc:spChg chg="mod">
+          <ac:chgData name="Noam Cohen" userId="91dab1e8-3a56-42f2-9f70-7df54632f194" providerId="ADAL" clId="{4A58AB60-FFCE-45E6-B313-A3ABF4C9F6DD}" dt="2019-07-07T09:38:22.492" v="6690" actId="20577"/>
+          <ac:spMkLst>
+            <pc:docMk/>
+            <pc:sldMk cId="1103280647" sldId="268"/>
+            <ac:spMk id="2" creationId="{3E2FBADA-DC0F-4FFB-B48C-E71ED4BF6521}"/>
+          </ac:spMkLst>
+        </pc:spChg>
+        <pc:spChg chg="mod">
+          <ac:chgData name="Noam Cohen" userId="91dab1e8-3a56-42f2-9f70-7df54632f194" providerId="ADAL" clId="{4A58AB60-FFCE-45E6-B313-A3ABF4C9F6DD}" dt="2019-07-07T10:34:01.372" v="7008" actId="207"/>
+          <ac:spMkLst>
+            <pc:docMk/>
+            <pc:sldMk cId="1103280647" sldId="268"/>
+            <ac:spMk id="3" creationId="{B17C4CDB-7B20-4742-BB7B-75CE36E12C27}"/>
+          </ac:spMkLst>
+        </pc:spChg>
+        <pc:spChg chg="add del mod ord">
+          <ac:chgData name="Noam Cohen" userId="91dab1e8-3a56-42f2-9f70-7df54632f194" providerId="ADAL" clId="{4A58AB60-FFCE-45E6-B313-A3ABF4C9F6DD}" dt="2019-07-07T10:25:21.686" v="6970" actId="767"/>
+          <ac:spMkLst>
+            <pc:docMk/>
+            <pc:sldMk cId="1103280647" sldId="268"/>
+            <ac:spMk id="4" creationId="{01CFAEEA-1F50-4152-A42A-F3E9D8880F08}"/>
+          </ac:spMkLst>
+        </pc:spChg>
+        <pc:picChg chg="add del mod">
+          <ac:chgData name="Noam Cohen" userId="91dab1e8-3a56-42f2-9f70-7df54632f194" providerId="ADAL" clId="{4A58AB60-FFCE-45E6-B313-A3ABF4C9F6DD}" dt="2019-07-07T10:24:54.004" v="6958"/>
+          <ac:picMkLst>
+            <pc:docMk/>
+            <pc:sldMk cId="1103280647" sldId="268"/>
+            <ac:picMk id="1026" creationId="{B020DA58-EBFE-4A96-9002-2F1933AABFDA}"/>
+          </ac:picMkLst>
+        </pc:picChg>
+        <pc:picChg chg="add del">
+          <ac:chgData name="Noam Cohen" userId="91dab1e8-3a56-42f2-9f70-7df54632f194" providerId="ADAL" clId="{4A58AB60-FFCE-45E6-B313-A3ABF4C9F6DD}" dt="2019-07-07T10:25:06.851" v="6962"/>
+          <ac:picMkLst>
+            <pc:docMk/>
+            <pc:sldMk cId="1103280647" sldId="268"/>
+            <ac:picMk id="1028" creationId="{A4EE7086-3092-4631-A0BF-BDDBD809E5C5}"/>
+          </ac:picMkLst>
+        </pc:picChg>
+        <pc:picChg chg="add del">
+          <ac:chgData name="Noam Cohen" userId="91dab1e8-3a56-42f2-9f70-7df54632f194" providerId="ADAL" clId="{4A58AB60-FFCE-45E6-B313-A3ABF4C9F6DD}" dt="2019-07-07T10:25:20.202" v="6966"/>
+          <ac:picMkLst>
+            <pc:docMk/>
+            <pc:sldMk cId="1103280647" sldId="268"/>
+            <ac:picMk id="1030" creationId="{2DAED283-DA87-49D4-B129-59422246CB22}"/>
+          </ac:picMkLst>
+        </pc:picChg>
+        <pc:picChg chg="add mod">
+          <ac:chgData name="Noam Cohen" userId="91dab1e8-3a56-42f2-9f70-7df54632f194" providerId="ADAL" clId="{4A58AB60-FFCE-45E6-B313-A3ABF4C9F6DD}" dt="2019-07-07T10:25:36.360" v="6972" actId="1076"/>
+          <ac:picMkLst>
+            <pc:docMk/>
+            <pc:sldMk cId="1103280647" sldId="268"/>
+            <ac:picMk id="1032" creationId="{3BB8C88D-A664-43ED-9089-4BF532611264}"/>
+          </ac:picMkLst>
+        </pc:picChg>
       </pc:sldChg>
       <pc:sldChg chg="addSp delSp modSp add modNotesTx">
         <pc:chgData name="Noam Cohen" userId="91dab1e8-3a56-42f2-9f70-7df54632f194" providerId="ADAL" clId="{4A58AB60-FFCE-45E6-B313-A3ABF4C9F6DD}" dt="2019-05-27T12:50:39.727" v="2527" actId="20577"/>
@@ -1236,7 +1292,7 @@
           <a:p>
             <a:fld id="{E3A89C9D-33F5-4EFB-A589-AF1B6A4537ED}" type="datetimeFigureOut">
               <a:rPr lang="en-IL" smtClean="0"/>
-              <a:t>25/06/2019</a:t>
+              <a:t>07/07/2019</a:t>
             </a:fld>
             <a:endParaRPr lang="en-IL"/>
           </a:p>
@@ -1856,8 +1912,15 @@
           <a:p>
             <a:r>
               <a:rPr lang="en-US" dirty="0"/>
-              <a:t>Day 3</a:t>
-            </a:r>
+              <a:t>Personally I think it violates the “there should be one way of doing this” principle, but I agree it is </a:t>
+            </a:r>
+            <a:r>
+              <a:rPr lang="en-US"/>
+              <a:t>more readable</a:t>
+            </a:r>
+            <a:endParaRPr lang="en-US" dirty="0"/>
+          </a:p>
+          <a:p>
             <a:endParaRPr lang="en-IL" dirty="0"/>
           </a:p>
         </p:txBody>
@@ -1879,7 +1942,7 @@
           <a:p>
             <a:fld id="{7BBAA17F-B3FF-4B29-AA8E-9CA518DC54C6}" type="slidenum">
               <a:rPr lang="en-IL" smtClean="0"/>
-              <a:t>21</a:t>
+              <a:t>20</a:t>
             </a:fld>
             <a:endParaRPr lang="en-IL"/>
           </a:p>
@@ -1888,7 +1951,7 @@
     </p:spTree>
     <p:extLst>
       <p:ext uri="{BB962C8B-B14F-4D97-AF65-F5344CB8AC3E}">
-        <p14:creationId xmlns:p14="http://schemas.microsoft.com/office/powerpoint/2010/main" val="1796451147"/>
+        <p14:creationId xmlns:p14="http://schemas.microsoft.com/office/powerpoint/2010/main" val="4111939235"/>
       </p:ext>
     </p:extLst>
   </p:cSld>
@@ -1967,7 +2030,7 @@
           <a:p>
             <a:fld id="{7BBAA17F-B3FF-4B29-AA8E-9CA518DC54C6}" type="slidenum">
               <a:rPr lang="en-IL" smtClean="0"/>
-              <a:t>22</a:t>
+              <a:t>21</a:t>
             </a:fld>
             <a:endParaRPr lang="en-IL"/>
           </a:p>
@@ -1976,7 +2039,7 @@
     </p:spTree>
     <p:extLst>
       <p:ext uri="{BB962C8B-B14F-4D97-AF65-F5344CB8AC3E}">
-        <p14:creationId xmlns:p14="http://schemas.microsoft.com/office/powerpoint/2010/main" val="4212853133"/>
+        <p14:creationId xmlns:p14="http://schemas.microsoft.com/office/powerpoint/2010/main" val="1796451147"/>
       </p:ext>
     </p:extLst>
   </p:cSld>
@@ -2032,7 +2095,7 @@
           <a:p>
             <a:r>
               <a:rPr lang="en-US" dirty="0"/>
-              <a:t>Day 4</a:t>
+              <a:t>Day 3</a:t>
             </a:r>
             <a:endParaRPr lang="en-IL" dirty="0"/>
           </a:p>
@@ -2055,7 +2118,7 @@
           <a:p>
             <a:fld id="{7BBAA17F-B3FF-4B29-AA8E-9CA518DC54C6}" type="slidenum">
               <a:rPr lang="en-IL" smtClean="0"/>
-              <a:t>23</a:t>
+              <a:t>22</a:t>
             </a:fld>
             <a:endParaRPr lang="en-IL"/>
           </a:p>
@@ -2064,7 +2127,7 @@
     </p:spTree>
     <p:extLst>
       <p:ext uri="{BB962C8B-B14F-4D97-AF65-F5344CB8AC3E}">
-        <p14:creationId xmlns:p14="http://schemas.microsoft.com/office/powerpoint/2010/main" val="3121267208"/>
+        <p14:creationId xmlns:p14="http://schemas.microsoft.com/office/powerpoint/2010/main" val="4212853133"/>
       </p:ext>
     </p:extLst>
   </p:cSld>
@@ -2118,6 +2181,10 @@
           <a:bodyPr/>
           <a:lstStyle/>
           <a:p>
+            <a:r>
+              <a:rPr lang="en-US" dirty="0"/>
+              <a:t>Day 4</a:t>
+            </a:r>
             <a:endParaRPr lang="en-IL" dirty="0"/>
           </a:p>
         </p:txBody>
@@ -2139,7 +2206,7 @@
           <a:p>
             <a:fld id="{7BBAA17F-B3FF-4B29-AA8E-9CA518DC54C6}" type="slidenum">
               <a:rPr lang="en-IL" smtClean="0"/>
-              <a:t>27</a:t>
+              <a:t>23</a:t>
             </a:fld>
             <a:endParaRPr lang="en-IL"/>
           </a:p>
@@ -2148,7 +2215,7 @@
     </p:spTree>
     <p:extLst>
       <p:ext uri="{BB962C8B-B14F-4D97-AF65-F5344CB8AC3E}">
-        <p14:creationId xmlns:p14="http://schemas.microsoft.com/office/powerpoint/2010/main" val="1290220711"/>
+        <p14:creationId xmlns:p14="http://schemas.microsoft.com/office/powerpoint/2010/main" val="3121267208"/>
       </p:ext>
     </p:extLst>
   </p:cSld>
@@ -2223,7 +2290,7 @@
           <a:p>
             <a:fld id="{7BBAA17F-B3FF-4B29-AA8E-9CA518DC54C6}" type="slidenum">
               <a:rPr lang="en-IL" smtClean="0"/>
-              <a:t>28</a:t>
+              <a:t>27</a:t>
             </a:fld>
             <a:endParaRPr lang="en-IL"/>
           </a:p>
@@ -2232,7 +2299,7 @@
     </p:spTree>
     <p:extLst>
       <p:ext uri="{BB962C8B-B14F-4D97-AF65-F5344CB8AC3E}">
-        <p14:creationId xmlns:p14="http://schemas.microsoft.com/office/powerpoint/2010/main" val="867504744"/>
+        <p14:creationId xmlns:p14="http://schemas.microsoft.com/office/powerpoint/2010/main" val="1290220711"/>
       </p:ext>
     </p:extLst>
   </p:cSld>
@@ -2286,6 +2353,90 @@
           <a:bodyPr/>
           <a:lstStyle/>
           <a:p>
+            <a:endParaRPr lang="en-IL" dirty="0"/>
+          </a:p>
+        </p:txBody>
+      </p:sp>
+      <p:sp>
+        <p:nvSpPr>
+          <p:cNvPr id="4" name="Slide Number Placeholder 3"/>
+          <p:cNvSpPr>
+            <a:spLocks noGrp="1"/>
+          </p:cNvSpPr>
+          <p:nvPr>
+            <p:ph type="sldNum" sz="quarter" idx="5"/>
+          </p:nvPr>
+        </p:nvSpPr>
+        <p:spPr/>
+        <p:txBody>
+          <a:bodyPr/>
+          <a:lstStyle/>
+          <a:p>
+            <a:fld id="{7BBAA17F-B3FF-4B29-AA8E-9CA518DC54C6}" type="slidenum">
+              <a:rPr lang="en-IL" smtClean="0"/>
+              <a:t>28</a:t>
+            </a:fld>
+            <a:endParaRPr lang="en-IL"/>
+          </a:p>
+        </p:txBody>
+      </p:sp>
+    </p:spTree>
+    <p:extLst>
+      <p:ext uri="{BB962C8B-B14F-4D97-AF65-F5344CB8AC3E}">
+        <p14:creationId xmlns:p14="http://schemas.microsoft.com/office/powerpoint/2010/main" val="867504744"/>
+      </p:ext>
+    </p:extLst>
+  </p:cSld>
+  <p:clrMapOvr>
+    <a:masterClrMapping/>
+  </p:clrMapOvr>
+</p:notes>
+</file>
+
+<file path=ppt/notesSlides/notesSlide18.xml><?xml version="1.0" encoding="utf-8"?>
+<p:notes xmlns:a="http://schemas.openxmlformats.org/drawingml/2006/main" xmlns:r="http://schemas.openxmlformats.org/officeDocument/2006/relationships" xmlns:p="http://schemas.openxmlformats.org/presentationml/2006/main">
+  <p:cSld>
+    <p:spTree>
+      <p:nvGrpSpPr>
+        <p:cNvPr id="1" name=""/>
+        <p:cNvGrpSpPr/>
+        <p:nvPr/>
+      </p:nvGrpSpPr>
+      <p:grpSpPr>
+        <a:xfrm>
+          <a:off x="0" y="0"/>
+          <a:ext cx="0" cy="0"/>
+          <a:chOff x="0" y="0"/>
+          <a:chExt cx="0" cy="0"/>
+        </a:xfrm>
+      </p:grpSpPr>
+      <p:sp>
+        <p:nvSpPr>
+          <p:cNvPr id="2" name="Slide Image Placeholder 1"/>
+          <p:cNvSpPr>
+            <a:spLocks noGrp="1" noRot="1" noChangeAspect="1"/>
+          </p:cNvSpPr>
+          <p:nvPr>
+            <p:ph type="sldImg"/>
+          </p:nvPr>
+        </p:nvSpPr>
+        <p:spPr/>
+      </p:sp>
+      <p:sp>
+        <p:nvSpPr>
+          <p:cNvPr id="3" name="Notes Placeholder 2"/>
+          <p:cNvSpPr>
+            <a:spLocks noGrp="1"/>
+          </p:cNvSpPr>
+          <p:nvPr>
+            <p:ph type="body" idx="1"/>
+          </p:nvPr>
+        </p:nvSpPr>
+        <p:spPr/>
+        <p:txBody>
+          <a:bodyPr/>
+          <a:lstStyle/>
+          <a:p>
             <a:r>
               <a:rPr lang="en-US" dirty="0"/>
               <a:t>Simple text based output</a:t>
@@ -2330,7 +2481,7 @@
 </p:notes>
 </file>
 
-<file path=ppt/notesSlides/notesSlide18.xml><?xml version="1.0" encoding="utf-8"?>
+<file path=ppt/notesSlides/notesSlide19.xml><?xml version="1.0" encoding="utf-8"?>
 <p:notes xmlns:a="http://schemas.openxmlformats.org/drawingml/2006/main" xmlns:r="http://schemas.openxmlformats.org/officeDocument/2006/relationships" xmlns:p="http://schemas.openxmlformats.org/presentationml/2006/main">
   <p:cSld>
     <p:spTree>
@@ -3304,7 +3455,7 @@
           <a:p>
             <a:fld id="{E76C6979-4359-4DC8-92A3-F7DCB12C5136}" type="datetimeFigureOut">
               <a:rPr lang="en-IL" smtClean="0"/>
-              <a:t>25/06/2019</a:t>
+              <a:t>07/07/2019</a:t>
             </a:fld>
             <a:endParaRPr lang="en-IL"/>
           </a:p>
@@ -3504,7 +3655,7 @@
           <a:p>
             <a:fld id="{E76C6979-4359-4DC8-92A3-F7DCB12C5136}" type="datetimeFigureOut">
               <a:rPr lang="en-IL" smtClean="0"/>
-              <a:t>25/06/2019</a:t>
+              <a:t>07/07/2019</a:t>
             </a:fld>
             <a:endParaRPr lang="en-IL"/>
           </a:p>
@@ -3714,7 +3865,7 @@
           <a:p>
             <a:fld id="{E76C6979-4359-4DC8-92A3-F7DCB12C5136}" type="datetimeFigureOut">
               <a:rPr lang="en-IL" smtClean="0"/>
-              <a:t>25/06/2019</a:t>
+              <a:t>07/07/2019</a:t>
             </a:fld>
             <a:endParaRPr lang="en-IL"/>
           </a:p>
@@ -3914,7 +4065,7 @@
           <a:p>
             <a:fld id="{E76C6979-4359-4DC8-92A3-F7DCB12C5136}" type="datetimeFigureOut">
               <a:rPr lang="en-IL" smtClean="0"/>
-              <a:t>25/06/2019</a:t>
+              <a:t>07/07/2019</a:t>
             </a:fld>
             <a:endParaRPr lang="en-IL"/>
           </a:p>
@@ -4190,7 +4341,7 @@
           <a:p>
             <a:fld id="{E76C6979-4359-4DC8-92A3-F7DCB12C5136}" type="datetimeFigureOut">
               <a:rPr lang="en-IL" smtClean="0"/>
-              <a:t>25/06/2019</a:t>
+              <a:t>07/07/2019</a:t>
             </a:fld>
             <a:endParaRPr lang="en-IL"/>
           </a:p>
@@ -4458,7 +4609,7 @@
           <a:p>
             <a:fld id="{E76C6979-4359-4DC8-92A3-F7DCB12C5136}" type="datetimeFigureOut">
               <a:rPr lang="en-IL" smtClean="0"/>
-              <a:t>25/06/2019</a:t>
+              <a:t>07/07/2019</a:t>
             </a:fld>
             <a:endParaRPr lang="en-IL"/>
           </a:p>
@@ -4873,7 +5024,7 @@
           <a:p>
             <a:fld id="{E76C6979-4359-4DC8-92A3-F7DCB12C5136}" type="datetimeFigureOut">
               <a:rPr lang="en-IL" smtClean="0"/>
-              <a:t>25/06/2019</a:t>
+              <a:t>07/07/2019</a:t>
             </a:fld>
             <a:endParaRPr lang="en-IL"/>
           </a:p>
@@ -5015,7 +5166,7 @@
           <a:p>
             <a:fld id="{E76C6979-4359-4DC8-92A3-F7DCB12C5136}" type="datetimeFigureOut">
               <a:rPr lang="en-IL" smtClean="0"/>
-              <a:t>25/06/2019</a:t>
+              <a:t>07/07/2019</a:t>
             </a:fld>
             <a:endParaRPr lang="en-IL"/>
           </a:p>
@@ -5128,7 +5279,7 @@
           <a:p>
             <a:fld id="{E76C6979-4359-4DC8-92A3-F7DCB12C5136}" type="datetimeFigureOut">
               <a:rPr lang="en-IL" smtClean="0"/>
-              <a:t>25/06/2019</a:t>
+              <a:t>07/07/2019</a:t>
             </a:fld>
             <a:endParaRPr lang="en-IL"/>
           </a:p>
@@ -5441,7 +5592,7 @@
           <a:p>
             <a:fld id="{E76C6979-4359-4DC8-92A3-F7DCB12C5136}" type="datetimeFigureOut">
               <a:rPr lang="en-IL" smtClean="0"/>
-              <a:t>25/06/2019</a:t>
+              <a:t>07/07/2019</a:t>
             </a:fld>
             <a:endParaRPr lang="en-IL"/>
           </a:p>
@@ -5730,7 +5881,7 @@
           <a:p>
             <a:fld id="{E76C6979-4359-4DC8-92A3-F7DCB12C5136}" type="datetimeFigureOut">
               <a:rPr lang="en-IL" smtClean="0"/>
-              <a:t>25/06/2019</a:t>
+              <a:t>07/07/2019</a:t>
             </a:fld>
             <a:endParaRPr lang="en-IL"/>
           </a:p>
@@ -5973,7 +6124,7 @@
           <a:p>
             <a:fld id="{E76C6979-4359-4DC8-92A3-F7DCB12C5136}" type="datetimeFigureOut">
               <a:rPr lang="en-IL" smtClean="0"/>
-              <a:t>25/06/2019</a:t>
+              <a:t>07/07/2019</a:t>
             </a:fld>
             <a:endParaRPr lang="en-IL"/>
           </a:p>
@@ -9371,7 +9522,11 @@
           <a:bodyPr/>
           <a:lstStyle/>
           <a:p>
-            <a:endParaRPr lang="en-IL"/>
+            <a:r>
+              <a:rPr lang="en-US" dirty="0"/>
+              <a:t>List comprehensions</a:t>
+            </a:r>
+            <a:endParaRPr lang="en-IL" dirty="0"/>
           </a:p>
         </p:txBody>
       </p:sp>
@@ -9391,15 +9546,215 @@
             <p:ph idx="1"/>
           </p:nvPr>
         </p:nvSpPr>
-        <p:spPr/>
-        <p:txBody>
-          <a:bodyPr/>
-          <a:lstStyle/>
-          <a:p>
-            <a:endParaRPr lang="en-IL"/>
-          </a:p>
-        </p:txBody>
-      </p:sp>
+        <p:spPr>
+          <a:xfrm>
+            <a:off x="838200" y="1825625"/>
+            <a:ext cx="10515600" cy="4351338"/>
+          </a:xfrm>
+          <a:noFill/>
+          <a:ln>
+            <a:solidFill>
+              <a:schemeClr val="accent4"/>
+            </a:solidFill>
+          </a:ln>
+        </p:spPr>
+        <p:txBody>
+          <a:bodyPr>
+            <a:normAutofit/>
+          </a:bodyPr>
+          <a:lstStyle/>
+          <a:p>
+            <a:r>
+              <a:rPr lang="en-US" dirty="0"/>
+              <a:t>Map and filter in one concise expression</a:t>
+            </a:r>
+          </a:p>
+          <a:p>
+            <a:pPr marL="0" indent="0">
+              <a:buNone/>
+            </a:pPr>
+            <a:r>
+              <a:rPr lang="en-US" dirty="0">
+                <a:latin typeface="Courier New" panose="02070309020205020404" pitchFamily="49" charset="0"/>
+                <a:cs typeface="Courier New" panose="02070309020205020404" pitchFamily="49" charset="0"/>
+              </a:rPr>
+              <a:t>&gt;&gt;&gt; [x*x for x in range(4) if x % 2 == 0]</a:t>
+            </a:r>
+          </a:p>
+          <a:p>
+            <a:pPr marL="0" indent="0">
+              <a:buNone/>
+            </a:pPr>
+            <a:r>
+              <a:rPr lang="en-US" dirty="0">
+                <a:latin typeface="Courier New" panose="02070309020205020404" pitchFamily="49" charset="0"/>
+                <a:cs typeface="Courier New" panose="02070309020205020404" pitchFamily="49" charset="0"/>
+              </a:rPr>
+              <a:t>[0, 4]</a:t>
+            </a:r>
+          </a:p>
+          <a:p>
+            <a:r>
+              <a:rPr lang="en-US" dirty="0"/>
+              <a:t>Or use map() and filter():</a:t>
+            </a:r>
+          </a:p>
+          <a:p>
+            <a:pPr marL="0" indent="0">
+              <a:buNone/>
+            </a:pPr>
+            <a:r>
+              <a:rPr lang="en-US" dirty="0">
+                <a:latin typeface="Courier New" panose="02070309020205020404" pitchFamily="49" charset="0"/>
+                <a:cs typeface="Courier New" panose="02070309020205020404" pitchFamily="49" charset="0"/>
+              </a:rPr>
+              <a:t>&gt;&gt;&gt; list(</a:t>
+            </a:r>
+            <a:r>
+              <a:rPr lang="en-US" dirty="0">
+                <a:ln>
+                  <a:solidFill>
+                    <a:srgbClr val="A9D18E"/>
+                  </a:solidFill>
+                </a:ln>
+                <a:latin typeface="Courier New" panose="02070309020205020404" pitchFamily="49" charset="0"/>
+                <a:cs typeface="Courier New" panose="02070309020205020404" pitchFamily="49" charset="0"/>
+              </a:rPr>
+              <a:t>filter(lambda y: y%2 == 0</a:t>
+            </a:r>
+            <a:r>
+              <a:rPr lang="en-US" dirty="0">
+                <a:latin typeface="Courier New" panose="02070309020205020404" pitchFamily="49" charset="0"/>
+                <a:cs typeface="Courier New" panose="02070309020205020404" pitchFamily="49" charset="0"/>
+              </a:rPr>
+              <a:t>,</a:t>
+            </a:r>
+            <a:r>
+              <a:rPr lang="en-US" dirty="0">
+                <a:ln>
+                  <a:solidFill>
+                    <a:srgbClr val="9DC3E6"/>
+                  </a:solidFill>
+                </a:ln>
+                <a:latin typeface="Courier New" panose="02070309020205020404" pitchFamily="49" charset="0"/>
+                <a:cs typeface="Courier New" panose="02070309020205020404" pitchFamily="49" charset="0"/>
+              </a:rPr>
+              <a:t>map(lambda x: x*x,</a:t>
+            </a:r>
+            <a:r>
+              <a:rPr lang="en-US" dirty="0">
+                <a:latin typeface="Courier New" panose="02070309020205020404" pitchFamily="49" charset="0"/>
+                <a:cs typeface="Courier New" panose="02070309020205020404" pitchFamily="49" charset="0"/>
+              </a:rPr>
+              <a:t> </a:t>
+            </a:r>
+            <a:r>
+              <a:rPr lang="en-US" dirty="0">
+                <a:solidFill>
+                  <a:srgbClr val="FFC000"/>
+                </a:solidFill>
+                <a:latin typeface="Courier New" panose="02070309020205020404" pitchFamily="49" charset="0"/>
+                <a:cs typeface="Courier New" panose="02070309020205020404" pitchFamily="49" charset="0"/>
+              </a:rPr>
+              <a:t>range(4))))</a:t>
+            </a:r>
+          </a:p>
+          <a:p>
+            <a:pPr marL="0" indent="0">
+              <a:buNone/>
+            </a:pPr>
+            <a:endParaRPr lang="en-US" dirty="0">
+              <a:latin typeface="Courier New" panose="02070309020205020404" pitchFamily="49" charset="0"/>
+              <a:cs typeface="Courier New" panose="02070309020205020404" pitchFamily="49" charset="0"/>
+            </a:endParaRPr>
+          </a:p>
+          <a:p>
+            <a:pPr marL="0" indent="0">
+              <a:buNone/>
+            </a:pPr>
+            <a:endParaRPr lang="en-US" dirty="0">
+              <a:latin typeface="Courier New" panose="02070309020205020404" pitchFamily="49" charset="0"/>
+              <a:cs typeface="Courier New" panose="02070309020205020404" pitchFamily="49" charset="0"/>
+            </a:endParaRPr>
+          </a:p>
+          <a:p>
+            <a:pPr marL="0" indent="0">
+              <a:buNone/>
+            </a:pPr>
+            <a:r>
+              <a:rPr lang="en-US" sz="1800" dirty="0">
+                <a:latin typeface="Courier New" panose="02070309020205020404" pitchFamily="49" charset="0"/>
+                <a:cs typeface="Courier New" panose="02070309020205020404" pitchFamily="49" charset="0"/>
+              </a:rPr>
+              <a:t>(</a:t>
+            </a:r>
+            <a:r>
+              <a:rPr lang="en-US" sz="1800" dirty="0">
+                <a:hlinkClick r:id="rId3"/>
+              </a:rPr>
+              <a:t>https://towardsdatascience.com/python-basics-list-comprehensions-631278f22c40</a:t>
+            </a:r>
+            <a:r>
+              <a:rPr lang="en-US" sz="1800" dirty="0"/>
+              <a:t>)</a:t>
+            </a:r>
+            <a:endParaRPr lang="en-US" sz="1800" dirty="0">
+              <a:latin typeface="Courier New" panose="02070309020205020404" pitchFamily="49" charset="0"/>
+              <a:cs typeface="Courier New" panose="02070309020205020404" pitchFamily="49" charset="0"/>
+            </a:endParaRPr>
+          </a:p>
+          <a:p>
+            <a:endParaRPr lang="en-IL" dirty="0"/>
+          </a:p>
+        </p:txBody>
+      </p:sp>
+      <p:pic>
+        <p:nvPicPr>
+          <p:cNvPr id="1032" name="Picture 8" descr="https://cdn-images-1.medium.com/max/1600/1*kBRijbVn8txs8b5VGPBTMg.png">
+            <a:extLst>
+              <a:ext uri="{FF2B5EF4-FFF2-40B4-BE49-F238E27FC236}">
+                <a16:creationId xmlns:a16="http://schemas.microsoft.com/office/drawing/2014/main" id="{3BB8C88D-A664-43ED-9089-4BF532611264}"/>
+              </a:ext>
+            </a:extLst>
+          </p:cNvPr>
+          <p:cNvPicPr>
+            <a:picLocks noChangeAspect="1" noChangeArrowheads="1"/>
+          </p:cNvPicPr>
+          <p:nvPr/>
+        </p:nvPicPr>
+        <p:blipFill>
+          <a:blip r:embed="rId4">
+            <a:extLst>
+              <a:ext uri="{28A0092B-C50C-407E-A947-70E740481C1C}">
+                <a14:useLocalDpi xmlns:a14="http://schemas.microsoft.com/office/drawing/2010/main" val="0"/>
+              </a:ext>
+            </a:extLst>
+          </a:blip>
+          <a:srcRect/>
+          <a:stretch>
+            <a:fillRect/>
+          </a:stretch>
+        </p:blipFill>
+        <p:spPr bwMode="auto">
+          <a:xfrm>
+            <a:off x="838200" y="1215231"/>
+            <a:ext cx="7200900" cy="542925"/>
+          </a:xfrm>
+          <a:prstGeom prst="rect">
+            <a:avLst/>
+          </a:prstGeom>
+          <a:noFill/>
+          <a:extLst>
+            <a:ext uri="{909E8E84-426E-40DD-AFC4-6F175D3DCCD1}">
+              <a14:hiddenFill xmlns:a14="http://schemas.microsoft.com/office/drawing/2010/main">
+                <a:solidFill>
+                  <a:srgbClr val="FFFFFF"/>
+                </a:solidFill>
+              </a14:hiddenFill>
+            </a:ext>
+          </a:extLst>
+        </p:spPr>
+      </p:pic>
     </p:spTree>
     <p:extLst>
       <p:ext uri="{BB962C8B-B14F-4D97-AF65-F5344CB8AC3E}">

--- a/Advanced Python workshop.pptx
+++ b/Advanced Python workshop.pptx
@@ -5,41 +5,44 @@
     <p:sldMasterId id="2147483648" r:id="rId1"/>
   </p:sldMasterIdLst>
   <p:notesMasterIdLst>
-    <p:notesMasterId r:id="rId34"/>
+    <p:notesMasterId r:id="rId37"/>
   </p:notesMasterIdLst>
   <p:sldIdLst>
     <p:sldId id="256" r:id="rId2"/>
     <p:sldId id="257" r:id="rId3"/>
-    <p:sldId id="263" r:id="rId4"/>
-    <p:sldId id="258" r:id="rId5"/>
-    <p:sldId id="269" r:id="rId6"/>
-    <p:sldId id="270" r:id="rId7"/>
-    <p:sldId id="284" r:id="rId8"/>
-    <p:sldId id="277" r:id="rId9"/>
-    <p:sldId id="264" r:id="rId10"/>
-    <p:sldId id="274" r:id="rId11"/>
-    <p:sldId id="265" r:id="rId12"/>
-    <p:sldId id="273" r:id="rId13"/>
-    <p:sldId id="272" r:id="rId14"/>
-    <p:sldId id="266" r:id="rId15"/>
-    <p:sldId id="267" r:id="rId16"/>
-    <p:sldId id="275" r:id="rId17"/>
-    <p:sldId id="283" r:id="rId18"/>
-    <p:sldId id="276" r:id="rId19"/>
-    <p:sldId id="259" r:id="rId20"/>
-    <p:sldId id="268" r:id="rId21"/>
-    <p:sldId id="262" r:id="rId22"/>
-    <p:sldId id="260" r:id="rId23"/>
-    <p:sldId id="261" r:id="rId24"/>
-    <p:sldId id="279" r:id="rId25"/>
-    <p:sldId id="278" r:id="rId26"/>
-    <p:sldId id="280" r:id="rId27"/>
-    <p:sldId id="282" r:id="rId28"/>
-    <p:sldId id="281" r:id="rId29"/>
-    <p:sldId id="285" r:id="rId30"/>
-    <p:sldId id="286" r:id="rId31"/>
-    <p:sldId id="287" r:id="rId32"/>
-    <p:sldId id="271" r:id="rId33"/>
+    <p:sldId id="290" r:id="rId4"/>
+    <p:sldId id="263" r:id="rId5"/>
+    <p:sldId id="289" r:id="rId6"/>
+    <p:sldId id="258" r:id="rId7"/>
+    <p:sldId id="269" r:id="rId8"/>
+    <p:sldId id="270" r:id="rId9"/>
+    <p:sldId id="284" r:id="rId10"/>
+    <p:sldId id="277" r:id="rId11"/>
+    <p:sldId id="264" r:id="rId12"/>
+    <p:sldId id="274" r:id="rId13"/>
+    <p:sldId id="265" r:id="rId14"/>
+    <p:sldId id="273" r:id="rId15"/>
+    <p:sldId id="272" r:id="rId16"/>
+    <p:sldId id="266" r:id="rId17"/>
+    <p:sldId id="267" r:id="rId18"/>
+    <p:sldId id="275" r:id="rId19"/>
+    <p:sldId id="283" r:id="rId20"/>
+    <p:sldId id="276" r:id="rId21"/>
+    <p:sldId id="268" r:id="rId22"/>
+    <p:sldId id="259" r:id="rId23"/>
+    <p:sldId id="262" r:id="rId24"/>
+    <p:sldId id="260" r:id="rId25"/>
+    <p:sldId id="291" r:id="rId26"/>
+    <p:sldId id="261" r:id="rId27"/>
+    <p:sldId id="279" r:id="rId28"/>
+    <p:sldId id="278" r:id="rId29"/>
+    <p:sldId id="280" r:id="rId30"/>
+    <p:sldId id="282" r:id="rId31"/>
+    <p:sldId id="281" r:id="rId32"/>
+    <p:sldId id="285" r:id="rId33"/>
+    <p:sldId id="286" r:id="rId34"/>
+    <p:sldId id="287" r:id="rId35"/>
+    <p:sldId id="271" r:id="rId36"/>
   </p:sldIdLst>
   <p:sldSz cx="12192000" cy="6858000"/>
   <p:notesSz cx="6858000" cy="9144000"/>
@@ -150,8 +153,8 @@
 <pc:chgInfo xmlns:a="http://schemas.openxmlformats.org/drawingml/2006/main" xmlns:r="http://schemas.openxmlformats.org/officeDocument/2006/relationships" xmlns:ac="http://schemas.microsoft.com/office/drawing/2013/main/command" xmlns:pc="http://schemas.microsoft.com/office/powerpoint/2013/main/command">
   <pc:docChgLst>
     <pc:chgData name="Noam Cohen" userId="91dab1e8-3a56-42f2-9f70-7df54632f194" providerId="ADAL" clId="{4A58AB60-FFCE-45E6-B313-A3ABF4C9F6DD}"/>
-    <pc:docChg chg="undo redo custSel addSld delSld modSld">
-      <pc:chgData name="Noam Cohen" userId="91dab1e8-3a56-42f2-9f70-7df54632f194" providerId="ADAL" clId="{4A58AB60-FFCE-45E6-B313-A3ABF4C9F6DD}" dt="2019-07-07T10:34:35.196" v="7009" actId="313"/>
+    <pc:docChg chg="undo redo custSel addSld delSld modSld sldOrd">
+      <pc:chgData name="Noam Cohen" userId="91dab1e8-3a56-42f2-9f70-7df54632f194" providerId="ADAL" clId="{4A58AB60-FFCE-45E6-B313-A3ABF4C9F6DD}" dt="2019-07-09T12:40:52.420" v="9624" actId="1076"/>
       <pc:docMkLst>
         <pc:docMk/>
       </pc:docMkLst>
@@ -179,13 +182,13 @@
         </pc:spChg>
       </pc:sldChg>
       <pc:sldChg chg="modSp">
-        <pc:chgData name="Noam Cohen" userId="91dab1e8-3a56-42f2-9f70-7df54632f194" providerId="ADAL" clId="{4A58AB60-FFCE-45E6-B313-A3ABF4C9F6DD}" dt="2019-05-16T13:54:28.151" v="1752" actId="20577"/>
+        <pc:chgData name="Noam Cohen" userId="91dab1e8-3a56-42f2-9f70-7df54632f194" providerId="ADAL" clId="{4A58AB60-FFCE-45E6-B313-A3ABF4C9F6DD}" dt="2019-07-09T09:08:52.915" v="8612" actId="20577"/>
         <pc:sldMkLst>
           <pc:docMk/>
           <pc:sldMk cId="3223354107" sldId="257"/>
         </pc:sldMkLst>
         <pc:spChg chg="mod">
-          <ac:chgData name="Noam Cohen" userId="91dab1e8-3a56-42f2-9f70-7df54632f194" providerId="ADAL" clId="{4A58AB60-FFCE-45E6-B313-A3ABF4C9F6DD}" dt="2019-05-16T13:54:28.151" v="1752" actId="20577"/>
+          <ac:chgData name="Noam Cohen" userId="91dab1e8-3a56-42f2-9f70-7df54632f194" providerId="ADAL" clId="{4A58AB60-FFCE-45E6-B313-A3ABF4C9F6DD}" dt="2019-07-09T09:08:52.915" v="8612" actId="20577"/>
           <ac:spMkLst>
             <pc:docMk/>
             <pc:sldMk cId="3223354107" sldId="257"/>
@@ -194,7 +197,7 @@
         </pc:spChg>
       </pc:sldChg>
       <pc:sldChg chg="modSp modNotesTx">
-        <pc:chgData name="Noam Cohen" userId="91dab1e8-3a56-42f2-9f70-7df54632f194" providerId="ADAL" clId="{4A58AB60-FFCE-45E6-B313-A3ABF4C9F6DD}" dt="2019-05-16T13:24:49.394" v="1217" actId="20577"/>
+        <pc:chgData name="Noam Cohen" userId="91dab1e8-3a56-42f2-9f70-7df54632f194" providerId="ADAL" clId="{4A58AB60-FFCE-45E6-B313-A3ABF4C9F6DD}" dt="2019-07-09T08:54:14.622" v="8571" actId="404"/>
         <pc:sldMkLst>
           <pc:docMk/>
           <pc:sldMk cId="3257095957" sldId="258"/>
@@ -208,7 +211,7 @@
           </ac:spMkLst>
         </pc:spChg>
         <pc:spChg chg="mod">
-          <ac:chgData name="Noam Cohen" userId="91dab1e8-3a56-42f2-9f70-7df54632f194" providerId="ADAL" clId="{4A58AB60-FFCE-45E6-B313-A3ABF4C9F6DD}" dt="2019-05-16T13:24:49.394" v="1217" actId="20577"/>
+          <ac:chgData name="Noam Cohen" userId="91dab1e8-3a56-42f2-9f70-7df54632f194" providerId="ADAL" clId="{4A58AB60-FFCE-45E6-B313-A3ABF4C9F6DD}" dt="2019-07-09T08:54:14.622" v="8571" actId="404"/>
           <ac:spMkLst>
             <pc:docMk/>
             <pc:sldMk cId="3257095957" sldId="258"/>
@@ -239,18 +242,48 @@
           </ac:spMkLst>
         </pc:spChg>
       </pc:sldChg>
+      <pc:sldChg chg="modSp modNotesTx">
+        <pc:chgData name="Noam Cohen" userId="91dab1e8-3a56-42f2-9f70-7df54632f194" providerId="ADAL" clId="{4A58AB60-FFCE-45E6-B313-A3ABF4C9F6DD}" dt="2019-07-09T12:40:08.527" v="9623" actId="20577"/>
+        <pc:sldMkLst>
+          <pc:docMk/>
+          <pc:sldMk cId="1182514826" sldId="260"/>
+        </pc:sldMkLst>
+        <pc:spChg chg="mod">
+          <ac:chgData name="Noam Cohen" userId="91dab1e8-3a56-42f2-9f70-7df54632f194" providerId="ADAL" clId="{4A58AB60-FFCE-45E6-B313-A3ABF4C9F6DD}" dt="2019-07-09T12:39:38.768" v="9600" actId="20577"/>
+          <ac:spMkLst>
+            <pc:docMk/>
+            <pc:sldMk cId="1182514826" sldId="260"/>
+            <ac:spMk id="3" creationId="{07A8AF2C-E10B-49D7-846B-D55410960F50}"/>
+          </ac:spMkLst>
+        </pc:spChg>
+      </pc:sldChg>
       <pc:sldChg chg="modSp">
-        <pc:chgData name="Noam Cohen" userId="91dab1e8-3a56-42f2-9f70-7df54632f194" providerId="ADAL" clId="{4A58AB60-FFCE-45E6-B313-A3ABF4C9F6DD}" dt="2019-06-25T06:27:34.324" v="5183" actId="20577"/>
+        <pc:chgData name="Noam Cohen" userId="91dab1e8-3a56-42f2-9f70-7df54632f194" providerId="ADAL" clId="{4A58AB60-FFCE-45E6-B313-A3ABF4C9F6DD}" dt="2019-07-07T13:38:14.928" v="7127" actId="20577"/>
         <pc:sldMkLst>
           <pc:docMk/>
           <pc:sldMk cId="933888689" sldId="261"/>
         </pc:sldMkLst>
         <pc:spChg chg="mod">
-          <ac:chgData name="Noam Cohen" userId="91dab1e8-3a56-42f2-9f70-7df54632f194" providerId="ADAL" clId="{4A58AB60-FFCE-45E6-B313-A3ABF4C9F6DD}" dt="2019-06-25T06:27:34.324" v="5183" actId="20577"/>
+          <ac:chgData name="Noam Cohen" userId="91dab1e8-3a56-42f2-9f70-7df54632f194" providerId="ADAL" clId="{4A58AB60-FFCE-45E6-B313-A3ABF4C9F6DD}" dt="2019-07-07T13:38:14.928" v="7127" actId="20577"/>
           <ac:spMkLst>
             <pc:docMk/>
             <pc:sldMk cId="933888689" sldId="261"/>
             <ac:spMk id="3" creationId="{7436ABD3-AE5D-429C-8F7E-D3308134EFB8}"/>
+          </ac:spMkLst>
+        </pc:spChg>
+      </pc:sldChg>
+      <pc:sldChg chg="modSp">
+        <pc:chgData name="Noam Cohen" userId="91dab1e8-3a56-42f2-9f70-7df54632f194" providerId="ADAL" clId="{4A58AB60-FFCE-45E6-B313-A3ABF4C9F6DD}" dt="2019-07-09T09:05:57.467" v="8574" actId="5793"/>
+        <pc:sldMkLst>
+          <pc:docMk/>
+          <pc:sldMk cId="2018483819" sldId="262"/>
+        </pc:sldMkLst>
+        <pc:spChg chg="mod">
+          <ac:chgData name="Noam Cohen" userId="91dab1e8-3a56-42f2-9f70-7df54632f194" providerId="ADAL" clId="{4A58AB60-FFCE-45E6-B313-A3ABF4C9F6DD}" dt="2019-07-09T09:05:57.467" v="8574" actId="5793"/>
+          <ac:spMkLst>
+            <pc:docMk/>
+            <pc:sldMk cId="2018483819" sldId="262"/>
+            <ac:spMk id="3" creationId="{A3FE9E38-81A5-438F-B329-F3B8DF6CC4C8}"/>
           </ac:spMkLst>
         </pc:spChg>
       </pc:sldChg>
@@ -417,8 +450,8 @@
           </ac:spMkLst>
         </pc:spChg>
       </pc:sldChg>
-      <pc:sldChg chg="addSp delSp modSp add modNotesTx">
-        <pc:chgData name="Noam Cohen" userId="91dab1e8-3a56-42f2-9f70-7df54632f194" providerId="ADAL" clId="{4A58AB60-FFCE-45E6-B313-A3ABF4C9F6DD}" dt="2019-07-07T10:34:35.196" v="7009" actId="313"/>
+      <pc:sldChg chg="addSp delSp modSp add ord modNotesTx">
+        <pc:chgData name="Noam Cohen" userId="91dab1e8-3a56-42f2-9f70-7df54632f194" providerId="ADAL" clId="{4A58AB60-FFCE-45E6-B313-A3ABF4C9F6DD}" dt="2019-07-09T09:27:07.025" v="8613"/>
         <pc:sldMkLst>
           <pc:docMk/>
           <pc:sldMk cId="1103280647" sldId="268"/>
@@ -542,8 +575,8 @@
           </ac:picMkLst>
         </pc:picChg>
       </pc:sldChg>
-      <pc:sldChg chg="modSp add">
-        <pc:chgData name="Noam Cohen" userId="91dab1e8-3a56-42f2-9f70-7df54632f194" providerId="ADAL" clId="{4A58AB60-FFCE-45E6-B313-A3ABF4C9F6DD}" dt="2019-06-16T11:02:12.034" v="3511" actId="20577"/>
+      <pc:sldChg chg="addSp modSp add ord">
+        <pc:chgData name="Noam Cohen" userId="91dab1e8-3a56-42f2-9f70-7df54632f194" providerId="ADAL" clId="{4A58AB60-FFCE-45E6-B313-A3ABF4C9F6DD}" dt="2019-07-09T09:07:49.152" v="8587" actId="5793"/>
         <pc:sldMkLst>
           <pc:docMk/>
           <pc:sldMk cId="1979802472" sldId="271"/>
@@ -557,13 +590,21 @@
           </ac:spMkLst>
         </pc:spChg>
         <pc:spChg chg="mod">
-          <ac:chgData name="Noam Cohen" userId="91dab1e8-3a56-42f2-9f70-7df54632f194" providerId="ADAL" clId="{4A58AB60-FFCE-45E6-B313-A3ABF4C9F6DD}" dt="2019-06-16T11:02:12.034" v="3511" actId="20577"/>
+          <ac:chgData name="Noam Cohen" userId="91dab1e8-3a56-42f2-9f70-7df54632f194" providerId="ADAL" clId="{4A58AB60-FFCE-45E6-B313-A3ABF4C9F6DD}" dt="2019-07-09T09:07:49.152" v="8587" actId="5793"/>
           <ac:spMkLst>
             <pc:docMk/>
             <pc:sldMk cId="1979802472" sldId="271"/>
             <ac:spMk id="3" creationId="{9406B0B6-DE38-4F7F-9B34-9067B1C3F135}"/>
           </ac:spMkLst>
         </pc:spChg>
+        <pc:picChg chg="add mod">
+          <ac:chgData name="Noam Cohen" userId="91dab1e8-3a56-42f2-9f70-7df54632f194" providerId="ADAL" clId="{4A58AB60-FFCE-45E6-B313-A3ABF4C9F6DD}" dt="2019-07-09T09:07:28.861" v="8582" actId="14100"/>
+          <ac:picMkLst>
+            <pc:docMk/>
+            <pc:sldMk cId="1979802472" sldId="271"/>
+            <ac:picMk id="4" creationId="{E31EE919-4D19-4D8C-9CCA-9EAFB654AB08}"/>
+          </ac:picMkLst>
+        </pc:picChg>
       </pc:sldChg>
       <pc:sldChg chg="addSp delSp modSp add modAnim modNotesTx">
         <pc:chgData name="Noam Cohen" userId="91dab1e8-3a56-42f2-9f70-7df54632f194" providerId="ADAL" clId="{4A58AB60-FFCE-45E6-B313-A3ABF4C9F6DD}" dt="2019-06-16T10:32:57.782" v="3434" actId="14100"/>
@@ -880,7 +921,7 @@
         </pc:spChg>
       </pc:sldChg>
       <pc:sldChg chg="addSp delSp modSp add">
-        <pc:chgData name="Noam Cohen" userId="91dab1e8-3a56-42f2-9f70-7df54632f194" providerId="ADAL" clId="{4A58AB60-FFCE-45E6-B313-A3ABF4C9F6DD}" dt="2019-06-20T09:14:59.572" v="4904" actId="6549"/>
+        <pc:chgData name="Noam Cohen" userId="91dab1e8-3a56-42f2-9f70-7df54632f194" providerId="ADAL" clId="{4A58AB60-FFCE-45E6-B313-A3ABF4C9F6DD}" dt="2019-07-09T12:40:52.420" v="9624" actId="1076"/>
         <pc:sldMkLst>
           <pc:docMk/>
           <pc:sldMk cId="574460882" sldId="278"/>
@@ -910,7 +951,7 @@
           </ac:spMkLst>
         </pc:spChg>
         <pc:spChg chg="add mod">
-          <ac:chgData name="Noam Cohen" userId="91dab1e8-3a56-42f2-9f70-7df54632f194" providerId="ADAL" clId="{4A58AB60-FFCE-45E6-B313-A3ABF4C9F6DD}" dt="2019-06-20T09:11:24.156" v="4787" actId="14100"/>
+          <ac:chgData name="Noam Cohen" userId="91dab1e8-3a56-42f2-9f70-7df54632f194" providerId="ADAL" clId="{4A58AB60-FFCE-45E6-B313-A3ABF4C9F6DD}" dt="2019-07-09T12:40:52.420" v="9624" actId="1076"/>
           <ac:spMkLst>
             <pc:docMk/>
             <pc:sldMk cId="574460882" sldId="278"/>
@@ -1205,6 +1246,145 @@
           </ac:picMkLst>
         </pc:picChg>
       </pc:sldChg>
+      <pc:sldChg chg="addSp delSp modSp add del">
+        <pc:chgData name="Noam Cohen" userId="91dab1e8-3a56-42f2-9f70-7df54632f194" providerId="ADAL" clId="{4A58AB60-FFCE-45E6-B313-A3ABF4C9F6DD}" dt="2019-07-09T09:08:10.616" v="8588" actId="2696"/>
+        <pc:sldMkLst>
+          <pc:docMk/>
+          <pc:sldMk cId="4017753053" sldId="288"/>
+        </pc:sldMkLst>
+        <pc:spChg chg="mod">
+          <ac:chgData name="Noam Cohen" userId="91dab1e8-3a56-42f2-9f70-7df54632f194" providerId="ADAL" clId="{4A58AB60-FFCE-45E6-B313-A3ABF4C9F6DD}" dt="2019-07-07T13:06:33.549" v="7040" actId="20577"/>
+          <ac:spMkLst>
+            <pc:docMk/>
+            <pc:sldMk cId="4017753053" sldId="288"/>
+            <ac:spMk id="2" creationId="{88C96277-AEFE-4B8F-BFAD-2FF329C1EA91}"/>
+          </ac:spMkLst>
+        </pc:spChg>
+        <pc:spChg chg="mod">
+          <ac:chgData name="Noam Cohen" userId="91dab1e8-3a56-42f2-9f70-7df54632f194" providerId="ADAL" clId="{4A58AB60-FFCE-45E6-B313-A3ABF4C9F6DD}" dt="2019-07-09T09:07:41.461" v="8584"/>
+          <ac:spMkLst>
+            <pc:docMk/>
+            <pc:sldMk cId="4017753053" sldId="288"/>
+            <ac:spMk id="3" creationId="{B13C41B8-1618-410E-9DE1-94756ED4CDFC}"/>
+          </ac:spMkLst>
+        </pc:spChg>
+        <pc:picChg chg="add del mod">
+          <ac:chgData name="Noam Cohen" userId="91dab1e8-3a56-42f2-9f70-7df54632f194" providerId="ADAL" clId="{4A58AB60-FFCE-45E6-B313-A3ABF4C9F6DD}" dt="2019-07-07T13:07:43.403" v="7053"/>
+          <ac:picMkLst>
+            <pc:docMk/>
+            <pc:sldMk cId="4017753053" sldId="288"/>
+            <ac:picMk id="1026" creationId="{E2D908F8-C0A3-4CEB-AD50-9E2ECE4B4CE6}"/>
+          </ac:picMkLst>
+        </pc:picChg>
+        <pc:picChg chg="add del mod">
+          <ac:chgData name="Noam Cohen" userId="91dab1e8-3a56-42f2-9f70-7df54632f194" providerId="ADAL" clId="{4A58AB60-FFCE-45E6-B313-A3ABF4C9F6DD}" dt="2019-07-09T09:07:12.585" v="8579"/>
+          <ac:picMkLst>
+            <pc:docMk/>
+            <pc:sldMk cId="4017753053" sldId="288"/>
+            <ac:picMk id="1028" creationId="{A09BB9B8-8B64-4460-B833-A864C9EE4298}"/>
+          </ac:picMkLst>
+        </pc:picChg>
+      </pc:sldChg>
+      <pc:sldChg chg="modSp add modNotesTx">
+        <pc:chgData name="Noam Cohen" userId="91dab1e8-3a56-42f2-9f70-7df54632f194" providerId="ADAL" clId="{4A58AB60-FFCE-45E6-B313-A3ABF4C9F6DD}" dt="2019-07-08T05:55:01.192" v="8274" actId="20577"/>
+        <pc:sldMkLst>
+          <pc:docMk/>
+          <pc:sldMk cId="313681494" sldId="289"/>
+        </pc:sldMkLst>
+        <pc:spChg chg="mod">
+          <ac:chgData name="Noam Cohen" userId="91dab1e8-3a56-42f2-9f70-7df54632f194" providerId="ADAL" clId="{4A58AB60-FFCE-45E6-B313-A3ABF4C9F6DD}" dt="2019-07-07T13:38:42.284" v="7154" actId="20577"/>
+          <ac:spMkLst>
+            <pc:docMk/>
+            <pc:sldMk cId="313681494" sldId="289"/>
+            <ac:spMk id="2" creationId="{5E113C1A-EE72-4FBC-91B9-F2A74424B389}"/>
+          </ac:spMkLst>
+        </pc:spChg>
+        <pc:spChg chg="mod">
+          <ac:chgData name="Noam Cohen" userId="91dab1e8-3a56-42f2-9f70-7df54632f194" providerId="ADAL" clId="{4A58AB60-FFCE-45E6-B313-A3ABF4C9F6DD}" dt="2019-07-08T05:53:40.142" v="8268"/>
+          <ac:spMkLst>
+            <pc:docMk/>
+            <pc:sldMk cId="313681494" sldId="289"/>
+            <ac:spMk id="3" creationId="{3A89D64A-EF89-44E3-87D5-C9091B1F3D11}"/>
+          </ac:spMkLst>
+        </pc:spChg>
+      </pc:sldChg>
+      <pc:sldChg chg="modSp add modNotesTx">
+        <pc:chgData name="Noam Cohen" userId="91dab1e8-3a56-42f2-9f70-7df54632f194" providerId="ADAL" clId="{4A58AB60-FFCE-45E6-B313-A3ABF4C9F6DD}" dt="2019-07-09T07:30:10.077" v="8384" actId="20577"/>
+        <pc:sldMkLst>
+          <pc:docMk/>
+          <pc:sldMk cId="2411966097" sldId="290"/>
+        </pc:sldMkLst>
+        <pc:spChg chg="mod">
+          <ac:chgData name="Noam Cohen" userId="91dab1e8-3a56-42f2-9f70-7df54632f194" providerId="ADAL" clId="{4A58AB60-FFCE-45E6-B313-A3ABF4C9F6DD}" dt="2019-07-07T14:16:31.634" v="7794" actId="20577"/>
+          <ac:spMkLst>
+            <pc:docMk/>
+            <pc:sldMk cId="2411966097" sldId="290"/>
+            <ac:spMk id="2" creationId="{40BB4350-9111-4D5E-90C2-E94B4D63D94B}"/>
+          </ac:spMkLst>
+        </pc:spChg>
+        <pc:spChg chg="mod">
+          <ac:chgData name="Noam Cohen" userId="91dab1e8-3a56-42f2-9f70-7df54632f194" providerId="ADAL" clId="{4A58AB60-FFCE-45E6-B313-A3ABF4C9F6DD}" dt="2019-07-07T14:19:34.078" v="7906" actId="20577"/>
+          <ac:spMkLst>
+            <pc:docMk/>
+            <pc:sldMk cId="2411966097" sldId="290"/>
+            <ac:spMk id="3" creationId="{A0F0EC19-F4A3-443A-B950-61D9D1C7B6EE}"/>
+          </ac:spMkLst>
+        </pc:spChg>
+      </pc:sldChg>
+      <pc:sldChg chg="addSp delSp modSp add modNotesTx">
+        <pc:chgData name="Noam Cohen" userId="91dab1e8-3a56-42f2-9f70-7df54632f194" providerId="ADAL" clId="{4A58AB60-FFCE-45E6-B313-A3ABF4C9F6DD}" dt="2019-07-09T12:35:10.807" v="9091" actId="478"/>
+        <pc:sldMkLst>
+          <pc:docMk/>
+          <pc:sldMk cId="2295202889" sldId="291"/>
+        </pc:sldMkLst>
+        <pc:spChg chg="mod">
+          <ac:chgData name="Noam Cohen" userId="91dab1e8-3a56-42f2-9f70-7df54632f194" providerId="ADAL" clId="{4A58AB60-FFCE-45E6-B313-A3ABF4C9F6DD}" dt="2019-07-09T10:58:42.722" v="8658" actId="404"/>
+          <ac:spMkLst>
+            <pc:docMk/>
+            <pc:sldMk cId="2295202889" sldId="291"/>
+            <ac:spMk id="2" creationId="{AAB4666E-503E-45FD-94ED-4D012CC97B98}"/>
+          </ac:spMkLst>
+        </pc:spChg>
+        <pc:spChg chg="mod">
+          <ac:chgData name="Noam Cohen" userId="91dab1e8-3a56-42f2-9f70-7df54632f194" providerId="ADAL" clId="{4A58AB60-FFCE-45E6-B313-A3ABF4C9F6DD}" dt="2019-07-09T11:24:40.126" v="9082" actId="20577"/>
+          <ac:spMkLst>
+            <pc:docMk/>
+            <pc:sldMk cId="2295202889" sldId="291"/>
+            <ac:spMk id="3" creationId="{86A77A9C-F51B-45B0-87AA-D23473D42078}"/>
+          </ac:spMkLst>
+        </pc:spChg>
+        <pc:spChg chg="add">
+          <ac:chgData name="Noam Cohen" userId="91dab1e8-3a56-42f2-9f70-7df54632f194" providerId="ADAL" clId="{4A58AB60-FFCE-45E6-B313-A3ABF4C9F6DD}" dt="2019-07-09T12:26:57.205" v="9083"/>
+          <ac:spMkLst>
+            <pc:docMk/>
+            <pc:sldMk cId="2295202889" sldId="291"/>
+            <ac:spMk id="4" creationId="{EA0BCA7E-2498-4866-B578-007C89C7F07C}"/>
+          </ac:spMkLst>
+        </pc:spChg>
+        <pc:spChg chg="add del mod">
+          <ac:chgData name="Noam Cohen" userId="91dab1e8-3a56-42f2-9f70-7df54632f194" providerId="ADAL" clId="{4A58AB60-FFCE-45E6-B313-A3ABF4C9F6DD}" dt="2019-07-09T12:35:10.409" v="9090"/>
+          <ac:spMkLst>
+            <pc:docMk/>
+            <pc:sldMk cId="2295202889" sldId="291"/>
+            <ac:spMk id="5" creationId="{EE0C2405-381C-4E36-A7D6-3790C2545B73}"/>
+          </ac:spMkLst>
+        </pc:spChg>
+        <pc:picChg chg="add del mod">
+          <ac:chgData name="Noam Cohen" userId="91dab1e8-3a56-42f2-9f70-7df54632f194" providerId="ADAL" clId="{4A58AB60-FFCE-45E6-B313-A3ABF4C9F6DD}" dt="2019-07-09T12:35:10.807" v="9091" actId="478"/>
+          <ac:picMkLst>
+            <pc:docMk/>
+            <pc:sldMk cId="2295202889" sldId="291"/>
+            <ac:picMk id="1026" creationId="{30F8D85C-ED14-42C1-93E4-93B81B85F80F}"/>
+          </ac:picMkLst>
+        </pc:picChg>
+      </pc:sldChg>
+      <pc:sldChg chg="add del">
+        <pc:chgData name="Noam Cohen" userId="91dab1e8-3a56-42f2-9f70-7df54632f194" providerId="ADAL" clId="{4A58AB60-FFCE-45E6-B313-A3ABF4C9F6DD}" dt="2019-07-09T11:00:45.784" v="8803" actId="2696"/>
+        <pc:sldMkLst>
+          <pc:docMk/>
+          <pc:sldMk cId="2975873358" sldId="292"/>
+        </pc:sldMkLst>
+      </pc:sldChg>
     </pc:docChg>
   </pc:docChgLst>
 </pc:chgInfo>
@@ -1292,7 +1472,7 @@
           <a:p>
             <a:fld id="{E3A89C9D-33F5-4EFB-A589-AF1B6A4537ED}" type="datetimeFigureOut">
               <a:rPr lang="en-IL" smtClean="0"/>
-              <a:t>07/07/2019</a:t>
+              <a:t>09/07/2019</a:t>
             </a:fld>
             <a:endParaRPr lang="en-IL"/>
           </a:p>
@@ -1604,28 +1784,6 @@
           <a:bodyPr/>
           <a:lstStyle/>
           <a:p>
-            <a:r>
-              <a:rPr lang="en-US" dirty="0"/>
-              <a:t>Day 1 + half of day 2</a:t>
-            </a:r>
-          </a:p>
-          <a:p>
-            <a:endParaRPr lang="en-US" dirty="0"/>
-          </a:p>
-          <a:p>
-            <a:r>
-              <a:rPr lang="en-US" dirty="0"/>
-              <a:t>Syllabus at </a:t>
-            </a:r>
-            <a:r>
-              <a:rPr lang="en-US" dirty="0">
-                <a:hlinkClick r:id="rId3"/>
-              </a:rPr>
-              <a:t>https://docs.google.com/document/d/1-a5sqkK6FUwHCfmMCsv2auJZcEwZSQ7TbYP2DRMGVDg/edit#</a:t>
-            </a:r>
-            <a:endParaRPr lang="en-US" dirty="0"/>
-          </a:p>
-          <a:p>
             <a:endParaRPr lang="en-IL" dirty="0"/>
           </a:p>
         </p:txBody>
@@ -1647,7 +1805,7 @@
           <a:p>
             <a:fld id="{7BBAA17F-B3FF-4B29-AA8E-9CA518DC54C6}" type="slidenum">
               <a:rPr lang="en-IL" smtClean="0"/>
-              <a:t>3</a:t>
+              <a:t>2</a:t>
             </a:fld>
             <a:endParaRPr lang="en-IL"/>
           </a:p>
@@ -1656,7 +1814,7 @@
     </p:spTree>
     <p:extLst>
       <p:ext uri="{BB962C8B-B14F-4D97-AF65-F5344CB8AC3E}">
-        <p14:creationId xmlns:p14="http://schemas.microsoft.com/office/powerpoint/2010/main" val="1994600000"/>
+        <p14:creationId xmlns:p14="http://schemas.microsoft.com/office/powerpoint/2010/main" val="2762108676"/>
       </p:ext>
     </p:extLst>
   </p:cSld>
@@ -1710,34 +1868,6 @@
           <a:bodyPr/>
           <a:lstStyle/>
           <a:p>
-            <a:r>
-              <a:rPr lang="en-US" dirty="0"/>
-              <a:t>It seems (from internet search) to me that both implementations are alive but are not popular.</a:t>
-            </a:r>
-          </a:p>
-          <a:p>
-            <a:endParaRPr lang="en-US" dirty="0"/>
-          </a:p>
-          <a:p>
-            <a:r>
-              <a:rPr lang="en-US" dirty="0"/>
-              <a:t>Not clear if </a:t>
-            </a:r>
-            <a:r>
-              <a:rPr lang="en-US" dirty="0" err="1"/>
-              <a:t>jython</a:t>
-            </a:r>
-            <a:r>
-              <a:rPr lang="en-US" dirty="0"/>
-              <a:t>  support for python 3 </a:t>
-            </a:r>
-            <a:r>
-              <a:rPr lang="en-US"/>
-              <a:t>is stable</a:t>
-            </a:r>
-            <a:endParaRPr lang="en-US" dirty="0"/>
-          </a:p>
-          <a:p>
             <a:endParaRPr lang="en-IL" dirty="0"/>
           </a:p>
         </p:txBody>
@@ -1759,7 +1889,7 @@
           <a:p>
             <a:fld id="{7BBAA17F-B3FF-4B29-AA8E-9CA518DC54C6}" type="slidenum">
               <a:rPr lang="en-IL" smtClean="0"/>
-              <a:t>18</a:t>
+              <a:t>13</a:t>
             </a:fld>
             <a:endParaRPr lang="en-IL"/>
           </a:p>
@@ -1768,7 +1898,7 @@
     </p:spTree>
     <p:extLst>
       <p:ext uri="{BB962C8B-B14F-4D97-AF65-F5344CB8AC3E}">
-        <p14:creationId xmlns:p14="http://schemas.microsoft.com/office/powerpoint/2010/main" val="3406193389"/>
+        <p14:creationId xmlns:p14="http://schemas.microsoft.com/office/powerpoint/2010/main" val="3385917794"/>
       </p:ext>
     </p:extLst>
   </p:cSld>
@@ -1824,8 +1954,10 @@
           <a:p>
             <a:r>
               <a:rPr lang="en-US" dirty="0"/>
-              <a:t>Day 2</a:t>
-            </a:r>
+              <a:t>Topic: imports</a:t>
+            </a:r>
+          </a:p>
+          <a:p>
             <a:endParaRPr lang="en-IL" dirty="0"/>
           </a:p>
         </p:txBody>
@@ -1847,7 +1979,7 @@
           <a:p>
             <a:fld id="{7BBAA17F-B3FF-4B29-AA8E-9CA518DC54C6}" type="slidenum">
               <a:rPr lang="en-IL" smtClean="0"/>
-              <a:t>19</a:t>
+              <a:t>15</a:t>
             </a:fld>
             <a:endParaRPr lang="en-IL"/>
           </a:p>
@@ -1856,7 +1988,7 @@
     </p:spTree>
     <p:extLst>
       <p:ext uri="{BB962C8B-B14F-4D97-AF65-F5344CB8AC3E}">
-        <p14:creationId xmlns:p14="http://schemas.microsoft.com/office/powerpoint/2010/main" val="2365399512"/>
+        <p14:creationId xmlns:p14="http://schemas.microsoft.com/office/powerpoint/2010/main" val="2094361388"/>
       </p:ext>
     </p:extLst>
   </p:cSld>
@@ -1910,17 +2042,6 @@
           <a:bodyPr/>
           <a:lstStyle/>
           <a:p>
-            <a:r>
-              <a:rPr lang="en-US" dirty="0"/>
-              <a:t>Personally I think it violates the “there should be one way of doing this” principle, but I agree it is </a:t>
-            </a:r>
-            <a:r>
-              <a:rPr lang="en-US"/>
-              <a:t>more readable</a:t>
-            </a:r>
-            <a:endParaRPr lang="en-US" dirty="0"/>
-          </a:p>
-          <a:p>
             <a:endParaRPr lang="en-IL" dirty="0"/>
           </a:p>
         </p:txBody>
@@ -1942,7 +2063,7 @@
           <a:p>
             <a:fld id="{7BBAA17F-B3FF-4B29-AA8E-9CA518DC54C6}" type="slidenum">
               <a:rPr lang="en-IL" smtClean="0"/>
-              <a:t>20</a:t>
+              <a:t>18</a:t>
             </a:fld>
             <a:endParaRPr lang="en-IL"/>
           </a:p>
@@ -1951,7 +2072,7 @@
     </p:spTree>
     <p:extLst>
       <p:ext uri="{BB962C8B-B14F-4D97-AF65-F5344CB8AC3E}">
-        <p14:creationId xmlns:p14="http://schemas.microsoft.com/office/powerpoint/2010/main" val="4111939235"/>
+        <p14:creationId xmlns:p14="http://schemas.microsoft.com/office/powerpoint/2010/main" val="3932135400"/>
       </p:ext>
     </p:extLst>
   </p:cSld>
@@ -2007,8 +2128,32 @@
           <a:p>
             <a:r>
               <a:rPr lang="en-US" dirty="0"/>
-              <a:t>Day 3</a:t>
-            </a:r>
+              <a:t>It seems (from internet search) to me that both implementations are alive but are not popular.</a:t>
+            </a:r>
+          </a:p>
+          <a:p>
+            <a:endParaRPr lang="en-US" dirty="0"/>
+          </a:p>
+          <a:p>
+            <a:r>
+              <a:rPr lang="en-US" dirty="0"/>
+              <a:t>Not clear if </a:t>
+            </a:r>
+            <a:r>
+              <a:rPr lang="en-US" dirty="0" err="1"/>
+              <a:t>jython</a:t>
+            </a:r>
+            <a:r>
+              <a:rPr lang="en-US" dirty="0"/>
+              <a:t>  support for python 3 </a:t>
+            </a:r>
+            <a:r>
+              <a:rPr lang="en-US"/>
+              <a:t>is stable</a:t>
+            </a:r>
+            <a:endParaRPr lang="en-US" dirty="0"/>
+          </a:p>
+          <a:p>
             <a:endParaRPr lang="en-IL" dirty="0"/>
           </a:p>
         </p:txBody>
@@ -2030,7 +2175,7 @@
           <a:p>
             <a:fld id="{7BBAA17F-B3FF-4B29-AA8E-9CA518DC54C6}" type="slidenum">
               <a:rPr lang="en-IL" smtClean="0"/>
-              <a:t>21</a:t>
+              <a:t>20</a:t>
             </a:fld>
             <a:endParaRPr lang="en-IL"/>
           </a:p>
@@ -2039,7 +2184,7 @@
     </p:spTree>
     <p:extLst>
       <p:ext uri="{BB962C8B-B14F-4D97-AF65-F5344CB8AC3E}">
-        <p14:creationId xmlns:p14="http://schemas.microsoft.com/office/powerpoint/2010/main" val="1796451147"/>
+        <p14:creationId xmlns:p14="http://schemas.microsoft.com/office/powerpoint/2010/main" val="3406193389"/>
       </p:ext>
     </p:extLst>
   </p:cSld>
@@ -2095,8 +2240,15 @@
           <a:p>
             <a:r>
               <a:rPr lang="en-US" dirty="0"/>
-              <a:t>Day 3</a:t>
-            </a:r>
+              <a:t>Personally I think it violates the “there should be one way of doing this” principle, but I agree it is </a:t>
+            </a:r>
+            <a:r>
+              <a:rPr lang="en-US"/>
+              <a:t>more readable</a:t>
+            </a:r>
+            <a:endParaRPr lang="en-US" dirty="0"/>
+          </a:p>
+          <a:p>
             <a:endParaRPr lang="en-IL" dirty="0"/>
           </a:p>
         </p:txBody>
@@ -2118,7 +2270,7 @@
           <a:p>
             <a:fld id="{7BBAA17F-B3FF-4B29-AA8E-9CA518DC54C6}" type="slidenum">
               <a:rPr lang="en-IL" smtClean="0"/>
-              <a:t>22</a:t>
+              <a:t>21</a:t>
             </a:fld>
             <a:endParaRPr lang="en-IL"/>
           </a:p>
@@ -2127,7 +2279,7 @@
     </p:spTree>
     <p:extLst>
       <p:ext uri="{BB962C8B-B14F-4D97-AF65-F5344CB8AC3E}">
-        <p14:creationId xmlns:p14="http://schemas.microsoft.com/office/powerpoint/2010/main" val="4212853133"/>
+        <p14:creationId xmlns:p14="http://schemas.microsoft.com/office/powerpoint/2010/main" val="4111939235"/>
       </p:ext>
     </p:extLst>
   </p:cSld>
@@ -2183,7 +2335,7 @@
           <a:p>
             <a:r>
               <a:rPr lang="en-US" dirty="0"/>
-              <a:t>Day 4</a:t>
+              <a:t>Day 2</a:t>
             </a:r>
             <a:endParaRPr lang="en-IL" dirty="0"/>
           </a:p>
@@ -2206,7 +2358,7 @@
           <a:p>
             <a:fld id="{7BBAA17F-B3FF-4B29-AA8E-9CA518DC54C6}" type="slidenum">
               <a:rPr lang="en-IL" smtClean="0"/>
-              <a:t>23</a:t>
+              <a:t>22</a:t>
             </a:fld>
             <a:endParaRPr lang="en-IL"/>
           </a:p>
@@ -2215,7 +2367,7 @@
     </p:spTree>
     <p:extLst>
       <p:ext uri="{BB962C8B-B14F-4D97-AF65-F5344CB8AC3E}">
-        <p14:creationId xmlns:p14="http://schemas.microsoft.com/office/powerpoint/2010/main" val="3121267208"/>
+        <p14:creationId xmlns:p14="http://schemas.microsoft.com/office/powerpoint/2010/main" val="2365399512"/>
       </p:ext>
     </p:extLst>
   </p:cSld>
@@ -2269,6 +2421,10 @@
           <a:bodyPr/>
           <a:lstStyle/>
           <a:p>
+            <a:r>
+              <a:rPr lang="en-US" dirty="0"/>
+              <a:t>Day 3</a:t>
+            </a:r>
             <a:endParaRPr lang="en-IL" dirty="0"/>
           </a:p>
         </p:txBody>
@@ -2290,7 +2446,7 @@
           <a:p>
             <a:fld id="{7BBAA17F-B3FF-4B29-AA8E-9CA518DC54C6}" type="slidenum">
               <a:rPr lang="en-IL" smtClean="0"/>
-              <a:t>27</a:t>
+              <a:t>23</a:t>
             </a:fld>
             <a:endParaRPr lang="en-IL"/>
           </a:p>
@@ -2299,7 +2455,7 @@
     </p:spTree>
     <p:extLst>
       <p:ext uri="{BB962C8B-B14F-4D97-AF65-F5344CB8AC3E}">
-        <p14:creationId xmlns:p14="http://schemas.microsoft.com/office/powerpoint/2010/main" val="1290220711"/>
+        <p14:creationId xmlns:p14="http://schemas.microsoft.com/office/powerpoint/2010/main" val="1796451147"/>
       </p:ext>
     </p:extLst>
   </p:cSld>
@@ -2353,6 +2509,19 @@
           <a:bodyPr/>
           <a:lstStyle/>
           <a:p>
+            <a:r>
+              <a:rPr lang="en-US" dirty="0"/>
+              <a:t>See for example </a:t>
+            </a:r>
+            <a:r>
+              <a:rPr lang="en-US" dirty="0">
+                <a:hlinkClick r:id="rId3"/>
+              </a:rPr>
+              <a:t>https://www.toptal.com/python/beginners-guide-to-concurrency-and-parallelism-in-python</a:t>
+            </a:r>
+            <a:endParaRPr lang="en-US" dirty="0"/>
+          </a:p>
+          <a:p>
             <a:endParaRPr lang="en-IL" dirty="0"/>
           </a:p>
         </p:txBody>
@@ -2374,7 +2543,7 @@
           <a:p>
             <a:fld id="{7BBAA17F-B3FF-4B29-AA8E-9CA518DC54C6}" type="slidenum">
               <a:rPr lang="en-IL" smtClean="0"/>
-              <a:t>28</a:t>
+              <a:t>24</a:t>
             </a:fld>
             <a:endParaRPr lang="en-IL"/>
           </a:p>
@@ -2383,7 +2552,7 @@
     </p:spTree>
     <p:extLst>
       <p:ext uri="{BB962C8B-B14F-4D97-AF65-F5344CB8AC3E}">
-        <p14:creationId xmlns:p14="http://schemas.microsoft.com/office/powerpoint/2010/main" val="867504744"/>
+        <p14:creationId xmlns:p14="http://schemas.microsoft.com/office/powerpoint/2010/main" val="4212853133"/>
       </p:ext>
     </p:extLst>
   </p:cSld>
@@ -2439,7 +2608,47 @@
           <a:p>
             <a:r>
               <a:rPr lang="en-US" dirty="0"/>
-              <a:t>Simple text based output</a:t>
+              <a:t>Complications:</a:t>
+            </a:r>
+          </a:p>
+          <a:p>
+            <a:pPr marL="171450" indent="-171450">
+              <a:buFont typeface="Arial" panose="020B0604020202020204" pitchFamily="34" charset="0"/>
+              <a:buChar char="•"/>
+            </a:pPr>
+            <a:r>
+              <a:rPr lang="en-US" dirty="0"/>
+              <a:t>Error handling is a nightmare</a:t>
+            </a:r>
+          </a:p>
+          <a:p>
+            <a:pPr marL="171450" indent="-171450">
+              <a:buFont typeface="Arial" panose="020B0604020202020204" pitchFamily="34" charset="0"/>
+              <a:buChar char="•"/>
+            </a:pPr>
+            <a:r>
+              <a:rPr lang="en-US" dirty="0"/>
+              <a:t>No clear stack trace to follow</a:t>
+            </a:r>
+          </a:p>
+          <a:p>
+            <a:pPr marL="171450" indent="-171450" rtl="0">
+              <a:buFont typeface="Arial" panose="020B0604020202020204" pitchFamily="34" charset="0"/>
+              <a:buChar char="•"/>
+            </a:pPr>
+            <a:r>
+              <a:rPr lang="en-US" dirty="0"/>
+              <a:t>Less readable (i.e. non readable)</a:t>
+            </a:r>
+          </a:p>
+          <a:p>
+            <a:pPr marL="171450" indent="-171450" rtl="0">
+              <a:buFont typeface="Arial" panose="020B0604020202020204" pitchFamily="34" charset="0"/>
+              <a:buChar char="•"/>
+            </a:pPr>
+            <a:r>
+              <a:rPr lang="en-US" dirty="0"/>
+              <a:t>you need to implement completion callback functions</a:t>
             </a:r>
             <a:endParaRPr lang="en-IL" dirty="0"/>
           </a:p>
@@ -2462,7 +2671,7 @@
           <a:p>
             <a:fld id="{7BBAA17F-B3FF-4B29-AA8E-9CA518DC54C6}" type="slidenum">
               <a:rPr lang="en-IL" smtClean="0"/>
-              <a:t>29</a:t>
+              <a:t>25</a:t>
             </a:fld>
             <a:endParaRPr lang="en-IL"/>
           </a:p>
@@ -2471,7 +2680,7 @@
     </p:spTree>
     <p:extLst>
       <p:ext uri="{BB962C8B-B14F-4D97-AF65-F5344CB8AC3E}">
-        <p14:creationId xmlns:p14="http://schemas.microsoft.com/office/powerpoint/2010/main" val="850066266"/>
+        <p14:creationId xmlns:p14="http://schemas.microsoft.com/office/powerpoint/2010/main" val="3649453036"/>
       </p:ext>
     </p:extLst>
   </p:cSld>
@@ -2527,7 +2736,7 @@
           <a:p>
             <a:r>
               <a:rPr lang="en-US" dirty="0"/>
-              <a:t> pip install pyprof2calltree </a:t>
+              <a:t>Day 4</a:t>
             </a:r>
             <a:endParaRPr lang="en-IL" dirty="0"/>
           </a:p>
@@ -2550,7 +2759,7 @@
           <a:p>
             <a:fld id="{7BBAA17F-B3FF-4B29-AA8E-9CA518DC54C6}" type="slidenum">
               <a:rPr lang="en-IL" smtClean="0"/>
-              <a:t>30</a:t>
+              <a:t>26</a:t>
             </a:fld>
             <a:endParaRPr lang="en-IL"/>
           </a:p>
@@ -2559,7 +2768,7 @@
     </p:spTree>
     <p:extLst>
       <p:ext uri="{BB962C8B-B14F-4D97-AF65-F5344CB8AC3E}">
-        <p14:creationId xmlns:p14="http://schemas.microsoft.com/office/powerpoint/2010/main" val="1271540765"/>
+        <p14:creationId xmlns:p14="http://schemas.microsoft.com/office/powerpoint/2010/main" val="3121267208"/>
       </p:ext>
     </p:extLst>
   </p:cSld>
@@ -2615,14 +2824,15 @@
           <a:p>
             <a:r>
               <a:rPr lang="en-US" dirty="0"/>
-              <a:t>Demo:</a:t>
-            </a:r>
-          </a:p>
-          <a:p>
-            <a:r>
-              <a:rPr lang="en-US" dirty="0"/>
-              <a:t>Create a function, select, right click, generate test</a:t>
-            </a:r>
+              <a:t>e.g. </a:t>
+            </a:r>
+            <a:r>
+              <a:rPr lang="en-US" dirty="0">
+                <a:hlinkClick r:id="rId3"/>
+              </a:rPr>
+              <a:t>https://www.atlassian.com/git/tutorials/what-is-version-control</a:t>
+            </a:r>
+            <a:endParaRPr lang="en-US" dirty="0"/>
           </a:p>
           <a:p>
             <a:endParaRPr lang="en-IL" dirty="0"/>
@@ -2646,7 +2856,7 @@
           <a:p>
             <a:fld id="{7BBAA17F-B3FF-4B29-AA8E-9CA518DC54C6}" type="slidenum">
               <a:rPr lang="en-IL" smtClean="0"/>
-              <a:t>4</a:t>
+              <a:t>3</a:t>
             </a:fld>
             <a:endParaRPr lang="en-IL"/>
           </a:p>
@@ -2655,7 +2865,351 @@
     </p:spTree>
     <p:extLst>
       <p:ext uri="{BB962C8B-B14F-4D97-AF65-F5344CB8AC3E}">
-        <p14:creationId xmlns:p14="http://schemas.microsoft.com/office/powerpoint/2010/main" val="2071216371"/>
+        <p14:creationId xmlns:p14="http://schemas.microsoft.com/office/powerpoint/2010/main" val="3068617583"/>
+      </p:ext>
+    </p:extLst>
+  </p:cSld>
+  <p:clrMapOvr>
+    <a:masterClrMapping/>
+  </p:clrMapOvr>
+</p:notes>
+</file>
+
+<file path=ppt/notesSlides/notesSlide20.xml><?xml version="1.0" encoding="utf-8"?>
+<p:notes xmlns:a="http://schemas.openxmlformats.org/drawingml/2006/main" xmlns:r="http://schemas.openxmlformats.org/officeDocument/2006/relationships" xmlns:p="http://schemas.openxmlformats.org/presentationml/2006/main">
+  <p:cSld>
+    <p:spTree>
+      <p:nvGrpSpPr>
+        <p:cNvPr id="1" name=""/>
+        <p:cNvGrpSpPr/>
+        <p:nvPr/>
+      </p:nvGrpSpPr>
+      <p:grpSpPr>
+        <a:xfrm>
+          <a:off x="0" y="0"/>
+          <a:ext cx="0" cy="0"/>
+          <a:chOff x="0" y="0"/>
+          <a:chExt cx="0" cy="0"/>
+        </a:xfrm>
+      </p:grpSpPr>
+      <p:sp>
+        <p:nvSpPr>
+          <p:cNvPr id="2" name="Slide Image Placeholder 1"/>
+          <p:cNvSpPr>
+            <a:spLocks noGrp="1" noRot="1" noChangeAspect="1"/>
+          </p:cNvSpPr>
+          <p:nvPr>
+            <p:ph type="sldImg"/>
+          </p:nvPr>
+        </p:nvSpPr>
+        <p:spPr/>
+      </p:sp>
+      <p:sp>
+        <p:nvSpPr>
+          <p:cNvPr id="3" name="Notes Placeholder 2"/>
+          <p:cNvSpPr>
+            <a:spLocks noGrp="1"/>
+          </p:cNvSpPr>
+          <p:nvPr>
+            <p:ph type="body" idx="1"/>
+          </p:nvPr>
+        </p:nvSpPr>
+        <p:spPr/>
+        <p:txBody>
+          <a:bodyPr/>
+          <a:lstStyle/>
+          <a:p>
+            <a:endParaRPr lang="en-IL" dirty="0"/>
+          </a:p>
+        </p:txBody>
+      </p:sp>
+      <p:sp>
+        <p:nvSpPr>
+          <p:cNvPr id="4" name="Slide Number Placeholder 3"/>
+          <p:cNvSpPr>
+            <a:spLocks noGrp="1"/>
+          </p:cNvSpPr>
+          <p:nvPr>
+            <p:ph type="sldNum" sz="quarter" idx="5"/>
+          </p:nvPr>
+        </p:nvSpPr>
+        <p:spPr/>
+        <p:txBody>
+          <a:bodyPr/>
+          <a:lstStyle/>
+          <a:p>
+            <a:fld id="{7BBAA17F-B3FF-4B29-AA8E-9CA518DC54C6}" type="slidenum">
+              <a:rPr lang="en-IL" smtClean="0"/>
+              <a:t>30</a:t>
+            </a:fld>
+            <a:endParaRPr lang="en-IL"/>
+          </a:p>
+        </p:txBody>
+      </p:sp>
+    </p:spTree>
+    <p:extLst>
+      <p:ext uri="{BB962C8B-B14F-4D97-AF65-F5344CB8AC3E}">
+        <p14:creationId xmlns:p14="http://schemas.microsoft.com/office/powerpoint/2010/main" val="1290220711"/>
+      </p:ext>
+    </p:extLst>
+  </p:cSld>
+  <p:clrMapOvr>
+    <a:masterClrMapping/>
+  </p:clrMapOvr>
+</p:notes>
+</file>
+
+<file path=ppt/notesSlides/notesSlide21.xml><?xml version="1.0" encoding="utf-8"?>
+<p:notes xmlns:a="http://schemas.openxmlformats.org/drawingml/2006/main" xmlns:r="http://schemas.openxmlformats.org/officeDocument/2006/relationships" xmlns:p="http://schemas.openxmlformats.org/presentationml/2006/main">
+  <p:cSld>
+    <p:spTree>
+      <p:nvGrpSpPr>
+        <p:cNvPr id="1" name=""/>
+        <p:cNvGrpSpPr/>
+        <p:nvPr/>
+      </p:nvGrpSpPr>
+      <p:grpSpPr>
+        <a:xfrm>
+          <a:off x="0" y="0"/>
+          <a:ext cx="0" cy="0"/>
+          <a:chOff x="0" y="0"/>
+          <a:chExt cx="0" cy="0"/>
+        </a:xfrm>
+      </p:grpSpPr>
+      <p:sp>
+        <p:nvSpPr>
+          <p:cNvPr id="2" name="Slide Image Placeholder 1"/>
+          <p:cNvSpPr>
+            <a:spLocks noGrp="1" noRot="1" noChangeAspect="1"/>
+          </p:cNvSpPr>
+          <p:nvPr>
+            <p:ph type="sldImg"/>
+          </p:nvPr>
+        </p:nvSpPr>
+        <p:spPr/>
+      </p:sp>
+      <p:sp>
+        <p:nvSpPr>
+          <p:cNvPr id="3" name="Notes Placeholder 2"/>
+          <p:cNvSpPr>
+            <a:spLocks noGrp="1"/>
+          </p:cNvSpPr>
+          <p:nvPr>
+            <p:ph type="body" idx="1"/>
+          </p:nvPr>
+        </p:nvSpPr>
+        <p:spPr/>
+        <p:txBody>
+          <a:bodyPr/>
+          <a:lstStyle/>
+          <a:p>
+            <a:endParaRPr lang="en-IL" dirty="0"/>
+          </a:p>
+        </p:txBody>
+      </p:sp>
+      <p:sp>
+        <p:nvSpPr>
+          <p:cNvPr id="4" name="Slide Number Placeholder 3"/>
+          <p:cNvSpPr>
+            <a:spLocks noGrp="1"/>
+          </p:cNvSpPr>
+          <p:nvPr>
+            <p:ph type="sldNum" sz="quarter" idx="5"/>
+          </p:nvPr>
+        </p:nvSpPr>
+        <p:spPr/>
+        <p:txBody>
+          <a:bodyPr/>
+          <a:lstStyle/>
+          <a:p>
+            <a:fld id="{7BBAA17F-B3FF-4B29-AA8E-9CA518DC54C6}" type="slidenum">
+              <a:rPr lang="en-IL" smtClean="0"/>
+              <a:t>31</a:t>
+            </a:fld>
+            <a:endParaRPr lang="en-IL"/>
+          </a:p>
+        </p:txBody>
+      </p:sp>
+    </p:spTree>
+    <p:extLst>
+      <p:ext uri="{BB962C8B-B14F-4D97-AF65-F5344CB8AC3E}">
+        <p14:creationId xmlns:p14="http://schemas.microsoft.com/office/powerpoint/2010/main" val="867504744"/>
+      </p:ext>
+    </p:extLst>
+  </p:cSld>
+  <p:clrMapOvr>
+    <a:masterClrMapping/>
+  </p:clrMapOvr>
+</p:notes>
+</file>
+
+<file path=ppt/notesSlides/notesSlide22.xml><?xml version="1.0" encoding="utf-8"?>
+<p:notes xmlns:a="http://schemas.openxmlformats.org/drawingml/2006/main" xmlns:r="http://schemas.openxmlformats.org/officeDocument/2006/relationships" xmlns:p="http://schemas.openxmlformats.org/presentationml/2006/main">
+  <p:cSld>
+    <p:spTree>
+      <p:nvGrpSpPr>
+        <p:cNvPr id="1" name=""/>
+        <p:cNvGrpSpPr/>
+        <p:nvPr/>
+      </p:nvGrpSpPr>
+      <p:grpSpPr>
+        <a:xfrm>
+          <a:off x="0" y="0"/>
+          <a:ext cx="0" cy="0"/>
+          <a:chOff x="0" y="0"/>
+          <a:chExt cx="0" cy="0"/>
+        </a:xfrm>
+      </p:grpSpPr>
+      <p:sp>
+        <p:nvSpPr>
+          <p:cNvPr id="2" name="Slide Image Placeholder 1"/>
+          <p:cNvSpPr>
+            <a:spLocks noGrp="1" noRot="1" noChangeAspect="1"/>
+          </p:cNvSpPr>
+          <p:nvPr>
+            <p:ph type="sldImg"/>
+          </p:nvPr>
+        </p:nvSpPr>
+        <p:spPr/>
+      </p:sp>
+      <p:sp>
+        <p:nvSpPr>
+          <p:cNvPr id="3" name="Notes Placeholder 2"/>
+          <p:cNvSpPr>
+            <a:spLocks noGrp="1"/>
+          </p:cNvSpPr>
+          <p:nvPr>
+            <p:ph type="body" idx="1"/>
+          </p:nvPr>
+        </p:nvSpPr>
+        <p:spPr/>
+        <p:txBody>
+          <a:bodyPr/>
+          <a:lstStyle/>
+          <a:p>
+            <a:r>
+              <a:rPr lang="en-US" dirty="0"/>
+              <a:t>Simple text based output</a:t>
+            </a:r>
+            <a:endParaRPr lang="en-IL" dirty="0"/>
+          </a:p>
+        </p:txBody>
+      </p:sp>
+      <p:sp>
+        <p:nvSpPr>
+          <p:cNvPr id="4" name="Slide Number Placeholder 3"/>
+          <p:cNvSpPr>
+            <a:spLocks noGrp="1"/>
+          </p:cNvSpPr>
+          <p:nvPr>
+            <p:ph type="sldNum" sz="quarter" idx="5"/>
+          </p:nvPr>
+        </p:nvSpPr>
+        <p:spPr/>
+        <p:txBody>
+          <a:bodyPr/>
+          <a:lstStyle/>
+          <a:p>
+            <a:fld id="{7BBAA17F-B3FF-4B29-AA8E-9CA518DC54C6}" type="slidenum">
+              <a:rPr lang="en-IL" smtClean="0"/>
+              <a:t>32</a:t>
+            </a:fld>
+            <a:endParaRPr lang="en-IL"/>
+          </a:p>
+        </p:txBody>
+      </p:sp>
+    </p:spTree>
+    <p:extLst>
+      <p:ext uri="{BB962C8B-B14F-4D97-AF65-F5344CB8AC3E}">
+        <p14:creationId xmlns:p14="http://schemas.microsoft.com/office/powerpoint/2010/main" val="850066266"/>
+      </p:ext>
+    </p:extLst>
+  </p:cSld>
+  <p:clrMapOvr>
+    <a:masterClrMapping/>
+  </p:clrMapOvr>
+</p:notes>
+</file>
+
+<file path=ppt/notesSlides/notesSlide23.xml><?xml version="1.0" encoding="utf-8"?>
+<p:notes xmlns:a="http://schemas.openxmlformats.org/drawingml/2006/main" xmlns:r="http://schemas.openxmlformats.org/officeDocument/2006/relationships" xmlns:p="http://schemas.openxmlformats.org/presentationml/2006/main">
+  <p:cSld>
+    <p:spTree>
+      <p:nvGrpSpPr>
+        <p:cNvPr id="1" name=""/>
+        <p:cNvGrpSpPr/>
+        <p:nvPr/>
+      </p:nvGrpSpPr>
+      <p:grpSpPr>
+        <a:xfrm>
+          <a:off x="0" y="0"/>
+          <a:ext cx="0" cy="0"/>
+          <a:chOff x="0" y="0"/>
+          <a:chExt cx="0" cy="0"/>
+        </a:xfrm>
+      </p:grpSpPr>
+      <p:sp>
+        <p:nvSpPr>
+          <p:cNvPr id="2" name="Slide Image Placeholder 1"/>
+          <p:cNvSpPr>
+            <a:spLocks noGrp="1" noRot="1" noChangeAspect="1"/>
+          </p:cNvSpPr>
+          <p:nvPr>
+            <p:ph type="sldImg"/>
+          </p:nvPr>
+        </p:nvSpPr>
+        <p:spPr/>
+      </p:sp>
+      <p:sp>
+        <p:nvSpPr>
+          <p:cNvPr id="3" name="Notes Placeholder 2"/>
+          <p:cNvSpPr>
+            <a:spLocks noGrp="1"/>
+          </p:cNvSpPr>
+          <p:nvPr>
+            <p:ph type="body" idx="1"/>
+          </p:nvPr>
+        </p:nvSpPr>
+        <p:spPr/>
+        <p:txBody>
+          <a:bodyPr/>
+          <a:lstStyle/>
+          <a:p>
+            <a:r>
+              <a:rPr lang="en-US" dirty="0"/>
+              <a:t> pip install pyprof2calltree </a:t>
+            </a:r>
+            <a:endParaRPr lang="en-IL" dirty="0"/>
+          </a:p>
+        </p:txBody>
+      </p:sp>
+      <p:sp>
+        <p:nvSpPr>
+          <p:cNvPr id="4" name="Slide Number Placeholder 3"/>
+          <p:cNvSpPr>
+            <a:spLocks noGrp="1"/>
+          </p:cNvSpPr>
+          <p:nvPr>
+            <p:ph type="sldNum" sz="quarter" idx="5"/>
+          </p:nvPr>
+        </p:nvSpPr>
+        <p:spPr/>
+        <p:txBody>
+          <a:bodyPr/>
+          <a:lstStyle/>
+          <a:p>
+            <a:fld id="{7BBAA17F-B3FF-4B29-AA8E-9CA518DC54C6}" type="slidenum">
+              <a:rPr lang="en-IL" smtClean="0"/>
+              <a:t>33</a:t>
+            </a:fld>
+            <a:endParaRPr lang="en-IL"/>
+          </a:p>
+        </p:txBody>
+      </p:sp>
+    </p:spTree>
+    <p:extLst>
+      <p:ext uri="{BB962C8B-B14F-4D97-AF65-F5344CB8AC3E}">
+        <p14:creationId xmlns:p14="http://schemas.microsoft.com/office/powerpoint/2010/main" val="1271540765"/>
       </p:ext>
     </p:extLst>
   </p:cSld>
@@ -2710,39 +3264,23 @@
           <a:lstStyle/>
           <a:p>
             <a:r>
+              <a:rPr lang="en-US" dirty="0"/>
+              <a:t>Day 1 + half of day 2</a:t>
+            </a:r>
+          </a:p>
+          <a:p>
+            <a:endParaRPr lang="en-US" dirty="0"/>
+          </a:p>
+          <a:p>
+            <a:r>
+              <a:rPr lang="en-US" dirty="0"/>
+              <a:t>Syllabus at </a:t>
+            </a:r>
+            <a:r>
               <a:rPr lang="en-US" dirty="0">
                 <a:hlinkClick r:id="rId3"/>
               </a:rPr>
-              <a:t>https://docs.python.org/3/c-api/memory.html</a:t>
-            </a:r>
-            <a:endParaRPr lang="en-US" dirty="0"/>
-          </a:p>
-          <a:p>
-            <a:r>
-              <a:rPr lang="en-US" dirty="0">
-                <a:hlinkClick r:id="rId4"/>
-              </a:rPr>
-              <a:t>https://realpython.com/python-memory-management/</a:t>
-            </a:r>
-            <a:endParaRPr lang="en-US" dirty="0"/>
-          </a:p>
-          <a:p>
-            <a:endParaRPr lang="en-US" dirty="0"/>
-          </a:p>
-          <a:p>
-            <a:r>
-              <a:rPr lang="en-US" dirty="0"/>
-              <a:t>If you want to delete an object (rarely needed):</a:t>
-            </a:r>
-          </a:p>
-          <a:p>
-            <a:r>
-              <a:rPr lang="en-US" dirty="0"/>
-              <a:t>del </a:t>
-            </a:r>
-            <a:r>
-              <a:rPr lang="en-US" dirty="0" err="1"/>
-              <a:t>the_object</a:t>
+              <a:t>https://docs.google.com/document/d/1-a5sqkK6FUwHCfmMCsv2auJZcEwZSQ7TbYP2DRMGVDg/edit#</a:t>
             </a:r>
             <a:endParaRPr lang="en-US" dirty="0"/>
           </a:p>
@@ -2768,7 +3306,7 @@
           <a:p>
             <a:fld id="{7BBAA17F-B3FF-4B29-AA8E-9CA518DC54C6}" type="slidenum">
               <a:rPr lang="en-IL" smtClean="0"/>
-              <a:t>5</a:t>
+              <a:t>4</a:t>
             </a:fld>
             <a:endParaRPr lang="en-IL"/>
           </a:p>
@@ -2777,7 +3315,7 @@
     </p:spTree>
     <p:extLst>
       <p:ext uri="{BB962C8B-B14F-4D97-AF65-F5344CB8AC3E}">
-        <p14:creationId xmlns:p14="http://schemas.microsoft.com/office/powerpoint/2010/main" val="3165260496"/>
+        <p14:creationId xmlns:p14="http://schemas.microsoft.com/office/powerpoint/2010/main" val="1994600000"/>
       </p:ext>
     </p:extLst>
   </p:cSld>
@@ -2832,15 +3370,53 @@
           <a:lstStyle/>
           <a:p>
             <a:r>
+              <a:rPr lang="en-US" dirty="0"/>
+              <a:t>I tried the first method (using local compilation and remote interpreter)</a:t>
+            </a:r>
+          </a:p>
+          <a:p>
+            <a:r>
+              <a:rPr lang="en-US" dirty="0"/>
+              <a:t>The second method requires TWO way connection so not possible behind firewall (unless I am mistaken)</a:t>
+            </a:r>
+          </a:p>
+          <a:p>
+            <a:endParaRPr lang="en-US" dirty="0"/>
+          </a:p>
+          <a:p>
+            <a:r>
+              <a:rPr lang="en-US" dirty="0"/>
+              <a:t>The code runs on the remote, and </a:t>
+            </a:r>
+            <a:r>
+              <a:rPr lang="en-US" dirty="0" err="1"/>
+              <a:t>stdout</a:t>
+            </a:r>
+            <a:r>
+              <a:rPr lang="en-US" dirty="0"/>
+              <a:t> is seen in the IDE</a:t>
+            </a:r>
+          </a:p>
+          <a:p>
+            <a:r>
+              <a:rPr lang="en-US" dirty="0"/>
+              <a:t>Bravo!</a:t>
+            </a:r>
+          </a:p>
+          <a:p>
+            <a:endParaRPr lang="en-US" dirty="0"/>
+          </a:p>
+          <a:p>
+            <a:r>
               <a:rPr lang="en-US" dirty="0">
                 <a:hlinkClick r:id="rId3"/>
               </a:rPr>
-              <a:t>https://www.python-course.eu/passing_arguments.php</a:t>
+              <a:t>https://www.jetbrains.com/help/pycharm/remote-debugging-with-product.html</a:t>
             </a:r>
             <a:endParaRPr lang="en-US" dirty="0"/>
           </a:p>
           <a:p>
-            <a:endParaRPr lang="en-IL" dirty="0"/>
+            <a:endParaRPr lang="en-US" dirty="0"/>
           </a:p>
         </p:txBody>
       </p:sp>
@@ -2861,7 +3437,7 @@
           <a:p>
             <a:fld id="{7BBAA17F-B3FF-4B29-AA8E-9CA518DC54C6}" type="slidenum">
               <a:rPr lang="en-IL" smtClean="0"/>
-              <a:t>6</a:t>
+              <a:t>5</a:t>
             </a:fld>
             <a:endParaRPr lang="en-IL"/>
           </a:p>
@@ -2870,7 +3446,7 @@
     </p:spTree>
     <p:extLst>
       <p:ext uri="{BB962C8B-B14F-4D97-AF65-F5344CB8AC3E}">
-        <p14:creationId xmlns:p14="http://schemas.microsoft.com/office/powerpoint/2010/main" val="187477238"/>
+        <p14:creationId xmlns:p14="http://schemas.microsoft.com/office/powerpoint/2010/main" val="4106756199"/>
       </p:ext>
     </p:extLst>
   </p:cSld>
@@ -2924,6 +3500,56 @@
           <a:bodyPr/>
           <a:lstStyle/>
           <a:p>
+            <a:r>
+              <a:rPr lang="en-US" dirty="0"/>
+              <a:t>Demo:</a:t>
+            </a:r>
+          </a:p>
+          <a:p>
+            <a:r>
+              <a:rPr lang="en-US" dirty="0"/>
+              <a:t>Create a function, select, right click, generate test</a:t>
+            </a:r>
+          </a:p>
+          <a:p>
+            <a:endParaRPr lang="en-US" dirty="0"/>
+          </a:p>
+          <a:p>
+            <a:r>
+              <a:rPr lang="en-US" dirty="0"/>
+              <a:t>Challenges:</a:t>
+            </a:r>
+          </a:p>
+          <a:p>
+            <a:pPr marL="171450" indent="-171450">
+              <a:buFontTx/>
+              <a:buChar char="-"/>
+            </a:pPr>
+            <a:r>
+              <a:rPr lang="en-US" dirty="0"/>
+              <a:t>Dependencies on external packages/ modules </a:t>
+            </a:r>
+            <a:r>
+              <a:rPr lang="en-US" dirty="0">
+                <a:sym typeface="Wingdings" panose="05000000000000000000" pitchFamily="2" charset="2"/>
+              </a:rPr>
+              <a:t> this means the class is not ‘easily testable’ and should be refactored</a:t>
+            </a:r>
+          </a:p>
+          <a:p>
+            <a:pPr marL="0" indent="0">
+              <a:buFontTx/>
+              <a:buNone/>
+            </a:pPr>
+            <a:endParaRPr lang="en-US" dirty="0">
+              <a:sym typeface="Wingdings" panose="05000000000000000000" pitchFamily="2" charset="2"/>
+            </a:endParaRPr>
+          </a:p>
+          <a:p>
+            <a:pPr marL="171450" indent="-171450">
+              <a:buFontTx/>
+              <a:buChar char="-"/>
+            </a:pPr>
             <a:endParaRPr lang="en-IL" dirty="0"/>
           </a:p>
         </p:txBody>
@@ -2945,7 +3571,7 @@
           <a:p>
             <a:fld id="{7BBAA17F-B3FF-4B29-AA8E-9CA518DC54C6}" type="slidenum">
               <a:rPr lang="en-IL" smtClean="0"/>
-              <a:t>8</a:t>
+              <a:t>6</a:t>
             </a:fld>
             <a:endParaRPr lang="en-IL"/>
           </a:p>
@@ -2954,7 +3580,7 @@
     </p:spTree>
     <p:extLst>
       <p:ext uri="{BB962C8B-B14F-4D97-AF65-F5344CB8AC3E}">
-        <p14:creationId xmlns:p14="http://schemas.microsoft.com/office/powerpoint/2010/main" val="1655808246"/>
+        <p14:creationId xmlns:p14="http://schemas.microsoft.com/office/powerpoint/2010/main" val="2071216371"/>
       </p:ext>
     </p:extLst>
   </p:cSld>
@@ -3008,6 +3634,44 @@
           <a:bodyPr/>
           <a:lstStyle/>
           <a:p>
+            <a:r>
+              <a:rPr lang="en-US" dirty="0">
+                <a:hlinkClick r:id="rId3"/>
+              </a:rPr>
+              <a:t>https://docs.python.org/3/c-api/memory.html</a:t>
+            </a:r>
+            <a:endParaRPr lang="en-US" dirty="0"/>
+          </a:p>
+          <a:p>
+            <a:r>
+              <a:rPr lang="en-US" dirty="0">
+                <a:hlinkClick r:id="rId4"/>
+              </a:rPr>
+              <a:t>https://realpython.com/python-memory-management/</a:t>
+            </a:r>
+            <a:endParaRPr lang="en-US" dirty="0"/>
+          </a:p>
+          <a:p>
+            <a:endParaRPr lang="en-US" dirty="0"/>
+          </a:p>
+          <a:p>
+            <a:r>
+              <a:rPr lang="en-US" dirty="0"/>
+              <a:t>If you want to delete an object (rarely needed):</a:t>
+            </a:r>
+          </a:p>
+          <a:p>
+            <a:r>
+              <a:rPr lang="en-US" dirty="0"/>
+              <a:t>del </a:t>
+            </a:r>
+            <a:r>
+              <a:rPr lang="en-US" dirty="0" err="1"/>
+              <a:t>the_object</a:t>
+            </a:r>
+            <a:endParaRPr lang="en-US" dirty="0"/>
+          </a:p>
+          <a:p>
             <a:endParaRPr lang="en-IL" dirty="0"/>
           </a:p>
         </p:txBody>
@@ -3029,7 +3693,7 @@
           <a:p>
             <a:fld id="{7BBAA17F-B3FF-4B29-AA8E-9CA518DC54C6}" type="slidenum">
               <a:rPr lang="en-IL" smtClean="0"/>
-              <a:t>9</a:t>
+              <a:t>7</a:t>
             </a:fld>
             <a:endParaRPr lang="en-IL"/>
           </a:p>
@@ -3038,7 +3702,7 @@
     </p:spTree>
     <p:extLst>
       <p:ext uri="{BB962C8B-B14F-4D97-AF65-F5344CB8AC3E}">
-        <p14:creationId xmlns:p14="http://schemas.microsoft.com/office/powerpoint/2010/main" val="1362299971"/>
+        <p14:creationId xmlns:p14="http://schemas.microsoft.com/office/powerpoint/2010/main" val="3165260496"/>
       </p:ext>
     </p:extLst>
   </p:cSld>
@@ -3092,6 +3756,15 @@
           <a:bodyPr/>
           <a:lstStyle/>
           <a:p>
+            <a:r>
+              <a:rPr lang="en-US" dirty="0">
+                <a:hlinkClick r:id="rId3"/>
+              </a:rPr>
+              <a:t>https://www.python-course.eu/passing_arguments.php</a:t>
+            </a:r>
+            <a:endParaRPr lang="en-US" dirty="0"/>
+          </a:p>
+          <a:p>
             <a:endParaRPr lang="en-IL" dirty="0"/>
           </a:p>
         </p:txBody>
@@ -3113,7 +3786,7 @@
           <a:p>
             <a:fld id="{7BBAA17F-B3FF-4B29-AA8E-9CA518DC54C6}" type="slidenum">
               <a:rPr lang="en-IL" smtClean="0"/>
-              <a:t>11</a:t>
+              <a:t>8</a:t>
             </a:fld>
             <a:endParaRPr lang="en-IL"/>
           </a:p>
@@ -3122,7 +3795,7 @@
     </p:spTree>
     <p:extLst>
       <p:ext uri="{BB962C8B-B14F-4D97-AF65-F5344CB8AC3E}">
-        <p14:creationId xmlns:p14="http://schemas.microsoft.com/office/powerpoint/2010/main" val="3385917794"/>
+        <p14:creationId xmlns:p14="http://schemas.microsoft.com/office/powerpoint/2010/main" val="187477238"/>
       </p:ext>
     </p:extLst>
   </p:cSld>
@@ -3176,12 +3849,6 @@
           <a:bodyPr/>
           <a:lstStyle/>
           <a:p>
-            <a:r>
-              <a:rPr lang="en-US" dirty="0"/>
-              <a:t>Topic: imports</a:t>
-            </a:r>
-          </a:p>
-          <a:p>
             <a:endParaRPr lang="en-IL" dirty="0"/>
           </a:p>
         </p:txBody>
@@ -3203,7 +3870,7 @@
           <a:p>
             <a:fld id="{7BBAA17F-B3FF-4B29-AA8E-9CA518DC54C6}" type="slidenum">
               <a:rPr lang="en-IL" smtClean="0"/>
-              <a:t>13</a:t>
+              <a:t>10</a:t>
             </a:fld>
             <a:endParaRPr lang="en-IL"/>
           </a:p>
@@ -3212,7 +3879,7 @@
     </p:spTree>
     <p:extLst>
       <p:ext uri="{BB962C8B-B14F-4D97-AF65-F5344CB8AC3E}">
-        <p14:creationId xmlns:p14="http://schemas.microsoft.com/office/powerpoint/2010/main" val="2094361388"/>
+        <p14:creationId xmlns:p14="http://schemas.microsoft.com/office/powerpoint/2010/main" val="1655808246"/>
       </p:ext>
     </p:extLst>
   </p:cSld>
@@ -3287,7 +3954,7 @@
           <a:p>
             <a:fld id="{7BBAA17F-B3FF-4B29-AA8E-9CA518DC54C6}" type="slidenum">
               <a:rPr lang="en-IL" smtClean="0"/>
-              <a:t>16</a:t>
+              <a:t>11</a:t>
             </a:fld>
             <a:endParaRPr lang="en-IL"/>
           </a:p>
@@ -3296,7 +3963,7 @@
     </p:spTree>
     <p:extLst>
       <p:ext uri="{BB962C8B-B14F-4D97-AF65-F5344CB8AC3E}">
-        <p14:creationId xmlns:p14="http://schemas.microsoft.com/office/powerpoint/2010/main" val="3932135400"/>
+        <p14:creationId xmlns:p14="http://schemas.microsoft.com/office/powerpoint/2010/main" val="1362299971"/>
       </p:ext>
     </p:extLst>
   </p:cSld>
@@ -3455,7 +4122,7 @@
           <a:p>
             <a:fld id="{E76C6979-4359-4DC8-92A3-F7DCB12C5136}" type="datetimeFigureOut">
               <a:rPr lang="en-IL" smtClean="0"/>
-              <a:t>07/07/2019</a:t>
+              <a:t>09/07/2019</a:t>
             </a:fld>
             <a:endParaRPr lang="en-IL"/>
           </a:p>
@@ -3655,7 +4322,7 @@
           <a:p>
             <a:fld id="{E76C6979-4359-4DC8-92A3-F7DCB12C5136}" type="datetimeFigureOut">
               <a:rPr lang="en-IL" smtClean="0"/>
-              <a:t>07/07/2019</a:t>
+              <a:t>09/07/2019</a:t>
             </a:fld>
             <a:endParaRPr lang="en-IL"/>
           </a:p>
@@ -3865,7 +4532,7 @@
           <a:p>
             <a:fld id="{E76C6979-4359-4DC8-92A3-F7DCB12C5136}" type="datetimeFigureOut">
               <a:rPr lang="en-IL" smtClean="0"/>
-              <a:t>07/07/2019</a:t>
+              <a:t>09/07/2019</a:t>
             </a:fld>
             <a:endParaRPr lang="en-IL"/>
           </a:p>
@@ -4065,7 +4732,7 @@
           <a:p>
             <a:fld id="{E76C6979-4359-4DC8-92A3-F7DCB12C5136}" type="datetimeFigureOut">
               <a:rPr lang="en-IL" smtClean="0"/>
-              <a:t>07/07/2019</a:t>
+              <a:t>09/07/2019</a:t>
             </a:fld>
             <a:endParaRPr lang="en-IL"/>
           </a:p>
@@ -4341,7 +5008,7 @@
           <a:p>
             <a:fld id="{E76C6979-4359-4DC8-92A3-F7DCB12C5136}" type="datetimeFigureOut">
               <a:rPr lang="en-IL" smtClean="0"/>
-              <a:t>07/07/2019</a:t>
+              <a:t>09/07/2019</a:t>
             </a:fld>
             <a:endParaRPr lang="en-IL"/>
           </a:p>
@@ -4609,7 +5276,7 @@
           <a:p>
             <a:fld id="{E76C6979-4359-4DC8-92A3-F7DCB12C5136}" type="datetimeFigureOut">
               <a:rPr lang="en-IL" smtClean="0"/>
-              <a:t>07/07/2019</a:t>
+              <a:t>09/07/2019</a:t>
             </a:fld>
             <a:endParaRPr lang="en-IL"/>
           </a:p>
@@ -5024,7 +5691,7 @@
           <a:p>
             <a:fld id="{E76C6979-4359-4DC8-92A3-F7DCB12C5136}" type="datetimeFigureOut">
               <a:rPr lang="en-IL" smtClean="0"/>
-              <a:t>07/07/2019</a:t>
+              <a:t>09/07/2019</a:t>
             </a:fld>
             <a:endParaRPr lang="en-IL"/>
           </a:p>
@@ -5166,7 +5833,7 @@
           <a:p>
             <a:fld id="{E76C6979-4359-4DC8-92A3-F7DCB12C5136}" type="datetimeFigureOut">
               <a:rPr lang="en-IL" smtClean="0"/>
-              <a:t>07/07/2019</a:t>
+              <a:t>09/07/2019</a:t>
             </a:fld>
             <a:endParaRPr lang="en-IL"/>
           </a:p>
@@ -5279,7 +5946,7 @@
           <a:p>
             <a:fld id="{E76C6979-4359-4DC8-92A3-F7DCB12C5136}" type="datetimeFigureOut">
               <a:rPr lang="en-IL" smtClean="0"/>
-              <a:t>07/07/2019</a:t>
+              <a:t>09/07/2019</a:t>
             </a:fld>
             <a:endParaRPr lang="en-IL"/>
           </a:p>
@@ -5592,7 +6259,7 @@
           <a:p>
             <a:fld id="{E76C6979-4359-4DC8-92A3-F7DCB12C5136}" type="datetimeFigureOut">
               <a:rPr lang="en-IL" smtClean="0"/>
-              <a:t>07/07/2019</a:t>
+              <a:t>09/07/2019</a:t>
             </a:fld>
             <a:endParaRPr lang="en-IL"/>
           </a:p>
@@ -5881,7 +6548,7 @@
           <a:p>
             <a:fld id="{E76C6979-4359-4DC8-92A3-F7DCB12C5136}" type="datetimeFigureOut">
               <a:rPr lang="en-IL" smtClean="0"/>
-              <a:t>07/07/2019</a:t>
+              <a:t>09/07/2019</a:t>
             </a:fld>
             <a:endParaRPr lang="en-IL"/>
           </a:p>
@@ -6124,7 +6791,7 @@
           <a:p>
             <a:fld id="{E76C6979-4359-4DC8-92A3-F7DCB12C5136}" type="datetimeFigureOut">
               <a:rPr lang="en-IL" smtClean="0"/>
-              <a:t>07/07/2019</a:t>
+              <a:t>09/07/2019</a:t>
             </a:fld>
             <a:endParaRPr lang="en-IL"/>
           </a:p>
@@ -6670,6 +7337,704 @@
           <p:cNvPr id="2" name="Title 1">
             <a:extLst>
               <a:ext uri="{FF2B5EF4-FFF2-40B4-BE49-F238E27FC236}">
+                <a16:creationId xmlns:a16="http://schemas.microsoft.com/office/drawing/2014/main" id="{4E5BE658-FCA3-4743-ABC2-0B45426F7DF8}"/>
+              </a:ext>
+            </a:extLst>
+          </p:cNvPr>
+          <p:cNvSpPr>
+            <a:spLocks noGrp="1"/>
+          </p:cNvSpPr>
+          <p:nvPr>
+            <p:ph type="title"/>
+          </p:nvPr>
+        </p:nvSpPr>
+        <p:spPr/>
+        <p:txBody>
+          <a:bodyPr/>
+          <a:lstStyle/>
+          <a:p>
+            <a:r>
+              <a:rPr lang="en-US" dirty="0"/>
+              <a:t>More on names</a:t>
+            </a:r>
+            <a:endParaRPr lang="en-IL" dirty="0"/>
+          </a:p>
+        </p:txBody>
+      </p:sp>
+      <p:sp>
+        <p:nvSpPr>
+          <p:cNvPr id="3" name="Content Placeholder 2">
+            <a:extLst>
+              <a:ext uri="{FF2B5EF4-FFF2-40B4-BE49-F238E27FC236}">
+                <a16:creationId xmlns:a16="http://schemas.microsoft.com/office/drawing/2014/main" id="{0E265D62-5A23-4E1F-8E4A-A7507432C792}"/>
+              </a:ext>
+            </a:extLst>
+          </p:cNvPr>
+          <p:cNvSpPr>
+            <a:spLocks noGrp="1"/>
+          </p:cNvSpPr>
+          <p:nvPr>
+            <p:ph idx="1"/>
+          </p:nvPr>
+        </p:nvSpPr>
+        <p:spPr>
+          <a:xfrm>
+            <a:off x="838200" y="1825625"/>
+            <a:ext cx="10515600" cy="4351338"/>
+          </a:xfrm>
+        </p:spPr>
+        <p:txBody>
+          <a:bodyPr>
+            <a:normAutofit/>
+          </a:bodyPr>
+          <a:lstStyle/>
+          <a:p>
+            <a:pPr marL="0" indent="0" fontAlgn="base">
+              <a:buNone/>
+            </a:pPr>
+            <a:r>
+              <a:rPr lang="en-US" b="1" dirty="0">
+                <a:highlight>
+                  <a:srgbClr val="C0C0C0"/>
+                </a:highlight>
+              </a:rPr>
+              <a:t>  </a:t>
+            </a:r>
+            <a:r>
+              <a:rPr lang="en-US" sz="1800" b="1" dirty="0">
+                <a:highlight>
+                  <a:srgbClr val="C0C0C0"/>
+                </a:highlight>
+              </a:rPr>
+              <a:t>‘When </a:t>
+            </a:r>
+            <a:r>
+              <a:rPr lang="en-US" sz="1800" i="1" dirty="0">
+                <a:highlight>
+                  <a:srgbClr val="C0C0C0"/>
+                </a:highlight>
+              </a:rPr>
+              <a:t>I</a:t>
+            </a:r>
+            <a:r>
+              <a:rPr lang="en-US" sz="1800" b="1" dirty="0">
+                <a:highlight>
+                  <a:srgbClr val="C0C0C0"/>
+                </a:highlight>
+              </a:rPr>
+              <a:t> use a word,’ Humpty Dumpty said in rather a scornful tone, ‘it means just what I choose it to mean–neither more nor less.’</a:t>
+            </a:r>
+          </a:p>
+          <a:p>
+            <a:pPr marL="0" indent="0" fontAlgn="base">
+              <a:buNone/>
+            </a:pPr>
+            <a:r>
+              <a:rPr lang="en-US" sz="1800" b="1" dirty="0">
+                <a:highlight>
+                  <a:srgbClr val="C0C0C0"/>
+                </a:highlight>
+              </a:rPr>
+              <a:t>   ‘The question is,’ said Alice, ‘whether you </a:t>
+            </a:r>
+            <a:r>
+              <a:rPr lang="en-US" sz="1800" i="1" dirty="0">
+                <a:highlight>
+                  <a:srgbClr val="C0C0C0"/>
+                </a:highlight>
+              </a:rPr>
+              <a:t>can</a:t>
+            </a:r>
+            <a:r>
+              <a:rPr lang="en-US" sz="1800" b="1" dirty="0">
+                <a:highlight>
+                  <a:srgbClr val="C0C0C0"/>
+                </a:highlight>
+              </a:rPr>
+              <a:t> make words mean different things–that’s all.’</a:t>
+            </a:r>
+          </a:p>
+          <a:p>
+            <a:pPr marL="0" indent="0" fontAlgn="base">
+              <a:buNone/>
+            </a:pPr>
+            <a:r>
+              <a:rPr lang="en-US" sz="1800" b="1" dirty="0">
+                <a:highlight>
+                  <a:srgbClr val="C0C0C0"/>
+                </a:highlight>
+              </a:rPr>
+              <a:t>   ‘The question is,’ said Humpty Dumpty, ‘which is to be master–that’s all’</a:t>
+            </a:r>
+          </a:p>
+          <a:p>
+            <a:pPr marL="0" indent="0">
+              <a:buNone/>
+            </a:pPr>
+            <a:r>
+              <a:rPr lang="en-US" dirty="0"/>
+              <a:t>What’s the problem here?</a:t>
+            </a:r>
+          </a:p>
+          <a:p>
+            <a:pPr marL="0" indent="0">
+              <a:buNone/>
+            </a:pPr>
+            <a:r>
+              <a:rPr lang="en-US" sz="1600" dirty="0">
+                <a:latin typeface="Courier New" panose="02070309020205020404" pitchFamily="49" charset="0"/>
+                <a:cs typeface="Courier New" panose="02070309020205020404" pitchFamily="49" charset="0"/>
+              </a:rPr>
+              <a:t>words = ['one', '</a:t>
+            </a:r>
+            <a:r>
+              <a:rPr lang="en-US" sz="1600" dirty="0" err="1">
+                <a:latin typeface="Courier New" panose="02070309020205020404" pitchFamily="49" charset="0"/>
+                <a:cs typeface="Courier New" panose="02070309020205020404" pitchFamily="49" charset="0"/>
+              </a:rPr>
+              <a:t>two','three</a:t>
+            </a:r>
+            <a:r>
+              <a:rPr lang="en-US" sz="1600" dirty="0">
+                <a:latin typeface="Courier New" panose="02070309020205020404" pitchFamily="49" charset="0"/>
+                <a:cs typeface="Courier New" panose="02070309020205020404" pitchFamily="49" charset="0"/>
+              </a:rPr>
+              <a:t>']</a:t>
+            </a:r>
+          </a:p>
+          <a:p>
+            <a:pPr marL="0" indent="0">
+              <a:buNone/>
+            </a:pPr>
+            <a:r>
+              <a:rPr lang="en-US" sz="1600" dirty="0">
+                <a:latin typeface="Courier New" panose="02070309020205020404" pitchFamily="49" charset="0"/>
+                <a:cs typeface="Courier New" panose="02070309020205020404" pitchFamily="49" charset="0"/>
+              </a:rPr>
+              <a:t>for word in words:</a:t>
+            </a:r>
+          </a:p>
+          <a:p>
+            <a:pPr marL="0" indent="0">
+              <a:buNone/>
+            </a:pPr>
+            <a:r>
+              <a:rPr lang="en-US" sz="1600" dirty="0">
+                <a:latin typeface="Courier New" panose="02070309020205020404" pitchFamily="49" charset="0"/>
+                <a:cs typeface="Courier New" panose="02070309020205020404" pitchFamily="49" charset="0"/>
+              </a:rPr>
+              <a:t>    if word == 'two’:</a:t>
+            </a:r>
+          </a:p>
+          <a:p>
+            <a:pPr marL="0" indent="0">
+              <a:buNone/>
+            </a:pPr>
+            <a:r>
+              <a:rPr lang="en-US" sz="1600" dirty="0">
+                <a:latin typeface="Courier New" panose="02070309020205020404" pitchFamily="49" charset="0"/>
+                <a:cs typeface="Courier New" panose="02070309020205020404" pitchFamily="49" charset="0"/>
+              </a:rPr>
+              <a:t>        word = 'BOO!'</a:t>
+            </a:r>
+          </a:p>
+          <a:p>
+            <a:pPr marL="0" indent="0">
+              <a:buNone/>
+            </a:pPr>
+            <a:r>
+              <a:rPr lang="en-US" sz="1600" dirty="0">
+                <a:latin typeface="Courier New" panose="02070309020205020404" pitchFamily="49" charset="0"/>
+                <a:cs typeface="Courier New" panose="02070309020205020404" pitchFamily="49" charset="0"/>
+              </a:rPr>
+              <a:t>print(words)</a:t>
+            </a:r>
+            <a:endParaRPr lang="en-IL" sz="1600" dirty="0">
+              <a:latin typeface="Courier New" panose="02070309020205020404" pitchFamily="49" charset="0"/>
+              <a:cs typeface="Courier New" panose="02070309020205020404" pitchFamily="49" charset="0"/>
+            </a:endParaRPr>
+          </a:p>
+        </p:txBody>
+      </p:sp>
+      <p:sp>
+        <p:nvSpPr>
+          <p:cNvPr id="6" name="TextBox 5">
+            <a:extLst>
+              <a:ext uri="{FF2B5EF4-FFF2-40B4-BE49-F238E27FC236}">
+                <a16:creationId xmlns:a16="http://schemas.microsoft.com/office/drawing/2014/main" id="{7F258270-43F9-465D-A902-3D767DCA3C1E}"/>
+              </a:ext>
+            </a:extLst>
+          </p:cNvPr>
+          <p:cNvSpPr txBox="1"/>
+          <p:nvPr/>
+        </p:nvSpPr>
+        <p:spPr>
+          <a:xfrm>
+            <a:off x="3567288" y="4520129"/>
+            <a:ext cx="3529684" cy="369332"/>
+          </a:xfrm>
+          <a:prstGeom prst="rect">
+            <a:avLst/>
+          </a:prstGeom>
+          <a:noFill/>
+        </p:spPr>
+        <p:txBody>
+          <a:bodyPr wrap="none" rtlCol="0">
+            <a:spAutoFit/>
+          </a:bodyPr>
+          <a:lstStyle/>
+          <a:p>
+            <a:r>
+              <a:rPr lang="en-US" dirty="0"/>
+              <a:t> word points to the 2</a:t>
+            </a:r>
+            <a:r>
+              <a:rPr lang="en-US" baseline="30000" dirty="0"/>
+              <a:t>nd</a:t>
+            </a:r>
+            <a:r>
+              <a:rPr lang="en-US" dirty="0"/>
+              <a:t> cell in words</a:t>
+            </a:r>
+            <a:endParaRPr lang="en-IL" dirty="0"/>
+          </a:p>
+        </p:txBody>
+      </p:sp>
+      <p:sp>
+        <p:nvSpPr>
+          <p:cNvPr id="7" name="TextBox 6">
+            <a:extLst>
+              <a:ext uri="{FF2B5EF4-FFF2-40B4-BE49-F238E27FC236}">
+                <a16:creationId xmlns:a16="http://schemas.microsoft.com/office/drawing/2014/main" id="{164ABFB8-AB47-490C-97C4-F500DB923191}"/>
+              </a:ext>
+            </a:extLst>
+          </p:cNvPr>
+          <p:cNvSpPr txBox="1"/>
+          <p:nvPr/>
+        </p:nvSpPr>
+        <p:spPr>
+          <a:xfrm>
+            <a:off x="3590948" y="4839732"/>
+            <a:ext cx="3506024" cy="369332"/>
+          </a:xfrm>
+          <a:prstGeom prst="rect">
+            <a:avLst/>
+          </a:prstGeom>
+          <a:noFill/>
+        </p:spPr>
+        <p:txBody>
+          <a:bodyPr wrap="none" rtlCol="0">
+            <a:spAutoFit/>
+          </a:bodyPr>
+          <a:lstStyle/>
+          <a:p>
+            <a:r>
+              <a:rPr lang="en-US" dirty="0"/>
+              <a:t> word points to a new string ‘Boo!’. </a:t>
+            </a:r>
+            <a:endParaRPr lang="en-IL" dirty="0"/>
+          </a:p>
+        </p:txBody>
+      </p:sp>
+    </p:spTree>
+    <p:extLst>
+      <p:ext uri="{BB962C8B-B14F-4D97-AF65-F5344CB8AC3E}">
+        <p14:creationId xmlns:p14="http://schemas.microsoft.com/office/powerpoint/2010/main" val="2340865294"/>
+      </p:ext>
+    </p:extLst>
+  </p:cSld>
+  <p:clrMapOvr>
+    <a:masterClrMapping/>
+  </p:clrMapOvr>
+  <p:timing>
+    <p:tnLst>
+      <p:par>
+        <p:cTn id="1" dur="indefinite" restart="never" nodeType="tmRoot">
+          <p:childTnLst>
+            <p:seq concurrent="1" nextAc="seek">
+              <p:cTn id="2" dur="indefinite" nodeType="mainSeq">
+                <p:childTnLst>
+                  <p:par>
+                    <p:cTn id="3" fill="hold">
+                      <p:stCondLst>
+                        <p:cond delay="indefinite"/>
+                      </p:stCondLst>
+                      <p:childTnLst>
+                        <p:par>
+                          <p:cTn id="4" fill="hold">
+                            <p:stCondLst>
+                              <p:cond delay="0"/>
+                            </p:stCondLst>
+                            <p:childTnLst>
+                              <p:par>
+                                <p:cTn id="5" presetID="10" presetClass="entr" presetSubtype="0" fill="hold" grpId="0" nodeType="clickEffect">
+                                  <p:stCondLst>
+                                    <p:cond delay="0"/>
+                                  </p:stCondLst>
+                                  <p:childTnLst>
+                                    <p:set>
+                                      <p:cBhvr>
+                                        <p:cTn id="6" dur="1" fill="hold">
+                                          <p:stCondLst>
+                                            <p:cond delay="0"/>
+                                          </p:stCondLst>
+                                        </p:cTn>
+                                        <p:tgtEl>
+                                          <p:spTgt spid="7"/>
+                                        </p:tgtEl>
+                                        <p:attrNameLst>
+                                          <p:attrName>style.visibility</p:attrName>
+                                        </p:attrNameLst>
+                                      </p:cBhvr>
+                                      <p:to>
+                                        <p:strVal val="visible"/>
+                                      </p:to>
+                                    </p:set>
+                                    <p:animEffect transition="in" filter="fade">
+                                      <p:cBhvr>
+                                        <p:cTn id="7" dur="500"/>
+                                        <p:tgtEl>
+                                          <p:spTgt spid="7"/>
+                                        </p:tgtEl>
+                                      </p:cBhvr>
+                                    </p:animEffect>
+                                  </p:childTnLst>
+                                </p:cTn>
+                              </p:par>
+                              <p:par>
+                                <p:cTn id="8" presetID="10" presetClass="entr" presetSubtype="0" fill="hold" grpId="0" nodeType="withEffect">
+                                  <p:stCondLst>
+                                    <p:cond delay="0"/>
+                                  </p:stCondLst>
+                                  <p:childTnLst>
+                                    <p:set>
+                                      <p:cBhvr>
+                                        <p:cTn id="9" dur="1" fill="hold">
+                                          <p:stCondLst>
+                                            <p:cond delay="0"/>
+                                          </p:stCondLst>
+                                        </p:cTn>
+                                        <p:tgtEl>
+                                          <p:spTgt spid="6"/>
+                                        </p:tgtEl>
+                                        <p:attrNameLst>
+                                          <p:attrName>style.visibility</p:attrName>
+                                        </p:attrNameLst>
+                                      </p:cBhvr>
+                                      <p:to>
+                                        <p:strVal val="visible"/>
+                                      </p:to>
+                                    </p:set>
+                                    <p:animEffect transition="in" filter="fade">
+                                      <p:cBhvr>
+                                        <p:cTn id="10" dur="500"/>
+                                        <p:tgtEl>
+                                          <p:spTgt spid="6"/>
+                                        </p:tgtEl>
+                                      </p:cBhvr>
+                                    </p:animEffect>
+                                  </p:childTnLst>
+                                </p:cTn>
+                              </p:par>
+                            </p:childTnLst>
+                          </p:cTn>
+                        </p:par>
+                      </p:childTnLst>
+                    </p:cTn>
+                  </p:par>
+                </p:childTnLst>
+              </p:cTn>
+              <p:prevCondLst>
+                <p:cond evt="onPrev" delay="0">
+                  <p:tgtEl>
+                    <p:sldTgt/>
+                  </p:tgtEl>
+                </p:cond>
+              </p:prevCondLst>
+              <p:nextCondLst>
+                <p:cond evt="onNext" delay="0">
+                  <p:tgtEl>
+                    <p:sldTgt/>
+                  </p:tgtEl>
+                </p:cond>
+              </p:nextCondLst>
+            </p:seq>
+          </p:childTnLst>
+        </p:cTn>
+      </p:par>
+    </p:tnLst>
+    <p:bldLst>
+      <p:bldP spid="6" grpId="0"/>
+      <p:bldP spid="7" grpId="0"/>
+    </p:bldLst>
+  </p:timing>
+</p:sld>
+</file>
+
+<file path=ppt/slides/slide11.xml><?xml version="1.0" encoding="utf-8"?>
+<p:sld xmlns:a="http://schemas.openxmlformats.org/drawingml/2006/main" xmlns:r="http://schemas.openxmlformats.org/officeDocument/2006/relationships" xmlns:p="http://schemas.openxmlformats.org/presentationml/2006/main">
+  <p:cSld>
+    <p:spTree>
+      <p:nvGrpSpPr>
+        <p:cNvPr id="1" name=""/>
+        <p:cNvGrpSpPr/>
+        <p:nvPr/>
+      </p:nvGrpSpPr>
+      <p:grpSpPr>
+        <a:xfrm>
+          <a:off x="0" y="0"/>
+          <a:ext cx="0" cy="0"/>
+          <a:chOff x="0" y="0"/>
+          <a:chExt cx="0" cy="0"/>
+        </a:xfrm>
+      </p:grpSpPr>
+      <p:sp>
+        <p:nvSpPr>
+          <p:cNvPr id="2" name="Title 1">
+            <a:extLst>
+              <a:ext uri="{FF2B5EF4-FFF2-40B4-BE49-F238E27FC236}">
+                <a16:creationId xmlns:a16="http://schemas.microsoft.com/office/drawing/2014/main" id="{606C14EE-ED44-4D2F-AF9D-649E168250FF}"/>
+              </a:ext>
+            </a:extLst>
+          </p:cNvPr>
+          <p:cNvSpPr>
+            <a:spLocks noGrp="1"/>
+          </p:cNvSpPr>
+          <p:nvPr>
+            <p:ph type="title"/>
+          </p:nvPr>
+        </p:nvSpPr>
+        <p:spPr/>
+        <p:txBody>
+          <a:bodyPr/>
+          <a:lstStyle/>
+          <a:p>
+            <a:r>
+              <a:rPr lang="en-US" dirty="0"/>
+              <a:t>Virtual Environment</a:t>
+            </a:r>
+            <a:endParaRPr lang="en-IL" dirty="0"/>
+          </a:p>
+        </p:txBody>
+      </p:sp>
+      <p:sp>
+        <p:nvSpPr>
+          <p:cNvPr id="3" name="Content Placeholder 2">
+            <a:extLst>
+              <a:ext uri="{FF2B5EF4-FFF2-40B4-BE49-F238E27FC236}">
+                <a16:creationId xmlns:a16="http://schemas.microsoft.com/office/drawing/2014/main" id="{5EB660AB-B511-48BA-AE44-3EBB497E4E77}"/>
+              </a:ext>
+            </a:extLst>
+          </p:cNvPr>
+          <p:cNvSpPr>
+            <a:spLocks noGrp="1"/>
+          </p:cNvSpPr>
+          <p:nvPr>
+            <p:ph idx="1"/>
+          </p:nvPr>
+        </p:nvSpPr>
+        <p:spPr/>
+        <p:txBody>
+          <a:bodyPr>
+            <a:normAutofit lnSpcReduction="10000"/>
+          </a:bodyPr>
+          <a:lstStyle/>
+          <a:p>
+            <a:r>
+              <a:rPr lang="en-US" dirty="0"/>
+              <a:t>“</a:t>
+            </a:r>
+            <a:r>
+              <a:rPr lang="en-US" dirty="0" err="1">
+                <a:hlinkClick r:id="rId3"/>
+              </a:rPr>
+              <a:t>virtualenv</a:t>
+            </a:r>
+            <a:r>
+              <a:rPr lang="en-US" dirty="0"/>
+              <a:t> is a tool to create isolated Python environments. </a:t>
+            </a:r>
+            <a:r>
+              <a:rPr lang="en-US" dirty="0" err="1"/>
+              <a:t>virtualenv</a:t>
+            </a:r>
+            <a:r>
+              <a:rPr lang="en-US" dirty="0"/>
+              <a:t> creates a folder which contains all the necessary executables to use the packages that a Python project would need.”</a:t>
+            </a:r>
+          </a:p>
+          <a:p>
+            <a:r>
+              <a:rPr lang="en-US" dirty="0"/>
+              <a:t>Keep projects clean from each other.</a:t>
+            </a:r>
+          </a:p>
+          <a:p>
+            <a:r>
+              <a:rPr lang="en-US" dirty="0"/>
+              <a:t>Don’t contaminate your machine</a:t>
+            </a:r>
+          </a:p>
+          <a:p>
+            <a:r>
+              <a:rPr lang="en-US" dirty="0">
+                <a:latin typeface="Courier New" panose="02070309020205020404" pitchFamily="49" charset="0"/>
+                <a:cs typeface="Courier New" panose="02070309020205020404" pitchFamily="49" charset="0"/>
+              </a:rPr>
+              <a:t>python3 –m </a:t>
+            </a:r>
+            <a:r>
+              <a:rPr lang="en-US" dirty="0" err="1">
+                <a:latin typeface="Courier New" panose="02070309020205020404" pitchFamily="49" charset="0"/>
+                <a:cs typeface="Courier New" panose="02070309020205020404" pitchFamily="49" charset="0"/>
+              </a:rPr>
+              <a:t>venv</a:t>
+            </a:r>
+            <a:r>
+              <a:rPr lang="en-US" dirty="0">
+                <a:latin typeface="Courier New" panose="02070309020205020404" pitchFamily="49" charset="0"/>
+                <a:cs typeface="Courier New" panose="02070309020205020404" pitchFamily="49" charset="0"/>
+              </a:rPr>
+              <a:t> </a:t>
+            </a:r>
+            <a:r>
+              <a:rPr lang="en-US" dirty="0" err="1">
+                <a:latin typeface="Courier New" panose="02070309020205020404" pitchFamily="49" charset="0"/>
+                <a:cs typeface="Courier New" panose="02070309020205020404" pitchFamily="49" charset="0"/>
+              </a:rPr>
+              <a:t>venv</a:t>
+            </a:r>
+            <a:r>
+              <a:rPr lang="en-US" dirty="0">
+                <a:latin typeface="Courier New" panose="02070309020205020404" pitchFamily="49" charset="0"/>
+                <a:cs typeface="Courier New" panose="02070309020205020404" pitchFamily="49" charset="0"/>
+              </a:rPr>
+              <a:t> </a:t>
+            </a:r>
+            <a:r>
+              <a:rPr lang="en-US" dirty="0">
+                <a:sym typeface="Wingdings" panose="05000000000000000000" pitchFamily="2" charset="2"/>
+              </a:rPr>
+              <a:t> create ./</a:t>
+            </a:r>
+            <a:r>
+              <a:rPr lang="en-US" dirty="0" err="1">
+                <a:sym typeface="Wingdings" panose="05000000000000000000" pitchFamily="2" charset="2"/>
+              </a:rPr>
+              <a:t>venv</a:t>
+            </a:r>
+            <a:r>
+              <a:rPr lang="en-US" dirty="0">
+                <a:sym typeface="Wingdings" panose="05000000000000000000" pitchFamily="2" charset="2"/>
+              </a:rPr>
+              <a:t> and fill it with the binaries</a:t>
+            </a:r>
+          </a:p>
+          <a:p>
+            <a:r>
+              <a:rPr lang="en-US" dirty="0">
+                <a:latin typeface="Courier New" panose="02070309020205020404" pitchFamily="49" charset="0"/>
+                <a:cs typeface="Courier New" panose="02070309020205020404" pitchFamily="49" charset="0"/>
+                <a:sym typeface="Wingdings" panose="05000000000000000000" pitchFamily="2" charset="2"/>
+              </a:rPr>
+              <a:t>source </a:t>
+            </a:r>
+            <a:r>
+              <a:rPr lang="en-US" dirty="0" err="1">
+                <a:latin typeface="Courier New" panose="02070309020205020404" pitchFamily="49" charset="0"/>
+                <a:cs typeface="Courier New" panose="02070309020205020404" pitchFamily="49" charset="0"/>
+                <a:sym typeface="Wingdings" panose="05000000000000000000" pitchFamily="2" charset="2"/>
+              </a:rPr>
+              <a:t>venv</a:t>
+            </a:r>
+            <a:r>
+              <a:rPr lang="en-US" dirty="0">
+                <a:latin typeface="Courier New" panose="02070309020205020404" pitchFamily="49" charset="0"/>
+                <a:cs typeface="Courier New" panose="02070309020205020404" pitchFamily="49" charset="0"/>
+                <a:sym typeface="Wingdings" panose="05000000000000000000" pitchFamily="2" charset="2"/>
+              </a:rPr>
+              <a:t>/bin/activate </a:t>
+            </a:r>
+            <a:r>
+              <a:rPr lang="en-US" dirty="0">
+                <a:sym typeface="Wingdings" panose="05000000000000000000" pitchFamily="2" charset="2"/>
+              </a:rPr>
+              <a:t> start using it</a:t>
+            </a:r>
+          </a:p>
+          <a:p>
+            <a:r>
+              <a:rPr lang="en-US" dirty="0">
+                <a:latin typeface="Courier New" panose="02070309020205020404" pitchFamily="49" charset="0"/>
+                <a:cs typeface="Courier New" panose="02070309020205020404" pitchFamily="49" charset="0"/>
+                <a:sym typeface="Wingdings" panose="05000000000000000000" pitchFamily="2" charset="2"/>
+              </a:rPr>
+              <a:t>deactivate</a:t>
+            </a:r>
+            <a:r>
+              <a:rPr lang="en-US" dirty="0">
+                <a:sym typeface="Wingdings" panose="05000000000000000000" pitchFamily="2" charset="2"/>
+              </a:rPr>
+              <a:t>  stop using it</a:t>
+            </a:r>
+          </a:p>
+          <a:p>
+            <a:r>
+              <a:rPr lang="en-US" dirty="0">
+                <a:solidFill>
+                  <a:schemeClr val="accent6">
+                    <a:lumMod val="75000"/>
+                  </a:schemeClr>
+                </a:solidFill>
+                <a:sym typeface="Wingdings" panose="05000000000000000000" pitchFamily="2" charset="2"/>
+              </a:rPr>
+              <a:t>(demo)</a:t>
+            </a:r>
+            <a:endParaRPr lang="en-IL" dirty="0">
+              <a:solidFill>
+                <a:schemeClr val="accent6">
+                  <a:lumMod val="75000"/>
+                </a:schemeClr>
+              </a:solidFill>
+            </a:endParaRPr>
+          </a:p>
+        </p:txBody>
+      </p:sp>
+    </p:spTree>
+    <p:extLst>
+      <p:ext uri="{BB962C8B-B14F-4D97-AF65-F5344CB8AC3E}">
+        <p14:creationId xmlns:p14="http://schemas.microsoft.com/office/powerpoint/2010/main" val="1351197003"/>
+      </p:ext>
+    </p:extLst>
+  </p:cSld>
+  <p:clrMapOvr>
+    <a:masterClrMapping/>
+  </p:clrMapOvr>
+</p:sld>
+</file>
+
+<file path=ppt/slides/slide12.xml><?xml version="1.0" encoding="utf-8"?>
+<p:sld xmlns:a="http://schemas.openxmlformats.org/drawingml/2006/main" xmlns:r="http://schemas.openxmlformats.org/officeDocument/2006/relationships" xmlns:p="http://schemas.openxmlformats.org/presentationml/2006/main">
+  <p:cSld>
+    <p:spTree>
+      <p:nvGrpSpPr>
+        <p:cNvPr id="1" name=""/>
+        <p:cNvGrpSpPr/>
+        <p:nvPr/>
+      </p:nvGrpSpPr>
+      <p:grpSpPr>
+        <a:xfrm>
+          <a:off x="0" y="0"/>
+          <a:ext cx="0" cy="0"/>
+          <a:chOff x="0" y="0"/>
+          <a:chExt cx="0" cy="0"/>
+        </a:xfrm>
+      </p:grpSpPr>
+      <p:sp>
+        <p:nvSpPr>
+          <p:cNvPr id="2" name="Title 1">
+            <a:extLst>
+              <a:ext uri="{FF2B5EF4-FFF2-40B4-BE49-F238E27FC236}">
                 <a16:creationId xmlns:a16="http://schemas.microsoft.com/office/drawing/2014/main" id="{0A19A911-18B4-4E95-8A47-ABD5D0866E8F}"/>
               </a:ext>
             </a:extLst>
@@ -6772,7 +8137,7 @@
 </p:sld>
 </file>
 
-<file path=ppt/slides/slide11.xml><?xml version="1.0" encoding="utf-8"?>
+<file path=ppt/slides/slide13.xml><?xml version="1.0" encoding="utf-8"?>
 <p:sld xmlns:a="http://schemas.openxmlformats.org/drawingml/2006/main" xmlns:r="http://schemas.openxmlformats.org/officeDocument/2006/relationships" xmlns:p="http://schemas.openxmlformats.org/presentationml/2006/main">
   <p:cSld>
     <p:spTree>
@@ -6962,7 +8327,7 @@
 </p:sld>
 </file>
 
-<file path=ppt/slides/slide12.xml><?xml version="1.0" encoding="utf-8"?>
+<file path=ppt/slides/slide14.xml><?xml version="1.0" encoding="utf-8"?>
 <p:sld xmlns:a="http://schemas.openxmlformats.org/drawingml/2006/main" xmlns:r="http://schemas.openxmlformats.org/officeDocument/2006/relationships" xmlns:p="http://schemas.openxmlformats.org/presentationml/2006/main">
   <p:cSld>
     <p:spTree>
@@ -7179,7 +8544,7 @@
 </p:sld>
 </file>
 
-<file path=ppt/slides/slide13.xml><?xml version="1.0" encoding="utf-8"?>
+<file path=ppt/slides/slide15.xml><?xml version="1.0" encoding="utf-8"?>
 <p:sld xmlns:a="http://schemas.openxmlformats.org/drawingml/2006/main" xmlns:r="http://schemas.openxmlformats.org/officeDocument/2006/relationships" xmlns:p="http://schemas.openxmlformats.org/presentationml/2006/main">
   <p:cSld>
     <p:spTree>
@@ -8483,7 +9848,7 @@
 </p:sld>
 </file>
 
-<file path=ppt/slides/slide14.xml><?xml version="1.0" encoding="utf-8"?>
+<file path=ppt/slides/slide16.xml><?xml version="1.0" encoding="utf-8"?>
 <p:sld xmlns:a="http://schemas.openxmlformats.org/drawingml/2006/main" xmlns:r="http://schemas.openxmlformats.org/officeDocument/2006/relationships" xmlns:p="http://schemas.openxmlformats.org/presentationml/2006/main">
   <p:cSld>
     <p:spTree>
@@ -8654,321 +10019,6 @@
 </p:sld>
 </file>
 
-<file path=ppt/slides/slide15.xml><?xml version="1.0" encoding="utf-8"?>
-<p:sld xmlns:a="http://schemas.openxmlformats.org/drawingml/2006/main" xmlns:r="http://schemas.openxmlformats.org/officeDocument/2006/relationships" xmlns:p="http://schemas.openxmlformats.org/presentationml/2006/main">
-  <p:cSld>
-    <p:spTree>
-      <p:nvGrpSpPr>
-        <p:cNvPr id="1" name=""/>
-        <p:cNvGrpSpPr/>
-        <p:nvPr/>
-      </p:nvGrpSpPr>
-      <p:grpSpPr>
-        <a:xfrm>
-          <a:off x="0" y="0"/>
-          <a:ext cx="0" cy="0"/>
-          <a:chOff x="0" y="0"/>
-          <a:chExt cx="0" cy="0"/>
-        </a:xfrm>
-      </p:grpSpPr>
-      <p:sp>
-        <p:nvSpPr>
-          <p:cNvPr id="2" name="Title 1">
-            <a:extLst>
-              <a:ext uri="{FF2B5EF4-FFF2-40B4-BE49-F238E27FC236}">
-                <a16:creationId xmlns:a16="http://schemas.microsoft.com/office/drawing/2014/main" id="{AE650928-75B9-4204-9EAF-AF7EDA2E08C7}"/>
-              </a:ext>
-            </a:extLst>
-          </p:cNvPr>
-          <p:cNvSpPr>
-            <a:spLocks noGrp="1"/>
-          </p:cNvSpPr>
-          <p:nvPr>
-            <p:ph type="title"/>
-          </p:nvPr>
-        </p:nvSpPr>
-        <p:spPr/>
-        <p:txBody>
-          <a:bodyPr/>
-          <a:lstStyle/>
-          <a:p>
-            <a:r>
-              <a:rPr lang="en-US" dirty="0"/>
-              <a:t>Installing packages – some tools</a:t>
-            </a:r>
-            <a:endParaRPr lang="en-IL" dirty="0"/>
-          </a:p>
-        </p:txBody>
-      </p:sp>
-      <p:sp>
-        <p:nvSpPr>
-          <p:cNvPr id="3" name="Content Placeholder 2">
-            <a:extLst>
-              <a:ext uri="{FF2B5EF4-FFF2-40B4-BE49-F238E27FC236}">
-                <a16:creationId xmlns:a16="http://schemas.microsoft.com/office/drawing/2014/main" id="{A5CA3D45-3B53-4F6E-B796-220472E415F3}"/>
-              </a:ext>
-            </a:extLst>
-          </p:cNvPr>
-          <p:cNvSpPr>
-            <a:spLocks noGrp="1"/>
-          </p:cNvSpPr>
-          <p:nvPr>
-            <p:ph idx="1"/>
-          </p:nvPr>
-        </p:nvSpPr>
-        <p:spPr/>
-        <p:txBody>
-          <a:bodyPr/>
-          <a:lstStyle/>
-          <a:p>
-            <a:r>
-              <a:rPr lang="en-US" b="1" dirty="0"/>
-              <a:t>pip</a:t>
-            </a:r>
-            <a:r>
-              <a:rPr lang="en-US" dirty="0"/>
-              <a:t>     (requirements.txt)</a:t>
-            </a:r>
-          </a:p>
-          <a:p>
-            <a:r>
-              <a:rPr lang="en-US" dirty="0" err="1"/>
-              <a:t>pipenv</a:t>
-            </a:r>
-            <a:endParaRPr lang="en-US" dirty="0"/>
-          </a:p>
-          <a:p>
-            <a:r>
-              <a:rPr lang="en-US" dirty="0" err="1"/>
-              <a:t>conda</a:t>
-            </a:r>
-            <a:endParaRPr lang="en-US" dirty="0"/>
-          </a:p>
-          <a:p>
-            <a:r>
-              <a:rPr lang="en-US" dirty="0" err="1"/>
-              <a:t>setuptools</a:t>
-            </a:r>
-            <a:endParaRPr lang="en-US" dirty="0"/>
-          </a:p>
-          <a:p>
-            <a:endParaRPr lang="en-US" dirty="0"/>
-          </a:p>
-          <a:p>
-            <a:endParaRPr lang="en-US" dirty="0"/>
-          </a:p>
-          <a:p>
-            <a:r>
-              <a:rPr lang="en-US" dirty="0"/>
-              <a:t>(</a:t>
-            </a:r>
-            <a:r>
-              <a:rPr lang="en-US" dirty="0">
-                <a:solidFill>
-                  <a:schemeClr val="accent6"/>
-                </a:solidFill>
-              </a:rPr>
-              <a:t>demo pip</a:t>
-            </a:r>
-            <a:r>
-              <a:rPr lang="en-US" dirty="0"/>
-              <a:t>)</a:t>
-            </a:r>
-          </a:p>
-          <a:p>
-            <a:endParaRPr lang="en-IL" dirty="0"/>
-          </a:p>
-        </p:txBody>
-      </p:sp>
-    </p:spTree>
-    <p:extLst>
-      <p:ext uri="{BB962C8B-B14F-4D97-AF65-F5344CB8AC3E}">
-        <p14:creationId xmlns:p14="http://schemas.microsoft.com/office/powerpoint/2010/main" val="914576816"/>
-      </p:ext>
-    </p:extLst>
-  </p:cSld>
-  <p:clrMapOvr>
-    <a:masterClrMapping/>
-  </p:clrMapOvr>
-</p:sld>
-</file>
-
-<file path=ppt/slides/slide16.xml><?xml version="1.0" encoding="utf-8"?>
-<p:sld xmlns:a="http://schemas.openxmlformats.org/drawingml/2006/main" xmlns:r="http://schemas.openxmlformats.org/officeDocument/2006/relationships" xmlns:p="http://schemas.openxmlformats.org/presentationml/2006/main">
-  <p:cSld>
-    <p:spTree>
-      <p:nvGrpSpPr>
-        <p:cNvPr id="1" name=""/>
-        <p:cNvGrpSpPr/>
-        <p:nvPr/>
-      </p:nvGrpSpPr>
-      <p:grpSpPr>
-        <a:xfrm>
-          <a:off x="0" y="0"/>
-          <a:ext cx="0" cy="0"/>
-          <a:chOff x="0" y="0"/>
-          <a:chExt cx="0" cy="0"/>
-        </a:xfrm>
-      </p:grpSpPr>
-      <p:sp>
-        <p:nvSpPr>
-          <p:cNvPr id="2" name="Title 1">
-            <a:extLst>
-              <a:ext uri="{FF2B5EF4-FFF2-40B4-BE49-F238E27FC236}">
-                <a16:creationId xmlns:a16="http://schemas.microsoft.com/office/drawing/2014/main" id="{0953F5CC-25B3-4920-92B1-4B7A69912AAB}"/>
-              </a:ext>
-            </a:extLst>
-          </p:cNvPr>
-          <p:cNvSpPr>
-            <a:spLocks noGrp="1"/>
-          </p:cNvSpPr>
-          <p:nvPr>
-            <p:ph type="title"/>
-          </p:nvPr>
-        </p:nvSpPr>
-        <p:spPr/>
-        <p:txBody>
-          <a:bodyPr/>
-          <a:lstStyle/>
-          <a:p>
-            <a:r>
-              <a:rPr lang="en-US" dirty="0"/>
-              <a:t>Optimizations </a:t>
-            </a:r>
-            <a:r>
-              <a:rPr lang="en-US" sz="3600" dirty="0"/>
-              <a:t>(of what?)</a:t>
-            </a:r>
-            <a:endParaRPr lang="en-IL" dirty="0"/>
-          </a:p>
-        </p:txBody>
-      </p:sp>
-      <p:sp>
-        <p:nvSpPr>
-          <p:cNvPr id="3" name="Content Placeholder 2">
-            <a:extLst>
-              <a:ext uri="{FF2B5EF4-FFF2-40B4-BE49-F238E27FC236}">
-                <a16:creationId xmlns:a16="http://schemas.microsoft.com/office/drawing/2014/main" id="{99991640-B5C9-4804-A626-94EAB1965A14}"/>
-              </a:ext>
-            </a:extLst>
-          </p:cNvPr>
-          <p:cNvSpPr>
-            <a:spLocks noGrp="1"/>
-          </p:cNvSpPr>
-          <p:nvPr>
-            <p:ph idx="1"/>
-          </p:nvPr>
-        </p:nvSpPr>
-        <p:spPr/>
-        <p:txBody>
-          <a:bodyPr/>
-          <a:lstStyle/>
-          <a:p>
-            <a:r>
-              <a:rPr lang="en-US" dirty="0"/>
-              <a:t>Speed vs. memory?</a:t>
-            </a:r>
-          </a:p>
-          <a:p>
-            <a:pPr lvl="1"/>
-            <a:r>
-              <a:rPr lang="en-US" dirty="0"/>
-              <a:t> Sometimes you can gain in both</a:t>
-            </a:r>
-          </a:p>
-          <a:p>
-            <a:r>
-              <a:rPr lang="en-US" dirty="0"/>
-              <a:t>How to find the hotspots?</a:t>
-            </a:r>
-          </a:p>
-          <a:p>
-            <a:pPr lvl="1"/>
-            <a:r>
-              <a:rPr lang="en-US" dirty="0"/>
-              <a:t>Profiling tools ( </a:t>
-            </a:r>
-            <a:r>
-              <a:rPr lang="en-US" dirty="0" err="1"/>
-              <a:t>Pycharm</a:t>
-            </a:r>
-            <a:r>
-              <a:rPr lang="en-US" dirty="0"/>
-              <a:t> Pro, </a:t>
-            </a:r>
-            <a:r>
-              <a:rPr lang="en-US" dirty="0" err="1"/>
-              <a:t>cProfile</a:t>
-            </a:r>
-            <a:r>
-              <a:rPr lang="en-US" dirty="0"/>
-              <a:t>, …)</a:t>
-            </a:r>
-          </a:p>
-          <a:p>
-            <a:r>
-              <a:rPr lang="en-US" dirty="0"/>
-              <a:t>Use libraries (</a:t>
-            </a:r>
-            <a:r>
-              <a:rPr lang="en-US" dirty="0" err="1"/>
-              <a:t>e.g</a:t>
-            </a:r>
-            <a:r>
-              <a:rPr lang="en-US" dirty="0"/>
-              <a:t> </a:t>
-            </a:r>
-            <a:r>
-              <a:rPr lang="en-US" dirty="0" err="1"/>
-              <a:t>Numpy</a:t>
-            </a:r>
-            <a:r>
-              <a:rPr lang="en-US" dirty="0"/>
-              <a:t>) that uses native code</a:t>
-            </a:r>
-          </a:p>
-          <a:p>
-            <a:r>
-              <a:rPr lang="en-US" dirty="0"/>
-              <a:t>Write your own native code library (after you profiled your code)</a:t>
-            </a:r>
-          </a:p>
-          <a:p>
-            <a:endParaRPr lang="en-US" dirty="0"/>
-          </a:p>
-          <a:p>
-            <a:pPr marL="0" indent="0">
-              <a:buNone/>
-            </a:pPr>
-            <a:r>
-              <a:rPr lang="en-US" dirty="0">
-                <a:solidFill>
-                  <a:srgbClr val="FF0000"/>
-                </a:solidFill>
-              </a:rPr>
-              <a:t>“Early optimization is the root of all evil” </a:t>
-            </a:r>
-            <a:r>
-              <a:rPr lang="en-US" dirty="0"/>
-              <a:t>(Confucius ) </a:t>
-            </a:r>
-            <a:endParaRPr lang="en-IL" dirty="0"/>
-          </a:p>
-        </p:txBody>
-      </p:sp>
-    </p:spTree>
-    <p:extLst>
-      <p:ext uri="{BB962C8B-B14F-4D97-AF65-F5344CB8AC3E}">
-        <p14:creationId xmlns:p14="http://schemas.microsoft.com/office/powerpoint/2010/main" val="1828237256"/>
-      </p:ext>
-    </p:extLst>
-  </p:cSld>
-  <p:clrMapOvr>
-    <a:masterClrMapping/>
-  </p:clrMapOvr>
-</p:sld>
-</file>
-
 <file path=ppt/slides/slide17.xml><?xml version="1.0" encoding="utf-8"?>
 <p:sld xmlns:a="http://schemas.openxmlformats.org/drawingml/2006/main" xmlns:r="http://schemas.openxmlformats.org/officeDocument/2006/relationships" xmlns:p="http://schemas.openxmlformats.org/presentationml/2006/main">
   <p:cSld>
@@ -8991,7 +10041,7 @@
           <p:cNvPr id="2" name="Title 1">
             <a:extLst>
               <a:ext uri="{FF2B5EF4-FFF2-40B4-BE49-F238E27FC236}">
-                <a16:creationId xmlns:a16="http://schemas.microsoft.com/office/drawing/2014/main" id="{17FFE9F9-F0DB-4784-A828-46FFA65C9B86}"/>
+                <a16:creationId xmlns:a16="http://schemas.microsoft.com/office/drawing/2014/main" id="{AE650928-75B9-4204-9EAF-AF7EDA2E08C7}"/>
               </a:ext>
             </a:extLst>
           </p:cNvPr>
@@ -9009,7 +10059,7 @@
           <a:p>
             <a:r>
               <a:rPr lang="en-US" dirty="0"/>
-              <a:t>Code profiling</a:t>
+              <a:t>Installing packages – some tools</a:t>
             </a:r>
             <a:endParaRPr lang="en-IL" dirty="0"/>
           </a:p>
@@ -9020,7 +10070,7 @@
           <p:cNvPr id="3" name="Content Placeholder 2">
             <a:extLst>
               <a:ext uri="{FF2B5EF4-FFF2-40B4-BE49-F238E27FC236}">
-                <a16:creationId xmlns:a16="http://schemas.microsoft.com/office/drawing/2014/main" id="{DC1B7393-F842-48D7-8977-4D8C9D17158F}"/>
+                <a16:creationId xmlns:a16="http://schemas.microsoft.com/office/drawing/2014/main" id="{A5CA3D45-3B53-4F6E-B796-220472E415F3}"/>
               </a:ext>
             </a:extLst>
           </p:cNvPr>
@@ -9037,27 +10087,60 @@
           <a:lstStyle/>
           <a:p>
             <a:r>
-              <a:rPr lang="en-US" dirty="0"/>
-              <a:t>Guessing where the code is slow can be very misleading. Measure!</a:t>
-            </a:r>
-          </a:p>
-          <a:p>
-            <a:r>
-              <a:rPr lang="en-US" dirty="0"/>
-              <a:t>The measurement tool is called a Profiler. </a:t>
-            </a:r>
-          </a:p>
-          <a:p>
-            <a:r>
-              <a:rPr lang="en-US" dirty="0"/>
-              <a:t>Run your code with several inputs (to cover most common control flows)</a:t>
-            </a:r>
-          </a:p>
-          <a:p>
-            <a:r>
-              <a:rPr lang="en-US" dirty="0"/>
-              <a:t>We will see an example down the road (if there is enough time)</a:t>
-            </a:r>
+              <a:rPr lang="en-US" b="1" dirty="0"/>
+              <a:t>pip</a:t>
+            </a:r>
+            <a:r>
+              <a:rPr lang="en-US" dirty="0"/>
+              <a:t>     (requirements.txt)</a:t>
+            </a:r>
+          </a:p>
+          <a:p>
+            <a:r>
+              <a:rPr lang="en-US" dirty="0" err="1"/>
+              <a:t>pipenv</a:t>
+            </a:r>
+            <a:endParaRPr lang="en-US" dirty="0"/>
+          </a:p>
+          <a:p>
+            <a:r>
+              <a:rPr lang="en-US" dirty="0" err="1"/>
+              <a:t>conda</a:t>
+            </a:r>
+            <a:endParaRPr lang="en-US" dirty="0"/>
+          </a:p>
+          <a:p>
+            <a:r>
+              <a:rPr lang="en-US" dirty="0" err="1"/>
+              <a:t>setuptools</a:t>
+            </a:r>
+            <a:endParaRPr lang="en-US" dirty="0"/>
+          </a:p>
+          <a:p>
+            <a:endParaRPr lang="en-US" dirty="0"/>
+          </a:p>
+          <a:p>
+            <a:endParaRPr lang="en-US" dirty="0"/>
+          </a:p>
+          <a:p>
+            <a:r>
+              <a:rPr lang="en-US" dirty="0"/>
+              <a:t>(</a:t>
+            </a:r>
+            <a:r>
+              <a:rPr lang="en-US" dirty="0">
+                <a:solidFill>
+                  <a:schemeClr val="accent6"/>
+                </a:solidFill>
+              </a:rPr>
+              <a:t>demo pip</a:t>
+            </a:r>
+            <a:r>
+              <a:rPr lang="en-US" dirty="0"/>
+              <a:t>)</a:t>
+            </a:r>
+          </a:p>
+          <a:p>
             <a:endParaRPr lang="en-IL" dirty="0"/>
           </a:p>
         </p:txBody>
@@ -9065,7 +10148,7 @@
     </p:spTree>
     <p:extLst>
       <p:ext uri="{BB962C8B-B14F-4D97-AF65-F5344CB8AC3E}">
-        <p14:creationId xmlns:p14="http://schemas.microsoft.com/office/powerpoint/2010/main" val="3757237208"/>
+        <p14:creationId xmlns:p14="http://schemas.microsoft.com/office/powerpoint/2010/main" val="914576816"/>
       </p:ext>
     </p:extLst>
   </p:cSld>
@@ -9097,6 +10180,433 @@
           <p:cNvPr id="2" name="Title 1">
             <a:extLst>
               <a:ext uri="{FF2B5EF4-FFF2-40B4-BE49-F238E27FC236}">
+                <a16:creationId xmlns:a16="http://schemas.microsoft.com/office/drawing/2014/main" id="{0953F5CC-25B3-4920-92B1-4B7A69912AAB}"/>
+              </a:ext>
+            </a:extLst>
+          </p:cNvPr>
+          <p:cNvSpPr>
+            <a:spLocks noGrp="1"/>
+          </p:cNvSpPr>
+          <p:nvPr>
+            <p:ph type="title"/>
+          </p:nvPr>
+        </p:nvSpPr>
+        <p:spPr/>
+        <p:txBody>
+          <a:bodyPr/>
+          <a:lstStyle/>
+          <a:p>
+            <a:r>
+              <a:rPr lang="en-US" dirty="0"/>
+              <a:t>Optimizations </a:t>
+            </a:r>
+            <a:r>
+              <a:rPr lang="en-US" sz="3600" dirty="0"/>
+              <a:t>(of what?)</a:t>
+            </a:r>
+            <a:endParaRPr lang="en-IL" dirty="0"/>
+          </a:p>
+        </p:txBody>
+      </p:sp>
+      <p:sp>
+        <p:nvSpPr>
+          <p:cNvPr id="3" name="Content Placeholder 2">
+            <a:extLst>
+              <a:ext uri="{FF2B5EF4-FFF2-40B4-BE49-F238E27FC236}">
+                <a16:creationId xmlns:a16="http://schemas.microsoft.com/office/drawing/2014/main" id="{99991640-B5C9-4804-A626-94EAB1965A14}"/>
+              </a:ext>
+            </a:extLst>
+          </p:cNvPr>
+          <p:cNvSpPr>
+            <a:spLocks noGrp="1"/>
+          </p:cNvSpPr>
+          <p:nvPr>
+            <p:ph idx="1"/>
+          </p:nvPr>
+        </p:nvSpPr>
+        <p:spPr/>
+        <p:txBody>
+          <a:bodyPr/>
+          <a:lstStyle/>
+          <a:p>
+            <a:r>
+              <a:rPr lang="en-US" dirty="0"/>
+              <a:t>Speed vs. memory?</a:t>
+            </a:r>
+          </a:p>
+          <a:p>
+            <a:pPr lvl="1"/>
+            <a:r>
+              <a:rPr lang="en-US" dirty="0"/>
+              <a:t> Sometimes you can gain in both</a:t>
+            </a:r>
+          </a:p>
+          <a:p>
+            <a:r>
+              <a:rPr lang="en-US" dirty="0"/>
+              <a:t>How to find the hotspots?</a:t>
+            </a:r>
+          </a:p>
+          <a:p>
+            <a:pPr lvl="1"/>
+            <a:r>
+              <a:rPr lang="en-US" dirty="0"/>
+              <a:t>Profiling tools ( </a:t>
+            </a:r>
+            <a:r>
+              <a:rPr lang="en-US" dirty="0" err="1"/>
+              <a:t>Pycharm</a:t>
+            </a:r>
+            <a:r>
+              <a:rPr lang="en-US" dirty="0"/>
+              <a:t> Pro, </a:t>
+            </a:r>
+            <a:r>
+              <a:rPr lang="en-US" dirty="0" err="1"/>
+              <a:t>cProfile</a:t>
+            </a:r>
+            <a:r>
+              <a:rPr lang="en-US" dirty="0"/>
+              <a:t>, …)</a:t>
+            </a:r>
+          </a:p>
+          <a:p>
+            <a:r>
+              <a:rPr lang="en-US" dirty="0"/>
+              <a:t>Use libraries (</a:t>
+            </a:r>
+            <a:r>
+              <a:rPr lang="en-US" dirty="0" err="1"/>
+              <a:t>e.g</a:t>
+            </a:r>
+            <a:r>
+              <a:rPr lang="en-US" dirty="0"/>
+              <a:t> </a:t>
+            </a:r>
+            <a:r>
+              <a:rPr lang="en-US" dirty="0" err="1"/>
+              <a:t>Numpy</a:t>
+            </a:r>
+            <a:r>
+              <a:rPr lang="en-US" dirty="0"/>
+              <a:t>) that uses native code</a:t>
+            </a:r>
+          </a:p>
+          <a:p>
+            <a:r>
+              <a:rPr lang="en-US" dirty="0"/>
+              <a:t>Write your own native code library (after you profiled your code)</a:t>
+            </a:r>
+          </a:p>
+          <a:p>
+            <a:endParaRPr lang="en-US" dirty="0"/>
+          </a:p>
+          <a:p>
+            <a:pPr marL="0" indent="0">
+              <a:buNone/>
+            </a:pPr>
+            <a:r>
+              <a:rPr lang="en-US" dirty="0">
+                <a:solidFill>
+                  <a:srgbClr val="FF0000"/>
+                </a:solidFill>
+              </a:rPr>
+              <a:t>“Early optimization is the root of all evil” </a:t>
+            </a:r>
+            <a:r>
+              <a:rPr lang="en-US" dirty="0"/>
+              <a:t>(Confucius ) </a:t>
+            </a:r>
+            <a:endParaRPr lang="en-IL" dirty="0"/>
+          </a:p>
+        </p:txBody>
+      </p:sp>
+    </p:spTree>
+    <p:extLst>
+      <p:ext uri="{BB962C8B-B14F-4D97-AF65-F5344CB8AC3E}">
+        <p14:creationId xmlns:p14="http://schemas.microsoft.com/office/powerpoint/2010/main" val="1828237256"/>
+      </p:ext>
+    </p:extLst>
+  </p:cSld>
+  <p:clrMapOvr>
+    <a:masterClrMapping/>
+  </p:clrMapOvr>
+</p:sld>
+</file>
+
+<file path=ppt/slides/slide19.xml><?xml version="1.0" encoding="utf-8"?>
+<p:sld xmlns:a="http://schemas.openxmlformats.org/drawingml/2006/main" xmlns:r="http://schemas.openxmlformats.org/officeDocument/2006/relationships" xmlns:p="http://schemas.openxmlformats.org/presentationml/2006/main">
+  <p:cSld>
+    <p:spTree>
+      <p:nvGrpSpPr>
+        <p:cNvPr id="1" name=""/>
+        <p:cNvGrpSpPr/>
+        <p:nvPr/>
+      </p:nvGrpSpPr>
+      <p:grpSpPr>
+        <a:xfrm>
+          <a:off x="0" y="0"/>
+          <a:ext cx="0" cy="0"/>
+          <a:chOff x="0" y="0"/>
+          <a:chExt cx="0" cy="0"/>
+        </a:xfrm>
+      </p:grpSpPr>
+      <p:sp>
+        <p:nvSpPr>
+          <p:cNvPr id="2" name="Title 1">
+            <a:extLst>
+              <a:ext uri="{FF2B5EF4-FFF2-40B4-BE49-F238E27FC236}">
+                <a16:creationId xmlns:a16="http://schemas.microsoft.com/office/drawing/2014/main" id="{17FFE9F9-F0DB-4784-A828-46FFA65C9B86}"/>
+              </a:ext>
+            </a:extLst>
+          </p:cNvPr>
+          <p:cNvSpPr>
+            <a:spLocks noGrp="1"/>
+          </p:cNvSpPr>
+          <p:nvPr>
+            <p:ph type="title"/>
+          </p:nvPr>
+        </p:nvSpPr>
+        <p:spPr/>
+        <p:txBody>
+          <a:bodyPr/>
+          <a:lstStyle/>
+          <a:p>
+            <a:r>
+              <a:rPr lang="en-US" dirty="0"/>
+              <a:t>Code profiling</a:t>
+            </a:r>
+            <a:endParaRPr lang="en-IL" dirty="0"/>
+          </a:p>
+        </p:txBody>
+      </p:sp>
+      <p:sp>
+        <p:nvSpPr>
+          <p:cNvPr id="3" name="Content Placeholder 2">
+            <a:extLst>
+              <a:ext uri="{FF2B5EF4-FFF2-40B4-BE49-F238E27FC236}">
+                <a16:creationId xmlns:a16="http://schemas.microsoft.com/office/drawing/2014/main" id="{DC1B7393-F842-48D7-8977-4D8C9D17158F}"/>
+              </a:ext>
+            </a:extLst>
+          </p:cNvPr>
+          <p:cNvSpPr>
+            <a:spLocks noGrp="1"/>
+          </p:cNvSpPr>
+          <p:nvPr>
+            <p:ph idx="1"/>
+          </p:nvPr>
+        </p:nvSpPr>
+        <p:spPr/>
+        <p:txBody>
+          <a:bodyPr/>
+          <a:lstStyle/>
+          <a:p>
+            <a:r>
+              <a:rPr lang="en-US" dirty="0"/>
+              <a:t>Guessing where the code is slow can be very misleading. Measure!</a:t>
+            </a:r>
+          </a:p>
+          <a:p>
+            <a:r>
+              <a:rPr lang="en-US" dirty="0"/>
+              <a:t>The measurement tool is called a Profiler. </a:t>
+            </a:r>
+          </a:p>
+          <a:p>
+            <a:r>
+              <a:rPr lang="en-US" dirty="0"/>
+              <a:t>Run your code with several inputs (to cover most common control flows)</a:t>
+            </a:r>
+          </a:p>
+          <a:p>
+            <a:r>
+              <a:rPr lang="en-US" dirty="0"/>
+              <a:t>We will see an example down the road (if there is enough time)</a:t>
+            </a:r>
+            <a:endParaRPr lang="en-IL" dirty="0"/>
+          </a:p>
+        </p:txBody>
+      </p:sp>
+    </p:spTree>
+    <p:extLst>
+      <p:ext uri="{BB962C8B-B14F-4D97-AF65-F5344CB8AC3E}">
+        <p14:creationId xmlns:p14="http://schemas.microsoft.com/office/powerpoint/2010/main" val="3757237208"/>
+      </p:ext>
+    </p:extLst>
+  </p:cSld>
+  <p:clrMapOvr>
+    <a:masterClrMapping/>
+  </p:clrMapOvr>
+</p:sld>
+</file>
+
+<file path=ppt/slides/slide2.xml><?xml version="1.0" encoding="utf-8"?>
+<p:sld xmlns:a="http://schemas.openxmlformats.org/drawingml/2006/main" xmlns:r="http://schemas.openxmlformats.org/officeDocument/2006/relationships" xmlns:p="http://schemas.openxmlformats.org/presentationml/2006/main">
+  <p:cSld>
+    <p:spTree>
+      <p:nvGrpSpPr>
+        <p:cNvPr id="1" name=""/>
+        <p:cNvGrpSpPr/>
+        <p:nvPr/>
+      </p:nvGrpSpPr>
+      <p:grpSpPr>
+        <a:xfrm>
+          <a:off x="0" y="0"/>
+          <a:ext cx="0" cy="0"/>
+          <a:chOff x="0" y="0"/>
+          <a:chExt cx="0" cy="0"/>
+        </a:xfrm>
+      </p:grpSpPr>
+      <p:sp>
+        <p:nvSpPr>
+          <p:cNvPr id="2" name="Title 1">
+            <a:extLst>
+              <a:ext uri="{FF2B5EF4-FFF2-40B4-BE49-F238E27FC236}">
+                <a16:creationId xmlns:a16="http://schemas.microsoft.com/office/drawing/2014/main" id="{B9262DD4-9425-4EEC-B8E6-F5CFAE38F355}"/>
+              </a:ext>
+            </a:extLst>
+          </p:cNvPr>
+          <p:cNvSpPr>
+            <a:spLocks noGrp="1"/>
+          </p:cNvSpPr>
+          <p:nvPr>
+            <p:ph type="title"/>
+          </p:nvPr>
+        </p:nvSpPr>
+        <p:spPr/>
+        <p:txBody>
+          <a:bodyPr/>
+          <a:lstStyle/>
+          <a:p>
+            <a:r>
+              <a:rPr lang="en-US" dirty="0"/>
+              <a:t>Introduction</a:t>
+            </a:r>
+            <a:endParaRPr lang="en-IL" dirty="0"/>
+          </a:p>
+        </p:txBody>
+      </p:sp>
+      <p:sp>
+        <p:nvSpPr>
+          <p:cNvPr id="3" name="Content Placeholder 2">
+            <a:extLst>
+              <a:ext uri="{FF2B5EF4-FFF2-40B4-BE49-F238E27FC236}">
+                <a16:creationId xmlns:a16="http://schemas.microsoft.com/office/drawing/2014/main" id="{BE4DAF65-8362-4AEF-A53D-A749012F0939}"/>
+              </a:ext>
+            </a:extLst>
+          </p:cNvPr>
+          <p:cNvSpPr>
+            <a:spLocks noGrp="1"/>
+          </p:cNvSpPr>
+          <p:nvPr>
+            <p:ph idx="1"/>
+          </p:nvPr>
+        </p:nvSpPr>
+        <p:spPr/>
+        <p:txBody>
+          <a:bodyPr>
+            <a:normAutofit lnSpcReduction="10000"/>
+          </a:bodyPr>
+          <a:lstStyle/>
+          <a:p>
+            <a:r>
+              <a:rPr lang="en-US" dirty="0"/>
+              <a:t>Audience: you already wrote some code in python. </a:t>
+            </a:r>
+          </a:p>
+          <a:p>
+            <a:r>
+              <a:rPr lang="en-US" dirty="0"/>
+              <a:t>We are not talking about syntax</a:t>
+            </a:r>
+          </a:p>
+          <a:p>
+            <a:r>
+              <a:rPr lang="en-US" dirty="0"/>
+              <a:t>Focus on language (python 3) and not on specific fields (e.g. data science)</a:t>
+            </a:r>
+          </a:p>
+          <a:p>
+            <a:endParaRPr lang="en-US" dirty="0"/>
+          </a:p>
+          <a:p>
+            <a:r>
+              <a:rPr lang="en-US" dirty="0"/>
+              <a:t>Workshop format</a:t>
+            </a:r>
+          </a:p>
+          <a:p>
+            <a:pPr lvl="1"/>
+            <a:r>
+              <a:rPr lang="en-US" dirty="0"/>
+              <a:t>3 days</a:t>
+            </a:r>
+          </a:p>
+          <a:p>
+            <a:pPr lvl="1"/>
+            <a:r>
+              <a:rPr lang="en-US" dirty="0"/>
+              <a:t>3 * ( 1h lecture + 1 hour hands-on)</a:t>
+            </a:r>
+          </a:p>
+          <a:p>
+            <a:pPr lvl="1"/>
+            <a:r>
+              <a:rPr lang="en-US" dirty="0"/>
+              <a:t>1 programming challenge. </a:t>
+            </a:r>
+          </a:p>
+          <a:p>
+            <a:pPr lvl="1"/>
+            <a:r>
+              <a:rPr lang="en-US" dirty="0">
+                <a:hlinkClick r:id="rId3"/>
+              </a:rPr>
+              <a:t>K</a:t>
+            </a:r>
+            <a:r>
+              <a:rPr lang="en-US" dirty="0"/>
+              <a:t> Pizza slices</a:t>
+            </a:r>
+            <a:endParaRPr lang="en-IL" dirty="0"/>
+          </a:p>
+        </p:txBody>
+      </p:sp>
+    </p:spTree>
+    <p:extLst>
+      <p:ext uri="{BB962C8B-B14F-4D97-AF65-F5344CB8AC3E}">
+        <p14:creationId xmlns:p14="http://schemas.microsoft.com/office/powerpoint/2010/main" val="3223354107"/>
+      </p:ext>
+    </p:extLst>
+  </p:cSld>
+  <p:clrMapOvr>
+    <a:masterClrMapping/>
+  </p:clrMapOvr>
+</p:sld>
+</file>
+
+<file path=ppt/slides/slide20.xml><?xml version="1.0" encoding="utf-8"?>
+<p:sld xmlns:a="http://schemas.openxmlformats.org/drawingml/2006/main" xmlns:r="http://schemas.openxmlformats.org/officeDocument/2006/relationships" xmlns:p="http://schemas.openxmlformats.org/presentationml/2006/main">
+  <p:cSld>
+    <p:spTree>
+      <p:nvGrpSpPr>
+        <p:cNvPr id="1" name=""/>
+        <p:cNvGrpSpPr/>
+        <p:nvPr/>
+      </p:nvGrpSpPr>
+      <p:grpSpPr>
+        <a:xfrm>
+          <a:off x="0" y="0"/>
+          <a:ext cx="0" cy="0"/>
+          <a:chOff x="0" y="0"/>
+          <a:chExt cx="0" cy="0"/>
+        </a:xfrm>
+      </p:grpSpPr>
+      <p:sp>
+        <p:nvSpPr>
+          <p:cNvPr id="2" name="Title 1">
+            <a:extLst>
+              <a:ext uri="{FF2B5EF4-FFF2-40B4-BE49-F238E27FC236}">
                 <a16:creationId xmlns:a16="http://schemas.microsoft.com/office/drawing/2014/main" id="{F9243501-C93C-453D-ACA8-7252CC5F2A21}"/>
               </a:ext>
             </a:extLst>
@@ -9211,7 +10721,291 @@
 </p:sld>
 </file>
 
-<file path=ppt/slides/slide19.xml><?xml version="1.0" encoding="utf-8"?>
+<file path=ppt/slides/slide21.xml><?xml version="1.0" encoding="utf-8"?>
+<p:sld xmlns:a="http://schemas.openxmlformats.org/drawingml/2006/main" xmlns:r="http://schemas.openxmlformats.org/officeDocument/2006/relationships" xmlns:p="http://schemas.openxmlformats.org/presentationml/2006/main">
+  <p:cSld>
+    <p:spTree>
+      <p:nvGrpSpPr>
+        <p:cNvPr id="1" name=""/>
+        <p:cNvGrpSpPr/>
+        <p:nvPr/>
+      </p:nvGrpSpPr>
+      <p:grpSpPr>
+        <a:xfrm>
+          <a:off x="0" y="0"/>
+          <a:ext cx="0" cy="0"/>
+          <a:chOff x="0" y="0"/>
+          <a:chExt cx="0" cy="0"/>
+        </a:xfrm>
+      </p:grpSpPr>
+      <p:sp>
+        <p:nvSpPr>
+          <p:cNvPr id="2" name="Title 1">
+            <a:extLst>
+              <a:ext uri="{FF2B5EF4-FFF2-40B4-BE49-F238E27FC236}">
+                <a16:creationId xmlns:a16="http://schemas.microsoft.com/office/drawing/2014/main" id="{3E2FBADA-DC0F-4FFB-B48C-E71ED4BF6521}"/>
+              </a:ext>
+            </a:extLst>
+          </p:cNvPr>
+          <p:cNvSpPr>
+            <a:spLocks noGrp="1"/>
+          </p:cNvSpPr>
+          <p:nvPr>
+            <p:ph type="title"/>
+          </p:nvPr>
+        </p:nvSpPr>
+        <p:spPr/>
+        <p:txBody>
+          <a:bodyPr/>
+          <a:lstStyle/>
+          <a:p>
+            <a:r>
+              <a:rPr lang="en-US" dirty="0"/>
+              <a:t>List comprehensions</a:t>
+            </a:r>
+            <a:endParaRPr lang="en-IL" dirty="0"/>
+          </a:p>
+        </p:txBody>
+      </p:sp>
+      <p:sp>
+        <p:nvSpPr>
+          <p:cNvPr id="3" name="Content Placeholder 2">
+            <a:extLst>
+              <a:ext uri="{FF2B5EF4-FFF2-40B4-BE49-F238E27FC236}">
+                <a16:creationId xmlns:a16="http://schemas.microsoft.com/office/drawing/2014/main" id="{B17C4CDB-7B20-4742-BB7B-75CE36E12C27}"/>
+              </a:ext>
+            </a:extLst>
+          </p:cNvPr>
+          <p:cNvSpPr>
+            <a:spLocks noGrp="1"/>
+          </p:cNvSpPr>
+          <p:nvPr>
+            <p:ph idx="1"/>
+          </p:nvPr>
+        </p:nvSpPr>
+        <p:spPr>
+          <a:xfrm>
+            <a:off x="838200" y="1825625"/>
+            <a:ext cx="10515600" cy="4351338"/>
+          </a:xfrm>
+          <a:noFill/>
+          <a:ln>
+            <a:solidFill>
+              <a:schemeClr val="accent4"/>
+            </a:solidFill>
+          </a:ln>
+        </p:spPr>
+        <p:txBody>
+          <a:bodyPr>
+            <a:normAutofit/>
+          </a:bodyPr>
+          <a:lstStyle/>
+          <a:p>
+            <a:r>
+              <a:rPr lang="en-US" dirty="0"/>
+              <a:t>Map and filter in one concise expression</a:t>
+            </a:r>
+          </a:p>
+          <a:p>
+            <a:pPr marL="0" indent="0">
+              <a:buNone/>
+            </a:pPr>
+            <a:r>
+              <a:rPr lang="en-US" dirty="0">
+                <a:latin typeface="Courier New" panose="02070309020205020404" pitchFamily="49" charset="0"/>
+                <a:cs typeface="Courier New" panose="02070309020205020404" pitchFamily="49" charset="0"/>
+              </a:rPr>
+              <a:t>&gt;&gt;&gt; [x*x for x in range(4) if x % 2 == 0]</a:t>
+            </a:r>
+          </a:p>
+          <a:p>
+            <a:pPr marL="0" indent="0">
+              <a:buNone/>
+            </a:pPr>
+            <a:r>
+              <a:rPr lang="en-US" dirty="0">
+                <a:latin typeface="Courier New" panose="02070309020205020404" pitchFamily="49" charset="0"/>
+                <a:cs typeface="Courier New" panose="02070309020205020404" pitchFamily="49" charset="0"/>
+              </a:rPr>
+              <a:t>[0, 4]</a:t>
+            </a:r>
+          </a:p>
+          <a:p>
+            <a:r>
+              <a:rPr lang="en-US" dirty="0"/>
+              <a:t>Or use map() and filter():</a:t>
+            </a:r>
+          </a:p>
+          <a:p>
+            <a:pPr marL="0" indent="0">
+              <a:buNone/>
+            </a:pPr>
+            <a:r>
+              <a:rPr lang="en-US" dirty="0">
+                <a:latin typeface="Courier New" panose="02070309020205020404" pitchFamily="49" charset="0"/>
+                <a:cs typeface="Courier New" panose="02070309020205020404" pitchFamily="49" charset="0"/>
+              </a:rPr>
+              <a:t>&gt;&gt;&gt; list(</a:t>
+            </a:r>
+            <a:r>
+              <a:rPr lang="en-US" dirty="0">
+                <a:ln>
+                  <a:solidFill>
+                    <a:srgbClr val="A9D18E"/>
+                  </a:solidFill>
+                </a:ln>
+                <a:latin typeface="Courier New" panose="02070309020205020404" pitchFamily="49" charset="0"/>
+                <a:cs typeface="Courier New" panose="02070309020205020404" pitchFamily="49" charset="0"/>
+              </a:rPr>
+              <a:t>filter(lambda y: y%2 == 0</a:t>
+            </a:r>
+            <a:r>
+              <a:rPr lang="en-US" dirty="0">
+                <a:latin typeface="Courier New" panose="02070309020205020404" pitchFamily="49" charset="0"/>
+                <a:cs typeface="Courier New" panose="02070309020205020404" pitchFamily="49" charset="0"/>
+              </a:rPr>
+              <a:t>,</a:t>
+            </a:r>
+            <a:r>
+              <a:rPr lang="en-US" dirty="0">
+                <a:ln>
+                  <a:solidFill>
+                    <a:srgbClr val="9DC3E6"/>
+                  </a:solidFill>
+                </a:ln>
+                <a:latin typeface="Courier New" panose="02070309020205020404" pitchFamily="49" charset="0"/>
+                <a:cs typeface="Courier New" panose="02070309020205020404" pitchFamily="49" charset="0"/>
+              </a:rPr>
+              <a:t>map(lambda x: x*x,</a:t>
+            </a:r>
+            <a:r>
+              <a:rPr lang="en-US" dirty="0">
+                <a:latin typeface="Courier New" panose="02070309020205020404" pitchFamily="49" charset="0"/>
+                <a:cs typeface="Courier New" panose="02070309020205020404" pitchFamily="49" charset="0"/>
+              </a:rPr>
+              <a:t> </a:t>
+            </a:r>
+            <a:r>
+              <a:rPr lang="en-US" dirty="0">
+                <a:solidFill>
+                  <a:srgbClr val="FFC000"/>
+                </a:solidFill>
+                <a:latin typeface="Courier New" panose="02070309020205020404" pitchFamily="49" charset="0"/>
+                <a:cs typeface="Courier New" panose="02070309020205020404" pitchFamily="49" charset="0"/>
+              </a:rPr>
+              <a:t>range(4))))</a:t>
+            </a:r>
+          </a:p>
+          <a:p>
+            <a:pPr marL="0" indent="0">
+              <a:buNone/>
+            </a:pPr>
+            <a:endParaRPr lang="en-US" dirty="0">
+              <a:latin typeface="Courier New" panose="02070309020205020404" pitchFamily="49" charset="0"/>
+              <a:cs typeface="Courier New" panose="02070309020205020404" pitchFamily="49" charset="0"/>
+            </a:endParaRPr>
+          </a:p>
+          <a:p>
+            <a:pPr marL="0" indent="0">
+              <a:buNone/>
+            </a:pPr>
+            <a:endParaRPr lang="en-US" dirty="0">
+              <a:latin typeface="Courier New" panose="02070309020205020404" pitchFamily="49" charset="0"/>
+              <a:cs typeface="Courier New" panose="02070309020205020404" pitchFamily="49" charset="0"/>
+            </a:endParaRPr>
+          </a:p>
+          <a:p>
+            <a:pPr marL="0" indent="0">
+              <a:buNone/>
+            </a:pPr>
+            <a:r>
+              <a:rPr lang="en-US" sz="1800" dirty="0">
+                <a:latin typeface="Courier New" panose="02070309020205020404" pitchFamily="49" charset="0"/>
+                <a:cs typeface="Courier New" panose="02070309020205020404" pitchFamily="49" charset="0"/>
+              </a:rPr>
+              <a:t>(</a:t>
+            </a:r>
+            <a:r>
+              <a:rPr lang="en-US" sz="1800" dirty="0">
+                <a:hlinkClick r:id="rId3"/>
+              </a:rPr>
+              <a:t>https://towardsdatascience.com/python-basics-list-comprehensions-631278f22c40</a:t>
+            </a:r>
+            <a:r>
+              <a:rPr lang="en-US" sz="1800" dirty="0"/>
+              <a:t>)</a:t>
+            </a:r>
+            <a:endParaRPr lang="en-US" sz="1800" dirty="0">
+              <a:latin typeface="Courier New" panose="02070309020205020404" pitchFamily="49" charset="0"/>
+              <a:cs typeface="Courier New" panose="02070309020205020404" pitchFamily="49" charset="0"/>
+            </a:endParaRPr>
+          </a:p>
+          <a:p>
+            <a:endParaRPr lang="en-IL" dirty="0"/>
+          </a:p>
+        </p:txBody>
+      </p:sp>
+      <p:pic>
+        <p:nvPicPr>
+          <p:cNvPr id="1032" name="Picture 8" descr="https://cdn-images-1.medium.com/max/1600/1*kBRijbVn8txs8b5VGPBTMg.png">
+            <a:extLst>
+              <a:ext uri="{FF2B5EF4-FFF2-40B4-BE49-F238E27FC236}">
+                <a16:creationId xmlns:a16="http://schemas.microsoft.com/office/drawing/2014/main" id="{3BB8C88D-A664-43ED-9089-4BF532611264}"/>
+              </a:ext>
+            </a:extLst>
+          </p:cNvPr>
+          <p:cNvPicPr>
+            <a:picLocks noChangeAspect="1" noChangeArrowheads="1"/>
+          </p:cNvPicPr>
+          <p:nvPr/>
+        </p:nvPicPr>
+        <p:blipFill>
+          <a:blip r:embed="rId4">
+            <a:extLst>
+              <a:ext uri="{28A0092B-C50C-407E-A947-70E740481C1C}">
+                <a14:useLocalDpi xmlns:a14="http://schemas.microsoft.com/office/drawing/2010/main" val="0"/>
+              </a:ext>
+            </a:extLst>
+          </a:blip>
+          <a:srcRect/>
+          <a:stretch>
+            <a:fillRect/>
+          </a:stretch>
+        </p:blipFill>
+        <p:spPr bwMode="auto">
+          <a:xfrm>
+            <a:off x="838200" y="1215231"/>
+            <a:ext cx="7200900" cy="542925"/>
+          </a:xfrm>
+          <a:prstGeom prst="rect">
+            <a:avLst/>
+          </a:prstGeom>
+          <a:noFill/>
+          <a:extLst>
+            <a:ext uri="{909E8E84-426E-40DD-AFC4-6F175D3DCCD1}">
+              <a14:hiddenFill xmlns:a14="http://schemas.microsoft.com/office/drawing/2010/main">
+                <a:solidFill>
+                  <a:srgbClr val="FFFFFF"/>
+                </a:solidFill>
+              </a14:hiddenFill>
+            </a:ext>
+          </a:extLst>
+        </p:spPr>
+      </p:pic>
+    </p:spTree>
+    <p:extLst>
+      <p:ext uri="{BB962C8B-B14F-4D97-AF65-F5344CB8AC3E}">
+        <p14:creationId xmlns:p14="http://schemas.microsoft.com/office/powerpoint/2010/main" val="1103280647"/>
+      </p:ext>
+    </p:extLst>
+  </p:cSld>
+  <p:clrMapOvr>
+    <a:masterClrMapping/>
+  </p:clrMapOvr>
+</p:sld>
+</file>
+
+<file path=ppt/slides/slide22.xml><?xml version="1.0" encoding="utf-8"?>
 <p:sld xmlns:a="http://schemas.openxmlformats.org/drawingml/2006/main" xmlns:r="http://schemas.openxmlformats.org/officeDocument/2006/relationships" xmlns:p="http://schemas.openxmlformats.org/presentationml/2006/main">
   <p:cSld>
     <p:bg>
@@ -9375,641 +11169,6 @@
     <p:extLst>
       <p:ext uri="{BB962C8B-B14F-4D97-AF65-F5344CB8AC3E}">
         <p14:creationId xmlns:p14="http://schemas.microsoft.com/office/powerpoint/2010/main" val="3738750185"/>
-      </p:ext>
-    </p:extLst>
-  </p:cSld>
-  <p:clrMapOvr>
-    <a:masterClrMapping/>
-  </p:clrMapOvr>
-</p:sld>
-</file>
-
-<file path=ppt/slides/slide2.xml><?xml version="1.0" encoding="utf-8"?>
-<p:sld xmlns:a="http://schemas.openxmlformats.org/drawingml/2006/main" xmlns:r="http://schemas.openxmlformats.org/officeDocument/2006/relationships" xmlns:p="http://schemas.openxmlformats.org/presentationml/2006/main">
-  <p:cSld>
-    <p:spTree>
-      <p:nvGrpSpPr>
-        <p:cNvPr id="1" name=""/>
-        <p:cNvGrpSpPr/>
-        <p:nvPr/>
-      </p:nvGrpSpPr>
-      <p:grpSpPr>
-        <a:xfrm>
-          <a:off x="0" y="0"/>
-          <a:ext cx="0" cy="0"/>
-          <a:chOff x="0" y="0"/>
-          <a:chExt cx="0" cy="0"/>
-        </a:xfrm>
-      </p:grpSpPr>
-      <p:sp>
-        <p:nvSpPr>
-          <p:cNvPr id="2" name="Title 1">
-            <a:extLst>
-              <a:ext uri="{FF2B5EF4-FFF2-40B4-BE49-F238E27FC236}">
-                <a16:creationId xmlns:a16="http://schemas.microsoft.com/office/drawing/2014/main" id="{B9262DD4-9425-4EEC-B8E6-F5CFAE38F355}"/>
-              </a:ext>
-            </a:extLst>
-          </p:cNvPr>
-          <p:cNvSpPr>
-            <a:spLocks noGrp="1"/>
-          </p:cNvSpPr>
-          <p:nvPr>
-            <p:ph type="title"/>
-          </p:nvPr>
-        </p:nvSpPr>
-        <p:spPr/>
-        <p:txBody>
-          <a:bodyPr/>
-          <a:lstStyle/>
-          <a:p>
-            <a:r>
-              <a:rPr lang="en-US" dirty="0"/>
-              <a:t>Introduction</a:t>
-            </a:r>
-            <a:endParaRPr lang="en-IL" dirty="0"/>
-          </a:p>
-        </p:txBody>
-      </p:sp>
-      <p:sp>
-        <p:nvSpPr>
-          <p:cNvPr id="3" name="Content Placeholder 2">
-            <a:extLst>
-              <a:ext uri="{FF2B5EF4-FFF2-40B4-BE49-F238E27FC236}">
-                <a16:creationId xmlns:a16="http://schemas.microsoft.com/office/drawing/2014/main" id="{BE4DAF65-8362-4AEF-A53D-A749012F0939}"/>
-              </a:ext>
-            </a:extLst>
-          </p:cNvPr>
-          <p:cNvSpPr>
-            <a:spLocks noGrp="1"/>
-          </p:cNvSpPr>
-          <p:nvPr>
-            <p:ph idx="1"/>
-          </p:nvPr>
-        </p:nvSpPr>
-        <p:spPr/>
-        <p:txBody>
-          <a:bodyPr/>
-          <a:lstStyle/>
-          <a:p>
-            <a:r>
-              <a:rPr lang="en-US" dirty="0"/>
-              <a:t>Audience: you already wrote some code in python. </a:t>
-            </a:r>
-          </a:p>
-          <a:p>
-            <a:r>
-              <a:rPr lang="en-US" dirty="0"/>
-              <a:t>We are not talking about syntax</a:t>
-            </a:r>
-          </a:p>
-          <a:p>
-            <a:r>
-              <a:rPr lang="en-US" dirty="0"/>
-              <a:t>Focus on language (python 3) and not on specific fields (e.g. data science)</a:t>
-            </a:r>
-            <a:endParaRPr lang="en-IL" dirty="0"/>
-          </a:p>
-        </p:txBody>
-      </p:sp>
-    </p:spTree>
-    <p:extLst>
-      <p:ext uri="{BB962C8B-B14F-4D97-AF65-F5344CB8AC3E}">
-        <p14:creationId xmlns:p14="http://schemas.microsoft.com/office/powerpoint/2010/main" val="3223354107"/>
-      </p:ext>
-    </p:extLst>
-  </p:cSld>
-  <p:clrMapOvr>
-    <a:masterClrMapping/>
-  </p:clrMapOvr>
-</p:sld>
-</file>
-
-<file path=ppt/slides/slide20.xml><?xml version="1.0" encoding="utf-8"?>
-<p:sld xmlns:a="http://schemas.openxmlformats.org/drawingml/2006/main" xmlns:r="http://schemas.openxmlformats.org/officeDocument/2006/relationships" xmlns:p="http://schemas.openxmlformats.org/presentationml/2006/main">
-  <p:cSld>
-    <p:spTree>
-      <p:nvGrpSpPr>
-        <p:cNvPr id="1" name=""/>
-        <p:cNvGrpSpPr/>
-        <p:nvPr/>
-      </p:nvGrpSpPr>
-      <p:grpSpPr>
-        <a:xfrm>
-          <a:off x="0" y="0"/>
-          <a:ext cx="0" cy="0"/>
-          <a:chOff x="0" y="0"/>
-          <a:chExt cx="0" cy="0"/>
-        </a:xfrm>
-      </p:grpSpPr>
-      <p:sp>
-        <p:nvSpPr>
-          <p:cNvPr id="2" name="Title 1">
-            <a:extLst>
-              <a:ext uri="{FF2B5EF4-FFF2-40B4-BE49-F238E27FC236}">
-                <a16:creationId xmlns:a16="http://schemas.microsoft.com/office/drawing/2014/main" id="{3E2FBADA-DC0F-4FFB-B48C-E71ED4BF6521}"/>
-              </a:ext>
-            </a:extLst>
-          </p:cNvPr>
-          <p:cNvSpPr>
-            <a:spLocks noGrp="1"/>
-          </p:cNvSpPr>
-          <p:nvPr>
-            <p:ph type="title"/>
-          </p:nvPr>
-        </p:nvSpPr>
-        <p:spPr/>
-        <p:txBody>
-          <a:bodyPr/>
-          <a:lstStyle/>
-          <a:p>
-            <a:r>
-              <a:rPr lang="en-US" dirty="0"/>
-              <a:t>List comprehensions</a:t>
-            </a:r>
-            <a:endParaRPr lang="en-IL" dirty="0"/>
-          </a:p>
-        </p:txBody>
-      </p:sp>
-      <p:sp>
-        <p:nvSpPr>
-          <p:cNvPr id="3" name="Content Placeholder 2">
-            <a:extLst>
-              <a:ext uri="{FF2B5EF4-FFF2-40B4-BE49-F238E27FC236}">
-                <a16:creationId xmlns:a16="http://schemas.microsoft.com/office/drawing/2014/main" id="{B17C4CDB-7B20-4742-BB7B-75CE36E12C27}"/>
-              </a:ext>
-            </a:extLst>
-          </p:cNvPr>
-          <p:cNvSpPr>
-            <a:spLocks noGrp="1"/>
-          </p:cNvSpPr>
-          <p:nvPr>
-            <p:ph idx="1"/>
-          </p:nvPr>
-        </p:nvSpPr>
-        <p:spPr>
-          <a:xfrm>
-            <a:off x="838200" y="1825625"/>
-            <a:ext cx="10515600" cy="4351338"/>
-          </a:xfrm>
-          <a:noFill/>
-          <a:ln>
-            <a:solidFill>
-              <a:schemeClr val="accent4"/>
-            </a:solidFill>
-          </a:ln>
-        </p:spPr>
-        <p:txBody>
-          <a:bodyPr>
-            <a:normAutofit/>
-          </a:bodyPr>
-          <a:lstStyle/>
-          <a:p>
-            <a:r>
-              <a:rPr lang="en-US" dirty="0"/>
-              <a:t>Map and filter in one concise expression</a:t>
-            </a:r>
-          </a:p>
-          <a:p>
-            <a:pPr marL="0" indent="0">
-              <a:buNone/>
-            </a:pPr>
-            <a:r>
-              <a:rPr lang="en-US" dirty="0">
-                <a:latin typeface="Courier New" panose="02070309020205020404" pitchFamily="49" charset="0"/>
-                <a:cs typeface="Courier New" panose="02070309020205020404" pitchFamily="49" charset="0"/>
-              </a:rPr>
-              <a:t>&gt;&gt;&gt; [x*x for x in range(4) if x % 2 == 0]</a:t>
-            </a:r>
-          </a:p>
-          <a:p>
-            <a:pPr marL="0" indent="0">
-              <a:buNone/>
-            </a:pPr>
-            <a:r>
-              <a:rPr lang="en-US" dirty="0">
-                <a:latin typeface="Courier New" panose="02070309020205020404" pitchFamily="49" charset="0"/>
-                <a:cs typeface="Courier New" panose="02070309020205020404" pitchFamily="49" charset="0"/>
-              </a:rPr>
-              <a:t>[0, 4]</a:t>
-            </a:r>
-          </a:p>
-          <a:p>
-            <a:r>
-              <a:rPr lang="en-US" dirty="0"/>
-              <a:t>Or use map() and filter():</a:t>
-            </a:r>
-          </a:p>
-          <a:p>
-            <a:pPr marL="0" indent="0">
-              <a:buNone/>
-            </a:pPr>
-            <a:r>
-              <a:rPr lang="en-US" dirty="0">
-                <a:latin typeface="Courier New" panose="02070309020205020404" pitchFamily="49" charset="0"/>
-                <a:cs typeface="Courier New" panose="02070309020205020404" pitchFamily="49" charset="0"/>
-              </a:rPr>
-              <a:t>&gt;&gt;&gt; list(</a:t>
-            </a:r>
-            <a:r>
-              <a:rPr lang="en-US" dirty="0">
-                <a:ln>
-                  <a:solidFill>
-                    <a:srgbClr val="A9D18E"/>
-                  </a:solidFill>
-                </a:ln>
-                <a:latin typeface="Courier New" panose="02070309020205020404" pitchFamily="49" charset="0"/>
-                <a:cs typeface="Courier New" panose="02070309020205020404" pitchFamily="49" charset="0"/>
-              </a:rPr>
-              <a:t>filter(lambda y: y%2 == 0</a:t>
-            </a:r>
-            <a:r>
-              <a:rPr lang="en-US" dirty="0">
-                <a:latin typeface="Courier New" panose="02070309020205020404" pitchFamily="49" charset="0"/>
-                <a:cs typeface="Courier New" panose="02070309020205020404" pitchFamily="49" charset="0"/>
-              </a:rPr>
-              <a:t>,</a:t>
-            </a:r>
-            <a:r>
-              <a:rPr lang="en-US" dirty="0">
-                <a:ln>
-                  <a:solidFill>
-                    <a:srgbClr val="9DC3E6"/>
-                  </a:solidFill>
-                </a:ln>
-                <a:latin typeface="Courier New" panose="02070309020205020404" pitchFamily="49" charset="0"/>
-                <a:cs typeface="Courier New" panose="02070309020205020404" pitchFamily="49" charset="0"/>
-              </a:rPr>
-              <a:t>map(lambda x: x*x,</a:t>
-            </a:r>
-            <a:r>
-              <a:rPr lang="en-US" dirty="0">
-                <a:latin typeface="Courier New" panose="02070309020205020404" pitchFamily="49" charset="0"/>
-                <a:cs typeface="Courier New" panose="02070309020205020404" pitchFamily="49" charset="0"/>
-              </a:rPr>
-              <a:t> </a:t>
-            </a:r>
-            <a:r>
-              <a:rPr lang="en-US" dirty="0">
-                <a:solidFill>
-                  <a:srgbClr val="FFC000"/>
-                </a:solidFill>
-                <a:latin typeface="Courier New" panose="02070309020205020404" pitchFamily="49" charset="0"/>
-                <a:cs typeface="Courier New" panose="02070309020205020404" pitchFamily="49" charset="0"/>
-              </a:rPr>
-              <a:t>range(4))))</a:t>
-            </a:r>
-          </a:p>
-          <a:p>
-            <a:pPr marL="0" indent="0">
-              <a:buNone/>
-            </a:pPr>
-            <a:endParaRPr lang="en-US" dirty="0">
-              <a:latin typeface="Courier New" panose="02070309020205020404" pitchFamily="49" charset="0"/>
-              <a:cs typeface="Courier New" panose="02070309020205020404" pitchFamily="49" charset="0"/>
-            </a:endParaRPr>
-          </a:p>
-          <a:p>
-            <a:pPr marL="0" indent="0">
-              <a:buNone/>
-            </a:pPr>
-            <a:endParaRPr lang="en-US" dirty="0">
-              <a:latin typeface="Courier New" panose="02070309020205020404" pitchFamily="49" charset="0"/>
-              <a:cs typeface="Courier New" panose="02070309020205020404" pitchFamily="49" charset="0"/>
-            </a:endParaRPr>
-          </a:p>
-          <a:p>
-            <a:pPr marL="0" indent="0">
-              <a:buNone/>
-            </a:pPr>
-            <a:r>
-              <a:rPr lang="en-US" sz="1800" dirty="0">
-                <a:latin typeface="Courier New" panose="02070309020205020404" pitchFamily="49" charset="0"/>
-                <a:cs typeface="Courier New" panose="02070309020205020404" pitchFamily="49" charset="0"/>
-              </a:rPr>
-              <a:t>(</a:t>
-            </a:r>
-            <a:r>
-              <a:rPr lang="en-US" sz="1800" dirty="0">
-                <a:hlinkClick r:id="rId3"/>
-              </a:rPr>
-              <a:t>https://towardsdatascience.com/python-basics-list-comprehensions-631278f22c40</a:t>
-            </a:r>
-            <a:r>
-              <a:rPr lang="en-US" sz="1800" dirty="0"/>
-              <a:t>)</a:t>
-            </a:r>
-            <a:endParaRPr lang="en-US" sz="1800" dirty="0">
-              <a:latin typeface="Courier New" panose="02070309020205020404" pitchFamily="49" charset="0"/>
-              <a:cs typeface="Courier New" panose="02070309020205020404" pitchFamily="49" charset="0"/>
-            </a:endParaRPr>
-          </a:p>
-          <a:p>
-            <a:endParaRPr lang="en-IL" dirty="0"/>
-          </a:p>
-        </p:txBody>
-      </p:sp>
-      <p:pic>
-        <p:nvPicPr>
-          <p:cNvPr id="1032" name="Picture 8" descr="https://cdn-images-1.medium.com/max/1600/1*kBRijbVn8txs8b5VGPBTMg.png">
-            <a:extLst>
-              <a:ext uri="{FF2B5EF4-FFF2-40B4-BE49-F238E27FC236}">
-                <a16:creationId xmlns:a16="http://schemas.microsoft.com/office/drawing/2014/main" id="{3BB8C88D-A664-43ED-9089-4BF532611264}"/>
-              </a:ext>
-            </a:extLst>
-          </p:cNvPr>
-          <p:cNvPicPr>
-            <a:picLocks noChangeAspect="1" noChangeArrowheads="1"/>
-          </p:cNvPicPr>
-          <p:nvPr/>
-        </p:nvPicPr>
-        <p:blipFill>
-          <a:blip r:embed="rId4">
-            <a:extLst>
-              <a:ext uri="{28A0092B-C50C-407E-A947-70E740481C1C}">
-                <a14:useLocalDpi xmlns:a14="http://schemas.microsoft.com/office/drawing/2010/main" val="0"/>
-              </a:ext>
-            </a:extLst>
-          </a:blip>
-          <a:srcRect/>
-          <a:stretch>
-            <a:fillRect/>
-          </a:stretch>
-        </p:blipFill>
-        <p:spPr bwMode="auto">
-          <a:xfrm>
-            <a:off x="838200" y="1215231"/>
-            <a:ext cx="7200900" cy="542925"/>
-          </a:xfrm>
-          <a:prstGeom prst="rect">
-            <a:avLst/>
-          </a:prstGeom>
-          <a:noFill/>
-          <a:extLst>
-            <a:ext uri="{909E8E84-426E-40DD-AFC4-6F175D3DCCD1}">
-              <a14:hiddenFill xmlns:a14="http://schemas.microsoft.com/office/drawing/2010/main">
-                <a:solidFill>
-                  <a:srgbClr val="FFFFFF"/>
-                </a:solidFill>
-              </a14:hiddenFill>
-            </a:ext>
-          </a:extLst>
-        </p:spPr>
-      </p:pic>
-    </p:spTree>
-    <p:extLst>
-      <p:ext uri="{BB962C8B-B14F-4D97-AF65-F5344CB8AC3E}">
-        <p14:creationId xmlns:p14="http://schemas.microsoft.com/office/powerpoint/2010/main" val="1103280647"/>
-      </p:ext>
-    </p:extLst>
-  </p:cSld>
-  <p:clrMapOvr>
-    <a:masterClrMapping/>
-  </p:clrMapOvr>
-</p:sld>
-</file>
-
-<file path=ppt/slides/slide21.xml><?xml version="1.0" encoding="utf-8"?>
-<p:sld xmlns:a="http://schemas.openxmlformats.org/drawingml/2006/main" xmlns:r="http://schemas.openxmlformats.org/officeDocument/2006/relationships" xmlns:p="http://schemas.openxmlformats.org/presentationml/2006/main">
-  <p:cSld>
-    <p:bg>
-      <p:bgPr>
-        <a:gradFill>
-          <a:gsLst>
-            <a:gs pos="0">
-              <a:schemeClr val="accent1">
-                <a:lumMod val="5000"/>
-                <a:lumOff val="95000"/>
-              </a:schemeClr>
-            </a:gs>
-            <a:gs pos="74000">
-              <a:schemeClr val="accent1">
-                <a:lumMod val="45000"/>
-                <a:lumOff val="55000"/>
-              </a:schemeClr>
-            </a:gs>
-            <a:gs pos="83000">
-              <a:schemeClr val="accent1">
-                <a:lumMod val="45000"/>
-                <a:lumOff val="55000"/>
-              </a:schemeClr>
-            </a:gs>
-            <a:gs pos="100000">
-              <a:schemeClr val="accent1">
-                <a:lumMod val="30000"/>
-                <a:lumOff val="70000"/>
-              </a:schemeClr>
-            </a:gs>
-          </a:gsLst>
-          <a:lin ang="5400000" scaled="1"/>
-        </a:gradFill>
-        <a:effectLst/>
-      </p:bgPr>
-    </p:bg>
-    <p:spTree>
-      <p:nvGrpSpPr>
-        <p:cNvPr id="1" name=""/>
-        <p:cNvGrpSpPr/>
-        <p:nvPr/>
-      </p:nvGrpSpPr>
-      <p:grpSpPr>
-        <a:xfrm>
-          <a:off x="0" y="0"/>
-          <a:ext cx="0" cy="0"/>
-          <a:chOff x="0" y="0"/>
-          <a:chExt cx="0" cy="0"/>
-        </a:xfrm>
-      </p:grpSpPr>
-      <p:sp>
-        <p:nvSpPr>
-          <p:cNvPr id="2" name="Title 1">
-            <a:extLst>
-              <a:ext uri="{FF2B5EF4-FFF2-40B4-BE49-F238E27FC236}">
-                <a16:creationId xmlns:a16="http://schemas.microsoft.com/office/drawing/2014/main" id="{DB123991-850E-40FA-B0B8-07B2A1FBA24E}"/>
-              </a:ext>
-            </a:extLst>
-          </p:cNvPr>
-          <p:cNvSpPr>
-            <a:spLocks noGrp="1"/>
-          </p:cNvSpPr>
-          <p:nvPr>
-            <p:ph type="title"/>
-          </p:nvPr>
-        </p:nvSpPr>
-        <p:spPr/>
-        <p:txBody>
-          <a:bodyPr/>
-          <a:lstStyle/>
-          <a:p>
-            <a:r>
-              <a:rPr lang="en-US" dirty="0"/>
-              <a:t>Advanced topics</a:t>
-            </a:r>
-            <a:endParaRPr lang="en-IL" dirty="0"/>
-          </a:p>
-        </p:txBody>
-      </p:sp>
-      <p:sp>
-        <p:nvSpPr>
-          <p:cNvPr id="3" name="Content Placeholder 2">
-            <a:extLst>
-              <a:ext uri="{FF2B5EF4-FFF2-40B4-BE49-F238E27FC236}">
-                <a16:creationId xmlns:a16="http://schemas.microsoft.com/office/drawing/2014/main" id="{A3FE9E38-81A5-438F-B329-F3B8DF6CC4C8}"/>
-              </a:ext>
-            </a:extLst>
-          </p:cNvPr>
-          <p:cNvSpPr>
-            <a:spLocks noGrp="1"/>
-          </p:cNvSpPr>
-          <p:nvPr>
-            <p:ph idx="1"/>
-          </p:nvPr>
-        </p:nvSpPr>
-        <p:spPr/>
-        <p:txBody>
-          <a:bodyPr/>
-          <a:lstStyle/>
-          <a:p>
-            <a:pPr fontAlgn="base"/>
-            <a:r>
-              <a:rPr lang="en-US" dirty="0"/>
-              <a:t>Multi-threading and the GIL </a:t>
-            </a:r>
-          </a:p>
-          <a:p>
-            <a:pPr fontAlgn="base"/>
-            <a:r>
-              <a:rPr lang="en-US" dirty="0"/>
-              <a:t>Multiprocessing </a:t>
-            </a:r>
-          </a:p>
-          <a:p>
-            <a:pPr fontAlgn="base"/>
-            <a:r>
-              <a:rPr lang="en-US" dirty="0"/>
-              <a:t>Subprocess module</a:t>
-            </a:r>
-          </a:p>
-          <a:p>
-            <a:pPr fontAlgn="base"/>
-            <a:r>
-              <a:rPr lang="en-US" dirty="0"/>
-              <a:t>Image Processing</a:t>
-            </a:r>
-          </a:p>
-          <a:p>
-            <a:pPr fontAlgn="base"/>
-            <a:r>
-              <a:rPr lang="en-US" dirty="0"/>
-              <a:t>Generators and Iterator Protocol</a:t>
-            </a:r>
-          </a:p>
-          <a:p>
-            <a:pPr fontAlgn="base"/>
-            <a:r>
-              <a:rPr lang="en-US" dirty="0"/>
-              <a:t>Decorators (class and method based)</a:t>
-            </a:r>
-          </a:p>
-          <a:p>
-            <a:pPr fontAlgn="base"/>
-            <a:r>
-              <a:rPr lang="en-US" dirty="0"/>
-              <a:t>Comprehensions</a:t>
-            </a:r>
-          </a:p>
-          <a:p>
-            <a:endParaRPr lang="en-IL" dirty="0"/>
-          </a:p>
-        </p:txBody>
-      </p:sp>
-    </p:spTree>
-    <p:extLst>
-      <p:ext uri="{BB962C8B-B14F-4D97-AF65-F5344CB8AC3E}">
-        <p14:creationId xmlns:p14="http://schemas.microsoft.com/office/powerpoint/2010/main" val="2018483819"/>
-      </p:ext>
-    </p:extLst>
-  </p:cSld>
-  <p:clrMapOvr>
-    <a:masterClrMapping/>
-  </p:clrMapOvr>
-</p:sld>
-</file>
-
-<file path=ppt/slides/slide22.xml><?xml version="1.0" encoding="utf-8"?>
-<p:sld xmlns:a="http://schemas.openxmlformats.org/drawingml/2006/main" xmlns:r="http://schemas.openxmlformats.org/officeDocument/2006/relationships" xmlns:p="http://schemas.openxmlformats.org/presentationml/2006/main">
-  <p:cSld>
-    <p:spTree>
-      <p:nvGrpSpPr>
-        <p:cNvPr id="1" name=""/>
-        <p:cNvGrpSpPr/>
-        <p:nvPr/>
-      </p:nvGrpSpPr>
-      <p:grpSpPr>
-        <a:xfrm>
-          <a:off x="0" y="0"/>
-          <a:ext cx="0" cy="0"/>
-          <a:chOff x="0" y="0"/>
-          <a:chExt cx="0" cy="0"/>
-        </a:xfrm>
-      </p:grpSpPr>
-      <p:sp>
-        <p:nvSpPr>
-          <p:cNvPr id="2" name="Title 1">
-            <a:extLst>
-              <a:ext uri="{FF2B5EF4-FFF2-40B4-BE49-F238E27FC236}">
-                <a16:creationId xmlns:a16="http://schemas.microsoft.com/office/drawing/2014/main" id="{25882A8F-1B10-4FCF-B653-F60083FD99E1}"/>
-              </a:ext>
-            </a:extLst>
-          </p:cNvPr>
-          <p:cNvSpPr>
-            <a:spLocks noGrp="1"/>
-          </p:cNvSpPr>
-          <p:nvPr>
-            <p:ph type="title"/>
-          </p:nvPr>
-        </p:nvSpPr>
-        <p:spPr/>
-        <p:txBody>
-          <a:bodyPr/>
-          <a:lstStyle/>
-          <a:p>
-            <a:r>
-              <a:rPr lang="en-US" dirty="0"/>
-              <a:t>Multi {threads, process}</a:t>
-            </a:r>
-            <a:endParaRPr lang="en-IL" dirty="0"/>
-          </a:p>
-        </p:txBody>
-      </p:sp>
-      <p:sp>
-        <p:nvSpPr>
-          <p:cNvPr id="3" name="Content Placeholder 2">
-            <a:extLst>
-              <a:ext uri="{FF2B5EF4-FFF2-40B4-BE49-F238E27FC236}">
-                <a16:creationId xmlns:a16="http://schemas.microsoft.com/office/drawing/2014/main" id="{07A8AF2C-E10B-49D7-846B-D55410960F50}"/>
-              </a:ext>
-            </a:extLst>
-          </p:cNvPr>
-          <p:cNvSpPr>
-            <a:spLocks noGrp="1"/>
-          </p:cNvSpPr>
-          <p:nvPr>
-            <p:ph idx="1"/>
-          </p:nvPr>
-        </p:nvSpPr>
-        <p:spPr/>
-        <p:txBody>
-          <a:bodyPr/>
-          <a:lstStyle/>
-          <a:p>
-            <a:endParaRPr lang="en-IL"/>
-          </a:p>
-        </p:txBody>
-      </p:sp>
-    </p:spTree>
-    <p:extLst>
-      <p:ext uri="{BB962C8B-B14F-4D97-AF65-F5344CB8AC3E}">
-        <p14:creationId xmlns:p14="http://schemas.microsoft.com/office/powerpoint/2010/main" val="1182514826"/>
       </p:ext>
     </p:extLst>
   </p:cSld>
@@ -10075,6 +11234,516 @@
           <p:cNvPr id="2" name="Title 1">
             <a:extLst>
               <a:ext uri="{FF2B5EF4-FFF2-40B4-BE49-F238E27FC236}">
+                <a16:creationId xmlns:a16="http://schemas.microsoft.com/office/drawing/2014/main" id="{DB123991-850E-40FA-B0B8-07B2A1FBA24E}"/>
+              </a:ext>
+            </a:extLst>
+          </p:cNvPr>
+          <p:cNvSpPr>
+            <a:spLocks noGrp="1"/>
+          </p:cNvSpPr>
+          <p:nvPr>
+            <p:ph type="title"/>
+          </p:nvPr>
+        </p:nvSpPr>
+        <p:spPr/>
+        <p:txBody>
+          <a:bodyPr/>
+          <a:lstStyle/>
+          <a:p>
+            <a:r>
+              <a:rPr lang="en-US" dirty="0"/>
+              <a:t>Advanced topics</a:t>
+            </a:r>
+            <a:endParaRPr lang="en-IL" dirty="0"/>
+          </a:p>
+        </p:txBody>
+      </p:sp>
+      <p:sp>
+        <p:nvSpPr>
+          <p:cNvPr id="3" name="Content Placeholder 2">
+            <a:extLst>
+              <a:ext uri="{FF2B5EF4-FFF2-40B4-BE49-F238E27FC236}">
+                <a16:creationId xmlns:a16="http://schemas.microsoft.com/office/drawing/2014/main" id="{A3FE9E38-81A5-438F-B329-F3B8DF6CC4C8}"/>
+              </a:ext>
+            </a:extLst>
+          </p:cNvPr>
+          <p:cNvSpPr>
+            <a:spLocks noGrp="1"/>
+          </p:cNvSpPr>
+          <p:nvPr>
+            <p:ph idx="1"/>
+          </p:nvPr>
+        </p:nvSpPr>
+        <p:spPr/>
+        <p:txBody>
+          <a:bodyPr/>
+          <a:lstStyle/>
+          <a:p>
+            <a:pPr fontAlgn="base"/>
+            <a:r>
+              <a:rPr lang="en-US" dirty="0"/>
+              <a:t>Multi-threading and the GIL </a:t>
+            </a:r>
+          </a:p>
+          <a:p>
+            <a:pPr fontAlgn="base"/>
+            <a:r>
+              <a:rPr lang="en-US" dirty="0"/>
+              <a:t>Multiprocessing </a:t>
+            </a:r>
+          </a:p>
+          <a:p>
+            <a:pPr fontAlgn="base"/>
+            <a:r>
+              <a:rPr lang="en-US" dirty="0"/>
+              <a:t>Subprocess module</a:t>
+            </a:r>
+          </a:p>
+          <a:p>
+            <a:pPr fontAlgn="base"/>
+            <a:r>
+              <a:rPr lang="en-US" dirty="0"/>
+              <a:t>Generators and Iterator Protocol</a:t>
+            </a:r>
+          </a:p>
+          <a:p>
+            <a:pPr fontAlgn="base"/>
+            <a:r>
+              <a:rPr lang="en-US" dirty="0"/>
+              <a:t>Decorators (class and method based)</a:t>
+            </a:r>
+          </a:p>
+          <a:p>
+            <a:pPr fontAlgn="base"/>
+            <a:r>
+              <a:rPr lang="en-US" dirty="0"/>
+              <a:t>Comprehensions</a:t>
+            </a:r>
+          </a:p>
+          <a:p>
+            <a:endParaRPr lang="en-IL" dirty="0"/>
+          </a:p>
+        </p:txBody>
+      </p:sp>
+    </p:spTree>
+    <p:extLst>
+      <p:ext uri="{BB962C8B-B14F-4D97-AF65-F5344CB8AC3E}">
+        <p14:creationId xmlns:p14="http://schemas.microsoft.com/office/powerpoint/2010/main" val="2018483819"/>
+      </p:ext>
+    </p:extLst>
+  </p:cSld>
+  <p:clrMapOvr>
+    <a:masterClrMapping/>
+  </p:clrMapOvr>
+</p:sld>
+</file>
+
+<file path=ppt/slides/slide24.xml><?xml version="1.0" encoding="utf-8"?>
+<p:sld xmlns:a="http://schemas.openxmlformats.org/drawingml/2006/main" xmlns:r="http://schemas.openxmlformats.org/officeDocument/2006/relationships" xmlns:p="http://schemas.openxmlformats.org/presentationml/2006/main">
+  <p:cSld>
+    <p:spTree>
+      <p:nvGrpSpPr>
+        <p:cNvPr id="1" name=""/>
+        <p:cNvGrpSpPr/>
+        <p:nvPr/>
+      </p:nvGrpSpPr>
+      <p:grpSpPr>
+        <a:xfrm>
+          <a:off x="0" y="0"/>
+          <a:ext cx="0" cy="0"/>
+          <a:chOff x="0" y="0"/>
+          <a:chExt cx="0" cy="0"/>
+        </a:xfrm>
+      </p:grpSpPr>
+      <p:sp>
+        <p:nvSpPr>
+          <p:cNvPr id="2" name="Title 1">
+            <a:extLst>
+              <a:ext uri="{FF2B5EF4-FFF2-40B4-BE49-F238E27FC236}">
+                <a16:creationId xmlns:a16="http://schemas.microsoft.com/office/drawing/2014/main" id="{25882A8F-1B10-4FCF-B653-F60083FD99E1}"/>
+              </a:ext>
+            </a:extLst>
+          </p:cNvPr>
+          <p:cNvSpPr>
+            <a:spLocks noGrp="1"/>
+          </p:cNvSpPr>
+          <p:nvPr>
+            <p:ph type="title"/>
+          </p:nvPr>
+        </p:nvSpPr>
+        <p:spPr/>
+        <p:txBody>
+          <a:bodyPr/>
+          <a:lstStyle/>
+          <a:p>
+            <a:r>
+              <a:rPr lang="en-US" dirty="0"/>
+              <a:t>Multi {threads, process}</a:t>
+            </a:r>
+            <a:endParaRPr lang="en-IL" dirty="0"/>
+          </a:p>
+        </p:txBody>
+      </p:sp>
+      <p:sp>
+        <p:nvSpPr>
+          <p:cNvPr id="3" name="Content Placeholder 2">
+            <a:extLst>
+              <a:ext uri="{FF2B5EF4-FFF2-40B4-BE49-F238E27FC236}">
+                <a16:creationId xmlns:a16="http://schemas.microsoft.com/office/drawing/2014/main" id="{07A8AF2C-E10B-49D7-846B-D55410960F50}"/>
+              </a:ext>
+            </a:extLst>
+          </p:cNvPr>
+          <p:cNvSpPr>
+            <a:spLocks noGrp="1"/>
+          </p:cNvSpPr>
+          <p:nvPr>
+            <p:ph idx="1"/>
+          </p:nvPr>
+        </p:nvSpPr>
+        <p:spPr/>
+        <p:txBody>
+          <a:bodyPr/>
+          <a:lstStyle/>
+          <a:p>
+            <a:r>
+              <a:rPr lang="en-US" dirty="0"/>
+              <a:t>How can we achieve concurrency? </a:t>
+            </a:r>
+          </a:p>
+          <a:p>
+            <a:r>
+              <a:rPr lang="en-US" dirty="0"/>
+              <a:t>Threads: all threads share the same memory</a:t>
+            </a:r>
+          </a:p>
+          <a:p>
+            <a:r>
+              <a:rPr lang="en-US" dirty="0"/>
+              <a:t>Processes: Each has its own memory space.</a:t>
+            </a:r>
+          </a:p>
+          <a:p>
+            <a:r>
+              <a:rPr lang="en-US" dirty="0"/>
+              <a:t>Due to historic limitation in Python implementation (</a:t>
+            </a:r>
+            <a:r>
+              <a:rPr lang="en-US" dirty="0" err="1"/>
+              <a:t>Cpython</a:t>
+            </a:r>
+            <a:r>
+              <a:rPr lang="en-US" dirty="0"/>
+              <a:t>), even multi threaded code in a multi core machine will run a single thread at time.</a:t>
+            </a:r>
+          </a:p>
+          <a:p>
+            <a:pPr lvl="1"/>
+            <a:r>
+              <a:rPr lang="en-US" dirty="0"/>
+              <a:t>Solutions:</a:t>
+            </a:r>
+          </a:p>
+          <a:p>
+            <a:pPr lvl="2"/>
+            <a:r>
+              <a:rPr lang="en-US" dirty="0"/>
+              <a:t>Use multiple interpreters (e.g. multiprocessing package)</a:t>
+            </a:r>
+          </a:p>
+          <a:p>
+            <a:pPr lvl="2"/>
+            <a:r>
+              <a:rPr lang="en-US" dirty="0"/>
+              <a:t>Use a different python interpreter</a:t>
+            </a:r>
+            <a:endParaRPr lang="en-IL" dirty="0"/>
+          </a:p>
+        </p:txBody>
+      </p:sp>
+    </p:spTree>
+    <p:extLst>
+      <p:ext uri="{BB962C8B-B14F-4D97-AF65-F5344CB8AC3E}">
+        <p14:creationId xmlns:p14="http://schemas.microsoft.com/office/powerpoint/2010/main" val="1182514826"/>
+      </p:ext>
+    </p:extLst>
+  </p:cSld>
+  <p:clrMapOvr>
+    <a:masterClrMapping/>
+  </p:clrMapOvr>
+</p:sld>
+</file>
+
+<file path=ppt/slides/slide25.xml><?xml version="1.0" encoding="utf-8"?>
+<p:sld xmlns:a="http://schemas.openxmlformats.org/drawingml/2006/main" xmlns:r="http://schemas.openxmlformats.org/officeDocument/2006/relationships" xmlns:p="http://schemas.openxmlformats.org/presentationml/2006/main">
+  <p:cSld>
+    <p:spTree>
+      <p:nvGrpSpPr>
+        <p:cNvPr id="1" name=""/>
+        <p:cNvGrpSpPr/>
+        <p:nvPr/>
+      </p:nvGrpSpPr>
+      <p:grpSpPr>
+        <a:xfrm>
+          <a:off x="0" y="0"/>
+          <a:ext cx="0" cy="0"/>
+          <a:chOff x="0" y="0"/>
+          <a:chExt cx="0" cy="0"/>
+        </a:xfrm>
+      </p:grpSpPr>
+      <p:sp>
+        <p:nvSpPr>
+          <p:cNvPr id="2" name="Title 1">
+            <a:extLst>
+              <a:ext uri="{FF2B5EF4-FFF2-40B4-BE49-F238E27FC236}">
+                <a16:creationId xmlns:a16="http://schemas.microsoft.com/office/drawing/2014/main" id="{AAB4666E-503E-45FD-94ED-4D012CC97B98}"/>
+              </a:ext>
+            </a:extLst>
+          </p:cNvPr>
+          <p:cNvSpPr>
+            <a:spLocks noGrp="1"/>
+          </p:cNvSpPr>
+          <p:nvPr>
+            <p:ph type="title"/>
+          </p:nvPr>
+        </p:nvSpPr>
+        <p:spPr/>
+        <p:txBody>
+          <a:bodyPr/>
+          <a:lstStyle/>
+          <a:p>
+            <a:r>
+              <a:rPr lang="en-US" dirty="0"/>
+              <a:t>Asynchronous operations </a:t>
+            </a:r>
+            <a:r>
+              <a:rPr lang="en-US" sz="2800" dirty="0"/>
+              <a:t>(just a taste)</a:t>
+            </a:r>
+            <a:endParaRPr lang="en-IL" dirty="0"/>
+          </a:p>
+        </p:txBody>
+      </p:sp>
+      <p:sp>
+        <p:nvSpPr>
+          <p:cNvPr id="3" name="Content Placeholder 2">
+            <a:extLst>
+              <a:ext uri="{FF2B5EF4-FFF2-40B4-BE49-F238E27FC236}">
+                <a16:creationId xmlns:a16="http://schemas.microsoft.com/office/drawing/2014/main" id="{86A77A9C-F51B-45B0-87AA-D23473D42078}"/>
+              </a:ext>
+            </a:extLst>
+          </p:cNvPr>
+          <p:cNvSpPr>
+            <a:spLocks noGrp="1"/>
+          </p:cNvSpPr>
+          <p:nvPr>
+            <p:ph idx="1"/>
+          </p:nvPr>
+        </p:nvSpPr>
+        <p:spPr/>
+        <p:txBody>
+          <a:bodyPr/>
+          <a:lstStyle/>
+          <a:p>
+            <a:r>
+              <a:rPr lang="en-US" dirty="0"/>
+              <a:t>Concurrent (not necessarily parallel) operations</a:t>
+            </a:r>
+          </a:p>
+          <a:p>
+            <a:r>
+              <a:rPr lang="en-US" dirty="0"/>
+              <a:t>Good fit for I/O bound </a:t>
+            </a:r>
+          </a:p>
+          <a:p>
+            <a:r>
+              <a:rPr lang="en-US" dirty="0"/>
+              <a:t>Not so good for CPU bound</a:t>
+            </a:r>
+          </a:p>
+          <a:p>
+            <a:r>
+              <a:rPr lang="en-US" dirty="0"/>
+              <a:t>Complicates the code</a:t>
+            </a:r>
+          </a:p>
+          <a:p>
+            <a:r>
+              <a:rPr lang="en-US" dirty="0"/>
+              <a:t>Considered as cool new paradigm</a:t>
+            </a:r>
+          </a:p>
+          <a:p>
+            <a:pPr lvl="1"/>
+            <a:r>
+              <a:rPr lang="en-US" dirty="0"/>
+              <a:t> (Windows 3 used it in 1990)</a:t>
+            </a:r>
+            <a:endParaRPr lang="en-IL" dirty="0"/>
+          </a:p>
+        </p:txBody>
+      </p:sp>
+      <p:pic>
+        <p:nvPicPr>
+          <p:cNvPr id="1026" name="Picture 2" descr="https://www.researchgate.net/profile/Benjamin_Erb/publication/236149101/figure/fig1/AS:669985961676803@1536748509550/Figure-is-conceptual-model-shows-the-internals-of-an-event-driven-architecture-A_W640.jpg">
+            <a:extLst>
+              <a:ext uri="{FF2B5EF4-FFF2-40B4-BE49-F238E27FC236}">
+                <a16:creationId xmlns:a16="http://schemas.microsoft.com/office/drawing/2014/main" id="{30F8D85C-ED14-42C1-93E4-93B81B85F80F}"/>
+              </a:ext>
+            </a:extLst>
+          </p:cNvPr>
+          <p:cNvPicPr>
+            <a:picLocks noChangeAspect="1" noChangeArrowheads="1"/>
+          </p:cNvPicPr>
+          <p:nvPr/>
+        </p:nvPicPr>
+        <p:blipFill>
+          <a:blip r:embed="rId3">
+            <a:extLst>
+              <a:ext uri="{28A0092B-C50C-407E-A947-70E740481C1C}">
+                <a14:useLocalDpi xmlns:a14="http://schemas.microsoft.com/office/drawing/2010/main" val="0"/>
+              </a:ext>
+            </a:extLst>
+          </a:blip>
+          <a:srcRect/>
+          <a:stretch>
+            <a:fillRect/>
+          </a:stretch>
+        </p:blipFill>
+        <p:spPr bwMode="auto">
+          <a:xfrm>
+            <a:off x="6716683" y="4001294"/>
+            <a:ext cx="5137265" cy="2781347"/>
+          </a:xfrm>
+          <a:prstGeom prst="rect">
+            <a:avLst/>
+          </a:prstGeom>
+          <a:noFill/>
+          <a:extLst>
+            <a:ext uri="{909E8E84-426E-40DD-AFC4-6F175D3DCCD1}">
+              <a14:hiddenFill xmlns:a14="http://schemas.microsoft.com/office/drawing/2010/main">
+                <a:solidFill>
+                  <a:srgbClr val="FFFFFF"/>
+                </a:solidFill>
+              </a14:hiddenFill>
+            </a:ext>
+          </a:extLst>
+        </p:spPr>
+      </p:pic>
+      <p:sp>
+        <p:nvSpPr>
+          <p:cNvPr id="4" name="AutoShape 4" descr="Image result for event loop architecture &quot;python&quot;">
+            <a:extLst>
+              <a:ext uri="{FF2B5EF4-FFF2-40B4-BE49-F238E27FC236}">
+                <a16:creationId xmlns:a16="http://schemas.microsoft.com/office/drawing/2014/main" id="{EA0BCA7E-2498-4866-B578-007C89C7F07C}"/>
+              </a:ext>
+            </a:extLst>
+          </p:cNvPr>
+          <p:cNvSpPr>
+            <a:spLocks noChangeAspect="1" noChangeArrowheads="1"/>
+          </p:cNvSpPr>
+          <p:nvPr/>
+        </p:nvSpPr>
+        <p:spPr bwMode="auto">
+          <a:xfrm>
+            <a:off x="5943600" y="3276600"/>
+            <a:ext cx="304800" cy="304800"/>
+          </a:xfrm>
+          <a:prstGeom prst="rect">
+            <a:avLst/>
+          </a:prstGeom>
+          <a:noFill/>
+          <a:extLst>
+            <a:ext uri="{909E8E84-426E-40DD-AFC4-6F175D3DCCD1}">
+              <a14:hiddenFill xmlns:a14="http://schemas.microsoft.com/office/drawing/2010/main">
+                <a:solidFill>
+                  <a:srgbClr val="FFFFFF"/>
+                </a:solidFill>
+              </a14:hiddenFill>
+            </a:ext>
+          </a:extLst>
+        </p:spPr>
+        <p:txBody>
+          <a:bodyPr vert="horz" wrap="square" lIns="91440" tIns="45720" rIns="91440" bIns="45720" numCol="1" anchor="t" anchorCtr="0" compatLnSpc="1">
+            <a:prstTxWarp prst="textNoShape">
+              <a:avLst/>
+            </a:prstTxWarp>
+          </a:bodyPr>
+          <a:lstStyle/>
+          <a:p>
+            <a:endParaRPr lang="en-IL"/>
+          </a:p>
+        </p:txBody>
+      </p:sp>
+    </p:spTree>
+    <p:extLst>
+      <p:ext uri="{BB962C8B-B14F-4D97-AF65-F5344CB8AC3E}">
+        <p14:creationId xmlns:p14="http://schemas.microsoft.com/office/powerpoint/2010/main" val="2295202889"/>
+      </p:ext>
+    </p:extLst>
+  </p:cSld>
+  <p:clrMapOvr>
+    <a:masterClrMapping/>
+  </p:clrMapOvr>
+</p:sld>
+</file>
+
+<file path=ppt/slides/slide26.xml><?xml version="1.0" encoding="utf-8"?>
+<p:sld xmlns:a="http://schemas.openxmlformats.org/drawingml/2006/main" xmlns:r="http://schemas.openxmlformats.org/officeDocument/2006/relationships" xmlns:p="http://schemas.openxmlformats.org/presentationml/2006/main">
+  <p:cSld>
+    <p:bg>
+      <p:bgPr>
+        <a:gradFill>
+          <a:gsLst>
+            <a:gs pos="0">
+              <a:schemeClr val="accent1">
+                <a:lumMod val="5000"/>
+                <a:lumOff val="95000"/>
+              </a:schemeClr>
+            </a:gs>
+            <a:gs pos="74000">
+              <a:schemeClr val="accent1">
+                <a:lumMod val="45000"/>
+                <a:lumOff val="55000"/>
+              </a:schemeClr>
+            </a:gs>
+            <a:gs pos="83000">
+              <a:schemeClr val="accent1">
+                <a:lumMod val="45000"/>
+                <a:lumOff val="55000"/>
+              </a:schemeClr>
+            </a:gs>
+            <a:gs pos="100000">
+              <a:schemeClr val="accent1">
+                <a:lumMod val="30000"/>
+                <a:lumOff val="70000"/>
+              </a:schemeClr>
+            </a:gs>
+          </a:gsLst>
+          <a:lin ang="5400000" scaled="1"/>
+        </a:gradFill>
+        <a:effectLst/>
+      </p:bgPr>
+    </p:bg>
+    <p:spTree>
+      <p:nvGrpSpPr>
+        <p:cNvPr id="1" name=""/>
+        <p:cNvGrpSpPr/>
+        <p:nvPr/>
+      </p:nvGrpSpPr>
+      <p:grpSpPr>
+        <a:xfrm>
+          <a:off x="0" y="0"/>
+          <a:ext cx="0" cy="0"/>
+          <a:chOff x="0" y="0"/>
+          <a:chExt cx="0" cy="0"/>
+        </a:xfrm>
+      </p:grpSpPr>
+      <p:sp>
+        <p:nvSpPr>
+          <p:cNvPr id="2" name="Title 1">
+            <a:extLst>
+              <a:ext uri="{FF2B5EF4-FFF2-40B4-BE49-F238E27FC236}">
                 <a16:creationId xmlns:a16="http://schemas.microsoft.com/office/drawing/2014/main" id="{472E4F1B-0A1B-4F5C-8170-48559BB2FD51}"/>
               </a:ext>
             </a:extLst>
@@ -10203,7 +11872,7 @@
 </p:sld>
 </file>
 
-<file path=ppt/slides/slide24.xml><?xml version="1.0" encoding="utf-8"?>
+<file path=ppt/slides/slide27.xml><?xml version="1.0" encoding="utf-8"?>
 <p:sld xmlns:a="http://schemas.openxmlformats.org/drawingml/2006/main" xmlns:r="http://schemas.openxmlformats.org/officeDocument/2006/relationships" xmlns:p="http://schemas.openxmlformats.org/presentationml/2006/main">
   <p:cSld>
     <p:spTree>
@@ -10356,7 +12025,7 @@
 </p:sld>
 </file>
 
-<file path=ppt/slides/slide25.xml><?xml version="1.0" encoding="utf-8"?>
+<file path=ppt/slides/slide28.xml><?xml version="1.0" encoding="utf-8"?>
 <p:sld xmlns:a="http://schemas.openxmlformats.org/drawingml/2006/main" xmlns:r="http://schemas.openxmlformats.org/officeDocument/2006/relationships" xmlns:p="http://schemas.openxmlformats.org/presentationml/2006/main">
   <p:cSld>
     <p:spTree>
@@ -10838,7 +12507,7 @@
         </p:nvSpPr>
         <p:spPr>
           <a:xfrm>
-            <a:off x="1298222" y="4143022"/>
+            <a:off x="970845" y="3982997"/>
             <a:ext cx="7258756" cy="369332"/>
           </a:xfrm>
           <a:prstGeom prst="rect">
@@ -10929,7 +12598,7 @@
 </p:sld>
 </file>
 
-<file path=ppt/slides/slide26.xml><?xml version="1.0" encoding="utf-8"?>
+<file path=ppt/slides/slide29.xml><?xml version="1.0" encoding="utf-8"?>
 <p:sld xmlns:a="http://schemas.openxmlformats.org/drawingml/2006/main" xmlns:r="http://schemas.openxmlformats.org/officeDocument/2006/relationships" xmlns:p="http://schemas.openxmlformats.org/presentationml/2006/main">
   <p:cSld>
     <p:spTree>
@@ -11104,7 +12773,7 @@
 </p:sld>
 </file>
 
-<file path=ppt/slides/slide27.xml><?xml version="1.0" encoding="utf-8"?>
+<file path=ppt/slides/slide3.xml><?xml version="1.0" encoding="utf-8"?>
 <p:sld xmlns:a="http://schemas.openxmlformats.org/drawingml/2006/main" xmlns:r="http://schemas.openxmlformats.org/officeDocument/2006/relationships" xmlns:p="http://schemas.openxmlformats.org/presentationml/2006/main">
   <p:cSld>
     <p:spTree>
@@ -11126,7 +12795,7 @@
           <p:cNvPr id="2" name="Title 1">
             <a:extLst>
               <a:ext uri="{FF2B5EF4-FFF2-40B4-BE49-F238E27FC236}">
-                <a16:creationId xmlns:a16="http://schemas.microsoft.com/office/drawing/2014/main" id="{9144717B-2B16-4A25-9555-6400A5C0A97C}"/>
+                <a16:creationId xmlns:a16="http://schemas.microsoft.com/office/drawing/2014/main" id="{40BB4350-9111-4D5E-90C2-E94B4D63D94B}"/>
               </a:ext>
             </a:extLst>
           </p:cNvPr>
@@ -11144,7 +12813,7 @@
           <a:p>
             <a:r>
               <a:rPr lang="en-US" dirty="0"/>
-              <a:t>Alternative implementations	</a:t>
+              <a:t>A few words on source code control (VCS)</a:t>
             </a:r>
             <a:endParaRPr lang="en-IL" dirty="0"/>
           </a:p>
@@ -11155,7 +12824,7 @@
           <p:cNvPr id="3" name="Content Placeholder 2">
             <a:extLst>
               <a:ext uri="{FF2B5EF4-FFF2-40B4-BE49-F238E27FC236}">
-                <a16:creationId xmlns:a16="http://schemas.microsoft.com/office/drawing/2014/main" id="{41154C83-1A9F-42E3-B48A-18B4E5C5F0E2}"/>
+                <a16:creationId xmlns:a16="http://schemas.microsoft.com/office/drawing/2014/main" id="{A0F0EC19-F4A3-443A-B950-61D9D1C7B6EE}"/>
               </a:ext>
             </a:extLst>
           </p:cNvPr>
@@ -11173,96 +12842,67 @@
           <a:p>
             <a:r>
               <a:rPr lang="en-US" dirty="0"/>
-              <a:t>The ‘usual’ interpreter is </a:t>
-            </a:r>
-            <a:r>
-              <a:rPr lang="en-US" dirty="0" err="1"/>
-              <a:t>Cpython</a:t>
-            </a:r>
+              <a:t>What is VCS? Why do you need it?</a:t>
+            </a:r>
+          </a:p>
+          <a:p>
+            <a:r>
+              <a:rPr lang="en-US" dirty="0"/>
+              <a:t>Everybody use </a:t>
+            </a:r>
+            <a:r>
+              <a:rPr lang="en-US" b="1" dirty="0"/>
+              <a:t>git</a:t>
+            </a:r>
+            <a:r>
+              <a:rPr lang="en-US" dirty="0"/>
+              <a:t>. Learn it.</a:t>
+            </a:r>
+          </a:p>
+          <a:p>
+            <a:r>
+              <a:rPr lang="en-US" dirty="0"/>
+              <a:t>Search for “git best tutorial” </a:t>
+            </a:r>
+          </a:p>
+          <a:p>
+            <a:pPr lvl="1"/>
+            <a:r>
+              <a:rPr lang="en-US" dirty="0"/>
+              <a:t>Try</a:t>
+            </a:r>
+          </a:p>
+          <a:p>
+            <a:pPr lvl="1"/>
+            <a:r>
+              <a:rPr lang="en-US" dirty="0"/>
+              <a:t>Cry</a:t>
+            </a:r>
+          </a:p>
+          <a:p>
+            <a:pPr lvl="1"/>
+            <a:r>
+              <a:rPr lang="en-US" dirty="0"/>
+              <a:t>Repeat until dry</a:t>
+            </a:r>
+          </a:p>
+          <a:p>
+            <a:pPr lvl="1"/>
             <a:endParaRPr lang="en-US" dirty="0"/>
           </a:p>
           <a:p>
             <a:pPr lvl="1"/>
-            <a:r>
-              <a:rPr lang="en-US" sz="2000" dirty="0"/>
-              <a:t>Non optimizing interpreter</a:t>
-            </a:r>
-          </a:p>
-          <a:p>
-            <a:pPr lvl="1"/>
-            <a:r>
-              <a:rPr lang="en-US" sz="2000" dirty="0"/>
-              <a:t>Used as the reference implementation</a:t>
-            </a:r>
-          </a:p>
-          <a:p>
-            <a:r>
-              <a:rPr lang="en-US" dirty="0" err="1"/>
-              <a:t>Jython</a:t>
-            </a:r>
-            <a:r>
-              <a:rPr lang="en-US" dirty="0"/>
-              <a:t> – execute the python byte code in java VM</a:t>
-            </a:r>
-          </a:p>
-          <a:p>
-            <a:pPr lvl="1"/>
-            <a:r>
-              <a:rPr lang="en-US" sz="2000" dirty="0"/>
-              <a:t>Especially good if you need to use java libraries</a:t>
-            </a:r>
-          </a:p>
-          <a:p>
-            <a:r>
-              <a:rPr lang="en-US" dirty="0" err="1"/>
-              <a:t>Pypy</a:t>
-            </a:r>
-            <a:r>
-              <a:rPr lang="en-US" dirty="0"/>
-              <a:t> – optimizing  (JIT) interpreter written in python</a:t>
-            </a:r>
-          </a:p>
-          <a:p>
-            <a:r>
-              <a:rPr lang="en-US" dirty="0" err="1"/>
-              <a:t>IronPython</a:t>
-            </a:r>
-            <a:r>
-              <a:rPr lang="en-US" dirty="0"/>
-              <a:t>  - implementation in C#</a:t>
-            </a:r>
-          </a:p>
-          <a:p>
-            <a:pPr lvl="1"/>
-            <a:r>
-              <a:rPr lang="en-US" sz="2000" dirty="0"/>
-              <a:t>Especially good if you need to use .NET libraries</a:t>
-            </a:r>
-          </a:p>
-          <a:p>
-            <a:pPr lvl="1"/>
-            <a:endParaRPr lang="en-US" sz="2000" dirty="0"/>
-          </a:p>
-          <a:p>
-            <a:pPr marL="0" indent="0">
-              <a:buNone/>
-            </a:pPr>
-            <a:r>
-              <a:rPr lang="en-US" sz="2400" i="1" dirty="0"/>
-              <a:t>Caveat Emptor</a:t>
-            </a:r>
-            <a:r>
-              <a:rPr lang="en-US" sz="2400" dirty="0"/>
-              <a:t>: I did not try to use any of those</a:t>
-            </a:r>
-            <a:endParaRPr lang="en-IL" sz="2400" dirty="0"/>
+            <a:endParaRPr lang="en-US" dirty="0"/>
+          </a:p>
+          <a:p>
+            <a:endParaRPr lang="en-IL" dirty="0"/>
           </a:p>
         </p:txBody>
       </p:sp>
     </p:spTree>
     <p:extLst>
       <p:ext uri="{BB962C8B-B14F-4D97-AF65-F5344CB8AC3E}">
-        <p14:creationId xmlns:p14="http://schemas.microsoft.com/office/powerpoint/2010/main" val="620005339"/>
+        <p14:creationId xmlns:p14="http://schemas.microsoft.com/office/powerpoint/2010/main" val="2411966097"/>
       </p:ext>
     </p:extLst>
   </p:cSld>
@@ -11272,7 +12912,7 @@
 </p:sld>
 </file>
 
-<file path=ppt/slides/slide28.xml><?xml version="1.0" encoding="utf-8"?>
+<file path=ppt/slides/slide30.xml><?xml version="1.0" encoding="utf-8"?>
 <p:sld xmlns:a="http://schemas.openxmlformats.org/drawingml/2006/main" xmlns:r="http://schemas.openxmlformats.org/officeDocument/2006/relationships" xmlns:p="http://schemas.openxmlformats.org/presentationml/2006/main">
   <p:cSld>
     <p:spTree>
@@ -11294,7 +12934,7 @@
           <p:cNvPr id="2" name="Title 1">
             <a:extLst>
               <a:ext uri="{FF2B5EF4-FFF2-40B4-BE49-F238E27FC236}">
-                <a16:creationId xmlns:a16="http://schemas.microsoft.com/office/drawing/2014/main" id="{AF2D27B6-D715-4335-9937-DD4AA4CF663C}"/>
+                <a16:creationId xmlns:a16="http://schemas.microsoft.com/office/drawing/2014/main" id="{9144717B-2B16-4A25-9555-6400A5C0A97C}"/>
               </a:ext>
             </a:extLst>
           </p:cNvPr>
@@ -11312,7 +12952,7 @@
           <a:p>
             <a:r>
               <a:rPr lang="en-US" dirty="0"/>
-              <a:t>Static type checking</a:t>
+              <a:t>Alternative implementations	</a:t>
             </a:r>
             <a:endParaRPr lang="en-IL" dirty="0"/>
           </a:p>
@@ -11323,7 +12963,7 @@
           <p:cNvPr id="3" name="Content Placeholder 2">
             <a:extLst>
               <a:ext uri="{FF2B5EF4-FFF2-40B4-BE49-F238E27FC236}">
-                <a16:creationId xmlns:a16="http://schemas.microsoft.com/office/drawing/2014/main" id="{A1650639-B263-4AEE-AC53-A4B80ED06F28}"/>
+                <a16:creationId xmlns:a16="http://schemas.microsoft.com/office/drawing/2014/main" id="{41154C83-1A9F-42E3-B48A-18B4E5C5F0E2}"/>
               </a:ext>
             </a:extLst>
           </p:cNvPr>
@@ -11341,152 +12981,96 @@
           <a:p>
             <a:r>
               <a:rPr lang="en-US" dirty="0"/>
-              <a:t>Optional package “</a:t>
+              <a:t>The ‘usual’ interpreter is </a:t>
             </a:r>
             <a:r>
               <a:rPr lang="en-US" dirty="0" err="1"/>
-              <a:t>mypy</a:t>
-            </a:r>
-            <a:r>
-              <a:rPr lang="en-US" dirty="0"/>
-              <a:t>”</a:t>
-            </a:r>
-          </a:p>
-          <a:p>
-            <a:r>
-              <a:rPr lang="en-US" dirty="0"/>
-              <a:t>In development (requires python &gt;=3.5)</a:t>
-            </a:r>
-          </a:p>
-          <a:p>
-            <a:r>
-              <a:rPr lang="en-US" dirty="0"/>
-              <a:t> You can add type hints (</a:t>
-            </a:r>
-            <a:r>
-              <a:rPr lang="en-US" dirty="0">
-                <a:hlinkClick r:id="rId3"/>
-              </a:rPr>
-              <a:t>PEP 484</a:t>
-            </a:r>
-            <a:r>
-              <a:rPr lang="en-US" dirty="0"/>
-              <a:t>) to your Python programs, and use </a:t>
-            </a:r>
+              <a:t>Cpython</a:t>
+            </a:r>
+            <a:endParaRPr lang="en-US" dirty="0"/>
+          </a:p>
+          <a:p>
+            <a:pPr lvl="1"/>
+            <a:r>
+              <a:rPr lang="en-US" sz="2000" dirty="0"/>
+              <a:t>Non optimizing interpreter</a:t>
+            </a:r>
+          </a:p>
+          <a:p>
+            <a:pPr lvl="1"/>
+            <a:r>
+              <a:rPr lang="en-US" sz="2000" dirty="0"/>
+              <a:t>Used as the reference implementation</a:t>
+            </a:r>
+          </a:p>
+          <a:p>
             <a:r>
               <a:rPr lang="en-US" dirty="0" err="1"/>
-              <a:t>mypy</a:t>
-            </a:r>
-            <a:r>
-              <a:rPr lang="en-US" dirty="0"/>
-              <a:t> to type check them statically</a:t>
-            </a:r>
+              <a:t>Jython</a:t>
+            </a:r>
+            <a:r>
+              <a:rPr lang="en-US" dirty="0"/>
+              <a:t> – execute the python byte code in java VM</a:t>
+            </a:r>
+          </a:p>
+          <a:p>
+            <a:pPr lvl="1"/>
+            <a:r>
+              <a:rPr lang="en-US" sz="2000" dirty="0"/>
+              <a:t>Especially good if you need to use java libraries</a:t>
+            </a:r>
+          </a:p>
+          <a:p>
+            <a:r>
+              <a:rPr lang="en-US" dirty="0" err="1"/>
+              <a:t>Pypy</a:t>
+            </a:r>
+            <a:r>
+              <a:rPr lang="en-US" dirty="0"/>
+              <a:t> – optimizing  (JIT) interpreter written in python</a:t>
+            </a:r>
+          </a:p>
+          <a:p>
+            <a:r>
+              <a:rPr lang="en-US" dirty="0" err="1"/>
+              <a:t>IronPython</a:t>
+            </a:r>
+            <a:r>
+              <a:rPr lang="en-US" dirty="0"/>
+              <a:t>  - implementation in C#</a:t>
+            </a:r>
+          </a:p>
+          <a:p>
+            <a:pPr lvl="1"/>
+            <a:r>
+              <a:rPr lang="en-US" sz="2000" dirty="0"/>
+              <a:t>Especially good if you need to use .NET libraries</a:t>
+            </a:r>
+          </a:p>
+          <a:p>
+            <a:pPr lvl="1"/>
+            <a:endParaRPr lang="en-US" sz="2000" dirty="0"/>
           </a:p>
           <a:p>
             <a:pPr marL="0" indent="0">
               <a:buNone/>
             </a:pPr>
-            <a:endParaRPr lang="en-IL" dirty="0"/>
-          </a:p>
-        </p:txBody>
-      </p:sp>
-      <p:sp>
-        <p:nvSpPr>
-          <p:cNvPr id="4" name="TextBox 3">
-            <a:extLst>
-              <a:ext uri="{FF2B5EF4-FFF2-40B4-BE49-F238E27FC236}">
-                <a16:creationId xmlns:a16="http://schemas.microsoft.com/office/drawing/2014/main" id="{E356F92D-1469-4940-8024-E89B1E22DB59}"/>
-              </a:ext>
-            </a:extLst>
-          </p:cNvPr>
-          <p:cNvSpPr txBox="1"/>
-          <p:nvPr/>
-        </p:nvSpPr>
-        <p:spPr>
-          <a:xfrm>
-            <a:off x="1907821" y="3868639"/>
-            <a:ext cx="5700889" cy="2031325"/>
-          </a:xfrm>
-          <a:prstGeom prst="rect">
-            <a:avLst/>
-          </a:prstGeom>
-          <a:noFill/>
-        </p:spPr>
-        <p:txBody>
-          <a:bodyPr wrap="square" rtlCol="0">
-            <a:spAutoFit/>
-          </a:bodyPr>
-          <a:lstStyle/>
-          <a:p>
-            <a:r>
-              <a:rPr lang="en-US" dirty="0">
-                <a:latin typeface="Courier New" panose="02070309020205020404" pitchFamily="49" charset="0"/>
-                <a:cs typeface="Courier New" panose="02070309020205020404" pitchFamily="49" charset="0"/>
-              </a:rPr>
-              <a:t>from typing import Iterator</a:t>
-            </a:r>
-          </a:p>
-          <a:p>
-            <a:endParaRPr lang="en-US" dirty="0">
-              <a:latin typeface="Courier New" panose="02070309020205020404" pitchFamily="49" charset="0"/>
-              <a:cs typeface="Courier New" panose="02070309020205020404" pitchFamily="49" charset="0"/>
-            </a:endParaRPr>
-          </a:p>
-          <a:p>
-            <a:r>
-              <a:rPr lang="en-US" dirty="0">
-                <a:latin typeface="Courier New" panose="02070309020205020404" pitchFamily="49" charset="0"/>
-                <a:cs typeface="Courier New" panose="02070309020205020404" pitchFamily="49" charset="0"/>
-              </a:rPr>
-              <a:t>def fib(n: int) -&gt; Iterator[int]:</a:t>
-            </a:r>
-          </a:p>
-          <a:p>
-            <a:r>
-              <a:rPr lang="en-US" dirty="0">
-                <a:latin typeface="Courier New" panose="02070309020205020404" pitchFamily="49" charset="0"/>
-                <a:cs typeface="Courier New" panose="02070309020205020404" pitchFamily="49" charset="0"/>
-              </a:rPr>
-              <a:t>    a, b = 0, 1</a:t>
-            </a:r>
-          </a:p>
-          <a:p>
-            <a:r>
-              <a:rPr lang="en-US" dirty="0">
-                <a:latin typeface="Courier New" panose="02070309020205020404" pitchFamily="49" charset="0"/>
-                <a:cs typeface="Courier New" panose="02070309020205020404" pitchFamily="49" charset="0"/>
-              </a:rPr>
-              <a:t>    while a &lt; n:</a:t>
-            </a:r>
-          </a:p>
-          <a:p>
-            <a:r>
-              <a:rPr lang="en-US" dirty="0">
-                <a:latin typeface="Courier New" panose="02070309020205020404" pitchFamily="49" charset="0"/>
-                <a:cs typeface="Courier New" panose="02070309020205020404" pitchFamily="49" charset="0"/>
-              </a:rPr>
-              <a:t>        yield a</a:t>
-            </a:r>
-          </a:p>
-          <a:p>
-            <a:r>
-              <a:rPr lang="en-US" dirty="0">
-                <a:latin typeface="Courier New" panose="02070309020205020404" pitchFamily="49" charset="0"/>
-                <a:cs typeface="Courier New" panose="02070309020205020404" pitchFamily="49" charset="0"/>
-              </a:rPr>
-              <a:t>        a, b = b, a + b</a:t>
-            </a:r>
-            <a:endParaRPr lang="en-IL" dirty="0">
-              <a:latin typeface="Courier New" panose="02070309020205020404" pitchFamily="49" charset="0"/>
-              <a:cs typeface="Courier New" panose="02070309020205020404" pitchFamily="49" charset="0"/>
-            </a:endParaRPr>
+            <a:r>
+              <a:rPr lang="en-US" sz="2400" i="1" dirty="0"/>
+              <a:t>Caveat Emptor</a:t>
+            </a:r>
+            <a:r>
+              <a:rPr lang="en-US" sz="2400" dirty="0"/>
+              <a:t>: I did not try to use any of those</a:t>
+            </a:r>
+            <a:endParaRPr lang="en-IL" sz="2400" dirty="0"/>
           </a:p>
         </p:txBody>
       </p:sp>
     </p:spTree>
     <p:extLst>
       <p:ext uri="{BB962C8B-B14F-4D97-AF65-F5344CB8AC3E}">
-        <p14:creationId xmlns:p14="http://schemas.microsoft.com/office/powerpoint/2010/main" val="4195438216"/>
+        <p14:creationId xmlns:p14="http://schemas.microsoft.com/office/powerpoint/2010/main" val="620005339"/>
       </p:ext>
     </p:extLst>
   </p:cSld>
@@ -11496,7 +13080,7 @@
 </p:sld>
 </file>
 
-<file path=ppt/slides/slide29.xml><?xml version="1.0" encoding="utf-8"?>
+<file path=ppt/slides/slide31.xml><?xml version="1.0" encoding="utf-8"?>
 <p:sld xmlns:a="http://schemas.openxmlformats.org/drawingml/2006/main" xmlns:r="http://schemas.openxmlformats.org/officeDocument/2006/relationships" xmlns:p="http://schemas.openxmlformats.org/presentationml/2006/main">
   <p:cSld>
     <p:spTree>
@@ -11518,6 +13102,230 @@
           <p:cNvPr id="2" name="Title 1">
             <a:extLst>
               <a:ext uri="{FF2B5EF4-FFF2-40B4-BE49-F238E27FC236}">
+                <a16:creationId xmlns:a16="http://schemas.microsoft.com/office/drawing/2014/main" id="{AF2D27B6-D715-4335-9937-DD4AA4CF663C}"/>
+              </a:ext>
+            </a:extLst>
+          </p:cNvPr>
+          <p:cNvSpPr>
+            <a:spLocks noGrp="1"/>
+          </p:cNvSpPr>
+          <p:nvPr>
+            <p:ph type="title"/>
+          </p:nvPr>
+        </p:nvSpPr>
+        <p:spPr/>
+        <p:txBody>
+          <a:bodyPr/>
+          <a:lstStyle/>
+          <a:p>
+            <a:r>
+              <a:rPr lang="en-US" dirty="0"/>
+              <a:t>Static type checking</a:t>
+            </a:r>
+            <a:endParaRPr lang="en-IL" dirty="0"/>
+          </a:p>
+        </p:txBody>
+      </p:sp>
+      <p:sp>
+        <p:nvSpPr>
+          <p:cNvPr id="3" name="Content Placeholder 2">
+            <a:extLst>
+              <a:ext uri="{FF2B5EF4-FFF2-40B4-BE49-F238E27FC236}">
+                <a16:creationId xmlns:a16="http://schemas.microsoft.com/office/drawing/2014/main" id="{A1650639-B263-4AEE-AC53-A4B80ED06F28}"/>
+              </a:ext>
+            </a:extLst>
+          </p:cNvPr>
+          <p:cNvSpPr>
+            <a:spLocks noGrp="1"/>
+          </p:cNvSpPr>
+          <p:nvPr>
+            <p:ph idx="1"/>
+          </p:nvPr>
+        </p:nvSpPr>
+        <p:spPr/>
+        <p:txBody>
+          <a:bodyPr/>
+          <a:lstStyle/>
+          <a:p>
+            <a:r>
+              <a:rPr lang="en-US" dirty="0"/>
+              <a:t>Optional package “</a:t>
+            </a:r>
+            <a:r>
+              <a:rPr lang="en-US" dirty="0" err="1"/>
+              <a:t>mypy</a:t>
+            </a:r>
+            <a:r>
+              <a:rPr lang="en-US" dirty="0"/>
+              <a:t>”</a:t>
+            </a:r>
+          </a:p>
+          <a:p>
+            <a:r>
+              <a:rPr lang="en-US" dirty="0"/>
+              <a:t>In development (requires python &gt;=3.5)</a:t>
+            </a:r>
+          </a:p>
+          <a:p>
+            <a:r>
+              <a:rPr lang="en-US" dirty="0"/>
+              <a:t> You can add type hints (</a:t>
+            </a:r>
+            <a:r>
+              <a:rPr lang="en-US" dirty="0">
+                <a:hlinkClick r:id="rId3"/>
+              </a:rPr>
+              <a:t>PEP 484</a:t>
+            </a:r>
+            <a:r>
+              <a:rPr lang="en-US" dirty="0"/>
+              <a:t>) to your Python programs, and use </a:t>
+            </a:r>
+            <a:r>
+              <a:rPr lang="en-US" dirty="0" err="1"/>
+              <a:t>mypy</a:t>
+            </a:r>
+            <a:r>
+              <a:rPr lang="en-US" dirty="0"/>
+              <a:t> to type check them statically</a:t>
+            </a:r>
+          </a:p>
+          <a:p>
+            <a:pPr marL="0" indent="0">
+              <a:buNone/>
+            </a:pPr>
+            <a:endParaRPr lang="en-IL" dirty="0"/>
+          </a:p>
+        </p:txBody>
+      </p:sp>
+      <p:sp>
+        <p:nvSpPr>
+          <p:cNvPr id="4" name="TextBox 3">
+            <a:extLst>
+              <a:ext uri="{FF2B5EF4-FFF2-40B4-BE49-F238E27FC236}">
+                <a16:creationId xmlns:a16="http://schemas.microsoft.com/office/drawing/2014/main" id="{E356F92D-1469-4940-8024-E89B1E22DB59}"/>
+              </a:ext>
+            </a:extLst>
+          </p:cNvPr>
+          <p:cNvSpPr txBox="1"/>
+          <p:nvPr/>
+        </p:nvSpPr>
+        <p:spPr>
+          <a:xfrm>
+            <a:off x="1907821" y="3868639"/>
+            <a:ext cx="5700889" cy="2031325"/>
+          </a:xfrm>
+          <a:prstGeom prst="rect">
+            <a:avLst/>
+          </a:prstGeom>
+          <a:noFill/>
+        </p:spPr>
+        <p:txBody>
+          <a:bodyPr wrap="square" rtlCol="0">
+            <a:spAutoFit/>
+          </a:bodyPr>
+          <a:lstStyle/>
+          <a:p>
+            <a:r>
+              <a:rPr lang="en-US" dirty="0">
+                <a:latin typeface="Courier New" panose="02070309020205020404" pitchFamily="49" charset="0"/>
+                <a:cs typeface="Courier New" panose="02070309020205020404" pitchFamily="49" charset="0"/>
+              </a:rPr>
+              <a:t>from typing import Iterator</a:t>
+            </a:r>
+          </a:p>
+          <a:p>
+            <a:endParaRPr lang="en-US" dirty="0">
+              <a:latin typeface="Courier New" panose="02070309020205020404" pitchFamily="49" charset="0"/>
+              <a:cs typeface="Courier New" panose="02070309020205020404" pitchFamily="49" charset="0"/>
+            </a:endParaRPr>
+          </a:p>
+          <a:p>
+            <a:r>
+              <a:rPr lang="en-US" dirty="0">
+                <a:latin typeface="Courier New" panose="02070309020205020404" pitchFamily="49" charset="0"/>
+                <a:cs typeface="Courier New" panose="02070309020205020404" pitchFamily="49" charset="0"/>
+              </a:rPr>
+              <a:t>def fib(n: int) -&gt; Iterator[int]:</a:t>
+            </a:r>
+          </a:p>
+          <a:p>
+            <a:r>
+              <a:rPr lang="en-US" dirty="0">
+                <a:latin typeface="Courier New" panose="02070309020205020404" pitchFamily="49" charset="0"/>
+                <a:cs typeface="Courier New" panose="02070309020205020404" pitchFamily="49" charset="0"/>
+              </a:rPr>
+              <a:t>    a, b = 0, 1</a:t>
+            </a:r>
+          </a:p>
+          <a:p>
+            <a:r>
+              <a:rPr lang="en-US" dirty="0">
+                <a:latin typeface="Courier New" panose="02070309020205020404" pitchFamily="49" charset="0"/>
+                <a:cs typeface="Courier New" panose="02070309020205020404" pitchFamily="49" charset="0"/>
+              </a:rPr>
+              <a:t>    while a &lt; n:</a:t>
+            </a:r>
+          </a:p>
+          <a:p>
+            <a:r>
+              <a:rPr lang="en-US" dirty="0">
+                <a:latin typeface="Courier New" panose="02070309020205020404" pitchFamily="49" charset="0"/>
+                <a:cs typeface="Courier New" panose="02070309020205020404" pitchFamily="49" charset="0"/>
+              </a:rPr>
+              <a:t>        yield a</a:t>
+            </a:r>
+          </a:p>
+          <a:p>
+            <a:r>
+              <a:rPr lang="en-US" dirty="0">
+                <a:latin typeface="Courier New" panose="02070309020205020404" pitchFamily="49" charset="0"/>
+                <a:cs typeface="Courier New" panose="02070309020205020404" pitchFamily="49" charset="0"/>
+              </a:rPr>
+              <a:t>        a, b = b, a + b</a:t>
+            </a:r>
+            <a:endParaRPr lang="en-IL" dirty="0">
+              <a:latin typeface="Courier New" panose="02070309020205020404" pitchFamily="49" charset="0"/>
+              <a:cs typeface="Courier New" panose="02070309020205020404" pitchFamily="49" charset="0"/>
+            </a:endParaRPr>
+          </a:p>
+        </p:txBody>
+      </p:sp>
+    </p:spTree>
+    <p:extLst>
+      <p:ext uri="{BB962C8B-B14F-4D97-AF65-F5344CB8AC3E}">
+        <p14:creationId xmlns:p14="http://schemas.microsoft.com/office/powerpoint/2010/main" val="4195438216"/>
+      </p:ext>
+    </p:extLst>
+  </p:cSld>
+  <p:clrMapOvr>
+    <a:masterClrMapping/>
+  </p:clrMapOvr>
+</p:sld>
+</file>
+
+<file path=ppt/slides/slide32.xml><?xml version="1.0" encoding="utf-8"?>
+<p:sld xmlns:a="http://schemas.openxmlformats.org/drawingml/2006/main" xmlns:r="http://schemas.openxmlformats.org/officeDocument/2006/relationships" xmlns:p="http://schemas.openxmlformats.org/presentationml/2006/main">
+  <p:cSld>
+    <p:spTree>
+      <p:nvGrpSpPr>
+        <p:cNvPr id="1" name=""/>
+        <p:cNvGrpSpPr/>
+        <p:nvPr/>
+      </p:nvGrpSpPr>
+      <p:grpSpPr>
+        <a:xfrm>
+          <a:off x="0" y="0"/>
+          <a:ext cx="0" cy="0"/>
+          <a:chOff x="0" y="0"/>
+          <a:chExt cx="0" cy="0"/>
+        </a:xfrm>
+      </p:grpSpPr>
+      <p:sp>
+        <p:nvSpPr>
+          <p:cNvPr id="2" name="Title 1">
+            <a:extLst>
+              <a:ext uri="{FF2B5EF4-FFF2-40B4-BE49-F238E27FC236}">
                 <a16:creationId xmlns:a16="http://schemas.microsoft.com/office/drawing/2014/main" id="{A7F24BE9-C633-4B35-928B-D5B2E7849565}"/>
               </a:ext>
             </a:extLst>
@@ -11823,7 +13631,542 @@
 </p:sld>
 </file>
 
-<file path=ppt/slides/slide3.xml><?xml version="1.0" encoding="utf-8"?>
+<file path=ppt/slides/slide33.xml><?xml version="1.0" encoding="utf-8"?>
+<p:sld xmlns:a="http://schemas.openxmlformats.org/drawingml/2006/main" xmlns:r="http://schemas.openxmlformats.org/officeDocument/2006/relationships" xmlns:p="http://schemas.openxmlformats.org/presentationml/2006/main">
+  <p:cSld>
+    <p:spTree>
+      <p:nvGrpSpPr>
+        <p:cNvPr id="1" name=""/>
+        <p:cNvGrpSpPr/>
+        <p:nvPr/>
+      </p:nvGrpSpPr>
+      <p:grpSpPr>
+        <a:xfrm>
+          <a:off x="0" y="0"/>
+          <a:ext cx="0" cy="0"/>
+          <a:chOff x="0" y="0"/>
+          <a:chExt cx="0" cy="0"/>
+        </a:xfrm>
+      </p:grpSpPr>
+      <p:sp>
+        <p:nvSpPr>
+          <p:cNvPr id="2" name="Title 1">
+            <a:extLst>
+              <a:ext uri="{FF2B5EF4-FFF2-40B4-BE49-F238E27FC236}">
+                <a16:creationId xmlns:a16="http://schemas.microsoft.com/office/drawing/2014/main" id="{F5231BBA-2444-4DBB-89C1-C1045A4DBD0F}"/>
+              </a:ext>
+            </a:extLst>
+          </p:cNvPr>
+          <p:cNvSpPr>
+            <a:spLocks noGrp="1"/>
+          </p:cNvSpPr>
+          <p:nvPr>
+            <p:ph type="title"/>
+          </p:nvPr>
+        </p:nvSpPr>
+        <p:spPr/>
+        <p:txBody>
+          <a:bodyPr/>
+          <a:lstStyle/>
+          <a:p>
+            <a:r>
+              <a:rPr lang="en-US" dirty="0"/>
+              <a:t>Profiling output that’s looks nice</a:t>
+            </a:r>
+            <a:endParaRPr lang="en-IL" dirty="0"/>
+          </a:p>
+        </p:txBody>
+      </p:sp>
+      <p:sp>
+        <p:nvSpPr>
+          <p:cNvPr id="3" name="Content Placeholder 2">
+            <a:extLst>
+              <a:ext uri="{FF2B5EF4-FFF2-40B4-BE49-F238E27FC236}">
+                <a16:creationId xmlns:a16="http://schemas.microsoft.com/office/drawing/2014/main" id="{223DCFA3-2828-4E8F-BEDD-B06A6A98E5F4}"/>
+              </a:ext>
+            </a:extLst>
+          </p:cNvPr>
+          <p:cNvSpPr>
+            <a:spLocks noGrp="1"/>
+          </p:cNvSpPr>
+          <p:nvPr>
+            <p:ph idx="1"/>
+          </p:nvPr>
+        </p:nvSpPr>
+        <p:spPr/>
+        <p:txBody>
+          <a:bodyPr/>
+          <a:lstStyle/>
+          <a:p>
+            <a:pPr marL="0" indent="0">
+              <a:buNone/>
+            </a:pPr>
+            <a:r>
+              <a:rPr lang="en-US" sz="2000" dirty="0"/>
+              <a:t>See for example </a:t>
+            </a:r>
+            <a:r>
+              <a:rPr lang="en-US" sz="2000" dirty="0">
+                <a:hlinkClick r:id="rId3"/>
+              </a:rPr>
+              <a:t>https://julien.danjou.info/guide-to-python-profiling-cprofile-concrete-case-carbonara/</a:t>
+            </a:r>
+            <a:endParaRPr lang="en-US" sz="2000" dirty="0"/>
+          </a:p>
+          <a:p>
+            <a:pPr marL="0" indent="0">
+              <a:buNone/>
+            </a:pPr>
+            <a:r>
+              <a:rPr lang="en-US" sz="2000" dirty="0">
+                <a:latin typeface="Courier New" panose="02070309020205020404" pitchFamily="49" charset="0"/>
+                <a:cs typeface="Courier New" panose="02070309020205020404" pitchFamily="49" charset="0"/>
+              </a:rPr>
+              <a:t>$ python -m </a:t>
+            </a:r>
+            <a:r>
+              <a:rPr lang="en-US" sz="2000" dirty="0" err="1">
+                <a:latin typeface="Courier New" panose="02070309020205020404" pitchFamily="49" charset="0"/>
+                <a:cs typeface="Courier New" panose="02070309020205020404" pitchFamily="49" charset="0"/>
+              </a:rPr>
+              <a:t>cProfile</a:t>
+            </a:r>
+            <a:r>
+              <a:rPr lang="en-US" sz="2000" dirty="0">
+                <a:latin typeface="Courier New" panose="02070309020205020404" pitchFamily="49" charset="0"/>
+                <a:cs typeface="Courier New" panose="02070309020205020404" pitchFamily="49" charset="0"/>
+              </a:rPr>
+              <a:t> -o </a:t>
+            </a:r>
+            <a:r>
+              <a:rPr lang="en-US" sz="2000" dirty="0" err="1">
+                <a:latin typeface="Courier New" panose="02070309020205020404" pitchFamily="49" charset="0"/>
+                <a:cs typeface="Courier New" panose="02070309020205020404" pitchFamily="49" charset="0"/>
+              </a:rPr>
+              <a:t>myscript.cprof</a:t>
+            </a:r>
+            <a:r>
+              <a:rPr lang="en-US" sz="2000" dirty="0">
+                <a:latin typeface="Courier New" panose="02070309020205020404" pitchFamily="49" charset="0"/>
+                <a:cs typeface="Courier New" panose="02070309020205020404" pitchFamily="49" charset="0"/>
+              </a:rPr>
+              <a:t> myscript.py</a:t>
+            </a:r>
+          </a:p>
+          <a:p>
+            <a:pPr marL="0" indent="0">
+              <a:buNone/>
+            </a:pPr>
+            <a:r>
+              <a:rPr lang="en-US" sz="2000" dirty="0">
+                <a:latin typeface="Courier New" panose="02070309020205020404" pitchFamily="49" charset="0"/>
+                <a:cs typeface="Courier New" panose="02070309020205020404" pitchFamily="49" charset="0"/>
+              </a:rPr>
+              <a:t>$ pyprof2calltree -</a:t>
+            </a:r>
+            <a:r>
+              <a:rPr lang="en-US" sz="2000" dirty="0" err="1">
+                <a:latin typeface="Courier New" panose="02070309020205020404" pitchFamily="49" charset="0"/>
+                <a:cs typeface="Courier New" panose="02070309020205020404" pitchFamily="49" charset="0"/>
+              </a:rPr>
+              <a:t>i</a:t>
+            </a:r>
+            <a:r>
+              <a:rPr lang="en-US" sz="2000" dirty="0">
+                <a:latin typeface="Courier New" panose="02070309020205020404" pitchFamily="49" charset="0"/>
+                <a:cs typeface="Courier New" panose="02070309020205020404" pitchFamily="49" charset="0"/>
+              </a:rPr>
+              <a:t> </a:t>
+            </a:r>
+            <a:r>
+              <a:rPr lang="en-US" sz="2000" dirty="0" err="1">
+                <a:latin typeface="Courier New" panose="02070309020205020404" pitchFamily="49" charset="0"/>
+                <a:cs typeface="Courier New" panose="02070309020205020404" pitchFamily="49" charset="0"/>
+              </a:rPr>
+              <a:t>myscript.cprof</a:t>
+            </a:r>
+            <a:endParaRPr lang="en-US" sz="2000" dirty="0">
+              <a:latin typeface="Courier New" panose="02070309020205020404" pitchFamily="49" charset="0"/>
+              <a:cs typeface="Courier New" panose="02070309020205020404" pitchFamily="49" charset="0"/>
+            </a:endParaRPr>
+          </a:p>
+          <a:p>
+            <a:pPr marL="0" indent="0">
+              <a:buNone/>
+            </a:pPr>
+            <a:r>
+              <a:rPr lang="en-US" dirty="0"/>
+              <a:t>Then open </a:t>
+            </a:r>
+            <a:r>
+              <a:rPr lang="en-US" dirty="0" err="1"/>
+              <a:t>kcachegrind</a:t>
+            </a:r>
+            <a:r>
+              <a:rPr lang="en-US" dirty="0"/>
+              <a:t> on your machine and feed it with the </a:t>
+            </a:r>
+            <a:r>
+              <a:rPr lang="en-US" dirty="0" err="1"/>
+              <a:t>conveted</a:t>
+            </a:r>
+            <a:r>
+              <a:rPr lang="en-US" dirty="0"/>
+              <a:t> file.</a:t>
+            </a:r>
+            <a:endParaRPr lang="en-IL" dirty="0"/>
+          </a:p>
+        </p:txBody>
+      </p:sp>
+    </p:spTree>
+    <p:extLst>
+      <p:ext uri="{BB962C8B-B14F-4D97-AF65-F5344CB8AC3E}">
+        <p14:creationId xmlns:p14="http://schemas.microsoft.com/office/powerpoint/2010/main" val="203887387"/>
+      </p:ext>
+    </p:extLst>
+  </p:cSld>
+  <p:clrMapOvr>
+    <a:masterClrMapping/>
+  </p:clrMapOvr>
+</p:sld>
+</file>
+
+<file path=ppt/slides/slide34.xml><?xml version="1.0" encoding="utf-8"?>
+<p:sld xmlns:a="http://schemas.openxmlformats.org/drawingml/2006/main" xmlns:r="http://schemas.openxmlformats.org/officeDocument/2006/relationships" xmlns:p="http://schemas.openxmlformats.org/presentationml/2006/main">
+  <p:cSld>
+    <p:spTree>
+      <p:nvGrpSpPr>
+        <p:cNvPr id="1" name=""/>
+        <p:cNvGrpSpPr/>
+        <p:nvPr/>
+      </p:nvGrpSpPr>
+      <p:grpSpPr>
+        <a:xfrm>
+          <a:off x="0" y="0"/>
+          <a:ext cx="0" cy="0"/>
+          <a:chOff x="0" y="0"/>
+          <a:chExt cx="0" cy="0"/>
+        </a:xfrm>
+      </p:grpSpPr>
+      <p:pic>
+        <p:nvPicPr>
+          <p:cNvPr id="3074" name="Picture 2" descr="kcachegrind">
+            <a:extLst>
+              <a:ext uri="{FF2B5EF4-FFF2-40B4-BE49-F238E27FC236}">
+                <a16:creationId xmlns:a16="http://schemas.microsoft.com/office/drawing/2014/main" id="{FCB09AB1-3637-41E5-A966-C8AF9CB2C8E7}"/>
+              </a:ext>
+            </a:extLst>
+          </p:cNvPr>
+          <p:cNvPicPr>
+            <a:picLocks noGrp="1" noChangeAspect="1" noChangeArrowheads="1"/>
+          </p:cNvPicPr>
+          <p:nvPr>
+            <p:ph idx="1"/>
+          </p:nvPr>
+        </p:nvPicPr>
+        <p:blipFill>
+          <a:blip r:embed="rId2">
+            <a:extLst>
+              <a:ext uri="{28A0092B-C50C-407E-A947-70E740481C1C}">
+                <a14:useLocalDpi xmlns:a14="http://schemas.microsoft.com/office/drawing/2010/main" val="0"/>
+              </a:ext>
+            </a:extLst>
+          </a:blip>
+          <a:srcRect/>
+          <a:stretch>
+            <a:fillRect/>
+          </a:stretch>
+        </p:blipFill>
+        <p:spPr bwMode="auto">
+          <a:xfrm>
+            <a:off x="1286933" y="112442"/>
+            <a:ext cx="8341752" cy="6745558"/>
+          </a:xfrm>
+          <a:prstGeom prst="rect">
+            <a:avLst/>
+          </a:prstGeom>
+          <a:noFill/>
+          <a:extLst>
+            <a:ext uri="{909E8E84-426E-40DD-AFC4-6F175D3DCCD1}">
+              <a14:hiddenFill xmlns:a14="http://schemas.microsoft.com/office/drawing/2010/main">
+                <a:solidFill>
+                  <a:srgbClr val="FFFFFF"/>
+                </a:solidFill>
+              </a14:hiddenFill>
+            </a:ext>
+          </a:extLst>
+        </p:spPr>
+      </p:pic>
+      <p:sp>
+        <p:nvSpPr>
+          <p:cNvPr id="4" name="TextBox 3">
+            <a:extLst>
+              <a:ext uri="{FF2B5EF4-FFF2-40B4-BE49-F238E27FC236}">
+                <a16:creationId xmlns:a16="http://schemas.microsoft.com/office/drawing/2014/main" id="{1C2452A3-A110-4CD8-BF15-1EF9E4B05CDA}"/>
+              </a:ext>
+            </a:extLst>
+          </p:cNvPr>
+          <p:cNvSpPr txBox="1"/>
+          <p:nvPr/>
+        </p:nvSpPr>
+        <p:spPr>
+          <a:xfrm rot="5400000">
+            <a:off x="7391648" y="2753582"/>
+            <a:ext cx="5559279" cy="276999"/>
+          </a:xfrm>
+          <a:prstGeom prst="rect">
+            <a:avLst/>
+          </a:prstGeom>
+          <a:noFill/>
+        </p:spPr>
+        <p:txBody>
+          <a:bodyPr wrap="none" rtlCol="0">
+            <a:spAutoFit/>
+          </a:bodyPr>
+          <a:lstStyle/>
+          <a:p>
+            <a:r>
+              <a:rPr lang="en-US" sz="1200" dirty="0">
+                <a:hlinkClick r:id="rId3"/>
+              </a:rPr>
+              <a:t>https://julien.danjou.info/guide-to-python-profiling-cprofile-concrete-case-carbonara/</a:t>
+            </a:r>
+            <a:endParaRPr lang="en-IL" sz="1200" dirty="0"/>
+          </a:p>
+        </p:txBody>
+      </p:sp>
+    </p:spTree>
+    <p:extLst>
+      <p:ext uri="{BB962C8B-B14F-4D97-AF65-F5344CB8AC3E}">
+        <p14:creationId xmlns:p14="http://schemas.microsoft.com/office/powerpoint/2010/main" val="3722522991"/>
+      </p:ext>
+    </p:extLst>
+  </p:cSld>
+  <p:clrMapOvr>
+    <a:masterClrMapping/>
+  </p:clrMapOvr>
+</p:sld>
+</file>
+
+<file path=ppt/slides/slide35.xml><?xml version="1.0" encoding="utf-8"?>
+<p:sld xmlns:a="http://schemas.openxmlformats.org/drawingml/2006/main" xmlns:r="http://schemas.openxmlformats.org/officeDocument/2006/relationships" xmlns:p="http://schemas.openxmlformats.org/presentationml/2006/main">
+  <p:cSld>
+    <p:spTree>
+      <p:nvGrpSpPr>
+        <p:cNvPr id="1" name=""/>
+        <p:cNvGrpSpPr/>
+        <p:nvPr/>
+      </p:nvGrpSpPr>
+      <p:grpSpPr>
+        <a:xfrm>
+          <a:off x="0" y="0"/>
+          <a:ext cx="0" cy="0"/>
+          <a:chOff x="0" y="0"/>
+          <a:chExt cx="0" cy="0"/>
+        </a:xfrm>
+      </p:grpSpPr>
+      <p:sp>
+        <p:nvSpPr>
+          <p:cNvPr id="2" name="Title 1">
+            <a:extLst>
+              <a:ext uri="{FF2B5EF4-FFF2-40B4-BE49-F238E27FC236}">
+                <a16:creationId xmlns:a16="http://schemas.microsoft.com/office/drawing/2014/main" id="{CC91AB5D-3F12-48ED-9A23-3D94B6D4D43E}"/>
+              </a:ext>
+            </a:extLst>
+          </p:cNvPr>
+          <p:cNvSpPr>
+            <a:spLocks noGrp="1"/>
+          </p:cNvSpPr>
+          <p:nvPr>
+            <p:ph type="title"/>
+          </p:nvPr>
+        </p:nvSpPr>
+        <p:spPr/>
+        <p:txBody>
+          <a:bodyPr/>
+          <a:lstStyle/>
+          <a:p>
+            <a:r>
+              <a:rPr lang="en-US" dirty="0"/>
+              <a:t>Recommended reading</a:t>
+            </a:r>
+            <a:endParaRPr lang="en-IL" dirty="0"/>
+          </a:p>
+        </p:txBody>
+      </p:sp>
+      <p:sp>
+        <p:nvSpPr>
+          <p:cNvPr id="3" name="Content Placeholder 2">
+            <a:extLst>
+              <a:ext uri="{FF2B5EF4-FFF2-40B4-BE49-F238E27FC236}">
+                <a16:creationId xmlns:a16="http://schemas.microsoft.com/office/drawing/2014/main" id="{9406B0B6-DE38-4F7F-9B34-9067B1C3F135}"/>
+              </a:ext>
+            </a:extLst>
+          </p:cNvPr>
+          <p:cNvSpPr>
+            <a:spLocks noGrp="1"/>
+          </p:cNvSpPr>
+          <p:nvPr>
+            <p:ph idx="1"/>
+          </p:nvPr>
+        </p:nvSpPr>
+        <p:spPr/>
+        <p:txBody>
+          <a:bodyPr/>
+          <a:lstStyle/>
+          <a:p>
+            <a:r>
+              <a:rPr lang="en-US" dirty="0"/>
+              <a:t>The Hitchhiker’s Guide to Python </a:t>
+            </a:r>
+            <a:r>
+              <a:rPr lang="en-US" dirty="0">
+                <a:hlinkClick r:id="rId2"/>
+              </a:rPr>
+              <a:t>https://docs.python-guide.org/</a:t>
+            </a:r>
+            <a:endParaRPr lang="en-US" dirty="0"/>
+          </a:p>
+          <a:p>
+            <a:r>
+              <a:rPr lang="en-US" dirty="0"/>
+              <a:t>Learning Python </a:t>
+            </a:r>
+            <a:r>
+              <a:rPr lang="en-US" dirty="0">
+                <a:hlinkClick r:id="rId3"/>
+              </a:rPr>
+              <a:t>https://www.oreilly.com/library/view/learning-python/1565924649/</a:t>
+            </a:r>
+            <a:endParaRPr lang="en-US" dirty="0"/>
+          </a:p>
+          <a:p>
+            <a:r>
+              <a:rPr lang="en-US" dirty="0">
+                <a:hlinkClick r:id="rId4"/>
+              </a:rPr>
+              <a:t> https://docs.quantifiedcode.com/python-anti-patterns/</a:t>
+            </a:r>
+          </a:p>
+          <a:p>
+            <a:pPr marL="0" indent="0">
+              <a:buNone/>
+            </a:pPr>
+            <a:r>
+              <a:rPr lang="en-US" dirty="0">
+                <a:hlinkClick r:id="rId4"/>
+              </a:rPr>
+              <a:t>index.html</a:t>
+            </a:r>
+            <a:r>
+              <a:rPr lang="en-US" dirty="0"/>
+              <a:t> </a:t>
+            </a:r>
+          </a:p>
+          <a:p>
+            <a:r>
+              <a:rPr lang="en-US" dirty="0"/>
+              <a:t>THE formal documentation: </a:t>
+            </a:r>
+            <a:r>
+              <a:rPr lang="en-US" dirty="0">
+                <a:hlinkClick r:id="rId5"/>
+              </a:rPr>
+              <a:t>https://docs.python.org/3/</a:t>
+            </a:r>
+            <a:endParaRPr lang="en-US" dirty="0"/>
+          </a:p>
+          <a:p>
+            <a:r>
+              <a:rPr lang="en-US" dirty="0"/>
+              <a:t>How the interpreter works: </a:t>
+            </a:r>
+            <a:r>
+              <a:rPr lang="en-US" dirty="0">
+                <a:hlinkClick r:id="rId6"/>
+              </a:rPr>
+              <a:t>https://www.aosabook.org/en/500L/a-python-interpreter-written-in-python.html</a:t>
+            </a:r>
+            <a:endParaRPr lang="en-US" dirty="0"/>
+          </a:p>
+          <a:p>
+            <a:r>
+              <a:rPr lang="en-US" dirty="0"/>
+              <a:t>Fluent Python</a:t>
+            </a:r>
+          </a:p>
+          <a:p>
+            <a:pPr marL="0" indent="0">
+              <a:buNone/>
+            </a:pPr>
+            <a:endParaRPr lang="en-US" dirty="0"/>
+          </a:p>
+          <a:p>
+            <a:endParaRPr lang="en-IL" dirty="0"/>
+          </a:p>
+        </p:txBody>
+      </p:sp>
+      <p:pic>
+        <p:nvPicPr>
+          <p:cNvPr id="4" name="Picture 4" descr="https://docs.quantifiedcode.com/python-anti-patterns/_images/snake_warning.png">
+            <a:extLst>
+              <a:ext uri="{FF2B5EF4-FFF2-40B4-BE49-F238E27FC236}">
+                <a16:creationId xmlns:a16="http://schemas.microsoft.com/office/drawing/2014/main" id="{E31EE919-4D19-4D8C-9CCA-9EAFB654AB08}"/>
+              </a:ext>
+            </a:extLst>
+          </p:cNvPr>
+          <p:cNvPicPr>
+            <a:picLocks noChangeAspect="1" noChangeArrowheads="1"/>
+          </p:cNvPicPr>
+          <p:nvPr/>
+        </p:nvPicPr>
+        <p:blipFill>
+          <a:blip r:embed="rId7">
+            <a:extLst>
+              <a:ext uri="{28A0092B-C50C-407E-A947-70E740481C1C}">
+                <a14:useLocalDpi xmlns:a14="http://schemas.microsoft.com/office/drawing/2010/main" val="0"/>
+              </a:ext>
+            </a:extLst>
+          </a:blip>
+          <a:srcRect/>
+          <a:stretch>
+            <a:fillRect/>
+          </a:stretch>
+        </p:blipFill>
+        <p:spPr bwMode="auto">
+          <a:xfrm>
+            <a:off x="9651999" y="3429000"/>
+            <a:ext cx="880534" cy="637843"/>
+          </a:xfrm>
+          <a:prstGeom prst="rect">
+            <a:avLst/>
+          </a:prstGeom>
+          <a:noFill/>
+          <a:extLst>
+            <a:ext uri="{909E8E84-426E-40DD-AFC4-6F175D3DCCD1}">
+              <a14:hiddenFill xmlns:a14="http://schemas.microsoft.com/office/drawing/2010/main">
+                <a:solidFill>
+                  <a:srgbClr val="FFFFFF"/>
+                </a:solidFill>
+              </a14:hiddenFill>
+            </a:ext>
+          </a:extLst>
+        </p:spPr>
+      </p:pic>
+    </p:spTree>
+    <p:extLst>
+      <p:ext uri="{BB962C8B-B14F-4D97-AF65-F5344CB8AC3E}">
+        <p14:creationId xmlns:p14="http://schemas.microsoft.com/office/powerpoint/2010/main" val="1979802472"/>
+      </p:ext>
+    </p:extLst>
+  </p:cSld>
+  <p:clrMapOvr>
+    <a:masterClrMapping/>
+  </p:clrMapOvr>
+</p:sld>
+</file>
+
+<file path=ppt/slides/slide4.xml><?xml version="1.0" encoding="utf-8"?>
 <p:sld xmlns:a="http://schemas.openxmlformats.org/drawingml/2006/main" xmlns:r="http://schemas.openxmlformats.org/officeDocument/2006/relationships" xmlns:p="http://schemas.openxmlformats.org/presentationml/2006/main">
   <p:cSld>
     <p:bg>
@@ -12091,595 +14434,6 @@
 </p:sld>
 </file>
 
-<file path=ppt/slides/slide30.xml><?xml version="1.0" encoding="utf-8"?>
-<p:sld xmlns:a="http://schemas.openxmlformats.org/drawingml/2006/main" xmlns:r="http://schemas.openxmlformats.org/officeDocument/2006/relationships" xmlns:p="http://schemas.openxmlformats.org/presentationml/2006/main">
-  <p:cSld>
-    <p:spTree>
-      <p:nvGrpSpPr>
-        <p:cNvPr id="1" name=""/>
-        <p:cNvGrpSpPr/>
-        <p:nvPr/>
-      </p:nvGrpSpPr>
-      <p:grpSpPr>
-        <a:xfrm>
-          <a:off x="0" y="0"/>
-          <a:ext cx="0" cy="0"/>
-          <a:chOff x="0" y="0"/>
-          <a:chExt cx="0" cy="0"/>
-        </a:xfrm>
-      </p:grpSpPr>
-      <p:sp>
-        <p:nvSpPr>
-          <p:cNvPr id="2" name="Title 1">
-            <a:extLst>
-              <a:ext uri="{FF2B5EF4-FFF2-40B4-BE49-F238E27FC236}">
-                <a16:creationId xmlns:a16="http://schemas.microsoft.com/office/drawing/2014/main" id="{F5231BBA-2444-4DBB-89C1-C1045A4DBD0F}"/>
-              </a:ext>
-            </a:extLst>
-          </p:cNvPr>
-          <p:cNvSpPr>
-            <a:spLocks noGrp="1"/>
-          </p:cNvSpPr>
-          <p:nvPr>
-            <p:ph type="title"/>
-          </p:nvPr>
-        </p:nvSpPr>
-        <p:spPr/>
-        <p:txBody>
-          <a:bodyPr/>
-          <a:lstStyle/>
-          <a:p>
-            <a:r>
-              <a:rPr lang="en-US" dirty="0"/>
-              <a:t>Profiling output that’s looks nice</a:t>
-            </a:r>
-            <a:endParaRPr lang="en-IL" dirty="0"/>
-          </a:p>
-        </p:txBody>
-      </p:sp>
-      <p:sp>
-        <p:nvSpPr>
-          <p:cNvPr id="3" name="Content Placeholder 2">
-            <a:extLst>
-              <a:ext uri="{FF2B5EF4-FFF2-40B4-BE49-F238E27FC236}">
-                <a16:creationId xmlns:a16="http://schemas.microsoft.com/office/drawing/2014/main" id="{223DCFA3-2828-4E8F-BEDD-B06A6A98E5F4}"/>
-              </a:ext>
-            </a:extLst>
-          </p:cNvPr>
-          <p:cNvSpPr>
-            <a:spLocks noGrp="1"/>
-          </p:cNvSpPr>
-          <p:nvPr>
-            <p:ph idx="1"/>
-          </p:nvPr>
-        </p:nvSpPr>
-        <p:spPr/>
-        <p:txBody>
-          <a:bodyPr/>
-          <a:lstStyle/>
-          <a:p>
-            <a:pPr marL="0" indent="0">
-              <a:buNone/>
-            </a:pPr>
-            <a:r>
-              <a:rPr lang="en-US" sz="2000" dirty="0"/>
-              <a:t>See for example </a:t>
-            </a:r>
-            <a:r>
-              <a:rPr lang="en-US" sz="2000" dirty="0">
-                <a:hlinkClick r:id="rId3"/>
-              </a:rPr>
-              <a:t>https://julien.danjou.info/guide-to-python-profiling-cprofile-concrete-case-carbonara/</a:t>
-            </a:r>
-            <a:endParaRPr lang="en-US" sz="2000" dirty="0"/>
-          </a:p>
-          <a:p>
-            <a:pPr marL="0" indent="0">
-              <a:buNone/>
-            </a:pPr>
-            <a:r>
-              <a:rPr lang="en-US" sz="2000" dirty="0">
-                <a:latin typeface="Courier New" panose="02070309020205020404" pitchFamily="49" charset="0"/>
-                <a:cs typeface="Courier New" panose="02070309020205020404" pitchFamily="49" charset="0"/>
-              </a:rPr>
-              <a:t>$ python -m </a:t>
-            </a:r>
-            <a:r>
-              <a:rPr lang="en-US" sz="2000" dirty="0" err="1">
-                <a:latin typeface="Courier New" panose="02070309020205020404" pitchFamily="49" charset="0"/>
-                <a:cs typeface="Courier New" panose="02070309020205020404" pitchFamily="49" charset="0"/>
-              </a:rPr>
-              <a:t>cProfile</a:t>
-            </a:r>
-            <a:r>
-              <a:rPr lang="en-US" sz="2000" dirty="0">
-                <a:latin typeface="Courier New" panose="02070309020205020404" pitchFamily="49" charset="0"/>
-                <a:cs typeface="Courier New" panose="02070309020205020404" pitchFamily="49" charset="0"/>
-              </a:rPr>
-              <a:t> -o </a:t>
-            </a:r>
-            <a:r>
-              <a:rPr lang="en-US" sz="2000" dirty="0" err="1">
-                <a:latin typeface="Courier New" panose="02070309020205020404" pitchFamily="49" charset="0"/>
-                <a:cs typeface="Courier New" panose="02070309020205020404" pitchFamily="49" charset="0"/>
-              </a:rPr>
-              <a:t>myscript.cprof</a:t>
-            </a:r>
-            <a:r>
-              <a:rPr lang="en-US" sz="2000" dirty="0">
-                <a:latin typeface="Courier New" panose="02070309020205020404" pitchFamily="49" charset="0"/>
-                <a:cs typeface="Courier New" panose="02070309020205020404" pitchFamily="49" charset="0"/>
-              </a:rPr>
-              <a:t> myscript.py</a:t>
-            </a:r>
-          </a:p>
-          <a:p>
-            <a:pPr marL="0" indent="0">
-              <a:buNone/>
-            </a:pPr>
-            <a:r>
-              <a:rPr lang="en-US" sz="2000" dirty="0">
-                <a:latin typeface="Courier New" panose="02070309020205020404" pitchFamily="49" charset="0"/>
-                <a:cs typeface="Courier New" panose="02070309020205020404" pitchFamily="49" charset="0"/>
-              </a:rPr>
-              <a:t>$ pyprof2calltree -</a:t>
-            </a:r>
-            <a:r>
-              <a:rPr lang="en-US" sz="2000" dirty="0" err="1">
-                <a:latin typeface="Courier New" panose="02070309020205020404" pitchFamily="49" charset="0"/>
-                <a:cs typeface="Courier New" panose="02070309020205020404" pitchFamily="49" charset="0"/>
-              </a:rPr>
-              <a:t>i</a:t>
-            </a:r>
-            <a:r>
-              <a:rPr lang="en-US" sz="2000" dirty="0">
-                <a:latin typeface="Courier New" panose="02070309020205020404" pitchFamily="49" charset="0"/>
-                <a:cs typeface="Courier New" panose="02070309020205020404" pitchFamily="49" charset="0"/>
-              </a:rPr>
-              <a:t> </a:t>
-            </a:r>
-            <a:r>
-              <a:rPr lang="en-US" sz="2000" dirty="0" err="1">
-                <a:latin typeface="Courier New" panose="02070309020205020404" pitchFamily="49" charset="0"/>
-                <a:cs typeface="Courier New" panose="02070309020205020404" pitchFamily="49" charset="0"/>
-              </a:rPr>
-              <a:t>myscript.cprof</a:t>
-            </a:r>
-            <a:endParaRPr lang="en-US" sz="2000" dirty="0">
-              <a:latin typeface="Courier New" panose="02070309020205020404" pitchFamily="49" charset="0"/>
-              <a:cs typeface="Courier New" panose="02070309020205020404" pitchFamily="49" charset="0"/>
-            </a:endParaRPr>
-          </a:p>
-          <a:p>
-            <a:pPr marL="0" indent="0">
-              <a:buNone/>
-            </a:pPr>
-            <a:r>
-              <a:rPr lang="en-US" dirty="0"/>
-              <a:t>Then open </a:t>
-            </a:r>
-            <a:r>
-              <a:rPr lang="en-US" dirty="0" err="1"/>
-              <a:t>kcachegrind</a:t>
-            </a:r>
-            <a:r>
-              <a:rPr lang="en-US" dirty="0"/>
-              <a:t> on your machine and feed it with the </a:t>
-            </a:r>
-            <a:r>
-              <a:rPr lang="en-US" dirty="0" err="1"/>
-              <a:t>conveted</a:t>
-            </a:r>
-            <a:r>
-              <a:rPr lang="en-US" dirty="0"/>
-              <a:t> file.</a:t>
-            </a:r>
-            <a:endParaRPr lang="en-IL" dirty="0"/>
-          </a:p>
-        </p:txBody>
-      </p:sp>
-    </p:spTree>
-    <p:extLst>
-      <p:ext uri="{BB962C8B-B14F-4D97-AF65-F5344CB8AC3E}">
-        <p14:creationId xmlns:p14="http://schemas.microsoft.com/office/powerpoint/2010/main" val="203887387"/>
-      </p:ext>
-    </p:extLst>
-  </p:cSld>
-  <p:clrMapOvr>
-    <a:masterClrMapping/>
-  </p:clrMapOvr>
-</p:sld>
-</file>
-
-<file path=ppt/slides/slide31.xml><?xml version="1.0" encoding="utf-8"?>
-<p:sld xmlns:a="http://schemas.openxmlformats.org/drawingml/2006/main" xmlns:r="http://schemas.openxmlformats.org/officeDocument/2006/relationships" xmlns:p="http://schemas.openxmlformats.org/presentationml/2006/main">
-  <p:cSld>
-    <p:spTree>
-      <p:nvGrpSpPr>
-        <p:cNvPr id="1" name=""/>
-        <p:cNvGrpSpPr/>
-        <p:nvPr/>
-      </p:nvGrpSpPr>
-      <p:grpSpPr>
-        <a:xfrm>
-          <a:off x="0" y="0"/>
-          <a:ext cx="0" cy="0"/>
-          <a:chOff x="0" y="0"/>
-          <a:chExt cx="0" cy="0"/>
-        </a:xfrm>
-      </p:grpSpPr>
-      <p:pic>
-        <p:nvPicPr>
-          <p:cNvPr id="3074" name="Picture 2" descr="kcachegrind">
-            <a:extLst>
-              <a:ext uri="{FF2B5EF4-FFF2-40B4-BE49-F238E27FC236}">
-                <a16:creationId xmlns:a16="http://schemas.microsoft.com/office/drawing/2014/main" id="{FCB09AB1-3637-41E5-A966-C8AF9CB2C8E7}"/>
-              </a:ext>
-            </a:extLst>
-          </p:cNvPr>
-          <p:cNvPicPr>
-            <a:picLocks noGrp="1" noChangeAspect="1" noChangeArrowheads="1"/>
-          </p:cNvPicPr>
-          <p:nvPr>
-            <p:ph idx="1"/>
-          </p:nvPr>
-        </p:nvPicPr>
-        <p:blipFill>
-          <a:blip r:embed="rId2">
-            <a:extLst>
-              <a:ext uri="{28A0092B-C50C-407E-A947-70E740481C1C}">
-                <a14:useLocalDpi xmlns:a14="http://schemas.microsoft.com/office/drawing/2010/main" val="0"/>
-              </a:ext>
-            </a:extLst>
-          </a:blip>
-          <a:srcRect/>
-          <a:stretch>
-            <a:fillRect/>
-          </a:stretch>
-        </p:blipFill>
-        <p:spPr bwMode="auto">
-          <a:xfrm>
-            <a:off x="1286933" y="112442"/>
-            <a:ext cx="8341752" cy="6745558"/>
-          </a:xfrm>
-          <a:prstGeom prst="rect">
-            <a:avLst/>
-          </a:prstGeom>
-          <a:noFill/>
-          <a:extLst>
-            <a:ext uri="{909E8E84-426E-40DD-AFC4-6F175D3DCCD1}">
-              <a14:hiddenFill xmlns:a14="http://schemas.microsoft.com/office/drawing/2010/main">
-                <a:solidFill>
-                  <a:srgbClr val="FFFFFF"/>
-                </a:solidFill>
-              </a14:hiddenFill>
-            </a:ext>
-          </a:extLst>
-        </p:spPr>
-      </p:pic>
-      <p:sp>
-        <p:nvSpPr>
-          <p:cNvPr id="4" name="TextBox 3">
-            <a:extLst>
-              <a:ext uri="{FF2B5EF4-FFF2-40B4-BE49-F238E27FC236}">
-                <a16:creationId xmlns:a16="http://schemas.microsoft.com/office/drawing/2014/main" id="{1C2452A3-A110-4CD8-BF15-1EF9E4B05CDA}"/>
-              </a:ext>
-            </a:extLst>
-          </p:cNvPr>
-          <p:cNvSpPr txBox="1"/>
-          <p:nvPr/>
-        </p:nvSpPr>
-        <p:spPr>
-          <a:xfrm rot="5400000">
-            <a:off x="7391648" y="2753582"/>
-            <a:ext cx="5559279" cy="276999"/>
-          </a:xfrm>
-          <a:prstGeom prst="rect">
-            <a:avLst/>
-          </a:prstGeom>
-          <a:noFill/>
-        </p:spPr>
-        <p:txBody>
-          <a:bodyPr wrap="none" rtlCol="0">
-            <a:spAutoFit/>
-          </a:bodyPr>
-          <a:lstStyle/>
-          <a:p>
-            <a:r>
-              <a:rPr lang="en-US" sz="1200" dirty="0">
-                <a:hlinkClick r:id="rId3"/>
-              </a:rPr>
-              <a:t>https://julien.danjou.info/guide-to-python-profiling-cprofile-concrete-case-carbonara/</a:t>
-            </a:r>
-            <a:endParaRPr lang="en-IL" sz="1200" dirty="0"/>
-          </a:p>
-        </p:txBody>
-      </p:sp>
-    </p:spTree>
-    <p:extLst>
-      <p:ext uri="{BB962C8B-B14F-4D97-AF65-F5344CB8AC3E}">
-        <p14:creationId xmlns:p14="http://schemas.microsoft.com/office/powerpoint/2010/main" val="3722522991"/>
-      </p:ext>
-    </p:extLst>
-  </p:cSld>
-  <p:clrMapOvr>
-    <a:masterClrMapping/>
-  </p:clrMapOvr>
-</p:sld>
-</file>
-
-<file path=ppt/slides/slide32.xml><?xml version="1.0" encoding="utf-8"?>
-<p:sld xmlns:a="http://schemas.openxmlformats.org/drawingml/2006/main" xmlns:r="http://schemas.openxmlformats.org/officeDocument/2006/relationships" xmlns:p="http://schemas.openxmlformats.org/presentationml/2006/main">
-  <p:cSld>
-    <p:spTree>
-      <p:nvGrpSpPr>
-        <p:cNvPr id="1" name=""/>
-        <p:cNvGrpSpPr/>
-        <p:nvPr/>
-      </p:nvGrpSpPr>
-      <p:grpSpPr>
-        <a:xfrm>
-          <a:off x="0" y="0"/>
-          <a:ext cx="0" cy="0"/>
-          <a:chOff x="0" y="0"/>
-          <a:chExt cx="0" cy="0"/>
-        </a:xfrm>
-      </p:grpSpPr>
-      <p:sp>
-        <p:nvSpPr>
-          <p:cNvPr id="2" name="Title 1">
-            <a:extLst>
-              <a:ext uri="{FF2B5EF4-FFF2-40B4-BE49-F238E27FC236}">
-                <a16:creationId xmlns:a16="http://schemas.microsoft.com/office/drawing/2014/main" id="{CC91AB5D-3F12-48ED-9A23-3D94B6D4D43E}"/>
-              </a:ext>
-            </a:extLst>
-          </p:cNvPr>
-          <p:cNvSpPr>
-            <a:spLocks noGrp="1"/>
-          </p:cNvSpPr>
-          <p:nvPr>
-            <p:ph type="title"/>
-          </p:nvPr>
-        </p:nvSpPr>
-        <p:spPr/>
-        <p:txBody>
-          <a:bodyPr/>
-          <a:lstStyle/>
-          <a:p>
-            <a:r>
-              <a:rPr lang="en-US" dirty="0"/>
-              <a:t>Recommended reading</a:t>
-            </a:r>
-            <a:endParaRPr lang="en-IL" dirty="0"/>
-          </a:p>
-        </p:txBody>
-      </p:sp>
-      <p:sp>
-        <p:nvSpPr>
-          <p:cNvPr id="3" name="Content Placeholder 2">
-            <a:extLst>
-              <a:ext uri="{FF2B5EF4-FFF2-40B4-BE49-F238E27FC236}">
-                <a16:creationId xmlns:a16="http://schemas.microsoft.com/office/drawing/2014/main" id="{9406B0B6-DE38-4F7F-9B34-9067B1C3F135}"/>
-              </a:ext>
-            </a:extLst>
-          </p:cNvPr>
-          <p:cNvSpPr>
-            <a:spLocks noGrp="1"/>
-          </p:cNvSpPr>
-          <p:nvPr>
-            <p:ph idx="1"/>
-          </p:nvPr>
-        </p:nvSpPr>
-        <p:spPr/>
-        <p:txBody>
-          <a:bodyPr/>
-          <a:lstStyle/>
-          <a:p>
-            <a:r>
-              <a:rPr lang="en-US" dirty="0"/>
-              <a:t>The Hitchhiker’s Guide to Python </a:t>
-            </a:r>
-            <a:r>
-              <a:rPr lang="en-US" dirty="0">
-                <a:hlinkClick r:id="rId2"/>
-              </a:rPr>
-              <a:t>https://docs.python-guide.org/</a:t>
-            </a:r>
-            <a:endParaRPr lang="en-US" dirty="0"/>
-          </a:p>
-          <a:p>
-            <a:r>
-              <a:rPr lang="en-US" dirty="0"/>
-              <a:t>Learning Python </a:t>
-            </a:r>
-            <a:r>
-              <a:rPr lang="en-US" dirty="0">
-                <a:hlinkClick r:id="rId3"/>
-              </a:rPr>
-              <a:t>https://www.oreilly.com/library/view/learning-python/1565924649/</a:t>
-            </a:r>
-            <a:endParaRPr lang="en-US" dirty="0"/>
-          </a:p>
-          <a:p>
-            <a:r>
-              <a:rPr lang="en-US" dirty="0"/>
-              <a:t>THE formal documentation: </a:t>
-            </a:r>
-            <a:r>
-              <a:rPr lang="en-US" dirty="0">
-                <a:hlinkClick r:id="rId4"/>
-              </a:rPr>
-              <a:t>https://docs.python.org/3/</a:t>
-            </a:r>
-            <a:endParaRPr lang="en-US" dirty="0"/>
-          </a:p>
-          <a:p>
-            <a:r>
-              <a:rPr lang="en-US" dirty="0"/>
-              <a:t>How the interpreter works: </a:t>
-            </a:r>
-            <a:r>
-              <a:rPr lang="en-US" dirty="0">
-                <a:hlinkClick r:id="rId5"/>
-              </a:rPr>
-              <a:t>https://www.aosabook.org/en/500L/a-python-interpreter-written-in-python.html</a:t>
-            </a:r>
-            <a:endParaRPr lang="en-US" dirty="0"/>
-          </a:p>
-          <a:p>
-            <a:endParaRPr lang="en-IL" dirty="0"/>
-          </a:p>
-        </p:txBody>
-      </p:sp>
-    </p:spTree>
-    <p:extLst>
-      <p:ext uri="{BB962C8B-B14F-4D97-AF65-F5344CB8AC3E}">
-        <p14:creationId xmlns:p14="http://schemas.microsoft.com/office/powerpoint/2010/main" val="1979802472"/>
-      </p:ext>
-    </p:extLst>
-  </p:cSld>
-  <p:clrMapOvr>
-    <a:masterClrMapping/>
-  </p:clrMapOvr>
-</p:sld>
-</file>
-
-<file path=ppt/slides/slide4.xml><?xml version="1.0" encoding="utf-8"?>
-<p:sld xmlns:a="http://schemas.openxmlformats.org/drawingml/2006/main" xmlns:r="http://schemas.openxmlformats.org/officeDocument/2006/relationships" xmlns:p="http://schemas.openxmlformats.org/presentationml/2006/main">
-  <p:cSld>
-    <p:spTree>
-      <p:nvGrpSpPr>
-        <p:cNvPr id="1" name=""/>
-        <p:cNvGrpSpPr/>
-        <p:nvPr/>
-      </p:nvGrpSpPr>
-      <p:grpSpPr>
-        <a:xfrm>
-          <a:off x="0" y="0"/>
-          <a:ext cx="0" cy="0"/>
-          <a:chOff x="0" y="0"/>
-          <a:chExt cx="0" cy="0"/>
-        </a:xfrm>
-      </p:grpSpPr>
-      <p:sp>
-        <p:nvSpPr>
-          <p:cNvPr id="2" name="Title 1">
-            <a:extLst>
-              <a:ext uri="{FF2B5EF4-FFF2-40B4-BE49-F238E27FC236}">
-                <a16:creationId xmlns:a16="http://schemas.microsoft.com/office/drawing/2014/main" id="{CA7F15E5-ADF8-495C-8854-E59011260940}"/>
-              </a:ext>
-            </a:extLst>
-          </p:cNvPr>
-          <p:cNvSpPr>
-            <a:spLocks noGrp="1"/>
-          </p:cNvSpPr>
-          <p:nvPr>
-            <p:ph type="title"/>
-          </p:nvPr>
-        </p:nvSpPr>
-        <p:spPr/>
-        <p:txBody>
-          <a:bodyPr/>
-          <a:lstStyle/>
-          <a:p>
-            <a:r>
-              <a:rPr lang="en-US" dirty="0"/>
-              <a:t>Unit testing – why, how much</a:t>
-            </a:r>
-            <a:endParaRPr lang="en-IL" dirty="0"/>
-          </a:p>
-        </p:txBody>
-      </p:sp>
-      <p:sp>
-        <p:nvSpPr>
-          <p:cNvPr id="3" name="Content Placeholder 2">
-            <a:extLst>
-              <a:ext uri="{FF2B5EF4-FFF2-40B4-BE49-F238E27FC236}">
-                <a16:creationId xmlns:a16="http://schemas.microsoft.com/office/drawing/2014/main" id="{B55B5403-DD93-4705-8345-16E1D597F5BA}"/>
-              </a:ext>
-            </a:extLst>
-          </p:cNvPr>
-          <p:cNvSpPr>
-            <a:spLocks noGrp="1"/>
-          </p:cNvSpPr>
-          <p:nvPr>
-            <p:ph idx="1"/>
-          </p:nvPr>
-        </p:nvSpPr>
-        <p:spPr/>
-        <p:txBody>
-          <a:bodyPr>
-            <a:normAutofit lnSpcReduction="10000"/>
-          </a:bodyPr>
-          <a:lstStyle/>
-          <a:p>
-            <a:r>
-              <a:rPr lang="en-US" dirty="0"/>
-              <a:t>Without (unit) testing, only HALF of the code is run. This means that the other half (with error handling etc.) will be first  executed in the field.</a:t>
-            </a:r>
-          </a:p>
-          <a:p>
-            <a:r>
-              <a:rPr lang="en-US" dirty="0"/>
-              <a:t>Peace of mind – check for regression after changes (i.e. did you break existing code with the new change). Identify the important parts and test only them.</a:t>
-            </a:r>
-          </a:p>
-          <a:p>
-            <a:r>
-              <a:rPr lang="en-US" dirty="0"/>
-              <a:t>“unit” – small piece of code doing one functionality.</a:t>
-            </a:r>
-          </a:p>
-          <a:p>
-            <a:r>
-              <a:rPr lang="en-US" dirty="0"/>
-              <a:t>Can get complicated if the tested object has dependencies on other objects.</a:t>
-            </a:r>
-          </a:p>
-          <a:p>
-            <a:r>
-              <a:rPr lang="en-US" dirty="0">
-                <a:solidFill>
-                  <a:schemeClr val="accent6"/>
-                </a:solidFill>
-              </a:rPr>
-              <a:t>(demo </a:t>
-            </a:r>
-            <a:r>
-              <a:rPr lang="en-US" dirty="0" err="1">
-                <a:solidFill>
-                  <a:schemeClr val="accent6"/>
-                </a:solidFill>
-              </a:rPr>
-              <a:t>pycharm</a:t>
-            </a:r>
-            <a:r>
-              <a:rPr lang="en-US" dirty="0">
-                <a:solidFill>
-                  <a:schemeClr val="accent6"/>
-                </a:solidFill>
-              </a:rPr>
-              <a:t> project)</a:t>
-            </a:r>
-          </a:p>
-          <a:p>
-            <a:endParaRPr lang="en-IL" dirty="0"/>
-          </a:p>
-        </p:txBody>
-      </p:sp>
-    </p:spTree>
-    <p:extLst>
-      <p:ext uri="{BB962C8B-B14F-4D97-AF65-F5344CB8AC3E}">
-        <p14:creationId xmlns:p14="http://schemas.microsoft.com/office/powerpoint/2010/main" val="3257095957"/>
-      </p:ext>
-    </p:extLst>
-  </p:cSld>
-  <p:clrMapOvr>
-    <a:masterClrMapping/>
-  </p:clrMapOvr>
-</p:sld>
-</file>
-
 <file path=ppt/slides/slide5.xml><?xml version="1.0" encoding="utf-8"?>
 <p:sld xmlns:a="http://schemas.openxmlformats.org/drawingml/2006/main" xmlns:r="http://schemas.openxmlformats.org/officeDocument/2006/relationships" xmlns:p="http://schemas.openxmlformats.org/presentationml/2006/main">
   <p:cSld>
@@ -12702,6 +14456,291 @@
           <p:cNvPr id="2" name="Title 1">
             <a:extLst>
               <a:ext uri="{FF2B5EF4-FFF2-40B4-BE49-F238E27FC236}">
+                <a16:creationId xmlns:a16="http://schemas.microsoft.com/office/drawing/2014/main" id="{5E113C1A-EE72-4FBC-91B9-F2A74424B389}"/>
+              </a:ext>
+            </a:extLst>
+          </p:cNvPr>
+          <p:cNvSpPr>
+            <a:spLocks noGrp="1"/>
+          </p:cNvSpPr>
+          <p:nvPr>
+            <p:ph type="title"/>
+          </p:nvPr>
+        </p:nvSpPr>
+        <p:spPr/>
+        <p:txBody>
+          <a:bodyPr/>
+          <a:lstStyle/>
+          <a:p>
+            <a:r>
+              <a:rPr lang="en-US" dirty="0"/>
+              <a:t>Remote Development</a:t>
+            </a:r>
+            <a:endParaRPr lang="en-IL" dirty="0"/>
+          </a:p>
+        </p:txBody>
+      </p:sp>
+      <p:sp>
+        <p:nvSpPr>
+          <p:cNvPr id="3" name="Content Placeholder 2">
+            <a:extLst>
+              <a:ext uri="{FF2B5EF4-FFF2-40B4-BE49-F238E27FC236}">
+                <a16:creationId xmlns:a16="http://schemas.microsoft.com/office/drawing/2014/main" id="{3A89D64A-EF89-44E3-87D5-C9091B1F3D11}"/>
+              </a:ext>
+            </a:extLst>
+          </p:cNvPr>
+          <p:cNvSpPr>
+            <a:spLocks noGrp="1"/>
+          </p:cNvSpPr>
+          <p:nvPr>
+            <p:ph idx="1"/>
+          </p:nvPr>
+        </p:nvSpPr>
+        <p:spPr/>
+        <p:txBody>
+          <a:bodyPr/>
+          <a:lstStyle/>
+          <a:p>
+            <a:r>
+              <a:rPr lang="en-US" dirty="0"/>
+              <a:t>In this workshop you can (but don’t have to) use remote development on a server. This means that the PC/Mac only shows the source code but all the hard CPU work of is done remotely.</a:t>
+            </a:r>
+          </a:p>
+          <a:p>
+            <a:r>
+              <a:rPr lang="en-US" dirty="0"/>
+              <a:t>Setting remote development: </a:t>
+            </a:r>
+            <a:r>
+              <a:rPr lang="en-US" sz="1800" dirty="0"/>
+              <a:t>(one way at least)</a:t>
+            </a:r>
+          </a:p>
+          <a:p>
+            <a:pPr lvl="1"/>
+            <a:r>
+              <a:rPr lang="en-US" dirty="0"/>
+              <a:t>You need to have PyCharm 2019.1 and later </a:t>
+            </a:r>
+            <a:r>
+              <a:rPr lang="en-US" b="1" dirty="0"/>
+              <a:t>Professional </a:t>
+            </a:r>
+            <a:r>
+              <a:rPr lang="en-US" dirty="0"/>
+              <a:t>edition</a:t>
+            </a:r>
+          </a:p>
+          <a:p>
+            <a:pPr lvl="1"/>
+            <a:r>
+              <a:rPr lang="en-US" dirty="0"/>
+              <a:t>Just follow the instructions on their site.</a:t>
+            </a:r>
+          </a:p>
+          <a:p>
+            <a:pPr lvl="2"/>
+            <a:r>
+              <a:rPr lang="en-US" dirty="0"/>
+              <a:t>First, make sure you can connect with SSH to the remote server</a:t>
+            </a:r>
+          </a:p>
+          <a:p>
+            <a:pPr lvl="2"/>
+            <a:endParaRPr lang="en-US" dirty="0"/>
+          </a:p>
+          <a:p>
+            <a:r>
+              <a:rPr lang="en-US" dirty="0"/>
+              <a:t>Connection details: username / password</a:t>
+            </a:r>
+          </a:p>
+        </p:txBody>
+      </p:sp>
+    </p:spTree>
+    <p:extLst>
+      <p:ext uri="{BB962C8B-B14F-4D97-AF65-F5344CB8AC3E}">
+        <p14:creationId xmlns:p14="http://schemas.microsoft.com/office/powerpoint/2010/main" val="313681494"/>
+      </p:ext>
+    </p:extLst>
+  </p:cSld>
+  <p:clrMapOvr>
+    <a:masterClrMapping/>
+  </p:clrMapOvr>
+</p:sld>
+</file>
+
+<file path=ppt/slides/slide6.xml><?xml version="1.0" encoding="utf-8"?>
+<p:sld xmlns:a="http://schemas.openxmlformats.org/drawingml/2006/main" xmlns:r="http://schemas.openxmlformats.org/officeDocument/2006/relationships" xmlns:p="http://schemas.openxmlformats.org/presentationml/2006/main">
+  <p:cSld>
+    <p:spTree>
+      <p:nvGrpSpPr>
+        <p:cNvPr id="1" name=""/>
+        <p:cNvGrpSpPr/>
+        <p:nvPr/>
+      </p:nvGrpSpPr>
+      <p:grpSpPr>
+        <a:xfrm>
+          <a:off x="0" y="0"/>
+          <a:ext cx="0" cy="0"/>
+          <a:chOff x="0" y="0"/>
+          <a:chExt cx="0" cy="0"/>
+        </a:xfrm>
+      </p:grpSpPr>
+      <p:sp>
+        <p:nvSpPr>
+          <p:cNvPr id="2" name="Title 1">
+            <a:extLst>
+              <a:ext uri="{FF2B5EF4-FFF2-40B4-BE49-F238E27FC236}">
+                <a16:creationId xmlns:a16="http://schemas.microsoft.com/office/drawing/2014/main" id="{CA7F15E5-ADF8-495C-8854-E59011260940}"/>
+              </a:ext>
+            </a:extLst>
+          </p:cNvPr>
+          <p:cNvSpPr>
+            <a:spLocks noGrp="1"/>
+          </p:cNvSpPr>
+          <p:nvPr>
+            <p:ph type="title"/>
+          </p:nvPr>
+        </p:nvSpPr>
+        <p:spPr/>
+        <p:txBody>
+          <a:bodyPr/>
+          <a:lstStyle/>
+          <a:p>
+            <a:r>
+              <a:rPr lang="en-US" dirty="0"/>
+              <a:t>Unit testing – why, how much</a:t>
+            </a:r>
+            <a:endParaRPr lang="en-IL" dirty="0"/>
+          </a:p>
+        </p:txBody>
+      </p:sp>
+      <p:sp>
+        <p:nvSpPr>
+          <p:cNvPr id="3" name="Content Placeholder 2">
+            <a:extLst>
+              <a:ext uri="{FF2B5EF4-FFF2-40B4-BE49-F238E27FC236}">
+                <a16:creationId xmlns:a16="http://schemas.microsoft.com/office/drawing/2014/main" id="{B55B5403-DD93-4705-8345-16E1D597F5BA}"/>
+              </a:ext>
+            </a:extLst>
+          </p:cNvPr>
+          <p:cNvSpPr>
+            <a:spLocks noGrp="1"/>
+          </p:cNvSpPr>
+          <p:nvPr>
+            <p:ph idx="1"/>
+          </p:nvPr>
+        </p:nvSpPr>
+        <p:spPr/>
+        <p:txBody>
+          <a:bodyPr>
+            <a:normAutofit lnSpcReduction="10000"/>
+          </a:bodyPr>
+          <a:lstStyle/>
+          <a:p>
+            <a:r>
+              <a:rPr lang="en-US" dirty="0"/>
+              <a:t>Without (unit) testing, only HALF of the code is run. This means that the other half (with error handling etc.) will be first  executed in the field.</a:t>
+            </a:r>
+          </a:p>
+          <a:p>
+            <a:r>
+              <a:rPr lang="en-US" dirty="0"/>
+              <a:t>Peace of mind – check for regression after changes (i.e. did you break existing code with the new change). Identify the important parts and test only them.</a:t>
+            </a:r>
+          </a:p>
+          <a:p>
+            <a:r>
+              <a:rPr lang="en-US" dirty="0"/>
+              <a:t>“unit” – small piece of code doing one functionality.</a:t>
+            </a:r>
+          </a:p>
+          <a:p>
+            <a:r>
+              <a:rPr lang="en-US" dirty="0"/>
+              <a:t>Can get complicated if the tested object has dependencies on other objects.</a:t>
+            </a:r>
+          </a:p>
+          <a:p>
+            <a:r>
+              <a:rPr lang="en-US" dirty="0">
+                <a:solidFill>
+                  <a:schemeClr val="accent6"/>
+                </a:solidFill>
+              </a:rPr>
+              <a:t>(demo </a:t>
+            </a:r>
+            <a:r>
+              <a:rPr lang="en-US" dirty="0" err="1">
+                <a:solidFill>
+                  <a:schemeClr val="accent6"/>
+                </a:solidFill>
+              </a:rPr>
+              <a:t>pycharm</a:t>
+            </a:r>
+            <a:r>
+              <a:rPr lang="en-US" dirty="0">
+                <a:solidFill>
+                  <a:schemeClr val="accent6"/>
+                </a:solidFill>
+              </a:rPr>
+              <a:t> project) </a:t>
+            </a:r>
+            <a:r>
+              <a:rPr lang="en-US" sz="1600" dirty="0">
+                <a:solidFill>
+                  <a:schemeClr val="accent6"/>
+                </a:solidFill>
+              </a:rPr>
+              <a:t>or screencast</a:t>
+            </a:r>
+            <a:endParaRPr lang="en-US" dirty="0">
+              <a:solidFill>
+                <a:schemeClr val="accent6"/>
+              </a:solidFill>
+            </a:endParaRPr>
+          </a:p>
+          <a:p>
+            <a:endParaRPr lang="en-IL" dirty="0"/>
+          </a:p>
+        </p:txBody>
+      </p:sp>
+    </p:spTree>
+    <p:extLst>
+      <p:ext uri="{BB962C8B-B14F-4D97-AF65-F5344CB8AC3E}">
+        <p14:creationId xmlns:p14="http://schemas.microsoft.com/office/powerpoint/2010/main" val="3257095957"/>
+      </p:ext>
+    </p:extLst>
+  </p:cSld>
+  <p:clrMapOvr>
+    <a:masterClrMapping/>
+  </p:clrMapOvr>
+</p:sld>
+</file>
+
+<file path=ppt/slides/slide7.xml><?xml version="1.0" encoding="utf-8"?>
+<p:sld xmlns:a="http://schemas.openxmlformats.org/drawingml/2006/main" xmlns:r="http://schemas.openxmlformats.org/officeDocument/2006/relationships" xmlns:p="http://schemas.openxmlformats.org/presentationml/2006/main">
+  <p:cSld>
+    <p:spTree>
+      <p:nvGrpSpPr>
+        <p:cNvPr id="1" name=""/>
+        <p:cNvGrpSpPr/>
+        <p:nvPr/>
+      </p:nvGrpSpPr>
+      <p:grpSpPr>
+        <a:xfrm>
+          <a:off x="0" y="0"/>
+          <a:ext cx="0" cy="0"/>
+          <a:chOff x="0" y="0"/>
+          <a:chExt cx="0" cy="0"/>
+        </a:xfrm>
+      </p:grpSpPr>
+      <p:sp>
+        <p:nvSpPr>
+          <p:cNvPr id="2" name="Title 1">
+            <a:extLst>
+              <a:ext uri="{FF2B5EF4-FFF2-40B4-BE49-F238E27FC236}">
                 <a16:creationId xmlns:a16="http://schemas.microsoft.com/office/drawing/2014/main" id="{2F0BD027-A483-4275-821C-37778F1FED31}"/>
               </a:ext>
             </a:extLst>
@@ -12897,7 +14936,7 @@
 </p:sld>
 </file>
 
-<file path=ppt/slides/slide6.xml><?xml version="1.0" encoding="utf-8"?>
+<file path=ppt/slides/slide8.xml><?xml version="1.0" encoding="utf-8"?>
 <p:sld xmlns:a="http://schemas.openxmlformats.org/drawingml/2006/main" xmlns:r="http://schemas.openxmlformats.org/officeDocument/2006/relationships" xmlns:p="http://schemas.openxmlformats.org/presentationml/2006/main">
   <p:cSld>
     <p:spTree>
@@ -13066,905 +15105,6 @@
 </p:sld>
 </file>
 
-<file path=ppt/slides/slide7.xml><?xml version="1.0" encoding="utf-8"?>
-<p:sld xmlns:a="http://schemas.openxmlformats.org/drawingml/2006/main" xmlns:r="http://schemas.openxmlformats.org/officeDocument/2006/relationships" xmlns:p="http://schemas.openxmlformats.org/presentationml/2006/main">
-  <p:cSld>
-    <p:spTree>
-      <p:nvGrpSpPr>
-        <p:cNvPr id="1" name=""/>
-        <p:cNvGrpSpPr/>
-        <p:nvPr/>
-      </p:nvGrpSpPr>
-      <p:grpSpPr>
-        <a:xfrm>
-          <a:off x="0" y="0"/>
-          <a:ext cx="0" cy="0"/>
-          <a:chOff x="0" y="0"/>
-          <a:chExt cx="0" cy="0"/>
-        </a:xfrm>
-      </p:grpSpPr>
-      <p:sp>
-        <p:nvSpPr>
-          <p:cNvPr id="2" name="Title 1">
-            <a:extLst>
-              <a:ext uri="{FF2B5EF4-FFF2-40B4-BE49-F238E27FC236}">
-                <a16:creationId xmlns:a16="http://schemas.microsoft.com/office/drawing/2014/main" id="{1A439D6D-1859-47CF-9408-11ECF197BBB4}"/>
-              </a:ext>
-            </a:extLst>
-          </p:cNvPr>
-          <p:cNvSpPr>
-            <a:spLocks noGrp="1"/>
-          </p:cNvSpPr>
-          <p:nvPr>
-            <p:ph type="title"/>
-          </p:nvPr>
-        </p:nvSpPr>
-        <p:spPr/>
-        <p:txBody>
-          <a:bodyPr/>
-          <a:lstStyle/>
-          <a:p>
-            <a:r>
-              <a:rPr lang="en-US" dirty="0"/>
-              <a:t>Argument passing  *</a:t>
-            </a:r>
-            <a:r>
-              <a:rPr lang="en-US" dirty="0" err="1"/>
-              <a:t>args</a:t>
-            </a:r>
-            <a:r>
-              <a:rPr lang="en-US" dirty="0"/>
-              <a:t>, **</a:t>
-            </a:r>
-            <a:r>
-              <a:rPr lang="en-US" dirty="0" err="1"/>
-              <a:t>kwargs</a:t>
-            </a:r>
-            <a:endParaRPr lang="en-IL" dirty="0"/>
-          </a:p>
-        </p:txBody>
-      </p:sp>
-      <p:sp>
-        <p:nvSpPr>
-          <p:cNvPr id="3" name="Content Placeholder 2">
-            <a:extLst>
-              <a:ext uri="{FF2B5EF4-FFF2-40B4-BE49-F238E27FC236}">
-                <a16:creationId xmlns:a16="http://schemas.microsoft.com/office/drawing/2014/main" id="{548D5555-4844-470F-A7D7-872270BB4C70}"/>
-              </a:ext>
-            </a:extLst>
-          </p:cNvPr>
-          <p:cNvSpPr>
-            <a:spLocks noGrp="1"/>
-          </p:cNvSpPr>
-          <p:nvPr>
-            <p:ph idx="1"/>
-          </p:nvPr>
-        </p:nvSpPr>
-        <p:spPr/>
-        <p:txBody>
-          <a:bodyPr>
-            <a:normAutofit/>
-          </a:bodyPr>
-          <a:lstStyle/>
-          <a:p>
-            <a:pPr marL="0" indent="0">
-              <a:buNone/>
-            </a:pPr>
-            <a:r>
-              <a:rPr lang="en-US" dirty="0"/>
-              <a:t>Passing variable number of arguments</a:t>
-            </a:r>
-          </a:p>
-          <a:p>
-            <a:pPr marL="0" indent="0">
-              <a:buNone/>
-            </a:pPr>
-            <a:r>
-              <a:rPr lang="en-US" sz="1200" dirty="0">
-                <a:latin typeface="Courier New" panose="02070309020205020404" pitchFamily="49" charset="0"/>
-                <a:cs typeface="Courier New" panose="02070309020205020404" pitchFamily="49" charset="0"/>
-              </a:rPr>
-              <a:t># Python program to illustrate  (</a:t>
-            </a:r>
-            <a:r>
-              <a:rPr lang="en-US" sz="1200" dirty="0">
-                <a:hlinkClick r:id="rId2"/>
-              </a:rPr>
-              <a:t>https://www.geeksforgeeks.org/args-kwargs-python/</a:t>
-            </a:r>
-            <a:r>
-              <a:rPr lang="en-US" sz="1200" dirty="0"/>
-              <a:t>)</a:t>
-            </a:r>
-            <a:endParaRPr lang="en-US" sz="1200" dirty="0">
-              <a:latin typeface="Courier New" panose="02070309020205020404" pitchFamily="49" charset="0"/>
-              <a:cs typeface="Courier New" panose="02070309020205020404" pitchFamily="49" charset="0"/>
-            </a:endParaRPr>
-          </a:p>
-          <a:p>
-            <a:pPr marL="0" indent="0">
-              <a:buNone/>
-            </a:pPr>
-            <a:r>
-              <a:rPr lang="en-US" sz="1200" dirty="0">
-                <a:latin typeface="Courier New" panose="02070309020205020404" pitchFamily="49" charset="0"/>
-                <a:cs typeface="Courier New" panose="02070309020205020404" pitchFamily="49" charset="0"/>
-              </a:rPr>
-              <a:t># *</a:t>
-            </a:r>
-            <a:r>
-              <a:rPr lang="en-US" sz="1200" dirty="0" err="1">
-                <a:latin typeface="Courier New" panose="02070309020205020404" pitchFamily="49" charset="0"/>
-                <a:cs typeface="Courier New" panose="02070309020205020404" pitchFamily="49" charset="0"/>
-              </a:rPr>
-              <a:t>args</a:t>
-            </a:r>
-            <a:r>
-              <a:rPr lang="en-US" sz="1200" dirty="0">
-                <a:latin typeface="Courier New" panose="02070309020205020404" pitchFamily="49" charset="0"/>
-                <a:cs typeface="Courier New" panose="02070309020205020404" pitchFamily="49" charset="0"/>
-              </a:rPr>
-              <a:t> with first extra argument </a:t>
-            </a:r>
-          </a:p>
-          <a:p>
-            <a:pPr marL="0" indent="0">
-              <a:buNone/>
-            </a:pPr>
-            <a:r>
-              <a:rPr lang="en-US" sz="1200" dirty="0">
-                <a:latin typeface="Courier New" panose="02070309020205020404" pitchFamily="49" charset="0"/>
-                <a:cs typeface="Courier New" panose="02070309020205020404" pitchFamily="49" charset="0"/>
-              </a:rPr>
-              <a:t>def </a:t>
-            </a:r>
-            <a:r>
-              <a:rPr lang="en-US" sz="1200" dirty="0" err="1">
-                <a:latin typeface="Courier New" panose="02070309020205020404" pitchFamily="49" charset="0"/>
-                <a:cs typeface="Courier New" panose="02070309020205020404" pitchFamily="49" charset="0"/>
-              </a:rPr>
-              <a:t>myFun</a:t>
-            </a:r>
-            <a:r>
-              <a:rPr lang="en-US" sz="1200" dirty="0">
-                <a:latin typeface="Courier New" panose="02070309020205020404" pitchFamily="49" charset="0"/>
-                <a:cs typeface="Courier New" panose="02070309020205020404" pitchFamily="49" charset="0"/>
-              </a:rPr>
-              <a:t>(arg1, </a:t>
-            </a:r>
-            <a:r>
-              <a:rPr lang="en-US" sz="1400" b="1" dirty="0">
-                <a:latin typeface="Courier New" panose="02070309020205020404" pitchFamily="49" charset="0"/>
-                <a:cs typeface="Courier New" panose="02070309020205020404" pitchFamily="49" charset="0"/>
-              </a:rPr>
-              <a:t>*</a:t>
-            </a:r>
-            <a:r>
-              <a:rPr lang="en-US" sz="1400" b="1" dirty="0" err="1">
-                <a:latin typeface="Courier New" panose="02070309020205020404" pitchFamily="49" charset="0"/>
-                <a:cs typeface="Courier New" panose="02070309020205020404" pitchFamily="49" charset="0"/>
-              </a:rPr>
-              <a:t>argv</a:t>
-            </a:r>
-            <a:r>
-              <a:rPr lang="en-US" sz="1200" dirty="0">
-                <a:latin typeface="Courier New" panose="02070309020205020404" pitchFamily="49" charset="0"/>
-                <a:cs typeface="Courier New" panose="02070309020205020404" pitchFamily="49" charset="0"/>
-              </a:rPr>
-              <a:t>): </a:t>
-            </a:r>
-          </a:p>
-          <a:p>
-            <a:pPr marL="0" indent="0">
-              <a:buNone/>
-            </a:pPr>
-            <a:r>
-              <a:rPr lang="en-US" sz="1200" dirty="0">
-                <a:latin typeface="Courier New" panose="02070309020205020404" pitchFamily="49" charset="0"/>
-                <a:cs typeface="Courier New" panose="02070309020205020404" pitchFamily="49" charset="0"/>
-              </a:rPr>
-              <a:t>	print ("First argument :", arg1) </a:t>
-            </a:r>
-          </a:p>
-          <a:p>
-            <a:pPr marL="0" indent="0">
-              <a:buNone/>
-            </a:pPr>
-            <a:r>
-              <a:rPr lang="en-US" sz="1200" dirty="0">
-                <a:latin typeface="Courier New" panose="02070309020205020404" pitchFamily="49" charset="0"/>
-                <a:cs typeface="Courier New" panose="02070309020205020404" pitchFamily="49" charset="0"/>
-              </a:rPr>
-              <a:t>	for </a:t>
-            </a:r>
-            <a:r>
-              <a:rPr lang="en-US" sz="1200" dirty="0" err="1">
-                <a:latin typeface="Courier New" panose="02070309020205020404" pitchFamily="49" charset="0"/>
-                <a:cs typeface="Courier New" panose="02070309020205020404" pitchFamily="49" charset="0"/>
-              </a:rPr>
-              <a:t>arg</a:t>
-            </a:r>
-            <a:r>
-              <a:rPr lang="en-US" sz="1200" dirty="0">
-                <a:latin typeface="Courier New" panose="02070309020205020404" pitchFamily="49" charset="0"/>
-                <a:cs typeface="Courier New" panose="02070309020205020404" pitchFamily="49" charset="0"/>
-              </a:rPr>
-              <a:t> in </a:t>
-            </a:r>
-            <a:r>
-              <a:rPr lang="en-US" sz="1200" dirty="0" err="1">
-                <a:latin typeface="Courier New" panose="02070309020205020404" pitchFamily="49" charset="0"/>
-                <a:cs typeface="Courier New" panose="02070309020205020404" pitchFamily="49" charset="0"/>
-              </a:rPr>
-              <a:t>argv</a:t>
-            </a:r>
-            <a:r>
-              <a:rPr lang="en-US" sz="1200" dirty="0">
-                <a:latin typeface="Courier New" panose="02070309020205020404" pitchFamily="49" charset="0"/>
-                <a:cs typeface="Courier New" panose="02070309020205020404" pitchFamily="49" charset="0"/>
-              </a:rPr>
-              <a:t>: </a:t>
-            </a:r>
-          </a:p>
-          <a:p>
-            <a:pPr marL="0" indent="0">
-              <a:buNone/>
-            </a:pPr>
-            <a:r>
-              <a:rPr lang="en-US" sz="1200" dirty="0">
-                <a:latin typeface="Courier New" panose="02070309020205020404" pitchFamily="49" charset="0"/>
-                <a:cs typeface="Courier New" panose="02070309020205020404" pitchFamily="49" charset="0"/>
-              </a:rPr>
-              <a:t>		print("Next argument through *</a:t>
-            </a:r>
-            <a:r>
-              <a:rPr lang="en-US" sz="1200" dirty="0" err="1">
-                <a:latin typeface="Courier New" panose="02070309020205020404" pitchFamily="49" charset="0"/>
-                <a:cs typeface="Courier New" panose="02070309020205020404" pitchFamily="49" charset="0"/>
-              </a:rPr>
-              <a:t>argv</a:t>
-            </a:r>
-            <a:r>
-              <a:rPr lang="en-US" sz="1200" dirty="0">
-                <a:latin typeface="Courier New" panose="02070309020205020404" pitchFamily="49" charset="0"/>
-                <a:cs typeface="Courier New" panose="02070309020205020404" pitchFamily="49" charset="0"/>
-              </a:rPr>
-              <a:t> :", </a:t>
-            </a:r>
-            <a:r>
-              <a:rPr lang="en-US" sz="1200" dirty="0" err="1">
-                <a:latin typeface="Courier New" panose="02070309020205020404" pitchFamily="49" charset="0"/>
-                <a:cs typeface="Courier New" panose="02070309020205020404" pitchFamily="49" charset="0"/>
-              </a:rPr>
-              <a:t>arg</a:t>
-            </a:r>
-            <a:r>
-              <a:rPr lang="en-US" sz="1200" dirty="0">
-                <a:latin typeface="Courier New" panose="02070309020205020404" pitchFamily="49" charset="0"/>
-                <a:cs typeface="Courier New" panose="02070309020205020404" pitchFamily="49" charset="0"/>
-              </a:rPr>
-              <a:t>) </a:t>
-            </a:r>
-          </a:p>
-          <a:p>
-            <a:pPr marL="0" indent="0">
-              <a:buNone/>
-            </a:pPr>
-            <a:r>
-              <a:rPr lang="en-US" sz="1200" dirty="0" err="1">
-                <a:latin typeface="Courier New" panose="02070309020205020404" pitchFamily="49" charset="0"/>
-                <a:cs typeface="Courier New" panose="02070309020205020404" pitchFamily="49" charset="0"/>
-              </a:rPr>
-              <a:t>myFun</a:t>
-            </a:r>
-            <a:r>
-              <a:rPr lang="en-US" sz="1200" dirty="0">
-                <a:latin typeface="Courier New" panose="02070309020205020404" pitchFamily="49" charset="0"/>
-                <a:cs typeface="Courier New" panose="02070309020205020404" pitchFamily="49" charset="0"/>
-              </a:rPr>
-              <a:t>('Hello', 'Welcome', 'to', '</a:t>
-            </a:r>
-            <a:r>
-              <a:rPr lang="en-US" sz="1200" dirty="0" err="1">
-                <a:latin typeface="Courier New" panose="02070309020205020404" pitchFamily="49" charset="0"/>
-                <a:cs typeface="Courier New" panose="02070309020205020404" pitchFamily="49" charset="0"/>
-              </a:rPr>
-              <a:t>GeeksforGeeks</a:t>
-            </a:r>
-            <a:r>
-              <a:rPr lang="en-US" sz="1200" dirty="0">
-                <a:latin typeface="Courier New" panose="02070309020205020404" pitchFamily="49" charset="0"/>
-                <a:cs typeface="Courier New" panose="02070309020205020404" pitchFamily="49" charset="0"/>
-              </a:rPr>
-              <a:t>’) </a:t>
-            </a:r>
-          </a:p>
-          <a:p>
-            <a:pPr marL="0" indent="0">
-              <a:buNone/>
-            </a:pPr>
-            <a:r>
-              <a:rPr lang="en-US" sz="1200" dirty="0">
-                <a:latin typeface="Courier New" panose="02070309020205020404" pitchFamily="49" charset="0"/>
-                <a:cs typeface="Courier New" panose="02070309020205020404" pitchFamily="49" charset="0"/>
-              </a:rPr>
-              <a:t>---------------------------</a:t>
-            </a:r>
-          </a:p>
-          <a:p>
-            <a:pPr marL="0" indent="0">
-              <a:buNone/>
-            </a:pPr>
-            <a:r>
-              <a:rPr lang="en-US" sz="1200" dirty="0">
-                <a:latin typeface="Courier New" panose="02070309020205020404" pitchFamily="49" charset="0"/>
-                <a:cs typeface="Courier New" panose="02070309020205020404" pitchFamily="49" charset="0"/>
-              </a:rPr>
-              <a:t>def </a:t>
-            </a:r>
-            <a:r>
-              <a:rPr lang="en-US" sz="1200" dirty="0" err="1">
-                <a:latin typeface="Courier New" panose="02070309020205020404" pitchFamily="49" charset="0"/>
-                <a:cs typeface="Courier New" panose="02070309020205020404" pitchFamily="49" charset="0"/>
-              </a:rPr>
-              <a:t>myFun</a:t>
-            </a:r>
-            <a:r>
-              <a:rPr lang="en-US" sz="1200" dirty="0">
-                <a:latin typeface="Courier New" panose="02070309020205020404" pitchFamily="49" charset="0"/>
-                <a:cs typeface="Courier New" panose="02070309020205020404" pitchFamily="49" charset="0"/>
-              </a:rPr>
-              <a:t>(**</a:t>
-            </a:r>
-            <a:r>
-              <a:rPr lang="en-US" sz="1200" dirty="0" err="1">
-                <a:latin typeface="Courier New" panose="02070309020205020404" pitchFamily="49" charset="0"/>
-                <a:cs typeface="Courier New" panose="02070309020205020404" pitchFamily="49" charset="0"/>
-              </a:rPr>
-              <a:t>kwargs</a:t>
-            </a:r>
-            <a:r>
-              <a:rPr lang="en-US" sz="1200" dirty="0">
-                <a:latin typeface="Courier New" panose="02070309020205020404" pitchFamily="49" charset="0"/>
-                <a:cs typeface="Courier New" panose="02070309020205020404" pitchFamily="49" charset="0"/>
-              </a:rPr>
-              <a:t>): </a:t>
-            </a:r>
-          </a:p>
-          <a:p>
-            <a:pPr marL="0" indent="0">
-              <a:buNone/>
-            </a:pPr>
-            <a:r>
-              <a:rPr lang="en-US" sz="1200" dirty="0">
-                <a:latin typeface="Courier New" panose="02070309020205020404" pitchFamily="49" charset="0"/>
-                <a:cs typeface="Courier New" panose="02070309020205020404" pitchFamily="49" charset="0"/>
-              </a:rPr>
-              <a:t>	for key, value in </a:t>
-            </a:r>
-            <a:r>
-              <a:rPr lang="en-US" sz="1200" dirty="0" err="1">
-                <a:latin typeface="Courier New" panose="02070309020205020404" pitchFamily="49" charset="0"/>
-                <a:cs typeface="Courier New" panose="02070309020205020404" pitchFamily="49" charset="0"/>
-              </a:rPr>
-              <a:t>kwargs.items</a:t>
-            </a:r>
-            <a:r>
-              <a:rPr lang="en-US" sz="1200" dirty="0">
-                <a:latin typeface="Courier New" panose="02070309020205020404" pitchFamily="49" charset="0"/>
-                <a:cs typeface="Courier New" panose="02070309020205020404" pitchFamily="49" charset="0"/>
-              </a:rPr>
-              <a:t>(): </a:t>
-            </a:r>
-          </a:p>
-          <a:p>
-            <a:pPr marL="0" indent="0">
-              <a:buNone/>
-            </a:pPr>
-            <a:r>
-              <a:rPr lang="en-US" sz="1200" dirty="0">
-                <a:latin typeface="Courier New" panose="02070309020205020404" pitchFamily="49" charset="0"/>
-                <a:cs typeface="Courier New" panose="02070309020205020404" pitchFamily="49" charset="0"/>
-              </a:rPr>
-              <a:t>		print ("%s == %s" %(key, value)) </a:t>
-            </a:r>
-          </a:p>
-          <a:p>
-            <a:pPr marL="0" indent="0">
-              <a:buNone/>
-            </a:pPr>
-            <a:r>
-              <a:rPr lang="en-US" sz="1200" dirty="0" err="1">
-                <a:latin typeface="Courier New" panose="02070309020205020404" pitchFamily="49" charset="0"/>
-                <a:cs typeface="Courier New" panose="02070309020205020404" pitchFamily="49" charset="0"/>
-              </a:rPr>
-              <a:t>myFun</a:t>
-            </a:r>
-            <a:r>
-              <a:rPr lang="en-US" sz="1200" dirty="0">
-                <a:latin typeface="Courier New" panose="02070309020205020404" pitchFamily="49" charset="0"/>
-                <a:cs typeface="Courier New" panose="02070309020205020404" pitchFamily="49" charset="0"/>
-              </a:rPr>
-              <a:t>(first ='Geeks', mid ='for', last='Geeks')	 </a:t>
-            </a:r>
-          </a:p>
-          <a:p>
-            <a:pPr marL="0" indent="0">
-              <a:buNone/>
-            </a:pPr>
-            <a:endParaRPr lang="en-IL" dirty="0"/>
-          </a:p>
-        </p:txBody>
-      </p:sp>
-    </p:spTree>
-    <p:extLst>
-      <p:ext uri="{BB962C8B-B14F-4D97-AF65-F5344CB8AC3E}">
-        <p14:creationId xmlns:p14="http://schemas.microsoft.com/office/powerpoint/2010/main" val="1951621338"/>
-      </p:ext>
-    </p:extLst>
-  </p:cSld>
-  <p:clrMapOvr>
-    <a:masterClrMapping/>
-  </p:clrMapOvr>
-</p:sld>
-</file>
-
-<file path=ppt/slides/slide8.xml><?xml version="1.0" encoding="utf-8"?>
-<p:sld xmlns:a="http://schemas.openxmlformats.org/drawingml/2006/main" xmlns:r="http://schemas.openxmlformats.org/officeDocument/2006/relationships" xmlns:p="http://schemas.openxmlformats.org/presentationml/2006/main">
-  <p:cSld>
-    <p:spTree>
-      <p:nvGrpSpPr>
-        <p:cNvPr id="1" name=""/>
-        <p:cNvGrpSpPr/>
-        <p:nvPr/>
-      </p:nvGrpSpPr>
-      <p:grpSpPr>
-        <a:xfrm>
-          <a:off x="0" y="0"/>
-          <a:ext cx="0" cy="0"/>
-          <a:chOff x="0" y="0"/>
-          <a:chExt cx="0" cy="0"/>
-        </a:xfrm>
-      </p:grpSpPr>
-      <p:sp>
-        <p:nvSpPr>
-          <p:cNvPr id="2" name="Title 1">
-            <a:extLst>
-              <a:ext uri="{FF2B5EF4-FFF2-40B4-BE49-F238E27FC236}">
-                <a16:creationId xmlns:a16="http://schemas.microsoft.com/office/drawing/2014/main" id="{4E5BE658-FCA3-4743-ABC2-0B45426F7DF8}"/>
-              </a:ext>
-            </a:extLst>
-          </p:cNvPr>
-          <p:cNvSpPr>
-            <a:spLocks noGrp="1"/>
-          </p:cNvSpPr>
-          <p:nvPr>
-            <p:ph type="title"/>
-          </p:nvPr>
-        </p:nvSpPr>
-        <p:spPr/>
-        <p:txBody>
-          <a:bodyPr/>
-          <a:lstStyle/>
-          <a:p>
-            <a:r>
-              <a:rPr lang="en-US" dirty="0"/>
-              <a:t>More on names</a:t>
-            </a:r>
-            <a:endParaRPr lang="en-IL" dirty="0"/>
-          </a:p>
-        </p:txBody>
-      </p:sp>
-      <p:sp>
-        <p:nvSpPr>
-          <p:cNvPr id="3" name="Content Placeholder 2">
-            <a:extLst>
-              <a:ext uri="{FF2B5EF4-FFF2-40B4-BE49-F238E27FC236}">
-                <a16:creationId xmlns:a16="http://schemas.microsoft.com/office/drawing/2014/main" id="{0E265D62-5A23-4E1F-8E4A-A7507432C792}"/>
-              </a:ext>
-            </a:extLst>
-          </p:cNvPr>
-          <p:cNvSpPr>
-            <a:spLocks noGrp="1"/>
-          </p:cNvSpPr>
-          <p:nvPr>
-            <p:ph idx="1"/>
-          </p:nvPr>
-        </p:nvSpPr>
-        <p:spPr>
-          <a:xfrm>
-            <a:off x="838200" y="1825625"/>
-            <a:ext cx="10515600" cy="4351338"/>
-          </a:xfrm>
-        </p:spPr>
-        <p:txBody>
-          <a:bodyPr>
-            <a:normAutofit/>
-          </a:bodyPr>
-          <a:lstStyle/>
-          <a:p>
-            <a:pPr marL="0" indent="0" fontAlgn="base">
-              <a:buNone/>
-            </a:pPr>
-            <a:r>
-              <a:rPr lang="en-US" b="1" dirty="0">
-                <a:highlight>
-                  <a:srgbClr val="C0C0C0"/>
-                </a:highlight>
-              </a:rPr>
-              <a:t>  </a:t>
-            </a:r>
-            <a:r>
-              <a:rPr lang="en-US" sz="1800" b="1" dirty="0">
-                <a:highlight>
-                  <a:srgbClr val="C0C0C0"/>
-                </a:highlight>
-              </a:rPr>
-              <a:t>‘When </a:t>
-            </a:r>
-            <a:r>
-              <a:rPr lang="en-US" sz="1800" i="1" dirty="0">
-                <a:highlight>
-                  <a:srgbClr val="C0C0C0"/>
-                </a:highlight>
-              </a:rPr>
-              <a:t>I</a:t>
-            </a:r>
-            <a:r>
-              <a:rPr lang="en-US" sz="1800" b="1" dirty="0">
-                <a:highlight>
-                  <a:srgbClr val="C0C0C0"/>
-                </a:highlight>
-              </a:rPr>
-              <a:t> use a word,’ Humpty Dumpty said in rather a scornful tone, ‘it means just what I choose it to mean–neither more nor less.’</a:t>
-            </a:r>
-          </a:p>
-          <a:p>
-            <a:pPr marL="0" indent="0" fontAlgn="base">
-              <a:buNone/>
-            </a:pPr>
-            <a:r>
-              <a:rPr lang="en-US" sz="1800" b="1" dirty="0">
-                <a:highlight>
-                  <a:srgbClr val="C0C0C0"/>
-                </a:highlight>
-              </a:rPr>
-              <a:t>   ‘The question is,’ said Alice, ‘whether you </a:t>
-            </a:r>
-            <a:r>
-              <a:rPr lang="en-US" sz="1800" i="1" dirty="0">
-                <a:highlight>
-                  <a:srgbClr val="C0C0C0"/>
-                </a:highlight>
-              </a:rPr>
-              <a:t>can</a:t>
-            </a:r>
-            <a:r>
-              <a:rPr lang="en-US" sz="1800" b="1" dirty="0">
-                <a:highlight>
-                  <a:srgbClr val="C0C0C0"/>
-                </a:highlight>
-              </a:rPr>
-              <a:t> make words mean different things–that’s all.’</a:t>
-            </a:r>
-          </a:p>
-          <a:p>
-            <a:pPr marL="0" indent="0" fontAlgn="base">
-              <a:buNone/>
-            </a:pPr>
-            <a:r>
-              <a:rPr lang="en-US" sz="1800" b="1" dirty="0">
-                <a:highlight>
-                  <a:srgbClr val="C0C0C0"/>
-                </a:highlight>
-              </a:rPr>
-              <a:t>   ‘The question is,’ said Humpty Dumpty, ‘which is to be master–that’s all’</a:t>
-            </a:r>
-          </a:p>
-          <a:p>
-            <a:pPr marL="0" indent="0">
-              <a:buNone/>
-            </a:pPr>
-            <a:r>
-              <a:rPr lang="en-US" dirty="0"/>
-              <a:t>What’s the problem here?</a:t>
-            </a:r>
-          </a:p>
-          <a:p>
-            <a:pPr marL="0" indent="0">
-              <a:buNone/>
-            </a:pPr>
-            <a:r>
-              <a:rPr lang="en-US" sz="1600" dirty="0">
-                <a:latin typeface="Courier New" panose="02070309020205020404" pitchFamily="49" charset="0"/>
-                <a:cs typeface="Courier New" panose="02070309020205020404" pitchFamily="49" charset="0"/>
-              </a:rPr>
-              <a:t>words = ['one', '</a:t>
-            </a:r>
-            <a:r>
-              <a:rPr lang="en-US" sz="1600" dirty="0" err="1">
-                <a:latin typeface="Courier New" panose="02070309020205020404" pitchFamily="49" charset="0"/>
-                <a:cs typeface="Courier New" panose="02070309020205020404" pitchFamily="49" charset="0"/>
-              </a:rPr>
-              <a:t>two','three</a:t>
-            </a:r>
-            <a:r>
-              <a:rPr lang="en-US" sz="1600" dirty="0">
-                <a:latin typeface="Courier New" panose="02070309020205020404" pitchFamily="49" charset="0"/>
-                <a:cs typeface="Courier New" panose="02070309020205020404" pitchFamily="49" charset="0"/>
-              </a:rPr>
-              <a:t>']</a:t>
-            </a:r>
-          </a:p>
-          <a:p>
-            <a:pPr marL="0" indent="0">
-              <a:buNone/>
-            </a:pPr>
-            <a:r>
-              <a:rPr lang="en-US" sz="1600" dirty="0">
-                <a:latin typeface="Courier New" panose="02070309020205020404" pitchFamily="49" charset="0"/>
-                <a:cs typeface="Courier New" panose="02070309020205020404" pitchFamily="49" charset="0"/>
-              </a:rPr>
-              <a:t>for word in words:</a:t>
-            </a:r>
-          </a:p>
-          <a:p>
-            <a:pPr marL="0" indent="0">
-              <a:buNone/>
-            </a:pPr>
-            <a:r>
-              <a:rPr lang="en-US" sz="1600" dirty="0">
-                <a:latin typeface="Courier New" panose="02070309020205020404" pitchFamily="49" charset="0"/>
-                <a:cs typeface="Courier New" panose="02070309020205020404" pitchFamily="49" charset="0"/>
-              </a:rPr>
-              <a:t>    if word == 'two’:</a:t>
-            </a:r>
-          </a:p>
-          <a:p>
-            <a:pPr marL="0" indent="0">
-              <a:buNone/>
-            </a:pPr>
-            <a:r>
-              <a:rPr lang="en-US" sz="1600" dirty="0">
-                <a:latin typeface="Courier New" panose="02070309020205020404" pitchFamily="49" charset="0"/>
-                <a:cs typeface="Courier New" panose="02070309020205020404" pitchFamily="49" charset="0"/>
-              </a:rPr>
-              <a:t>        word = 'BOO!'</a:t>
-            </a:r>
-          </a:p>
-          <a:p>
-            <a:pPr marL="0" indent="0">
-              <a:buNone/>
-            </a:pPr>
-            <a:r>
-              <a:rPr lang="en-US" sz="1600" dirty="0">
-                <a:latin typeface="Courier New" panose="02070309020205020404" pitchFamily="49" charset="0"/>
-                <a:cs typeface="Courier New" panose="02070309020205020404" pitchFamily="49" charset="0"/>
-              </a:rPr>
-              <a:t>print(words)</a:t>
-            </a:r>
-            <a:endParaRPr lang="en-IL" sz="1600" dirty="0">
-              <a:latin typeface="Courier New" panose="02070309020205020404" pitchFamily="49" charset="0"/>
-              <a:cs typeface="Courier New" panose="02070309020205020404" pitchFamily="49" charset="0"/>
-            </a:endParaRPr>
-          </a:p>
-        </p:txBody>
-      </p:sp>
-      <p:sp>
-        <p:nvSpPr>
-          <p:cNvPr id="6" name="TextBox 5">
-            <a:extLst>
-              <a:ext uri="{FF2B5EF4-FFF2-40B4-BE49-F238E27FC236}">
-                <a16:creationId xmlns:a16="http://schemas.microsoft.com/office/drawing/2014/main" id="{7F258270-43F9-465D-A902-3D767DCA3C1E}"/>
-              </a:ext>
-            </a:extLst>
-          </p:cNvPr>
-          <p:cNvSpPr txBox="1"/>
-          <p:nvPr/>
-        </p:nvSpPr>
-        <p:spPr>
-          <a:xfrm>
-            <a:off x="3567288" y="4520129"/>
-            <a:ext cx="3529684" cy="369332"/>
-          </a:xfrm>
-          <a:prstGeom prst="rect">
-            <a:avLst/>
-          </a:prstGeom>
-          <a:noFill/>
-        </p:spPr>
-        <p:txBody>
-          <a:bodyPr wrap="none" rtlCol="0">
-            <a:spAutoFit/>
-          </a:bodyPr>
-          <a:lstStyle/>
-          <a:p>
-            <a:r>
-              <a:rPr lang="en-US" dirty="0"/>
-              <a:t> word points to the 2</a:t>
-            </a:r>
-            <a:r>
-              <a:rPr lang="en-US" baseline="30000" dirty="0"/>
-              <a:t>nd</a:t>
-            </a:r>
-            <a:r>
-              <a:rPr lang="en-US" dirty="0"/>
-              <a:t> cell in words</a:t>
-            </a:r>
-            <a:endParaRPr lang="en-IL" dirty="0"/>
-          </a:p>
-        </p:txBody>
-      </p:sp>
-      <p:sp>
-        <p:nvSpPr>
-          <p:cNvPr id="7" name="TextBox 6">
-            <a:extLst>
-              <a:ext uri="{FF2B5EF4-FFF2-40B4-BE49-F238E27FC236}">
-                <a16:creationId xmlns:a16="http://schemas.microsoft.com/office/drawing/2014/main" id="{164ABFB8-AB47-490C-97C4-F500DB923191}"/>
-              </a:ext>
-            </a:extLst>
-          </p:cNvPr>
-          <p:cNvSpPr txBox="1"/>
-          <p:nvPr/>
-        </p:nvSpPr>
-        <p:spPr>
-          <a:xfrm>
-            <a:off x="3590948" y="4839732"/>
-            <a:ext cx="3506024" cy="369332"/>
-          </a:xfrm>
-          <a:prstGeom prst="rect">
-            <a:avLst/>
-          </a:prstGeom>
-          <a:noFill/>
-        </p:spPr>
-        <p:txBody>
-          <a:bodyPr wrap="none" rtlCol="0">
-            <a:spAutoFit/>
-          </a:bodyPr>
-          <a:lstStyle/>
-          <a:p>
-            <a:r>
-              <a:rPr lang="en-US" dirty="0"/>
-              <a:t> word points to a new string ‘Boo!’. </a:t>
-            </a:r>
-            <a:endParaRPr lang="en-IL" dirty="0"/>
-          </a:p>
-        </p:txBody>
-      </p:sp>
-    </p:spTree>
-    <p:extLst>
-      <p:ext uri="{BB962C8B-B14F-4D97-AF65-F5344CB8AC3E}">
-        <p14:creationId xmlns:p14="http://schemas.microsoft.com/office/powerpoint/2010/main" val="2340865294"/>
-      </p:ext>
-    </p:extLst>
-  </p:cSld>
-  <p:clrMapOvr>
-    <a:masterClrMapping/>
-  </p:clrMapOvr>
-  <p:timing>
-    <p:tnLst>
-      <p:par>
-        <p:cTn id="1" dur="indefinite" restart="never" nodeType="tmRoot">
-          <p:childTnLst>
-            <p:seq concurrent="1" nextAc="seek">
-              <p:cTn id="2" dur="indefinite" nodeType="mainSeq">
-                <p:childTnLst>
-                  <p:par>
-                    <p:cTn id="3" fill="hold">
-                      <p:stCondLst>
-                        <p:cond delay="indefinite"/>
-                      </p:stCondLst>
-                      <p:childTnLst>
-                        <p:par>
-                          <p:cTn id="4" fill="hold">
-                            <p:stCondLst>
-                              <p:cond delay="0"/>
-                            </p:stCondLst>
-                            <p:childTnLst>
-                              <p:par>
-                                <p:cTn id="5" presetID="10" presetClass="entr" presetSubtype="0" fill="hold" grpId="0" nodeType="clickEffect">
-                                  <p:stCondLst>
-                                    <p:cond delay="0"/>
-                                  </p:stCondLst>
-                                  <p:childTnLst>
-                                    <p:set>
-                                      <p:cBhvr>
-                                        <p:cTn id="6" dur="1" fill="hold">
-                                          <p:stCondLst>
-                                            <p:cond delay="0"/>
-                                          </p:stCondLst>
-                                        </p:cTn>
-                                        <p:tgtEl>
-                                          <p:spTgt spid="7"/>
-                                        </p:tgtEl>
-                                        <p:attrNameLst>
-                                          <p:attrName>style.visibility</p:attrName>
-                                        </p:attrNameLst>
-                                      </p:cBhvr>
-                                      <p:to>
-                                        <p:strVal val="visible"/>
-                                      </p:to>
-                                    </p:set>
-                                    <p:animEffect transition="in" filter="fade">
-                                      <p:cBhvr>
-                                        <p:cTn id="7" dur="500"/>
-                                        <p:tgtEl>
-                                          <p:spTgt spid="7"/>
-                                        </p:tgtEl>
-                                      </p:cBhvr>
-                                    </p:animEffect>
-                                  </p:childTnLst>
-                                </p:cTn>
-                              </p:par>
-                              <p:par>
-                                <p:cTn id="8" presetID="10" presetClass="entr" presetSubtype="0" fill="hold" grpId="0" nodeType="withEffect">
-                                  <p:stCondLst>
-                                    <p:cond delay="0"/>
-                                  </p:stCondLst>
-                                  <p:childTnLst>
-                                    <p:set>
-                                      <p:cBhvr>
-                                        <p:cTn id="9" dur="1" fill="hold">
-                                          <p:stCondLst>
-                                            <p:cond delay="0"/>
-                                          </p:stCondLst>
-                                        </p:cTn>
-                                        <p:tgtEl>
-                                          <p:spTgt spid="6"/>
-                                        </p:tgtEl>
-                                        <p:attrNameLst>
-                                          <p:attrName>style.visibility</p:attrName>
-                                        </p:attrNameLst>
-                                      </p:cBhvr>
-                                      <p:to>
-                                        <p:strVal val="visible"/>
-                                      </p:to>
-                                    </p:set>
-                                    <p:animEffect transition="in" filter="fade">
-                                      <p:cBhvr>
-                                        <p:cTn id="10" dur="500"/>
-                                        <p:tgtEl>
-                                          <p:spTgt spid="6"/>
-                                        </p:tgtEl>
-                                      </p:cBhvr>
-                                    </p:animEffect>
-                                  </p:childTnLst>
-                                </p:cTn>
-                              </p:par>
-                            </p:childTnLst>
-                          </p:cTn>
-                        </p:par>
-                      </p:childTnLst>
-                    </p:cTn>
-                  </p:par>
-                </p:childTnLst>
-              </p:cTn>
-              <p:prevCondLst>
-                <p:cond evt="onPrev" delay="0">
-                  <p:tgtEl>
-                    <p:sldTgt/>
-                  </p:tgtEl>
-                </p:cond>
-              </p:prevCondLst>
-              <p:nextCondLst>
-                <p:cond evt="onNext" delay="0">
-                  <p:tgtEl>
-                    <p:sldTgt/>
-                  </p:tgtEl>
-                </p:cond>
-              </p:nextCondLst>
-            </p:seq>
-          </p:childTnLst>
-        </p:cTn>
-      </p:par>
-    </p:tnLst>
-    <p:bldLst>
-      <p:bldP spid="6" grpId="0"/>
-      <p:bldP spid="7" grpId="0"/>
-    </p:bldLst>
-  </p:timing>
-</p:sld>
-</file>
-
 <file path=ppt/slides/slide9.xml><?xml version="1.0" encoding="utf-8"?>
 <p:sld xmlns:a="http://schemas.openxmlformats.org/drawingml/2006/main" xmlns:r="http://schemas.openxmlformats.org/officeDocument/2006/relationships" xmlns:p="http://schemas.openxmlformats.org/presentationml/2006/main">
   <p:cSld>
@@ -13987,7 +15127,7 @@
           <p:cNvPr id="2" name="Title 1">
             <a:extLst>
               <a:ext uri="{FF2B5EF4-FFF2-40B4-BE49-F238E27FC236}">
-                <a16:creationId xmlns:a16="http://schemas.microsoft.com/office/drawing/2014/main" id="{606C14EE-ED44-4D2F-AF9D-649E168250FF}"/>
+                <a16:creationId xmlns:a16="http://schemas.microsoft.com/office/drawing/2014/main" id="{1A439D6D-1859-47CF-9408-11ECF197BBB4}"/>
               </a:ext>
             </a:extLst>
           </p:cNvPr>
@@ -14005,7 +15145,19 @@
           <a:p>
             <a:r>
               <a:rPr lang="en-US" dirty="0"/>
-              <a:t>Virtual Environment</a:t>
+              <a:t>Argument passing  *</a:t>
+            </a:r>
+            <a:r>
+              <a:rPr lang="en-US" dirty="0" err="1"/>
+              <a:t>args</a:t>
+            </a:r>
+            <a:r>
+              <a:rPr lang="en-US" dirty="0"/>
+              <a:t>, **</a:t>
+            </a:r>
+            <a:r>
+              <a:rPr lang="en-US" dirty="0" err="1"/>
+              <a:t>kwargs</a:t>
             </a:r>
             <a:endParaRPr lang="en-IL" dirty="0"/>
           </a:p>
@@ -14016,7 +15168,7 @@
           <p:cNvPr id="3" name="Content Placeholder 2">
             <a:extLst>
               <a:ext uri="{FF2B5EF4-FFF2-40B4-BE49-F238E27FC236}">
-                <a16:creationId xmlns:a16="http://schemas.microsoft.com/office/drawing/2014/main" id="{5EB660AB-B511-48BA-AE44-3EBB497E4E77}"/>
+                <a16:creationId xmlns:a16="http://schemas.microsoft.com/office/drawing/2014/main" id="{548D5555-4844-470F-A7D7-872270BB4C70}"/>
               </a:ext>
             </a:extLst>
           </p:cNvPr>
@@ -14030,174 +15182,363 @@
         <p:spPr/>
         <p:txBody>
           <a:bodyPr>
-            <a:normAutofit lnSpcReduction="10000"/>
+            <a:normAutofit/>
           </a:bodyPr>
           <a:lstStyle/>
           <a:p>
-            <a:r>
-              <a:rPr lang="en-US" dirty="0"/>
-              <a:t>“</a:t>
-            </a:r>
-            <a:r>
-              <a:rPr lang="en-US" dirty="0" err="1">
-                <a:hlinkClick r:id="rId3"/>
-              </a:rPr>
-              <a:t>virtualenv</a:t>
-            </a:r>
-            <a:r>
-              <a:rPr lang="en-US" dirty="0"/>
-              <a:t> is a tool to create isolated Python environments. </a:t>
-            </a:r>
-            <a:r>
-              <a:rPr lang="en-US" dirty="0" err="1"/>
-              <a:t>virtualenv</a:t>
-            </a:r>
-            <a:r>
-              <a:rPr lang="en-US" dirty="0"/>
-              <a:t> creates a folder which contains all the necessary executables to use the packages that a Python project would need.”</a:t>
-            </a:r>
-          </a:p>
-          <a:p>
-            <a:r>
-              <a:rPr lang="en-US" dirty="0"/>
-              <a:t>Keep projects clean from each other.</a:t>
-            </a:r>
-          </a:p>
-          <a:p>
-            <a:r>
-              <a:rPr lang="en-US" dirty="0"/>
-              <a:t>Don’t contaminate your machine</a:t>
-            </a:r>
-          </a:p>
-          <a:p>
-            <a:r>
-              <a:rPr lang="en-US" dirty="0">
+            <a:pPr marL="0" indent="0">
+              <a:buNone/>
+            </a:pPr>
+            <a:r>
+              <a:rPr lang="en-US" dirty="0"/>
+              <a:t>Passing variable number of arguments</a:t>
+            </a:r>
+          </a:p>
+          <a:p>
+            <a:pPr marL="0" indent="0">
+              <a:buNone/>
+            </a:pPr>
+            <a:r>
+              <a:rPr lang="en-US" sz="1200" dirty="0">
                 <a:latin typeface="Courier New" panose="02070309020205020404" pitchFamily="49" charset="0"/>
                 <a:cs typeface="Courier New" panose="02070309020205020404" pitchFamily="49" charset="0"/>
               </a:rPr>
-              <a:t>python3 –m </a:t>
-            </a:r>
-            <a:r>
-              <a:rPr lang="en-US" dirty="0" err="1">
+              <a:t># Python program to illustrate  (</a:t>
+            </a:r>
+            <a:r>
+              <a:rPr lang="en-US" sz="1200" dirty="0">
+                <a:hlinkClick r:id="rId2"/>
+              </a:rPr>
+              <a:t>https://www.geeksforgeeks.org/args-kwargs-python/</a:t>
+            </a:r>
+            <a:r>
+              <a:rPr lang="en-US" sz="1200" dirty="0"/>
+              <a:t>)</a:t>
+            </a:r>
+            <a:endParaRPr lang="en-US" sz="1200" dirty="0">
+              <a:latin typeface="Courier New" panose="02070309020205020404" pitchFamily="49" charset="0"/>
+              <a:cs typeface="Courier New" panose="02070309020205020404" pitchFamily="49" charset="0"/>
+            </a:endParaRPr>
+          </a:p>
+          <a:p>
+            <a:pPr marL="0" indent="0">
+              <a:buNone/>
+            </a:pPr>
+            <a:r>
+              <a:rPr lang="en-US" sz="1200" dirty="0">
                 <a:latin typeface="Courier New" panose="02070309020205020404" pitchFamily="49" charset="0"/>
                 <a:cs typeface="Courier New" panose="02070309020205020404" pitchFamily="49" charset="0"/>
               </a:rPr>
-              <a:t>venv</a:t>
-            </a:r>
-            <a:r>
-              <a:rPr lang="en-US" dirty="0">
+              <a:t># *</a:t>
+            </a:r>
+            <a:r>
+              <a:rPr lang="en-US" sz="1200" dirty="0" err="1">
                 <a:latin typeface="Courier New" panose="02070309020205020404" pitchFamily="49" charset="0"/>
                 <a:cs typeface="Courier New" panose="02070309020205020404" pitchFamily="49" charset="0"/>
               </a:rPr>
-              <a:t> </a:t>
-            </a:r>
-            <a:r>
-              <a:rPr lang="en-US" dirty="0" err="1">
+              <a:t>args</a:t>
+            </a:r>
+            <a:r>
+              <a:rPr lang="en-US" sz="1200" dirty="0">
                 <a:latin typeface="Courier New" panose="02070309020205020404" pitchFamily="49" charset="0"/>
                 <a:cs typeface="Courier New" panose="02070309020205020404" pitchFamily="49" charset="0"/>
               </a:rPr>
-              <a:t>venv</a:t>
-            </a:r>
-            <a:r>
-              <a:rPr lang="en-US" dirty="0">
+              <a:t> with first extra argument </a:t>
+            </a:r>
+          </a:p>
+          <a:p>
+            <a:pPr marL="0" indent="0">
+              <a:buNone/>
+            </a:pPr>
+            <a:r>
+              <a:rPr lang="en-US" sz="1200" dirty="0">
                 <a:latin typeface="Courier New" panose="02070309020205020404" pitchFamily="49" charset="0"/>
                 <a:cs typeface="Courier New" panose="02070309020205020404" pitchFamily="49" charset="0"/>
               </a:rPr>
-              <a:t> </a:t>
-            </a:r>
-            <a:r>
-              <a:rPr lang="en-US" dirty="0">
-                <a:sym typeface="Wingdings" panose="05000000000000000000" pitchFamily="2" charset="2"/>
-              </a:rPr>
-              <a:t> create ./</a:t>
-            </a:r>
-            <a:r>
-              <a:rPr lang="en-US" dirty="0" err="1">
-                <a:sym typeface="Wingdings" panose="05000000000000000000" pitchFamily="2" charset="2"/>
-              </a:rPr>
-              <a:t>venv</a:t>
-            </a:r>
-            <a:r>
-              <a:rPr lang="en-US" dirty="0">
-                <a:sym typeface="Wingdings" panose="05000000000000000000" pitchFamily="2" charset="2"/>
-              </a:rPr>
-              <a:t> and fill it with the binaries</a:t>
-            </a:r>
-          </a:p>
-          <a:p>
-            <a:r>
-              <a:rPr lang="en-US" dirty="0">
+              <a:t>def </a:t>
+            </a:r>
+            <a:r>
+              <a:rPr lang="en-US" sz="1200" dirty="0" err="1">
                 <a:latin typeface="Courier New" panose="02070309020205020404" pitchFamily="49" charset="0"/>
                 <a:cs typeface="Courier New" panose="02070309020205020404" pitchFamily="49" charset="0"/>
-                <a:sym typeface="Wingdings" panose="05000000000000000000" pitchFamily="2" charset="2"/>
-              </a:rPr>
-              <a:t>source </a:t>
-            </a:r>
-            <a:r>
-              <a:rPr lang="en-US" dirty="0" err="1">
+              </a:rPr>
+              <a:t>myFun</a:t>
+            </a:r>
+            <a:r>
+              <a:rPr lang="en-US" sz="1200" dirty="0">
                 <a:latin typeface="Courier New" panose="02070309020205020404" pitchFamily="49" charset="0"/>
                 <a:cs typeface="Courier New" panose="02070309020205020404" pitchFamily="49" charset="0"/>
-                <a:sym typeface="Wingdings" panose="05000000000000000000" pitchFamily="2" charset="2"/>
-              </a:rPr>
-              <a:t>venv</a:t>
-            </a:r>
-            <a:r>
-              <a:rPr lang="en-US" dirty="0">
+              </a:rPr>
+              <a:t>(arg1, </a:t>
+            </a:r>
+            <a:r>
+              <a:rPr lang="en-US" sz="1400" b="1" dirty="0">
                 <a:latin typeface="Courier New" panose="02070309020205020404" pitchFamily="49" charset="0"/>
                 <a:cs typeface="Courier New" panose="02070309020205020404" pitchFamily="49" charset="0"/>
-                <a:sym typeface="Wingdings" panose="05000000000000000000" pitchFamily="2" charset="2"/>
-              </a:rPr>
-              <a:t>/bin/activate </a:t>
-            </a:r>
-            <a:r>
-              <a:rPr lang="en-US" dirty="0">
-                <a:sym typeface="Wingdings" panose="05000000000000000000" pitchFamily="2" charset="2"/>
-              </a:rPr>
-              <a:t> start using it</a:t>
-            </a:r>
-          </a:p>
-          <a:p>
-            <a:r>
-              <a:rPr lang="en-US" dirty="0">
+              </a:rPr>
+              <a:t>*</a:t>
+            </a:r>
+            <a:r>
+              <a:rPr lang="en-US" sz="1400" b="1" dirty="0" err="1">
                 <a:latin typeface="Courier New" panose="02070309020205020404" pitchFamily="49" charset="0"/>
                 <a:cs typeface="Courier New" panose="02070309020205020404" pitchFamily="49" charset="0"/>
-                <a:sym typeface="Wingdings" panose="05000000000000000000" pitchFamily="2" charset="2"/>
-              </a:rPr>
-              <a:t>deactivate</a:t>
-            </a:r>
-            <a:r>
-              <a:rPr lang="en-US" dirty="0">
-                <a:sym typeface="Wingdings" panose="05000000000000000000" pitchFamily="2" charset="2"/>
-              </a:rPr>
-              <a:t>  stop using it</a:t>
-            </a:r>
-          </a:p>
-          <a:p>
-            <a:r>
-              <a:rPr lang="en-US" dirty="0">
-                <a:solidFill>
-                  <a:schemeClr val="accent6">
-                    <a:lumMod val="75000"/>
-                  </a:schemeClr>
-                </a:solidFill>
-                <a:sym typeface="Wingdings" panose="05000000000000000000" pitchFamily="2" charset="2"/>
-              </a:rPr>
-              <a:t>(demo)</a:t>
-            </a:r>
-            <a:endParaRPr lang="en-IL" dirty="0">
-              <a:solidFill>
-                <a:schemeClr val="accent6">
-                  <a:lumMod val="75000"/>
-                </a:schemeClr>
-              </a:solidFill>
-            </a:endParaRPr>
+              </a:rPr>
+              <a:t>argv</a:t>
+            </a:r>
+            <a:r>
+              <a:rPr lang="en-US" sz="1200" dirty="0">
+                <a:latin typeface="Courier New" panose="02070309020205020404" pitchFamily="49" charset="0"/>
+                <a:cs typeface="Courier New" panose="02070309020205020404" pitchFamily="49" charset="0"/>
+              </a:rPr>
+              <a:t>): </a:t>
+            </a:r>
+          </a:p>
+          <a:p>
+            <a:pPr marL="0" indent="0">
+              <a:buNone/>
+            </a:pPr>
+            <a:r>
+              <a:rPr lang="en-US" sz="1200" dirty="0">
+                <a:latin typeface="Courier New" panose="02070309020205020404" pitchFamily="49" charset="0"/>
+                <a:cs typeface="Courier New" panose="02070309020205020404" pitchFamily="49" charset="0"/>
+              </a:rPr>
+              <a:t>	print ("First argument :", arg1) </a:t>
+            </a:r>
+          </a:p>
+          <a:p>
+            <a:pPr marL="0" indent="0">
+              <a:buNone/>
+            </a:pPr>
+            <a:r>
+              <a:rPr lang="en-US" sz="1200" dirty="0">
+                <a:latin typeface="Courier New" panose="02070309020205020404" pitchFamily="49" charset="0"/>
+                <a:cs typeface="Courier New" panose="02070309020205020404" pitchFamily="49" charset="0"/>
+              </a:rPr>
+              <a:t>	for </a:t>
+            </a:r>
+            <a:r>
+              <a:rPr lang="en-US" sz="1200" dirty="0" err="1">
+                <a:latin typeface="Courier New" panose="02070309020205020404" pitchFamily="49" charset="0"/>
+                <a:cs typeface="Courier New" panose="02070309020205020404" pitchFamily="49" charset="0"/>
+              </a:rPr>
+              <a:t>arg</a:t>
+            </a:r>
+            <a:r>
+              <a:rPr lang="en-US" sz="1200" dirty="0">
+                <a:latin typeface="Courier New" panose="02070309020205020404" pitchFamily="49" charset="0"/>
+                <a:cs typeface="Courier New" panose="02070309020205020404" pitchFamily="49" charset="0"/>
+              </a:rPr>
+              <a:t> in </a:t>
+            </a:r>
+            <a:r>
+              <a:rPr lang="en-US" sz="1200" dirty="0" err="1">
+                <a:latin typeface="Courier New" panose="02070309020205020404" pitchFamily="49" charset="0"/>
+                <a:cs typeface="Courier New" panose="02070309020205020404" pitchFamily="49" charset="0"/>
+              </a:rPr>
+              <a:t>argv</a:t>
+            </a:r>
+            <a:r>
+              <a:rPr lang="en-US" sz="1200" dirty="0">
+                <a:latin typeface="Courier New" panose="02070309020205020404" pitchFamily="49" charset="0"/>
+                <a:cs typeface="Courier New" panose="02070309020205020404" pitchFamily="49" charset="0"/>
+              </a:rPr>
+              <a:t>: </a:t>
+            </a:r>
+          </a:p>
+          <a:p>
+            <a:pPr marL="0" indent="0">
+              <a:buNone/>
+            </a:pPr>
+            <a:r>
+              <a:rPr lang="en-US" sz="1200" dirty="0">
+                <a:latin typeface="Courier New" panose="02070309020205020404" pitchFamily="49" charset="0"/>
+                <a:cs typeface="Courier New" panose="02070309020205020404" pitchFamily="49" charset="0"/>
+              </a:rPr>
+              <a:t>		print("Next argument through *</a:t>
+            </a:r>
+            <a:r>
+              <a:rPr lang="en-US" sz="1200" dirty="0" err="1">
+                <a:latin typeface="Courier New" panose="02070309020205020404" pitchFamily="49" charset="0"/>
+                <a:cs typeface="Courier New" panose="02070309020205020404" pitchFamily="49" charset="0"/>
+              </a:rPr>
+              <a:t>argv</a:t>
+            </a:r>
+            <a:r>
+              <a:rPr lang="en-US" sz="1200" dirty="0">
+                <a:latin typeface="Courier New" panose="02070309020205020404" pitchFamily="49" charset="0"/>
+                <a:cs typeface="Courier New" panose="02070309020205020404" pitchFamily="49" charset="0"/>
+              </a:rPr>
+              <a:t> :", </a:t>
+            </a:r>
+            <a:r>
+              <a:rPr lang="en-US" sz="1200" dirty="0" err="1">
+                <a:latin typeface="Courier New" panose="02070309020205020404" pitchFamily="49" charset="0"/>
+                <a:cs typeface="Courier New" panose="02070309020205020404" pitchFamily="49" charset="0"/>
+              </a:rPr>
+              <a:t>arg</a:t>
+            </a:r>
+            <a:r>
+              <a:rPr lang="en-US" sz="1200" dirty="0">
+                <a:latin typeface="Courier New" panose="02070309020205020404" pitchFamily="49" charset="0"/>
+                <a:cs typeface="Courier New" panose="02070309020205020404" pitchFamily="49" charset="0"/>
+              </a:rPr>
+              <a:t>) </a:t>
+            </a:r>
+          </a:p>
+          <a:p>
+            <a:pPr marL="0" indent="0">
+              <a:buNone/>
+            </a:pPr>
+            <a:r>
+              <a:rPr lang="en-US" sz="1200" dirty="0" err="1">
+                <a:latin typeface="Courier New" panose="02070309020205020404" pitchFamily="49" charset="0"/>
+                <a:cs typeface="Courier New" panose="02070309020205020404" pitchFamily="49" charset="0"/>
+              </a:rPr>
+              <a:t>myFun</a:t>
+            </a:r>
+            <a:r>
+              <a:rPr lang="en-US" sz="1200" dirty="0">
+                <a:latin typeface="Courier New" panose="02070309020205020404" pitchFamily="49" charset="0"/>
+                <a:cs typeface="Courier New" panose="02070309020205020404" pitchFamily="49" charset="0"/>
+              </a:rPr>
+              <a:t>('Hello', 'Welcome', 'to', '</a:t>
+            </a:r>
+            <a:r>
+              <a:rPr lang="en-US" sz="1200" dirty="0" err="1">
+                <a:latin typeface="Courier New" panose="02070309020205020404" pitchFamily="49" charset="0"/>
+                <a:cs typeface="Courier New" panose="02070309020205020404" pitchFamily="49" charset="0"/>
+              </a:rPr>
+              <a:t>GeeksforGeeks</a:t>
+            </a:r>
+            <a:r>
+              <a:rPr lang="en-US" sz="1200" dirty="0">
+                <a:latin typeface="Courier New" panose="02070309020205020404" pitchFamily="49" charset="0"/>
+                <a:cs typeface="Courier New" panose="02070309020205020404" pitchFamily="49" charset="0"/>
+              </a:rPr>
+              <a:t>’) </a:t>
+            </a:r>
+          </a:p>
+          <a:p>
+            <a:pPr marL="0" indent="0">
+              <a:buNone/>
+            </a:pPr>
+            <a:r>
+              <a:rPr lang="en-US" sz="1200" dirty="0">
+                <a:latin typeface="Courier New" panose="02070309020205020404" pitchFamily="49" charset="0"/>
+                <a:cs typeface="Courier New" panose="02070309020205020404" pitchFamily="49" charset="0"/>
+              </a:rPr>
+              <a:t>---------------------------</a:t>
+            </a:r>
+          </a:p>
+          <a:p>
+            <a:pPr marL="0" indent="0">
+              <a:buNone/>
+            </a:pPr>
+            <a:r>
+              <a:rPr lang="en-US" sz="1200" dirty="0">
+                <a:latin typeface="Courier New" panose="02070309020205020404" pitchFamily="49" charset="0"/>
+                <a:cs typeface="Courier New" panose="02070309020205020404" pitchFamily="49" charset="0"/>
+              </a:rPr>
+              <a:t>def </a:t>
+            </a:r>
+            <a:r>
+              <a:rPr lang="en-US" sz="1200" dirty="0" err="1">
+                <a:latin typeface="Courier New" panose="02070309020205020404" pitchFamily="49" charset="0"/>
+                <a:cs typeface="Courier New" panose="02070309020205020404" pitchFamily="49" charset="0"/>
+              </a:rPr>
+              <a:t>myFun</a:t>
+            </a:r>
+            <a:r>
+              <a:rPr lang="en-US" sz="1200" dirty="0">
+                <a:latin typeface="Courier New" panose="02070309020205020404" pitchFamily="49" charset="0"/>
+                <a:cs typeface="Courier New" panose="02070309020205020404" pitchFamily="49" charset="0"/>
+              </a:rPr>
+              <a:t>(**</a:t>
+            </a:r>
+            <a:r>
+              <a:rPr lang="en-US" sz="1200" dirty="0" err="1">
+                <a:latin typeface="Courier New" panose="02070309020205020404" pitchFamily="49" charset="0"/>
+                <a:cs typeface="Courier New" panose="02070309020205020404" pitchFamily="49" charset="0"/>
+              </a:rPr>
+              <a:t>kwargs</a:t>
+            </a:r>
+            <a:r>
+              <a:rPr lang="en-US" sz="1200" dirty="0">
+                <a:latin typeface="Courier New" panose="02070309020205020404" pitchFamily="49" charset="0"/>
+                <a:cs typeface="Courier New" panose="02070309020205020404" pitchFamily="49" charset="0"/>
+              </a:rPr>
+              <a:t>): </a:t>
+            </a:r>
+          </a:p>
+          <a:p>
+            <a:pPr marL="0" indent="0">
+              <a:buNone/>
+            </a:pPr>
+            <a:r>
+              <a:rPr lang="en-US" sz="1200" dirty="0">
+                <a:latin typeface="Courier New" panose="02070309020205020404" pitchFamily="49" charset="0"/>
+                <a:cs typeface="Courier New" panose="02070309020205020404" pitchFamily="49" charset="0"/>
+              </a:rPr>
+              <a:t>	for key, value in </a:t>
+            </a:r>
+            <a:r>
+              <a:rPr lang="en-US" sz="1200" dirty="0" err="1">
+                <a:latin typeface="Courier New" panose="02070309020205020404" pitchFamily="49" charset="0"/>
+                <a:cs typeface="Courier New" panose="02070309020205020404" pitchFamily="49" charset="0"/>
+              </a:rPr>
+              <a:t>kwargs.items</a:t>
+            </a:r>
+            <a:r>
+              <a:rPr lang="en-US" sz="1200" dirty="0">
+                <a:latin typeface="Courier New" panose="02070309020205020404" pitchFamily="49" charset="0"/>
+                <a:cs typeface="Courier New" panose="02070309020205020404" pitchFamily="49" charset="0"/>
+              </a:rPr>
+              <a:t>(): </a:t>
+            </a:r>
+          </a:p>
+          <a:p>
+            <a:pPr marL="0" indent="0">
+              <a:buNone/>
+            </a:pPr>
+            <a:r>
+              <a:rPr lang="en-US" sz="1200" dirty="0">
+                <a:latin typeface="Courier New" panose="02070309020205020404" pitchFamily="49" charset="0"/>
+                <a:cs typeface="Courier New" panose="02070309020205020404" pitchFamily="49" charset="0"/>
+              </a:rPr>
+              <a:t>		print ("%s == %s" %(key, value)) </a:t>
+            </a:r>
+          </a:p>
+          <a:p>
+            <a:pPr marL="0" indent="0">
+              <a:buNone/>
+            </a:pPr>
+            <a:r>
+              <a:rPr lang="en-US" sz="1200" dirty="0" err="1">
+                <a:latin typeface="Courier New" panose="02070309020205020404" pitchFamily="49" charset="0"/>
+                <a:cs typeface="Courier New" panose="02070309020205020404" pitchFamily="49" charset="0"/>
+              </a:rPr>
+              <a:t>myFun</a:t>
+            </a:r>
+            <a:r>
+              <a:rPr lang="en-US" sz="1200" dirty="0">
+                <a:latin typeface="Courier New" panose="02070309020205020404" pitchFamily="49" charset="0"/>
+                <a:cs typeface="Courier New" panose="02070309020205020404" pitchFamily="49" charset="0"/>
+              </a:rPr>
+              <a:t>(first ='Geeks', mid ='for', last='Geeks')	 </a:t>
+            </a:r>
+          </a:p>
+          <a:p>
+            <a:pPr marL="0" indent="0">
+              <a:buNone/>
+            </a:pPr>
+            <a:endParaRPr lang="en-IL" dirty="0"/>
           </a:p>
         </p:txBody>
       </p:sp>
     </p:spTree>
     <p:extLst>
       <p:ext uri="{BB962C8B-B14F-4D97-AF65-F5344CB8AC3E}">
-        <p14:creationId xmlns:p14="http://schemas.microsoft.com/office/powerpoint/2010/main" val="1351197003"/>
+        <p14:creationId xmlns:p14="http://schemas.microsoft.com/office/powerpoint/2010/main" val="1951621338"/>
       </p:ext>
     </p:extLst>
   </p:cSld>

--- a/Advanced Python workshop.pptx
+++ b/Advanced Python workshop.pptx
@@ -5,44 +5,51 @@
     <p:sldMasterId id="2147483648" r:id="rId1"/>
   </p:sldMasterIdLst>
   <p:notesMasterIdLst>
-    <p:notesMasterId r:id="rId37"/>
+    <p:notesMasterId r:id="rId44"/>
   </p:notesMasterIdLst>
   <p:sldIdLst>
     <p:sldId id="256" r:id="rId2"/>
     <p:sldId id="257" r:id="rId3"/>
     <p:sldId id="290" r:id="rId4"/>
-    <p:sldId id="263" r:id="rId5"/>
-    <p:sldId id="289" r:id="rId6"/>
-    <p:sldId id="258" r:id="rId7"/>
-    <p:sldId id="269" r:id="rId8"/>
-    <p:sldId id="270" r:id="rId9"/>
-    <p:sldId id="284" r:id="rId10"/>
-    <p:sldId id="277" r:id="rId11"/>
-    <p:sldId id="264" r:id="rId12"/>
-    <p:sldId id="274" r:id="rId13"/>
-    <p:sldId id="265" r:id="rId14"/>
-    <p:sldId id="273" r:id="rId15"/>
-    <p:sldId id="272" r:id="rId16"/>
-    <p:sldId id="266" r:id="rId17"/>
-    <p:sldId id="267" r:id="rId18"/>
-    <p:sldId id="275" r:id="rId19"/>
-    <p:sldId id="283" r:id="rId20"/>
-    <p:sldId id="276" r:id="rId21"/>
-    <p:sldId id="268" r:id="rId22"/>
-    <p:sldId id="259" r:id="rId23"/>
-    <p:sldId id="262" r:id="rId24"/>
-    <p:sldId id="260" r:id="rId25"/>
-    <p:sldId id="291" r:id="rId26"/>
-    <p:sldId id="261" r:id="rId27"/>
-    <p:sldId id="279" r:id="rId28"/>
-    <p:sldId id="278" r:id="rId29"/>
-    <p:sldId id="280" r:id="rId30"/>
-    <p:sldId id="282" r:id="rId31"/>
-    <p:sldId id="281" r:id="rId32"/>
-    <p:sldId id="285" r:id="rId33"/>
-    <p:sldId id="286" r:id="rId34"/>
-    <p:sldId id="287" r:id="rId35"/>
-    <p:sldId id="271" r:id="rId36"/>
+    <p:sldId id="289" r:id="rId5"/>
+    <p:sldId id="294" r:id="rId6"/>
+    <p:sldId id="263" r:id="rId7"/>
+    <p:sldId id="293" r:id="rId8"/>
+    <p:sldId id="258" r:id="rId9"/>
+    <p:sldId id="269" r:id="rId10"/>
+    <p:sldId id="270" r:id="rId11"/>
+    <p:sldId id="284" r:id="rId12"/>
+    <p:sldId id="277" r:id="rId13"/>
+    <p:sldId id="264" r:id="rId14"/>
+    <p:sldId id="274" r:id="rId15"/>
+    <p:sldId id="265" r:id="rId16"/>
+    <p:sldId id="273" r:id="rId17"/>
+    <p:sldId id="272" r:id="rId18"/>
+    <p:sldId id="266" r:id="rId19"/>
+    <p:sldId id="267" r:id="rId20"/>
+    <p:sldId id="275" r:id="rId21"/>
+    <p:sldId id="283" r:id="rId22"/>
+    <p:sldId id="276" r:id="rId23"/>
+    <p:sldId id="259" r:id="rId24"/>
+    <p:sldId id="262" r:id="rId25"/>
+    <p:sldId id="260" r:id="rId26"/>
+    <p:sldId id="296" r:id="rId27"/>
+    <p:sldId id="295" r:id="rId28"/>
+    <p:sldId id="297" r:id="rId29"/>
+    <p:sldId id="298" r:id="rId30"/>
+    <p:sldId id="268" r:id="rId31"/>
+    <p:sldId id="291" r:id="rId32"/>
+    <p:sldId id="261" r:id="rId33"/>
+    <p:sldId id="279" r:id="rId34"/>
+    <p:sldId id="278" r:id="rId35"/>
+    <p:sldId id="280" r:id="rId36"/>
+    <p:sldId id="282" r:id="rId37"/>
+    <p:sldId id="281" r:id="rId38"/>
+    <p:sldId id="285" r:id="rId39"/>
+    <p:sldId id="286" r:id="rId40"/>
+    <p:sldId id="287" r:id="rId41"/>
+    <p:sldId id="271" r:id="rId42"/>
+    <p:sldId id="292" r:id="rId43"/>
   </p:sldIdLst>
   <p:sldSz cx="12192000" cy="6858000"/>
   <p:notesSz cx="6858000" cy="9144000"/>
@@ -154,12 +161,12 @@
   <pc:docChgLst>
     <pc:chgData name="Noam Cohen" userId="91dab1e8-3a56-42f2-9f70-7df54632f194" providerId="ADAL" clId="{4A58AB60-FFCE-45E6-B313-A3ABF4C9F6DD}"/>
     <pc:docChg chg="undo redo custSel addSld delSld modSld sldOrd">
-      <pc:chgData name="Noam Cohen" userId="91dab1e8-3a56-42f2-9f70-7df54632f194" providerId="ADAL" clId="{4A58AB60-FFCE-45E6-B313-A3ABF4C9F6DD}" dt="2019-07-09T12:40:52.420" v="9624" actId="1076"/>
+      <pc:chgData name="Noam Cohen" userId="91dab1e8-3a56-42f2-9f70-7df54632f194" providerId="ADAL" clId="{4A58AB60-FFCE-45E6-B313-A3ABF4C9F6DD}" dt="2019-07-18T09:41:32.513" v="10436" actId="13926"/>
       <pc:docMkLst>
         <pc:docMk/>
       </pc:docMkLst>
       <pc:sldChg chg="addSp modSp">
-        <pc:chgData name="Noam Cohen" userId="91dab1e8-3a56-42f2-9f70-7df54632f194" providerId="ADAL" clId="{4A58AB60-FFCE-45E6-B313-A3ABF4C9F6DD}" dt="2019-06-20T12:47:06.326" v="4959" actId="20577"/>
+        <pc:chgData name="Noam Cohen" userId="91dab1e8-3a56-42f2-9f70-7df54632f194" providerId="ADAL" clId="{4A58AB60-FFCE-45E6-B313-A3ABF4C9F6DD}" dt="2019-07-18T08:27:34.017" v="10078" actId="20577"/>
         <pc:sldMkLst>
           <pc:docMk/>
           <pc:sldMk cId="2056076314" sldId="256"/>
@@ -172,6 +179,14 @@
             <ac:spMk id="2" creationId="{9124C175-59B0-4365-B233-5925E1CE2994}"/>
           </ac:spMkLst>
         </pc:spChg>
+        <pc:spChg chg="mod">
+          <ac:chgData name="Noam Cohen" userId="91dab1e8-3a56-42f2-9f70-7df54632f194" providerId="ADAL" clId="{4A58AB60-FFCE-45E6-B313-A3ABF4C9F6DD}" dt="2019-07-18T08:27:34.017" v="10078" actId="20577"/>
+          <ac:spMkLst>
+            <pc:docMk/>
+            <pc:sldMk cId="2056076314" sldId="256"/>
+            <ac:spMk id="3" creationId="{ECA2D555-E493-4F61-A7E4-CBD64AE45108}"/>
+          </ac:spMkLst>
+        </pc:spChg>
         <pc:spChg chg="add mod">
           <ac:chgData name="Noam Cohen" userId="91dab1e8-3a56-42f2-9f70-7df54632f194" providerId="ADAL" clId="{4A58AB60-FFCE-45E6-B313-A3ABF4C9F6DD}" dt="2019-06-20T12:47:06.326" v="4959" actId="20577"/>
           <ac:spMkLst>
@@ -181,20 +196,36 @@
           </ac:spMkLst>
         </pc:spChg>
       </pc:sldChg>
-      <pc:sldChg chg="modSp">
-        <pc:chgData name="Noam Cohen" userId="91dab1e8-3a56-42f2-9f70-7df54632f194" providerId="ADAL" clId="{4A58AB60-FFCE-45E6-B313-A3ABF4C9F6DD}" dt="2019-07-09T09:08:52.915" v="8612" actId="20577"/>
+      <pc:sldChg chg="addSp modSp">
+        <pc:chgData name="Noam Cohen" userId="91dab1e8-3a56-42f2-9f70-7df54632f194" providerId="ADAL" clId="{4A58AB60-FFCE-45E6-B313-A3ABF4C9F6DD}" dt="2019-07-17T14:18:15.061" v="9908" actId="1076"/>
         <pc:sldMkLst>
           <pc:docMk/>
           <pc:sldMk cId="3223354107" sldId="257"/>
         </pc:sldMkLst>
         <pc:spChg chg="mod">
-          <ac:chgData name="Noam Cohen" userId="91dab1e8-3a56-42f2-9f70-7df54632f194" providerId="ADAL" clId="{4A58AB60-FFCE-45E6-B313-A3ABF4C9F6DD}" dt="2019-07-09T09:08:52.915" v="8612" actId="20577"/>
+          <ac:chgData name="Noam Cohen" userId="91dab1e8-3a56-42f2-9f70-7df54632f194" providerId="ADAL" clId="{4A58AB60-FFCE-45E6-B313-A3ABF4C9F6DD}" dt="2019-07-17T14:17:57.595" v="9904"/>
           <ac:spMkLst>
             <pc:docMk/>
             <pc:sldMk cId="3223354107" sldId="257"/>
             <ac:spMk id="3" creationId="{BE4DAF65-8362-4AEF-A53D-A749012F0939}"/>
           </ac:spMkLst>
         </pc:spChg>
+        <pc:spChg chg="add mod">
+          <ac:chgData name="Noam Cohen" userId="91dab1e8-3a56-42f2-9f70-7df54632f194" providerId="ADAL" clId="{4A58AB60-FFCE-45E6-B313-A3ABF4C9F6DD}" dt="2019-07-17T14:18:15.061" v="9908" actId="1076"/>
+          <ac:spMkLst>
+            <pc:docMk/>
+            <pc:sldMk cId="3223354107" sldId="257"/>
+            <ac:spMk id="6" creationId="{E7DB1C16-2F25-4103-BD91-4E4207964B4F}"/>
+          </ac:spMkLst>
+        </pc:spChg>
+        <pc:picChg chg="add mod">
+          <ac:chgData name="Noam Cohen" userId="91dab1e8-3a56-42f2-9f70-7df54632f194" providerId="ADAL" clId="{4A58AB60-FFCE-45E6-B313-A3ABF4C9F6DD}" dt="2019-07-17T14:15:05.757" v="9871" actId="1076"/>
+          <ac:picMkLst>
+            <pc:docMk/>
+            <pc:sldMk cId="3223354107" sldId="257"/>
+            <ac:picMk id="5" creationId="{65EB29E9-15C4-41E6-AA8C-35B75E27C8F5}"/>
+          </ac:picMkLst>
+        </pc:picChg>
       </pc:sldChg>
       <pc:sldChg chg="modSp modNotesTx">
         <pc:chgData name="Noam Cohen" userId="91dab1e8-3a56-42f2-9f70-7df54632f194" providerId="ADAL" clId="{4A58AB60-FFCE-45E6-B313-A3ABF4C9F6DD}" dt="2019-07-09T08:54:14.622" v="8571" actId="404"/>
@@ -288,7 +319,7 @@
         </pc:spChg>
       </pc:sldChg>
       <pc:sldChg chg="addSp modSp modNotesTx">
-        <pc:chgData name="Noam Cohen" userId="91dab1e8-3a56-42f2-9f70-7df54632f194" providerId="ADAL" clId="{4A58AB60-FFCE-45E6-B313-A3ABF4C9F6DD}" dt="2019-06-25T09:38:09.729" v="5806"/>
+        <pc:chgData name="Noam Cohen" userId="91dab1e8-3a56-42f2-9f70-7df54632f194" providerId="ADAL" clId="{4A58AB60-FFCE-45E6-B313-A3ABF4C9F6DD}" dt="2019-07-11T09:58:15.444" v="9709" actId="6549"/>
         <pc:sldMkLst>
           <pc:docMk/>
           <pc:sldMk cId="1751425026" sldId="263"/>
@@ -451,7 +482,7 @@
         </pc:spChg>
       </pc:sldChg>
       <pc:sldChg chg="addSp delSp modSp add ord modNotesTx">
-        <pc:chgData name="Noam Cohen" userId="91dab1e8-3a56-42f2-9f70-7df54632f194" providerId="ADAL" clId="{4A58AB60-FFCE-45E6-B313-A3ABF4C9F6DD}" dt="2019-07-09T09:27:07.025" v="8613"/>
+        <pc:chgData name="Noam Cohen" userId="91dab1e8-3a56-42f2-9f70-7df54632f194" providerId="ADAL" clId="{4A58AB60-FFCE-45E6-B313-A3ABF4C9F6DD}" dt="2019-07-18T08:26:46.883" v="10070" actId="20577"/>
         <pc:sldMkLst>
           <pc:docMk/>
           <pc:sldMk cId="1103280647" sldId="268"/>
@@ -968,7 +999,7 @@
         </pc:spChg>
       </pc:sldChg>
       <pc:sldChg chg="addSp modSp add">
-        <pc:chgData name="Noam Cohen" userId="91dab1e8-3a56-42f2-9f70-7df54632f194" providerId="ADAL" clId="{4A58AB60-FFCE-45E6-B313-A3ABF4C9F6DD}" dt="2019-06-25T09:30:21.701" v="5780"/>
+        <pc:chgData name="Noam Cohen" userId="91dab1e8-3a56-42f2-9f70-7df54632f194" providerId="ADAL" clId="{4A58AB60-FFCE-45E6-B313-A3ABF4C9F6DD}" dt="2019-07-18T08:09:01.763" v="9919" actId="1076"/>
         <pc:sldMkLst>
           <pc:docMk/>
           <pc:sldMk cId="240947688" sldId="279"/>
@@ -982,7 +1013,7 @@
           </ac:spMkLst>
         </pc:spChg>
         <pc:spChg chg="mod">
-          <ac:chgData name="Noam Cohen" userId="91dab1e8-3a56-42f2-9f70-7df54632f194" providerId="ADAL" clId="{4A58AB60-FFCE-45E6-B313-A3ABF4C9F6DD}" dt="2019-06-25T09:29:56.058" v="5778" actId="5793"/>
+          <ac:chgData name="Noam Cohen" userId="91dab1e8-3a56-42f2-9f70-7df54632f194" providerId="ADAL" clId="{4A58AB60-FFCE-45E6-B313-A3ABF4C9F6DD}" dt="2019-07-18T08:08:33.846" v="9918" actId="313"/>
           <ac:spMkLst>
             <pc:docMk/>
             <pc:sldMk cId="240947688" sldId="279"/>
@@ -990,7 +1021,7 @@
           </ac:spMkLst>
         </pc:spChg>
         <pc:picChg chg="add mod">
-          <ac:chgData name="Noam Cohen" userId="91dab1e8-3a56-42f2-9f70-7df54632f194" providerId="ADAL" clId="{4A58AB60-FFCE-45E6-B313-A3ABF4C9F6DD}" dt="2019-06-25T09:30:21.701" v="5780"/>
+          <ac:chgData name="Noam Cohen" userId="91dab1e8-3a56-42f2-9f70-7df54632f194" providerId="ADAL" clId="{4A58AB60-FFCE-45E6-B313-A3ABF4C9F6DD}" dt="2019-07-18T08:09:01.763" v="9919" actId="1076"/>
           <ac:picMkLst>
             <pc:docMk/>
             <pc:sldMk cId="240947688" sldId="279"/>
@@ -1246,47 +1277,8 @@
           </ac:picMkLst>
         </pc:picChg>
       </pc:sldChg>
-      <pc:sldChg chg="addSp delSp modSp add del">
-        <pc:chgData name="Noam Cohen" userId="91dab1e8-3a56-42f2-9f70-7df54632f194" providerId="ADAL" clId="{4A58AB60-FFCE-45E6-B313-A3ABF4C9F6DD}" dt="2019-07-09T09:08:10.616" v="8588" actId="2696"/>
-        <pc:sldMkLst>
-          <pc:docMk/>
-          <pc:sldMk cId="4017753053" sldId="288"/>
-        </pc:sldMkLst>
-        <pc:spChg chg="mod">
-          <ac:chgData name="Noam Cohen" userId="91dab1e8-3a56-42f2-9f70-7df54632f194" providerId="ADAL" clId="{4A58AB60-FFCE-45E6-B313-A3ABF4C9F6DD}" dt="2019-07-07T13:06:33.549" v="7040" actId="20577"/>
-          <ac:spMkLst>
-            <pc:docMk/>
-            <pc:sldMk cId="4017753053" sldId="288"/>
-            <ac:spMk id="2" creationId="{88C96277-AEFE-4B8F-BFAD-2FF329C1EA91}"/>
-          </ac:spMkLst>
-        </pc:spChg>
-        <pc:spChg chg="mod">
-          <ac:chgData name="Noam Cohen" userId="91dab1e8-3a56-42f2-9f70-7df54632f194" providerId="ADAL" clId="{4A58AB60-FFCE-45E6-B313-A3ABF4C9F6DD}" dt="2019-07-09T09:07:41.461" v="8584"/>
-          <ac:spMkLst>
-            <pc:docMk/>
-            <pc:sldMk cId="4017753053" sldId="288"/>
-            <ac:spMk id="3" creationId="{B13C41B8-1618-410E-9DE1-94756ED4CDFC}"/>
-          </ac:spMkLst>
-        </pc:spChg>
-        <pc:picChg chg="add del mod">
-          <ac:chgData name="Noam Cohen" userId="91dab1e8-3a56-42f2-9f70-7df54632f194" providerId="ADAL" clId="{4A58AB60-FFCE-45E6-B313-A3ABF4C9F6DD}" dt="2019-07-07T13:07:43.403" v="7053"/>
-          <ac:picMkLst>
-            <pc:docMk/>
-            <pc:sldMk cId="4017753053" sldId="288"/>
-            <ac:picMk id="1026" creationId="{E2D908F8-C0A3-4CEB-AD50-9E2ECE4B4CE6}"/>
-          </ac:picMkLst>
-        </pc:picChg>
-        <pc:picChg chg="add del mod">
-          <ac:chgData name="Noam Cohen" userId="91dab1e8-3a56-42f2-9f70-7df54632f194" providerId="ADAL" clId="{4A58AB60-FFCE-45E6-B313-A3ABF4C9F6DD}" dt="2019-07-09T09:07:12.585" v="8579"/>
-          <ac:picMkLst>
-            <pc:docMk/>
-            <pc:sldMk cId="4017753053" sldId="288"/>
-            <ac:picMk id="1028" creationId="{A09BB9B8-8B64-4460-B833-A864C9EE4298}"/>
-          </ac:picMkLst>
-        </pc:picChg>
-      </pc:sldChg>
-      <pc:sldChg chg="modSp add modNotesTx">
-        <pc:chgData name="Noam Cohen" userId="91dab1e8-3a56-42f2-9f70-7df54632f194" providerId="ADAL" clId="{4A58AB60-FFCE-45E6-B313-A3ABF4C9F6DD}" dt="2019-07-08T05:55:01.192" v="8274" actId="20577"/>
+      <pc:sldChg chg="modSp add ord modNotesTx">
+        <pc:chgData name="Noam Cohen" userId="91dab1e8-3a56-42f2-9f70-7df54632f194" providerId="ADAL" clId="{4A58AB60-FFCE-45E6-B313-A3ABF4C9F6DD}" dt="2019-07-11T10:13:51.386" v="9710"/>
         <pc:sldMkLst>
           <pc:docMk/>
           <pc:sldMk cId="313681494" sldId="289"/>
@@ -1308,8 +1300,8 @@
           </ac:spMkLst>
         </pc:spChg>
       </pc:sldChg>
-      <pc:sldChg chg="modSp add modNotesTx">
-        <pc:chgData name="Noam Cohen" userId="91dab1e8-3a56-42f2-9f70-7df54632f194" providerId="ADAL" clId="{4A58AB60-FFCE-45E6-B313-A3ABF4C9F6DD}" dt="2019-07-09T07:30:10.077" v="8384" actId="20577"/>
+      <pc:sldChg chg="addSp modSp add modNotesTx">
+        <pc:chgData name="Noam Cohen" userId="91dab1e8-3a56-42f2-9f70-7df54632f194" providerId="ADAL" clId="{4A58AB60-FFCE-45E6-B313-A3ABF4C9F6DD}" dt="2019-07-11T09:52:31.867" v="9707" actId="1076"/>
         <pc:sldMkLst>
           <pc:docMk/>
           <pc:sldMk cId="2411966097" sldId="290"/>
@@ -1323,16 +1315,24 @@
           </ac:spMkLst>
         </pc:spChg>
         <pc:spChg chg="mod">
-          <ac:chgData name="Noam Cohen" userId="91dab1e8-3a56-42f2-9f70-7df54632f194" providerId="ADAL" clId="{4A58AB60-FFCE-45E6-B313-A3ABF4C9F6DD}" dt="2019-07-07T14:19:34.078" v="7906" actId="20577"/>
+          <ac:chgData name="Noam Cohen" userId="91dab1e8-3a56-42f2-9f70-7df54632f194" providerId="ADAL" clId="{4A58AB60-FFCE-45E6-B313-A3ABF4C9F6DD}" dt="2019-07-11T09:51:32.295" v="9702" actId="20577"/>
           <ac:spMkLst>
             <pc:docMk/>
             <pc:sldMk cId="2411966097" sldId="290"/>
             <ac:spMk id="3" creationId="{A0F0EC19-F4A3-443A-B950-61D9D1C7B6EE}"/>
           </ac:spMkLst>
         </pc:spChg>
+        <pc:picChg chg="add mod">
+          <ac:chgData name="Noam Cohen" userId="91dab1e8-3a56-42f2-9f70-7df54632f194" providerId="ADAL" clId="{4A58AB60-FFCE-45E6-B313-A3ABF4C9F6DD}" dt="2019-07-11T09:52:31.867" v="9707" actId="1076"/>
+          <ac:picMkLst>
+            <pc:docMk/>
+            <pc:sldMk cId="2411966097" sldId="290"/>
+            <ac:picMk id="1026" creationId="{544BF359-60F1-474A-9F00-CE05503E0247}"/>
+          </ac:picMkLst>
+        </pc:picChg>
       </pc:sldChg>
       <pc:sldChg chg="addSp delSp modSp add modNotesTx">
-        <pc:chgData name="Noam Cohen" userId="91dab1e8-3a56-42f2-9f70-7df54632f194" providerId="ADAL" clId="{4A58AB60-FFCE-45E6-B313-A3ABF4C9F6DD}" dt="2019-07-09T12:35:10.807" v="9091" actId="478"/>
+        <pc:chgData name="Noam Cohen" userId="91dab1e8-3a56-42f2-9f70-7df54632f194" providerId="ADAL" clId="{4A58AB60-FFCE-45E6-B313-A3ABF4C9F6DD}" dt="2019-07-18T08:13:05.090" v="9994" actId="20577"/>
         <pc:sldMkLst>
           <pc:docMk/>
           <pc:sldMk cId="2295202889" sldId="291"/>
@@ -1378,12 +1378,246 @@
           </ac:picMkLst>
         </pc:picChg>
       </pc:sldChg>
-      <pc:sldChg chg="add del">
-        <pc:chgData name="Noam Cohen" userId="91dab1e8-3a56-42f2-9f70-7df54632f194" providerId="ADAL" clId="{4A58AB60-FFCE-45E6-B313-A3ABF4C9F6DD}" dt="2019-07-09T11:00:45.784" v="8803" actId="2696"/>
+      <pc:sldChg chg="modSp add">
+        <pc:chgData name="Noam Cohen" userId="91dab1e8-3a56-42f2-9f70-7df54632f194" providerId="ADAL" clId="{4A58AB60-FFCE-45E6-B313-A3ABF4C9F6DD}" dt="2019-07-11T09:17:24.074" v="9651" actId="20577"/>
         <pc:sldMkLst>
           <pc:docMk/>
-          <pc:sldMk cId="2975873358" sldId="292"/>
+          <pc:sldMk cId="3484932655" sldId="292"/>
         </pc:sldMkLst>
+        <pc:spChg chg="mod">
+          <ac:chgData name="Noam Cohen" userId="91dab1e8-3a56-42f2-9f70-7df54632f194" providerId="ADAL" clId="{4A58AB60-FFCE-45E6-B313-A3ABF4C9F6DD}" dt="2019-07-11T09:17:24.074" v="9651" actId="20577"/>
+          <ac:spMkLst>
+            <pc:docMk/>
+            <pc:sldMk cId="3484932655" sldId="292"/>
+            <ac:spMk id="2" creationId="{C181E77F-4E40-49EB-910F-374600FF885F}"/>
+          </ac:spMkLst>
+        </pc:spChg>
+        <pc:spChg chg="mod">
+          <ac:chgData name="Noam Cohen" userId="91dab1e8-3a56-42f2-9f70-7df54632f194" providerId="ADAL" clId="{4A58AB60-FFCE-45E6-B313-A3ABF4C9F6DD}" dt="2019-07-11T09:17:10.510" v="9626"/>
+          <ac:spMkLst>
+            <pc:docMk/>
+            <pc:sldMk cId="3484932655" sldId="292"/>
+            <ac:spMk id="3" creationId="{8EA5929A-2256-4A06-A01F-5D6258D50B65}"/>
+          </ac:spMkLst>
+        </pc:spChg>
+      </pc:sldChg>
+      <pc:sldChg chg="add setBg">
+        <pc:chgData name="Noam Cohen" userId="91dab1e8-3a56-42f2-9f70-7df54632f194" providerId="ADAL" clId="{4A58AB60-FFCE-45E6-B313-A3ABF4C9F6DD}" dt="2019-07-11T10:15:30.663" v="9797"/>
+        <pc:sldMkLst>
+          <pc:docMk/>
+          <pc:sldMk cId="3610397565" sldId="293"/>
+        </pc:sldMkLst>
+      </pc:sldChg>
+      <pc:sldChg chg="addSp delSp modSp add modNotesTx">
+        <pc:chgData name="Noam Cohen" userId="91dab1e8-3a56-42f2-9f70-7df54632f194" providerId="ADAL" clId="{4A58AB60-FFCE-45E6-B313-A3ABF4C9F6DD}" dt="2019-07-11T10:34:15.683" v="9869" actId="20577"/>
+        <pc:sldMkLst>
+          <pc:docMk/>
+          <pc:sldMk cId="2797091275" sldId="294"/>
+        </pc:sldMkLst>
+        <pc:spChg chg="mod">
+          <ac:chgData name="Noam Cohen" userId="91dab1e8-3a56-42f2-9f70-7df54632f194" providerId="ADAL" clId="{4A58AB60-FFCE-45E6-B313-A3ABF4C9F6DD}" dt="2019-07-11T10:32:02.450" v="9823" actId="5793"/>
+          <ac:spMkLst>
+            <pc:docMk/>
+            <pc:sldMk cId="2797091275" sldId="294"/>
+            <ac:spMk id="2" creationId="{ADF6E335-99D9-4627-88FC-770F6194D070}"/>
+          </ac:spMkLst>
+        </pc:spChg>
+        <pc:graphicFrameChg chg="add del mod">
+          <ac:chgData name="Noam Cohen" userId="91dab1e8-3a56-42f2-9f70-7df54632f194" providerId="ADAL" clId="{4A58AB60-FFCE-45E6-B313-A3ABF4C9F6DD}" dt="2019-07-11T10:32:44.758" v="9826" actId="478"/>
+          <ac:graphicFrameMkLst>
+            <pc:docMk/>
+            <pc:sldMk cId="2797091275" sldId="294"/>
+            <ac:graphicFrameMk id="4" creationId="{6518F0BA-ED68-4D6E-B156-9B691D0A1B12}"/>
+          </ac:graphicFrameMkLst>
+        </pc:graphicFrameChg>
+        <pc:graphicFrameChg chg="add del mod">
+          <ac:chgData name="Noam Cohen" userId="91dab1e8-3a56-42f2-9f70-7df54632f194" providerId="ADAL" clId="{4A58AB60-FFCE-45E6-B313-A3ABF4C9F6DD}" dt="2019-07-11T10:33:16.489" v="9828" actId="478"/>
+          <ac:graphicFrameMkLst>
+            <pc:docMk/>
+            <pc:sldMk cId="2797091275" sldId="294"/>
+            <ac:graphicFrameMk id="5" creationId="{6E6DC04C-724E-406E-B282-202A05666AD7}"/>
+          </ac:graphicFrameMkLst>
+        </pc:graphicFrameChg>
+      </pc:sldChg>
+      <pc:sldChg chg="addSp delSp modSp add">
+        <pc:chgData name="Noam Cohen" userId="91dab1e8-3a56-42f2-9f70-7df54632f194" providerId="ADAL" clId="{4A58AB60-FFCE-45E6-B313-A3ABF4C9F6DD}" dt="2019-07-18T09:17:04.259" v="10327" actId="14100"/>
+        <pc:sldMkLst>
+          <pc:docMk/>
+          <pc:sldMk cId="3126482207" sldId="295"/>
+        </pc:sldMkLst>
+        <pc:spChg chg="mod">
+          <ac:chgData name="Noam Cohen" userId="91dab1e8-3a56-42f2-9f70-7df54632f194" providerId="ADAL" clId="{4A58AB60-FFCE-45E6-B313-A3ABF4C9F6DD}" dt="2019-07-18T08:33:40.768" v="10118" actId="403"/>
+          <ac:spMkLst>
+            <pc:docMk/>
+            <pc:sldMk cId="3126482207" sldId="295"/>
+            <ac:spMk id="2" creationId="{D06D3B45-46F0-4916-B4B8-C858CBF04FA1}"/>
+          </ac:spMkLst>
+        </pc:spChg>
+        <pc:spChg chg="add del mod">
+          <ac:chgData name="Noam Cohen" userId="91dab1e8-3a56-42f2-9f70-7df54632f194" providerId="ADAL" clId="{4A58AB60-FFCE-45E6-B313-A3ABF4C9F6DD}" dt="2019-07-18T09:16:40.706" v="10324" actId="27636"/>
+          <ac:spMkLst>
+            <pc:docMk/>
+            <pc:sldMk cId="3126482207" sldId="295"/>
+            <ac:spMk id="3" creationId="{33E46937-2862-40D2-AB02-DE360699FFEC}"/>
+          </ac:spMkLst>
+        </pc:spChg>
+        <pc:spChg chg="add del">
+          <ac:chgData name="Noam Cohen" userId="91dab1e8-3a56-42f2-9f70-7df54632f194" providerId="ADAL" clId="{4A58AB60-FFCE-45E6-B313-A3ABF4C9F6DD}" dt="2019-07-18T08:32:06.995" v="10084"/>
+          <ac:spMkLst>
+            <pc:docMk/>
+            <pc:sldMk cId="3126482207" sldId="295"/>
+            <ac:spMk id="4" creationId="{C31937E1-EFAA-43F5-B34F-B56803F5E73B}"/>
+          </ac:spMkLst>
+        </pc:spChg>
+        <pc:spChg chg="add del">
+          <ac:chgData name="Noam Cohen" userId="91dab1e8-3a56-42f2-9f70-7df54632f194" providerId="ADAL" clId="{4A58AB60-FFCE-45E6-B313-A3ABF4C9F6DD}" dt="2019-07-18T08:32:15.402" v="10088"/>
+          <ac:spMkLst>
+            <pc:docMk/>
+            <pc:sldMk cId="3126482207" sldId="295"/>
+            <ac:spMk id="5" creationId="{61B84C24-5F4F-46CC-A79C-CEC94DAF407D}"/>
+          </ac:spMkLst>
+        </pc:spChg>
+        <pc:spChg chg="add del">
+          <ac:chgData name="Noam Cohen" userId="91dab1e8-3a56-42f2-9f70-7df54632f194" providerId="ADAL" clId="{4A58AB60-FFCE-45E6-B313-A3ABF4C9F6DD}" dt="2019-07-18T08:32:14.971" v="10087"/>
+          <ac:spMkLst>
+            <pc:docMk/>
+            <pc:sldMk cId="3126482207" sldId="295"/>
+            <ac:spMk id="6" creationId="{33F34EE7-E403-4EEE-AA27-E22F5ACDA8D1}"/>
+          </ac:spMkLst>
+        </pc:spChg>
+        <pc:spChg chg="add del">
+          <ac:chgData name="Noam Cohen" userId="91dab1e8-3a56-42f2-9f70-7df54632f194" providerId="ADAL" clId="{4A58AB60-FFCE-45E6-B313-A3ABF4C9F6DD}" dt="2019-07-18T08:32:18.236" v="10090"/>
+          <ac:spMkLst>
+            <pc:docMk/>
+            <pc:sldMk cId="3126482207" sldId="295"/>
+            <ac:spMk id="7" creationId="{52038CD9-9ECF-4366-AD74-ED2D2F89AD3A}"/>
+          </ac:spMkLst>
+        </pc:spChg>
+        <pc:spChg chg="add del mod">
+          <ac:chgData name="Noam Cohen" userId="91dab1e8-3a56-42f2-9f70-7df54632f194" providerId="ADAL" clId="{4A58AB60-FFCE-45E6-B313-A3ABF4C9F6DD}" dt="2019-07-18T09:16:25.927" v="10320"/>
+          <ac:spMkLst>
+            <pc:docMk/>
+            <pc:sldMk cId="3126482207" sldId="295"/>
+            <ac:spMk id="8" creationId="{A958A7A1-063F-48C7-AF67-12136EF7E7E4}"/>
+          </ac:spMkLst>
+        </pc:spChg>
+        <pc:spChg chg="add mod">
+          <ac:chgData name="Noam Cohen" userId="91dab1e8-3a56-42f2-9f70-7df54632f194" providerId="ADAL" clId="{4A58AB60-FFCE-45E6-B313-A3ABF4C9F6DD}" dt="2019-07-18T09:17:04.259" v="10327" actId="14100"/>
+          <ac:spMkLst>
+            <pc:docMk/>
+            <pc:sldMk cId="3126482207" sldId="295"/>
+            <ac:spMk id="9" creationId="{4BC32687-1517-483B-B044-A8A2FC7E62B9}"/>
+          </ac:spMkLst>
+        </pc:spChg>
+      </pc:sldChg>
+      <pc:sldChg chg="addSp delSp modSp add ord">
+        <pc:chgData name="Noam Cohen" userId="91dab1e8-3a56-42f2-9f70-7df54632f194" providerId="ADAL" clId="{4A58AB60-FFCE-45E6-B313-A3ABF4C9F6DD}" dt="2019-07-18T09:13:52.499" v="10310" actId="1076"/>
+        <pc:sldMkLst>
+          <pc:docMk/>
+          <pc:sldMk cId="1884045320" sldId="296"/>
+        </pc:sldMkLst>
+        <pc:spChg chg="mod">
+          <ac:chgData name="Noam Cohen" userId="91dab1e8-3a56-42f2-9f70-7df54632f194" providerId="ADAL" clId="{4A58AB60-FFCE-45E6-B313-A3ABF4C9F6DD}" dt="2019-07-18T08:14:57.648" v="10015" actId="20577"/>
+          <ac:spMkLst>
+            <pc:docMk/>
+            <pc:sldMk cId="1884045320" sldId="296"/>
+            <ac:spMk id="2" creationId="{6225D3A7-B45A-44C1-B532-01D444B86492}"/>
+          </ac:spMkLst>
+        </pc:spChg>
+        <pc:spChg chg="mod">
+          <ac:chgData name="Noam Cohen" userId="91dab1e8-3a56-42f2-9f70-7df54632f194" providerId="ADAL" clId="{4A58AB60-FFCE-45E6-B313-A3ABF4C9F6DD}" dt="2019-07-18T08:44:06.371" v="10305" actId="948"/>
+          <ac:spMkLst>
+            <pc:docMk/>
+            <pc:sldMk cId="1884045320" sldId="296"/>
+            <ac:spMk id="3" creationId="{E8FE64CB-CF33-49D4-B4B6-7A2EEC7D039E}"/>
+          </ac:spMkLst>
+        </pc:spChg>
+        <pc:spChg chg="add mod">
+          <ac:chgData name="Noam Cohen" userId="91dab1e8-3a56-42f2-9f70-7df54632f194" providerId="ADAL" clId="{4A58AB60-FFCE-45E6-B313-A3ABF4C9F6DD}" dt="2019-07-18T08:43:11.258" v="10302" actId="20577"/>
+          <ac:spMkLst>
+            <pc:docMk/>
+            <pc:sldMk cId="1884045320" sldId="296"/>
+            <ac:spMk id="4" creationId="{237DA7BB-26DF-4886-AF99-09E772290D5D}"/>
+          </ac:spMkLst>
+        </pc:spChg>
+        <pc:spChg chg="add del">
+          <ac:chgData name="Noam Cohen" userId="91dab1e8-3a56-42f2-9f70-7df54632f194" providerId="ADAL" clId="{4A58AB60-FFCE-45E6-B313-A3ABF4C9F6DD}" dt="2019-07-18T09:10:19.810" v="10307"/>
+          <ac:spMkLst>
+            <pc:docMk/>
+            <pc:sldMk cId="1884045320" sldId="296"/>
+            <ac:spMk id="5" creationId="{B573C45D-D556-4E44-87A8-3E8C96B25D06}"/>
+          </ac:spMkLst>
+        </pc:spChg>
+        <pc:picChg chg="add mod">
+          <ac:chgData name="Noam Cohen" userId="91dab1e8-3a56-42f2-9f70-7df54632f194" providerId="ADAL" clId="{4A58AB60-FFCE-45E6-B313-A3ABF4C9F6DD}" dt="2019-07-18T09:13:52.499" v="10310" actId="1076"/>
+          <ac:picMkLst>
+            <pc:docMk/>
+            <pc:sldMk cId="1884045320" sldId="296"/>
+            <ac:picMk id="7" creationId="{C768590F-C8AE-4EA0-922D-4EF0A6D79E5E}"/>
+          </ac:picMkLst>
+        </pc:picChg>
+      </pc:sldChg>
+      <pc:sldChg chg="addSp delSp modSp add">
+        <pc:chgData name="Noam Cohen" userId="91dab1e8-3a56-42f2-9f70-7df54632f194" providerId="ADAL" clId="{4A58AB60-FFCE-45E6-B313-A3ABF4C9F6DD}" dt="2019-07-18T09:32:44.345" v="10366" actId="2711"/>
+        <pc:sldMkLst>
+          <pc:docMk/>
+          <pc:sldMk cId="953621309" sldId="297"/>
+        </pc:sldMkLst>
+        <pc:spChg chg="mod">
+          <ac:chgData name="Noam Cohen" userId="91dab1e8-3a56-42f2-9f70-7df54632f194" providerId="ADAL" clId="{4A58AB60-FFCE-45E6-B313-A3ABF4C9F6DD}" dt="2019-07-18T08:25:12.714" v="10033" actId="20577"/>
+          <ac:spMkLst>
+            <pc:docMk/>
+            <pc:sldMk cId="953621309" sldId="297"/>
+            <ac:spMk id="2" creationId="{3DE598E6-3F5D-4DCF-A41B-378B97465A3B}"/>
+          </ac:spMkLst>
+        </pc:spChg>
+        <pc:spChg chg="mod">
+          <ac:chgData name="Noam Cohen" userId="91dab1e8-3a56-42f2-9f70-7df54632f194" providerId="ADAL" clId="{4A58AB60-FFCE-45E6-B313-A3ABF4C9F6DD}" dt="2019-07-18T09:32:44.345" v="10366" actId="2711"/>
+          <ac:spMkLst>
+            <pc:docMk/>
+            <pc:sldMk cId="953621309" sldId="297"/>
+            <ac:spMk id="3" creationId="{F7A8A4F1-D700-4B78-B60C-DF7B258329B0}"/>
+          </ac:spMkLst>
+        </pc:spChg>
+        <pc:spChg chg="add del mod">
+          <ac:chgData name="Noam Cohen" userId="91dab1e8-3a56-42f2-9f70-7df54632f194" providerId="ADAL" clId="{4A58AB60-FFCE-45E6-B313-A3ABF4C9F6DD}" dt="2019-07-18T09:32:32.513" v="10361"/>
+          <ac:spMkLst>
+            <pc:docMk/>
+            <pc:sldMk cId="953621309" sldId="297"/>
+            <ac:spMk id="4" creationId="{7466B92F-097E-404F-838C-DC125D083AAD}"/>
+          </ac:spMkLst>
+        </pc:spChg>
+      </pc:sldChg>
+      <pc:sldChg chg="addSp delSp modSp add">
+        <pc:chgData name="Noam Cohen" userId="91dab1e8-3a56-42f2-9f70-7df54632f194" providerId="ADAL" clId="{4A58AB60-FFCE-45E6-B313-A3ABF4C9F6DD}" dt="2019-07-18T09:41:32.513" v="10436" actId="13926"/>
+        <pc:sldMkLst>
+          <pc:docMk/>
+          <pc:sldMk cId="2148606295" sldId="298"/>
+        </pc:sldMkLst>
+        <pc:spChg chg="mod">
+          <ac:chgData name="Noam Cohen" userId="91dab1e8-3a56-42f2-9f70-7df54632f194" providerId="ADAL" clId="{4A58AB60-FFCE-45E6-B313-A3ABF4C9F6DD}" dt="2019-07-18T09:33:22.900" v="10385" actId="20577"/>
+          <ac:spMkLst>
+            <pc:docMk/>
+            <pc:sldMk cId="2148606295" sldId="298"/>
+            <ac:spMk id="2" creationId="{6BC7A684-1535-4BF2-B4AB-AECCDC4D53D3}"/>
+          </ac:spMkLst>
+        </pc:spChg>
+        <pc:spChg chg="mod">
+          <ac:chgData name="Noam Cohen" userId="91dab1e8-3a56-42f2-9f70-7df54632f194" providerId="ADAL" clId="{4A58AB60-FFCE-45E6-B313-A3ABF4C9F6DD}" dt="2019-07-18T09:41:32.513" v="10436" actId="13926"/>
+          <ac:spMkLst>
+            <pc:docMk/>
+            <pc:sldMk cId="2148606295" sldId="298"/>
+            <ac:spMk id="3" creationId="{C533A2F6-7176-4597-A778-B8AADF0E097B}"/>
+          </ac:spMkLst>
+        </pc:spChg>
+        <pc:spChg chg="add del">
+          <ac:chgData name="Noam Cohen" userId="91dab1e8-3a56-42f2-9f70-7df54632f194" providerId="ADAL" clId="{4A58AB60-FFCE-45E6-B313-A3ABF4C9F6DD}" dt="2019-07-18T09:40:29.776" v="10428"/>
+          <ac:spMkLst>
+            <pc:docMk/>
+            <pc:sldMk cId="2148606295" sldId="298"/>
+            <ac:spMk id="4" creationId="{9DD2D461-CAB1-4357-AC4B-04EE08E44568}"/>
+          </ac:spMkLst>
+        </pc:spChg>
       </pc:sldChg>
     </pc:docChg>
   </pc:docChgLst>
@@ -1472,7 +1706,7 @@
           <a:p>
             <a:fld id="{E3A89C9D-33F5-4EFB-A589-AF1B6A4537ED}" type="datetimeFigureOut">
               <a:rPr lang="en-IL" smtClean="0"/>
-              <a:t>09/07/2019</a:t>
+              <a:t>17/07/2019</a:t>
             </a:fld>
             <a:endParaRPr lang="en-IL"/>
           </a:p>
@@ -1889,7 +2123,7 @@
           <a:p>
             <a:fld id="{7BBAA17F-B3FF-4B29-AA8E-9CA518DC54C6}" type="slidenum">
               <a:rPr lang="en-IL" smtClean="0"/>
-              <a:t>13</a:t>
+              <a:t>12</a:t>
             </a:fld>
             <a:endParaRPr lang="en-IL"/>
           </a:p>
@@ -1898,7 +2132,7 @@
     </p:spTree>
     <p:extLst>
       <p:ext uri="{BB962C8B-B14F-4D97-AF65-F5344CB8AC3E}">
-        <p14:creationId xmlns:p14="http://schemas.microsoft.com/office/powerpoint/2010/main" val="3385917794"/>
+        <p14:creationId xmlns:p14="http://schemas.microsoft.com/office/powerpoint/2010/main" val="1655808246"/>
       </p:ext>
     </p:extLst>
   </p:cSld>
@@ -1952,12 +2186,6 @@
           <a:bodyPr/>
           <a:lstStyle/>
           <a:p>
-            <a:r>
-              <a:rPr lang="en-US" dirty="0"/>
-              <a:t>Topic: imports</a:t>
-            </a:r>
-          </a:p>
-          <a:p>
             <a:endParaRPr lang="en-IL" dirty="0"/>
           </a:p>
         </p:txBody>
@@ -1979,7 +2207,7 @@
           <a:p>
             <a:fld id="{7BBAA17F-B3FF-4B29-AA8E-9CA518DC54C6}" type="slidenum">
               <a:rPr lang="en-IL" smtClean="0"/>
-              <a:t>15</a:t>
+              <a:t>13</a:t>
             </a:fld>
             <a:endParaRPr lang="en-IL"/>
           </a:p>
@@ -1988,7 +2216,7 @@
     </p:spTree>
     <p:extLst>
       <p:ext uri="{BB962C8B-B14F-4D97-AF65-F5344CB8AC3E}">
-        <p14:creationId xmlns:p14="http://schemas.microsoft.com/office/powerpoint/2010/main" val="2094361388"/>
+        <p14:creationId xmlns:p14="http://schemas.microsoft.com/office/powerpoint/2010/main" val="1362299971"/>
       </p:ext>
     </p:extLst>
   </p:cSld>
@@ -2063,7 +2291,7 @@
           <a:p>
             <a:fld id="{7BBAA17F-B3FF-4B29-AA8E-9CA518DC54C6}" type="slidenum">
               <a:rPr lang="en-IL" smtClean="0"/>
-              <a:t>18</a:t>
+              <a:t>15</a:t>
             </a:fld>
             <a:endParaRPr lang="en-IL"/>
           </a:p>
@@ -2072,7 +2300,7 @@
     </p:spTree>
     <p:extLst>
       <p:ext uri="{BB962C8B-B14F-4D97-AF65-F5344CB8AC3E}">
-        <p14:creationId xmlns:p14="http://schemas.microsoft.com/office/powerpoint/2010/main" val="3932135400"/>
+        <p14:creationId xmlns:p14="http://schemas.microsoft.com/office/powerpoint/2010/main" val="3385917794"/>
       </p:ext>
     </p:extLst>
   </p:cSld>
@@ -2128,30 +2356,8 @@
           <a:p>
             <a:r>
               <a:rPr lang="en-US" dirty="0"/>
-              <a:t>It seems (from internet search) to me that both implementations are alive but are not popular.</a:t>
-            </a:r>
-          </a:p>
-          <a:p>
-            <a:endParaRPr lang="en-US" dirty="0"/>
-          </a:p>
-          <a:p>
-            <a:r>
-              <a:rPr lang="en-US" dirty="0"/>
-              <a:t>Not clear if </a:t>
-            </a:r>
-            <a:r>
-              <a:rPr lang="en-US" dirty="0" err="1"/>
-              <a:t>jython</a:t>
-            </a:r>
-            <a:r>
-              <a:rPr lang="en-US" dirty="0"/>
-              <a:t>  support for python 3 </a:t>
-            </a:r>
-            <a:r>
-              <a:rPr lang="en-US"/>
-              <a:t>is stable</a:t>
-            </a:r>
-            <a:endParaRPr lang="en-US" dirty="0"/>
+              <a:t>Topic: imports</a:t>
+            </a:r>
           </a:p>
           <a:p>
             <a:endParaRPr lang="en-IL" dirty="0"/>
@@ -2175,7 +2381,7 @@
           <a:p>
             <a:fld id="{7BBAA17F-B3FF-4B29-AA8E-9CA518DC54C6}" type="slidenum">
               <a:rPr lang="en-IL" smtClean="0"/>
-              <a:t>20</a:t>
+              <a:t>17</a:t>
             </a:fld>
             <a:endParaRPr lang="en-IL"/>
           </a:p>
@@ -2184,7 +2390,7 @@
     </p:spTree>
     <p:extLst>
       <p:ext uri="{BB962C8B-B14F-4D97-AF65-F5344CB8AC3E}">
-        <p14:creationId xmlns:p14="http://schemas.microsoft.com/office/powerpoint/2010/main" val="3406193389"/>
+        <p14:creationId xmlns:p14="http://schemas.microsoft.com/office/powerpoint/2010/main" val="2094361388"/>
       </p:ext>
     </p:extLst>
   </p:cSld>
@@ -2238,17 +2444,6 @@
           <a:bodyPr/>
           <a:lstStyle/>
           <a:p>
-            <a:r>
-              <a:rPr lang="en-US" dirty="0"/>
-              <a:t>Personally I think it violates the “there should be one way of doing this” principle, but I agree it is </a:t>
-            </a:r>
-            <a:r>
-              <a:rPr lang="en-US"/>
-              <a:t>more readable</a:t>
-            </a:r>
-            <a:endParaRPr lang="en-US" dirty="0"/>
-          </a:p>
-          <a:p>
             <a:endParaRPr lang="en-IL" dirty="0"/>
           </a:p>
         </p:txBody>
@@ -2270,7 +2465,7 @@
           <a:p>
             <a:fld id="{7BBAA17F-B3FF-4B29-AA8E-9CA518DC54C6}" type="slidenum">
               <a:rPr lang="en-IL" smtClean="0"/>
-              <a:t>21</a:t>
+              <a:t>20</a:t>
             </a:fld>
             <a:endParaRPr lang="en-IL"/>
           </a:p>
@@ -2279,7 +2474,7 @@
     </p:spTree>
     <p:extLst>
       <p:ext uri="{BB962C8B-B14F-4D97-AF65-F5344CB8AC3E}">
-        <p14:creationId xmlns:p14="http://schemas.microsoft.com/office/powerpoint/2010/main" val="4111939235"/>
+        <p14:creationId xmlns:p14="http://schemas.microsoft.com/office/powerpoint/2010/main" val="3932135400"/>
       </p:ext>
     </p:extLst>
   </p:cSld>
@@ -2335,8 +2530,32 @@
           <a:p>
             <a:r>
               <a:rPr lang="en-US" dirty="0"/>
-              <a:t>Day 2</a:t>
-            </a:r>
+              <a:t>It seems (from internet search) to me that both implementations are alive but are not popular.</a:t>
+            </a:r>
+          </a:p>
+          <a:p>
+            <a:endParaRPr lang="en-US" dirty="0"/>
+          </a:p>
+          <a:p>
+            <a:r>
+              <a:rPr lang="en-US" dirty="0"/>
+              <a:t>Not clear if </a:t>
+            </a:r>
+            <a:r>
+              <a:rPr lang="en-US" dirty="0" err="1"/>
+              <a:t>jython</a:t>
+            </a:r>
+            <a:r>
+              <a:rPr lang="en-US" dirty="0"/>
+              <a:t>  support for python 3 </a:t>
+            </a:r>
+            <a:r>
+              <a:rPr lang="en-US"/>
+              <a:t>is stable</a:t>
+            </a:r>
+            <a:endParaRPr lang="en-US" dirty="0"/>
+          </a:p>
+          <a:p>
             <a:endParaRPr lang="en-IL" dirty="0"/>
           </a:p>
         </p:txBody>
@@ -2367,7 +2586,7 @@
     </p:spTree>
     <p:extLst>
       <p:ext uri="{BB962C8B-B14F-4D97-AF65-F5344CB8AC3E}">
-        <p14:creationId xmlns:p14="http://schemas.microsoft.com/office/powerpoint/2010/main" val="2365399512"/>
+        <p14:creationId xmlns:p14="http://schemas.microsoft.com/office/powerpoint/2010/main" val="3406193389"/>
       </p:ext>
     </p:extLst>
   </p:cSld>
@@ -2423,7 +2642,7 @@
           <a:p>
             <a:r>
               <a:rPr lang="en-US" dirty="0"/>
-              <a:t>Day 3</a:t>
+              <a:t>Day 2</a:t>
             </a:r>
             <a:endParaRPr lang="en-IL" dirty="0"/>
           </a:p>
@@ -2455,7 +2674,7 @@
     </p:spTree>
     <p:extLst>
       <p:ext uri="{BB962C8B-B14F-4D97-AF65-F5344CB8AC3E}">
-        <p14:creationId xmlns:p14="http://schemas.microsoft.com/office/powerpoint/2010/main" val="1796451147"/>
+        <p14:creationId xmlns:p14="http://schemas.microsoft.com/office/powerpoint/2010/main" val="2365399512"/>
       </p:ext>
     </p:extLst>
   </p:cSld>
@@ -2511,17 +2730,8 @@
           <a:p>
             <a:r>
               <a:rPr lang="en-US" dirty="0"/>
-              <a:t>See for example </a:t>
-            </a:r>
-            <a:r>
-              <a:rPr lang="en-US" dirty="0">
-                <a:hlinkClick r:id="rId3"/>
-              </a:rPr>
-              <a:t>https://www.toptal.com/python/beginners-guide-to-concurrency-and-parallelism-in-python</a:t>
-            </a:r>
-            <a:endParaRPr lang="en-US" dirty="0"/>
-          </a:p>
-          <a:p>
+              <a:t>Day 3</a:t>
+            </a:r>
             <a:endParaRPr lang="en-IL" dirty="0"/>
           </a:p>
         </p:txBody>
@@ -2552,7 +2762,7 @@
     </p:spTree>
     <p:extLst>
       <p:ext uri="{BB962C8B-B14F-4D97-AF65-F5344CB8AC3E}">
-        <p14:creationId xmlns:p14="http://schemas.microsoft.com/office/powerpoint/2010/main" val="4212853133"/>
+        <p14:creationId xmlns:p14="http://schemas.microsoft.com/office/powerpoint/2010/main" val="1796451147"/>
       </p:ext>
     </p:extLst>
   </p:cSld>
@@ -2608,48 +2818,17 @@
           <a:p>
             <a:r>
               <a:rPr lang="en-US" dirty="0"/>
-              <a:t>Complications:</a:t>
-            </a:r>
-          </a:p>
-          <a:p>
-            <a:pPr marL="171450" indent="-171450">
-              <a:buFont typeface="Arial" panose="020B0604020202020204" pitchFamily="34" charset="0"/>
-              <a:buChar char="•"/>
-            </a:pPr>
-            <a:r>
-              <a:rPr lang="en-US" dirty="0"/>
-              <a:t>Error handling is a nightmare</a:t>
-            </a:r>
-          </a:p>
-          <a:p>
-            <a:pPr marL="171450" indent="-171450">
-              <a:buFont typeface="Arial" panose="020B0604020202020204" pitchFamily="34" charset="0"/>
-              <a:buChar char="•"/>
-            </a:pPr>
-            <a:r>
-              <a:rPr lang="en-US" dirty="0"/>
-              <a:t>No clear stack trace to follow</a:t>
-            </a:r>
-          </a:p>
-          <a:p>
-            <a:pPr marL="171450" indent="-171450" rtl="0">
-              <a:buFont typeface="Arial" panose="020B0604020202020204" pitchFamily="34" charset="0"/>
-              <a:buChar char="•"/>
-            </a:pPr>
-            <a:r>
-              <a:rPr lang="en-US" dirty="0"/>
-              <a:t>Less readable (i.e. non readable)</a:t>
-            </a:r>
-          </a:p>
-          <a:p>
-            <a:pPr marL="171450" indent="-171450" rtl="0">
-              <a:buFont typeface="Arial" panose="020B0604020202020204" pitchFamily="34" charset="0"/>
-              <a:buChar char="•"/>
-            </a:pPr>
-            <a:r>
-              <a:rPr lang="en-US" dirty="0"/>
-              <a:t>you need to implement completion callback functions</a:t>
-            </a:r>
+              <a:t>See for example </a:t>
+            </a:r>
+            <a:r>
+              <a:rPr lang="en-US" dirty="0">
+                <a:hlinkClick r:id="rId3"/>
+              </a:rPr>
+              <a:t>https://www.toptal.com/python/beginners-guide-to-concurrency-and-parallelism-in-python</a:t>
+            </a:r>
+            <a:endParaRPr lang="en-US" dirty="0"/>
+          </a:p>
+          <a:p>
             <a:endParaRPr lang="en-IL" dirty="0"/>
           </a:p>
         </p:txBody>
@@ -2680,7 +2859,7 @@
     </p:spTree>
     <p:extLst>
       <p:ext uri="{BB962C8B-B14F-4D97-AF65-F5344CB8AC3E}">
-        <p14:creationId xmlns:p14="http://schemas.microsoft.com/office/powerpoint/2010/main" val="3649453036"/>
+        <p14:creationId xmlns:p14="http://schemas.microsoft.com/office/powerpoint/2010/main" val="4212853133"/>
       </p:ext>
     </p:extLst>
   </p:cSld>
@@ -2734,10 +2913,6 @@
           <a:bodyPr/>
           <a:lstStyle/>
           <a:p>
-            <a:r>
-              <a:rPr lang="en-US" dirty="0"/>
-              <a:t>Day 4</a:t>
-            </a:r>
             <a:endParaRPr lang="en-IL" dirty="0"/>
           </a:p>
         </p:txBody>
@@ -2768,7 +2943,7 @@
     </p:spTree>
     <p:extLst>
       <p:ext uri="{BB962C8B-B14F-4D97-AF65-F5344CB8AC3E}">
-        <p14:creationId xmlns:p14="http://schemas.microsoft.com/office/powerpoint/2010/main" val="3121267208"/>
+        <p14:creationId xmlns:p14="http://schemas.microsoft.com/office/powerpoint/2010/main" val="1241733723"/>
       </p:ext>
     </p:extLst>
   </p:cSld>
@@ -2919,6 +3094,19 @@
           <a:bodyPr/>
           <a:lstStyle/>
           <a:p>
+            <a:r>
+              <a:rPr lang="en-US" dirty="0"/>
+              <a:t>Personally I think it violates the “there should be one way of doing this” principle, but I agree it is more readable</a:t>
+            </a:r>
+          </a:p>
+          <a:p>
+            <a:endParaRPr lang="en-US" dirty="0"/>
+          </a:p>
+          <a:p>
+            <a:r>
+              <a:rPr lang="en-US" dirty="0"/>
+              <a:t>The “if condition” is optional</a:t>
+            </a:r>
             <a:endParaRPr lang="en-IL" dirty="0"/>
           </a:p>
         </p:txBody>
@@ -2949,7 +3137,7 @@
     </p:spTree>
     <p:extLst>
       <p:ext uri="{BB962C8B-B14F-4D97-AF65-F5344CB8AC3E}">
-        <p14:creationId xmlns:p14="http://schemas.microsoft.com/office/powerpoint/2010/main" val="1290220711"/>
+        <p14:creationId xmlns:p14="http://schemas.microsoft.com/office/powerpoint/2010/main" val="4111939235"/>
       </p:ext>
     </p:extLst>
   </p:cSld>
@@ -3003,6 +3191,66 @@
           <a:bodyPr/>
           <a:lstStyle/>
           <a:p>
+            <a:r>
+              <a:rPr lang="en-US" dirty="0"/>
+              <a:t>Complications:</a:t>
+            </a:r>
+          </a:p>
+          <a:p>
+            <a:pPr marL="171450" indent="-171450">
+              <a:buFont typeface="Arial" panose="020B0604020202020204" pitchFamily="34" charset="0"/>
+              <a:buChar char="•"/>
+            </a:pPr>
+            <a:r>
+              <a:rPr lang="en-US" dirty="0"/>
+              <a:t>Error handling is a nightmare</a:t>
+            </a:r>
+          </a:p>
+          <a:p>
+            <a:pPr marL="171450" indent="-171450">
+              <a:buFont typeface="Arial" panose="020B0604020202020204" pitchFamily="34" charset="0"/>
+              <a:buChar char="•"/>
+            </a:pPr>
+            <a:r>
+              <a:rPr lang="en-US" dirty="0"/>
+              <a:t>No clear stack trace to follow</a:t>
+            </a:r>
+          </a:p>
+          <a:p>
+            <a:pPr marL="171450" indent="-171450" rtl="0">
+              <a:buFont typeface="Arial" panose="020B0604020202020204" pitchFamily="34" charset="0"/>
+              <a:buChar char="•"/>
+            </a:pPr>
+            <a:r>
+              <a:rPr lang="en-US" dirty="0"/>
+              <a:t>Less readable (i.e. non readable)</a:t>
+            </a:r>
+          </a:p>
+          <a:p>
+            <a:pPr marL="171450" indent="-171450" rtl="0">
+              <a:buFont typeface="Arial" panose="020B0604020202020204" pitchFamily="34" charset="0"/>
+              <a:buChar char="•"/>
+            </a:pPr>
+            <a:r>
+              <a:rPr lang="en-US" dirty="0"/>
+              <a:t>you need to implement completion callback functions</a:t>
+            </a:r>
+          </a:p>
+          <a:p>
+            <a:pPr marL="171450" indent="-171450" rtl="0">
+              <a:buFont typeface="Arial" panose="020B0604020202020204" pitchFamily="34" charset="0"/>
+              <a:buChar char="•"/>
+            </a:pPr>
+            <a:r>
+              <a:rPr lang="en-US" dirty="0"/>
+              <a:t>await / async  became keywords in python 3.7</a:t>
+            </a:r>
+          </a:p>
+          <a:p>
+            <a:pPr marL="171450" indent="-171450" rtl="0">
+              <a:buFont typeface="Arial" panose="020B0604020202020204" pitchFamily="34" charset="0"/>
+              <a:buChar char="•"/>
+            </a:pPr>
             <a:endParaRPr lang="en-IL" dirty="0"/>
           </a:p>
         </p:txBody>
@@ -3033,7 +3281,7 @@
     </p:spTree>
     <p:extLst>
       <p:ext uri="{BB962C8B-B14F-4D97-AF65-F5344CB8AC3E}">
-        <p14:creationId xmlns:p14="http://schemas.microsoft.com/office/powerpoint/2010/main" val="867504744"/>
+        <p14:creationId xmlns:p14="http://schemas.microsoft.com/office/powerpoint/2010/main" val="3649453036"/>
       </p:ext>
     </p:extLst>
   </p:cSld>
@@ -3089,7 +3337,7 @@
           <a:p>
             <a:r>
               <a:rPr lang="en-US" dirty="0"/>
-              <a:t>Simple text based output</a:t>
+              <a:t>Day 4</a:t>
             </a:r>
             <a:endParaRPr lang="en-IL" dirty="0"/>
           </a:p>
@@ -3121,7 +3369,7 @@
     </p:spTree>
     <p:extLst>
       <p:ext uri="{BB962C8B-B14F-4D97-AF65-F5344CB8AC3E}">
-        <p14:creationId xmlns:p14="http://schemas.microsoft.com/office/powerpoint/2010/main" val="850066266"/>
+        <p14:creationId xmlns:p14="http://schemas.microsoft.com/office/powerpoint/2010/main" val="3121267208"/>
       </p:ext>
     </p:extLst>
   </p:cSld>
@@ -3175,10 +3423,6 @@
           <a:bodyPr/>
           <a:lstStyle/>
           <a:p>
-            <a:r>
-              <a:rPr lang="en-US" dirty="0"/>
-              <a:t> pip install pyprof2calltree </a:t>
-            </a:r>
             <a:endParaRPr lang="en-IL" dirty="0"/>
           </a:p>
         </p:txBody>
@@ -3200,7 +3444,267 @@
           <a:p>
             <a:fld id="{7BBAA17F-B3FF-4B29-AA8E-9CA518DC54C6}" type="slidenum">
               <a:rPr lang="en-IL" smtClean="0"/>
-              <a:t>33</a:t>
+              <a:t>36</a:t>
+            </a:fld>
+            <a:endParaRPr lang="en-IL"/>
+          </a:p>
+        </p:txBody>
+      </p:sp>
+    </p:spTree>
+    <p:extLst>
+      <p:ext uri="{BB962C8B-B14F-4D97-AF65-F5344CB8AC3E}">
+        <p14:creationId xmlns:p14="http://schemas.microsoft.com/office/powerpoint/2010/main" val="1290220711"/>
+      </p:ext>
+    </p:extLst>
+  </p:cSld>
+  <p:clrMapOvr>
+    <a:masterClrMapping/>
+  </p:clrMapOvr>
+</p:notes>
+</file>
+
+<file path=ppt/notesSlides/notesSlide24.xml><?xml version="1.0" encoding="utf-8"?>
+<p:notes xmlns:a="http://schemas.openxmlformats.org/drawingml/2006/main" xmlns:r="http://schemas.openxmlformats.org/officeDocument/2006/relationships" xmlns:p="http://schemas.openxmlformats.org/presentationml/2006/main">
+  <p:cSld>
+    <p:spTree>
+      <p:nvGrpSpPr>
+        <p:cNvPr id="1" name=""/>
+        <p:cNvGrpSpPr/>
+        <p:nvPr/>
+      </p:nvGrpSpPr>
+      <p:grpSpPr>
+        <a:xfrm>
+          <a:off x="0" y="0"/>
+          <a:ext cx="0" cy="0"/>
+          <a:chOff x="0" y="0"/>
+          <a:chExt cx="0" cy="0"/>
+        </a:xfrm>
+      </p:grpSpPr>
+      <p:sp>
+        <p:nvSpPr>
+          <p:cNvPr id="2" name="Slide Image Placeholder 1"/>
+          <p:cNvSpPr>
+            <a:spLocks noGrp="1" noRot="1" noChangeAspect="1"/>
+          </p:cNvSpPr>
+          <p:nvPr>
+            <p:ph type="sldImg"/>
+          </p:nvPr>
+        </p:nvSpPr>
+        <p:spPr/>
+      </p:sp>
+      <p:sp>
+        <p:nvSpPr>
+          <p:cNvPr id="3" name="Notes Placeholder 2"/>
+          <p:cNvSpPr>
+            <a:spLocks noGrp="1"/>
+          </p:cNvSpPr>
+          <p:nvPr>
+            <p:ph type="body" idx="1"/>
+          </p:nvPr>
+        </p:nvSpPr>
+        <p:spPr/>
+        <p:txBody>
+          <a:bodyPr/>
+          <a:lstStyle/>
+          <a:p>
+            <a:endParaRPr lang="en-IL" dirty="0"/>
+          </a:p>
+        </p:txBody>
+      </p:sp>
+      <p:sp>
+        <p:nvSpPr>
+          <p:cNvPr id="4" name="Slide Number Placeholder 3"/>
+          <p:cNvSpPr>
+            <a:spLocks noGrp="1"/>
+          </p:cNvSpPr>
+          <p:nvPr>
+            <p:ph type="sldNum" sz="quarter" idx="5"/>
+          </p:nvPr>
+        </p:nvSpPr>
+        <p:spPr/>
+        <p:txBody>
+          <a:bodyPr/>
+          <a:lstStyle/>
+          <a:p>
+            <a:fld id="{7BBAA17F-B3FF-4B29-AA8E-9CA518DC54C6}" type="slidenum">
+              <a:rPr lang="en-IL" smtClean="0"/>
+              <a:t>37</a:t>
+            </a:fld>
+            <a:endParaRPr lang="en-IL"/>
+          </a:p>
+        </p:txBody>
+      </p:sp>
+    </p:spTree>
+    <p:extLst>
+      <p:ext uri="{BB962C8B-B14F-4D97-AF65-F5344CB8AC3E}">
+        <p14:creationId xmlns:p14="http://schemas.microsoft.com/office/powerpoint/2010/main" val="867504744"/>
+      </p:ext>
+    </p:extLst>
+  </p:cSld>
+  <p:clrMapOvr>
+    <a:masterClrMapping/>
+  </p:clrMapOvr>
+</p:notes>
+</file>
+
+<file path=ppt/notesSlides/notesSlide25.xml><?xml version="1.0" encoding="utf-8"?>
+<p:notes xmlns:a="http://schemas.openxmlformats.org/drawingml/2006/main" xmlns:r="http://schemas.openxmlformats.org/officeDocument/2006/relationships" xmlns:p="http://schemas.openxmlformats.org/presentationml/2006/main">
+  <p:cSld>
+    <p:spTree>
+      <p:nvGrpSpPr>
+        <p:cNvPr id="1" name=""/>
+        <p:cNvGrpSpPr/>
+        <p:nvPr/>
+      </p:nvGrpSpPr>
+      <p:grpSpPr>
+        <a:xfrm>
+          <a:off x="0" y="0"/>
+          <a:ext cx="0" cy="0"/>
+          <a:chOff x="0" y="0"/>
+          <a:chExt cx="0" cy="0"/>
+        </a:xfrm>
+      </p:grpSpPr>
+      <p:sp>
+        <p:nvSpPr>
+          <p:cNvPr id="2" name="Slide Image Placeholder 1"/>
+          <p:cNvSpPr>
+            <a:spLocks noGrp="1" noRot="1" noChangeAspect="1"/>
+          </p:cNvSpPr>
+          <p:nvPr>
+            <p:ph type="sldImg"/>
+          </p:nvPr>
+        </p:nvSpPr>
+        <p:spPr/>
+      </p:sp>
+      <p:sp>
+        <p:nvSpPr>
+          <p:cNvPr id="3" name="Notes Placeholder 2"/>
+          <p:cNvSpPr>
+            <a:spLocks noGrp="1"/>
+          </p:cNvSpPr>
+          <p:nvPr>
+            <p:ph type="body" idx="1"/>
+          </p:nvPr>
+        </p:nvSpPr>
+        <p:spPr/>
+        <p:txBody>
+          <a:bodyPr/>
+          <a:lstStyle/>
+          <a:p>
+            <a:r>
+              <a:rPr lang="en-US" dirty="0"/>
+              <a:t>Simple text based output</a:t>
+            </a:r>
+            <a:endParaRPr lang="en-IL" dirty="0"/>
+          </a:p>
+        </p:txBody>
+      </p:sp>
+      <p:sp>
+        <p:nvSpPr>
+          <p:cNvPr id="4" name="Slide Number Placeholder 3"/>
+          <p:cNvSpPr>
+            <a:spLocks noGrp="1"/>
+          </p:cNvSpPr>
+          <p:nvPr>
+            <p:ph type="sldNum" sz="quarter" idx="5"/>
+          </p:nvPr>
+        </p:nvSpPr>
+        <p:spPr/>
+        <p:txBody>
+          <a:bodyPr/>
+          <a:lstStyle/>
+          <a:p>
+            <a:fld id="{7BBAA17F-B3FF-4B29-AA8E-9CA518DC54C6}" type="slidenum">
+              <a:rPr lang="en-IL" smtClean="0"/>
+              <a:t>38</a:t>
+            </a:fld>
+            <a:endParaRPr lang="en-IL"/>
+          </a:p>
+        </p:txBody>
+      </p:sp>
+    </p:spTree>
+    <p:extLst>
+      <p:ext uri="{BB962C8B-B14F-4D97-AF65-F5344CB8AC3E}">
+        <p14:creationId xmlns:p14="http://schemas.microsoft.com/office/powerpoint/2010/main" val="850066266"/>
+      </p:ext>
+    </p:extLst>
+  </p:cSld>
+  <p:clrMapOvr>
+    <a:masterClrMapping/>
+  </p:clrMapOvr>
+</p:notes>
+</file>
+
+<file path=ppt/notesSlides/notesSlide26.xml><?xml version="1.0" encoding="utf-8"?>
+<p:notes xmlns:a="http://schemas.openxmlformats.org/drawingml/2006/main" xmlns:r="http://schemas.openxmlformats.org/officeDocument/2006/relationships" xmlns:p="http://schemas.openxmlformats.org/presentationml/2006/main">
+  <p:cSld>
+    <p:spTree>
+      <p:nvGrpSpPr>
+        <p:cNvPr id="1" name=""/>
+        <p:cNvGrpSpPr/>
+        <p:nvPr/>
+      </p:nvGrpSpPr>
+      <p:grpSpPr>
+        <a:xfrm>
+          <a:off x="0" y="0"/>
+          <a:ext cx="0" cy="0"/>
+          <a:chOff x="0" y="0"/>
+          <a:chExt cx="0" cy="0"/>
+        </a:xfrm>
+      </p:grpSpPr>
+      <p:sp>
+        <p:nvSpPr>
+          <p:cNvPr id="2" name="Slide Image Placeholder 1"/>
+          <p:cNvSpPr>
+            <a:spLocks noGrp="1" noRot="1" noChangeAspect="1"/>
+          </p:cNvSpPr>
+          <p:nvPr>
+            <p:ph type="sldImg"/>
+          </p:nvPr>
+        </p:nvSpPr>
+        <p:spPr/>
+      </p:sp>
+      <p:sp>
+        <p:nvSpPr>
+          <p:cNvPr id="3" name="Notes Placeholder 2"/>
+          <p:cNvSpPr>
+            <a:spLocks noGrp="1"/>
+          </p:cNvSpPr>
+          <p:nvPr>
+            <p:ph type="body" idx="1"/>
+          </p:nvPr>
+        </p:nvSpPr>
+        <p:spPr/>
+        <p:txBody>
+          <a:bodyPr/>
+          <a:lstStyle/>
+          <a:p>
+            <a:r>
+              <a:rPr lang="en-US" dirty="0"/>
+              <a:t> pip install pyprof2calltree </a:t>
+            </a:r>
+            <a:endParaRPr lang="en-IL" dirty="0"/>
+          </a:p>
+        </p:txBody>
+      </p:sp>
+      <p:sp>
+        <p:nvSpPr>
+          <p:cNvPr id="4" name="Slide Number Placeholder 3"/>
+          <p:cNvSpPr>
+            <a:spLocks noGrp="1"/>
+          </p:cNvSpPr>
+          <p:nvPr>
+            <p:ph type="sldNum" sz="quarter" idx="5"/>
+          </p:nvPr>
+        </p:nvSpPr>
+        <p:spPr/>
+        <p:txBody>
+          <a:bodyPr/>
+          <a:lstStyle/>
+          <a:p>
+            <a:fld id="{7BBAA17F-B3FF-4B29-AA8E-9CA518DC54C6}" type="slidenum">
+              <a:rPr lang="en-IL" smtClean="0"/>
+              <a:t>39</a:t>
             </a:fld>
             <a:endParaRPr lang="en-IL"/>
           </a:p>
@@ -3265,7 +3769,13 @@
           <a:p>
             <a:r>
               <a:rPr lang="en-US" dirty="0"/>
-              <a:t>Day 1 + half of day 2</a:t>
+              <a:t>I tried the first method (using local compilation and remote interpreter)</a:t>
+            </a:r>
+          </a:p>
+          <a:p>
+            <a:r>
+              <a:rPr lang="en-US" dirty="0"/>
+              <a:t>The second method requires TWO way connection so not possible behind firewall (unless I am mistaken)</a:t>
             </a:r>
           </a:p>
           <a:p>
@@ -3274,18 +3784,37 @@
           <a:p>
             <a:r>
               <a:rPr lang="en-US" dirty="0"/>
-              <a:t>Syllabus at </a:t>
-            </a:r>
+              <a:t>The code runs on the remote, and </a:t>
+            </a:r>
+            <a:r>
+              <a:rPr lang="en-US" dirty="0" err="1"/>
+              <a:t>stdout</a:t>
+            </a:r>
+            <a:r>
+              <a:rPr lang="en-US" dirty="0"/>
+              <a:t> is seen in the IDE</a:t>
+            </a:r>
+          </a:p>
+          <a:p>
+            <a:r>
+              <a:rPr lang="en-US" dirty="0"/>
+              <a:t>Bravo!</a:t>
+            </a:r>
+          </a:p>
+          <a:p>
+            <a:endParaRPr lang="en-US" dirty="0"/>
+          </a:p>
+          <a:p>
             <a:r>
               <a:rPr lang="en-US" dirty="0">
                 <a:hlinkClick r:id="rId3"/>
               </a:rPr>
-              <a:t>https://docs.google.com/document/d/1-a5sqkK6FUwHCfmMCsv2auJZcEwZSQ7TbYP2DRMGVDg/edit#</a:t>
+              <a:t>https://www.jetbrains.com/help/pycharm/remote-debugging-with-product.html</a:t>
             </a:r>
             <a:endParaRPr lang="en-US" dirty="0"/>
           </a:p>
           <a:p>
-            <a:endParaRPr lang="en-IL" dirty="0"/>
+            <a:endParaRPr lang="en-US" dirty="0"/>
           </a:p>
         </p:txBody>
       </p:sp>
@@ -3315,7 +3844,7 @@
     </p:spTree>
     <p:extLst>
       <p:ext uri="{BB962C8B-B14F-4D97-AF65-F5344CB8AC3E}">
-        <p14:creationId xmlns:p14="http://schemas.microsoft.com/office/powerpoint/2010/main" val="1994600000"/>
+        <p14:creationId xmlns:p14="http://schemas.microsoft.com/office/powerpoint/2010/main" val="4106756199"/>
       </p:ext>
     </p:extLst>
   </p:cSld>
@@ -3371,52 +3900,13 @@
           <a:p>
             <a:r>
               <a:rPr lang="en-US" dirty="0"/>
-              <a:t>I tried the first method (using local compilation and remote interpreter)</a:t>
-            </a:r>
-          </a:p>
-          <a:p>
-            <a:r>
-              <a:rPr lang="en-US" dirty="0"/>
-              <a:t>The second method requires TWO way connection so not possible behind firewall (unless I am mistaken)</a:t>
-            </a:r>
-          </a:p>
-          <a:p>
-            <a:endParaRPr lang="en-US" dirty="0"/>
-          </a:p>
-          <a:p>
-            <a:r>
-              <a:rPr lang="en-US" dirty="0"/>
-              <a:t>The code runs on the remote, and </a:t>
-            </a:r>
-            <a:r>
-              <a:rPr lang="en-US" dirty="0" err="1"/>
-              <a:t>stdout</a:t>
-            </a:r>
-            <a:r>
-              <a:rPr lang="en-US" dirty="0"/>
-              <a:t> is seen in the IDE</a:t>
-            </a:r>
-          </a:p>
-          <a:p>
-            <a:r>
-              <a:rPr lang="en-US" dirty="0"/>
-              <a:t>Bravo!</a:t>
-            </a:r>
-          </a:p>
-          <a:p>
-            <a:endParaRPr lang="en-US" dirty="0"/>
-          </a:p>
-          <a:p>
-            <a:r>
-              <a:rPr lang="en-US" dirty="0">
-                <a:hlinkClick r:id="rId3"/>
-              </a:rPr>
-              <a:t>https://www.jetbrains.com/help/pycharm/remote-debugging-with-product.html</a:t>
-            </a:r>
-            <a:endParaRPr lang="en-US" dirty="0"/>
-          </a:p>
-          <a:p>
-            <a:endParaRPr lang="en-US" dirty="0"/>
+              <a:t>Link to the </a:t>
+            </a:r>
+            <a:r>
+              <a:rPr lang="en-US"/>
+              <a:t>Challenge presentation</a:t>
+            </a:r>
+            <a:endParaRPr lang="en-IL"/>
           </a:p>
         </p:txBody>
       </p:sp>
@@ -3446,7 +3936,7 @@
     </p:spTree>
     <p:extLst>
       <p:ext uri="{BB962C8B-B14F-4D97-AF65-F5344CB8AC3E}">
-        <p14:creationId xmlns:p14="http://schemas.microsoft.com/office/powerpoint/2010/main" val="4106756199"/>
+        <p14:creationId xmlns:p14="http://schemas.microsoft.com/office/powerpoint/2010/main" val="4225449379"/>
       </p:ext>
     </p:extLst>
   </p:cSld>
@@ -3502,54 +3992,17 @@
           <a:p>
             <a:r>
               <a:rPr lang="en-US" dirty="0"/>
-              <a:t>Demo:</a:t>
-            </a:r>
-          </a:p>
-          <a:p>
-            <a:r>
-              <a:rPr lang="en-US" dirty="0"/>
-              <a:t>Create a function, select, right click, generate test</a:t>
-            </a:r>
-          </a:p>
-          <a:p>
+              <a:t>Syllabus at </a:t>
+            </a:r>
+            <a:r>
+              <a:rPr lang="en-US" dirty="0">
+                <a:hlinkClick r:id="rId3"/>
+              </a:rPr>
+              <a:t>https://docs.google.com/document/d/1-a5sqkK6FUwHCfmMCsv2auJZcEwZSQ7TbYP2DRMGVDg/edit#</a:t>
+            </a:r>
             <a:endParaRPr lang="en-US" dirty="0"/>
           </a:p>
           <a:p>
-            <a:r>
-              <a:rPr lang="en-US" dirty="0"/>
-              <a:t>Challenges:</a:t>
-            </a:r>
-          </a:p>
-          <a:p>
-            <a:pPr marL="171450" indent="-171450">
-              <a:buFontTx/>
-              <a:buChar char="-"/>
-            </a:pPr>
-            <a:r>
-              <a:rPr lang="en-US" dirty="0"/>
-              <a:t>Dependencies on external packages/ modules </a:t>
-            </a:r>
-            <a:r>
-              <a:rPr lang="en-US" dirty="0">
-                <a:sym typeface="Wingdings" panose="05000000000000000000" pitchFamily="2" charset="2"/>
-              </a:rPr>
-              <a:t> this means the class is not ‘easily testable’ and should be refactored</a:t>
-            </a:r>
-          </a:p>
-          <a:p>
-            <a:pPr marL="0" indent="0">
-              <a:buFontTx/>
-              <a:buNone/>
-            </a:pPr>
-            <a:endParaRPr lang="en-US" dirty="0">
-              <a:sym typeface="Wingdings" panose="05000000000000000000" pitchFamily="2" charset="2"/>
-            </a:endParaRPr>
-          </a:p>
-          <a:p>
-            <a:pPr marL="171450" indent="-171450">
-              <a:buFontTx/>
-              <a:buChar char="-"/>
-            </a:pPr>
             <a:endParaRPr lang="en-IL" dirty="0"/>
           </a:p>
         </p:txBody>
@@ -3580,7 +4033,7 @@
     </p:spTree>
     <p:extLst>
       <p:ext uri="{BB962C8B-B14F-4D97-AF65-F5344CB8AC3E}">
-        <p14:creationId xmlns:p14="http://schemas.microsoft.com/office/powerpoint/2010/main" val="2071216371"/>
+        <p14:creationId xmlns:p14="http://schemas.microsoft.com/office/powerpoint/2010/main" val="1994600000"/>
       </p:ext>
     </p:extLst>
   </p:cSld>
@@ -3635,43 +4088,9 @@
           <a:lstStyle/>
           <a:p>
             <a:r>
-              <a:rPr lang="en-US" dirty="0">
-                <a:hlinkClick r:id="rId3"/>
-              </a:rPr>
-              <a:t>https://docs.python.org/3/c-api/memory.html</a:t>
-            </a:r>
-            <a:endParaRPr lang="en-US" dirty="0"/>
-          </a:p>
-          <a:p>
-            <a:r>
-              <a:rPr lang="en-US" dirty="0">
-                <a:hlinkClick r:id="rId4"/>
-              </a:rPr>
-              <a:t>https://realpython.com/python-memory-management/</a:t>
-            </a:r>
-            <a:endParaRPr lang="en-US" dirty="0"/>
-          </a:p>
-          <a:p>
-            <a:endParaRPr lang="en-US" dirty="0"/>
-          </a:p>
-          <a:p>
-            <a:r>
-              <a:rPr lang="en-US" dirty="0"/>
-              <a:t>If you want to delete an object (rarely needed):</a:t>
-            </a:r>
-          </a:p>
-          <a:p>
-            <a:r>
-              <a:rPr lang="en-US" dirty="0"/>
-              <a:t>del </a:t>
-            </a:r>
-            <a:r>
-              <a:rPr lang="en-US" dirty="0" err="1"/>
-              <a:t>the_object</a:t>
-            </a:r>
-            <a:endParaRPr lang="en-US" dirty="0"/>
-          </a:p>
-          <a:p>
+              <a:rPr lang="en-US" dirty="0"/>
+              <a:t>Day 3</a:t>
+            </a:r>
             <a:endParaRPr lang="en-IL" dirty="0"/>
           </a:p>
         </p:txBody>
@@ -3702,7 +4121,7 @@
     </p:spTree>
     <p:extLst>
       <p:ext uri="{BB962C8B-B14F-4D97-AF65-F5344CB8AC3E}">
-        <p14:creationId xmlns:p14="http://schemas.microsoft.com/office/powerpoint/2010/main" val="3165260496"/>
+        <p14:creationId xmlns:p14="http://schemas.microsoft.com/office/powerpoint/2010/main" val="2513894291"/>
       </p:ext>
     </p:extLst>
   </p:cSld>
@@ -3757,14 +4176,55 @@
           <a:lstStyle/>
           <a:p>
             <a:r>
+              <a:rPr lang="en-US" dirty="0"/>
+              <a:t>Demo:</a:t>
+            </a:r>
+          </a:p>
+          <a:p>
+            <a:r>
+              <a:rPr lang="en-US" dirty="0"/>
+              <a:t>Create a function, select, right click, generate test</a:t>
+            </a:r>
+          </a:p>
+          <a:p>
+            <a:endParaRPr lang="en-US" dirty="0"/>
+          </a:p>
+          <a:p>
+            <a:r>
+              <a:rPr lang="en-US" dirty="0"/>
+              <a:t>Challenges:</a:t>
+            </a:r>
+          </a:p>
+          <a:p>
+            <a:pPr marL="171450" indent="-171450">
+              <a:buFontTx/>
+              <a:buChar char="-"/>
+            </a:pPr>
+            <a:r>
+              <a:rPr lang="en-US" dirty="0"/>
+              <a:t>Dependencies on external packages/ modules </a:t>
+            </a:r>
+            <a:r>
               <a:rPr lang="en-US" dirty="0">
-                <a:hlinkClick r:id="rId3"/>
-              </a:rPr>
-              <a:t>https://www.python-course.eu/passing_arguments.php</a:t>
-            </a:r>
-            <a:endParaRPr lang="en-US" dirty="0"/>
-          </a:p>
-          <a:p>
+                <a:sym typeface="Wingdings" panose="05000000000000000000" pitchFamily="2" charset="2"/>
+              </a:rPr>
+              <a:t> this means the class is not ‘easily testable’ and should be refactored</a:t>
+            </a:r>
+          </a:p>
+          <a:p>
+            <a:pPr marL="0" indent="0">
+              <a:buFontTx/>
+              <a:buNone/>
+            </a:pPr>
+            <a:endParaRPr lang="en-US" dirty="0">
+              <a:sym typeface="Wingdings" panose="05000000000000000000" pitchFamily="2" charset="2"/>
+            </a:endParaRPr>
+          </a:p>
+          <a:p>
+            <a:pPr marL="171450" indent="-171450">
+              <a:buFontTx/>
+              <a:buChar char="-"/>
+            </a:pPr>
             <a:endParaRPr lang="en-IL" dirty="0"/>
           </a:p>
         </p:txBody>
@@ -3795,7 +4255,7 @@
     </p:spTree>
     <p:extLst>
       <p:ext uri="{BB962C8B-B14F-4D97-AF65-F5344CB8AC3E}">
-        <p14:creationId xmlns:p14="http://schemas.microsoft.com/office/powerpoint/2010/main" val="187477238"/>
+        <p14:creationId xmlns:p14="http://schemas.microsoft.com/office/powerpoint/2010/main" val="2071216371"/>
       </p:ext>
     </p:extLst>
   </p:cSld>
@@ -3849,6 +4309,44 @@
           <a:bodyPr/>
           <a:lstStyle/>
           <a:p>
+            <a:r>
+              <a:rPr lang="en-US" dirty="0">
+                <a:hlinkClick r:id="rId3"/>
+              </a:rPr>
+              <a:t>https://docs.python.org/3/c-api/memory.html</a:t>
+            </a:r>
+            <a:endParaRPr lang="en-US" dirty="0"/>
+          </a:p>
+          <a:p>
+            <a:r>
+              <a:rPr lang="en-US" dirty="0">
+                <a:hlinkClick r:id="rId4"/>
+              </a:rPr>
+              <a:t>https://realpython.com/python-memory-management/</a:t>
+            </a:r>
+            <a:endParaRPr lang="en-US" dirty="0"/>
+          </a:p>
+          <a:p>
+            <a:endParaRPr lang="en-US" dirty="0"/>
+          </a:p>
+          <a:p>
+            <a:r>
+              <a:rPr lang="en-US" dirty="0"/>
+              <a:t>If you want to delete an object (rarely needed):</a:t>
+            </a:r>
+          </a:p>
+          <a:p>
+            <a:r>
+              <a:rPr lang="en-US" dirty="0"/>
+              <a:t>del </a:t>
+            </a:r>
+            <a:r>
+              <a:rPr lang="en-US" dirty="0" err="1"/>
+              <a:t>the_object</a:t>
+            </a:r>
+            <a:endParaRPr lang="en-US" dirty="0"/>
+          </a:p>
+          <a:p>
             <a:endParaRPr lang="en-IL" dirty="0"/>
           </a:p>
         </p:txBody>
@@ -3870,7 +4368,7 @@
           <a:p>
             <a:fld id="{7BBAA17F-B3FF-4B29-AA8E-9CA518DC54C6}" type="slidenum">
               <a:rPr lang="en-IL" smtClean="0"/>
-              <a:t>10</a:t>
+              <a:t>9</a:t>
             </a:fld>
             <a:endParaRPr lang="en-IL"/>
           </a:p>
@@ -3879,7 +4377,7 @@
     </p:spTree>
     <p:extLst>
       <p:ext uri="{BB962C8B-B14F-4D97-AF65-F5344CB8AC3E}">
-        <p14:creationId xmlns:p14="http://schemas.microsoft.com/office/powerpoint/2010/main" val="1655808246"/>
+        <p14:creationId xmlns:p14="http://schemas.microsoft.com/office/powerpoint/2010/main" val="3165260496"/>
       </p:ext>
     </p:extLst>
   </p:cSld>
@@ -3933,6 +4431,15 @@
           <a:bodyPr/>
           <a:lstStyle/>
           <a:p>
+            <a:r>
+              <a:rPr lang="en-US" dirty="0">
+                <a:hlinkClick r:id="rId3"/>
+              </a:rPr>
+              <a:t>https://www.python-course.eu/passing_arguments.php</a:t>
+            </a:r>
+            <a:endParaRPr lang="en-US" dirty="0"/>
+          </a:p>
+          <a:p>
             <a:endParaRPr lang="en-IL" dirty="0"/>
           </a:p>
         </p:txBody>
@@ -3954,7 +4461,7 @@
           <a:p>
             <a:fld id="{7BBAA17F-B3FF-4B29-AA8E-9CA518DC54C6}" type="slidenum">
               <a:rPr lang="en-IL" smtClean="0"/>
-              <a:t>11</a:t>
+              <a:t>10</a:t>
             </a:fld>
             <a:endParaRPr lang="en-IL"/>
           </a:p>
@@ -3963,7 +4470,7 @@
     </p:spTree>
     <p:extLst>
       <p:ext uri="{BB962C8B-B14F-4D97-AF65-F5344CB8AC3E}">
-        <p14:creationId xmlns:p14="http://schemas.microsoft.com/office/powerpoint/2010/main" val="1362299971"/>
+        <p14:creationId xmlns:p14="http://schemas.microsoft.com/office/powerpoint/2010/main" val="187477238"/>
       </p:ext>
     </p:extLst>
   </p:cSld>
@@ -4122,7 +4629,7 @@
           <a:p>
             <a:fld id="{E76C6979-4359-4DC8-92A3-F7DCB12C5136}" type="datetimeFigureOut">
               <a:rPr lang="en-IL" smtClean="0"/>
-              <a:t>09/07/2019</a:t>
+              <a:t>17/07/2019</a:t>
             </a:fld>
             <a:endParaRPr lang="en-IL"/>
           </a:p>
@@ -4322,7 +4829,7 @@
           <a:p>
             <a:fld id="{E76C6979-4359-4DC8-92A3-F7DCB12C5136}" type="datetimeFigureOut">
               <a:rPr lang="en-IL" smtClean="0"/>
-              <a:t>09/07/2019</a:t>
+              <a:t>17/07/2019</a:t>
             </a:fld>
             <a:endParaRPr lang="en-IL"/>
           </a:p>
@@ -4532,7 +5039,7 @@
           <a:p>
             <a:fld id="{E76C6979-4359-4DC8-92A3-F7DCB12C5136}" type="datetimeFigureOut">
               <a:rPr lang="en-IL" smtClean="0"/>
-              <a:t>09/07/2019</a:t>
+              <a:t>17/07/2019</a:t>
             </a:fld>
             <a:endParaRPr lang="en-IL"/>
           </a:p>
@@ -4732,7 +5239,7 @@
           <a:p>
             <a:fld id="{E76C6979-4359-4DC8-92A3-F7DCB12C5136}" type="datetimeFigureOut">
               <a:rPr lang="en-IL" smtClean="0"/>
-              <a:t>09/07/2019</a:t>
+              <a:t>17/07/2019</a:t>
             </a:fld>
             <a:endParaRPr lang="en-IL"/>
           </a:p>
@@ -5008,7 +5515,7 @@
           <a:p>
             <a:fld id="{E76C6979-4359-4DC8-92A3-F7DCB12C5136}" type="datetimeFigureOut">
               <a:rPr lang="en-IL" smtClean="0"/>
-              <a:t>09/07/2019</a:t>
+              <a:t>17/07/2019</a:t>
             </a:fld>
             <a:endParaRPr lang="en-IL"/>
           </a:p>
@@ -5276,7 +5783,7 @@
           <a:p>
             <a:fld id="{E76C6979-4359-4DC8-92A3-F7DCB12C5136}" type="datetimeFigureOut">
               <a:rPr lang="en-IL" smtClean="0"/>
-              <a:t>09/07/2019</a:t>
+              <a:t>17/07/2019</a:t>
             </a:fld>
             <a:endParaRPr lang="en-IL"/>
           </a:p>
@@ -5691,7 +6198,7 @@
           <a:p>
             <a:fld id="{E76C6979-4359-4DC8-92A3-F7DCB12C5136}" type="datetimeFigureOut">
               <a:rPr lang="en-IL" smtClean="0"/>
-              <a:t>09/07/2019</a:t>
+              <a:t>17/07/2019</a:t>
             </a:fld>
             <a:endParaRPr lang="en-IL"/>
           </a:p>
@@ -5833,7 +6340,7 @@
           <a:p>
             <a:fld id="{E76C6979-4359-4DC8-92A3-F7DCB12C5136}" type="datetimeFigureOut">
               <a:rPr lang="en-IL" smtClean="0"/>
-              <a:t>09/07/2019</a:t>
+              <a:t>17/07/2019</a:t>
             </a:fld>
             <a:endParaRPr lang="en-IL"/>
           </a:p>
@@ -5946,7 +6453,7 @@
           <a:p>
             <a:fld id="{E76C6979-4359-4DC8-92A3-F7DCB12C5136}" type="datetimeFigureOut">
               <a:rPr lang="en-IL" smtClean="0"/>
-              <a:t>09/07/2019</a:t>
+              <a:t>17/07/2019</a:t>
             </a:fld>
             <a:endParaRPr lang="en-IL"/>
           </a:p>
@@ -6259,7 +6766,7 @@
           <a:p>
             <a:fld id="{E76C6979-4359-4DC8-92A3-F7DCB12C5136}" type="datetimeFigureOut">
               <a:rPr lang="en-IL" smtClean="0"/>
-              <a:t>09/07/2019</a:t>
+              <a:t>17/07/2019</a:t>
             </a:fld>
             <a:endParaRPr lang="en-IL"/>
           </a:p>
@@ -6548,7 +7055,7 @@
           <a:p>
             <a:fld id="{E76C6979-4359-4DC8-92A3-F7DCB12C5136}" type="datetimeFigureOut">
               <a:rPr lang="en-IL" smtClean="0"/>
-              <a:t>09/07/2019</a:t>
+              <a:t>17/07/2019</a:t>
             </a:fld>
             <a:endParaRPr lang="en-IL"/>
           </a:p>
@@ -6791,7 +7298,7 @@
           <a:p>
             <a:fld id="{E76C6979-4359-4DC8-92A3-F7DCB12C5136}" type="datetimeFigureOut">
               <a:rPr lang="en-IL" smtClean="0"/>
-              <a:t>09/07/2019</a:t>
+              <a:t>17/07/2019</a:t>
             </a:fld>
             <a:endParaRPr lang="en-IL"/>
           </a:p>
@@ -7262,6 +7769,12 @@
               <a:rPr lang="en-US" dirty="0"/>
               <a:t>Noam Cohen 2019-08</a:t>
             </a:r>
+          </a:p>
+          <a:p>
+            <a:r>
+              <a:rPr lang="en-US" dirty="0"/>
+              <a:t>V 0.7</a:t>
+            </a:r>
             <a:endParaRPr lang="en-IL" dirty="0"/>
           </a:p>
         </p:txBody>
@@ -7316,6 +7829,618 @@
 </file>
 
 <file path=ppt/slides/slide10.xml><?xml version="1.0" encoding="utf-8"?>
+<p:sld xmlns:a="http://schemas.openxmlformats.org/drawingml/2006/main" xmlns:r="http://schemas.openxmlformats.org/officeDocument/2006/relationships" xmlns:p="http://schemas.openxmlformats.org/presentationml/2006/main">
+  <p:cSld>
+    <p:spTree>
+      <p:nvGrpSpPr>
+        <p:cNvPr id="1" name=""/>
+        <p:cNvGrpSpPr/>
+        <p:nvPr/>
+      </p:nvGrpSpPr>
+      <p:grpSpPr>
+        <a:xfrm>
+          <a:off x="0" y="0"/>
+          <a:ext cx="0" cy="0"/>
+          <a:chOff x="0" y="0"/>
+          <a:chExt cx="0" cy="0"/>
+        </a:xfrm>
+      </p:grpSpPr>
+      <p:sp>
+        <p:nvSpPr>
+          <p:cNvPr id="2" name="Title 1">
+            <a:extLst>
+              <a:ext uri="{FF2B5EF4-FFF2-40B4-BE49-F238E27FC236}">
+                <a16:creationId xmlns:a16="http://schemas.microsoft.com/office/drawing/2014/main" id="{D0C41DE6-471C-4243-9E3F-ADD72860E634}"/>
+              </a:ext>
+            </a:extLst>
+          </p:cNvPr>
+          <p:cNvSpPr>
+            <a:spLocks noGrp="1"/>
+          </p:cNvSpPr>
+          <p:nvPr>
+            <p:ph type="title"/>
+          </p:nvPr>
+        </p:nvSpPr>
+        <p:spPr/>
+        <p:txBody>
+          <a:bodyPr/>
+          <a:lstStyle/>
+          <a:p>
+            <a:r>
+              <a:rPr lang="en-US" dirty="0"/>
+              <a:t>Parameter passing: by value or by reference?</a:t>
+            </a:r>
+            <a:endParaRPr lang="en-IL" dirty="0"/>
+          </a:p>
+        </p:txBody>
+      </p:sp>
+      <p:sp>
+        <p:nvSpPr>
+          <p:cNvPr id="3" name="Content Placeholder 2">
+            <a:extLst>
+              <a:ext uri="{FF2B5EF4-FFF2-40B4-BE49-F238E27FC236}">
+                <a16:creationId xmlns:a16="http://schemas.microsoft.com/office/drawing/2014/main" id="{D3E4F991-62DF-4F34-BC9A-2F0E89A2FFB6}"/>
+              </a:ext>
+            </a:extLst>
+          </p:cNvPr>
+          <p:cNvSpPr>
+            <a:spLocks noGrp="1"/>
+          </p:cNvSpPr>
+          <p:nvPr>
+            <p:ph idx="1"/>
+          </p:nvPr>
+        </p:nvSpPr>
+        <p:spPr/>
+        <p:txBody>
+          <a:bodyPr/>
+          <a:lstStyle/>
+          <a:p>
+            <a:r>
+              <a:rPr lang="en-US" dirty="0"/>
+              <a:t>Neither!</a:t>
+            </a:r>
+          </a:p>
+          <a:p>
+            <a:r>
+              <a:rPr lang="en-US" dirty="0"/>
+              <a:t>“call by object reference” / call by name</a:t>
+            </a:r>
+          </a:p>
+          <a:p>
+            <a:r>
+              <a:rPr lang="en-US" dirty="0"/>
+              <a:t>Can be thought as:</a:t>
+            </a:r>
+          </a:p>
+          <a:p>
+            <a:pPr lvl="1"/>
+            <a:r>
+              <a:rPr lang="en-US" dirty="0"/>
+              <a:t>Mutable -&gt; call by reference</a:t>
+            </a:r>
+          </a:p>
+          <a:p>
+            <a:pPr lvl="1"/>
+            <a:r>
+              <a:rPr lang="en-US" dirty="0" err="1"/>
+              <a:t>Imutable</a:t>
+            </a:r>
+            <a:r>
+              <a:rPr lang="en-US" dirty="0"/>
+              <a:t> -&gt; call by value</a:t>
+            </a:r>
+          </a:p>
+          <a:p>
+            <a:pPr lvl="1"/>
+            <a:endParaRPr lang="en-US" dirty="0"/>
+          </a:p>
+          <a:p>
+            <a:r>
+              <a:rPr lang="en-US" dirty="0"/>
+              <a:t> </a:t>
+            </a:r>
+            <a:endParaRPr lang="en-IL" dirty="0">
+              <a:solidFill>
+                <a:schemeClr val="accent6"/>
+              </a:solidFill>
+            </a:endParaRPr>
+          </a:p>
+        </p:txBody>
+      </p:sp>
+      <p:pic>
+        <p:nvPicPr>
+          <p:cNvPr id="4" name="Picture 3">
+            <a:hlinkClick r:id="rId3"/>
+            <a:extLst>
+              <a:ext uri="{FF2B5EF4-FFF2-40B4-BE49-F238E27FC236}">
+                <a16:creationId xmlns:a16="http://schemas.microsoft.com/office/drawing/2014/main" id="{17AB777E-6033-4E1B-B714-2ADE50F601FA}"/>
+              </a:ext>
+            </a:extLst>
+          </p:cNvPr>
+          <p:cNvPicPr>
+            <a:picLocks noChangeAspect="1"/>
+          </p:cNvPicPr>
+          <p:nvPr/>
+        </p:nvPicPr>
+        <p:blipFill>
+          <a:blip r:embed="rId4">
+            <a:extLst>
+              <a:ext uri="{28A0092B-C50C-407E-A947-70E740481C1C}">
+                <a14:useLocalDpi xmlns:a14="http://schemas.microsoft.com/office/drawing/2010/main" val="0"/>
+              </a:ext>
+            </a:extLst>
+          </a:blip>
+          <a:stretch>
+            <a:fillRect/>
+          </a:stretch>
+        </p:blipFill>
+        <p:spPr>
+          <a:xfrm>
+            <a:off x="1397001" y="4416955"/>
+            <a:ext cx="584200" cy="584200"/>
+          </a:xfrm>
+          <a:prstGeom prst="rect">
+            <a:avLst/>
+          </a:prstGeom>
+        </p:spPr>
+      </p:pic>
+    </p:spTree>
+    <p:extLst>
+      <p:ext uri="{BB962C8B-B14F-4D97-AF65-F5344CB8AC3E}">
+        <p14:creationId xmlns:p14="http://schemas.microsoft.com/office/powerpoint/2010/main" val="839467194"/>
+      </p:ext>
+    </p:extLst>
+  </p:cSld>
+  <p:clrMapOvr>
+    <a:masterClrMapping/>
+  </p:clrMapOvr>
+</p:sld>
+</file>
+
+<file path=ppt/slides/slide11.xml><?xml version="1.0" encoding="utf-8"?>
+<p:sld xmlns:a="http://schemas.openxmlformats.org/drawingml/2006/main" xmlns:r="http://schemas.openxmlformats.org/officeDocument/2006/relationships" xmlns:p="http://schemas.openxmlformats.org/presentationml/2006/main">
+  <p:cSld>
+    <p:spTree>
+      <p:nvGrpSpPr>
+        <p:cNvPr id="1" name=""/>
+        <p:cNvGrpSpPr/>
+        <p:nvPr/>
+      </p:nvGrpSpPr>
+      <p:grpSpPr>
+        <a:xfrm>
+          <a:off x="0" y="0"/>
+          <a:ext cx="0" cy="0"/>
+          <a:chOff x="0" y="0"/>
+          <a:chExt cx="0" cy="0"/>
+        </a:xfrm>
+      </p:grpSpPr>
+      <p:sp>
+        <p:nvSpPr>
+          <p:cNvPr id="2" name="Title 1">
+            <a:extLst>
+              <a:ext uri="{FF2B5EF4-FFF2-40B4-BE49-F238E27FC236}">
+                <a16:creationId xmlns:a16="http://schemas.microsoft.com/office/drawing/2014/main" id="{1A439D6D-1859-47CF-9408-11ECF197BBB4}"/>
+              </a:ext>
+            </a:extLst>
+          </p:cNvPr>
+          <p:cNvSpPr>
+            <a:spLocks noGrp="1"/>
+          </p:cNvSpPr>
+          <p:nvPr>
+            <p:ph type="title"/>
+          </p:nvPr>
+        </p:nvSpPr>
+        <p:spPr/>
+        <p:txBody>
+          <a:bodyPr/>
+          <a:lstStyle/>
+          <a:p>
+            <a:r>
+              <a:rPr lang="en-US" dirty="0"/>
+              <a:t>Argument passing  *</a:t>
+            </a:r>
+            <a:r>
+              <a:rPr lang="en-US" dirty="0" err="1"/>
+              <a:t>args</a:t>
+            </a:r>
+            <a:r>
+              <a:rPr lang="en-US" dirty="0"/>
+              <a:t>, **</a:t>
+            </a:r>
+            <a:r>
+              <a:rPr lang="en-US" dirty="0" err="1"/>
+              <a:t>kwargs</a:t>
+            </a:r>
+            <a:endParaRPr lang="en-IL" dirty="0"/>
+          </a:p>
+        </p:txBody>
+      </p:sp>
+      <p:sp>
+        <p:nvSpPr>
+          <p:cNvPr id="3" name="Content Placeholder 2">
+            <a:extLst>
+              <a:ext uri="{FF2B5EF4-FFF2-40B4-BE49-F238E27FC236}">
+                <a16:creationId xmlns:a16="http://schemas.microsoft.com/office/drawing/2014/main" id="{548D5555-4844-470F-A7D7-872270BB4C70}"/>
+              </a:ext>
+            </a:extLst>
+          </p:cNvPr>
+          <p:cNvSpPr>
+            <a:spLocks noGrp="1"/>
+          </p:cNvSpPr>
+          <p:nvPr>
+            <p:ph idx="1"/>
+          </p:nvPr>
+        </p:nvSpPr>
+        <p:spPr/>
+        <p:txBody>
+          <a:bodyPr>
+            <a:normAutofit/>
+          </a:bodyPr>
+          <a:lstStyle/>
+          <a:p>
+            <a:pPr marL="0" indent="0">
+              <a:buNone/>
+            </a:pPr>
+            <a:r>
+              <a:rPr lang="en-US" dirty="0"/>
+              <a:t>Passing variable number of arguments</a:t>
+            </a:r>
+          </a:p>
+          <a:p>
+            <a:pPr marL="0" indent="0">
+              <a:buNone/>
+            </a:pPr>
+            <a:r>
+              <a:rPr lang="en-US" sz="1200" dirty="0">
+                <a:latin typeface="Courier New" panose="02070309020205020404" pitchFamily="49" charset="0"/>
+                <a:cs typeface="Courier New" panose="02070309020205020404" pitchFamily="49" charset="0"/>
+              </a:rPr>
+              <a:t># Python program to illustrate  (</a:t>
+            </a:r>
+            <a:r>
+              <a:rPr lang="en-US" sz="1200" dirty="0">
+                <a:hlinkClick r:id="rId2"/>
+              </a:rPr>
+              <a:t>https://www.geeksforgeeks.org/args-kwargs-python/</a:t>
+            </a:r>
+            <a:r>
+              <a:rPr lang="en-US" sz="1200" dirty="0"/>
+              <a:t>)</a:t>
+            </a:r>
+            <a:endParaRPr lang="en-US" sz="1200" dirty="0">
+              <a:latin typeface="Courier New" panose="02070309020205020404" pitchFamily="49" charset="0"/>
+              <a:cs typeface="Courier New" panose="02070309020205020404" pitchFamily="49" charset="0"/>
+            </a:endParaRPr>
+          </a:p>
+          <a:p>
+            <a:pPr marL="0" indent="0">
+              <a:buNone/>
+            </a:pPr>
+            <a:r>
+              <a:rPr lang="en-US" sz="1200" dirty="0">
+                <a:latin typeface="Courier New" panose="02070309020205020404" pitchFamily="49" charset="0"/>
+                <a:cs typeface="Courier New" panose="02070309020205020404" pitchFamily="49" charset="0"/>
+              </a:rPr>
+              <a:t># *</a:t>
+            </a:r>
+            <a:r>
+              <a:rPr lang="en-US" sz="1200" dirty="0" err="1">
+                <a:latin typeface="Courier New" panose="02070309020205020404" pitchFamily="49" charset="0"/>
+                <a:cs typeface="Courier New" panose="02070309020205020404" pitchFamily="49" charset="0"/>
+              </a:rPr>
+              <a:t>args</a:t>
+            </a:r>
+            <a:r>
+              <a:rPr lang="en-US" sz="1200" dirty="0">
+                <a:latin typeface="Courier New" panose="02070309020205020404" pitchFamily="49" charset="0"/>
+                <a:cs typeface="Courier New" panose="02070309020205020404" pitchFamily="49" charset="0"/>
+              </a:rPr>
+              <a:t> with first extra argument </a:t>
+            </a:r>
+          </a:p>
+          <a:p>
+            <a:pPr marL="0" indent="0">
+              <a:buNone/>
+            </a:pPr>
+            <a:r>
+              <a:rPr lang="en-US" sz="1200" dirty="0">
+                <a:latin typeface="Courier New" panose="02070309020205020404" pitchFamily="49" charset="0"/>
+                <a:cs typeface="Courier New" panose="02070309020205020404" pitchFamily="49" charset="0"/>
+              </a:rPr>
+              <a:t>def </a:t>
+            </a:r>
+            <a:r>
+              <a:rPr lang="en-US" sz="1200" dirty="0" err="1">
+                <a:latin typeface="Courier New" panose="02070309020205020404" pitchFamily="49" charset="0"/>
+                <a:cs typeface="Courier New" panose="02070309020205020404" pitchFamily="49" charset="0"/>
+              </a:rPr>
+              <a:t>myFun</a:t>
+            </a:r>
+            <a:r>
+              <a:rPr lang="en-US" sz="1200" dirty="0">
+                <a:latin typeface="Courier New" panose="02070309020205020404" pitchFamily="49" charset="0"/>
+                <a:cs typeface="Courier New" panose="02070309020205020404" pitchFamily="49" charset="0"/>
+              </a:rPr>
+              <a:t>(arg1, </a:t>
+            </a:r>
+            <a:r>
+              <a:rPr lang="en-US" sz="1400" b="1" dirty="0">
+                <a:latin typeface="Courier New" panose="02070309020205020404" pitchFamily="49" charset="0"/>
+                <a:cs typeface="Courier New" panose="02070309020205020404" pitchFamily="49" charset="0"/>
+              </a:rPr>
+              <a:t>*</a:t>
+            </a:r>
+            <a:r>
+              <a:rPr lang="en-US" sz="1400" b="1" dirty="0" err="1">
+                <a:latin typeface="Courier New" panose="02070309020205020404" pitchFamily="49" charset="0"/>
+                <a:cs typeface="Courier New" panose="02070309020205020404" pitchFamily="49" charset="0"/>
+              </a:rPr>
+              <a:t>argv</a:t>
+            </a:r>
+            <a:r>
+              <a:rPr lang="en-US" sz="1200" dirty="0">
+                <a:latin typeface="Courier New" panose="02070309020205020404" pitchFamily="49" charset="0"/>
+                <a:cs typeface="Courier New" panose="02070309020205020404" pitchFamily="49" charset="0"/>
+              </a:rPr>
+              <a:t>): </a:t>
+            </a:r>
+          </a:p>
+          <a:p>
+            <a:pPr marL="0" indent="0">
+              <a:buNone/>
+            </a:pPr>
+            <a:r>
+              <a:rPr lang="en-US" sz="1200" dirty="0">
+                <a:latin typeface="Courier New" panose="02070309020205020404" pitchFamily="49" charset="0"/>
+                <a:cs typeface="Courier New" panose="02070309020205020404" pitchFamily="49" charset="0"/>
+              </a:rPr>
+              <a:t>	print ("First argument :", arg1) </a:t>
+            </a:r>
+          </a:p>
+          <a:p>
+            <a:pPr marL="0" indent="0">
+              <a:buNone/>
+            </a:pPr>
+            <a:r>
+              <a:rPr lang="en-US" sz="1200" dirty="0">
+                <a:latin typeface="Courier New" panose="02070309020205020404" pitchFamily="49" charset="0"/>
+                <a:cs typeface="Courier New" panose="02070309020205020404" pitchFamily="49" charset="0"/>
+              </a:rPr>
+              <a:t>	for </a:t>
+            </a:r>
+            <a:r>
+              <a:rPr lang="en-US" sz="1200" dirty="0" err="1">
+                <a:latin typeface="Courier New" panose="02070309020205020404" pitchFamily="49" charset="0"/>
+                <a:cs typeface="Courier New" panose="02070309020205020404" pitchFamily="49" charset="0"/>
+              </a:rPr>
+              <a:t>arg</a:t>
+            </a:r>
+            <a:r>
+              <a:rPr lang="en-US" sz="1200" dirty="0">
+                <a:latin typeface="Courier New" panose="02070309020205020404" pitchFamily="49" charset="0"/>
+                <a:cs typeface="Courier New" panose="02070309020205020404" pitchFamily="49" charset="0"/>
+              </a:rPr>
+              <a:t> in </a:t>
+            </a:r>
+            <a:r>
+              <a:rPr lang="en-US" sz="1200" dirty="0" err="1">
+                <a:latin typeface="Courier New" panose="02070309020205020404" pitchFamily="49" charset="0"/>
+                <a:cs typeface="Courier New" panose="02070309020205020404" pitchFamily="49" charset="0"/>
+              </a:rPr>
+              <a:t>argv</a:t>
+            </a:r>
+            <a:r>
+              <a:rPr lang="en-US" sz="1200" dirty="0">
+                <a:latin typeface="Courier New" panose="02070309020205020404" pitchFamily="49" charset="0"/>
+                <a:cs typeface="Courier New" panose="02070309020205020404" pitchFamily="49" charset="0"/>
+              </a:rPr>
+              <a:t>: </a:t>
+            </a:r>
+          </a:p>
+          <a:p>
+            <a:pPr marL="0" indent="0">
+              <a:buNone/>
+            </a:pPr>
+            <a:r>
+              <a:rPr lang="en-US" sz="1200" dirty="0">
+                <a:latin typeface="Courier New" panose="02070309020205020404" pitchFamily="49" charset="0"/>
+                <a:cs typeface="Courier New" panose="02070309020205020404" pitchFamily="49" charset="0"/>
+              </a:rPr>
+              <a:t>		print("Next argument through *</a:t>
+            </a:r>
+            <a:r>
+              <a:rPr lang="en-US" sz="1200" dirty="0" err="1">
+                <a:latin typeface="Courier New" panose="02070309020205020404" pitchFamily="49" charset="0"/>
+                <a:cs typeface="Courier New" panose="02070309020205020404" pitchFamily="49" charset="0"/>
+              </a:rPr>
+              <a:t>argv</a:t>
+            </a:r>
+            <a:r>
+              <a:rPr lang="en-US" sz="1200" dirty="0">
+                <a:latin typeface="Courier New" panose="02070309020205020404" pitchFamily="49" charset="0"/>
+                <a:cs typeface="Courier New" panose="02070309020205020404" pitchFamily="49" charset="0"/>
+              </a:rPr>
+              <a:t> :", </a:t>
+            </a:r>
+            <a:r>
+              <a:rPr lang="en-US" sz="1200" dirty="0" err="1">
+                <a:latin typeface="Courier New" panose="02070309020205020404" pitchFamily="49" charset="0"/>
+                <a:cs typeface="Courier New" panose="02070309020205020404" pitchFamily="49" charset="0"/>
+              </a:rPr>
+              <a:t>arg</a:t>
+            </a:r>
+            <a:r>
+              <a:rPr lang="en-US" sz="1200" dirty="0">
+                <a:latin typeface="Courier New" panose="02070309020205020404" pitchFamily="49" charset="0"/>
+                <a:cs typeface="Courier New" panose="02070309020205020404" pitchFamily="49" charset="0"/>
+              </a:rPr>
+              <a:t>) </a:t>
+            </a:r>
+          </a:p>
+          <a:p>
+            <a:pPr marL="0" indent="0">
+              <a:buNone/>
+            </a:pPr>
+            <a:r>
+              <a:rPr lang="en-US" sz="1200" dirty="0" err="1">
+                <a:latin typeface="Courier New" panose="02070309020205020404" pitchFamily="49" charset="0"/>
+                <a:cs typeface="Courier New" panose="02070309020205020404" pitchFamily="49" charset="0"/>
+              </a:rPr>
+              <a:t>myFun</a:t>
+            </a:r>
+            <a:r>
+              <a:rPr lang="en-US" sz="1200" dirty="0">
+                <a:latin typeface="Courier New" panose="02070309020205020404" pitchFamily="49" charset="0"/>
+                <a:cs typeface="Courier New" panose="02070309020205020404" pitchFamily="49" charset="0"/>
+              </a:rPr>
+              <a:t>('Hello', 'Welcome', 'to', '</a:t>
+            </a:r>
+            <a:r>
+              <a:rPr lang="en-US" sz="1200" dirty="0" err="1">
+                <a:latin typeface="Courier New" panose="02070309020205020404" pitchFamily="49" charset="0"/>
+                <a:cs typeface="Courier New" panose="02070309020205020404" pitchFamily="49" charset="0"/>
+              </a:rPr>
+              <a:t>GeeksforGeeks</a:t>
+            </a:r>
+            <a:r>
+              <a:rPr lang="en-US" sz="1200" dirty="0">
+                <a:latin typeface="Courier New" panose="02070309020205020404" pitchFamily="49" charset="0"/>
+                <a:cs typeface="Courier New" panose="02070309020205020404" pitchFamily="49" charset="0"/>
+              </a:rPr>
+              <a:t>’) </a:t>
+            </a:r>
+          </a:p>
+          <a:p>
+            <a:pPr marL="0" indent="0">
+              <a:buNone/>
+            </a:pPr>
+            <a:r>
+              <a:rPr lang="en-US" sz="1200" dirty="0">
+                <a:latin typeface="Courier New" panose="02070309020205020404" pitchFamily="49" charset="0"/>
+                <a:cs typeface="Courier New" panose="02070309020205020404" pitchFamily="49" charset="0"/>
+              </a:rPr>
+              <a:t>---------------------------</a:t>
+            </a:r>
+          </a:p>
+          <a:p>
+            <a:pPr marL="0" indent="0">
+              <a:buNone/>
+            </a:pPr>
+            <a:r>
+              <a:rPr lang="en-US" sz="1200" dirty="0">
+                <a:latin typeface="Courier New" panose="02070309020205020404" pitchFamily="49" charset="0"/>
+                <a:cs typeface="Courier New" panose="02070309020205020404" pitchFamily="49" charset="0"/>
+              </a:rPr>
+              <a:t>def </a:t>
+            </a:r>
+            <a:r>
+              <a:rPr lang="en-US" sz="1200" dirty="0" err="1">
+                <a:latin typeface="Courier New" panose="02070309020205020404" pitchFamily="49" charset="0"/>
+                <a:cs typeface="Courier New" panose="02070309020205020404" pitchFamily="49" charset="0"/>
+              </a:rPr>
+              <a:t>myFun</a:t>
+            </a:r>
+            <a:r>
+              <a:rPr lang="en-US" sz="1200" dirty="0">
+                <a:latin typeface="Courier New" panose="02070309020205020404" pitchFamily="49" charset="0"/>
+                <a:cs typeface="Courier New" panose="02070309020205020404" pitchFamily="49" charset="0"/>
+              </a:rPr>
+              <a:t>(**</a:t>
+            </a:r>
+            <a:r>
+              <a:rPr lang="en-US" sz="1200" dirty="0" err="1">
+                <a:latin typeface="Courier New" panose="02070309020205020404" pitchFamily="49" charset="0"/>
+                <a:cs typeface="Courier New" panose="02070309020205020404" pitchFamily="49" charset="0"/>
+              </a:rPr>
+              <a:t>kwargs</a:t>
+            </a:r>
+            <a:r>
+              <a:rPr lang="en-US" sz="1200" dirty="0">
+                <a:latin typeface="Courier New" panose="02070309020205020404" pitchFamily="49" charset="0"/>
+                <a:cs typeface="Courier New" panose="02070309020205020404" pitchFamily="49" charset="0"/>
+              </a:rPr>
+              <a:t>): </a:t>
+            </a:r>
+          </a:p>
+          <a:p>
+            <a:pPr marL="0" indent="0">
+              <a:buNone/>
+            </a:pPr>
+            <a:r>
+              <a:rPr lang="en-US" sz="1200" dirty="0">
+                <a:latin typeface="Courier New" panose="02070309020205020404" pitchFamily="49" charset="0"/>
+                <a:cs typeface="Courier New" panose="02070309020205020404" pitchFamily="49" charset="0"/>
+              </a:rPr>
+              <a:t>	for key, value in </a:t>
+            </a:r>
+            <a:r>
+              <a:rPr lang="en-US" sz="1200" dirty="0" err="1">
+                <a:latin typeface="Courier New" panose="02070309020205020404" pitchFamily="49" charset="0"/>
+                <a:cs typeface="Courier New" panose="02070309020205020404" pitchFamily="49" charset="0"/>
+              </a:rPr>
+              <a:t>kwargs.items</a:t>
+            </a:r>
+            <a:r>
+              <a:rPr lang="en-US" sz="1200" dirty="0">
+                <a:latin typeface="Courier New" panose="02070309020205020404" pitchFamily="49" charset="0"/>
+                <a:cs typeface="Courier New" panose="02070309020205020404" pitchFamily="49" charset="0"/>
+              </a:rPr>
+              <a:t>(): </a:t>
+            </a:r>
+          </a:p>
+          <a:p>
+            <a:pPr marL="0" indent="0">
+              <a:buNone/>
+            </a:pPr>
+            <a:r>
+              <a:rPr lang="en-US" sz="1200" dirty="0">
+                <a:latin typeface="Courier New" panose="02070309020205020404" pitchFamily="49" charset="0"/>
+                <a:cs typeface="Courier New" panose="02070309020205020404" pitchFamily="49" charset="0"/>
+              </a:rPr>
+              <a:t>		print ("%s == %s" %(key, value)) </a:t>
+            </a:r>
+          </a:p>
+          <a:p>
+            <a:pPr marL="0" indent="0">
+              <a:buNone/>
+            </a:pPr>
+            <a:r>
+              <a:rPr lang="en-US" sz="1200" dirty="0" err="1">
+                <a:latin typeface="Courier New" panose="02070309020205020404" pitchFamily="49" charset="0"/>
+                <a:cs typeface="Courier New" panose="02070309020205020404" pitchFamily="49" charset="0"/>
+              </a:rPr>
+              <a:t>myFun</a:t>
+            </a:r>
+            <a:r>
+              <a:rPr lang="en-US" sz="1200" dirty="0">
+                <a:latin typeface="Courier New" panose="02070309020205020404" pitchFamily="49" charset="0"/>
+                <a:cs typeface="Courier New" panose="02070309020205020404" pitchFamily="49" charset="0"/>
+              </a:rPr>
+              <a:t>(first ='Geeks', mid ='for', last='Geeks')	 </a:t>
+            </a:r>
+          </a:p>
+          <a:p>
+            <a:pPr marL="0" indent="0">
+              <a:buNone/>
+            </a:pPr>
+            <a:endParaRPr lang="en-IL" dirty="0"/>
+          </a:p>
+        </p:txBody>
+      </p:sp>
+    </p:spTree>
+    <p:extLst>
+      <p:ext uri="{BB962C8B-B14F-4D97-AF65-F5344CB8AC3E}">
+        <p14:creationId xmlns:p14="http://schemas.microsoft.com/office/powerpoint/2010/main" val="1951621338"/>
+      </p:ext>
+    </p:extLst>
+  </p:cSld>
+  <p:clrMapOvr>
+    <a:masterClrMapping/>
+  </p:clrMapOvr>
+</p:sld>
+</file>
+
+<file path=ppt/slides/slide12.xml><?xml version="1.0" encoding="utf-8"?>
 <p:sld xmlns:a="http://schemas.openxmlformats.org/drawingml/2006/main" xmlns:r="http://schemas.openxmlformats.org/officeDocument/2006/relationships" xmlns:p="http://schemas.openxmlformats.org/presentationml/2006/main">
   <p:cSld>
     <p:spTree>
@@ -7771,7 +8896,7 @@
 </p:sld>
 </file>
 
-<file path=ppt/slides/slide11.xml><?xml version="1.0" encoding="utf-8"?>
+<file path=ppt/slides/slide13.xml><?xml version="1.0" encoding="utf-8"?>
 <p:sld xmlns:a="http://schemas.openxmlformats.org/drawingml/2006/main" xmlns:r="http://schemas.openxmlformats.org/officeDocument/2006/relationships" xmlns:p="http://schemas.openxmlformats.org/presentationml/2006/main">
   <p:cSld>
     <p:spTree>
@@ -8013,7 +9138,7 @@
 </p:sld>
 </file>
 
-<file path=ppt/slides/slide12.xml><?xml version="1.0" encoding="utf-8"?>
+<file path=ppt/slides/slide14.xml><?xml version="1.0" encoding="utf-8"?>
 <p:sld xmlns:a="http://schemas.openxmlformats.org/drawingml/2006/main" xmlns:r="http://schemas.openxmlformats.org/officeDocument/2006/relationships" xmlns:p="http://schemas.openxmlformats.org/presentationml/2006/main">
   <p:cSld>
     <p:spTree>
@@ -8137,7 +9262,7 @@
 </p:sld>
 </file>
 
-<file path=ppt/slides/slide13.xml><?xml version="1.0" encoding="utf-8"?>
+<file path=ppt/slides/slide15.xml><?xml version="1.0" encoding="utf-8"?>
 <p:sld xmlns:a="http://schemas.openxmlformats.org/drawingml/2006/main" xmlns:r="http://schemas.openxmlformats.org/officeDocument/2006/relationships" xmlns:p="http://schemas.openxmlformats.org/presentationml/2006/main">
   <p:cSld>
     <p:spTree>
@@ -8327,7 +9452,7 @@
 </p:sld>
 </file>
 
-<file path=ppt/slides/slide14.xml><?xml version="1.0" encoding="utf-8"?>
+<file path=ppt/slides/slide16.xml><?xml version="1.0" encoding="utf-8"?>
 <p:sld xmlns:a="http://schemas.openxmlformats.org/drawingml/2006/main" xmlns:r="http://schemas.openxmlformats.org/officeDocument/2006/relationships" xmlns:p="http://schemas.openxmlformats.org/presentationml/2006/main">
   <p:cSld>
     <p:spTree>
@@ -8544,7 +9669,7 @@
 </p:sld>
 </file>
 
-<file path=ppt/slides/slide15.xml><?xml version="1.0" encoding="utf-8"?>
+<file path=ppt/slides/slide17.xml><?xml version="1.0" encoding="utf-8"?>
 <p:sld xmlns:a="http://schemas.openxmlformats.org/drawingml/2006/main" xmlns:r="http://schemas.openxmlformats.org/officeDocument/2006/relationships" xmlns:p="http://schemas.openxmlformats.org/presentationml/2006/main">
   <p:cSld>
     <p:spTree>
@@ -9848,7 +10973,7 @@
 </p:sld>
 </file>
 
-<file path=ppt/slides/slide16.xml><?xml version="1.0" encoding="utf-8"?>
+<file path=ppt/slides/slide18.xml><?xml version="1.0" encoding="utf-8"?>
 <p:sld xmlns:a="http://schemas.openxmlformats.org/drawingml/2006/main" xmlns:r="http://schemas.openxmlformats.org/officeDocument/2006/relationships" xmlns:p="http://schemas.openxmlformats.org/presentationml/2006/main">
   <p:cSld>
     <p:spTree>
@@ -10019,321 +11144,6 @@
 </p:sld>
 </file>
 
-<file path=ppt/slides/slide17.xml><?xml version="1.0" encoding="utf-8"?>
-<p:sld xmlns:a="http://schemas.openxmlformats.org/drawingml/2006/main" xmlns:r="http://schemas.openxmlformats.org/officeDocument/2006/relationships" xmlns:p="http://schemas.openxmlformats.org/presentationml/2006/main">
-  <p:cSld>
-    <p:spTree>
-      <p:nvGrpSpPr>
-        <p:cNvPr id="1" name=""/>
-        <p:cNvGrpSpPr/>
-        <p:nvPr/>
-      </p:nvGrpSpPr>
-      <p:grpSpPr>
-        <a:xfrm>
-          <a:off x="0" y="0"/>
-          <a:ext cx="0" cy="0"/>
-          <a:chOff x="0" y="0"/>
-          <a:chExt cx="0" cy="0"/>
-        </a:xfrm>
-      </p:grpSpPr>
-      <p:sp>
-        <p:nvSpPr>
-          <p:cNvPr id="2" name="Title 1">
-            <a:extLst>
-              <a:ext uri="{FF2B5EF4-FFF2-40B4-BE49-F238E27FC236}">
-                <a16:creationId xmlns:a16="http://schemas.microsoft.com/office/drawing/2014/main" id="{AE650928-75B9-4204-9EAF-AF7EDA2E08C7}"/>
-              </a:ext>
-            </a:extLst>
-          </p:cNvPr>
-          <p:cNvSpPr>
-            <a:spLocks noGrp="1"/>
-          </p:cNvSpPr>
-          <p:nvPr>
-            <p:ph type="title"/>
-          </p:nvPr>
-        </p:nvSpPr>
-        <p:spPr/>
-        <p:txBody>
-          <a:bodyPr/>
-          <a:lstStyle/>
-          <a:p>
-            <a:r>
-              <a:rPr lang="en-US" dirty="0"/>
-              <a:t>Installing packages – some tools</a:t>
-            </a:r>
-            <a:endParaRPr lang="en-IL" dirty="0"/>
-          </a:p>
-        </p:txBody>
-      </p:sp>
-      <p:sp>
-        <p:nvSpPr>
-          <p:cNvPr id="3" name="Content Placeholder 2">
-            <a:extLst>
-              <a:ext uri="{FF2B5EF4-FFF2-40B4-BE49-F238E27FC236}">
-                <a16:creationId xmlns:a16="http://schemas.microsoft.com/office/drawing/2014/main" id="{A5CA3D45-3B53-4F6E-B796-220472E415F3}"/>
-              </a:ext>
-            </a:extLst>
-          </p:cNvPr>
-          <p:cNvSpPr>
-            <a:spLocks noGrp="1"/>
-          </p:cNvSpPr>
-          <p:nvPr>
-            <p:ph idx="1"/>
-          </p:nvPr>
-        </p:nvSpPr>
-        <p:spPr/>
-        <p:txBody>
-          <a:bodyPr/>
-          <a:lstStyle/>
-          <a:p>
-            <a:r>
-              <a:rPr lang="en-US" b="1" dirty="0"/>
-              <a:t>pip</a:t>
-            </a:r>
-            <a:r>
-              <a:rPr lang="en-US" dirty="0"/>
-              <a:t>     (requirements.txt)</a:t>
-            </a:r>
-          </a:p>
-          <a:p>
-            <a:r>
-              <a:rPr lang="en-US" dirty="0" err="1"/>
-              <a:t>pipenv</a:t>
-            </a:r>
-            <a:endParaRPr lang="en-US" dirty="0"/>
-          </a:p>
-          <a:p>
-            <a:r>
-              <a:rPr lang="en-US" dirty="0" err="1"/>
-              <a:t>conda</a:t>
-            </a:r>
-            <a:endParaRPr lang="en-US" dirty="0"/>
-          </a:p>
-          <a:p>
-            <a:r>
-              <a:rPr lang="en-US" dirty="0" err="1"/>
-              <a:t>setuptools</a:t>
-            </a:r>
-            <a:endParaRPr lang="en-US" dirty="0"/>
-          </a:p>
-          <a:p>
-            <a:endParaRPr lang="en-US" dirty="0"/>
-          </a:p>
-          <a:p>
-            <a:endParaRPr lang="en-US" dirty="0"/>
-          </a:p>
-          <a:p>
-            <a:r>
-              <a:rPr lang="en-US" dirty="0"/>
-              <a:t>(</a:t>
-            </a:r>
-            <a:r>
-              <a:rPr lang="en-US" dirty="0">
-                <a:solidFill>
-                  <a:schemeClr val="accent6"/>
-                </a:solidFill>
-              </a:rPr>
-              <a:t>demo pip</a:t>
-            </a:r>
-            <a:r>
-              <a:rPr lang="en-US" dirty="0"/>
-              <a:t>)</a:t>
-            </a:r>
-          </a:p>
-          <a:p>
-            <a:endParaRPr lang="en-IL" dirty="0"/>
-          </a:p>
-        </p:txBody>
-      </p:sp>
-    </p:spTree>
-    <p:extLst>
-      <p:ext uri="{BB962C8B-B14F-4D97-AF65-F5344CB8AC3E}">
-        <p14:creationId xmlns:p14="http://schemas.microsoft.com/office/powerpoint/2010/main" val="914576816"/>
-      </p:ext>
-    </p:extLst>
-  </p:cSld>
-  <p:clrMapOvr>
-    <a:masterClrMapping/>
-  </p:clrMapOvr>
-</p:sld>
-</file>
-
-<file path=ppt/slides/slide18.xml><?xml version="1.0" encoding="utf-8"?>
-<p:sld xmlns:a="http://schemas.openxmlformats.org/drawingml/2006/main" xmlns:r="http://schemas.openxmlformats.org/officeDocument/2006/relationships" xmlns:p="http://schemas.openxmlformats.org/presentationml/2006/main">
-  <p:cSld>
-    <p:spTree>
-      <p:nvGrpSpPr>
-        <p:cNvPr id="1" name=""/>
-        <p:cNvGrpSpPr/>
-        <p:nvPr/>
-      </p:nvGrpSpPr>
-      <p:grpSpPr>
-        <a:xfrm>
-          <a:off x="0" y="0"/>
-          <a:ext cx="0" cy="0"/>
-          <a:chOff x="0" y="0"/>
-          <a:chExt cx="0" cy="0"/>
-        </a:xfrm>
-      </p:grpSpPr>
-      <p:sp>
-        <p:nvSpPr>
-          <p:cNvPr id="2" name="Title 1">
-            <a:extLst>
-              <a:ext uri="{FF2B5EF4-FFF2-40B4-BE49-F238E27FC236}">
-                <a16:creationId xmlns:a16="http://schemas.microsoft.com/office/drawing/2014/main" id="{0953F5CC-25B3-4920-92B1-4B7A69912AAB}"/>
-              </a:ext>
-            </a:extLst>
-          </p:cNvPr>
-          <p:cNvSpPr>
-            <a:spLocks noGrp="1"/>
-          </p:cNvSpPr>
-          <p:nvPr>
-            <p:ph type="title"/>
-          </p:nvPr>
-        </p:nvSpPr>
-        <p:spPr/>
-        <p:txBody>
-          <a:bodyPr/>
-          <a:lstStyle/>
-          <a:p>
-            <a:r>
-              <a:rPr lang="en-US" dirty="0"/>
-              <a:t>Optimizations </a:t>
-            </a:r>
-            <a:r>
-              <a:rPr lang="en-US" sz="3600" dirty="0"/>
-              <a:t>(of what?)</a:t>
-            </a:r>
-            <a:endParaRPr lang="en-IL" dirty="0"/>
-          </a:p>
-        </p:txBody>
-      </p:sp>
-      <p:sp>
-        <p:nvSpPr>
-          <p:cNvPr id="3" name="Content Placeholder 2">
-            <a:extLst>
-              <a:ext uri="{FF2B5EF4-FFF2-40B4-BE49-F238E27FC236}">
-                <a16:creationId xmlns:a16="http://schemas.microsoft.com/office/drawing/2014/main" id="{99991640-B5C9-4804-A626-94EAB1965A14}"/>
-              </a:ext>
-            </a:extLst>
-          </p:cNvPr>
-          <p:cNvSpPr>
-            <a:spLocks noGrp="1"/>
-          </p:cNvSpPr>
-          <p:nvPr>
-            <p:ph idx="1"/>
-          </p:nvPr>
-        </p:nvSpPr>
-        <p:spPr/>
-        <p:txBody>
-          <a:bodyPr/>
-          <a:lstStyle/>
-          <a:p>
-            <a:r>
-              <a:rPr lang="en-US" dirty="0"/>
-              <a:t>Speed vs. memory?</a:t>
-            </a:r>
-          </a:p>
-          <a:p>
-            <a:pPr lvl="1"/>
-            <a:r>
-              <a:rPr lang="en-US" dirty="0"/>
-              <a:t> Sometimes you can gain in both</a:t>
-            </a:r>
-          </a:p>
-          <a:p>
-            <a:r>
-              <a:rPr lang="en-US" dirty="0"/>
-              <a:t>How to find the hotspots?</a:t>
-            </a:r>
-          </a:p>
-          <a:p>
-            <a:pPr lvl="1"/>
-            <a:r>
-              <a:rPr lang="en-US" dirty="0"/>
-              <a:t>Profiling tools ( </a:t>
-            </a:r>
-            <a:r>
-              <a:rPr lang="en-US" dirty="0" err="1"/>
-              <a:t>Pycharm</a:t>
-            </a:r>
-            <a:r>
-              <a:rPr lang="en-US" dirty="0"/>
-              <a:t> Pro, </a:t>
-            </a:r>
-            <a:r>
-              <a:rPr lang="en-US" dirty="0" err="1"/>
-              <a:t>cProfile</a:t>
-            </a:r>
-            <a:r>
-              <a:rPr lang="en-US" dirty="0"/>
-              <a:t>, …)</a:t>
-            </a:r>
-          </a:p>
-          <a:p>
-            <a:r>
-              <a:rPr lang="en-US" dirty="0"/>
-              <a:t>Use libraries (</a:t>
-            </a:r>
-            <a:r>
-              <a:rPr lang="en-US" dirty="0" err="1"/>
-              <a:t>e.g</a:t>
-            </a:r>
-            <a:r>
-              <a:rPr lang="en-US" dirty="0"/>
-              <a:t> </a:t>
-            </a:r>
-            <a:r>
-              <a:rPr lang="en-US" dirty="0" err="1"/>
-              <a:t>Numpy</a:t>
-            </a:r>
-            <a:r>
-              <a:rPr lang="en-US" dirty="0"/>
-              <a:t>) that uses native code</a:t>
-            </a:r>
-          </a:p>
-          <a:p>
-            <a:r>
-              <a:rPr lang="en-US" dirty="0"/>
-              <a:t>Write your own native code library (after you profiled your code)</a:t>
-            </a:r>
-          </a:p>
-          <a:p>
-            <a:endParaRPr lang="en-US" dirty="0"/>
-          </a:p>
-          <a:p>
-            <a:pPr marL="0" indent="0">
-              <a:buNone/>
-            </a:pPr>
-            <a:r>
-              <a:rPr lang="en-US" dirty="0">
-                <a:solidFill>
-                  <a:srgbClr val="FF0000"/>
-                </a:solidFill>
-              </a:rPr>
-              <a:t>“Early optimization is the root of all evil” </a:t>
-            </a:r>
-            <a:r>
-              <a:rPr lang="en-US" dirty="0"/>
-              <a:t>(Confucius ) </a:t>
-            </a:r>
-            <a:endParaRPr lang="en-IL" dirty="0"/>
-          </a:p>
-        </p:txBody>
-      </p:sp>
-    </p:spTree>
-    <p:extLst>
-      <p:ext uri="{BB962C8B-B14F-4D97-AF65-F5344CB8AC3E}">
-        <p14:creationId xmlns:p14="http://schemas.microsoft.com/office/powerpoint/2010/main" val="1828237256"/>
-      </p:ext>
-    </p:extLst>
-  </p:cSld>
-  <p:clrMapOvr>
-    <a:masterClrMapping/>
-  </p:clrMapOvr>
-</p:sld>
-</file>
-
 <file path=ppt/slides/slide19.xml><?xml version="1.0" encoding="utf-8"?>
 <p:sld xmlns:a="http://schemas.openxmlformats.org/drawingml/2006/main" xmlns:r="http://schemas.openxmlformats.org/officeDocument/2006/relationships" xmlns:p="http://schemas.openxmlformats.org/presentationml/2006/main">
   <p:cSld>
@@ -10356,7 +11166,7 @@
           <p:cNvPr id="2" name="Title 1">
             <a:extLst>
               <a:ext uri="{FF2B5EF4-FFF2-40B4-BE49-F238E27FC236}">
-                <a16:creationId xmlns:a16="http://schemas.microsoft.com/office/drawing/2014/main" id="{17FFE9F9-F0DB-4784-A828-46FFA65C9B86}"/>
+                <a16:creationId xmlns:a16="http://schemas.microsoft.com/office/drawing/2014/main" id="{AE650928-75B9-4204-9EAF-AF7EDA2E08C7}"/>
               </a:ext>
             </a:extLst>
           </p:cNvPr>
@@ -10374,7 +11184,7 @@
           <a:p>
             <a:r>
               <a:rPr lang="en-US" dirty="0"/>
-              <a:t>Code profiling</a:t>
+              <a:t>Installing packages – some tools</a:t>
             </a:r>
             <a:endParaRPr lang="en-IL" dirty="0"/>
           </a:p>
@@ -10385,7 +11195,7 @@
           <p:cNvPr id="3" name="Content Placeholder 2">
             <a:extLst>
               <a:ext uri="{FF2B5EF4-FFF2-40B4-BE49-F238E27FC236}">
-                <a16:creationId xmlns:a16="http://schemas.microsoft.com/office/drawing/2014/main" id="{DC1B7393-F842-48D7-8977-4D8C9D17158F}"/>
+                <a16:creationId xmlns:a16="http://schemas.microsoft.com/office/drawing/2014/main" id="{A5CA3D45-3B53-4F6E-B796-220472E415F3}"/>
               </a:ext>
             </a:extLst>
           </p:cNvPr>
@@ -10402,27 +11212,60 @@
           <a:lstStyle/>
           <a:p>
             <a:r>
-              <a:rPr lang="en-US" dirty="0"/>
-              <a:t>Guessing where the code is slow can be very misleading. Measure!</a:t>
-            </a:r>
-          </a:p>
-          <a:p>
-            <a:r>
-              <a:rPr lang="en-US" dirty="0"/>
-              <a:t>The measurement tool is called a Profiler. </a:t>
-            </a:r>
-          </a:p>
-          <a:p>
-            <a:r>
-              <a:rPr lang="en-US" dirty="0"/>
-              <a:t>Run your code with several inputs (to cover most common control flows)</a:t>
-            </a:r>
-          </a:p>
-          <a:p>
-            <a:r>
-              <a:rPr lang="en-US" dirty="0"/>
-              <a:t>We will see an example down the road (if there is enough time)</a:t>
-            </a:r>
+              <a:rPr lang="en-US" b="1" dirty="0"/>
+              <a:t>pip</a:t>
+            </a:r>
+            <a:r>
+              <a:rPr lang="en-US" dirty="0"/>
+              <a:t>     (requirements.txt)</a:t>
+            </a:r>
+          </a:p>
+          <a:p>
+            <a:r>
+              <a:rPr lang="en-US" dirty="0" err="1"/>
+              <a:t>pipenv</a:t>
+            </a:r>
+            <a:endParaRPr lang="en-US" dirty="0"/>
+          </a:p>
+          <a:p>
+            <a:r>
+              <a:rPr lang="en-US" dirty="0" err="1"/>
+              <a:t>conda</a:t>
+            </a:r>
+            <a:endParaRPr lang="en-US" dirty="0"/>
+          </a:p>
+          <a:p>
+            <a:r>
+              <a:rPr lang="en-US" dirty="0" err="1"/>
+              <a:t>setuptools</a:t>
+            </a:r>
+            <a:endParaRPr lang="en-US" dirty="0"/>
+          </a:p>
+          <a:p>
+            <a:endParaRPr lang="en-US" dirty="0"/>
+          </a:p>
+          <a:p>
+            <a:endParaRPr lang="en-US" dirty="0"/>
+          </a:p>
+          <a:p>
+            <a:r>
+              <a:rPr lang="en-US" dirty="0"/>
+              <a:t>(</a:t>
+            </a:r>
+            <a:r>
+              <a:rPr lang="en-US" dirty="0">
+                <a:solidFill>
+                  <a:schemeClr val="accent6"/>
+                </a:solidFill>
+              </a:rPr>
+              <a:t>demo pip</a:t>
+            </a:r>
+            <a:r>
+              <a:rPr lang="en-US" dirty="0"/>
+              <a:t>)</a:t>
+            </a:r>
+          </a:p>
+          <a:p>
             <a:endParaRPr lang="en-IL" dirty="0"/>
           </a:p>
         </p:txBody>
@@ -10430,7 +11273,7 @@
     </p:spTree>
     <p:extLst>
       <p:ext uri="{BB962C8B-B14F-4D97-AF65-F5344CB8AC3E}">
-        <p14:creationId xmlns:p14="http://schemas.microsoft.com/office/powerpoint/2010/main" val="3757237208"/>
+        <p14:creationId xmlns:p14="http://schemas.microsoft.com/office/powerpoint/2010/main" val="914576816"/>
       </p:ext>
     </p:extLst>
   </p:cSld>
@@ -10568,6 +11411,88 @@
               <a:rPr lang="en-US" dirty="0"/>
               <a:t> Pizza slices</a:t>
             </a:r>
+          </a:p>
+        </p:txBody>
+      </p:sp>
+      <p:pic>
+        <p:nvPicPr>
+          <p:cNvPr id="5" name="Picture 4">
+            <a:extLst>
+              <a:ext uri="{FF2B5EF4-FFF2-40B4-BE49-F238E27FC236}">
+                <a16:creationId xmlns:a16="http://schemas.microsoft.com/office/drawing/2014/main" id="{65EB29E9-15C4-41E6-AA8C-35B75E27C8F5}"/>
+              </a:ext>
+            </a:extLst>
+          </p:cNvPr>
+          <p:cNvPicPr>
+            <a:picLocks noChangeAspect="1"/>
+          </p:cNvPicPr>
+          <p:nvPr/>
+        </p:nvPicPr>
+        <p:blipFill>
+          <a:blip r:embed="rId4">
+            <a:extLst>
+              <a:ext uri="{28A0092B-C50C-407E-A947-70E740481C1C}">
+                <a14:useLocalDpi xmlns:a14="http://schemas.microsoft.com/office/drawing/2010/main" val="0"/>
+              </a:ext>
+            </a:extLst>
+          </a:blip>
+          <a:stretch>
+            <a:fillRect/>
+          </a:stretch>
+        </p:blipFill>
+        <p:spPr>
+          <a:xfrm>
+            <a:off x="9905681" y="4571681"/>
+            <a:ext cx="2286319" cy="2286319"/>
+          </a:xfrm>
+          <a:prstGeom prst="rect">
+            <a:avLst/>
+          </a:prstGeom>
+        </p:spPr>
+      </p:pic>
+      <p:sp>
+        <p:nvSpPr>
+          <p:cNvPr id="6" name="TextBox 5">
+            <a:extLst>
+              <a:ext uri="{FF2B5EF4-FFF2-40B4-BE49-F238E27FC236}">
+                <a16:creationId xmlns:a16="http://schemas.microsoft.com/office/drawing/2014/main" id="{E7DB1C16-2F25-4103-BD91-4E4207964B4F}"/>
+              </a:ext>
+            </a:extLst>
+          </p:cNvPr>
+          <p:cNvSpPr txBox="1"/>
+          <p:nvPr/>
+        </p:nvSpPr>
+        <p:spPr>
+          <a:xfrm>
+            <a:off x="6641646" y="6235348"/>
+            <a:ext cx="3264035" cy="784830"/>
+          </a:xfrm>
+          <a:prstGeom prst="rect">
+            <a:avLst/>
+          </a:prstGeom>
+          <a:noFill/>
+        </p:spPr>
+        <p:txBody>
+          <a:bodyPr wrap="none" rtlCol="0">
+            <a:spAutoFit/>
+          </a:bodyPr>
+          <a:lstStyle/>
+          <a:p>
+            <a:r>
+              <a:rPr lang="en-US" dirty="0"/>
+              <a:t>Workshop’s site:</a:t>
+            </a:r>
+          </a:p>
+          <a:p>
+            <a:r>
+              <a:rPr lang="en-US" sz="900" dirty="0">
+                <a:hlinkClick r:id="rId5"/>
+              </a:rPr>
+              <a:t>https://technionmail.sharepoint.com/sites/pythonworkshop2019</a:t>
+            </a:r>
+            <a:endParaRPr lang="en-IL" sz="900" dirty="0"/>
+          </a:p>
+          <a:p>
             <a:endParaRPr lang="en-IL" dirty="0"/>
           </a:p>
         </p:txBody>
@@ -10607,7 +11532,7 @@
           <p:cNvPr id="2" name="Title 1">
             <a:extLst>
               <a:ext uri="{FF2B5EF4-FFF2-40B4-BE49-F238E27FC236}">
-                <a16:creationId xmlns:a16="http://schemas.microsoft.com/office/drawing/2014/main" id="{F9243501-C93C-453D-ACA8-7252CC5F2A21}"/>
+                <a16:creationId xmlns:a16="http://schemas.microsoft.com/office/drawing/2014/main" id="{0953F5CC-25B3-4920-92B1-4B7A69912AAB}"/>
               </a:ext>
             </a:extLst>
           </p:cNvPr>
@@ -10625,7 +11550,11 @@
           <a:p>
             <a:r>
               <a:rPr lang="en-US" dirty="0"/>
-              <a:t>Python implementations</a:t>
+              <a:t>Optimizations </a:t>
+            </a:r>
+            <a:r>
+              <a:rPr lang="en-US" sz="3600" dirty="0"/>
+              <a:t>(of what?)</a:t>
             </a:r>
             <a:endParaRPr lang="en-IL" dirty="0"/>
           </a:p>
@@ -10636,7 +11565,7 @@
           <p:cNvPr id="3" name="Content Placeholder 2">
             <a:extLst>
               <a:ext uri="{FF2B5EF4-FFF2-40B4-BE49-F238E27FC236}">
-                <a16:creationId xmlns:a16="http://schemas.microsoft.com/office/drawing/2014/main" id="{CFE62499-B454-426B-9233-01E91A9B51EF}"/>
+                <a16:creationId xmlns:a16="http://schemas.microsoft.com/office/drawing/2014/main" id="{99991640-B5C9-4804-A626-94EAB1965A14}"/>
               </a:ext>
             </a:extLst>
           </p:cNvPr>
@@ -10654,55 +11583,91 @@
           <a:p>
             <a:r>
               <a:rPr lang="en-US" dirty="0"/>
-              <a:t>The default implementation is written in C, and is a stupid interpreter.</a:t>
-            </a:r>
-          </a:p>
-          <a:p>
-            <a:r>
-              <a:rPr lang="en-US" dirty="0"/>
-              <a:t>Alternatives: (both have </a:t>
+              <a:t>Speed vs. memory?</a:t>
+            </a:r>
+          </a:p>
+          <a:p>
+            <a:pPr lvl="1"/>
+            <a:r>
+              <a:rPr lang="en-US" dirty="0"/>
+              <a:t> Sometimes you can gain in both</a:t>
+            </a:r>
+          </a:p>
+          <a:p>
+            <a:r>
+              <a:rPr lang="en-US" dirty="0"/>
+              <a:t>How to find the hotspots?</a:t>
+            </a:r>
+          </a:p>
+          <a:p>
+            <a:pPr lvl="1"/>
+            <a:r>
+              <a:rPr lang="en-US" dirty="0"/>
+              <a:t>Profiling tools ( </a:t>
             </a:r>
             <a:r>
               <a:rPr lang="en-US" dirty="0" err="1"/>
-              <a:t>JustInTime</a:t>
-            </a:r>
-            <a:r>
-              <a:rPr lang="en-US" dirty="0"/>
-              <a:t> compilation)</a:t>
-            </a:r>
-          </a:p>
-          <a:p>
-            <a:pPr lvl="1"/>
+              <a:t>Pycharm</a:t>
+            </a:r>
+            <a:r>
+              <a:rPr lang="en-US" dirty="0"/>
+              <a:t> Pro, </a:t>
+            </a:r>
             <a:r>
               <a:rPr lang="en-US" dirty="0" err="1"/>
-              <a:t>Pypy</a:t>
-            </a:r>
-            <a:r>
-              <a:rPr lang="en-US" dirty="0"/>
-              <a:t>     : latest build (as of 2019-06) is compatible with </a:t>
+              <a:t>cProfile</a:t>
+            </a:r>
+            <a:r>
+              <a:rPr lang="en-US" dirty="0"/>
+              <a:t>, …)</a:t>
+            </a:r>
+          </a:p>
+          <a:p>
+            <a:r>
+              <a:rPr lang="en-US" dirty="0"/>
+              <a:t>Use libraries (</a:t>
             </a:r>
             <a:r>
               <a:rPr lang="en-US" dirty="0" err="1"/>
-              <a:t>cpython</a:t>
-            </a:r>
-            <a:r>
-              <a:rPr lang="en-US" dirty="0"/>
-              <a:t> 3.5.3</a:t>
-            </a:r>
-          </a:p>
-          <a:p>
-            <a:pPr lvl="1"/>
+              <a:t>e.g</a:t>
+            </a:r>
             <a:r>
               <a:rPr lang="en-US" dirty="0"/>
               <a:t> </a:t>
             </a:r>
             <a:r>
               <a:rPr lang="en-US" dirty="0" err="1"/>
-              <a:t>jython</a:t>
-            </a:r>
-            <a:r>
-              <a:rPr lang="en-US" dirty="0"/>
-              <a:t> : python that runs on JVM. The python code can call Java libs!</a:t>
+              <a:t>Numpy</a:t>
+            </a:r>
+            <a:r>
+              <a:rPr lang="en-US" dirty="0"/>
+              <a:t>) that uses native code</a:t>
+            </a:r>
+          </a:p>
+          <a:p>
+            <a:r>
+              <a:rPr lang="en-US" dirty="0"/>
+              <a:t>Write your own native code library (after you profiled your code)</a:t>
+            </a:r>
+          </a:p>
+          <a:p>
+            <a:endParaRPr lang="en-US" dirty="0"/>
+          </a:p>
+          <a:p>
+            <a:pPr marL="0" indent="0">
+              <a:buNone/>
+            </a:pPr>
+            <a:r>
+              <a:rPr lang="en-US" dirty="0">
+                <a:solidFill>
+                  <a:srgbClr val="FF0000"/>
+                </a:solidFill>
+              </a:rPr>
+              <a:t>“Early optimization is the root of all evil” </a:t>
+            </a:r>
+            <a:r>
+              <a:rPr lang="en-US" dirty="0"/>
+              <a:t>(Confucius ) </a:t>
             </a:r>
             <a:endParaRPr lang="en-IL" dirty="0"/>
           </a:p>
@@ -10711,7 +11676,7 @@
     </p:spTree>
     <p:extLst>
       <p:ext uri="{BB962C8B-B14F-4D97-AF65-F5344CB8AC3E}">
-        <p14:creationId xmlns:p14="http://schemas.microsoft.com/office/powerpoint/2010/main" val="920220994"/>
+        <p14:creationId xmlns:p14="http://schemas.microsoft.com/office/powerpoint/2010/main" val="1828237256"/>
       </p:ext>
     </p:extLst>
   </p:cSld>
@@ -10743,7 +11708,7 @@
           <p:cNvPr id="2" name="Title 1">
             <a:extLst>
               <a:ext uri="{FF2B5EF4-FFF2-40B4-BE49-F238E27FC236}">
-                <a16:creationId xmlns:a16="http://schemas.microsoft.com/office/drawing/2014/main" id="{3E2FBADA-DC0F-4FFB-B48C-E71ED4BF6521}"/>
+                <a16:creationId xmlns:a16="http://schemas.microsoft.com/office/drawing/2014/main" id="{17FFE9F9-F0DB-4784-A828-46FFA65C9B86}"/>
               </a:ext>
             </a:extLst>
           </p:cNvPr>
@@ -10761,7 +11726,7 @@
           <a:p>
             <a:r>
               <a:rPr lang="en-US" dirty="0"/>
-              <a:t>List comprehensions</a:t>
+              <a:t>Code profiling</a:t>
             </a:r>
             <a:endParaRPr lang="en-IL" dirty="0"/>
           </a:p>
@@ -10772,7 +11737,7 @@
           <p:cNvPr id="3" name="Content Placeholder 2">
             <a:extLst>
               <a:ext uri="{FF2B5EF4-FFF2-40B4-BE49-F238E27FC236}">
-                <a16:creationId xmlns:a16="http://schemas.microsoft.com/office/drawing/2014/main" id="{B17C4CDB-7B20-4742-BB7B-75CE36E12C27}"/>
+                <a16:creationId xmlns:a16="http://schemas.microsoft.com/office/drawing/2014/main" id="{DC1B7393-F842-48D7-8977-4D8C9D17158F}"/>
               </a:ext>
             </a:extLst>
           </p:cNvPr>
@@ -10783,219 +11748,41 @@
             <p:ph idx="1"/>
           </p:nvPr>
         </p:nvSpPr>
-        <p:spPr>
-          <a:xfrm>
-            <a:off x="838200" y="1825625"/>
-            <a:ext cx="10515600" cy="4351338"/>
-          </a:xfrm>
-          <a:noFill/>
-          <a:ln>
-            <a:solidFill>
-              <a:schemeClr val="accent4"/>
-            </a:solidFill>
-          </a:ln>
-        </p:spPr>
-        <p:txBody>
-          <a:bodyPr>
-            <a:normAutofit/>
-          </a:bodyPr>
-          <a:lstStyle/>
-          <a:p>
-            <a:r>
-              <a:rPr lang="en-US" dirty="0"/>
-              <a:t>Map and filter in one concise expression</a:t>
-            </a:r>
-          </a:p>
-          <a:p>
-            <a:pPr marL="0" indent="0">
-              <a:buNone/>
-            </a:pPr>
-            <a:r>
-              <a:rPr lang="en-US" dirty="0">
-                <a:latin typeface="Courier New" panose="02070309020205020404" pitchFamily="49" charset="0"/>
-                <a:cs typeface="Courier New" panose="02070309020205020404" pitchFamily="49" charset="0"/>
-              </a:rPr>
-              <a:t>&gt;&gt;&gt; [x*x for x in range(4) if x % 2 == 0]</a:t>
-            </a:r>
-          </a:p>
-          <a:p>
-            <a:pPr marL="0" indent="0">
-              <a:buNone/>
-            </a:pPr>
-            <a:r>
-              <a:rPr lang="en-US" dirty="0">
-                <a:latin typeface="Courier New" panose="02070309020205020404" pitchFamily="49" charset="0"/>
-                <a:cs typeface="Courier New" panose="02070309020205020404" pitchFamily="49" charset="0"/>
-              </a:rPr>
-              <a:t>[0, 4]</a:t>
-            </a:r>
-          </a:p>
-          <a:p>
-            <a:r>
-              <a:rPr lang="en-US" dirty="0"/>
-              <a:t>Or use map() and filter():</a:t>
-            </a:r>
-          </a:p>
-          <a:p>
-            <a:pPr marL="0" indent="0">
-              <a:buNone/>
-            </a:pPr>
-            <a:r>
-              <a:rPr lang="en-US" dirty="0">
-                <a:latin typeface="Courier New" panose="02070309020205020404" pitchFamily="49" charset="0"/>
-                <a:cs typeface="Courier New" panose="02070309020205020404" pitchFamily="49" charset="0"/>
-              </a:rPr>
-              <a:t>&gt;&gt;&gt; list(</a:t>
-            </a:r>
-            <a:r>
-              <a:rPr lang="en-US" dirty="0">
-                <a:ln>
-                  <a:solidFill>
-                    <a:srgbClr val="A9D18E"/>
-                  </a:solidFill>
-                </a:ln>
-                <a:latin typeface="Courier New" panose="02070309020205020404" pitchFamily="49" charset="0"/>
-                <a:cs typeface="Courier New" panose="02070309020205020404" pitchFamily="49" charset="0"/>
-              </a:rPr>
-              <a:t>filter(lambda y: y%2 == 0</a:t>
-            </a:r>
-            <a:r>
-              <a:rPr lang="en-US" dirty="0">
-                <a:latin typeface="Courier New" panose="02070309020205020404" pitchFamily="49" charset="0"/>
-                <a:cs typeface="Courier New" panose="02070309020205020404" pitchFamily="49" charset="0"/>
-              </a:rPr>
-              <a:t>,</a:t>
-            </a:r>
-            <a:r>
-              <a:rPr lang="en-US" dirty="0">
-                <a:ln>
-                  <a:solidFill>
-                    <a:srgbClr val="9DC3E6"/>
-                  </a:solidFill>
-                </a:ln>
-                <a:latin typeface="Courier New" panose="02070309020205020404" pitchFamily="49" charset="0"/>
-                <a:cs typeface="Courier New" panose="02070309020205020404" pitchFamily="49" charset="0"/>
-              </a:rPr>
-              <a:t>map(lambda x: x*x,</a:t>
-            </a:r>
-            <a:r>
-              <a:rPr lang="en-US" dirty="0">
-                <a:latin typeface="Courier New" panose="02070309020205020404" pitchFamily="49" charset="0"/>
-                <a:cs typeface="Courier New" panose="02070309020205020404" pitchFamily="49" charset="0"/>
-              </a:rPr>
-              <a:t> </a:t>
-            </a:r>
-            <a:r>
-              <a:rPr lang="en-US" dirty="0">
-                <a:solidFill>
-                  <a:srgbClr val="FFC000"/>
-                </a:solidFill>
-                <a:latin typeface="Courier New" panose="02070309020205020404" pitchFamily="49" charset="0"/>
-                <a:cs typeface="Courier New" panose="02070309020205020404" pitchFamily="49" charset="0"/>
-              </a:rPr>
-              <a:t>range(4))))</a:t>
-            </a:r>
-          </a:p>
-          <a:p>
-            <a:pPr marL="0" indent="0">
-              <a:buNone/>
-            </a:pPr>
-            <a:endParaRPr lang="en-US" dirty="0">
-              <a:latin typeface="Courier New" panose="02070309020205020404" pitchFamily="49" charset="0"/>
-              <a:cs typeface="Courier New" panose="02070309020205020404" pitchFamily="49" charset="0"/>
-            </a:endParaRPr>
-          </a:p>
-          <a:p>
-            <a:pPr marL="0" indent="0">
-              <a:buNone/>
-            </a:pPr>
-            <a:endParaRPr lang="en-US" dirty="0">
-              <a:latin typeface="Courier New" panose="02070309020205020404" pitchFamily="49" charset="0"/>
-              <a:cs typeface="Courier New" panose="02070309020205020404" pitchFamily="49" charset="0"/>
-            </a:endParaRPr>
-          </a:p>
-          <a:p>
-            <a:pPr marL="0" indent="0">
-              <a:buNone/>
-            </a:pPr>
-            <a:r>
-              <a:rPr lang="en-US" sz="1800" dirty="0">
-                <a:latin typeface="Courier New" panose="02070309020205020404" pitchFamily="49" charset="0"/>
-                <a:cs typeface="Courier New" panose="02070309020205020404" pitchFamily="49" charset="0"/>
-              </a:rPr>
-              <a:t>(</a:t>
-            </a:r>
-            <a:r>
-              <a:rPr lang="en-US" sz="1800" dirty="0">
-                <a:hlinkClick r:id="rId3"/>
-              </a:rPr>
-              <a:t>https://towardsdatascience.com/python-basics-list-comprehensions-631278f22c40</a:t>
-            </a:r>
-            <a:r>
-              <a:rPr lang="en-US" sz="1800" dirty="0"/>
-              <a:t>)</a:t>
-            </a:r>
-            <a:endParaRPr lang="en-US" sz="1800" dirty="0">
-              <a:latin typeface="Courier New" panose="02070309020205020404" pitchFamily="49" charset="0"/>
-              <a:cs typeface="Courier New" panose="02070309020205020404" pitchFamily="49" charset="0"/>
-            </a:endParaRPr>
-          </a:p>
-          <a:p>
+        <p:spPr/>
+        <p:txBody>
+          <a:bodyPr/>
+          <a:lstStyle/>
+          <a:p>
+            <a:r>
+              <a:rPr lang="en-US" dirty="0"/>
+              <a:t>Guessing where the code is slow can be very misleading. Measure!</a:t>
+            </a:r>
+          </a:p>
+          <a:p>
+            <a:r>
+              <a:rPr lang="en-US" dirty="0"/>
+              <a:t>The measurement tool is called a Profiler. </a:t>
+            </a:r>
+          </a:p>
+          <a:p>
+            <a:r>
+              <a:rPr lang="en-US" dirty="0"/>
+              <a:t>Run your code with several inputs (to cover most common control flows)</a:t>
+            </a:r>
+          </a:p>
+          <a:p>
+            <a:r>
+              <a:rPr lang="en-US" dirty="0"/>
+              <a:t>We will see an example down the road (if there is enough time)</a:t>
+            </a:r>
             <a:endParaRPr lang="en-IL" dirty="0"/>
           </a:p>
         </p:txBody>
       </p:sp>
-      <p:pic>
-        <p:nvPicPr>
-          <p:cNvPr id="1032" name="Picture 8" descr="https://cdn-images-1.medium.com/max/1600/1*kBRijbVn8txs8b5VGPBTMg.png">
-            <a:extLst>
-              <a:ext uri="{FF2B5EF4-FFF2-40B4-BE49-F238E27FC236}">
-                <a16:creationId xmlns:a16="http://schemas.microsoft.com/office/drawing/2014/main" id="{3BB8C88D-A664-43ED-9089-4BF532611264}"/>
-              </a:ext>
-            </a:extLst>
-          </p:cNvPr>
-          <p:cNvPicPr>
-            <a:picLocks noChangeAspect="1" noChangeArrowheads="1"/>
-          </p:cNvPicPr>
-          <p:nvPr/>
-        </p:nvPicPr>
-        <p:blipFill>
-          <a:blip r:embed="rId4">
-            <a:extLst>
-              <a:ext uri="{28A0092B-C50C-407E-A947-70E740481C1C}">
-                <a14:useLocalDpi xmlns:a14="http://schemas.microsoft.com/office/drawing/2010/main" val="0"/>
-              </a:ext>
-            </a:extLst>
-          </a:blip>
-          <a:srcRect/>
-          <a:stretch>
-            <a:fillRect/>
-          </a:stretch>
-        </p:blipFill>
-        <p:spPr bwMode="auto">
-          <a:xfrm>
-            <a:off x="838200" y="1215231"/>
-            <a:ext cx="7200900" cy="542925"/>
-          </a:xfrm>
-          <a:prstGeom prst="rect">
-            <a:avLst/>
-          </a:prstGeom>
-          <a:noFill/>
-          <a:extLst>
-            <a:ext uri="{909E8E84-426E-40DD-AFC4-6F175D3DCCD1}">
-              <a14:hiddenFill xmlns:a14="http://schemas.microsoft.com/office/drawing/2010/main">
-                <a:solidFill>
-                  <a:srgbClr val="FFFFFF"/>
-                </a:solidFill>
-              </a14:hiddenFill>
-            </a:ext>
-          </a:extLst>
-        </p:spPr>
-      </p:pic>
     </p:spTree>
     <p:extLst>
       <p:ext uri="{BB962C8B-B14F-4D97-AF65-F5344CB8AC3E}">
-        <p14:creationId xmlns:p14="http://schemas.microsoft.com/office/powerpoint/2010/main" val="1103280647"/>
+        <p14:creationId xmlns:p14="http://schemas.microsoft.com/office/powerpoint/2010/main" val="3757237208"/>
       </p:ext>
     </p:extLst>
   </p:cSld>
@@ -11008,40 +11795,6 @@
 <file path=ppt/slides/slide22.xml><?xml version="1.0" encoding="utf-8"?>
 <p:sld xmlns:a="http://schemas.openxmlformats.org/drawingml/2006/main" xmlns:r="http://schemas.openxmlformats.org/officeDocument/2006/relationships" xmlns:p="http://schemas.openxmlformats.org/presentationml/2006/main">
   <p:cSld>
-    <p:bg>
-      <p:bgPr>
-        <a:gradFill>
-          <a:gsLst>
-            <a:gs pos="0">
-              <a:schemeClr val="accent1">
-                <a:lumMod val="5000"/>
-                <a:lumOff val="95000"/>
-              </a:schemeClr>
-            </a:gs>
-            <a:gs pos="74000">
-              <a:schemeClr val="accent1">
-                <a:lumMod val="45000"/>
-                <a:lumOff val="55000"/>
-              </a:schemeClr>
-            </a:gs>
-            <a:gs pos="83000">
-              <a:schemeClr val="accent1">
-                <a:lumMod val="45000"/>
-                <a:lumOff val="55000"/>
-              </a:schemeClr>
-            </a:gs>
-            <a:gs pos="100000">
-              <a:schemeClr val="accent1">
-                <a:lumMod val="30000"/>
-                <a:lumOff val="70000"/>
-              </a:schemeClr>
-            </a:gs>
-          </a:gsLst>
-          <a:lin ang="5400000" scaled="1"/>
-        </a:gradFill>
-        <a:effectLst/>
-      </p:bgPr>
-    </p:bg>
     <p:spTree>
       <p:nvGrpSpPr>
         <p:cNvPr id="1" name=""/>
@@ -11061,7 +11814,7 @@
           <p:cNvPr id="2" name="Title 1">
             <a:extLst>
               <a:ext uri="{FF2B5EF4-FFF2-40B4-BE49-F238E27FC236}">
-                <a16:creationId xmlns:a16="http://schemas.microsoft.com/office/drawing/2014/main" id="{46ED0E52-E63C-48E2-A0D8-1DB6E65B4920}"/>
+                <a16:creationId xmlns:a16="http://schemas.microsoft.com/office/drawing/2014/main" id="{F9243501-C93C-453D-ACA8-7252CC5F2A21}"/>
               </a:ext>
             </a:extLst>
           </p:cNvPr>
@@ -11079,7 +11832,7 @@
           <a:p>
             <a:r>
               <a:rPr lang="en-US" dirty="0"/>
-              <a:t>Introducing selected packages</a:t>
+              <a:t>Python implementations</a:t>
             </a:r>
             <a:endParaRPr lang="en-IL" dirty="0"/>
           </a:p>
@@ -11090,7 +11843,7 @@
           <p:cNvPr id="3" name="Content Placeholder 2">
             <a:extLst>
               <a:ext uri="{FF2B5EF4-FFF2-40B4-BE49-F238E27FC236}">
-                <a16:creationId xmlns:a16="http://schemas.microsoft.com/office/drawing/2014/main" id="{7D55E15C-D33D-404E-93FA-345F4F41B3FD}"/>
+                <a16:creationId xmlns:a16="http://schemas.microsoft.com/office/drawing/2014/main" id="{CFE62499-B454-426B-9233-01E91A9B51EF}"/>
               </a:ext>
             </a:extLst>
           </p:cNvPr>
@@ -11106,61 +11859,58 @@
           <a:bodyPr/>
           <a:lstStyle/>
           <a:p>
-            <a:pPr fontAlgn="base"/>
+            <a:r>
+              <a:rPr lang="en-US" dirty="0"/>
+              <a:t>The default implementation is written in C, and is a stupid interpreter.</a:t>
+            </a:r>
+          </a:p>
+          <a:p>
+            <a:r>
+              <a:rPr lang="en-US" dirty="0"/>
+              <a:t>Alternatives: (both have </a:t>
+            </a:r>
             <a:r>
               <a:rPr lang="en-US" dirty="0" err="1"/>
-              <a:t>scrapy</a:t>
-            </a:r>
-            <a:r>
-              <a:rPr lang="en-US" dirty="0"/>
-              <a:t> – if you need to collect the data set yourself from a web site.</a:t>
-            </a:r>
-          </a:p>
-          <a:p>
-            <a:pPr fontAlgn="base"/>
-            <a:r>
-              <a:rPr lang="en-US" dirty="0"/>
-              <a:t>SciPy </a:t>
-            </a:r>
-          </a:p>
-          <a:p>
-            <a:pPr fontAlgn="base"/>
-            <a:r>
-              <a:rPr lang="en-US" b="1" dirty="0"/>
-              <a:t>NumPy </a:t>
-            </a:r>
-          </a:p>
-          <a:p>
-            <a:pPr fontAlgn="base"/>
-            <a:r>
-              <a:rPr lang="en-US" b="1" dirty="0"/>
-              <a:t>Pandas</a:t>
-            </a:r>
-          </a:p>
-          <a:p>
-            <a:pPr fontAlgn="base"/>
+              <a:t>JustInTime</a:t>
+            </a:r>
+            <a:r>
+              <a:rPr lang="en-US" dirty="0"/>
+              <a:t> compilation)</a:t>
+            </a:r>
+          </a:p>
+          <a:p>
+            <a:pPr lvl="1"/>
             <a:r>
               <a:rPr lang="en-US" dirty="0" err="1"/>
-              <a:t>scikit</a:t>
-            </a:r>
-            <a:r>
-              <a:rPr lang="en-US" dirty="0"/>
-              <a:t>-learn</a:t>
-            </a:r>
-          </a:p>
-          <a:p>
-            <a:pPr marL="0" indent="0" fontAlgn="base">
-              <a:buNone/>
-            </a:pPr>
+              <a:t>Pypy</a:t>
+            </a:r>
+            <a:r>
+              <a:rPr lang="en-US" dirty="0"/>
+              <a:t>     : latest build (as of 2019-06) is compatible with </a:t>
+            </a:r>
+            <a:r>
+              <a:rPr lang="en-US" dirty="0" err="1"/>
+              <a:t>cpython</a:t>
+            </a:r>
+            <a:r>
+              <a:rPr lang="en-US" dirty="0"/>
+              <a:t> 3.5.3</a:t>
+            </a:r>
+          </a:p>
+          <a:p>
+            <a:pPr lvl="1"/>
             <a:r>
               <a:rPr lang="en-US" dirty="0"/>
               <a:t> </a:t>
             </a:r>
-          </a:p>
-          <a:p>
-            <a:pPr marL="0" indent="0">
-              <a:buNone/>
-            </a:pPr>
+            <a:r>
+              <a:rPr lang="en-US" dirty="0" err="1"/>
+              <a:t>jython</a:t>
+            </a:r>
+            <a:r>
+              <a:rPr lang="en-US" dirty="0"/>
+              <a:t> : python that runs on JVM. The python code can call Java libs!</a:t>
+            </a:r>
             <a:endParaRPr lang="en-IL" dirty="0"/>
           </a:p>
         </p:txBody>
@@ -11168,7 +11918,7 @@
     </p:spTree>
     <p:extLst>
       <p:ext uri="{BB962C8B-B14F-4D97-AF65-F5344CB8AC3E}">
-        <p14:creationId xmlns:p14="http://schemas.microsoft.com/office/powerpoint/2010/main" val="3738750185"/>
+        <p14:creationId xmlns:p14="http://schemas.microsoft.com/office/powerpoint/2010/main" val="920220994"/>
       </p:ext>
     </p:extLst>
   </p:cSld>
@@ -11234,7 +11984,7 @@
           <p:cNvPr id="2" name="Title 1">
             <a:extLst>
               <a:ext uri="{FF2B5EF4-FFF2-40B4-BE49-F238E27FC236}">
-                <a16:creationId xmlns:a16="http://schemas.microsoft.com/office/drawing/2014/main" id="{DB123991-850E-40FA-B0B8-07B2A1FBA24E}"/>
+                <a16:creationId xmlns:a16="http://schemas.microsoft.com/office/drawing/2014/main" id="{46ED0E52-E63C-48E2-A0D8-1DB6E65B4920}"/>
               </a:ext>
             </a:extLst>
           </p:cNvPr>
@@ -11252,7 +12002,7 @@
           <a:p>
             <a:r>
               <a:rPr lang="en-US" dirty="0"/>
-              <a:t>Advanced topics</a:t>
+              <a:t>Introducing selected packages</a:t>
             </a:r>
             <a:endParaRPr lang="en-IL" dirty="0"/>
           </a:p>
@@ -11263,7 +12013,7 @@
           <p:cNvPr id="3" name="Content Placeholder 2">
             <a:extLst>
               <a:ext uri="{FF2B5EF4-FFF2-40B4-BE49-F238E27FC236}">
-                <a16:creationId xmlns:a16="http://schemas.microsoft.com/office/drawing/2014/main" id="{A3FE9E38-81A5-438F-B329-F3B8DF6CC4C8}"/>
+                <a16:creationId xmlns:a16="http://schemas.microsoft.com/office/drawing/2014/main" id="{7D55E15C-D33D-404E-93FA-345F4F41B3FD}"/>
               </a:ext>
             </a:extLst>
           </p:cNvPr>
@@ -11281,46 +12031,59 @@
           <a:p>
             <a:pPr fontAlgn="base"/>
             <a:r>
-              <a:rPr lang="en-US" dirty="0"/>
-              <a:t>Multi-threading and the GIL </a:t>
+              <a:rPr lang="en-US" dirty="0" err="1"/>
+              <a:t>scrapy</a:t>
+            </a:r>
+            <a:r>
+              <a:rPr lang="en-US" dirty="0"/>
+              <a:t> – if you need to collect the data set yourself from a web site.</a:t>
             </a:r>
           </a:p>
           <a:p>
             <a:pPr fontAlgn="base"/>
             <a:r>
               <a:rPr lang="en-US" dirty="0"/>
-              <a:t>Multiprocessing </a:t>
+              <a:t>SciPy </a:t>
             </a:r>
           </a:p>
           <a:p>
             <a:pPr fontAlgn="base"/>
             <a:r>
-              <a:rPr lang="en-US" dirty="0"/>
-              <a:t>Subprocess module</a:t>
+              <a:rPr lang="en-US" b="1" dirty="0"/>
+              <a:t>NumPy </a:t>
             </a:r>
           </a:p>
           <a:p>
             <a:pPr fontAlgn="base"/>
             <a:r>
-              <a:rPr lang="en-US" dirty="0"/>
-              <a:t>Generators and Iterator Protocol</a:t>
+              <a:rPr lang="en-US" b="1" dirty="0"/>
+              <a:t>Pandas</a:t>
             </a:r>
           </a:p>
           <a:p>
             <a:pPr fontAlgn="base"/>
             <a:r>
-              <a:rPr lang="en-US" dirty="0"/>
-              <a:t>Decorators (class and method based)</a:t>
-            </a:r>
-          </a:p>
-          <a:p>
-            <a:pPr fontAlgn="base"/>
-            <a:r>
-              <a:rPr lang="en-US" dirty="0"/>
-              <a:t>Comprehensions</a:t>
-            </a:r>
-          </a:p>
-          <a:p>
+              <a:rPr lang="en-US" dirty="0" err="1"/>
+              <a:t>scikit</a:t>
+            </a:r>
+            <a:r>
+              <a:rPr lang="en-US" dirty="0"/>
+              <a:t>-learn</a:t>
+            </a:r>
+          </a:p>
+          <a:p>
+            <a:pPr marL="0" indent="0" fontAlgn="base">
+              <a:buNone/>
+            </a:pPr>
+            <a:r>
+              <a:rPr lang="en-US" dirty="0"/>
+              <a:t> </a:t>
+            </a:r>
+          </a:p>
+          <a:p>
+            <a:pPr marL="0" indent="0">
+              <a:buNone/>
+            </a:pPr>
             <a:endParaRPr lang="en-IL" dirty="0"/>
           </a:p>
         </p:txBody>
@@ -11328,7 +12091,7 @@
     </p:spTree>
     <p:extLst>
       <p:ext uri="{BB962C8B-B14F-4D97-AF65-F5344CB8AC3E}">
-        <p14:creationId xmlns:p14="http://schemas.microsoft.com/office/powerpoint/2010/main" val="2018483819"/>
+        <p14:creationId xmlns:p14="http://schemas.microsoft.com/office/powerpoint/2010/main" val="3738750185"/>
       </p:ext>
     </p:extLst>
   </p:cSld>
@@ -11339,356 +12102,6 @@
 </file>
 
 <file path=ppt/slides/slide24.xml><?xml version="1.0" encoding="utf-8"?>
-<p:sld xmlns:a="http://schemas.openxmlformats.org/drawingml/2006/main" xmlns:r="http://schemas.openxmlformats.org/officeDocument/2006/relationships" xmlns:p="http://schemas.openxmlformats.org/presentationml/2006/main">
-  <p:cSld>
-    <p:spTree>
-      <p:nvGrpSpPr>
-        <p:cNvPr id="1" name=""/>
-        <p:cNvGrpSpPr/>
-        <p:nvPr/>
-      </p:nvGrpSpPr>
-      <p:grpSpPr>
-        <a:xfrm>
-          <a:off x="0" y="0"/>
-          <a:ext cx="0" cy="0"/>
-          <a:chOff x="0" y="0"/>
-          <a:chExt cx="0" cy="0"/>
-        </a:xfrm>
-      </p:grpSpPr>
-      <p:sp>
-        <p:nvSpPr>
-          <p:cNvPr id="2" name="Title 1">
-            <a:extLst>
-              <a:ext uri="{FF2B5EF4-FFF2-40B4-BE49-F238E27FC236}">
-                <a16:creationId xmlns:a16="http://schemas.microsoft.com/office/drawing/2014/main" id="{25882A8F-1B10-4FCF-B653-F60083FD99E1}"/>
-              </a:ext>
-            </a:extLst>
-          </p:cNvPr>
-          <p:cNvSpPr>
-            <a:spLocks noGrp="1"/>
-          </p:cNvSpPr>
-          <p:nvPr>
-            <p:ph type="title"/>
-          </p:nvPr>
-        </p:nvSpPr>
-        <p:spPr/>
-        <p:txBody>
-          <a:bodyPr/>
-          <a:lstStyle/>
-          <a:p>
-            <a:r>
-              <a:rPr lang="en-US" dirty="0"/>
-              <a:t>Multi {threads, process}</a:t>
-            </a:r>
-            <a:endParaRPr lang="en-IL" dirty="0"/>
-          </a:p>
-        </p:txBody>
-      </p:sp>
-      <p:sp>
-        <p:nvSpPr>
-          <p:cNvPr id="3" name="Content Placeholder 2">
-            <a:extLst>
-              <a:ext uri="{FF2B5EF4-FFF2-40B4-BE49-F238E27FC236}">
-                <a16:creationId xmlns:a16="http://schemas.microsoft.com/office/drawing/2014/main" id="{07A8AF2C-E10B-49D7-846B-D55410960F50}"/>
-              </a:ext>
-            </a:extLst>
-          </p:cNvPr>
-          <p:cNvSpPr>
-            <a:spLocks noGrp="1"/>
-          </p:cNvSpPr>
-          <p:nvPr>
-            <p:ph idx="1"/>
-          </p:nvPr>
-        </p:nvSpPr>
-        <p:spPr/>
-        <p:txBody>
-          <a:bodyPr/>
-          <a:lstStyle/>
-          <a:p>
-            <a:r>
-              <a:rPr lang="en-US" dirty="0"/>
-              <a:t>How can we achieve concurrency? </a:t>
-            </a:r>
-          </a:p>
-          <a:p>
-            <a:r>
-              <a:rPr lang="en-US" dirty="0"/>
-              <a:t>Threads: all threads share the same memory</a:t>
-            </a:r>
-          </a:p>
-          <a:p>
-            <a:r>
-              <a:rPr lang="en-US" dirty="0"/>
-              <a:t>Processes: Each has its own memory space.</a:t>
-            </a:r>
-          </a:p>
-          <a:p>
-            <a:r>
-              <a:rPr lang="en-US" dirty="0"/>
-              <a:t>Due to historic limitation in Python implementation (</a:t>
-            </a:r>
-            <a:r>
-              <a:rPr lang="en-US" dirty="0" err="1"/>
-              <a:t>Cpython</a:t>
-            </a:r>
-            <a:r>
-              <a:rPr lang="en-US" dirty="0"/>
-              <a:t>), even multi threaded code in a multi core machine will run a single thread at time.</a:t>
-            </a:r>
-          </a:p>
-          <a:p>
-            <a:pPr lvl="1"/>
-            <a:r>
-              <a:rPr lang="en-US" dirty="0"/>
-              <a:t>Solutions:</a:t>
-            </a:r>
-          </a:p>
-          <a:p>
-            <a:pPr lvl="2"/>
-            <a:r>
-              <a:rPr lang="en-US" dirty="0"/>
-              <a:t>Use multiple interpreters (e.g. multiprocessing package)</a:t>
-            </a:r>
-          </a:p>
-          <a:p>
-            <a:pPr lvl="2"/>
-            <a:r>
-              <a:rPr lang="en-US" dirty="0"/>
-              <a:t>Use a different python interpreter</a:t>
-            </a:r>
-            <a:endParaRPr lang="en-IL" dirty="0"/>
-          </a:p>
-        </p:txBody>
-      </p:sp>
-    </p:spTree>
-    <p:extLst>
-      <p:ext uri="{BB962C8B-B14F-4D97-AF65-F5344CB8AC3E}">
-        <p14:creationId xmlns:p14="http://schemas.microsoft.com/office/powerpoint/2010/main" val="1182514826"/>
-      </p:ext>
-    </p:extLst>
-  </p:cSld>
-  <p:clrMapOvr>
-    <a:masterClrMapping/>
-  </p:clrMapOvr>
-</p:sld>
-</file>
-
-<file path=ppt/slides/slide25.xml><?xml version="1.0" encoding="utf-8"?>
-<p:sld xmlns:a="http://schemas.openxmlformats.org/drawingml/2006/main" xmlns:r="http://schemas.openxmlformats.org/officeDocument/2006/relationships" xmlns:p="http://schemas.openxmlformats.org/presentationml/2006/main">
-  <p:cSld>
-    <p:spTree>
-      <p:nvGrpSpPr>
-        <p:cNvPr id="1" name=""/>
-        <p:cNvGrpSpPr/>
-        <p:nvPr/>
-      </p:nvGrpSpPr>
-      <p:grpSpPr>
-        <a:xfrm>
-          <a:off x="0" y="0"/>
-          <a:ext cx="0" cy="0"/>
-          <a:chOff x="0" y="0"/>
-          <a:chExt cx="0" cy="0"/>
-        </a:xfrm>
-      </p:grpSpPr>
-      <p:sp>
-        <p:nvSpPr>
-          <p:cNvPr id="2" name="Title 1">
-            <a:extLst>
-              <a:ext uri="{FF2B5EF4-FFF2-40B4-BE49-F238E27FC236}">
-                <a16:creationId xmlns:a16="http://schemas.microsoft.com/office/drawing/2014/main" id="{AAB4666E-503E-45FD-94ED-4D012CC97B98}"/>
-              </a:ext>
-            </a:extLst>
-          </p:cNvPr>
-          <p:cNvSpPr>
-            <a:spLocks noGrp="1"/>
-          </p:cNvSpPr>
-          <p:nvPr>
-            <p:ph type="title"/>
-          </p:nvPr>
-        </p:nvSpPr>
-        <p:spPr/>
-        <p:txBody>
-          <a:bodyPr/>
-          <a:lstStyle/>
-          <a:p>
-            <a:r>
-              <a:rPr lang="en-US" dirty="0"/>
-              <a:t>Asynchronous operations </a:t>
-            </a:r>
-            <a:r>
-              <a:rPr lang="en-US" sz="2800" dirty="0"/>
-              <a:t>(just a taste)</a:t>
-            </a:r>
-            <a:endParaRPr lang="en-IL" dirty="0"/>
-          </a:p>
-        </p:txBody>
-      </p:sp>
-      <p:sp>
-        <p:nvSpPr>
-          <p:cNvPr id="3" name="Content Placeholder 2">
-            <a:extLst>
-              <a:ext uri="{FF2B5EF4-FFF2-40B4-BE49-F238E27FC236}">
-                <a16:creationId xmlns:a16="http://schemas.microsoft.com/office/drawing/2014/main" id="{86A77A9C-F51B-45B0-87AA-D23473D42078}"/>
-              </a:ext>
-            </a:extLst>
-          </p:cNvPr>
-          <p:cNvSpPr>
-            <a:spLocks noGrp="1"/>
-          </p:cNvSpPr>
-          <p:nvPr>
-            <p:ph idx="1"/>
-          </p:nvPr>
-        </p:nvSpPr>
-        <p:spPr/>
-        <p:txBody>
-          <a:bodyPr/>
-          <a:lstStyle/>
-          <a:p>
-            <a:r>
-              <a:rPr lang="en-US" dirty="0"/>
-              <a:t>Concurrent (not necessarily parallel) operations</a:t>
-            </a:r>
-          </a:p>
-          <a:p>
-            <a:r>
-              <a:rPr lang="en-US" dirty="0"/>
-              <a:t>Good fit for I/O bound </a:t>
-            </a:r>
-          </a:p>
-          <a:p>
-            <a:r>
-              <a:rPr lang="en-US" dirty="0"/>
-              <a:t>Not so good for CPU bound</a:t>
-            </a:r>
-          </a:p>
-          <a:p>
-            <a:r>
-              <a:rPr lang="en-US" dirty="0"/>
-              <a:t>Complicates the code</a:t>
-            </a:r>
-          </a:p>
-          <a:p>
-            <a:r>
-              <a:rPr lang="en-US" dirty="0"/>
-              <a:t>Considered as cool new paradigm</a:t>
-            </a:r>
-          </a:p>
-          <a:p>
-            <a:pPr lvl="1"/>
-            <a:r>
-              <a:rPr lang="en-US" dirty="0"/>
-              <a:t> (Windows 3 used it in 1990)</a:t>
-            </a:r>
-            <a:endParaRPr lang="en-IL" dirty="0"/>
-          </a:p>
-        </p:txBody>
-      </p:sp>
-      <p:pic>
-        <p:nvPicPr>
-          <p:cNvPr id="1026" name="Picture 2" descr="https://www.researchgate.net/profile/Benjamin_Erb/publication/236149101/figure/fig1/AS:669985961676803@1536748509550/Figure-is-conceptual-model-shows-the-internals-of-an-event-driven-architecture-A_W640.jpg">
-            <a:extLst>
-              <a:ext uri="{FF2B5EF4-FFF2-40B4-BE49-F238E27FC236}">
-                <a16:creationId xmlns:a16="http://schemas.microsoft.com/office/drawing/2014/main" id="{30F8D85C-ED14-42C1-93E4-93B81B85F80F}"/>
-              </a:ext>
-            </a:extLst>
-          </p:cNvPr>
-          <p:cNvPicPr>
-            <a:picLocks noChangeAspect="1" noChangeArrowheads="1"/>
-          </p:cNvPicPr>
-          <p:nvPr/>
-        </p:nvPicPr>
-        <p:blipFill>
-          <a:blip r:embed="rId3">
-            <a:extLst>
-              <a:ext uri="{28A0092B-C50C-407E-A947-70E740481C1C}">
-                <a14:useLocalDpi xmlns:a14="http://schemas.microsoft.com/office/drawing/2010/main" val="0"/>
-              </a:ext>
-            </a:extLst>
-          </a:blip>
-          <a:srcRect/>
-          <a:stretch>
-            <a:fillRect/>
-          </a:stretch>
-        </p:blipFill>
-        <p:spPr bwMode="auto">
-          <a:xfrm>
-            <a:off x="6716683" y="4001294"/>
-            <a:ext cx="5137265" cy="2781347"/>
-          </a:xfrm>
-          <a:prstGeom prst="rect">
-            <a:avLst/>
-          </a:prstGeom>
-          <a:noFill/>
-          <a:extLst>
-            <a:ext uri="{909E8E84-426E-40DD-AFC4-6F175D3DCCD1}">
-              <a14:hiddenFill xmlns:a14="http://schemas.microsoft.com/office/drawing/2010/main">
-                <a:solidFill>
-                  <a:srgbClr val="FFFFFF"/>
-                </a:solidFill>
-              </a14:hiddenFill>
-            </a:ext>
-          </a:extLst>
-        </p:spPr>
-      </p:pic>
-      <p:sp>
-        <p:nvSpPr>
-          <p:cNvPr id="4" name="AutoShape 4" descr="Image result for event loop architecture &quot;python&quot;">
-            <a:extLst>
-              <a:ext uri="{FF2B5EF4-FFF2-40B4-BE49-F238E27FC236}">
-                <a16:creationId xmlns:a16="http://schemas.microsoft.com/office/drawing/2014/main" id="{EA0BCA7E-2498-4866-B578-007C89C7F07C}"/>
-              </a:ext>
-            </a:extLst>
-          </p:cNvPr>
-          <p:cNvSpPr>
-            <a:spLocks noChangeAspect="1" noChangeArrowheads="1"/>
-          </p:cNvSpPr>
-          <p:nvPr/>
-        </p:nvSpPr>
-        <p:spPr bwMode="auto">
-          <a:xfrm>
-            <a:off x="5943600" y="3276600"/>
-            <a:ext cx="304800" cy="304800"/>
-          </a:xfrm>
-          <a:prstGeom prst="rect">
-            <a:avLst/>
-          </a:prstGeom>
-          <a:noFill/>
-          <a:extLst>
-            <a:ext uri="{909E8E84-426E-40DD-AFC4-6F175D3DCCD1}">
-              <a14:hiddenFill xmlns:a14="http://schemas.microsoft.com/office/drawing/2010/main">
-                <a:solidFill>
-                  <a:srgbClr val="FFFFFF"/>
-                </a:solidFill>
-              </a14:hiddenFill>
-            </a:ext>
-          </a:extLst>
-        </p:spPr>
-        <p:txBody>
-          <a:bodyPr vert="horz" wrap="square" lIns="91440" tIns="45720" rIns="91440" bIns="45720" numCol="1" anchor="t" anchorCtr="0" compatLnSpc="1">
-            <a:prstTxWarp prst="textNoShape">
-              <a:avLst/>
-            </a:prstTxWarp>
-          </a:bodyPr>
-          <a:lstStyle/>
-          <a:p>
-            <a:endParaRPr lang="en-IL"/>
-          </a:p>
-        </p:txBody>
-      </p:sp>
-    </p:spTree>
-    <p:extLst>
-      <p:ext uri="{BB962C8B-B14F-4D97-AF65-F5344CB8AC3E}">
-        <p14:creationId xmlns:p14="http://schemas.microsoft.com/office/powerpoint/2010/main" val="2295202889"/>
-      </p:ext>
-    </p:extLst>
-  </p:cSld>
-  <p:clrMapOvr>
-    <a:masterClrMapping/>
-  </p:clrMapOvr>
-</p:sld>
-</file>
-
-<file path=ppt/slides/slide26.xml><?xml version="1.0" encoding="utf-8"?>
 <p:sld xmlns:a="http://schemas.openxmlformats.org/drawingml/2006/main" xmlns:r="http://schemas.openxmlformats.org/officeDocument/2006/relationships" xmlns:p="http://schemas.openxmlformats.org/presentationml/2006/main">
   <p:cSld>
     <p:bg>
@@ -11744,7 +12157,7 @@
           <p:cNvPr id="2" name="Title 1">
             <a:extLst>
               <a:ext uri="{FF2B5EF4-FFF2-40B4-BE49-F238E27FC236}">
-                <a16:creationId xmlns:a16="http://schemas.microsoft.com/office/drawing/2014/main" id="{472E4F1B-0A1B-4F5C-8170-48559BB2FD51}"/>
+                <a16:creationId xmlns:a16="http://schemas.microsoft.com/office/drawing/2014/main" id="{DB123991-850E-40FA-B0B8-07B2A1FBA24E}"/>
               </a:ext>
             </a:extLst>
           </p:cNvPr>
@@ -11762,7 +12175,7 @@
           <a:p>
             <a:r>
               <a:rPr lang="en-US" dirty="0"/>
-              <a:t>More Advanced topics</a:t>
+              <a:t>Advanced topics</a:t>
             </a:r>
             <a:endParaRPr lang="en-IL" dirty="0"/>
           </a:p>
@@ -11773,7 +12186,7 @@
           <p:cNvPr id="3" name="Content Placeholder 2">
             <a:extLst>
               <a:ext uri="{FF2B5EF4-FFF2-40B4-BE49-F238E27FC236}">
-                <a16:creationId xmlns:a16="http://schemas.microsoft.com/office/drawing/2014/main" id="{7436ABD3-AE5D-429C-8F7E-D3308134EFB8}"/>
+                <a16:creationId xmlns:a16="http://schemas.microsoft.com/office/drawing/2014/main" id="{A3FE9E38-81A5-438F-B329-F3B8DF6CC4C8}"/>
               </a:ext>
             </a:extLst>
           </p:cNvPr>
@@ -11792,77 +12205,575 @@
             <a:pPr fontAlgn="base"/>
             <a:r>
               <a:rPr lang="en-US" dirty="0"/>
-              <a:t>Regular Expressions</a:t>
+              <a:t>Multi-threading and the GIL </a:t>
             </a:r>
           </a:p>
           <a:p>
             <a:pPr fontAlgn="base"/>
             <a:r>
               <a:rPr lang="en-US" dirty="0"/>
-              <a:t>Context Managers</a:t>
+              <a:t>Multiprocessing </a:t>
             </a:r>
           </a:p>
           <a:p>
             <a:pPr fontAlgn="base"/>
             <a:r>
               <a:rPr lang="en-US" dirty="0"/>
-              <a:t>Magic methods (__</a:t>
+              <a:t>Subprocess module</a:t>
+            </a:r>
+          </a:p>
+          <a:p>
+            <a:pPr fontAlgn="base"/>
+            <a:r>
+              <a:rPr lang="en-US" dirty="0"/>
+              <a:t>Generators and Iterator Protocol</a:t>
+            </a:r>
+          </a:p>
+          <a:p>
+            <a:pPr fontAlgn="base"/>
+            <a:r>
+              <a:rPr lang="en-US" dirty="0"/>
+              <a:t>Decorators (class and method based)</a:t>
+            </a:r>
+          </a:p>
+          <a:p>
+            <a:pPr fontAlgn="base"/>
+            <a:r>
+              <a:rPr lang="en-US" dirty="0"/>
+              <a:t>Comprehensions</a:t>
+            </a:r>
+          </a:p>
+          <a:p>
+            <a:endParaRPr lang="en-IL" dirty="0"/>
+          </a:p>
+        </p:txBody>
+      </p:sp>
+    </p:spTree>
+    <p:extLst>
+      <p:ext uri="{BB962C8B-B14F-4D97-AF65-F5344CB8AC3E}">
+        <p14:creationId xmlns:p14="http://schemas.microsoft.com/office/powerpoint/2010/main" val="2018483819"/>
+      </p:ext>
+    </p:extLst>
+  </p:cSld>
+  <p:clrMapOvr>
+    <a:masterClrMapping/>
+  </p:clrMapOvr>
+</p:sld>
+</file>
+
+<file path=ppt/slides/slide25.xml><?xml version="1.0" encoding="utf-8"?>
+<p:sld xmlns:a="http://schemas.openxmlformats.org/drawingml/2006/main" xmlns:r="http://schemas.openxmlformats.org/officeDocument/2006/relationships" xmlns:p="http://schemas.openxmlformats.org/presentationml/2006/main">
+  <p:cSld>
+    <p:spTree>
+      <p:nvGrpSpPr>
+        <p:cNvPr id="1" name=""/>
+        <p:cNvGrpSpPr/>
+        <p:nvPr/>
+      </p:nvGrpSpPr>
+      <p:grpSpPr>
+        <a:xfrm>
+          <a:off x="0" y="0"/>
+          <a:ext cx="0" cy="0"/>
+          <a:chOff x="0" y="0"/>
+          <a:chExt cx="0" cy="0"/>
+        </a:xfrm>
+      </p:grpSpPr>
+      <p:sp>
+        <p:nvSpPr>
+          <p:cNvPr id="2" name="Title 1">
+            <a:extLst>
+              <a:ext uri="{FF2B5EF4-FFF2-40B4-BE49-F238E27FC236}">
+                <a16:creationId xmlns:a16="http://schemas.microsoft.com/office/drawing/2014/main" id="{25882A8F-1B10-4FCF-B653-F60083FD99E1}"/>
+              </a:ext>
+            </a:extLst>
+          </p:cNvPr>
+          <p:cNvSpPr>
+            <a:spLocks noGrp="1"/>
+          </p:cNvSpPr>
+          <p:nvPr>
+            <p:ph type="title"/>
+          </p:nvPr>
+        </p:nvSpPr>
+        <p:spPr/>
+        <p:txBody>
+          <a:bodyPr/>
+          <a:lstStyle/>
+          <a:p>
+            <a:r>
+              <a:rPr lang="en-US" dirty="0"/>
+              <a:t>Multi {threads, process}</a:t>
+            </a:r>
+            <a:endParaRPr lang="en-IL" dirty="0"/>
+          </a:p>
+        </p:txBody>
+      </p:sp>
+      <p:sp>
+        <p:nvSpPr>
+          <p:cNvPr id="3" name="Content Placeholder 2">
+            <a:extLst>
+              <a:ext uri="{FF2B5EF4-FFF2-40B4-BE49-F238E27FC236}">
+                <a16:creationId xmlns:a16="http://schemas.microsoft.com/office/drawing/2014/main" id="{07A8AF2C-E10B-49D7-846B-D55410960F50}"/>
+              </a:ext>
+            </a:extLst>
+          </p:cNvPr>
+          <p:cNvSpPr>
+            <a:spLocks noGrp="1"/>
+          </p:cNvSpPr>
+          <p:nvPr>
+            <p:ph idx="1"/>
+          </p:nvPr>
+        </p:nvSpPr>
+        <p:spPr/>
+        <p:txBody>
+          <a:bodyPr/>
+          <a:lstStyle/>
+          <a:p>
+            <a:r>
+              <a:rPr lang="en-US" dirty="0"/>
+              <a:t>How can we achieve concurrency? </a:t>
+            </a:r>
+          </a:p>
+          <a:p>
+            <a:r>
+              <a:rPr lang="en-US" dirty="0"/>
+              <a:t>Threads: all threads share the same memory</a:t>
+            </a:r>
+          </a:p>
+          <a:p>
+            <a:r>
+              <a:rPr lang="en-US" dirty="0"/>
+              <a:t>Processes: Each has its own memory space.</a:t>
+            </a:r>
+          </a:p>
+          <a:p>
+            <a:r>
+              <a:rPr lang="en-US" dirty="0"/>
+              <a:t>Due to historic limitation in Python implementation (</a:t>
             </a:r>
             <a:r>
               <a:rPr lang="en-US" dirty="0" err="1"/>
-              <a:t>init</a:t>
-            </a:r>
-            <a:r>
-              <a:rPr lang="en-US" dirty="0"/>
-              <a:t>__ . .. )</a:t>
-            </a:r>
-          </a:p>
-          <a:p>
-            <a:pPr fontAlgn="base"/>
-            <a:r>
-              <a:rPr lang="en-US" dirty="0"/>
-              <a:t>Alternative implementations (</a:t>
-            </a:r>
-            <a:r>
-              <a:rPr lang="en-US" dirty="0" err="1"/>
-              <a:t>jython</a:t>
-            </a:r>
-            <a:r>
-              <a:rPr lang="en-US" dirty="0"/>
-              <a:t>, </a:t>
-            </a:r>
-            <a:r>
-              <a:rPr lang="en-US" dirty="0" err="1"/>
-              <a:t>pypy</a:t>
-            </a:r>
-            <a:r>
-              <a:rPr lang="en-US" dirty="0"/>
-              <a:t>)</a:t>
-            </a:r>
-          </a:p>
-          <a:p>
-            <a:pPr fontAlgn="base"/>
-            <a:r>
-              <a:rPr lang="en-US" dirty="0"/>
-              <a:t>Static type checking</a:t>
-            </a:r>
-          </a:p>
-          <a:p>
-            <a:pPr fontAlgn="base"/>
-            <a:endParaRPr lang="en-US" dirty="0"/>
-          </a:p>
+              <a:t>Cpython</a:t>
+            </a:r>
+            <a:r>
+              <a:rPr lang="en-US" dirty="0"/>
+              <a:t>), even multi threaded code in a multi core machine will run a single thread at time.</a:t>
+            </a:r>
+          </a:p>
+          <a:p>
+            <a:pPr lvl="1"/>
+            <a:r>
+              <a:rPr lang="en-US" dirty="0"/>
+              <a:t>Solutions:</a:t>
+            </a:r>
+          </a:p>
+          <a:p>
+            <a:pPr lvl="2"/>
+            <a:r>
+              <a:rPr lang="en-US" dirty="0"/>
+              <a:t>Use multiple interpreters (e.g. multiprocessing package)</a:t>
+            </a:r>
+          </a:p>
+          <a:p>
+            <a:pPr lvl="2"/>
+            <a:r>
+              <a:rPr lang="en-US" dirty="0"/>
+              <a:t>Use a different python interpreter</a:t>
+            </a:r>
+            <a:endParaRPr lang="en-IL" dirty="0"/>
+          </a:p>
+        </p:txBody>
+      </p:sp>
+    </p:spTree>
+    <p:extLst>
+      <p:ext uri="{BB962C8B-B14F-4D97-AF65-F5344CB8AC3E}">
+        <p14:creationId xmlns:p14="http://schemas.microsoft.com/office/powerpoint/2010/main" val="1182514826"/>
+      </p:ext>
+    </p:extLst>
+  </p:cSld>
+  <p:clrMapOvr>
+    <a:masterClrMapping/>
+  </p:clrMapOvr>
+</p:sld>
+</file>
+
+<file path=ppt/slides/slide26.xml><?xml version="1.0" encoding="utf-8"?>
+<p:sld xmlns:a="http://schemas.openxmlformats.org/drawingml/2006/main" xmlns:r="http://schemas.openxmlformats.org/officeDocument/2006/relationships" xmlns:p="http://schemas.openxmlformats.org/presentationml/2006/main">
+  <p:cSld>
+    <p:spTree>
+      <p:nvGrpSpPr>
+        <p:cNvPr id="1" name=""/>
+        <p:cNvGrpSpPr/>
+        <p:nvPr/>
+      </p:nvGrpSpPr>
+      <p:grpSpPr>
+        <a:xfrm>
+          <a:off x="0" y="0"/>
+          <a:ext cx="0" cy="0"/>
+          <a:chOff x="0" y="0"/>
+          <a:chExt cx="0" cy="0"/>
+        </a:xfrm>
+      </p:grpSpPr>
+      <p:sp>
+        <p:nvSpPr>
+          <p:cNvPr id="2" name="Title 1">
+            <a:extLst>
+              <a:ext uri="{FF2B5EF4-FFF2-40B4-BE49-F238E27FC236}">
+                <a16:creationId xmlns:a16="http://schemas.microsoft.com/office/drawing/2014/main" id="{6225D3A7-B45A-44C1-B532-01D444B86492}"/>
+              </a:ext>
+            </a:extLst>
+          </p:cNvPr>
+          <p:cNvSpPr>
+            <a:spLocks noGrp="1"/>
+          </p:cNvSpPr>
+          <p:nvPr>
+            <p:ph type="title"/>
+          </p:nvPr>
+        </p:nvSpPr>
+        <p:spPr/>
+        <p:txBody>
+          <a:bodyPr/>
+          <a:lstStyle/>
+          <a:p>
+            <a:r>
+              <a:rPr lang="en-US" dirty="0"/>
+              <a:t>Iterators</a:t>
+            </a:r>
+            <a:endParaRPr lang="en-IL" dirty="0"/>
+          </a:p>
+        </p:txBody>
+      </p:sp>
+      <p:sp>
+        <p:nvSpPr>
+          <p:cNvPr id="3" name="Content Placeholder 2">
+            <a:extLst>
+              <a:ext uri="{FF2B5EF4-FFF2-40B4-BE49-F238E27FC236}">
+                <a16:creationId xmlns:a16="http://schemas.microsoft.com/office/drawing/2014/main" id="{E8FE64CB-CF33-49D4-B4B6-7A2EEC7D039E}"/>
+              </a:ext>
+            </a:extLst>
+          </p:cNvPr>
+          <p:cNvSpPr>
+            <a:spLocks noGrp="1"/>
+          </p:cNvSpPr>
+          <p:nvPr>
+            <p:ph idx="1"/>
+          </p:nvPr>
+        </p:nvSpPr>
+        <p:spPr/>
+        <p:txBody>
+          <a:bodyPr/>
+          <a:lstStyle/>
           <a:p>
             <a:pPr marL="0" indent="0">
               <a:buNone/>
             </a:pPr>
-            <a:endParaRPr lang="en-IL" dirty="0"/>
-          </a:p>
-        </p:txBody>
-      </p:sp>
+            <a:r>
+              <a:rPr lang="en-US" dirty="0"/>
+              <a:t>Why the concept? </a:t>
+            </a:r>
+          </a:p>
+          <a:p>
+            <a:pPr marL="0" indent="0">
+              <a:buNone/>
+            </a:pPr>
+            <a:r>
+              <a:rPr lang="en-US" dirty="0"/>
+              <a:t>Separate the object from the iteration of it, and facilitate common interface to iteration.</a:t>
+            </a:r>
+          </a:p>
+          <a:p>
+            <a:pPr marL="0" indent="0">
+              <a:lnSpc>
+                <a:spcPct val="100000"/>
+              </a:lnSpc>
+              <a:spcBef>
+                <a:spcPts val="0"/>
+              </a:spcBef>
+              <a:buNone/>
+            </a:pPr>
+            <a:r>
+              <a:rPr lang="en-US" sz="1200" dirty="0">
+                <a:latin typeface="Courier New" panose="02070309020205020404" pitchFamily="49" charset="0"/>
+                <a:cs typeface="Courier New" panose="02070309020205020404" pitchFamily="49" charset="0"/>
+              </a:rPr>
+              <a:t>a = {}</a:t>
+            </a:r>
+          </a:p>
+          <a:p>
+            <a:pPr marL="0" indent="0">
+              <a:lnSpc>
+                <a:spcPct val="100000"/>
+              </a:lnSpc>
+              <a:spcBef>
+                <a:spcPts val="0"/>
+              </a:spcBef>
+              <a:buNone/>
+            </a:pPr>
+            <a:r>
+              <a:rPr lang="en-US" sz="1200" dirty="0">
+                <a:latin typeface="Courier New" panose="02070309020205020404" pitchFamily="49" charset="0"/>
+                <a:cs typeface="Courier New" panose="02070309020205020404" pitchFamily="49" charset="0"/>
+              </a:rPr>
+              <a:t>a.__</a:t>
+            </a:r>
+            <a:r>
+              <a:rPr lang="en-US" sz="1200" dirty="0" err="1">
+                <a:latin typeface="Courier New" panose="02070309020205020404" pitchFamily="49" charset="0"/>
+                <a:cs typeface="Courier New" panose="02070309020205020404" pitchFamily="49" charset="0"/>
+              </a:rPr>
+              <a:t>iter</a:t>
+            </a:r>
+            <a:r>
+              <a:rPr lang="en-US" sz="1200" dirty="0">
+                <a:latin typeface="Courier New" panose="02070309020205020404" pitchFamily="49" charset="0"/>
+                <a:cs typeface="Courier New" panose="02070309020205020404" pitchFamily="49" charset="0"/>
+              </a:rPr>
+              <a:t>__()</a:t>
+            </a:r>
+          </a:p>
+          <a:p>
+            <a:pPr marL="0" indent="0">
+              <a:lnSpc>
+                <a:spcPct val="100000"/>
+              </a:lnSpc>
+              <a:spcBef>
+                <a:spcPts val="0"/>
+              </a:spcBef>
+              <a:buNone/>
+            </a:pPr>
+            <a:r>
+              <a:rPr lang="en-US" sz="1200" dirty="0">
+                <a:latin typeface="Courier New" panose="02070309020205020404" pitchFamily="49" charset="0"/>
+                <a:cs typeface="Courier New" panose="02070309020205020404" pitchFamily="49" charset="0"/>
+              </a:rPr>
+              <a:t>&lt;</a:t>
+            </a:r>
+            <a:r>
+              <a:rPr lang="en-US" sz="1200" dirty="0" err="1">
+                <a:latin typeface="Courier New" panose="02070309020205020404" pitchFamily="49" charset="0"/>
+                <a:cs typeface="Courier New" panose="02070309020205020404" pitchFamily="49" charset="0"/>
+              </a:rPr>
+              <a:t>dict_keyiterator</a:t>
+            </a:r>
+            <a:r>
+              <a:rPr lang="en-US" sz="1200" dirty="0">
+                <a:latin typeface="Courier New" panose="02070309020205020404" pitchFamily="49" charset="0"/>
+                <a:cs typeface="Courier New" panose="02070309020205020404" pitchFamily="49" charset="0"/>
+              </a:rPr>
+              <a:t> object at 0x000001FF691E1</a:t>
+            </a:r>
+            <a:r>
+              <a:rPr lang="en-US" sz="1200" dirty="0">
+                <a:highlight>
+                  <a:srgbClr val="FFFF00"/>
+                </a:highlight>
+                <a:latin typeface="Courier New" panose="02070309020205020404" pitchFamily="49" charset="0"/>
+                <a:cs typeface="Courier New" panose="02070309020205020404" pitchFamily="49" charset="0"/>
+              </a:rPr>
+              <a:t>BD8</a:t>
+            </a:r>
+            <a:r>
+              <a:rPr lang="en-US" sz="1200" dirty="0">
+                <a:latin typeface="Courier New" panose="02070309020205020404" pitchFamily="49" charset="0"/>
+                <a:cs typeface="Courier New" panose="02070309020205020404" pitchFamily="49" charset="0"/>
+              </a:rPr>
+              <a:t>&gt;</a:t>
+            </a:r>
+          </a:p>
+          <a:p>
+            <a:pPr marL="0" indent="0">
+              <a:lnSpc>
+                <a:spcPct val="100000"/>
+              </a:lnSpc>
+              <a:spcBef>
+                <a:spcPts val="0"/>
+              </a:spcBef>
+              <a:buNone/>
+            </a:pPr>
+            <a:r>
+              <a:rPr lang="en-US" sz="1200" dirty="0">
+                <a:latin typeface="Courier New" panose="02070309020205020404" pitchFamily="49" charset="0"/>
+                <a:cs typeface="Courier New" panose="02070309020205020404" pitchFamily="49" charset="0"/>
+              </a:rPr>
+              <a:t>a.__</a:t>
+            </a:r>
+            <a:r>
+              <a:rPr lang="en-US" sz="1200" dirty="0" err="1">
+                <a:latin typeface="Courier New" panose="02070309020205020404" pitchFamily="49" charset="0"/>
+                <a:cs typeface="Courier New" panose="02070309020205020404" pitchFamily="49" charset="0"/>
+              </a:rPr>
+              <a:t>iter</a:t>
+            </a:r>
+            <a:r>
+              <a:rPr lang="en-US" sz="1200" dirty="0">
+                <a:latin typeface="Courier New" panose="02070309020205020404" pitchFamily="49" charset="0"/>
+                <a:cs typeface="Courier New" panose="02070309020205020404" pitchFamily="49" charset="0"/>
+              </a:rPr>
+              <a:t>__()</a:t>
+            </a:r>
+          </a:p>
+          <a:p>
+            <a:pPr marL="0" indent="0">
+              <a:lnSpc>
+                <a:spcPct val="100000"/>
+              </a:lnSpc>
+              <a:spcBef>
+                <a:spcPts val="0"/>
+              </a:spcBef>
+              <a:buNone/>
+            </a:pPr>
+            <a:r>
+              <a:rPr lang="en-US" sz="1200" dirty="0">
+                <a:latin typeface="Courier New" panose="02070309020205020404" pitchFamily="49" charset="0"/>
+                <a:cs typeface="Courier New" panose="02070309020205020404" pitchFamily="49" charset="0"/>
+              </a:rPr>
+              <a:t>&lt;</a:t>
+            </a:r>
+            <a:r>
+              <a:rPr lang="en-US" sz="1200" dirty="0" err="1">
+                <a:latin typeface="Courier New" panose="02070309020205020404" pitchFamily="49" charset="0"/>
+                <a:cs typeface="Courier New" panose="02070309020205020404" pitchFamily="49" charset="0"/>
+              </a:rPr>
+              <a:t>dict_keyiterator</a:t>
+            </a:r>
+            <a:r>
+              <a:rPr lang="en-US" sz="1200" dirty="0">
+                <a:latin typeface="Courier New" panose="02070309020205020404" pitchFamily="49" charset="0"/>
+                <a:cs typeface="Courier New" panose="02070309020205020404" pitchFamily="49" charset="0"/>
+              </a:rPr>
+              <a:t> object at 0x000001FF691E1</a:t>
+            </a:r>
+            <a:r>
+              <a:rPr lang="en-US" sz="1200" dirty="0">
+                <a:highlight>
+                  <a:srgbClr val="FFFF00"/>
+                </a:highlight>
+                <a:latin typeface="Courier New" panose="02070309020205020404" pitchFamily="49" charset="0"/>
+                <a:cs typeface="Courier New" panose="02070309020205020404" pitchFamily="49" charset="0"/>
+              </a:rPr>
+              <a:t>CC8</a:t>
+            </a:r>
+            <a:r>
+              <a:rPr lang="en-US" sz="1200" dirty="0">
+                <a:latin typeface="Courier New" panose="02070309020205020404" pitchFamily="49" charset="0"/>
+                <a:cs typeface="Courier New" panose="02070309020205020404" pitchFamily="49" charset="0"/>
+              </a:rPr>
+              <a:t>&gt;</a:t>
+            </a:r>
+            <a:endParaRPr lang="en-IL" sz="1200" dirty="0">
+              <a:latin typeface="Courier New" panose="02070309020205020404" pitchFamily="49" charset="0"/>
+              <a:cs typeface="Courier New" panose="02070309020205020404" pitchFamily="49" charset="0"/>
+            </a:endParaRPr>
+          </a:p>
+        </p:txBody>
+      </p:sp>
+      <p:sp>
+        <p:nvSpPr>
+          <p:cNvPr id="4" name="Speech Bubble: Rectangle with Corners Rounded 3">
+            <a:extLst>
+              <a:ext uri="{FF2B5EF4-FFF2-40B4-BE49-F238E27FC236}">
+                <a16:creationId xmlns:a16="http://schemas.microsoft.com/office/drawing/2014/main" id="{237DA7BB-26DF-4886-AF99-09E772290D5D}"/>
+              </a:ext>
+            </a:extLst>
+          </p:cNvPr>
+          <p:cNvSpPr/>
+          <p:nvPr/>
+        </p:nvSpPr>
+        <p:spPr>
+          <a:xfrm>
+            <a:off x="6931378" y="3273778"/>
+            <a:ext cx="1783644" cy="1207911"/>
+          </a:xfrm>
+          <a:prstGeom prst="wedgeRoundRectCallout">
+            <a:avLst>
+              <a:gd name="adj1" fmla="val -142103"/>
+              <a:gd name="adj2" fmla="val 10151"/>
+              <a:gd name="adj3" fmla="val 16667"/>
+            </a:avLst>
+          </a:prstGeom>
+          <a:noFill/>
+          <a:effectLst>
+            <a:outerShdw blurRad="50800" dist="50800" dir="5400000" algn="ctr" rotWithShape="0">
+              <a:schemeClr val="tx2"/>
+            </a:outerShdw>
+          </a:effectLst>
+        </p:spPr>
+        <p:style>
+          <a:lnRef idx="2">
+            <a:schemeClr val="accent1">
+              <a:shade val="50000"/>
+            </a:schemeClr>
+          </a:lnRef>
+          <a:fillRef idx="1">
+            <a:schemeClr val="accent1"/>
+          </a:fillRef>
+          <a:effectRef idx="0">
+            <a:schemeClr val="accent1"/>
+          </a:effectRef>
+          <a:fontRef idx="minor">
+            <a:schemeClr val="lt1"/>
+          </a:fontRef>
+        </p:style>
+        <p:txBody>
+          <a:bodyPr rtlCol="0" anchor="ctr"/>
+          <a:lstStyle/>
+          <a:p>
+            <a:pPr algn="ctr"/>
+            <a:r>
+              <a:rPr lang="en-US" dirty="0">
+                <a:solidFill>
+                  <a:schemeClr val="tx1"/>
+                </a:solidFill>
+              </a:rPr>
+              <a:t>Multiple iterators for the same object</a:t>
+            </a:r>
+            <a:endParaRPr lang="en-IL" dirty="0">
+              <a:solidFill>
+                <a:schemeClr val="tx1"/>
+              </a:solidFill>
+            </a:endParaRPr>
+          </a:p>
+        </p:txBody>
+      </p:sp>
+      <p:pic>
+        <p:nvPicPr>
+          <p:cNvPr id="7" name="Picture 6">
+            <a:extLst>
+              <a:ext uri="{FF2B5EF4-FFF2-40B4-BE49-F238E27FC236}">
+                <a16:creationId xmlns:a16="http://schemas.microsoft.com/office/drawing/2014/main" id="{C768590F-C8AE-4EA0-922D-4EF0A6D79E5E}"/>
+              </a:ext>
+            </a:extLst>
+          </p:cNvPr>
+          <p:cNvPicPr>
+            <a:picLocks noChangeAspect="1"/>
+          </p:cNvPicPr>
+          <p:nvPr/>
+        </p:nvPicPr>
+        <p:blipFill>
+          <a:blip r:embed="rId3">
+            <a:extLst>
+              <a:ext uri="{28A0092B-C50C-407E-A947-70E740481C1C}">
+                <a14:useLocalDpi xmlns:a14="http://schemas.microsoft.com/office/drawing/2010/main" val="0"/>
+              </a:ext>
+            </a:extLst>
+          </a:blip>
+          <a:stretch>
+            <a:fillRect/>
+          </a:stretch>
+        </p:blipFill>
+        <p:spPr>
+          <a:xfrm>
+            <a:off x="6399037" y="4683125"/>
+            <a:ext cx="3952875" cy="1809750"/>
+          </a:xfrm>
+          <a:prstGeom prst="rect">
+            <a:avLst/>
+          </a:prstGeom>
+        </p:spPr>
+      </p:pic>
     </p:spTree>
     <p:extLst>
       <p:ext uri="{BB962C8B-B14F-4D97-AF65-F5344CB8AC3E}">
-        <p14:creationId xmlns:p14="http://schemas.microsoft.com/office/powerpoint/2010/main" val="933888689"/>
+        <p14:creationId xmlns:p14="http://schemas.microsoft.com/office/powerpoint/2010/main" val="1884045320"/>
       </p:ext>
     </p:extLst>
   </p:cSld>
@@ -11894,6 +12805,1736 @@
           <p:cNvPr id="2" name="Title 1">
             <a:extLst>
               <a:ext uri="{FF2B5EF4-FFF2-40B4-BE49-F238E27FC236}">
+                <a16:creationId xmlns:a16="http://schemas.microsoft.com/office/drawing/2014/main" id="{D06D3B45-46F0-4916-B4B8-C858CBF04FA1}"/>
+              </a:ext>
+            </a:extLst>
+          </p:cNvPr>
+          <p:cNvSpPr>
+            <a:spLocks noGrp="1"/>
+          </p:cNvSpPr>
+          <p:nvPr>
+            <p:ph type="title"/>
+          </p:nvPr>
+        </p:nvSpPr>
+        <p:spPr/>
+        <p:txBody>
+          <a:bodyPr>
+            <a:normAutofit/>
+          </a:bodyPr>
+          <a:lstStyle/>
+          <a:p>
+            <a:r>
+              <a:rPr lang="en-US" dirty="0"/>
+              <a:t>Generators</a:t>
+            </a:r>
+            <a:br>
+              <a:rPr lang="en-US" dirty="0"/>
+            </a:br>
+            <a:r>
+              <a:rPr lang="en-US" sz="1600" dirty="0">
+                <a:hlinkClick r:id="rId2"/>
+              </a:rPr>
+              <a:t>https://www.programiz.com/python-programming/generator</a:t>
+            </a:r>
+            <a:endParaRPr lang="en-IL" dirty="0"/>
+          </a:p>
+        </p:txBody>
+      </p:sp>
+      <p:sp>
+        <p:nvSpPr>
+          <p:cNvPr id="3" name="Content Placeholder 2">
+            <a:extLst>
+              <a:ext uri="{FF2B5EF4-FFF2-40B4-BE49-F238E27FC236}">
+                <a16:creationId xmlns:a16="http://schemas.microsoft.com/office/drawing/2014/main" id="{33E46937-2862-40D2-AB02-DE360699FFEC}"/>
+              </a:ext>
+            </a:extLst>
+          </p:cNvPr>
+          <p:cNvSpPr>
+            <a:spLocks noGrp="1"/>
+          </p:cNvSpPr>
+          <p:nvPr>
+            <p:ph idx="1"/>
+          </p:nvPr>
+        </p:nvSpPr>
+        <p:spPr/>
+        <p:txBody>
+          <a:bodyPr>
+            <a:normAutofit lnSpcReduction="10000"/>
+          </a:bodyPr>
+          <a:lstStyle/>
+          <a:p>
+            <a:pPr marL="0" indent="0">
+              <a:buNone/>
+            </a:pPr>
+            <a:r>
+              <a:rPr lang="en-US" sz="2400" dirty="0"/>
+              <a:t>Here is how a generator function differs from a normal function.</a:t>
+            </a:r>
+          </a:p>
+          <a:p>
+            <a:r>
+              <a:rPr lang="en-US" sz="2400" dirty="0"/>
+              <a:t>Generator function contains one or more </a:t>
+            </a:r>
+            <a:r>
+              <a:rPr lang="en-US" sz="2400" dirty="0">
+                <a:highlight>
+                  <a:srgbClr val="FFFF00"/>
+                </a:highlight>
+              </a:rPr>
+              <a:t>yield</a:t>
+            </a:r>
+            <a:r>
+              <a:rPr lang="en-US" sz="2400" dirty="0"/>
+              <a:t> statement.</a:t>
+            </a:r>
+          </a:p>
+          <a:p>
+            <a:r>
+              <a:rPr lang="en-US" sz="2400" dirty="0"/>
+              <a:t>When called, it returns an object (iterator) but does not start execution immediately.</a:t>
+            </a:r>
+          </a:p>
+          <a:p>
+            <a:r>
+              <a:rPr lang="en-US" sz="2400" dirty="0"/>
+              <a:t>Methods like __</a:t>
+            </a:r>
+            <a:r>
+              <a:rPr lang="en-US" sz="2400" dirty="0" err="1"/>
+              <a:t>iter</a:t>
+            </a:r>
+            <a:r>
+              <a:rPr lang="en-US" sz="2400" dirty="0"/>
+              <a:t>__() and __next__() are implemented automatically. So we can iterate through the items using next().</a:t>
+            </a:r>
+          </a:p>
+          <a:p>
+            <a:r>
+              <a:rPr lang="en-US" sz="2400" dirty="0"/>
+              <a:t>Once the function yields, the function is paused and the control is transferred to the caller.</a:t>
+            </a:r>
+          </a:p>
+          <a:p>
+            <a:r>
+              <a:rPr lang="en-US" sz="2400" dirty="0"/>
+              <a:t>Local variables and their states are remembered between successive calls.</a:t>
+            </a:r>
+          </a:p>
+          <a:p>
+            <a:r>
+              <a:rPr lang="en-US" sz="2400" dirty="0"/>
+              <a:t>Finally, when the function terminates, </a:t>
+            </a:r>
+            <a:r>
+              <a:rPr lang="en-US" sz="2400" dirty="0" err="1"/>
+              <a:t>StopIteration</a:t>
+            </a:r>
+            <a:r>
+              <a:rPr lang="en-US" sz="2400" dirty="0"/>
+              <a:t> is raised automatically on further calls</a:t>
+            </a:r>
+            <a:endParaRPr lang="en-IL" sz="2400" dirty="0"/>
+          </a:p>
+        </p:txBody>
+      </p:sp>
+      <p:sp>
+        <p:nvSpPr>
+          <p:cNvPr id="9" name="Rectangle 8">
+            <a:extLst>
+              <a:ext uri="{FF2B5EF4-FFF2-40B4-BE49-F238E27FC236}">
+                <a16:creationId xmlns:a16="http://schemas.microsoft.com/office/drawing/2014/main" id="{4BC32687-1517-483B-B044-A8A2FC7E62B9}"/>
+              </a:ext>
+            </a:extLst>
+          </p:cNvPr>
+          <p:cNvSpPr/>
+          <p:nvPr/>
+        </p:nvSpPr>
+        <p:spPr>
+          <a:xfrm>
+            <a:off x="4673600" y="5715298"/>
+            <a:ext cx="6680200" cy="923330"/>
+          </a:xfrm>
+          <a:prstGeom prst="rect">
+            <a:avLst/>
+          </a:prstGeom>
+        </p:spPr>
+        <p:txBody>
+          <a:bodyPr wrap="square">
+            <a:spAutoFit/>
+          </a:bodyPr>
+          <a:lstStyle/>
+          <a:p>
+            <a:r>
+              <a:rPr lang="en-US" dirty="0">
+                <a:latin typeface="Courier New" panose="02070309020205020404" pitchFamily="49" charset="0"/>
+                <a:cs typeface="Courier New" panose="02070309020205020404" pitchFamily="49" charset="0"/>
+              </a:rPr>
+              <a:t>def reverse(data):</a:t>
+            </a:r>
+          </a:p>
+          <a:p>
+            <a:r>
+              <a:rPr lang="en-US" dirty="0">
+                <a:latin typeface="Courier New" panose="02070309020205020404" pitchFamily="49" charset="0"/>
+                <a:cs typeface="Courier New" panose="02070309020205020404" pitchFamily="49" charset="0"/>
+              </a:rPr>
+              <a:t>    for index in range(</a:t>
+            </a:r>
+            <a:r>
+              <a:rPr lang="en-US" dirty="0" err="1">
+                <a:latin typeface="Courier New" panose="02070309020205020404" pitchFamily="49" charset="0"/>
+                <a:cs typeface="Courier New" panose="02070309020205020404" pitchFamily="49" charset="0"/>
+              </a:rPr>
+              <a:t>len</a:t>
+            </a:r>
+            <a:r>
+              <a:rPr lang="en-US" dirty="0">
+                <a:latin typeface="Courier New" panose="02070309020205020404" pitchFamily="49" charset="0"/>
+                <a:cs typeface="Courier New" panose="02070309020205020404" pitchFamily="49" charset="0"/>
+              </a:rPr>
+              <a:t>(data)-1, -1, -1):</a:t>
+            </a:r>
+          </a:p>
+          <a:p>
+            <a:r>
+              <a:rPr lang="en-US" dirty="0">
+                <a:latin typeface="Courier New" panose="02070309020205020404" pitchFamily="49" charset="0"/>
+                <a:cs typeface="Courier New" panose="02070309020205020404" pitchFamily="49" charset="0"/>
+              </a:rPr>
+              <a:t>        yield data[index]</a:t>
+            </a:r>
+            <a:endParaRPr lang="en-IL" dirty="0">
+              <a:latin typeface="Courier New" panose="02070309020205020404" pitchFamily="49" charset="0"/>
+              <a:cs typeface="Courier New" panose="02070309020205020404" pitchFamily="49" charset="0"/>
+            </a:endParaRPr>
+          </a:p>
+        </p:txBody>
+      </p:sp>
+    </p:spTree>
+    <p:extLst>
+      <p:ext uri="{BB962C8B-B14F-4D97-AF65-F5344CB8AC3E}">
+        <p14:creationId xmlns:p14="http://schemas.microsoft.com/office/powerpoint/2010/main" val="3126482207"/>
+      </p:ext>
+    </p:extLst>
+  </p:cSld>
+  <p:clrMapOvr>
+    <a:masterClrMapping/>
+  </p:clrMapOvr>
+</p:sld>
+</file>
+
+<file path=ppt/slides/slide28.xml><?xml version="1.0" encoding="utf-8"?>
+<p:sld xmlns:a="http://schemas.openxmlformats.org/drawingml/2006/main" xmlns:r="http://schemas.openxmlformats.org/officeDocument/2006/relationships" xmlns:p="http://schemas.openxmlformats.org/presentationml/2006/main">
+  <p:cSld>
+    <p:spTree>
+      <p:nvGrpSpPr>
+        <p:cNvPr id="1" name=""/>
+        <p:cNvGrpSpPr/>
+        <p:nvPr/>
+      </p:nvGrpSpPr>
+      <p:grpSpPr>
+        <a:xfrm>
+          <a:off x="0" y="0"/>
+          <a:ext cx="0" cy="0"/>
+          <a:chOff x="0" y="0"/>
+          <a:chExt cx="0" cy="0"/>
+        </a:xfrm>
+      </p:grpSpPr>
+      <p:sp>
+        <p:nvSpPr>
+          <p:cNvPr id="2" name="Title 1">
+            <a:extLst>
+              <a:ext uri="{FF2B5EF4-FFF2-40B4-BE49-F238E27FC236}">
+                <a16:creationId xmlns:a16="http://schemas.microsoft.com/office/drawing/2014/main" id="{3DE598E6-3F5D-4DCF-A41B-378B97465A3B}"/>
+              </a:ext>
+            </a:extLst>
+          </p:cNvPr>
+          <p:cNvSpPr>
+            <a:spLocks noGrp="1"/>
+          </p:cNvSpPr>
+          <p:nvPr>
+            <p:ph type="title"/>
+          </p:nvPr>
+        </p:nvSpPr>
+        <p:spPr/>
+        <p:txBody>
+          <a:bodyPr/>
+          <a:lstStyle/>
+          <a:p>
+            <a:r>
+              <a:rPr lang="en-US" dirty="0"/>
+              <a:t>Decorators</a:t>
+            </a:r>
+            <a:endParaRPr lang="en-IL" dirty="0"/>
+          </a:p>
+        </p:txBody>
+      </p:sp>
+      <p:sp>
+        <p:nvSpPr>
+          <p:cNvPr id="3" name="Content Placeholder 2">
+            <a:extLst>
+              <a:ext uri="{FF2B5EF4-FFF2-40B4-BE49-F238E27FC236}">
+                <a16:creationId xmlns:a16="http://schemas.microsoft.com/office/drawing/2014/main" id="{F7A8A4F1-D700-4B78-B60C-DF7B258329B0}"/>
+              </a:ext>
+            </a:extLst>
+          </p:cNvPr>
+          <p:cNvSpPr>
+            <a:spLocks noGrp="1"/>
+          </p:cNvSpPr>
+          <p:nvPr>
+            <p:ph idx="1"/>
+          </p:nvPr>
+        </p:nvSpPr>
+        <p:spPr/>
+        <p:txBody>
+          <a:bodyPr>
+            <a:normAutofit/>
+          </a:bodyPr>
+          <a:lstStyle/>
+          <a:p>
+            <a:pPr marL="0" indent="0">
+              <a:buNone/>
+            </a:pPr>
+            <a:r>
+              <a:rPr lang="en-US" dirty="0"/>
+              <a:t>Wrapping a function:</a:t>
+            </a:r>
+          </a:p>
+          <a:p>
+            <a:pPr marL="0" indent="0">
+              <a:buNone/>
+            </a:pPr>
+            <a:r>
+              <a:rPr lang="en-US" sz="1200" dirty="0">
+                <a:latin typeface="Courier New" panose="02070309020205020404" pitchFamily="49" charset="0"/>
+                <a:cs typeface="Courier New" panose="02070309020205020404" pitchFamily="49" charset="0"/>
+              </a:rPr>
+              <a:t>def </a:t>
+            </a:r>
+            <a:r>
+              <a:rPr lang="en-US" sz="1200" dirty="0" err="1">
+                <a:latin typeface="Courier New" panose="02070309020205020404" pitchFamily="49" charset="0"/>
+                <a:cs typeface="Courier New" panose="02070309020205020404" pitchFamily="49" charset="0"/>
+              </a:rPr>
+              <a:t>my_decorator</a:t>
+            </a:r>
+            <a:r>
+              <a:rPr lang="en-US" sz="1200" dirty="0">
+                <a:latin typeface="Courier New" panose="02070309020205020404" pitchFamily="49" charset="0"/>
+                <a:cs typeface="Courier New" panose="02070309020205020404" pitchFamily="49" charset="0"/>
+              </a:rPr>
+              <a:t>(</a:t>
+            </a:r>
+            <a:r>
+              <a:rPr lang="en-US" sz="1200" dirty="0" err="1">
+                <a:latin typeface="Courier New" panose="02070309020205020404" pitchFamily="49" charset="0"/>
+                <a:cs typeface="Courier New" panose="02070309020205020404" pitchFamily="49" charset="0"/>
+              </a:rPr>
+              <a:t>func</a:t>
+            </a:r>
+            <a:r>
+              <a:rPr lang="en-US" sz="1200" dirty="0">
+                <a:latin typeface="Courier New" panose="02070309020205020404" pitchFamily="49" charset="0"/>
+                <a:cs typeface="Courier New" panose="02070309020205020404" pitchFamily="49" charset="0"/>
+              </a:rPr>
+              <a:t>):</a:t>
+            </a:r>
+          </a:p>
+          <a:p>
+            <a:pPr marL="0" indent="0">
+              <a:buNone/>
+            </a:pPr>
+            <a:r>
+              <a:rPr lang="en-US" sz="1200" dirty="0">
+                <a:latin typeface="Courier New" panose="02070309020205020404" pitchFamily="49" charset="0"/>
+                <a:cs typeface="Courier New" panose="02070309020205020404" pitchFamily="49" charset="0"/>
+              </a:rPr>
+              <a:t>    def wrapper():</a:t>
+            </a:r>
+          </a:p>
+          <a:p>
+            <a:pPr marL="0" indent="0">
+              <a:buNone/>
+            </a:pPr>
+            <a:r>
+              <a:rPr lang="en-US" sz="1200" dirty="0">
+                <a:latin typeface="Courier New" panose="02070309020205020404" pitchFamily="49" charset="0"/>
+                <a:cs typeface="Courier New" panose="02070309020205020404" pitchFamily="49" charset="0"/>
+              </a:rPr>
+              <a:t>        print("Something is happening before the function is called.")</a:t>
+            </a:r>
+          </a:p>
+          <a:p>
+            <a:pPr marL="0" indent="0">
+              <a:buNone/>
+            </a:pPr>
+            <a:r>
+              <a:rPr lang="en-US" sz="1200" dirty="0">
+                <a:latin typeface="Courier New" panose="02070309020205020404" pitchFamily="49" charset="0"/>
+                <a:cs typeface="Courier New" panose="02070309020205020404" pitchFamily="49" charset="0"/>
+              </a:rPr>
+              <a:t>        </a:t>
+            </a:r>
+            <a:r>
+              <a:rPr lang="en-US" sz="1200" dirty="0" err="1">
+                <a:latin typeface="Courier New" panose="02070309020205020404" pitchFamily="49" charset="0"/>
+                <a:cs typeface="Courier New" panose="02070309020205020404" pitchFamily="49" charset="0"/>
+              </a:rPr>
+              <a:t>func</a:t>
+            </a:r>
+            <a:r>
+              <a:rPr lang="en-US" sz="1200" dirty="0">
+                <a:latin typeface="Courier New" panose="02070309020205020404" pitchFamily="49" charset="0"/>
+                <a:cs typeface="Courier New" panose="02070309020205020404" pitchFamily="49" charset="0"/>
+              </a:rPr>
+              <a:t>()</a:t>
+            </a:r>
+          </a:p>
+          <a:p>
+            <a:pPr marL="0" indent="0">
+              <a:buNone/>
+            </a:pPr>
+            <a:r>
+              <a:rPr lang="en-US" sz="1200" dirty="0">
+                <a:latin typeface="Courier New" panose="02070309020205020404" pitchFamily="49" charset="0"/>
+                <a:cs typeface="Courier New" panose="02070309020205020404" pitchFamily="49" charset="0"/>
+              </a:rPr>
+              <a:t>        print("Something is happening after the function is called.")</a:t>
+            </a:r>
+          </a:p>
+          <a:p>
+            <a:pPr marL="0" indent="0">
+              <a:buNone/>
+            </a:pPr>
+            <a:r>
+              <a:rPr lang="en-US" sz="1200" dirty="0">
+                <a:latin typeface="Courier New" panose="02070309020205020404" pitchFamily="49" charset="0"/>
+                <a:cs typeface="Courier New" panose="02070309020205020404" pitchFamily="49" charset="0"/>
+              </a:rPr>
+              <a:t>    return wrapper</a:t>
+            </a:r>
+          </a:p>
+          <a:p>
+            <a:pPr marL="0" indent="0">
+              <a:buNone/>
+            </a:pPr>
+            <a:endParaRPr lang="en-US" sz="1200" dirty="0">
+              <a:latin typeface="Courier New" panose="02070309020205020404" pitchFamily="49" charset="0"/>
+              <a:cs typeface="Courier New" panose="02070309020205020404" pitchFamily="49" charset="0"/>
+            </a:endParaRPr>
+          </a:p>
+          <a:p>
+            <a:pPr marL="0" indent="0">
+              <a:buNone/>
+            </a:pPr>
+            <a:r>
+              <a:rPr lang="en-US" sz="1200" dirty="0">
+                <a:latin typeface="Courier New" panose="02070309020205020404" pitchFamily="49" charset="0"/>
+                <a:cs typeface="Courier New" panose="02070309020205020404" pitchFamily="49" charset="0"/>
+              </a:rPr>
+              <a:t>@</a:t>
+            </a:r>
+            <a:r>
+              <a:rPr lang="en-US" sz="1200" dirty="0" err="1">
+                <a:latin typeface="Courier New" panose="02070309020205020404" pitchFamily="49" charset="0"/>
+                <a:cs typeface="Courier New" panose="02070309020205020404" pitchFamily="49" charset="0"/>
+              </a:rPr>
+              <a:t>my_decorator</a:t>
+            </a:r>
+            <a:endParaRPr lang="en-US" sz="1200" dirty="0">
+              <a:latin typeface="Courier New" panose="02070309020205020404" pitchFamily="49" charset="0"/>
+              <a:cs typeface="Courier New" panose="02070309020205020404" pitchFamily="49" charset="0"/>
+            </a:endParaRPr>
+          </a:p>
+          <a:p>
+            <a:pPr marL="0" indent="0">
+              <a:buNone/>
+            </a:pPr>
+            <a:r>
+              <a:rPr lang="en-US" sz="1200" dirty="0">
+                <a:latin typeface="Courier New" panose="02070309020205020404" pitchFamily="49" charset="0"/>
+                <a:cs typeface="Courier New" panose="02070309020205020404" pitchFamily="49" charset="0"/>
+              </a:rPr>
+              <a:t>def </a:t>
+            </a:r>
+            <a:r>
+              <a:rPr lang="en-US" sz="1200" dirty="0" err="1">
+                <a:latin typeface="Courier New" panose="02070309020205020404" pitchFamily="49" charset="0"/>
+                <a:cs typeface="Courier New" panose="02070309020205020404" pitchFamily="49" charset="0"/>
+              </a:rPr>
+              <a:t>say_whee</a:t>
+            </a:r>
+            <a:r>
+              <a:rPr lang="en-US" sz="1200" dirty="0">
+                <a:latin typeface="Courier New" panose="02070309020205020404" pitchFamily="49" charset="0"/>
+                <a:cs typeface="Courier New" panose="02070309020205020404" pitchFamily="49" charset="0"/>
+              </a:rPr>
+              <a:t>():</a:t>
+            </a:r>
+          </a:p>
+          <a:p>
+            <a:pPr marL="0" indent="0">
+              <a:buNone/>
+            </a:pPr>
+            <a:r>
+              <a:rPr lang="en-US" sz="1200" dirty="0">
+                <a:latin typeface="Courier New" panose="02070309020205020404" pitchFamily="49" charset="0"/>
+                <a:cs typeface="Courier New" panose="02070309020205020404" pitchFamily="49" charset="0"/>
+              </a:rPr>
+              <a:t>    print("</a:t>
+            </a:r>
+            <a:r>
+              <a:rPr lang="en-US" sz="1200" dirty="0" err="1">
+                <a:latin typeface="Courier New" panose="02070309020205020404" pitchFamily="49" charset="0"/>
+                <a:cs typeface="Courier New" panose="02070309020205020404" pitchFamily="49" charset="0"/>
+              </a:rPr>
+              <a:t>Whee</a:t>
+            </a:r>
+            <a:r>
+              <a:rPr lang="en-US" sz="1200" dirty="0">
+                <a:latin typeface="Courier New" panose="02070309020205020404" pitchFamily="49" charset="0"/>
+                <a:cs typeface="Courier New" panose="02070309020205020404" pitchFamily="49" charset="0"/>
+              </a:rPr>
+              <a:t>!"</a:t>
+            </a:r>
+            <a:endParaRPr lang="en-IL" sz="1200" dirty="0">
+              <a:latin typeface="Courier New" panose="02070309020205020404" pitchFamily="49" charset="0"/>
+              <a:cs typeface="Courier New" panose="02070309020205020404" pitchFamily="49" charset="0"/>
+            </a:endParaRPr>
+          </a:p>
+        </p:txBody>
+      </p:sp>
+    </p:spTree>
+    <p:extLst>
+      <p:ext uri="{BB962C8B-B14F-4D97-AF65-F5344CB8AC3E}">
+        <p14:creationId xmlns:p14="http://schemas.microsoft.com/office/powerpoint/2010/main" val="953621309"/>
+      </p:ext>
+    </p:extLst>
+  </p:cSld>
+  <p:clrMapOvr>
+    <a:masterClrMapping/>
+  </p:clrMapOvr>
+</p:sld>
+</file>
+
+<file path=ppt/slides/slide29.xml><?xml version="1.0" encoding="utf-8"?>
+<p:sld xmlns:a="http://schemas.openxmlformats.org/drawingml/2006/main" xmlns:r="http://schemas.openxmlformats.org/officeDocument/2006/relationships" xmlns:p="http://schemas.openxmlformats.org/presentationml/2006/main">
+  <p:cSld>
+    <p:spTree>
+      <p:nvGrpSpPr>
+        <p:cNvPr id="1" name=""/>
+        <p:cNvGrpSpPr/>
+        <p:nvPr/>
+      </p:nvGrpSpPr>
+      <p:grpSpPr>
+        <a:xfrm>
+          <a:off x="0" y="0"/>
+          <a:ext cx="0" cy="0"/>
+          <a:chOff x="0" y="0"/>
+          <a:chExt cx="0" cy="0"/>
+        </a:xfrm>
+      </p:grpSpPr>
+      <p:sp>
+        <p:nvSpPr>
+          <p:cNvPr id="2" name="Title 1">
+            <a:extLst>
+              <a:ext uri="{FF2B5EF4-FFF2-40B4-BE49-F238E27FC236}">
+                <a16:creationId xmlns:a16="http://schemas.microsoft.com/office/drawing/2014/main" id="{6BC7A684-1535-4BF2-B4AB-AECCDC4D53D3}"/>
+              </a:ext>
+            </a:extLst>
+          </p:cNvPr>
+          <p:cNvSpPr>
+            <a:spLocks noGrp="1"/>
+          </p:cNvSpPr>
+          <p:nvPr>
+            <p:ph type="title"/>
+          </p:nvPr>
+        </p:nvSpPr>
+        <p:spPr/>
+        <p:txBody>
+          <a:bodyPr/>
+          <a:lstStyle/>
+          <a:p>
+            <a:r>
+              <a:rPr lang="en-US" dirty="0"/>
+              <a:t>Decorators (more)</a:t>
+            </a:r>
+            <a:endParaRPr lang="en-IL" dirty="0"/>
+          </a:p>
+        </p:txBody>
+      </p:sp>
+      <p:sp>
+        <p:nvSpPr>
+          <p:cNvPr id="3" name="Content Placeholder 2">
+            <a:extLst>
+              <a:ext uri="{FF2B5EF4-FFF2-40B4-BE49-F238E27FC236}">
+                <a16:creationId xmlns:a16="http://schemas.microsoft.com/office/drawing/2014/main" id="{C533A2F6-7176-4597-A778-B8AADF0E097B}"/>
+              </a:ext>
+            </a:extLst>
+          </p:cNvPr>
+          <p:cNvSpPr>
+            <a:spLocks noGrp="1"/>
+          </p:cNvSpPr>
+          <p:nvPr>
+            <p:ph idx="1"/>
+          </p:nvPr>
+        </p:nvSpPr>
+        <p:spPr/>
+        <p:txBody>
+          <a:bodyPr>
+            <a:normAutofit/>
+          </a:bodyPr>
+          <a:lstStyle/>
+          <a:p>
+            <a:r>
+              <a:rPr lang="en-US" dirty="0"/>
+              <a:t>Use ready decorators from libraries:</a:t>
+            </a:r>
+          </a:p>
+          <a:p>
+            <a:pPr marL="0" indent="0">
+              <a:buNone/>
+            </a:pPr>
+            <a:r>
+              <a:rPr lang="en-US" sz="1200" dirty="0">
+                <a:latin typeface="Courier New" panose="02070309020205020404" pitchFamily="49" charset="0"/>
+                <a:cs typeface="Courier New" panose="02070309020205020404" pitchFamily="49" charset="0"/>
+              </a:rPr>
+              <a:t>import </a:t>
+            </a:r>
+            <a:r>
+              <a:rPr lang="en-US" sz="1200" dirty="0" err="1">
+                <a:latin typeface="Courier New" panose="02070309020205020404" pitchFamily="49" charset="0"/>
+                <a:cs typeface="Courier New" panose="02070309020205020404" pitchFamily="49" charset="0"/>
+              </a:rPr>
+              <a:t>functools</a:t>
+            </a:r>
+            <a:endParaRPr lang="en-US" sz="1200" dirty="0">
+              <a:latin typeface="Courier New" panose="02070309020205020404" pitchFamily="49" charset="0"/>
+              <a:cs typeface="Courier New" panose="02070309020205020404" pitchFamily="49" charset="0"/>
+            </a:endParaRPr>
+          </a:p>
+          <a:p>
+            <a:pPr marL="0" indent="0">
+              <a:buNone/>
+            </a:pPr>
+            <a:endParaRPr lang="en-US" sz="1200" dirty="0">
+              <a:latin typeface="Courier New" panose="02070309020205020404" pitchFamily="49" charset="0"/>
+              <a:cs typeface="Courier New" panose="02070309020205020404" pitchFamily="49" charset="0"/>
+            </a:endParaRPr>
+          </a:p>
+          <a:p>
+            <a:pPr marL="0" indent="0">
+              <a:buNone/>
+            </a:pPr>
+            <a:r>
+              <a:rPr lang="en-US" sz="1200" dirty="0">
+                <a:latin typeface="Courier New" panose="02070309020205020404" pitchFamily="49" charset="0"/>
+                <a:cs typeface="Courier New" panose="02070309020205020404" pitchFamily="49" charset="0"/>
+              </a:rPr>
+              <a:t>@</a:t>
+            </a:r>
+            <a:r>
+              <a:rPr lang="en-US" sz="1200" dirty="0" err="1">
+                <a:latin typeface="Courier New" panose="02070309020205020404" pitchFamily="49" charset="0"/>
+                <a:cs typeface="Courier New" panose="02070309020205020404" pitchFamily="49" charset="0"/>
+              </a:rPr>
+              <a:t>functools.</a:t>
+            </a:r>
+            <a:r>
+              <a:rPr lang="en-US" sz="1200" dirty="0" err="1">
+                <a:highlight>
+                  <a:srgbClr val="FFFF00"/>
+                </a:highlight>
+                <a:latin typeface="Courier New" panose="02070309020205020404" pitchFamily="49" charset="0"/>
+                <a:cs typeface="Courier New" panose="02070309020205020404" pitchFamily="49" charset="0"/>
+              </a:rPr>
+              <a:t>lru_cache</a:t>
+            </a:r>
+            <a:r>
+              <a:rPr lang="en-US" sz="1200" dirty="0">
+                <a:latin typeface="Courier New" panose="02070309020205020404" pitchFamily="49" charset="0"/>
+                <a:cs typeface="Courier New" panose="02070309020205020404" pitchFamily="49" charset="0"/>
+              </a:rPr>
+              <a:t>(</a:t>
+            </a:r>
+            <a:r>
+              <a:rPr lang="en-US" sz="1200" dirty="0" err="1">
+                <a:latin typeface="Courier New" panose="02070309020205020404" pitchFamily="49" charset="0"/>
+                <a:cs typeface="Courier New" panose="02070309020205020404" pitchFamily="49" charset="0"/>
+              </a:rPr>
+              <a:t>maxsize</a:t>
+            </a:r>
+            <a:r>
+              <a:rPr lang="en-US" sz="1200" dirty="0">
+                <a:latin typeface="Courier New" panose="02070309020205020404" pitchFamily="49" charset="0"/>
+                <a:cs typeface="Courier New" panose="02070309020205020404" pitchFamily="49" charset="0"/>
+              </a:rPr>
+              <a:t>=4)</a:t>
+            </a:r>
+          </a:p>
+          <a:p>
+            <a:pPr marL="0" indent="0">
+              <a:buNone/>
+            </a:pPr>
+            <a:r>
+              <a:rPr lang="en-US" sz="1200" dirty="0">
+                <a:latin typeface="Courier New" panose="02070309020205020404" pitchFamily="49" charset="0"/>
+                <a:cs typeface="Courier New" panose="02070309020205020404" pitchFamily="49" charset="0"/>
+              </a:rPr>
+              <a:t>def </a:t>
+            </a:r>
+            <a:r>
+              <a:rPr lang="en-US" sz="1200" dirty="0" err="1">
+                <a:latin typeface="Courier New" panose="02070309020205020404" pitchFamily="49" charset="0"/>
+                <a:cs typeface="Courier New" panose="02070309020205020404" pitchFamily="49" charset="0"/>
+              </a:rPr>
+              <a:t>fibonacci</a:t>
+            </a:r>
+            <a:r>
+              <a:rPr lang="en-US" sz="1200" dirty="0">
+                <a:latin typeface="Courier New" panose="02070309020205020404" pitchFamily="49" charset="0"/>
+                <a:cs typeface="Courier New" panose="02070309020205020404" pitchFamily="49" charset="0"/>
+              </a:rPr>
+              <a:t>(num):</a:t>
+            </a:r>
+          </a:p>
+          <a:p>
+            <a:pPr marL="0" indent="0">
+              <a:buNone/>
+            </a:pPr>
+            <a:r>
+              <a:rPr lang="en-US" sz="1200" dirty="0">
+                <a:latin typeface="Courier New" panose="02070309020205020404" pitchFamily="49" charset="0"/>
+                <a:cs typeface="Courier New" panose="02070309020205020404" pitchFamily="49" charset="0"/>
+              </a:rPr>
+              <a:t>    print(</a:t>
+            </a:r>
+            <a:r>
+              <a:rPr lang="en-US" sz="1200" dirty="0" err="1">
+                <a:latin typeface="Courier New" panose="02070309020205020404" pitchFamily="49" charset="0"/>
+                <a:cs typeface="Courier New" panose="02070309020205020404" pitchFamily="49" charset="0"/>
+              </a:rPr>
+              <a:t>f"Calculating</a:t>
+            </a:r>
+            <a:r>
+              <a:rPr lang="en-US" sz="1200" dirty="0">
+                <a:latin typeface="Courier New" panose="02070309020205020404" pitchFamily="49" charset="0"/>
+                <a:cs typeface="Courier New" panose="02070309020205020404" pitchFamily="49" charset="0"/>
+              </a:rPr>
+              <a:t> </a:t>
+            </a:r>
+            <a:r>
+              <a:rPr lang="en-US" sz="1200" dirty="0" err="1">
+                <a:latin typeface="Courier New" panose="02070309020205020404" pitchFamily="49" charset="0"/>
+                <a:cs typeface="Courier New" panose="02070309020205020404" pitchFamily="49" charset="0"/>
+              </a:rPr>
+              <a:t>fibonacci</a:t>
+            </a:r>
+            <a:r>
+              <a:rPr lang="en-US" sz="1200" dirty="0">
+                <a:latin typeface="Courier New" panose="02070309020205020404" pitchFamily="49" charset="0"/>
+                <a:cs typeface="Courier New" panose="02070309020205020404" pitchFamily="49" charset="0"/>
+              </a:rPr>
+              <a:t>({num})")</a:t>
+            </a:r>
+          </a:p>
+          <a:p>
+            <a:pPr marL="0" indent="0">
+              <a:buNone/>
+            </a:pPr>
+            <a:r>
+              <a:rPr lang="en-US" sz="1200" dirty="0">
+                <a:latin typeface="Courier New" panose="02070309020205020404" pitchFamily="49" charset="0"/>
+                <a:cs typeface="Courier New" panose="02070309020205020404" pitchFamily="49" charset="0"/>
+              </a:rPr>
+              <a:t>    if num &lt; 2:</a:t>
+            </a:r>
+          </a:p>
+          <a:p>
+            <a:pPr marL="0" indent="0">
+              <a:buNone/>
+            </a:pPr>
+            <a:r>
+              <a:rPr lang="en-US" sz="1200" dirty="0">
+                <a:latin typeface="Courier New" panose="02070309020205020404" pitchFamily="49" charset="0"/>
+                <a:cs typeface="Courier New" panose="02070309020205020404" pitchFamily="49" charset="0"/>
+              </a:rPr>
+              <a:t>        return num</a:t>
+            </a:r>
+          </a:p>
+          <a:p>
+            <a:pPr marL="0" indent="0">
+              <a:buNone/>
+            </a:pPr>
+            <a:r>
+              <a:rPr lang="en-US" sz="1200" dirty="0">
+                <a:latin typeface="Courier New" panose="02070309020205020404" pitchFamily="49" charset="0"/>
+                <a:cs typeface="Courier New" panose="02070309020205020404" pitchFamily="49" charset="0"/>
+              </a:rPr>
+              <a:t>    return </a:t>
+            </a:r>
+            <a:r>
+              <a:rPr lang="en-US" sz="1200" dirty="0" err="1">
+                <a:latin typeface="Courier New" panose="02070309020205020404" pitchFamily="49" charset="0"/>
+                <a:cs typeface="Courier New" panose="02070309020205020404" pitchFamily="49" charset="0"/>
+              </a:rPr>
+              <a:t>fibonacci</a:t>
+            </a:r>
+            <a:r>
+              <a:rPr lang="en-US" sz="1200" dirty="0">
+                <a:latin typeface="Courier New" panose="02070309020205020404" pitchFamily="49" charset="0"/>
+                <a:cs typeface="Courier New" panose="02070309020205020404" pitchFamily="49" charset="0"/>
+              </a:rPr>
+              <a:t>(num - 1) + </a:t>
+            </a:r>
+            <a:r>
+              <a:rPr lang="en-US" sz="1200" dirty="0" err="1">
+                <a:latin typeface="Courier New" panose="02070309020205020404" pitchFamily="49" charset="0"/>
+                <a:cs typeface="Courier New" panose="02070309020205020404" pitchFamily="49" charset="0"/>
+              </a:rPr>
+              <a:t>fibonacci</a:t>
+            </a:r>
+            <a:r>
+              <a:rPr lang="en-US" sz="1200" dirty="0">
+                <a:latin typeface="Courier New" panose="02070309020205020404" pitchFamily="49" charset="0"/>
+                <a:cs typeface="Courier New" panose="02070309020205020404" pitchFamily="49" charset="0"/>
+              </a:rPr>
+              <a:t>(num - 2)</a:t>
+            </a:r>
+            <a:endParaRPr lang="en-IL" sz="1200" dirty="0">
+              <a:latin typeface="Courier New" panose="02070309020205020404" pitchFamily="49" charset="0"/>
+              <a:cs typeface="Courier New" panose="02070309020205020404" pitchFamily="49" charset="0"/>
+            </a:endParaRPr>
+          </a:p>
+        </p:txBody>
+      </p:sp>
+    </p:spTree>
+    <p:extLst>
+      <p:ext uri="{BB962C8B-B14F-4D97-AF65-F5344CB8AC3E}">
+        <p14:creationId xmlns:p14="http://schemas.microsoft.com/office/powerpoint/2010/main" val="2148606295"/>
+      </p:ext>
+    </p:extLst>
+  </p:cSld>
+  <p:clrMapOvr>
+    <a:masterClrMapping/>
+  </p:clrMapOvr>
+</p:sld>
+</file>
+
+<file path=ppt/slides/slide3.xml><?xml version="1.0" encoding="utf-8"?>
+<p:sld xmlns:a="http://schemas.openxmlformats.org/drawingml/2006/main" xmlns:r="http://schemas.openxmlformats.org/officeDocument/2006/relationships" xmlns:p="http://schemas.openxmlformats.org/presentationml/2006/main">
+  <p:cSld>
+    <p:spTree>
+      <p:nvGrpSpPr>
+        <p:cNvPr id="1" name=""/>
+        <p:cNvGrpSpPr/>
+        <p:nvPr/>
+      </p:nvGrpSpPr>
+      <p:grpSpPr>
+        <a:xfrm>
+          <a:off x="0" y="0"/>
+          <a:ext cx="0" cy="0"/>
+          <a:chOff x="0" y="0"/>
+          <a:chExt cx="0" cy="0"/>
+        </a:xfrm>
+      </p:grpSpPr>
+      <p:sp>
+        <p:nvSpPr>
+          <p:cNvPr id="2" name="Title 1">
+            <a:extLst>
+              <a:ext uri="{FF2B5EF4-FFF2-40B4-BE49-F238E27FC236}">
+                <a16:creationId xmlns:a16="http://schemas.microsoft.com/office/drawing/2014/main" id="{40BB4350-9111-4D5E-90C2-E94B4D63D94B}"/>
+              </a:ext>
+            </a:extLst>
+          </p:cNvPr>
+          <p:cNvSpPr>
+            <a:spLocks noGrp="1"/>
+          </p:cNvSpPr>
+          <p:nvPr>
+            <p:ph type="title"/>
+          </p:nvPr>
+        </p:nvSpPr>
+        <p:spPr/>
+        <p:txBody>
+          <a:bodyPr/>
+          <a:lstStyle/>
+          <a:p>
+            <a:r>
+              <a:rPr lang="en-US" dirty="0"/>
+              <a:t>A few words on source code control (VCS)</a:t>
+            </a:r>
+            <a:endParaRPr lang="en-IL" dirty="0"/>
+          </a:p>
+        </p:txBody>
+      </p:sp>
+      <p:sp>
+        <p:nvSpPr>
+          <p:cNvPr id="3" name="Content Placeholder 2">
+            <a:extLst>
+              <a:ext uri="{FF2B5EF4-FFF2-40B4-BE49-F238E27FC236}">
+                <a16:creationId xmlns:a16="http://schemas.microsoft.com/office/drawing/2014/main" id="{A0F0EC19-F4A3-443A-B950-61D9D1C7B6EE}"/>
+              </a:ext>
+            </a:extLst>
+          </p:cNvPr>
+          <p:cNvSpPr>
+            <a:spLocks noGrp="1"/>
+          </p:cNvSpPr>
+          <p:nvPr>
+            <p:ph idx="1"/>
+          </p:nvPr>
+        </p:nvSpPr>
+        <p:spPr/>
+        <p:txBody>
+          <a:bodyPr/>
+          <a:lstStyle/>
+          <a:p>
+            <a:r>
+              <a:rPr lang="en-US" dirty="0"/>
+              <a:t>What is VCS? Why do you need it?</a:t>
+            </a:r>
+          </a:p>
+          <a:p>
+            <a:r>
+              <a:rPr lang="en-US" dirty="0"/>
+              <a:t>Everybody use </a:t>
+            </a:r>
+            <a:r>
+              <a:rPr lang="en-US" b="1" dirty="0"/>
+              <a:t>git</a:t>
+            </a:r>
+            <a:r>
+              <a:rPr lang="en-US" dirty="0"/>
+              <a:t>. Learn it.</a:t>
+            </a:r>
+          </a:p>
+          <a:p>
+            <a:r>
+              <a:rPr lang="en-US" dirty="0"/>
+              <a:t>Search for “git best tutorial” </a:t>
+            </a:r>
+          </a:p>
+          <a:p>
+            <a:pPr lvl="1"/>
+            <a:r>
+              <a:rPr lang="en-US" dirty="0"/>
+              <a:t>Try</a:t>
+            </a:r>
+          </a:p>
+          <a:p>
+            <a:pPr lvl="1"/>
+            <a:r>
+              <a:rPr lang="en-US" dirty="0"/>
+              <a:t>Cry</a:t>
+            </a:r>
+          </a:p>
+          <a:p>
+            <a:pPr lvl="1"/>
+            <a:r>
+              <a:rPr lang="en-US" dirty="0"/>
+              <a:t>Repeat until dry</a:t>
+            </a:r>
+          </a:p>
+          <a:p>
+            <a:pPr lvl="1"/>
+            <a:endParaRPr lang="en-US" dirty="0"/>
+          </a:p>
+          <a:p>
+            <a:r>
+              <a:rPr lang="en-US" dirty="0"/>
+              <a:t>All the course material is in </a:t>
+            </a:r>
+            <a:r>
+              <a:rPr lang="en-US" dirty="0" err="1"/>
+              <a:t>github</a:t>
+            </a:r>
+            <a:r>
+              <a:rPr lang="en-US" dirty="0"/>
+              <a:t>: </a:t>
+            </a:r>
+            <a:r>
+              <a:rPr lang="en-US" dirty="0">
+                <a:hlinkClick r:id="rId3"/>
+              </a:rPr>
+              <a:t>https://github.com/noam1023/python_workshop_intermediate</a:t>
+            </a:r>
+            <a:endParaRPr lang="en-US" dirty="0"/>
+          </a:p>
+          <a:p>
+            <a:pPr lvl="1"/>
+            <a:endParaRPr lang="en-US" dirty="0"/>
+          </a:p>
+          <a:p>
+            <a:endParaRPr lang="en-IL" dirty="0"/>
+          </a:p>
+        </p:txBody>
+      </p:sp>
+      <p:pic>
+        <p:nvPicPr>
+          <p:cNvPr id="1026" name="Picture 2" descr="http://famularo.org/web/barcode?type=qrcode&amp;content=https%3A%2F%2Fgithub.com%2Fnoam1023%2Fpython_workshop_intermediate&amp;size=1">
+            <a:extLst>
+              <a:ext uri="{FF2B5EF4-FFF2-40B4-BE49-F238E27FC236}">
+                <a16:creationId xmlns:a16="http://schemas.microsoft.com/office/drawing/2014/main" id="{544BF359-60F1-474A-9F00-CE05503E0247}"/>
+              </a:ext>
+            </a:extLst>
+          </p:cNvPr>
+          <p:cNvPicPr>
+            <a:picLocks noChangeAspect="1" noChangeArrowheads="1"/>
+          </p:cNvPicPr>
+          <p:nvPr/>
+        </p:nvPicPr>
+        <p:blipFill>
+          <a:blip r:embed="rId4">
+            <a:extLst>
+              <a:ext uri="{28A0092B-C50C-407E-A947-70E740481C1C}">
+                <a14:useLocalDpi xmlns:a14="http://schemas.microsoft.com/office/drawing/2010/main" val="0"/>
+              </a:ext>
+            </a:extLst>
+          </a:blip>
+          <a:srcRect/>
+          <a:stretch>
+            <a:fillRect/>
+          </a:stretch>
+        </p:blipFill>
+        <p:spPr bwMode="auto">
+          <a:xfrm>
+            <a:off x="8143522" y="3225800"/>
+            <a:ext cx="2118077" cy="2118077"/>
+          </a:xfrm>
+          <a:prstGeom prst="rect">
+            <a:avLst/>
+          </a:prstGeom>
+          <a:noFill/>
+          <a:extLst>
+            <a:ext uri="{909E8E84-426E-40DD-AFC4-6F175D3DCCD1}">
+              <a14:hiddenFill xmlns:a14="http://schemas.microsoft.com/office/drawing/2010/main">
+                <a:solidFill>
+                  <a:srgbClr val="FFFFFF"/>
+                </a:solidFill>
+              </a14:hiddenFill>
+            </a:ext>
+          </a:extLst>
+        </p:spPr>
+      </p:pic>
+    </p:spTree>
+    <p:extLst>
+      <p:ext uri="{BB962C8B-B14F-4D97-AF65-F5344CB8AC3E}">
+        <p14:creationId xmlns:p14="http://schemas.microsoft.com/office/powerpoint/2010/main" val="2411966097"/>
+      </p:ext>
+    </p:extLst>
+  </p:cSld>
+  <p:clrMapOvr>
+    <a:masterClrMapping/>
+  </p:clrMapOvr>
+</p:sld>
+</file>
+
+<file path=ppt/slides/slide30.xml><?xml version="1.0" encoding="utf-8"?>
+<p:sld xmlns:a="http://schemas.openxmlformats.org/drawingml/2006/main" xmlns:r="http://schemas.openxmlformats.org/officeDocument/2006/relationships" xmlns:p="http://schemas.openxmlformats.org/presentationml/2006/main">
+  <p:cSld>
+    <p:spTree>
+      <p:nvGrpSpPr>
+        <p:cNvPr id="1" name=""/>
+        <p:cNvGrpSpPr/>
+        <p:nvPr/>
+      </p:nvGrpSpPr>
+      <p:grpSpPr>
+        <a:xfrm>
+          <a:off x="0" y="0"/>
+          <a:ext cx="0" cy="0"/>
+          <a:chOff x="0" y="0"/>
+          <a:chExt cx="0" cy="0"/>
+        </a:xfrm>
+      </p:grpSpPr>
+      <p:sp>
+        <p:nvSpPr>
+          <p:cNvPr id="2" name="Title 1">
+            <a:extLst>
+              <a:ext uri="{FF2B5EF4-FFF2-40B4-BE49-F238E27FC236}">
+                <a16:creationId xmlns:a16="http://schemas.microsoft.com/office/drawing/2014/main" id="{3E2FBADA-DC0F-4FFB-B48C-E71ED4BF6521}"/>
+              </a:ext>
+            </a:extLst>
+          </p:cNvPr>
+          <p:cNvSpPr>
+            <a:spLocks noGrp="1"/>
+          </p:cNvSpPr>
+          <p:nvPr>
+            <p:ph type="title"/>
+          </p:nvPr>
+        </p:nvSpPr>
+        <p:spPr/>
+        <p:txBody>
+          <a:bodyPr/>
+          <a:lstStyle/>
+          <a:p>
+            <a:r>
+              <a:rPr lang="en-US" dirty="0"/>
+              <a:t>List comprehensions</a:t>
+            </a:r>
+            <a:endParaRPr lang="en-IL" dirty="0"/>
+          </a:p>
+        </p:txBody>
+      </p:sp>
+      <p:sp>
+        <p:nvSpPr>
+          <p:cNvPr id="3" name="Content Placeholder 2">
+            <a:extLst>
+              <a:ext uri="{FF2B5EF4-FFF2-40B4-BE49-F238E27FC236}">
+                <a16:creationId xmlns:a16="http://schemas.microsoft.com/office/drawing/2014/main" id="{B17C4CDB-7B20-4742-BB7B-75CE36E12C27}"/>
+              </a:ext>
+            </a:extLst>
+          </p:cNvPr>
+          <p:cNvSpPr>
+            <a:spLocks noGrp="1"/>
+          </p:cNvSpPr>
+          <p:nvPr>
+            <p:ph idx="1"/>
+          </p:nvPr>
+        </p:nvSpPr>
+        <p:spPr>
+          <a:xfrm>
+            <a:off x="838200" y="1825625"/>
+            <a:ext cx="10515600" cy="4351338"/>
+          </a:xfrm>
+          <a:noFill/>
+          <a:ln>
+            <a:solidFill>
+              <a:schemeClr val="accent4"/>
+            </a:solidFill>
+          </a:ln>
+        </p:spPr>
+        <p:txBody>
+          <a:bodyPr>
+            <a:normAutofit/>
+          </a:bodyPr>
+          <a:lstStyle/>
+          <a:p>
+            <a:r>
+              <a:rPr lang="en-US" dirty="0"/>
+              <a:t>Map and filter in one concise expression</a:t>
+            </a:r>
+          </a:p>
+          <a:p>
+            <a:pPr marL="0" indent="0">
+              <a:buNone/>
+            </a:pPr>
+            <a:r>
+              <a:rPr lang="en-US" dirty="0">
+                <a:latin typeface="Courier New" panose="02070309020205020404" pitchFamily="49" charset="0"/>
+                <a:cs typeface="Courier New" panose="02070309020205020404" pitchFamily="49" charset="0"/>
+              </a:rPr>
+              <a:t>&gt;&gt;&gt; [x*x for x in range(4) if x % 2 == 0]</a:t>
+            </a:r>
+          </a:p>
+          <a:p>
+            <a:pPr marL="0" indent="0">
+              <a:buNone/>
+            </a:pPr>
+            <a:r>
+              <a:rPr lang="en-US" dirty="0">
+                <a:latin typeface="Courier New" panose="02070309020205020404" pitchFamily="49" charset="0"/>
+                <a:cs typeface="Courier New" panose="02070309020205020404" pitchFamily="49" charset="0"/>
+              </a:rPr>
+              <a:t>[0, 4]</a:t>
+            </a:r>
+          </a:p>
+          <a:p>
+            <a:r>
+              <a:rPr lang="en-US" dirty="0"/>
+              <a:t>Or use map() and filter():</a:t>
+            </a:r>
+          </a:p>
+          <a:p>
+            <a:pPr marL="0" indent="0">
+              <a:buNone/>
+            </a:pPr>
+            <a:r>
+              <a:rPr lang="en-US" dirty="0">
+                <a:latin typeface="Courier New" panose="02070309020205020404" pitchFamily="49" charset="0"/>
+                <a:cs typeface="Courier New" panose="02070309020205020404" pitchFamily="49" charset="0"/>
+              </a:rPr>
+              <a:t>&gt;&gt;&gt; list(</a:t>
+            </a:r>
+            <a:r>
+              <a:rPr lang="en-US" dirty="0">
+                <a:ln>
+                  <a:solidFill>
+                    <a:srgbClr val="A9D18E"/>
+                  </a:solidFill>
+                </a:ln>
+                <a:latin typeface="Courier New" panose="02070309020205020404" pitchFamily="49" charset="0"/>
+                <a:cs typeface="Courier New" panose="02070309020205020404" pitchFamily="49" charset="0"/>
+              </a:rPr>
+              <a:t>filter(lambda y: y%2 == 0</a:t>
+            </a:r>
+            <a:r>
+              <a:rPr lang="en-US" dirty="0">
+                <a:latin typeface="Courier New" panose="02070309020205020404" pitchFamily="49" charset="0"/>
+                <a:cs typeface="Courier New" panose="02070309020205020404" pitchFamily="49" charset="0"/>
+              </a:rPr>
+              <a:t>,</a:t>
+            </a:r>
+            <a:r>
+              <a:rPr lang="en-US" dirty="0">
+                <a:ln>
+                  <a:solidFill>
+                    <a:srgbClr val="9DC3E6"/>
+                  </a:solidFill>
+                </a:ln>
+                <a:latin typeface="Courier New" panose="02070309020205020404" pitchFamily="49" charset="0"/>
+                <a:cs typeface="Courier New" panose="02070309020205020404" pitchFamily="49" charset="0"/>
+              </a:rPr>
+              <a:t>map(lambda x: x*x,</a:t>
+            </a:r>
+            <a:r>
+              <a:rPr lang="en-US" dirty="0">
+                <a:latin typeface="Courier New" panose="02070309020205020404" pitchFamily="49" charset="0"/>
+                <a:cs typeface="Courier New" panose="02070309020205020404" pitchFamily="49" charset="0"/>
+              </a:rPr>
+              <a:t> </a:t>
+            </a:r>
+            <a:r>
+              <a:rPr lang="en-US" dirty="0">
+                <a:solidFill>
+                  <a:srgbClr val="FFC000"/>
+                </a:solidFill>
+                <a:latin typeface="Courier New" panose="02070309020205020404" pitchFamily="49" charset="0"/>
+                <a:cs typeface="Courier New" panose="02070309020205020404" pitchFamily="49" charset="0"/>
+              </a:rPr>
+              <a:t>range(4))))</a:t>
+            </a:r>
+          </a:p>
+          <a:p>
+            <a:pPr marL="0" indent="0">
+              <a:buNone/>
+            </a:pPr>
+            <a:endParaRPr lang="en-US" dirty="0">
+              <a:latin typeface="Courier New" panose="02070309020205020404" pitchFamily="49" charset="0"/>
+              <a:cs typeface="Courier New" panose="02070309020205020404" pitchFamily="49" charset="0"/>
+            </a:endParaRPr>
+          </a:p>
+          <a:p>
+            <a:pPr marL="0" indent="0">
+              <a:buNone/>
+            </a:pPr>
+            <a:endParaRPr lang="en-US" dirty="0">
+              <a:latin typeface="Courier New" panose="02070309020205020404" pitchFamily="49" charset="0"/>
+              <a:cs typeface="Courier New" panose="02070309020205020404" pitchFamily="49" charset="0"/>
+            </a:endParaRPr>
+          </a:p>
+          <a:p>
+            <a:pPr marL="0" indent="0">
+              <a:buNone/>
+            </a:pPr>
+            <a:r>
+              <a:rPr lang="en-US" sz="1800" dirty="0">
+                <a:latin typeface="Courier New" panose="02070309020205020404" pitchFamily="49" charset="0"/>
+                <a:cs typeface="Courier New" panose="02070309020205020404" pitchFamily="49" charset="0"/>
+              </a:rPr>
+              <a:t>(</a:t>
+            </a:r>
+            <a:r>
+              <a:rPr lang="en-US" sz="1800" dirty="0">
+                <a:hlinkClick r:id="rId3"/>
+              </a:rPr>
+              <a:t>https://towardsdatascience.com/python-basics-list-comprehensions-631278f22c40</a:t>
+            </a:r>
+            <a:r>
+              <a:rPr lang="en-US" sz="1800" dirty="0"/>
+              <a:t>)</a:t>
+            </a:r>
+            <a:endParaRPr lang="en-US" sz="1800" dirty="0">
+              <a:latin typeface="Courier New" panose="02070309020205020404" pitchFamily="49" charset="0"/>
+              <a:cs typeface="Courier New" panose="02070309020205020404" pitchFamily="49" charset="0"/>
+            </a:endParaRPr>
+          </a:p>
+          <a:p>
+            <a:endParaRPr lang="en-IL" dirty="0"/>
+          </a:p>
+        </p:txBody>
+      </p:sp>
+      <p:pic>
+        <p:nvPicPr>
+          <p:cNvPr id="1032" name="Picture 8" descr="https://cdn-images-1.medium.com/max/1600/1*kBRijbVn8txs8b5VGPBTMg.png">
+            <a:extLst>
+              <a:ext uri="{FF2B5EF4-FFF2-40B4-BE49-F238E27FC236}">
+                <a16:creationId xmlns:a16="http://schemas.microsoft.com/office/drawing/2014/main" id="{3BB8C88D-A664-43ED-9089-4BF532611264}"/>
+              </a:ext>
+            </a:extLst>
+          </p:cNvPr>
+          <p:cNvPicPr>
+            <a:picLocks noChangeAspect="1" noChangeArrowheads="1"/>
+          </p:cNvPicPr>
+          <p:nvPr/>
+        </p:nvPicPr>
+        <p:blipFill>
+          <a:blip r:embed="rId4">
+            <a:extLst>
+              <a:ext uri="{28A0092B-C50C-407E-A947-70E740481C1C}">
+                <a14:useLocalDpi xmlns:a14="http://schemas.microsoft.com/office/drawing/2010/main" val="0"/>
+              </a:ext>
+            </a:extLst>
+          </a:blip>
+          <a:srcRect/>
+          <a:stretch>
+            <a:fillRect/>
+          </a:stretch>
+        </p:blipFill>
+        <p:spPr bwMode="auto">
+          <a:xfrm>
+            <a:off x="838200" y="1215231"/>
+            <a:ext cx="7200900" cy="542925"/>
+          </a:xfrm>
+          <a:prstGeom prst="rect">
+            <a:avLst/>
+          </a:prstGeom>
+          <a:noFill/>
+          <a:extLst>
+            <a:ext uri="{909E8E84-426E-40DD-AFC4-6F175D3DCCD1}">
+              <a14:hiddenFill xmlns:a14="http://schemas.microsoft.com/office/drawing/2010/main">
+                <a:solidFill>
+                  <a:srgbClr val="FFFFFF"/>
+                </a:solidFill>
+              </a14:hiddenFill>
+            </a:ext>
+          </a:extLst>
+        </p:spPr>
+      </p:pic>
+    </p:spTree>
+    <p:extLst>
+      <p:ext uri="{BB962C8B-B14F-4D97-AF65-F5344CB8AC3E}">
+        <p14:creationId xmlns:p14="http://schemas.microsoft.com/office/powerpoint/2010/main" val="1103280647"/>
+      </p:ext>
+    </p:extLst>
+  </p:cSld>
+  <p:clrMapOvr>
+    <a:masterClrMapping/>
+  </p:clrMapOvr>
+</p:sld>
+</file>
+
+<file path=ppt/slides/slide31.xml><?xml version="1.0" encoding="utf-8"?>
+<p:sld xmlns:a="http://schemas.openxmlformats.org/drawingml/2006/main" xmlns:r="http://schemas.openxmlformats.org/officeDocument/2006/relationships" xmlns:p="http://schemas.openxmlformats.org/presentationml/2006/main">
+  <p:cSld>
+    <p:spTree>
+      <p:nvGrpSpPr>
+        <p:cNvPr id="1" name=""/>
+        <p:cNvGrpSpPr/>
+        <p:nvPr/>
+      </p:nvGrpSpPr>
+      <p:grpSpPr>
+        <a:xfrm>
+          <a:off x="0" y="0"/>
+          <a:ext cx="0" cy="0"/>
+          <a:chOff x="0" y="0"/>
+          <a:chExt cx="0" cy="0"/>
+        </a:xfrm>
+      </p:grpSpPr>
+      <p:sp>
+        <p:nvSpPr>
+          <p:cNvPr id="2" name="Title 1">
+            <a:extLst>
+              <a:ext uri="{FF2B5EF4-FFF2-40B4-BE49-F238E27FC236}">
+                <a16:creationId xmlns:a16="http://schemas.microsoft.com/office/drawing/2014/main" id="{AAB4666E-503E-45FD-94ED-4D012CC97B98}"/>
+              </a:ext>
+            </a:extLst>
+          </p:cNvPr>
+          <p:cNvSpPr>
+            <a:spLocks noGrp="1"/>
+          </p:cNvSpPr>
+          <p:nvPr>
+            <p:ph type="title"/>
+          </p:nvPr>
+        </p:nvSpPr>
+        <p:spPr/>
+        <p:txBody>
+          <a:bodyPr/>
+          <a:lstStyle/>
+          <a:p>
+            <a:r>
+              <a:rPr lang="en-US" dirty="0"/>
+              <a:t>Asynchronous operations </a:t>
+            </a:r>
+            <a:r>
+              <a:rPr lang="en-US" sz="2800" dirty="0"/>
+              <a:t>(just a taste)</a:t>
+            </a:r>
+            <a:endParaRPr lang="en-IL" dirty="0"/>
+          </a:p>
+        </p:txBody>
+      </p:sp>
+      <p:sp>
+        <p:nvSpPr>
+          <p:cNvPr id="3" name="Content Placeholder 2">
+            <a:extLst>
+              <a:ext uri="{FF2B5EF4-FFF2-40B4-BE49-F238E27FC236}">
+                <a16:creationId xmlns:a16="http://schemas.microsoft.com/office/drawing/2014/main" id="{86A77A9C-F51B-45B0-87AA-D23473D42078}"/>
+              </a:ext>
+            </a:extLst>
+          </p:cNvPr>
+          <p:cNvSpPr>
+            <a:spLocks noGrp="1"/>
+          </p:cNvSpPr>
+          <p:nvPr>
+            <p:ph idx="1"/>
+          </p:nvPr>
+        </p:nvSpPr>
+        <p:spPr/>
+        <p:txBody>
+          <a:bodyPr/>
+          <a:lstStyle/>
+          <a:p>
+            <a:r>
+              <a:rPr lang="en-US" dirty="0"/>
+              <a:t>Concurrent (not necessarily parallel) operations</a:t>
+            </a:r>
+          </a:p>
+          <a:p>
+            <a:r>
+              <a:rPr lang="en-US" dirty="0"/>
+              <a:t>Good fit for I/O bound </a:t>
+            </a:r>
+          </a:p>
+          <a:p>
+            <a:r>
+              <a:rPr lang="en-US" dirty="0"/>
+              <a:t>Not so good for CPU bound</a:t>
+            </a:r>
+          </a:p>
+          <a:p>
+            <a:r>
+              <a:rPr lang="en-US" dirty="0"/>
+              <a:t>Complicates the code</a:t>
+            </a:r>
+          </a:p>
+          <a:p>
+            <a:r>
+              <a:rPr lang="en-US" dirty="0"/>
+              <a:t>Considered as cool new paradigm</a:t>
+            </a:r>
+          </a:p>
+          <a:p>
+            <a:pPr lvl="1"/>
+            <a:r>
+              <a:rPr lang="en-US" dirty="0"/>
+              <a:t> (Windows 3 used it in 1990)</a:t>
+            </a:r>
+            <a:endParaRPr lang="en-IL" dirty="0"/>
+          </a:p>
+        </p:txBody>
+      </p:sp>
+      <p:pic>
+        <p:nvPicPr>
+          <p:cNvPr id="1026" name="Picture 2" descr="https://www.researchgate.net/profile/Benjamin_Erb/publication/236149101/figure/fig1/AS:669985961676803@1536748509550/Figure-is-conceptual-model-shows-the-internals-of-an-event-driven-architecture-A_W640.jpg">
+            <a:extLst>
+              <a:ext uri="{FF2B5EF4-FFF2-40B4-BE49-F238E27FC236}">
+                <a16:creationId xmlns:a16="http://schemas.microsoft.com/office/drawing/2014/main" id="{30F8D85C-ED14-42C1-93E4-93B81B85F80F}"/>
+              </a:ext>
+            </a:extLst>
+          </p:cNvPr>
+          <p:cNvPicPr>
+            <a:picLocks noChangeAspect="1" noChangeArrowheads="1"/>
+          </p:cNvPicPr>
+          <p:nvPr/>
+        </p:nvPicPr>
+        <p:blipFill>
+          <a:blip r:embed="rId3">
+            <a:extLst>
+              <a:ext uri="{28A0092B-C50C-407E-A947-70E740481C1C}">
+                <a14:useLocalDpi xmlns:a14="http://schemas.microsoft.com/office/drawing/2010/main" val="0"/>
+              </a:ext>
+            </a:extLst>
+          </a:blip>
+          <a:srcRect/>
+          <a:stretch>
+            <a:fillRect/>
+          </a:stretch>
+        </p:blipFill>
+        <p:spPr bwMode="auto">
+          <a:xfrm>
+            <a:off x="6716683" y="4001294"/>
+            <a:ext cx="5137265" cy="2781347"/>
+          </a:xfrm>
+          <a:prstGeom prst="rect">
+            <a:avLst/>
+          </a:prstGeom>
+          <a:noFill/>
+          <a:extLst>
+            <a:ext uri="{909E8E84-426E-40DD-AFC4-6F175D3DCCD1}">
+              <a14:hiddenFill xmlns:a14="http://schemas.microsoft.com/office/drawing/2010/main">
+                <a:solidFill>
+                  <a:srgbClr val="FFFFFF"/>
+                </a:solidFill>
+              </a14:hiddenFill>
+            </a:ext>
+          </a:extLst>
+        </p:spPr>
+      </p:pic>
+      <p:sp>
+        <p:nvSpPr>
+          <p:cNvPr id="4" name="AutoShape 4" descr="Image result for event loop architecture &quot;python&quot;">
+            <a:extLst>
+              <a:ext uri="{FF2B5EF4-FFF2-40B4-BE49-F238E27FC236}">
+                <a16:creationId xmlns:a16="http://schemas.microsoft.com/office/drawing/2014/main" id="{EA0BCA7E-2498-4866-B578-007C89C7F07C}"/>
+              </a:ext>
+            </a:extLst>
+          </p:cNvPr>
+          <p:cNvSpPr>
+            <a:spLocks noChangeAspect="1" noChangeArrowheads="1"/>
+          </p:cNvSpPr>
+          <p:nvPr/>
+        </p:nvSpPr>
+        <p:spPr bwMode="auto">
+          <a:xfrm>
+            <a:off x="5943600" y="3276600"/>
+            <a:ext cx="304800" cy="304800"/>
+          </a:xfrm>
+          <a:prstGeom prst="rect">
+            <a:avLst/>
+          </a:prstGeom>
+          <a:noFill/>
+          <a:extLst>
+            <a:ext uri="{909E8E84-426E-40DD-AFC4-6F175D3DCCD1}">
+              <a14:hiddenFill xmlns:a14="http://schemas.microsoft.com/office/drawing/2010/main">
+                <a:solidFill>
+                  <a:srgbClr val="FFFFFF"/>
+                </a:solidFill>
+              </a14:hiddenFill>
+            </a:ext>
+          </a:extLst>
+        </p:spPr>
+        <p:txBody>
+          <a:bodyPr vert="horz" wrap="square" lIns="91440" tIns="45720" rIns="91440" bIns="45720" numCol="1" anchor="t" anchorCtr="0" compatLnSpc="1">
+            <a:prstTxWarp prst="textNoShape">
+              <a:avLst/>
+            </a:prstTxWarp>
+          </a:bodyPr>
+          <a:lstStyle/>
+          <a:p>
+            <a:endParaRPr lang="en-IL"/>
+          </a:p>
+        </p:txBody>
+      </p:sp>
+    </p:spTree>
+    <p:extLst>
+      <p:ext uri="{BB962C8B-B14F-4D97-AF65-F5344CB8AC3E}">
+        <p14:creationId xmlns:p14="http://schemas.microsoft.com/office/powerpoint/2010/main" val="2295202889"/>
+      </p:ext>
+    </p:extLst>
+  </p:cSld>
+  <p:clrMapOvr>
+    <a:masterClrMapping/>
+  </p:clrMapOvr>
+</p:sld>
+</file>
+
+<file path=ppt/slides/slide32.xml><?xml version="1.0" encoding="utf-8"?>
+<p:sld xmlns:a="http://schemas.openxmlformats.org/drawingml/2006/main" xmlns:r="http://schemas.openxmlformats.org/officeDocument/2006/relationships" xmlns:p="http://schemas.openxmlformats.org/presentationml/2006/main">
+  <p:cSld>
+    <p:bg>
+      <p:bgPr>
+        <a:gradFill>
+          <a:gsLst>
+            <a:gs pos="0">
+              <a:schemeClr val="accent1">
+                <a:lumMod val="5000"/>
+                <a:lumOff val="95000"/>
+              </a:schemeClr>
+            </a:gs>
+            <a:gs pos="74000">
+              <a:schemeClr val="accent1">
+                <a:lumMod val="45000"/>
+                <a:lumOff val="55000"/>
+              </a:schemeClr>
+            </a:gs>
+            <a:gs pos="83000">
+              <a:schemeClr val="accent1">
+                <a:lumMod val="45000"/>
+                <a:lumOff val="55000"/>
+              </a:schemeClr>
+            </a:gs>
+            <a:gs pos="100000">
+              <a:schemeClr val="accent1">
+                <a:lumMod val="30000"/>
+                <a:lumOff val="70000"/>
+              </a:schemeClr>
+            </a:gs>
+          </a:gsLst>
+          <a:lin ang="5400000" scaled="1"/>
+        </a:gradFill>
+        <a:effectLst/>
+      </p:bgPr>
+    </p:bg>
+    <p:spTree>
+      <p:nvGrpSpPr>
+        <p:cNvPr id="1" name=""/>
+        <p:cNvGrpSpPr/>
+        <p:nvPr/>
+      </p:nvGrpSpPr>
+      <p:grpSpPr>
+        <a:xfrm>
+          <a:off x="0" y="0"/>
+          <a:ext cx="0" cy="0"/>
+          <a:chOff x="0" y="0"/>
+          <a:chExt cx="0" cy="0"/>
+        </a:xfrm>
+      </p:grpSpPr>
+      <p:sp>
+        <p:nvSpPr>
+          <p:cNvPr id="2" name="Title 1">
+            <a:extLst>
+              <a:ext uri="{FF2B5EF4-FFF2-40B4-BE49-F238E27FC236}">
+                <a16:creationId xmlns:a16="http://schemas.microsoft.com/office/drawing/2014/main" id="{472E4F1B-0A1B-4F5C-8170-48559BB2FD51}"/>
+              </a:ext>
+            </a:extLst>
+          </p:cNvPr>
+          <p:cNvSpPr>
+            <a:spLocks noGrp="1"/>
+          </p:cNvSpPr>
+          <p:nvPr>
+            <p:ph type="title"/>
+          </p:nvPr>
+        </p:nvSpPr>
+        <p:spPr/>
+        <p:txBody>
+          <a:bodyPr/>
+          <a:lstStyle/>
+          <a:p>
+            <a:r>
+              <a:rPr lang="en-US" dirty="0"/>
+              <a:t>More Advanced topics</a:t>
+            </a:r>
+            <a:endParaRPr lang="en-IL" dirty="0"/>
+          </a:p>
+        </p:txBody>
+      </p:sp>
+      <p:sp>
+        <p:nvSpPr>
+          <p:cNvPr id="3" name="Content Placeholder 2">
+            <a:extLst>
+              <a:ext uri="{FF2B5EF4-FFF2-40B4-BE49-F238E27FC236}">
+                <a16:creationId xmlns:a16="http://schemas.microsoft.com/office/drawing/2014/main" id="{7436ABD3-AE5D-429C-8F7E-D3308134EFB8}"/>
+              </a:ext>
+            </a:extLst>
+          </p:cNvPr>
+          <p:cNvSpPr>
+            <a:spLocks noGrp="1"/>
+          </p:cNvSpPr>
+          <p:nvPr>
+            <p:ph idx="1"/>
+          </p:nvPr>
+        </p:nvSpPr>
+        <p:spPr/>
+        <p:txBody>
+          <a:bodyPr/>
+          <a:lstStyle/>
+          <a:p>
+            <a:pPr fontAlgn="base"/>
+            <a:r>
+              <a:rPr lang="en-US" dirty="0"/>
+              <a:t>Regular Expressions</a:t>
+            </a:r>
+          </a:p>
+          <a:p>
+            <a:pPr fontAlgn="base"/>
+            <a:r>
+              <a:rPr lang="en-US" dirty="0"/>
+              <a:t>Context Managers</a:t>
+            </a:r>
+          </a:p>
+          <a:p>
+            <a:pPr fontAlgn="base"/>
+            <a:r>
+              <a:rPr lang="en-US" dirty="0"/>
+              <a:t>Magic methods (__</a:t>
+            </a:r>
+            <a:r>
+              <a:rPr lang="en-US" dirty="0" err="1"/>
+              <a:t>init</a:t>
+            </a:r>
+            <a:r>
+              <a:rPr lang="en-US" dirty="0"/>
+              <a:t>__ . .. )</a:t>
+            </a:r>
+          </a:p>
+          <a:p>
+            <a:pPr fontAlgn="base"/>
+            <a:r>
+              <a:rPr lang="en-US" dirty="0"/>
+              <a:t>Alternative implementations (</a:t>
+            </a:r>
+            <a:r>
+              <a:rPr lang="en-US" dirty="0" err="1"/>
+              <a:t>jython</a:t>
+            </a:r>
+            <a:r>
+              <a:rPr lang="en-US" dirty="0"/>
+              <a:t>, </a:t>
+            </a:r>
+            <a:r>
+              <a:rPr lang="en-US" dirty="0" err="1"/>
+              <a:t>pypy</a:t>
+            </a:r>
+            <a:r>
+              <a:rPr lang="en-US" dirty="0"/>
+              <a:t>)</a:t>
+            </a:r>
+          </a:p>
+          <a:p>
+            <a:pPr fontAlgn="base"/>
+            <a:r>
+              <a:rPr lang="en-US" dirty="0"/>
+              <a:t>Static type checking</a:t>
+            </a:r>
+          </a:p>
+          <a:p>
+            <a:pPr fontAlgn="base"/>
+            <a:endParaRPr lang="en-US" dirty="0"/>
+          </a:p>
+          <a:p>
+            <a:pPr marL="0" indent="0">
+              <a:buNone/>
+            </a:pPr>
+            <a:endParaRPr lang="en-IL" dirty="0"/>
+          </a:p>
+        </p:txBody>
+      </p:sp>
+    </p:spTree>
+    <p:extLst>
+      <p:ext uri="{BB962C8B-B14F-4D97-AF65-F5344CB8AC3E}">
+        <p14:creationId xmlns:p14="http://schemas.microsoft.com/office/powerpoint/2010/main" val="933888689"/>
+      </p:ext>
+    </p:extLst>
+  </p:cSld>
+  <p:clrMapOvr>
+    <a:masterClrMapping/>
+  </p:clrMapOvr>
+</p:sld>
+</file>
+
+<file path=ppt/slides/slide33.xml><?xml version="1.0" encoding="utf-8"?>
+<p:sld xmlns:a="http://schemas.openxmlformats.org/drawingml/2006/main" xmlns:r="http://schemas.openxmlformats.org/officeDocument/2006/relationships" xmlns:p="http://schemas.openxmlformats.org/presentationml/2006/main">
+  <p:cSld>
+    <p:spTree>
+      <p:nvGrpSpPr>
+        <p:cNvPr id="1" name=""/>
+        <p:cNvGrpSpPr/>
+        <p:nvPr/>
+      </p:nvGrpSpPr>
+      <p:grpSpPr>
+        <a:xfrm>
+          <a:off x="0" y="0"/>
+          <a:ext cx="0" cy="0"/>
+          <a:chOff x="0" y="0"/>
+          <a:chExt cx="0" cy="0"/>
+        </a:xfrm>
+      </p:grpSpPr>
+      <p:sp>
+        <p:nvSpPr>
+          <p:cNvPr id="2" name="Title 1">
+            <a:extLst>
+              <a:ext uri="{FF2B5EF4-FFF2-40B4-BE49-F238E27FC236}">
                 <a16:creationId xmlns:a16="http://schemas.microsoft.com/office/drawing/2014/main" id="{F3579091-A3AA-4C2C-8BF7-7A365069FD61}"/>
               </a:ext>
             </a:extLst>
@@ -11941,8 +14582,17 @@
           <a:p>
             <a:r>
               <a:rPr lang="en-US" dirty="0"/>
-              <a:t>What is regex? TBD</a:t>
-            </a:r>
+              <a:t>What is regex?  “a sequence of characters that define a </a:t>
+            </a:r>
+            <a:r>
+              <a:rPr lang="en-US" i="1" dirty="0"/>
+              <a:t>search </a:t>
+            </a:r>
+            <a:r>
+              <a:rPr lang="en-US" i="1" u="sng" dirty="0"/>
+              <a:t>pattern”</a:t>
+            </a:r>
+            <a:endParaRPr lang="en-US" dirty="0"/>
           </a:p>
           <a:p>
             <a:endParaRPr lang="en-US" dirty="0"/>
@@ -12004,7 +14654,7 @@
         </p:blipFill>
         <p:spPr>
           <a:xfrm>
-            <a:off x="838200" y="3530600"/>
+            <a:off x="838200" y="4001294"/>
             <a:ext cx="1219200" cy="1219200"/>
           </a:xfrm>
           <a:prstGeom prst="rect">
@@ -12025,7 +14675,7 @@
 </p:sld>
 </file>
 
-<file path=ppt/slides/slide28.xml><?xml version="1.0" encoding="utf-8"?>
+<file path=ppt/slides/slide34.xml><?xml version="1.0" encoding="utf-8"?>
 <p:sld xmlns:a="http://schemas.openxmlformats.org/drawingml/2006/main" xmlns:r="http://schemas.openxmlformats.org/officeDocument/2006/relationships" xmlns:p="http://schemas.openxmlformats.org/presentationml/2006/main">
   <p:cSld>
     <p:spTree>
@@ -12598,7 +15248,7 @@
 </p:sld>
 </file>
 
-<file path=ppt/slides/slide29.xml><?xml version="1.0" encoding="utf-8"?>
+<file path=ppt/slides/slide35.xml><?xml version="1.0" encoding="utf-8"?>
 <p:sld xmlns:a="http://schemas.openxmlformats.org/drawingml/2006/main" xmlns:r="http://schemas.openxmlformats.org/officeDocument/2006/relationships" xmlns:p="http://schemas.openxmlformats.org/presentationml/2006/main">
   <p:cSld>
     <p:spTree>
@@ -12773,7 +15423,7 @@
 </p:sld>
 </file>
 
-<file path=ppt/slides/slide3.xml><?xml version="1.0" encoding="utf-8"?>
+<file path=ppt/slides/slide36.xml><?xml version="1.0" encoding="utf-8"?>
 <p:sld xmlns:a="http://schemas.openxmlformats.org/drawingml/2006/main" xmlns:r="http://schemas.openxmlformats.org/officeDocument/2006/relationships" xmlns:p="http://schemas.openxmlformats.org/presentationml/2006/main">
   <p:cSld>
     <p:spTree>
@@ -12795,7 +15445,7 @@
           <p:cNvPr id="2" name="Title 1">
             <a:extLst>
               <a:ext uri="{FF2B5EF4-FFF2-40B4-BE49-F238E27FC236}">
-                <a16:creationId xmlns:a16="http://schemas.microsoft.com/office/drawing/2014/main" id="{40BB4350-9111-4D5E-90C2-E94B4D63D94B}"/>
+                <a16:creationId xmlns:a16="http://schemas.microsoft.com/office/drawing/2014/main" id="{9144717B-2B16-4A25-9555-6400A5C0A97C}"/>
               </a:ext>
             </a:extLst>
           </p:cNvPr>
@@ -12813,7 +15463,7 @@
           <a:p>
             <a:r>
               <a:rPr lang="en-US" dirty="0"/>
-              <a:t>A few words on source code control (VCS)</a:t>
+              <a:t>Alternative implementations	</a:t>
             </a:r>
             <a:endParaRPr lang="en-IL" dirty="0"/>
           </a:p>
@@ -12824,7 +15474,7 @@
           <p:cNvPr id="3" name="Content Placeholder 2">
             <a:extLst>
               <a:ext uri="{FF2B5EF4-FFF2-40B4-BE49-F238E27FC236}">
-                <a16:creationId xmlns:a16="http://schemas.microsoft.com/office/drawing/2014/main" id="{A0F0EC19-F4A3-443A-B950-61D9D1C7B6EE}"/>
+                <a16:creationId xmlns:a16="http://schemas.microsoft.com/office/drawing/2014/main" id="{41154C83-1A9F-42E3-B48A-18B4E5C5F0E2}"/>
               </a:ext>
             </a:extLst>
           </p:cNvPr>
@@ -12842,67 +15492,96 @@
           <a:p>
             <a:r>
               <a:rPr lang="en-US" dirty="0"/>
-              <a:t>What is VCS? Why do you need it?</a:t>
-            </a:r>
-          </a:p>
-          <a:p>
-            <a:r>
-              <a:rPr lang="en-US" dirty="0"/>
-              <a:t>Everybody use </a:t>
-            </a:r>
-            <a:r>
-              <a:rPr lang="en-US" b="1" dirty="0"/>
-              <a:t>git</a:t>
-            </a:r>
-            <a:r>
-              <a:rPr lang="en-US" dirty="0"/>
-              <a:t>. Learn it.</a:t>
-            </a:r>
-          </a:p>
-          <a:p>
-            <a:r>
-              <a:rPr lang="en-US" dirty="0"/>
-              <a:t>Search for “git best tutorial” </a:t>
-            </a:r>
+              <a:t>The ‘usual’ interpreter is </a:t>
+            </a:r>
+            <a:r>
+              <a:rPr lang="en-US" dirty="0" err="1"/>
+              <a:t>Cpython</a:t>
+            </a:r>
+            <a:endParaRPr lang="en-US" dirty="0"/>
           </a:p>
           <a:p>
             <a:pPr lvl="1"/>
             <a:r>
-              <a:rPr lang="en-US" dirty="0"/>
-              <a:t>Try</a:t>
+              <a:rPr lang="en-US" sz="2000" dirty="0"/>
+              <a:t>Non optimizing interpreter</a:t>
             </a:r>
           </a:p>
           <a:p>
             <a:pPr lvl="1"/>
             <a:r>
-              <a:rPr lang="en-US" dirty="0"/>
-              <a:t>Cry</a:t>
+              <a:rPr lang="en-US" sz="2000" dirty="0"/>
+              <a:t>Used as the reference implementation</a:t>
+            </a:r>
+          </a:p>
+          <a:p>
+            <a:r>
+              <a:rPr lang="en-US" dirty="0" err="1"/>
+              <a:t>Jython</a:t>
+            </a:r>
+            <a:r>
+              <a:rPr lang="en-US" dirty="0"/>
+              <a:t> – execute the python byte code in java VM</a:t>
             </a:r>
           </a:p>
           <a:p>
             <a:pPr lvl="1"/>
             <a:r>
-              <a:rPr lang="en-US" dirty="0"/>
-              <a:t>Repeat until dry</a:t>
+              <a:rPr lang="en-US" sz="2000" dirty="0"/>
+              <a:t>Especially good if you need to use java libraries</a:t>
+            </a:r>
+          </a:p>
+          <a:p>
+            <a:r>
+              <a:rPr lang="en-US" dirty="0" err="1"/>
+              <a:t>Pypy</a:t>
+            </a:r>
+            <a:r>
+              <a:rPr lang="en-US" dirty="0"/>
+              <a:t> – optimizing  (JIT) interpreter written in python</a:t>
+            </a:r>
+          </a:p>
+          <a:p>
+            <a:r>
+              <a:rPr lang="en-US" dirty="0" err="1"/>
+              <a:t>IronPython</a:t>
+            </a:r>
+            <a:r>
+              <a:rPr lang="en-US" dirty="0"/>
+              <a:t>  - implementation in C#</a:t>
             </a:r>
           </a:p>
           <a:p>
             <a:pPr lvl="1"/>
-            <a:endParaRPr lang="en-US" dirty="0"/>
+            <a:r>
+              <a:rPr lang="en-US" sz="2000" dirty="0"/>
+              <a:t>Especially good if you need to use .NET libraries</a:t>
+            </a:r>
           </a:p>
           <a:p>
             <a:pPr lvl="1"/>
-            <a:endParaRPr lang="en-US" dirty="0"/>
-          </a:p>
-          <a:p>
-            <a:endParaRPr lang="en-IL" dirty="0"/>
+            <a:endParaRPr lang="en-US" sz="2000" dirty="0"/>
+          </a:p>
+          <a:p>
+            <a:pPr marL="0" indent="0">
+              <a:buNone/>
+            </a:pPr>
+            <a:r>
+              <a:rPr lang="en-US" sz="2400" i="1" dirty="0"/>
+              <a:t>Caveat Emptor</a:t>
+            </a:r>
+            <a:r>
+              <a:rPr lang="en-US" sz="2400" dirty="0"/>
+              <a:t>: I did not try to use any of those</a:t>
+            </a:r>
+            <a:endParaRPr lang="en-IL" sz="2400" dirty="0"/>
           </a:p>
         </p:txBody>
       </p:sp>
     </p:spTree>
     <p:extLst>
       <p:ext uri="{BB962C8B-B14F-4D97-AF65-F5344CB8AC3E}">
-        <p14:creationId xmlns:p14="http://schemas.microsoft.com/office/powerpoint/2010/main" val="2411966097"/>
+        <p14:creationId xmlns:p14="http://schemas.microsoft.com/office/powerpoint/2010/main" val="620005339"/>
       </p:ext>
     </p:extLst>
   </p:cSld>
@@ -12912,7 +15591,7 @@
 </p:sld>
 </file>
 
-<file path=ppt/slides/slide30.xml><?xml version="1.0" encoding="utf-8"?>
+<file path=ppt/slides/slide37.xml><?xml version="1.0" encoding="utf-8"?>
 <p:sld xmlns:a="http://schemas.openxmlformats.org/drawingml/2006/main" xmlns:r="http://schemas.openxmlformats.org/officeDocument/2006/relationships" xmlns:p="http://schemas.openxmlformats.org/presentationml/2006/main">
   <p:cSld>
     <p:spTree>
@@ -12934,7 +15613,7 @@
           <p:cNvPr id="2" name="Title 1">
             <a:extLst>
               <a:ext uri="{FF2B5EF4-FFF2-40B4-BE49-F238E27FC236}">
-                <a16:creationId xmlns:a16="http://schemas.microsoft.com/office/drawing/2014/main" id="{9144717B-2B16-4A25-9555-6400A5C0A97C}"/>
+                <a16:creationId xmlns:a16="http://schemas.microsoft.com/office/drawing/2014/main" id="{AF2D27B6-D715-4335-9937-DD4AA4CF663C}"/>
               </a:ext>
             </a:extLst>
           </p:cNvPr>
@@ -12952,7 +15631,7 @@
           <a:p>
             <a:r>
               <a:rPr lang="en-US" dirty="0"/>
-              <a:t>Alternative implementations	</a:t>
+              <a:t>Static type checking</a:t>
             </a:r>
             <a:endParaRPr lang="en-IL" dirty="0"/>
           </a:p>
@@ -12963,7 +15642,7 @@
           <p:cNvPr id="3" name="Content Placeholder 2">
             <a:extLst>
               <a:ext uri="{FF2B5EF4-FFF2-40B4-BE49-F238E27FC236}">
-                <a16:creationId xmlns:a16="http://schemas.microsoft.com/office/drawing/2014/main" id="{41154C83-1A9F-42E3-B48A-18B4E5C5F0E2}"/>
+                <a16:creationId xmlns:a16="http://schemas.microsoft.com/office/drawing/2014/main" id="{A1650639-B263-4AEE-AC53-A4B80ED06F28}"/>
               </a:ext>
             </a:extLst>
           </p:cNvPr>
@@ -12981,96 +15660,152 @@
           <a:p>
             <a:r>
               <a:rPr lang="en-US" dirty="0"/>
-              <a:t>The ‘usual’ interpreter is </a:t>
+              <a:t>Optional package “</a:t>
             </a:r>
             <a:r>
               <a:rPr lang="en-US" dirty="0" err="1"/>
-              <a:t>Cpython</a:t>
-            </a:r>
-            <a:endParaRPr lang="en-US" dirty="0"/>
-          </a:p>
-          <a:p>
-            <a:pPr lvl="1"/>
-            <a:r>
-              <a:rPr lang="en-US" sz="2000" dirty="0"/>
-              <a:t>Non optimizing interpreter</a:t>
-            </a:r>
-          </a:p>
-          <a:p>
-            <a:pPr lvl="1"/>
-            <a:r>
-              <a:rPr lang="en-US" sz="2000" dirty="0"/>
-              <a:t>Used as the reference implementation</a:t>
-            </a:r>
-          </a:p>
-          <a:p>
+              <a:t>mypy</a:t>
+            </a:r>
+            <a:r>
+              <a:rPr lang="en-US" dirty="0"/>
+              <a:t>”</a:t>
+            </a:r>
+          </a:p>
+          <a:p>
+            <a:r>
+              <a:rPr lang="en-US" dirty="0"/>
+              <a:t>In development (requires python &gt;=3.5)</a:t>
+            </a:r>
+          </a:p>
+          <a:p>
+            <a:r>
+              <a:rPr lang="en-US" dirty="0"/>
+              <a:t> You can add type hints (</a:t>
+            </a:r>
+            <a:r>
+              <a:rPr lang="en-US" dirty="0">
+                <a:hlinkClick r:id="rId3"/>
+              </a:rPr>
+              <a:t>PEP 484</a:t>
+            </a:r>
+            <a:r>
+              <a:rPr lang="en-US" dirty="0"/>
+              <a:t>) to your Python programs, and use </a:t>
+            </a:r>
             <a:r>
               <a:rPr lang="en-US" dirty="0" err="1"/>
-              <a:t>Jython</a:t>
-            </a:r>
-            <a:r>
-              <a:rPr lang="en-US" dirty="0"/>
-              <a:t> – execute the python byte code in java VM</a:t>
-            </a:r>
-          </a:p>
-          <a:p>
-            <a:pPr lvl="1"/>
-            <a:r>
-              <a:rPr lang="en-US" sz="2000" dirty="0"/>
-              <a:t>Especially good if you need to use java libraries</a:t>
-            </a:r>
-          </a:p>
-          <a:p>
-            <a:r>
-              <a:rPr lang="en-US" dirty="0" err="1"/>
-              <a:t>Pypy</a:t>
-            </a:r>
-            <a:r>
-              <a:rPr lang="en-US" dirty="0"/>
-              <a:t> – optimizing  (JIT) interpreter written in python</a:t>
-            </a:r>
-          </a:p>
-          <a:p>
-            <a:r>
-              <a:rPr lang="en-US" dirty="0" err="1"/>
-              <a:t>IronPython</a:t>
-            </a:r>
-            <a:r>
-              <a:rPr lang="en-US" dirty="0"/>
-              <a:t>  - implementation in C#</a:t>
-            </a:r>
-          </a:p>
-          <a:p>
-            <a:pPr lvl="1"/>
-            <a:r>
-              <a:rPr lang="en-US" sz="2000" dirty="0"/>
-              <a:t>Especially good if you need to use .NET libraries</a:t>
-            </a:r>
-          </a:p>
-          <a:p>
-            <a:pPr lvl="1"/>
-            <a:endParaRPr lang="en-US" sz="2000" dirty="0"/>
+              <a:t>mypy</a:t>
+            </a:r>
+            <a:r>
+              <a:rPr lang="en-US" dirty="0"/>
+              <a:t> to type check them statically</a:t>
+            </a:r>
           </a:p>
           <a:p>
             <a:pPr marL="0" indent="0">
               <a:buNone/>
             </a:pPr>
-            <a:r>
-              <a:rPr lang="en-US" sz="2400" i="1" dirty="0"/>
-              <a:t>Caveat Emptor</a:t>
-            </a:r>
-            <a:r>
-              <a:rPr lang="en-US" sz="2400" dirty="0"/>
-              <a:t>: I did not try to use any of those</a:t>
-            </a:r>
-            <a:endParaRPr lang="en-IL" sz="2400" dirty="0"/>
+            <a:endParaRPr lang="en-IL" dirty="0"/>
+          </a:p>
+        </p:txBody>
+      </p:sp>
+      <p:sp>
+        <p:nvSpPr>
+          <p:cNvPr id="4" name="TextBox 3">
+            <a:extLst>
+              <a:ext uri="{FF2B5EF4-FFF2-40B4-BE49-F238E27FC236}">
+                <a16:creationId xmlns:a16="http://schemas.microsoft.com/office/drawing/2014/main" id="{E356F92D-1469-4940-8024-E89B1E22DB59}"/>
+              </a:ext>
+            </a:extLst>
+          </p:cNvPr>
+          <p:cNvSpPr txBox="1"/>
+          <p:nvPr/>
+        </p:nvSpPr>
+        <p:spPr>
+          <a:xfrm>
+            <a:off x="1907821" y="3868639"/>
+            <a:ext cx="5700889" cy="2031325"/>
+          </a:xfrm>
+          <a:prstGeom prst="rect">
+            <a:avLst/>
+          </a:prstGeom>
+          <a:noFill/>
+        </p:spPr>
+        <p:txBody>
+          <a:bodyPr wrap="square" rtlCol="0">
+            <a:spAutoFit/>
+          </a:bodyPr>
+          <a:lstStyle/>
+          <a:p>
+            <a:r>
+              <a:rPr lang="en-US" dirty="0">
+                <a:latin typeface="Courier New" panose="02070309020205020404" pitchFamily="49" charset="0"/>
+                <a:cs typeface="Courier New" panose="02070309020205020404" pitchFamily="49" charset="0"/>
+              </a:rPr>
+              <a:t>from typing import Iterator</a:t>
+            </a:r>
+          </a:p>
+          <a:p>
+            <a:endParaRPr lang="en-US" dirty="0">
+              <a:latin typeface="Courier New" panose="02070309020205020404" pitchFamily="49" charset="0"/>
+              <a:cs typeface="Courier New" panose="02070309020205020404" pitchFamily="49" charset="0"/>
+            </a:endParaRPr>
+          </a:p>
+          <a:p>
+            <a:r>
+              <a:rPr lang="en-US" dirty="0">
+                <a:latin typeface="Courier New" panose="02070309020205020404" pitchFamily="49" charset="0"/>
+                <a:cs typeface="Courier New" panose="02070309020205020404" pitchFamily="49" charset="0"/>
+              </a:rPr>
+              <a:t>def fib(n: int) -&gt; Iterator[int]:</a:t>
+            </a:r>
+          </a:p>
+          <a:p>
+            <a:r>
+              <a:rPr lang="en-US" dirty="0">
+                <a:latin typeface="Courier New" panose="02070309020205020404" pitchFamily="49" charset="0"/>
+                <a:cs typeface="Courier New" panose="02070309020205020404" pitchFamily="49" charset="0"/>
+              </a:rPr>
+              <a:t>    a, b = 0, 1</a:t>
+            </a:r>
+          </a:p>
+          <a:p>
+            <a:r>
+              <a:rPr lang="en-US" dirty="0">
+                <a:latin typeface="Courier New" panose="02070309020205020404" pitchFamily="49" charset="0"/>
+                <a:cs typeface="Courier New" panose="02070309020205020404" pitchFamily="49" charset="0"/>
+              </a:rPr>
+              <a:t>    while a &lt; n:</a:t>
+            </a:r>
+          </a:p>
+          <a:p>
+            <a:r>
+              <a:rPr lang="en-US" dirty="0">
+                <a:latin typeface="Courier New" panose="02070309020205020404" pitchFamily="49" charset="0"/>
+                <a:cs typeface="Courier New" panose="02070309020205020404" pitchFamily="49" charset="0"/>
+              </a:rPr>
+              <a:t>        yield a</a:t>
+            </a:r>
+          </a:p>
+          <a:p>
+            <a:r>
+              <a:rPr lang="en-US" dirty="0">
+                <a:latin typeface="Courier New" panose="02070309020205020404" pitchFamily="49" charset="0"/>
+                <a:cs typeface="Courier New" panose="02070309020205020404" pitchFamily="49" charset="0"/>
+              </a:rPr>
+              <a:t>        a, b = b, a + b</a:t>
+            </a:r>
+            <a:endParaRPr lang="en-IL" dirty="0">
+              <a:latin typeface="Courier New" panose="02070309020205020404" pitchFamily="49" charset="0"/>
+              <a:cs typeface="Courier New" panose="02070309020205020404" pitchFamily="49" charset="0"/>
+            </a:endParaRPr>
           </a:p>
         </p:txBody>
       </p:sp>
     </p:spTree>
     <p:extLst>
       <p:ext uri="{BB962C8B-B14F-4D97-AF65-F5344CB8AC3E}">
-        <p14:creationId xmlns:p14="http://schemas.microsoft.com/office/powerpoint/2010/main" val="620005339"/>
+        <p14:creationId xmlns:p14="http://schemas.microsoft.com/office/powerpoint/2010/main" val="4195438216"/>
       </p:ext>
     </p:extLst>
   </p:cSld>
@@ -13080,7 +15815,7 @@
 </p:sld>
 </file>
 
-<file path=ppt/slides/slide31.xml><?xml version="1.0" encoding="utf-8"?>
+<file path=ppt/slides/slide38.xml><?xml version="1.0" encoding="utf-8"?>
 <p:sld xmlns:a="http://schemas.openxmlformats.org/drawingml/2006/main" xmlns:r="http://schemas.openxmlformats.org/officeDocument/2006/relationships" xmlns:p="http://schemas.openxmlformats.org/presentationml/2006/main">
   <p:cSld>
     <p:spTree>
@@ -13102,7 +15837,7 @@
           <p:cNvPr id="2" name="Title 1">
             <a:extLst>
               <a:ext uri="{FF2B5EF4-FFF2-40B4-BE49-F238E27FC236}">
-                <a16:creationId xmlns:a16="http://schemas.microsoft.com/office/drawing/2014/main" id="{AF2D27B6-D715-4335-9937-DD4AA4CF663C}"/>
+                <a16:creationId xmlns:a16="http://schemas.microsoft.com/office/drawing/2014/main" id="{A7F24BE9-C633-4B35-928B-D5B2E7849565}"/>
               </a:ext>
             </a:extLst>
           </p:cNvPr>
@@ -13120,7 +15855,7 @@
           <a:p>
             <a:r>
               <a:rPr lang="en-US" dirty="0"/>
-              <a:t>Static type checking</a:t>
+              <a:t>More on Profiling</a:t>
             </a:r>
             <a:endParaRPr lang="en-IL" dirty="0"/>
           </a:p>
@@ -13131,7 +15866,7 @@
           <p:cNvPr id="3" name="Content Placeholder 2">
             <a:extLst>
               <a:ext uri="{FF2B5EF4-FFF2-40B4-BE49-F238E27FC236}">
-                <a16:creationId xmlns:a16="http://schemas.microsoft.com/office/drawing/2014/main" id="{A1650639-B263-4AEE-AC53-A4B80ED06F28}"/>
+                <a16:creationId xmlns:a16="http://schemas.microsoft.com/office/drawing/2014/main" id="{BB5C53C8-634B-4997-80E1-53AB04B248D0}"/>
               </a:ext>
             </a:extLst>
           </p:cNvPr>
@@ -13144,157 +15879,260 @@
         </p:nvSpPr>
         <p:spPr/>
         <p:txBody>
-          <a:bodyPr/>
-          <a:lstStyle/>
-          <a:p>
-            <a:r>
-              <a:rPr lang="en-US" dirty="0"/>
-              <a:t>Optional package “</a:t>
+          <a:bodyPr>
+            <a:normAutofit/>
+          </a:bodyPr>
+          <a:lstStyle/>
+          <a:p>
+            <a:r>
+              <a:rPr lang="en-US" dirty="0"/>
+              <a:t>The </a:t>
             </a:r>
             <a:r>
               <a:rPr lang="en-US" dirty="0" err="1"/>
-              <a:t>mypy</a:t>
-            </a:r>
-            <a:r>
-              <a:rPr lang="en-US" dirty="0"/>
-              <a:t>”</a:t>
-            </a:r>
-          </a:p>
-          <a:p>
-            <a:r>
-              <a:rPr lang="en-US" dirty="0"/>
-              <a:t>In development (requires python &gt;=3.5)</a:t>
-            </a:r>
-          </a:p>
-          <a:p>
-            <a:r>
-              <a:rPr lang="en-US" dirty="0"/>
-              <a:t> You can add type hints (</a:t>
-            </a:r>
-            <a:r>
-              <a:rPr lang="en-US" dirty="0">
-                <a:hlinkClick r:id="rId3"/>
-              </a:rPr>
-              <a:t>PEP 484</a:t>
-            </a:r>
-            <a:r>
-              <a:rPr lang="en-US" dirty="0"/>
-              <a:t>) to your Python programs, and use </a:t>
-            </a:r>
-            <a:r>
-              <a:rPr lang="en-US" dirty="0" err="1"/>
-              <a:t>mypy</a:t>
-            </a:r>
-            <a:r>
-              <a:rPr lang="en-US" dirty="0"/>
-              <a:t> to type check them statically</a:t>
+              <a:t>cProfile</a:t>
+            </a:r>
+            <a:r>
+              <a:rPr lang="en-US" dirty="0"/>
+              <a:t> module is  part of the standard installation</a:t>
             </a:r>
           </a:p>
           <a:p>
             <a:pPr marL="0" indent="0">
               <a:buNone/>
             </a:pPr>
-            <a:endParaRPr lang="en-IL" dirty="0"/>
-          </a:p>
-        </p:txBody>
-      </p:sp>
-      <p:sp>
-        <p:nvSpPr>
-          <p:cNvPr id="4" name="TextBox 3">
-            <a:extLst>
-              <a:ext uri="{FF2B5EF4-FFF2-40B4-BE49-F238E27FC236}">
-                <a16:creationId xmlns:a16="http://schemas.microsoft.com/office/drawing/2014/main" id="{E356F92D-1469-4940-8024-E89B1E22DB59}"/>
-              </a:ext>
-            </a:extLst>
-          </p:cNvPr>
-          <p:cNvSpPr txBox="1"/>
-          <p:nvPr/>
-        </p:nvSpPr>
-        <p:spPr>
-          <a:xfrm>
-            <a:off x="1907821" y="3868639"/>
-            <a:ext cx="5700889" cy="2031325"/>
-          </a:xfrm>
-          <a:prstGeom prst="rect">
-            <a:avLst/>
-          </a:prstGeom>
-          <a:noFill/>
-        </p:spPr>
-        <p:txBody>
-          <a:bodyPr wrap="square" rtlCol="0">
-            <a:spAutoFit/>
-          </a:bodyPr>
-          <a:lstStyle/>
-          <a:p>
-            <a:r>
-              <a:rPr lang="en-US" dirty="0">
-                <a:latin typeface="Courier New" panose="02070309020205020404" pitchFamily="49" charset="0"/>
-                <a:cs typeface="Courier New" panose="02070309020205020404" pitchFamily="49" charset="0"/>
-              </a:rPr>
-              <a:t>from typing import Iterator</a:t>
-            </a:r>
-          </a:p>
-          <a:p>
-            <a:endParaRPr lang="en-US" dirty="0">
+            <a:r>
+              <a:rPr lang="en-US" sz="1400" dirty="0">
+                <a:latin typeface="Courier New" panose="02070309020205020404" pitchFamily="49" charset="0"/>
+                <a:cs typeface="Courier New" panose="02070309020205020404" pitchFamily="49" charset="0"/>
+              </a:rPr>
+              <a:t>$ python -m </a:t>
+            </a:r>
+            <a:r>
+              <a:rPr lang="en-US" sz="1400" dirty="0" err="1">
+                <a:latin typeface="Courier New" panose="02070309020205020404" pitchFamily="49" charset="0"/>
+                <a:cs typeface="Courier New" panose="02070309020205020404" pitchFamily="49" charset="0"/>
+              </a:rPr>
+              <a:t>cProfile</a:t>
+            </a:r>
+            <a:r>
+              <a:rPr lang="en-US" sz="1400" dirty="0">
+                <a:latin typeface="Courier New" panose="02070309020205020404" pitchFamily="49" charset="0"/>
+                <a:cs typeface="Courier New" panose="02070309020205020404" pitchFamily="49" charset="0"/>
+              </a:rPr>
+              <a:t>  fib.py</a:t>
+            </a:r>
+          </a:p>
+          <a:p>
+            <a:pPr marL="0" indent="0">
+              <a:buNone/>
+            </a:pPr>
+            <a:r>
+              <a:rPr lang="en-US" sz="1400" dirty="0">
+                <a:latin typeface="Courier New" panose="02070309020205020404" pitchFamily="49" charset="0"/>
+                <a:cs typeface="Courier New" panose="02070309020205020404" pitchFamily="49" charset="0"/>
+              </a:rPr>
+              <a:t>584 function calls in 3.004 seconds</a:t>
+            </a:r>
+          </a:p>
+          <a:p>
+            <a:pPr marL="0" indent="0">
+              <a:buNone/>
+            </a:pPr>
+            <a:endParaRPr lang="en-US" sz="1400" dirty="0">
               <a:latin typeface="Courier New" panose="02070309020205020404" pitchFamily="49" charset="0"/>
               <a:cs typeface="Courier New" panose="02070309020205020404" pitchFamily="49" charset="0"/>
             </a:endParaRPr>
           </a:p>
           <a:p>
-            <a:r>
-              <a:rPr lang="en-US" dirty="0">
-                <a:latin typeface="Courier New" panose="02070309020205020404" pitchFamily="49" charset="0"/>
-                <a:cs typeface="Courier New" panose="02070309020205020404" pitchFamily="49" charset="0"/>
-              </a:rPr>
-              <a:t>def fib(n: int) -&gt; Iterator[int]:</a:t>
-            </a:r>
-          </a:p>
-          <a:p>
-            <a:r>
-              <a:rPr lang="en-US" dirty="0">
-                <a:latin typeface="Courier New" panose="02070309020205020404" pitchFamily="49" charset="0"/>
-                <a:cs typeface="Courier New" panose="02070309020205020404" pitchFamily="49" charset="0"/>
-              </a:rPr>
-              <a:t>    a, b = 0, 1</a:t>
-            </a:r>
-          </a:p>
-          <a:p>
-            <a:r>
-              <a:rPr lang="en-US" dirty="0">
-                <a:latin typeface="Courier New" panose="02070309020205020404" pitchFamily="49" charset="0"/>
-                <a:cs typeface="Courier New" panose="02070309020205020404" pitchFamily="49" charset="0"/>
-              </a:rPr>
-              <a:t>    while a &lt; n:</a:t>
-            </a:r>
-          </a:p>
-          <a:p>
-            <a:r>
-              <a:rPr lang="en-US" dirty="0">
-                <a:latin typeface="Courier New" panose="02070309020205020404" pitchFamily="49" charset="0"/>
-                <a:cs typeface="Courier New" panose="02070309020205020404" pitchFamily="49" charset="0"/>
-              </a:rPr>
-              <a:t>        yield a</a:t>
-            </a:r>
-          </a:p>
-          <a:p>
-            <a:r>
-              <a:rPr lang="en-US" dirty="0">
-                <a:latin typeface="Courier New" panose="02070309020205020404" pitchFamily="49" charset="0"/>
-                <a:cs typeface="Courier New" panose="02070309020205020404" pitchFamily="49" charset="0"/>
-              </a:rPr>
-              <a:t>        a, b = b, a + b</a:t>
-            </a:r>
-            <a:endParaRPr lang="en-IL" dirty="0">
+            <a:pPr marL="0" indent="0">
+              <a:buNone/>
+            </a:pPr>
+            <a:r>
+              <a:rPr lang="en-US" sz="1400" dirty="0">
+                <a:latin typeface="Courier New" panose="02070309020205020404" pitchFamily="49" charset="0"/>
+                <a:cs typeface="Courier New" panose="02070309020205020404" pitchFamily="49" charset="0"/>
+              </a:rPr>
+              <a:t>   Ordered by: standard name</a:t>
+            </a:r>
+          </a:p>
+          <a:p>
+            <a:pPr marL="0" indent="0">
+              <a:buNone/>
+            </a:pPr>
+            <a:endParaRPr lang="en-US" sz="1400" dirty="0">
               <a:latin typeface="Courier New" panose="02070309020205020404" pitchFamily="49" charset="0"/>
               <a:cs typeface="Courier New" panose="02070309020205020404" pitchFamily="49" charset="0"/>
             </a:endParaRPr>
           </a:p>
+          <a:p>
+            <a:pPr marL="0" indent="0">
+              <a:buNone/>
+            </a:pPr>
+            <a:r>
+              <a:rPr lang="en-US" sz="1400" dirty="0">
+                <a:latin typeface="Courier New" panose="02070309020205020404" pitchFamily="49" charset="0"/>
+                <a:cs typeface="Courier New" panose="02070309020205020404" pitchFamily="49" charset="0"/>
+              </a:rPr>
+              <a:t>   </a:t>
+            </a:r>
+            <a:r>
+              <a:rPr lang="en-US" sz="1400" dirty="0" err="1">
+                <a:latin typeface="Courier New" panose="02070309020205020404" pitchFamily="49" charset="0"/>
+                <a:cs typeface="Courier New" panose="02070309020205020404" pitchFamily="49" charset="0"/>
+              </a:rPr>
+              <a:t>ncalls</a:t>
+            </a:r>
+            <a:r>
+              <a:rPr lang="en-US" sz="1400" dirty="0">
+                <a:latin typeface="Courier New" panose="02070309020205020404" pitchFamily="49" charset="0"/>
+                <a:cs typeface="Courier New" panose="02070309020205020404" pitchFamily="49" charset="0"/>
+              </a:rPr>
+              <a:t>  </a:t>
+            </a:r>
+            <a:r>
+              <a:rPr lang="en-US" sz="1400" dirty="0" err="1">
+                <a:latin typeface="Courier New" panose="02070309020205020404" pitchFamily="49" charset="0"/>
+                <a:cs typeface="Courier New" panose="02070309020205020404" pitchFamily="49" charset="0"/>
+              </a:rPr>
+              <a:t>tottime</a:t>
+            </a:r>
+            <a:r>
+              <a:rPr lang="en-US" sz="1400" dirty="0">
+                <a:latin typeface="Courier New" panose="02070309020205020404" pitchFamily="49" charset="0"/>
+                <a:cs typeface="Courier New" panose="02070309020205020404" pitchFamily="49" charset="0"/>
+              </a:rPr>
+              <a:t>  </a:t>
+            </a:r>
+            <a:r>
+              <a:rPr lang="en-US" sz="1400" dirty="0" err="1">
+                <a:latin typeface="Courier New" panose="02070309020205020404" pitchFamily="49" charset="0"/>
+                <a:cs typeface="Courier New" panose="02070309020205020404" pitchFamily="49" charset="0"/>
+              </a:rPr>
+              <a:t>percall</a:t>
+            </a:r>
+            <a:r>
+              <a:rPr lang="en-US" sz="1400" dirty="0">
+                <a:latin typeface="Courier New" panose="02070309020205020404" pitchFamily="49" charset="0"/>
+                <a:cs typeface="Courier New" panose="02070309020205020404" pitchFamily="49" charset="0"/>
+              </a:rPr>
+              <a:t>  </a:t>
+            </a:r>
+            <a:r>
+              <a:rPr lang="en-US" sz="1400" dirty="0" err="1">
+                <a:latin typeface="Courier New" panose="02070309020205020404" pitchFamily="49" charset="0"/>
+                <a:cs typeface="Courier New" panose="02070309020205020404" pitchFamily="49" charset="0"/>
+              </a:rPr>
+              <a:t>cumtime</a:t>
+            </a:r>
+            <a:r>
+              <a:rPr lang="en-US" sz="1400" dirty="0">
+                <a:latin typeface="Courier New" panose="02070309020205020404" pitchFamily="49" charset="0"/>
+                <a:cs typeface="Courier New" panose="02070309020205020404" pitchFamily="49" charset="0"/>
+              </a:rPr>
+              <a:t>  </a:t>
+            </a:r>
+            <a:r>
+              <a:rPr lang="en-US" sz="1400" dirty="0" err="1">
+                <a:latin typeface="Courier New" panose="02070309020205020404" pitchFamily="49" charset="0"/>
+                <a:cs typeface="Courier New" panose="02070309020205020404" pitchFamily="49" charset="0"/>
+              </a:rPr>
+              <a:t>percall</a:t>
+            </a:r>
+            <a:r>
+              <a:rPr lang="en-US" sz="1400" dirty="0">
+                <a:latin typeface="Courier New" panose="02070309020205020404" pitchFamily="49" charset="0"/>
+                <a:cs typeface="Courier New" panose="02070309020205020404" pitchFamily="49" charset="0"/>
+              </a:rPr>
+              <a:t> </a:t>
+            </a:r>
+            <a:r>
+              <a:rPr lang="en-US" sz="1400" dirty="0" err="1">
+                <a:latin typeface="Courier New" panose="02070309020205020404" pitchFamily="49" charset="0"/>
+                <a:cs typeface="Courier New" panose="02070309020205020404" pitchFamily="49" charset="0"/>
+              </a:rPr>
+              <a:t>filename:lineno</a:t>
+            </a:r>
+            <a:r>
+              <a:rPr lang="en-US" sz="1400" dirty="0">
+                <a:latin typeface="Courier New" panose="02070309020205020404" pitchFamily="49" charset="0"/>
+                <a:cs typeface="Courier New" panose="02070309020205020404" pitchFamily="49" charset="0"/>
+              </a:rPr>
+              <a:t>(function)</a:t>
+            </a:r>
+          </a:p>
+          <a:p>
+            <a:pPr marL="0" indent="0">
+              <a:buNone/>
+            </a:pPr>
+            <a:r>
+              <a:rPr lang="en-US" sz="1400" dirty="0">
+                <a:latin typeface="Courier New" panose="02070309020205020404" pitchFamily="49" charset="0"/>
+                <a:cs typeface="Courier New" panose="02070309020205020404" pitchFamily="49" charset="0"/>
+              </a:rPr>
+              <a:t>        1    0.000    0.000    3.004    3.004 fib.py:1(&lt;module&gt;)</a:t>
+            </a:r>
+          </a:p>
+          <a:p>
+            <a:pPr marL="0" indent="0">
+              <a:buNone/>
+            </a:pPr>
+            <a:r>
+              <a:rPr lang="en-US" sz="1400" dirty="0">
+                <a:latin typeface="Courier New" panose="02070309020205020404" pitchFamily="49" charset="0"/>
+                <a:cs typeface="Courier New" panose="02070309020205020404" pitchFamily="49" charset="0"/>
+              </a:rPr>
+              <a:t>      577    0.000    0.000    0.000    0.000 fib.py:1(fib)</a:t>
+            </a:r>
+          </a:p>
+          <a:p>
+            <a:pPr marL="0" indent="0">
+              <a:buNone/>
+            </a:pPr>
+            <a:r>
+              <a:rPr lang="en-US" sz="1400" dirty="0">
+                <a:latin typeface="Courier New" panose="02070309020205020404" pitchFamily="49" charset="0"/>
+                <a:cs typeface="Courier New" panose="02070309020205020404" pitchFamily="49" charset="0"/>
+              </a:rPr>
+              <a:t>        1    0.000    0.000    3.003    3.003 fib.py:8(</a:t>
+            </a:r>
+            <a:r>
+              <a:rPr lang="en-US" sz="1400" dirty="0" err="1">
+                <a:latin typeface="Courier New" panose="02070309020205020404" pitchFamily="49" charset="0"/>
+                <a:cs typeface="Courier New" panose="02070309020205020404" pitchFamily="49" charset="0"/>
+              </a:rPr>
+              <a:t>noop</a:t>
+            </a:r>
+            <a:r>
+              <a:rPr lang="en-US" sz="1400" dirty="0">
+                <a:latin typeface="Courier New" panose="02070309020205020404" pitchFamily="49" charset="0"/>
+                <a:cs typeface="Courier New" panose="02070309020205020404" pitchFamily="49" charset="0"/>
+              </a:rPr>
+              <a:t>)</a:t>
+            </a:r>
+          </a:p>
+          <a:p>
+            <a:pPr marL="0" indent="0">
+              <a:buNone/>
+            </a:pPr>
+            <a:r>
+              <a:rPr lang="en-US" sz="1400" dirty="0">
+                <a:latin typeface="Courier New" panose="02070309020205020404" pitchFamily="49" charset="0"/>
+                <a:cs typeface="Courier New" panose="02070309020205020404" pitchFamily="49" charset="0"/>
+              </a:rPr>
+              <a:t>&lt;…&gt;</a:t>
+            </a:r>
+            <a:endParaRPr lang="en-IL" sz="1400" dirty="0">
+              <a:latin typeface="Courier New" panose="02070309020205020404" pitchFamily="49" charset="0"/>
+              <a:cs typeface="Courier New" panose="02070309020205020404" pitchFamily="49" charset="0"/>
+            </a:endParaRPr>
+          </a:p>
         </p:txBody>
       </p:sp>
     </p:spTree>
     <p:extLst>
       <p:ext uri="{BB962C8B-B14F-4D97-AF65-F5344CB8AC3E}">
-        <p14:creationId xmlns:p14="http://schemas.microsoft.com/office/powerpoint/2010/main" val="4195438216"/>
+        <p14:creationId xmlns:p14="http://schemas.microsoft.com/office/powerpoint/2010/main" val="1696074043"/>
       </p:ext>
     </p:extLst>
   </p:cSld>
@@ -13304,7 +16142,7 @@
 </p:sld>
 </file>
 
-<file path=ppt/slides/slide32.xml><?xml version="1.0" encoding="utf-8"?>
+<file path=ppt/slides/slide39.xml><?xml version="1.0" encoding="utf-8"?>
 <p:sld xmlns:a="http://schemas.openxmlformats.org/drawingml/2006/main" xmlns:r="http://schemas.openxmlformats.org/officeDocument/2006/relationships" xmlns:p="http://schemas.openxmlformats.org/presentationml/2006/main">
   <p:cSld>
     <p:spTree>
@@ -13326,7 +16164,7 @@
           <p:cNvPr id="2" name="Title 1">
             <a:extLst>
               <a:ext uri="{FF2B5EF4-FFF2-40B4-BE49-F238E27FC236}">
-                <a16:creationId xmlns:a16="http://schemas.microsoft.com/office/drawing/2014/main" id="{A7F24BE9-C633-4B35-928B-D5B2E7849565}"/>
+                <a16:creationId xmlns:a16="http://schemas.microsoft.com/office/drawing/2014/main" id="{F5231BBA-2444-4DBB-89C1-C1045A4DBD0F}"/>
               </a:ext>
             </a:extLst>
           </p:cNvPr>
@@ -13344,7 +16182,7 @@
           <a:p>
             <a:r>
               <a:rPr lang="en-US" dirty="0"/>
-              <a:t>More on Profiling</a:t>
+              <a:t>Profiling output that’s looks nice</a:t>
             </a:r>
             <a:endParaRPr lang="en-IL" dirty="0"/>
           </a:p>
@@ -13355,7 +16193,7 @@
           <p:cNvPr id="3" name="Content Placeholder 2">
             <a:extLst>
               <a:ext uri="{FF2B5EF4-FFF2-40B4-BE49-F238E27FC236}">
-                <a16:creationId xmlns:a16="http://schemas.microsoft.com/office/drawing/2014/main" id="{BB5C53C8-634B-4997-80E1-53AB04B248D0}"/>
+                <a16:creationId xmlns:a16="http://schemas.microsoft.com/office/drawing/2014/main" id="{223DCFA3-2828-4E8F-BEDD-B06A6A98E5F4}"/>
               </a:ext>
             </a:extLst>
           </p:cNvPr>
@@ -13368,67 +16206,97 @@
         </p:nvSpPr>
         <p:spPr/>
         <p:txBody>
-          <a:bodyPr>
-            <a:normAutofit/>
-          </a:bodyPr>
-          <a:lstStyle/>
-          <a:p>
-            <a:r>
-              <a:rPr lang="en-US" dirty="0"/>
-              <a:t>The </a:t>
-            </a:r>
-            <a:r>
-              <a:rPr lang="en-US" dirty="0" err="1"/>
-              <a:t>cProfile</a:t>
-            </a:r>
-            <a:r>
-              <a:rPr lang="en-US" dirty="0"/>
-              <a:t> module is  part of the standard installation</a:t>
-            </a:r>
-          </a:p>
+          <a:bodyPr/>
+          <a:lstStyle/>
           <a:p>
             <a:pPr marL="0" indent="0">
               <a:buNone/>
             </a:pPr>
             <a:r>
-              <a:rPr lang="en-US" sz="1400" dirty="0">
-                <a:latin typeface="Courier New" panose="02070309020205020404" pitchFamily="49" charset="0"/>
-                <a:cs typeface="Courier New" panose="02070309020205020404" pitchFamily="49" charset="0"/>
-              </a:rPr>
-              <a:t>$ python -m </a:t>
-            </a:r>
-            <a:r>
-              <a:rPr lang="en-US" sz="1400" dirty="0" err="1">
-                <a:latin typeface="Courier New" panose="02070309020205020404" pitchFamily="49" charset="0"/>
-                <a:cs typeface="Courier New" panose="02070309020205020404" pitchFamily="49" charset="0"/>
-              </a:rPr>
-              <a:t>cProfile</a:t>
-            </a:r>
-            <a:r>
-              <a:rPr lang="en-US" sz="1400" dirty="0">
-                <a:latin typeface="Courier New" panose="02070309020205020404" pitchFamily="49" charset="0"/>
-                <a:cs typeface="Courier New" panose="02070309020205020404" pitchFamily="49" charset="0"/>
-              </a:rPr>
-              <a:t>  fib.py</a:t>
-            </a:r>
+              <a:rPr lang="en-US" sz="2000" dirty="0"/>
+              <a:t>See for example </a:t>
+            </a:r>
+            <a:r>
+              <a:rPr lang="en-US" sz="2000" dirty="0">
+                <a:hlinkClick r:id="rId3"/>
+              </a:rPr>
+              <a:t>https://julien.danjou.info/guide-to-python-profiling-cprofile-concrete-case-carbonara/</a:t>
+            </a:r>
+            <a:endParaRPr lang="en-US" sz="2000" dirty="0"/>
           </a:p>
           <a:p>
             <a:pPr marL="0" indent="0">
               <a:buNone/>
             </a:pPr>
             <a:r>
-              <a:rPr lang="en-US" sz="1400" dirty="0">
-                <a:latin typeface="Courier New" panose="02070309020205020404" pitchFamily="49" charset="0"/>
-                <a:cs typeface="Courier New" panose="02070309020205020404" pitchFamily="49" charset="0"/>
-              </a:rPr>
-              <a:t>584 function calls in 3.004 seconds</a:t>
+              <a:rPr lang="en-US" sz="2000" dirty="0">
+                <a:latin typeface="Courier New" panose="02070309020205020404" pitchFamily="49" charset="0"/>
+                <a:cs typeface="Courier New" panose="02070309020205020404" pitchFamily="49" charset="0"/>
+              </a:rPr>
+              <a:t>$ python -m </a:t>
+            </a:r>
+            <a:r>
+              <a:rPr lang="en-US" sz="2000" dirty="0" err="1">
+                <a:latin typeface="Courier New" panose="02070309020205020404" pitchFamily="49" charset="0"/>
+                <a:cs typeface="Courier New" panose="02070309020205020404" pitchFamily="49" charset="0"/>
+              </a:rPr>
+              <a:t>cProfile</a:t>
+            </a:r>
+            <a:r>
+              <a:rPr lang="en-US" sz="2000" dirty="0">
+                <a:latin typeface="Courier New" panose="02070309020205020404" pitchFamily="49" charset="0"/>
+                <a:cs typeface="Courier New" panose="02070309020205020404" pitchFamily="49" charset="0"/>
+              </a:rPr>
+              <a:t> -o </a:t>
+            </a:r>
+            <a:r>
+              <a:rPr lang="en-US" sz="2000" dirty="0" err="1">
+                <a:latin typeface="Courier New" panose="02070309020205020404" pitchFamily="49" charset="0"/>
+                <a:cs typeface="Courier New" panose="02070309020205020404" pitchFamily="49" charset="0"/>
+              </a:rPr>
+              <a:t>myscript.cprof</a:t>
+            </a:r>
+            <a:r>
+              <a:rPr lang="en-US" sz="2000" dirty="0">
+                <a:latin typeface="Courier New" panose="02070309020205020404" pitchFamily="49" charset="0"/>
+                <a:cs typeface="Courier New" panose="02070309020205020404" pitchFamily="49" charset="0"/>
+              </a:rPr>
+              <a:t> myscript.py</a:t>
             </a:r>
           </a:p>
           <a:p>
             <a:pPr marL="0" indent="0">
               <a:buNone/>
             </a:pPr>
-            <a:endParaRPr lang="en-US" sz="1400" dirty="0">
+            <a:r>
+              <a:rPr lang="en-US" sz="2000" dirty="0">
+                <a:latin typeface="Courier New" panose="02070309020205020404" pitchFamily="49" charset="0"/>
+                <a:cs typeface="Courier New" panose="02070309020205020404" pitchFamily="49" charset="0"/>
+              </a:rPr>
+              <a:t>$ pyprof2calltree -</a:t>
+            </a:r>
+            <a:r>
+              <a:rPr lang="en-US" sz="2000" dirty="0" err="1">
+                <a:latin typeface="Courier New" panose="02070309020205020404" pitchFamily="49" charset="0"/>
+                <a:cs typeface="Courier New" panose="02070309020205020404" pitchFamily="49" charset="0"/>
+              </a:rPr>
+              <a:t>i</a:t>
+            </a:r>
+            <a:r>
+              <a:rPr lang="en-US" sz="2000" dirty="0">
+                <a:latin typeface="Courier New" panose="02070309020205020404" pitchFamily="49" charset="0"/>
+                <a:cs typeface="Courier New" panose="02070309020205020404" pitchFamily="49" charset="0"/>
+              </a:rPr>
+              <a:t> </a:t>
+            </a:r>
+            <a:r>
+              <a:rPr lang="en-US" sz="2000" dirty="0" err="1">
+                <a:latin typeface="Courier New" panose="02070309020205020404" pitchFamily="49" charset="0"/>
+                <a:cs typeface="Courier New" panose="02070309020205020404" pitchFamily="49" charset="0"/>
+              </a:rPr>
+              <a:t>myscript.cprof</a:t>
+            </a:r>
+            <a:endParaRPr lang="en-US" sz="2000" dirty="0">
               <a:latin typeface="Courier New" panose="02070309020205020404" pitchFamily="49" charset="0"/>
               <a:cs typeface="Courier New" panose="02070309020205020404" pitchFamily="49" charset="0"/>
             </a:endParaRPr>
@@ -13438,190 +16306,33 @@
               <a:buNone/>
             </a:pPr>
             <a:r>
-              <a:rPr lang="en-US" sz="1400" dirty="0">
-                <a:latin typeface="Courier New" panose="02070309020205020404" pitchFamily="49" charset="0"/>
-                <a:cs typeface="Courier New" panose="02070309020205020404" pitchFamily="49" charset="0"/>
-              </a:rPr>
-              <a:t>   Ordered by: standard name</a:t>
-            </a:r>
-          </a:p>
-          <a:p>
-            <a:pPr marL="0" indent="0">
-              <a:buNone/>
-            </a:pPr>
-            <a:endParaRPr lang="en-US" sz="1400" dirty="0">
-              <a:latin typeface="Courier New" panose="02070309020205020404" pitchFamily="49" charset="0"/>
-              <a:cs typeface="Courier New" panose="02070309020205020404" pitchFamily="49" charset="0"/>
-            </a:endParaRPr>
-          </a:p>
-          <a:p>
-            <a:pPr marL="0" indent="0">
-              <a:buNone/>
-            </a:pPr>
-            <a:r>
-              <a:rPr lang="en-US" sz="1400" dirty="0">
-                <a:latin typeface="Courier New" panose="02070309020205020404" pitchFamily="49" charset="0"/>
-                <a:cs typeface="Courier New" panose="02070309020205020404" pitchFamily="49" charset="0"/>
-              </a:rPr>
-              <a:t>   </a:t>
-            </a:r>
-            <a:r>
-              <a:rPr lang="en-US" sz="1400" dirty="0" err="1">
-                <a:latin typeface="Courier New" panose="02070309020205020404" pitchFamily="49" charset="0"/>
-                <a:cs typeface="Courier New" panose="02070309020205020404" pitchFamily="49" charset="0"/>
-              </a:rPr>
-              <a:t>ncalls</a:t>
-            </a:r>
-            <a:r>
-              <a:rPr lang="en-US" sz="1400" dirty="0">
-                <a:latin typeface="Courier New" panose="02070309020205020404" pitchFamily="49" charset="0"/>
-                <a:cs typeface="Courier New" panose="02070309020205020404" pitchFamily="49" charset="0"/>
-              </a:rPr>
-              <a:t>  </a:t>
-            </a:r>
-            <a:r>
-              <a:rPr lang="en-US" sz="1400" dirty="0" err="1">
-                <a:latin typeface="Courier New" panose="02070309020205020404" pitchFamily="49" charset="0"/>
-                <a:cs typeface="Courier New" panose="02070309020205020404" pitchFamily="49" charset="0"/>
-              </a:rPr>
-              <a:t>tottime</a:t>
-            </a:r>
-            <a:r>
-              <a:rPr lang="en-US" sz="1400" dirty="0">
-                <a:latin typeface="Courier New" panose="02070309020205020404" pitchFamily="49" charset="0"/>
-                <a:cs typeface="Courier New" panose="02070309020205020404" pitchFamily="49" charset="0"/>
-              </a:rPr>
-              <a:t>  </a:t>
-            </a:r>
-            <a:r>
-              <a:rPr lang="en-US" sz="1400" dirty="0" err="1">
-                <a:latin typeface="Courier New" panose="02070309020205020404" pitchFamily="49" charset="0"/>
-                <a:cs typeface="Courier New" panose="02070309020205020404" pitchFamily="49" charset="0"/>
-              </a:rPr>
-              <a:t>percall</a:t>
-            </a:r>
-            <a:r>
-              <a:rPr lang="en-US" sz="1400" dirty="0">
-                <a:latin typeface="Courier New" panose="02070309020205020404" pitchFamily="49" charset="0"/>
-                <a:cs typeface="Courier New" panose="02070309020205020404" pitchFamily="49" charset="0"/>
-              </a:rPr>
-              <a:t>  </a:t>
-            </a:r>
-            <a:r>
-              <a:rPr lang="en-US" sz="1400" dirty="0" err="1">
-                <a:latin typeface="Courier New" panose="02070309020205020404" pitchFamily="49" charset="0"/>
-                <a:cs typeface="Courier New" panose="02070309020205020404" pitchFamily="49" charset="0"/>
-              </a:rPr>
-              <a:t>cumtime</a:t>
-            </a:r>
-            <a:r>
-              <a:rPr lang="en-US" sz="1400" dirty="0">
-                <a:latin typeface="Courier New" panose="02070309020205020404" pitchFamily="49" charset="0"/>
-                <a:cs typeface="Courier New" panose="02070309020205020404" pitchFamily="49" charset="0"/>
-              </a:rPr>
-              <a:t>  </a:t>
-            </a:r>
-            <a:r>
-              <a:rPr lang="en-US" sz="1400" dirty="0" err="1">
-                <a:latin typeface="Courier New" panose="02070309020205020404" pitchFamily="49" charset="0"/>
-                <a:cs typeface="Courier New" panose="02070309020205020404" pitchFamily="49" charset="0"/>
-              </a:rPr>
-              <a:t>percall</a:t>
-            </a:r>
-            <a:r>
-              <a:rPr lang="en-US" sz="1400" dirty="0">
-                <a:latin typeface="Courier New" panose="02070309020205020404" pitchFamily="49" charset="0"/>
-                <a:cs typeface="Courier New" panose="02070309020205020404" pitchFamily="49" charset="0"/>
-              </a:rPr>
-              <a:t> </a:t>
-            </a:r>
-            <a:r>
-              <a:rPr lang="en-US" sz="1400" dirty="0" err="1">
-                <a:latin typeface="Courier New" panose="02070309020205020404" pitchFamily="49" charset="0"/>
-                <a:cs typeface="Courier New" panose="02070309020205020404" pitchFamily="49" charset="0"/>
-              </a:rPr>
-              <a:t>filename:lineno</a:t>
-            </a:r>
-            <a:r>
-              <a:rPr lang="en-US" sz="1400" dirty="0">
-                <a:latin typeface="Courier New" panose="02070309020205020404" pitchFamily="49" charset="0"/>
-                <a:cs typeface="Courier New" panose="02070309020205020404" pitchFamily="49" charset="0"/>
-              </a:rPr>
-              <a:t>(function)</a:t>
-            </a:r>
-          </a:p>
-          <a:p>
-            <a:pPr marL="0" indent="0">
-              <a:buNone/>
-            </a:pPr>
-            <a:r>
-              <a:rPr lang="en-US" sz="1400" dirty="0">
-                <a:latin typeface="Courier New" panose="02070309020205020404" pitchFamily="49" charset="0"/>
-                <a:cs typeface="Courier New" panose="02070309020205020404" pitchFamily="49" charset="0"/>
-              </a:rPr>
-              <a:t>        1    0.000    0.000    3.004    3.004 fib.py:1(&lt;module&gt;)</a:t>
-            </a:r>
-          </a:p>
-          <a:p>
-            <a:pPr marL="0" indent="0">
-              <a:buNone/>
-            </a:pPr>
-            <a:r>
-              <a:rPr lang="en-US" sz="1400" dirty="0">
-                <a:latin typeface="Courier New" panose="02070309020205020404" pitchFamily="49" charset="0"/>
-                <a:cs typeface="Courier New" panose="02070309020205020404" pitchFamily="49" charset="0"/>
-              </a:rPr>
-              <a:t>      577    0.000    0.000    0.000    0.000 fib.py:1(fib)</a:t>
-            </a:r>
-          </a:p>
-          <a:p>
-            <a:pPr marL="0" indent="0">
-              <a:buNone/>
-            </a:pPr>
-            <a:r>
-              <a:rPr lang="en-US" sz="1400" dirty="0">
-                <a:latin typeface="Courier New" panose="02070309020205020404" pitchFamily="49" charset="0"/>
-                <a:cs typeface="Courier New" panose="02070309020205020404" pitchFamily="49" charset="0"/>
-              </a:rPr>
-              <a:t>        1    0.000    0.000    3.003    3.003 fib.py:8(</a:t>
-            </a:r>
-            <a:r>
-              <a:rPr lang="en-US" sz="1400" dirty="0" err="1">
-                <a:latin typeface="Courier New" panose="02070309020205020404" pitchFamily="49" charset="0"/>
-                <a:cs typeface="Courier New" panose="02070309020205020404" pitchFamily="49" charset="0"/>
-              </a:rPr>
-              <a:t>noop</a:t>
-            </a:r>
-            <a:r>
-              <a:rPr lang="en-US" sz="1400" dirty="0">
-                <a:latin typeface="Courier New" panose="02070309020205020404" pitchFamily="49" charset="0"/>
-                <a:cs typeface="Courier New" panose="02070309020205020404" pitchFamily="49" charset="0"/>
-              </a:rPr>
-              <a:t>)</a:t>
-            </a:r>
-          </a:p>
-          <a:p>
-            <a:pPr marL="0" indent="0">
-              <a:buNone/>
-            </a:pPr>
-            <a:r>
-              <a:rPr lang="en-US" sz="1400" dirty="0">
-                <a:latin typeface="Courier New" panose="02070309020205020404" pitchFamily="49" charset="0"/>
-                <a:cs typeface="Courier New" panose="02070309020205020404" pitchFamily="49" charset="0"/>
-              </a:rPr>
-              <a:t>&lt;…&gt;</a:t>
-            </a:r>
-            <a:endParaRPr lang="en-IL" sz="1400" dirty="0">
-              <a:latin typeface="Courier New" panose="02070309020205020404" pitchFamily="49" charset="0"/>
-              <a:cs typeface="Courier New" panose="02070309020205020404" pitchFamily="49" charset="0"/>
-            </a:endParaRPr>
+              <a:rPr lang="en-US" dirty="0"/>
+              <a:t>Then open </a:t>
+            </a:r>
+            <a:r>
+              <a:rPr lang="en-US" dirty="0" err="1"/>
+              <a:t>kcachegrind</a:t>
+            </a:r>
+            <a:r>
+              <a:rPr lang="en-US" dirty="0"/>
+              <a:t> on your machine and feed it with the </a:t>
+            </a:r>
+            <a:r>
+              <a:rPr lang="en-US" dirty="0" err="1"/>
+              <a:t>conveted</a:t>
+            </a:r>
+            <a:r>
+              <a:rPr lang="en-US" dirty="0"/>
+              <a:t> file.</a:t>
+            </a:r>
+            <a:endParaRPr lang="en-IL" dirty="0"/>
           </a:p>
         </p:txBody>
       </p:sp>
     </p:spTree>
     <p:extLst>
       <p:ext uri="{BB962C8B-B14F-4D97-AF65-F5344CB8AC3E}">
-        <p14:creationId xmlns:p14="http://schemas.microsoft.com/office/powerpoint/2010/main" val="1696074043"/>
+        <p14:creationId xmlns:p14="http://schemas.microsoft.com/office/powerpoint/2010/main" val="203887387"/>
       </p:ext>
     </p:extLst>
   </p:cSld>
@@ -13631,7 +16342,7 @@
 </p:sld>
 </file>
 
-<file path=ppt/slides/slide33.xml><?xml version="1.0" encoding="utf-8"?>
+<file path=ppt/slides/slide4.xml><?xml version="1.0" encoding="utf-8"?>
 <p:sld xmlns:a="http://schemas.openxmlformats.org/drawingml/2006/main" xmlns:r="http://schemas.openxmlformats.org/officeDocument/2006/relationships" xmlns:p="http://schemas.openxmlformats.org/presentationml/2006/main">
   <p:cSld>
     <p:spTree>
@@ -13653,7 +16364,7 @@
           <p:cNvPr id="2" name="Title 1">
             <a:extLst>
               <a:ext uri="{FF2B5EF4-FFF2-40B4-BE49-F238E27FC236}">
-                <a16:creationId xmlns:a16="http://schemas.microsoft.com/office/drawing/2014/main" id="{F5231BBA-2444-4DBB-89C1-C1045A4DBD0F}"/>
+                <a16:creationId xmlns:a16="http://schemas.microsoft.com/office/drawing/2014/main" id="{5E113C1A-EE72-4FBC-91B9-F2A74424B389}"/>
               </a:ext>
             </a:extLst>
           </p:cNvPr>
@@ -13671,7 +16382,7 @@
           <a:p>
             <a:r>
               <a:rPr lang="en-US" dirty="0"/>
-              <a:t>Profiling output that’s looks nice</a:t>
+              <a:t>Remote Development</a:t>
             </a:r>
             <a:endParaRPr lang="en-IL" dirty="0"/>
           </a:p>
@@ -13682,7 +16393,7 @@
           <p:cNvPr id="3" name="Content Placeholder 2">
             <a:extLst>
               <a:ext uri="{FF2B5EF4-FFF2-40B4-BE49-F238E27FC236}">
-                <a16:creationId xmlns:a16="http://schemas.microsoft.com/office/drawing/2014/main" id="{223DCFA3-2828-4E8F-BEDD-B06A6A98E5F4}"/>
+                <a16:creationId xmlns:a16="http://schemas.microsoft.com/office/drawing/2014/main" id="{3A89D64A-EF89-44E3-87D5-C9091B1F3D11}"/>
               </a:ext>
             </a:extLst>
           </p:cNvPr>
@@ -13698,130 +16409,66 @@
           <a:bodyPr/>
           <a:lstStyle/>
           <a:p>
-            <a:pPr marL="0" indent="0">
-              <a:buNone/>
-            </a:pPr>
-            <a:r>
-              <a:rPr lang="en-US" sz="2000" dirty="0"/>
-              <a:t>See for example </a:t>
-            </a:r>
-            <a:r>
-              <a:rPr lang="en-US" sz="2000" dirty="0">
-                <a:hlinkClick r:id="rId3"/>
-              </a:rPr>
-              <a:t>https://julien.danjou.info/guide-to-python-profiling-cprofile-concrete-case-carbonara/</a:t>
-            </a:r>
-            <a:endParaRPr lang="en-US" sz="2000" dirty="0"/>
-          </a:p>
-          <a:p>
-            <a:pPr marL="0" indent="0">
-              <a:buNone/>
-            </a:pPr>
-            <a:r>
-              <a:rPr lang="en-US" sz="2000" dirty="0">
-                <a:latin typeface="Courier New" panose="02070309020205020404" pitchFamily="49" charset="0"/>
-                <a:cs typeface="Courier New" panose="02070309020205020404" pitchFamily="49" charset="0"/>
-              </a:rPr>
-              <a:t>$ python -m </a:t>
-            </a:r>
-            <a:r>
-              <a:rPr lang="en-US" sz="2000" dirty="0" err="1">
-                <a:latin typeface="Courier New" panose="02070309020205020404" pitchFamily="49" charset="0"/>
-                <a:cs typeface="Courier New" panose="02070309020205020404" pitchFamily="49" charset="0"/>
-              </a:rPr>
-              <a:t>cProfile</a:t>
-            </a:r>
-            <a:r>
-              <a:rPr lang="en-US" sz="2000" dirty="0">
-                <a:latin typeface="Courier New" panose="02070309020205020404" pitchFamily="49" charset="0"/>
-                <a:cs typeface="Courier New" panose="02070309020205020404" pitchFamily="49" charset="0"/>
-              </a:rPr>
-              <a:t> -o </a:t>
-            </a:r>
-            <a:r>
-              <a:rPr lang="en-US" sz="2000" dirty="0" err="1">
-                <a:latin typeface="Courier New" panose="02070309020205020404" pitchFamily="49" charset="0"/>
-                <a:cs typeface="Courier New" panose="02070309020205020404" pitchFamily="49" charset="0"/>
-              </a:rPr>
-              <a:t>myscript.cprof</a:t>
-            </a:r>
-            <a:r>
-              <a:rPr lang="en-US" sz="2000" dirty="0">
-                <a:latin typeface="Courier New" panose="02070309020205020404" pitchFamily="49" charset="0"/>
-                <a:cs typeface="Courier New" panose="02070309020205020404" pitchFamily="49" charset="0"/>
-              </a:rPr>
-              <a:t> myscript.py</a:t>
-            </a:r>
-          </a:p>
-          <a:p>
-            <a:pPr marL="0" indent="0">
-              <a:buNone/>
-            </a:pPr>
-            <a:r>
-              <a:rPr lang="en-US" sz="2000" dirty="0">
-                <a:latin typeface="Courier New" panose="02070309020205020404" pitchFamily="49" charset="0"/>
-                <a:cs typeface="Courier New" panose="02070309020205020404" pitchFamily="49" charset="0"/>
-              </a:rPr>
-              <a:t>$ pyprof2calltree -</a:t>
-            </a:r>
-            <a:r>
-              <a:rPr lang="en-US" sz="2000" dirty="0" err="1">
-                <a:latin typeface="Courier New" panose="02070309020205020404" pitchFamily="49" charset="0"/>
-                <a:cs typeface="Courier New" panose="02070309020205020404" pitchFamily="49" charset="0"/>
-              </a:rPr>
-              <a:t>i</a:t>
-            </a:r>
-            <a:r>
-              <a:rPr lang="en-US" sz="2000" dirty="0">
-                <a:latin typeface="Courier New" panose="02070309020205020404" pitchFamily="49" charset="0"/>
-                <a:cs typeface="Courier New" panose="02070309020205020404" pitchFamily="49" charset="0"/>
-              </a:rPr>
-              <a:t> </a:t>
-            </a:r>
-            <a:r>
-              <a:rPr lang="en-US" sz="2000" dirty="0" err="1">
-                <a:latin typeface="Courier New" panose="02070309020205020404" pitchFamily="49" charset="0"/>
-                <a:cs typeface="Courier New" panose="02070309020205020404" pitchFamily="49" charset="0"/>
-              </a:rPr>
-              <a:t>myscript.cprof</a:t>
-            </a:r>
-            <a:endParaRPr lang="en-US" sz="2000" dirty="0">
-              <a:latin typeface="Courier New" panose="02070309020205020404" pitchFamily="49" charset="0"/>
-              <a:cs typeface="Courier New" panose="02070309020205020404" pitchFamily="49" charset="0"/>
-            </a:endParaRPr>
-          </a:p>
-          <a:p>
-            <a:pPr marL="0" indent="0">
-              <a:buNone/>
-            </a:pPr>
-            <a:r>
-              <a:rPr lang="en-US" dirty="0"/>
-              <a:t>Then open </a:t>
-            </a:r>
-            <a:r>
-              <a:rPr lang="en-US" dirty="0" err="1"/>
-              <a:t>kcachegrind</a:t>
-            </a:r>
-            <a:r>
-              <a:rPr lang="en-US" dirty="0"/>
-              <a:t> on your machine and feed it with the </a:t>
-            </a:r>
-            <a:r>
-              <a:rPr lang="en-US" dirty="0" err="1"/>
-              <a:t>conveted</a:t>
-            </a:r>
-            <a:r>
-              <a:rPr lang="en-US" dirty="0"/>
-              <a:t> file.</a:t>
-            </a:r>
-            <a:endParaRPr lang="en-IL" dirty="0"/>
+            <a:r>
+              <a:rPr lang="en-US" dirty="0"/>
+              <a:t>In this workshop you can (but don’t have to) use remote development on a server. This means that the PC/Mac only shows the source code but all the hard CPU work of is done remotely.</a:t>
+            </a:r>
+          </a:p>
+          <a:p>
+            <a:r>
+              <a:rPr lang="en-US" dirty="0"/>
+              <a:t>Setting remote development: </a:t>
+            </a:r>
+            <a:r>
+              <a:rPr lang="en-US" sz="1800" dirty="0"/>
+              <a:t>(one way at least)</a:t>
+            </a:r>
+          </a:p>
+          <a:p>
+            <a:pPr lvl="1"/>
+            <a:r>
+              <a:rPr lang="en-US" dirty="0"/>
+              <a:t>You need to have PyCharm 2019.1 and later </a:t>
+            </a:r>
+            <a:r>
+              <a:rPr lang="en-US" b="1" dirty="0"/>
+              <a:t>Professional </a:t>
+            </a:r>
+            <a:r>
+              <a:rPr lang="en-US" dirty="0"/>
+              <a:t>edition</a:t>
+            </a:r>
+          </a:p>
+          <a:p>
+            <a:pPr lvl="1"/>
+            <a:r>
+              <a:rPr lang="en-US" dirty="0"/>
+              <a:t>Just follow the instructions on their site.</a:t>
+            </a:r>
+          </a:p>
+          <a:p>
+            <a:pPr lvl="2"/>
+            <a:r>
+              <a:rPr lang="en-US" dirty="0"/>
+              <a:t>First, make sure you can connect with SSH to the remote server</a:t>
+            </a:r>
+          </a:p>
+          <a:p>
+            <a:pPr lvl="2"/>
+            <a:endParaRPr lang="en-US" dirty="0"/>
+          </a:p>
+          <a:p>
+            <a:r>
+              <a:rPr lang="en-US" dirty="0"/>
+              <a:t>Connection details: username / password</a:t>
+            </a:r>
           </a:p>
         </p:txBody>
       </p:sp>
     </p:spTree>
     <p:extLst>
       <p:ext uri="{BB962C8B-B14F-4D97-AF65-F5344CB8AC3E}">
-        <p14:creationId xmlns:p14="http://schemas.microsoft.com/office/powerpoint/2010/main" val="203887387"/>
+        <p14:creationId xmlns:p14="http://schemas.microsoft.com/office/powerpoint/2010/main" val="313681494"/>
       </p:ext>
     </p:extLst>
   </p:cSld>
@@ -13831,7 +16478,7 @@
 </p:sld>
 </file>
 
-<file path=ppt/slides/slide34.xml><?xml version="1.0" encoding="utf-8"?>
+<file path=ppt/slides/slide40.xml><?xml version="1.0" encoding="utf-8"?>
 <p:sld xmlns:a="http://schemas.openxmlformats.org/drawingml/2006/main" xmlns:r="http://schemas.openxmlformats.org/officeDocument/2006/relationships" xmlns:p="http://schemas.openxmlformats.org/presentationml/2006/main">
   <p:cSld>
     <p:spTree>
@@ -13948,7 +16595,7 @@
 </p:sld>
 </file>
 
-<file path=ppt/slides/slide35.xml><?xml version="1.0" encoding="utf-8"?>
+<file path=ppt/slides/slide41.xml><?xml version="1.0" encoding="utf-8"?>
 <p:sld xmlns:a="http://schemas.openxmlformats.org/drawingml/2006/main" xmlns:r="http://schemas.openxmlformats.org/officeDocument/2006/relationships" xmlns:p="http://schemas.openxmlformats.org/presentationml/2006/main">
   <p:cSld>
     <p:spTree>
@@ -14166,7 +16813,181 @@
 </p:sld>
 </file>
 
-<file path=ppt/slides/slide4.xml><?xml version="1.0" encoding="utf-8"?>
+<file path=ppt/slides/slide42.xml><?xml version="1.0" encoding="utf-8"?>
+<p:sld xmlns:a="http://schemas.openxmlformats.org/drawingml/2006/main" xmlns:r="http://schemas.openxmlformats.org/officeDocument/2006/relationships" xmlns:p="http://schemas.openxmlformats.org/presentationml/2006/main">
+  <p:cSld>
+    <p:spTree>
+      <p:nvGrpSpPr>
+        <p:cNvPr id="1" name=""/>
+        <p:cNvGrpSpPr/>
+        <p:nvPr/>
+      </p:nvGrpSpPr>
+      <p:grpSpPr>
+        <a:xfrm>
+          <a:off x="0" y="0"/>
+          <a:ext cx="0" cy="0"/>
+          <a:chOff x="0" y="0"/>
+          <a:chExt cx="0" cy="0"/>
+        </a:xfrm>
+      </p:grpSpPr>
+      <p:sp>
+        <p:nvSpPr>
+          <p:cNvPr id="2" name="Title 1">
+            <a:extLst>
+              <a:ext uri="{FF2B5EF4-FFF2-40B4-BE49-F238E27FC236}">
+                <a16:creationId xmlns:a16="http://schemas.microsoft.com/office/drawing/2014/main" id="{C181E77F-4E40-49EB-910F-374600FF885F}"/>
+              </a:ext>
+            </a:extLst>
+          </p:cNvPr>
+          <p:cNvSpPr>
+            <a:spLocks noGrp="1"/>
+          </p:cNvSpPr>
+          <p:nvPr>
+            <p:ph type="title"/>
+          </p:nvPr>
+        </p:nvSpPr>
+        <p:spPr/>
+        <p:txBody>
+          <a:bodyPr/>
+          <a:lstStyle/>
+          <a:p>
+            <a:r>
+              <a:rPr lang="en-US" dirty="0"/>
+              <a:t>More Recommended reading</a:t>
+            </a:r>
+            <a:endParaRPr lang="en-IL" dirty="0"/>
+          </a:p>
+        </p:txBody>
+      </p:sp>
+      <p:sp>
+        <p:nvSpPr>
+          <p:cNvPr id="3" name="Content Placeholder 2">
+            <a:extLst>
+              <a:ext uri="{FF2B5EF4-FFF2-40B4-BE49-F238E27FC236}">
+                <a16:creationId xmlns:a16="http://schemas.microsoft.com/office/drawing/2014/main" id="{8EA5929A-2256-4A06-A01F-5D6258D50B65}"/>
+              </a:ext>
+            </a:extLst>
+          </p:cNvPr>
+          <p:cNvSpPr>
+            <a:spLocks noGrp="1"/>
+          </p:cNvSpPr>
+          <p:nvPr>
+            <p:ph idx="1"/>
+          </p:nvPr>
+        </p:nvSpPr>
+        <p:spPr/>
+        <p:txBody>
+          <a:bodyPr/>
+          <a:lstStyle/>
+          <a:p>
+            <a:r>
+              <a:rPr lang="en-US" dirty="0">
+                <a:hlinkClick r:id="rId2"/>
+              </a:rPr>
+              <a:t>https://jakevdp.github.io/PythonDataScienceHandbook/</a:t>
+            </a:r>
+            <a:endParaRPr lang="en-IL" dirty="0"/>
+          </a:p>
+        </p:txBody>
+      </p:sp>
+    </p:spTree>
+    <p:extLst>
+      <p:ext uri="{BB962C8B-B14F-4D97-AF65-F5344CB8AC3E}">
+        <p14:creationId xmlns:p14="http://schemas.microsoft.com/office/powerpoint/2010/main" val="3484932655"/>
+      </p:ext>
+    </p:extLst>
+  </p:cSld>
+  <p:clrMapOvr>
+    <a:masterClrMapping/>
+  </p:clrMapOvr>
+</p:sld>
+</file>
+
+<file path=ppt/slides/slide5.xml><?xml version="1.0" encoding="utf-8"?>
+<p:sld xmlns:a="http://schemas.openxmlformats.org/drawingml/2006/main" xmlns:r="http://schemas.openxmlformats.org/officeDocument/2006/relationships" xmlns:p="http://schemas.openxmlformats.org/presentationml/2006/main">
+  <p:cSld>
+    <p:spTree>
+      <p:nvGrpSpPr>
+        <p:cNvPr id="1" name=""/>
+        <p:cNvGrpSpPr/>
+        <p:nvPr/>
+      </p:nvGrpSpPr>
+      <p:grpSpPr>
+        <a:xfrm>
+          <a:off x="0" y="0"/>
+          <a:ext cx="0" cy="0"/>
+          <a:chOff x="0" y="0"/>
+          <a:chExt cx="0" cy="0"/>
+        </a:xfrm>
+      </p:grpSpPr>
+      <p:sp>
+        <p:nvSpPr>
+          <p:cNvPr id="2" name="Title 1">
+            <a:extLst>
+              <a:ext uri="{FF2B5EF4-FFF2-40B4-BE49-F238E27FC236}">
+                <a16:creationId xmlns:a16="http://schemas.microsoft.com/office/drawing/2014/main" id="{ADF6E335-99D9-4627-88FC-770F6194D070}"/>
+              </a:ext>
+            </a:extLst>
+          </p:cNvPr>
+          <p:cNvSpPr>
+            <a:spLocks noGrp="1"/>
+          </p:cNvSpPr>
+          <p:nvPr>
+            <p:ph type="title"/>
+          </p:nvPr>
+        </p:nvSpPr>
+        <p:spPr/>
+        <p:txBody>
+          <a:bodyPr/>
+          <a:lstStyle/>
+          <a:p>
+            <a:r>
+              <a:rPr lang="en-US" dirty="0"/>
+              <a:t>And your challenge is…</a:t>
+            </a:r>
+            <a:endParaRPr lang="en-IL" dirty="0"/>
+          </a:p>
+        </p:txBody>
+      </p:sp>
+      <p:sp>
+        <p:nvSpPr>
+          <p:cNvPr id="3" name="Content Placeholder 2">
+            <a:extLst>
+              <a:ext uri="{FF2B5EF4-FFF2-40B4-BE49-F238E27FC236}">
+                <a16:creationId xmlns:a16="http://schemas.microsoft.com/office/drawing/2014/main" id="{FFF41A1A-5880-417A-9414-DB67CAFA21C1}"/>
+              </a:ext>
+            </a:extLst>
+          </p:cNvPr>
+          <p:cNvSpPr>
+            <a:spLocks noGrp="1"/>
+          </p:cNvSpPr>
+          <p:nvPr>
+            <p:ph idx="1"/>
+          </p:nvPr>
+        </p:nvSpPr>
+        <p:spPr/>
+        <p:txBody>
+          <a:bodyPr/>
+          <a:lstStyle/>
+          <a:p>
+            <a:endParaRPr lang="en-IL" dirty="0"/>
+          </a:p>
+        </p:txBody>
+      </p:sp>
+    </p:spTree>
+    <p:extLst>
+      <p:ext uri="{BB962C8B-B14F-4D97-AF65-F5344CB8AC3E}">
+        <p14:creationId xmlns:p14="http://schemas.microsoft.com/office/powerpoint/2010/main" val="2797091275"/>
+      </p:ext>
+    </p:extLst>
+  </p:cSld>
+  <p:clrMapOvr>
+    <a:masterClrMapping/>
+  </p:clrMapOvr>
+</p:sld>
+</file>
+
+<file path=ppt/slides/slide6.xml><?xml version="1.0" encoding="utf-8"?>
 <p:sld xmlns:a="http://schemas.openxmlformats.org/drawingml/2006/main" xmlns:r="http://schemas.openxmlformats.org/officeDocument/2006/relationships" xmlns:p="http://schemas.openxmlformats.org/presentationml/2006/main">
   <p:cSld>
     <p:bg>
@@ -14434,9 +17255,43 @@
 </p:sld>
 </file>
 
-<file path=ppt/slides/slide5.xml><?xml version="1.0" encoding="utf-8"?>
+<file path=ppt/slides/slide7.xml><?xml version="1.0" encoding="utf-8"?>
 <p:sld xmlns:a="http://schemas.openxmlformats.org/drawingml/2006/main" xmlns:r="http://schemas.openxmlformats.org/officeDocument/2006/relationships" xmlns:p="http://schemas.openxmlformats.org/presentationml/2006/main">
   <p:cSld>
+    <p:bg>
+      <p:bgPr>
+        <a:gradFill>
+          <a:gsLst>
+            <a:gs pos="0">
+              <a:schemeClr val="accent1">
+                <a:lumMod val="5000"/>
+                <a:lumOff val="95000"/>
+              </a:schemeClr>
+            </a:gs>
+            <a:gs pos="21000">
+              <a:schemeClr val="accent1">
+                <a:lumMod val="45000"/>
+                <a:lumOff val="55000"/>
+              </a:schemeClr>
+            </a:gs>
+            <a:gs pos="25000">
+              <a:schemeClr val="accent6">
+                <a:lumMod val="60000"/>
+                <a:lumOff val="40000"/>
+              </a:schemeClr>
+            </a:gs>
+            <a:gs pos="100000">
+              <a:schemeClr val="accent1">
+                <a:lumMod val="30000"/>
+                <a:lumOff val="70000"/>
+              </a:schemeClr>
+            </a:gs>
+          </a:gsLst>
+          <a:lin ang="5400000" scaled="1"/>
+        </a:gradFill>
+        <a:effectLst/>
+      </p:bgPr>
+    </p:bg>
     <p:spTree>
       <p:nvGrpSpPr>
         <p:cNvPr id="1" name=""/>
@@ -14456,7 +17311,7 @@
           <p:cNvPr id="2" name="Title 1">
             <a:extLst>
               <a:ext uri="{FF2B5EF4-FFF2-40B4-BE49-F238E27FC236}">
-                <a16:creationId xmlns:a16="http://schemas.microsoft.com/office/drawing/2014/main" id="{5E113C1A-EE72-4FBC-91B9-F2A74424B389}"/>
+                <a16:creationId xmlns:a16="http://schemas.microsoft.com/office/drawing/2014/main" id="{DB123991-850E-40FA-B0B8-07B2A1FBA24E}"/>
               </a:ext>
             </a:extLst>
           </p:cNvPr>
@@ -14474,7 +17329,7 @@
           <a:p>
             <a:r>
               <a:rPr lang="en-US" dirty="0"/>
-              <a:t>Remote Development</a:t>
+              <a:t>Advanced topics</a:t>
             </a:r>
             <a:endParaRPr lang="en-IL" dirty="0"/>
           </a:p>
@@ -14485,7 +17340,7 @@
           <p:cNvPr id="3" name="Content Placeholder 2">
             <a:extLst>
               <a:ext uri="{FF2B5EF4-FFF2-40B4-BE49-F238E27FC236}">
-                <a16:creationId xmlns:a16="http://schemas.microsoft.com/office/drawing/2014/main" id="{3A89D64A-EF89-44E3-87D5-C9091B1F3D11}"/>
+                <a16:creationId xmlns:a16="http://schemas.microsoft.com/office/drawing/2014/main" id="{A3FE9E38-81A5-438F-B329-F3B8DF6CC4C8}"/>
               </a:ext>
             </a:extLst>
           </p:cNvPr>
@@ -14501,432 +17356,56 @@
           <a:bodyPr/>
           <a:lstStyle/>
           <a:p>
-            <a:r>
-              <a:rPr lang="en-US" dirty="0"/>
-              <a:t>In this workshop you can (but don’t have to) use remote development on a server. This means that the PC/Mac only shows the source code but all the hard CPU work of is done remotely.</a:t>
-            </a:r>
-          </a:p>
-          <a:p>
-            <a:r>
-              <a:rPr lang="en-US" dirty="0"/>
-              <a:t>Setting remote development: </a:t>
-            </a:r>
-            <a:r>
-              <a:rPr lang="en-US" sz="1800" dirty="0"/>
-              <a:t>(one way at least)</a:t>
-            </a:r>
-          </a:p>
-          <a:p>
-            <a:pPr lvl="1"/>
-            <a:r>
-              <a:rPr lang="en-US" dirty="0"/>
-              <a:t>You need to have PyCharm 2019.1 and later </a:t>
-            </a:r>
-            <a:r>
-              <a:rPr lang="en-US" b="1" dirty="0"/>
-              <a:t>Professional </a:t>
-            </a:r>
-            <a:r>
-              <a:rPr lang="en-US" dirty="0"/>
-              <a:t>edition</a:t>
-            </a:r>
-          </a:p>
-          <a:p>
-            <a:pPr lvl="1"/>
-            <a:r>
-              <a:rPr lang="en-US" dirty="0"/>
-              <a:t>Just follow the instructions on their site.</a:t>
-            </a:r>
-          </a:p>
-          <a:p>
-            <a:pPr lvl="2"/>
-            <a:r>
-              <a:rPr lang="en-US" dirty="0"/>
-              <a:t>First, make sure you can connect with SSH to the remote server</a:t>
-            </a:r>
-          </a:p>
-          <a:p>
-            <a:pPr lvl="2"/>
-            <a:endParaRPr lang="en-US" dirty="0"/>
-          </a:p>
-          <a:p>
-            <a:r>
-              <a:rPr lang="en-US" dirty="0"/>
-              <a:t>Connection details: username / password</a:t>
-            </a:r>
+            <a:pPr fontAlgn="base"/>
+            <a:r>
+              <a:rPr lang="en-US" dirty="0"/>
+              <a:t>Multi-threading and the GIL </a:t>
+            </a:r>
+          </a:p>
+          <a:p>
+            <a:pPr fontAlgn="base"/>
+            <a:r>
+              <a:rPr lang="en-US" dirty="0"/>
+              <a:t>Multiprocessing </a:t>
+            </a:r>
+          </a:p>
+          <a:p>
+            <a:pPr fontAlgn="base"/>
+            <a:r>
+              <a:rPr lang="en-US" dirty="0"/>
+              <a:t>Subprocess module</a:t>
+            </a:r>
+          </a:p>
+          <a:p>
+            <a:pPr fontAlgn="base"/>
+            <a:r>
+              <a:rPr lang="en-US" dirty="0"/>
+              <a:t>Generators and Iterator Protocol</a:t>
+            </a:r>
+          </a:p>
+          <a:p>
+            <a:pPr fontAlgn="base"/>
+            <a:r>
+              <a:rPr lang="en-US" dirty="0"/>
+              <a:t>Decorators (class and method based)</a:t>
+            </a:r>
+          </a:p>
+          <a:p>
+            <a:pPr fontAlgn="base"/>
+            <a:r>
+              <a:rPr lang="en-US" dirty="0"/>
+              <a:t>Comprehensions</a:t>
+            </a:r>
+          </a:p>
+          <a:p>
+            <a:endParaRPr lang="en-IL" dirty="0"/>
           </a:p>
         </p:txBody>
       </p:sp>
     </p:spTree>
     <p:extLst>
       <p:ext uri="{BB962C8B-B14F-4D97-AF65-F5344CB8AC3E}">
-        <p14:creationId xmlns:p14="http://schemas.microsoft.com/office/powerpoint/2010/main" val="313681494"/>
-      </p:ext>
-    </p:extLst>
-  </p:cSld>
-  <p:clrMapOvr>
-    <a:masterClrMapping/>
-  </p:clrMapOvr>
-</p:sld>
-</file>
-
-<file path=ppt/slides/slide6.xml><?xml version="1.0" encoding="utf-8"?>
-<p:sld xmlns:a="http://schemas.openxmlformats.org/drawingml/2006/main" xmlns:r="http://schemas.openxmlformats.org/officeDocument/2006/relationships" xmlns:p="http://schemas.openxmlformats.org/presentationml/2006/main">
-  <p:cSld>
-    <p:spTree>
-      <p:nvGrpSpPr>
-        <p:cNvPr id="1" name=""/>
-        <p:cNvGrpSpPr/>
-        <p:nvPr/>
-      </p:nvGrpSpPr>
-      <p:grpSpPr>
-        <a:xfrm>
-          <a:off x="0" y="0"/>
-          <a:ext cx="0" cy="0"/>
-          <a:chOff x="0" y="0"/>
-          <a:chExt cx="0" cy="0"/>
-        </a:xfrm>
-      </p:grpSpPr>
-      <p:sp>
-        <p:nvSpPr>
-          <p:cNvPr id="2" name="Title 1">
-            <a:extLst>
-              <a:ext uri="{FF2B5EF4-FFF2-40B4-BE49-F238E27FC236}">
-                <a16:creationId xmlns:a16="http://schemas.microsoft.com/office/drawing/2014/main" id="{CA7F15E5-ADF8-495C-8854-E59011260940}"/>
-              </a:ext>
-            </a:extLst>
-          </p:cNvPr>
-          <p:cNvSpPr>
-            <a:spLocks noGrp="1"/>
-          </p:cNvSpPr>
-          <p:nvPr>
-            <p:ph type="title"/>
-          </p:nvPr>
-        </p:nvSpPr>
-        <p:spPr/>
-        <p:txBody>
-          <a:bodyPr/>
-          <a:lstStyle/>
-          <a:p>
-            <a:r>
-              <a:rPr lang="en-US" dirty="0"/>
-              <a:t>Unit testing – why, how much</a:t>
-            </a:r>
-            <a:endParaRPr lang="en-IL" dirty="0"/>
-          </a:p>
-        </p:txBody>
-      </p:sp>
-      <p:sp>
-        <p:nvSpPr>
-          <p:cNvPr id="3" name="Content Placeholder 2">
-            <a:extLst>
-              <a:ext uri="{FF2B5EF4-FFF2-40B4-BE49-F238E27FC236}">
-                <a16:creationId xmlns:a16="http://schemas.microsoft.com/office/drawing/2014/main" id="{B55B5403-DD93-4705-8345-16E1D597F5BA}"/>
-              </a:ext>
-            </a:extLst>
-          </p:cNvPr>
-          <p:cNvSpPr>
-            <a:spLocks noGrp="1"/>
-          </p:cNvSpPr>
-          <p:nvPr>
-            <p:ph idx="1"/>
-          </p:nvPr>
-        </p:nvSpPr>
-        <p:spPr/>
-        <p:txBody>
-          <a:bodyPr>
-            <a:normAutofit lnSpcReduction="10000"/>
-          </a:bodyPr>
-          <a:lstStyle/>
-          <a:p>
-            <a:r>
-              <a:rPr lang="en-US" dirty="0"/>
-              <a:t>Without (unit) testing, only HALF of the code is run. This means that the other half (with error handling etc.) will be first  executed in the field.</a:t>
-            </a:r>
-          </a:p>
-          <a:p>
-            <a:r>
-              <a:rPr lang="en-US" dirty="0"/>
-              <a:t>Peace of mind – check for regression after changes (i.e. did you break existing code with the new change). Identify the important parts and test only them.</a:t>
-            </a:r>
-          </a:p>
-          <a:p>
-            <a:r>
-              <a:rPr lang="en-US" dirty="0"/>
-              <a:t>“unit” – small piece of code doing one functionality.</a:t>
-            </a:r>
-          </a:p>
-          <a:p>
-            <a:r>
-              <a:rPr lang="en-US" dirty="0"/>
-              <a:t>Can get complicated if the tested object has dependencies on other objects.</a:t>
-            </a:r>
-          </a:p>
-          <a:p>
-            <a:r>
-              <a:rPr lang="en-US" dirty="0">
-                <a:solidFill>
-                  <a:schemeClr val="accent6"/>
-                </a:solidFill>
-              </a:rPr>
-              <a:t>(demo </a:t>
-            </a:r>
-            <a:r>
-              <a:rPr lang="en-US" dirty="0" err="1">
-                <a:solidFill>
-                  <a:schemeClr val="accent6"/>
-                </a:solidFill>
-              </a:rPr>
-              <a:t>pycharm</a:t>
-            </a:r>
-            <a:r>
-              <a:rPr lang="en-US" dirty="0">
-                <a:solidFill>
-                  <a:schemeClr val="accent6"/>
-                </a:solidFill>
-              </a:rPr>
-              <a:t> project) </a:t>
-            </a:r>
-            <a:r>
-              <a:rPr lang="en-US" sz="1600" dirty="0">
-                <a:solidFill>
-                  <a:schemeClr val="accent6"/>
-                </a:solidFill>
-              </a:rPr>
-              <a:t>or screencast</a:t>
-            </a:r>
-            <a:endParaRPr lang="en-US" dirty="0">
-              <a:solidFill>
-                <a:schemeClr val="accent6"/>
-              </a:solidFill>
-            </a:endParaRPr>
-          </a:p>
-          <a:p>
-            <a:endParaRPr lang="en-IL" dirty="0"/>
-          </a:p>
-        </p:txBody>
-      </p:sp>
-    </p:spTree>
-    <p:extLst>
-      <p:ext uri="{BB962C8B-B14F-4D97-AF65-F5344CB8AC3E}">
-        <p14:creationId xmlns:p14="http://schemas.microsoft.com/office/powerpoint/2010/main" val="3257095957"/>
-      </p:ext>
-    </p:extLst>
-  </p:cSld>
-  <p:clrMapOvr>
-    <a:masterClrMapping/>
-  </p:clrMapOvr>
-</p:sld>
-</file>
-
-<file path=ppt/slides/slide7.xml><?xml version="1.0" encoding="utf-8"?>
-<p:sld xmlns:a="http://schemas.openxmlformats.org/drawingml/2006/main" xmlns:r="http://schemas.openxmlformats.org/officeDocument/2006/relationships" xmlns:p="http://schemas.openxmlformats.org/presentationml/2006/main">
-  <p:cSld>
-    <p:spTree>
-      <p:nvGrpSpPr>
-        <p:cNvPr id="1" name=""/>
-        <p:cNvGrpSpPr/>
-        <p:nvPr/>
-      </p:nvGrpSpPr>
-      <p:grpSpPr>
-        <a:xfrm>
-          <a:off x="0" y="0"/>
-          <a:ext cx="0" cy="0"/>
-          <a:chOff x="0" y="0"/>
-          <a:chExt cx="0" cy="0"/>
-        </a:xfrm>
-      </p:grpSpPr>
-      <p:sp>
-        <p:nvSpPr>
-          <p:cNvPr id="2" name="Title 1">
-            <a:extLst>
-              <a:ext uri="{FF2B5EF4-FFF2-40B4-BE49-F238E27FC236}">
-                <a16:creationId xmlns:a16="http://schemas.microsoft.com/office/drawing/2014/main" id="{2F0BD027-A483-4275-821C-37778F1FED31}"/>
-              </a:ext>
-            </a:extLst>
-          </p:cNvPr>
-          <p:cNvSpPr>
-            <a:spLocks noGrp="1"/>
-          </p:cNvSpPr>
-          <p:nvPr>
-            <p:ph type="title"/>
-          </p:nvPr>
-        </p:nvSpPr>
-        <p:spPr/>
-        <p:txBody>
-          <a:bodyPr/>
-          <a:lstStyle/>
-          <a:p>
-            <a:r>
-              <a:rPr lang="en-US" dirty="0"/>
-              <a:t>Memory management</a:t>
-            </a:r>
-            <a:endParaRPr lang="en-IL" dirty="0"/>
-          </a:p>
-        </p:txBody>
-      </p:sp>
-      <p:sp>
-        <p:nvSpPr>
-          <p:cNvPr id="3" name="Content Placeholder 2">
-            <a:extLst>
-              <a:ext uri="{FF2B5EF4-FFF2-40B4-BE49-F238E27FC236}">
-                <a16:creationId xmlns:a16="http://schemas.microsoft.com/office/drawing/2014/main" id="{38358AA7-483B-4422-A2BF-9FA41DB3A914}"/>
-              </a:ext>
-            </a:extLst>
-          </p:cNvPr>
-          <p:cNvSpPr>
-            <a:spLocks noGrp="1"/>
-          </p:cNvSpPr>
-          <p:nvPr>
-            <p:ph idx="1"/>
-          </p:nvPr>
-        </p:nvSpPr>
-        <p:spPr>
-          <a:xfrm>
-            <a:off x="838200" y="1825625"/>
-            <a:ext cx="10515600" cy="4351338"/>
-          </a:xfrm>
-        </p:spPr>
-        <p:txBody>
-          <a:bodyPr/>
-          <a:lstStyle/>
-          <a:p>
-            <a:r>
-              <a:rPr lang="en-US" dirty="0"/>
-              <a:t>Automatic Garbage Collection using reference counting (+magic)</a:t>
-            </a:r>
-          </a:p>
-          <a:p>
-            <a:pPr marL="0" indent="0">
-              <a:buNone/>
-            </a:pPr>
-            <a:r>
-              <a:rPr lang="en-US" sz="1800" dirty="0">
-                <a:latin typeface="Courier New" panose="02070309020205020404" pitchFamily="49" charset="0"/>
-                <a:cs typeface="Courier New" panose="02070309020205020404" pitchFamily="49" charset="0"/>
-              </a:rPr>
-              <a:t>numbers = [1, 2, 3]</a:t>
-            </a:r>
-          </a:p>
-          <a:p>
-            <a:pPr marL="0" indent="0">
-              <a:buNone/>
-            </a:pPr>
-            <a:r>
-              <a:rPr lang="en-US" sz="1800" dirty="0">
-                <a:latin typeface="Courier New" panose="02070309020205020404" pitchFamily="49" charset="0"/>
-                <a:cs typeface="Courier New" panose="02070309020205020404" pitchFamily="49" charset="0"/>
-              </a:rPr>
-              <a:t># Reference count = 1</a:t>
-            </a:r>
-          </a:p>
-          <a:p>
-            <a:pPr marL="0" indent="0">
-              <a:buNone/>
-            </a:pPr>
-            <a:r>
-              <a:rPr lang="en-US" sz="1800" dirty="0" err="1">
-                <a:latin typeface="Courier New" panose="02070309020205020404" pitchFamily="49" charset="0"/>
-                <a:cs typeface="Courier New" panose="02070309020205020404" pitchFamily="49" charset="0"/>
-              </a:rPr>
-              <a:t>more_numbers</a:t>
-            </a:r>
-            <a:r>
-              <a:rPr lang="en-US" sz="1800" dirty="0">
-                <a:latin typeface="Courier New" panose="02070309020205020404" pitchFamily="49" charset="0"/>
-                <a:cs typeface="Courier New" panose="02070309020205020404" pitchFamily="49" charset="0"/>
-              </a:rPr>
-              <a:t> = numbers</a:t>
-            </a:r>
-          </a:p>
-          <a:p>
-            <a:pPr marL="0" indent="0">
-              <a:buNone/>
-            </a:pPr>
-            <a:r>
-              <a:rPr lang="en-US" sz="1800" dirty="0">
-                <a:latin typeface="Courier New" panose="02070309020205020404" pitchFamily="49" charset="0"/>
-                <a:cs typeface="Courier New" panose="02070309020205020404" pitchFamily="49" charset="0"/>
-              </a:rPr>
-              <a:t># Reference count = 2</a:t>
-            </a:r>
-          </a:p>
-          <a:p>
-            <a:pPr marL="0" indent="0">
-              <a:buNone/>
-            </a:pPr>
-            <a:r>
-              <a:rPr lang="en-US" sz="1800" b="1" dirty="0" err="1">
-                <a:latin typeface="Courier New" panose="02070309020205020404" pitchFamily="49" charset="0"/>
-                <a:cs typeface="Courier New" panose="02070309020205020404" pitchFamily="49" charset="0"/>
-              </a:rPr>
-              <a:t>sys.getrefcount</a:t>
-            </a:r>
-            <a:r>
-              <a:rPr lang="en-US" sz="1800" b="1" dirty="0">
-                <a:latin typeface="Courier New" panose="02070309020205020404" pitchFamily="49" charset="0"/>
-                <a:cs typeface="Courier New" panose="02070309020205020404" pitchFamily="49" charset="0"/>
-              </a:rPr>
-              <a:t>(numbers)</a:t>
-            </a:r>
-          </a:p>
-          <a:p>
-            <a:pPr marL="0" indent="0">
-              <a:buNone/>
-            </a:pPr>
-            <a:endParaRPr lang="en-US" sz="1800" b="1" dirty="0">
-              <a:latin typeface="Courier New" panose="02070309020205020404" pitchFamily="49" charset="0"/>
-              <a:cs typeface="Courier New" panose="02070309020205020404" pitchFamily="49" charset="0"/>
-            </a:endParaRPr>
-          </a:p>
-          <a:p>
-            <a:pPr marL="0" indent="0">
-              <a:buNone/>
-            </a:pPr>
-            <a:r>
-              <a:rPr lang="en-US" dirty="0"/>
-              <a:t>Where is the data stored?</a:t>
-            </a:r>
-          </a:p>
-          <a:p>
-            <a:pPr marL="0" indent="0">
-              <a:buNone/>
-            </a:pPr>
-            <a:r>
-              <a:rPr lang="en-US" dirty="0">
-                <a:sym typeface="Wingdings" panose="05000000000000000000" pitchFamily="2" charset="2"/>
-              </a:rPr>
-              <a:t> Implementation dependent. In </a:t>
-            </a:r>
-            <a:r>
-              <a:rPr lang="en-US" dirty="0" err="1">
-                <a:sym typeface="Wingdings" panose="05000000000000000000" pitchFamily="2" charset="2"/>
-              </a:rPr>
-              <a:t>Cpython</a:t>
-            </a:r>
-            <a:r>
-              <a:rPr lang="en-US" dirty="0">
-                <a:sym typeface="Wingdings" panose="05000000000000000000" pitchFamily="2" charset="2"/>
-              </a:rPr>
-              <a:t>, all objects are stored in the heap, and the stack has reference to them.</a:t>
-            </a:r>
-            <a:endParaRPr lang="en-US" dirty="0"/>
-          </a:p>
-          <a:p>
-            <a:pPr marL="0" indent="0">
-              <a:buNone/>
-            </a:pPr>
-            <a:endParaRPr lang="en-IL" sz="1800" b="1" dirty="0">
-              <a:latin typeface="Courier New" panose="02070309020205020404" pitchFamily="49" charset="0"/>
-              <a:cs typeface="Courier New" panose="02070309020205020404" pitchFamily="49" charset="0"/>
-            </a:endParaRPr>
-          </a:p>
-        </p:txBody>
-      </p:sp>
-    </p:spTree>
-    <p:extLst>
-      <p:ext uri="{BB962C8B-B14F-4D97-AF65-F5344CB8AC3E}">
-        <p14:creationId xmlns:p14="http://schemas.microsoft.com/office/powerpoint/2010/main" val="761173015"/>
+        <p14:creationId xmlns:p14="http://schemas.microsoft.com/office/powerpoint/2010/main" val="3610397565"/>
       </p:ext>
     </p:extLst>
   </p:cSld>
@@ -14958,7 +17437,7 @@
           <p:cNvPr id="2" name="Title 1">
             <a:extLst>
               <a:ext uri="{FF2B5EF4-FFF2-40B4-BE49-F238E27FC236}">
-                <a16:creationId xmlns:a16="http://schemas.microsoft.com/office/drawing/2014/main" id="{D0C41DE6-471C-4243-9E3F-ADD72860E634}"/>
+                <a16:creationId xmlns:a16="http://schemas.microsoft.com/office/drawing/2014/main" id="{CA7F15E5-ADF8-495C-8854-E59011260940}"/>
               </a:ext>
             </a:extLst>
           </p:cNvPr>
@@ -14976,7 +17455,7 @@
           <a:p>
             <a:r>
               <a:rPr lang="en-US" dirty="0"/>
-              <a:t>Parameter passing: by value or by reference?</a:t>
+              <a:t>Unit testing – why, how much</a:t>
             </a:r>
             <a:endParaRPr lang="en-IL" dirty="0"/>
           </a:p>
@@ -14987,7 +17466,7 @@
           <p:cNvPr id="3" name="Content Placeholder 2">
             <a:extLst>
               <a:ext uri="{FF2B5EF4-FFF2-40B4-BE49-F238E27FC236}">
-                <a16:creationId xmlns:a16="http://schemas.microsoft.com/office/drawing/2014/main" id="{D3E4F991-62DF-4F34-BC9A-2F0E89A2FFB6}"/>
+                <a16:creationId xmlns:a16="http://schemas.microsoft.com/office/drawing/2014/main" id="{B55B5403-DD93-4705-8345-16E1D597F5BA}"/>
               </a:ext>
             </a:extLst>
           </p:cNvPr>
@@ -15000,102 +17479,82 @@
         </p:nvSpPr>
         <p:spPr/>
         <p:txBody>
-          <a:bodyPr/>
-          <a:lstStyle/>
-          <a:p>
-            <a:r>
-              <a:rPr lang="en-US" dirty="0"/>
-              <a:t>Neither!</a:t>
-            </a:r>
-          </a:p>
-          <a:p>
-            <a:r>
-              <a:rPr lang="en-US" dirty="0"/>
-              <a:t>“call by object reference” / call by name</a:t>
-            </a:r>
-          </a:p>
-          <a:p>
-            <a:r>
-              <a:rPr lang="en-US" dirty="0"/>
-              <a:t>Can be thought as:</a:t>
-            </a:r>
-          </a:p>
-          <a:p>
-            <a:pPr lvl="1"/>
-            <a:r>
-              <a:rPr lang="en-US" dirty="0"/>
-              <a:t>Mutable -&gt; call by reference</a:t>
-            </a:r>
-          </a:p>
-          <a:p>
-            <a:pPr lvl="1"/>
-            <a:r>
-              <a:rPr lang="en-US" dirty="0" err="1"/>
-              <a:t>Imutable</a:t>
-            </a:r>
-            <a:r>
-              <a:rPr lang="en-US" dirty="0"/>
-              <a:t> -&gt; call by value</a:t>
-            </a:r>
-          </a:p>
-          <a:p>
-            <a:pPr lvl="1"/>
-            <a:endParaRPr lang="en-US" dirty="0"/>
-          </a:p>
-          <a:p>
-            <a:r>
-              <a:rPr lang="en-US" dirty="0"/>
-              <a:t> </a:t>
-            </a:r>
-            <a:endParaRPr lang="en-IL" dirty="0">
+          <a:bodyPr>
+            <a:normAutofit lnSpcReduction="10000"/>
+          </a:bodyPr>
+          <a:lstStyle/>
+          <a:p>
+            <a:r>
+              <a:rPr lang="en-US" dirty="0"/>
+              <a:t>Without (unit) testing, only HALF of the code is run. This means that the other half (with error handling etc.) will be first  executed in the field.</a:t>
+            </a:r>
+          </a:p>
+          <a:p>
+            <a:r>
+              <a:rPr lang="en-US" dirty="0"/>
+              <a:t>Peace of mind – check for regression after changes (i.e. did you break existing code with the new change). Identify the important parts and test only them.</a:t>
+            </a:r>
+          </a:p>
+          <a:p>
+            <a:r>
+              <a:rPr lang="en-US" dirty="0"/>
+              <a:t>“unit” – small piece of code doing one functionality.</a:t>
+            </a:r>
+          </a:p>
+          <a:p>
+            <a:r>
+              <a:rPr lang="en-US" dirty="0"/>
+              <a:t>Can get complicated if the tested object has dependencies on other objects.</a:t>
+            </a:r>
+          </a:p>
+          <a:p>
+            <a:r>
+              <a:rPr lang="en-US" dirty="0">
+                <a:solidFill>
+                  <a:schemeClr val="accent6"/>
+                </a:solidFill>
+              </a:rPr>
+              <a:t>(demo </a:t>
+            </a:r>
+            <a:r>
+              <a:rPr lang="en-US" dirty="0" err="1">
+                <a:solidFill>
+                  <a:schemeClr val="accent6"/>
+                </a:solidFill>
+              </a:rPr>
+              <a:t>pycharm</a:t>
+            </a:r>
+            <a:r>
+              <a:rPr lang="en-US" dirty="0">
+                <a:solidFill>
+                  <a:schemeClr val="accent6"/>
+                </a:solidFill>
+              </a:rPr>
+              <a:t> project) </a:t>
+            </a:r>
+            <a:r>
+              <a:rPr lang="en-US" sz="1600" dirty="0">
+                <a:solidFill>
+                  <a:schemeClr val="accent6"/>
+                </a:solidFill>
+              </a:rPr>
+              <a:t>or screencast</a:t>
+            </a:r>
+            <a:endParaRPr lang="en-US" dirty="0">
               <a:solidFill>
                 <a:schemeClr val="accent6"/>
               </a:solidFill>
             </a:endParaRPr>
           </a:p>
-        </p:txBody>
-      </p:sp>
-      <p:pic>
-        <p:nvPicPr>
-          <p:cNvPr id="4" name="Picture 3">
-            <a:hlinkClick r:id="rId3"/>
-            <a:extLst>
-              <a:ext uri="{FF2B5EF4-FFF2-40B4-BE49-F238E27FC236}">
-                <a16:creationId xmlns:a16="http://schemas.microsoft.com/office/drawing/2014/main" id="{17AB777E-6033-4E1B-B714-2ADE50F601FA}"/>
-              </a:ext>
-            </a:extLst>
-          </p:cNvPr>
-          <p:cNvPicPr>
-            <a:picLocks noChangeAspect="1"/>
-          </p:cNvPicPr>
-          <p:nvPr/>
-        </p:nvPicPr>
-        <p:blipFill>
-          <a:blip r:embed="rId4">
-            <a:extLst>
-              <a:ext uri="{28A0092B-C50C-407E-A947-70E740481C1C}">
-                <a14:useLocalDpi xmlns:a14="http://schemas.microsoft.com/office/drawing/2010/main" val="0"/>
-              </a:ext>
-            </a:extLst>
-          </a:blip>
-          <a:stretch>
-            <a:fillRect/>
-          </a:stretch>
-        </p:blipFill>
-        <p:spPr>
-          <a:xfrm>
-            <a:off x="1397001" y="4416955"/>
-            <a:ext cx="584200" cy="584200"/>
-          </a:xfrm>
-          <a:prstGeom prst="rect">
-            <a:avLst/>
-          </a:prstGeom>
-        </p:spPr>
-      </p:pic>
+          <a:p>
+            <a:endParaRPr lang="en-IL" dirty="0"/>
+          </a:p>
+        </p:txBody>
+      </p:sp>
     </p:spTree>
     <p:extLst>
       <p:ext uri="{BB962C8B-B14F-4D97-AF65-F5344CB8AC3E}">
-        <p14:creationId xmlns:p14="http://schemas.microsoft.com/office/powerpoint/2010/main" val="839467194"/>
+        <p14:creationId xmlns:p14="http://schemas.microsoft.com/office/powerpoint/2010/main" val="3257095957"/>
       </p:ext>
     </p:extLst>
   </p:cSld>
@@ -15127,7 +17586,7 @@
           <p:cNvPr id="2" name="Title 1">
             <a:extLst>
               <a:ext uri="{FF2B5EF4-FFF2-40B4-BE49-F238E27FC236}">
-                <a16:creationId xmlns:a16="http://schemas.microsoft.com/office/drawing/2014/main" id="{1A439D6D-1859-47CF-9408-11ECF197BBB4}"/>
+                <a16:creationId xmlns:a16="http://schemas.microsoft.com/office/drawing/2014/main" id="{2F0BD027-A483-4275-821C-37778F1FED31}"/>
               </a:ext>
             </a:extLst>
           </p:cNvPr>
@@ -15145,19 +17604,7 @@
           <a:p>
             <a:r>
               <a:rPr lang="en-US" dirty="0"/>
-              <a:t>Argument passing  *</a:t>
-            </a:r>
-            <a:r>
-              <a:rPr lang="en-US" dirty="0" err="1"/>
-              <a:t>args</a:t>
-            </a:r>
-            <a:r>
-              <a:rPr lang="en-US" dirty="0"/>
-              <a:t>, **</a:t>
-            </a:r>
-            <a:r>
-              <a:rPr lang="en-US" dirty="0" err="1"/>
-              <a:t>kwargs</a:t>
+              <a:t>Memory management</a:t>
             </a:r>
             <a:endParaRPr lang="en-IL" dirty="0"/>
           </a:p>
@@ -15168,7 +17615,7 @@
           <p:cNvPr id="3" name="Content Placeholder 2">
             <a:extLst>
               <a:ext uri="{FF2B5EF4-FFF2-40B4-BE49-F238E27FC236}">
-                <a16:creationId xmlns:a16="http://schemas.microsoft.com/office/drawing/2014/main" id="{548D5555-4844-470F-A7D7-872270BB4C70}"/>
+                <a16:creationId xmlns:a16="http://schemas.microsoft.com/office/drawing/2014/main" id="{38358AA7-483B-4422-A2BF-9FA41DB3A914}"/>
               </a:ext>
             </a:extLst>
           </p:cNvPr>
@@ -15179,19 +17626,31 @@
             <p:ph idx="1"/>
           </p:nvPr>
         </p:nvSpPr>
-        <p:spPr/>
-        <p:txBody>
-          <a:bodyPr>
-            <a:normAutofit/>
-          </a:bodyPr>
-          <a:lstStyle/>
+        <p:spPr>
+          <a:xfrm>
+            <a:off x="838200" y="1825625"/>
+            <a:ext cx="10515600" cy="4351338"/>
+          </a:xfrm>
+        </p:spPr>
+        <p:txBody>
+          <a:bodyPr/>
+          <a:lstStyle/>
+          <a:p>
+            <a:r>
+              <a:rPr lang="en-US" dirty="0"/>
+              <a:t>Automatic Garbage Collection using reference counting (+magic)</a:t>
+            </a:r>
+          </a:p>
           <a:p>
             <a:pPr marL="0" indent="0">
               <a:buNone/>
             </a:pPr>
             <a:r>
-              <a:rPr lang="en-US" dirty="0"/>
-              <a:t>Passing variable number of arguments</a:t>
+              <a:rPr lang="en-US" sz="1800" dirty="0">
+                <a:latin typeface="Courier New" panose="02070309020205020404" pitchFamily="49" charset="0"/>
+                <a:cs typeface="Courier New" panose="02070309020205020404" pitchFamily="49" charset="0"/>
+              </a:rPr>
+              <a:t>numbers = [1, 2, 3]</a:t>
             </a:r>
           </a:p>
           <a:p>
@@ -15199,23 +17658,68 @@
               <a:buNone/>
             </a:pPr>
             <a:r>
-              <a:rPr lang="en-US" sz="1200" dirty="0">
-                <a:latin typeface="Courier New" panose="02070309020205020404" pitchFamily="49" charset="0"/>
-                <a:cs typeface="Courier New" panose="02070309020205020404" pitchFamily="49" charset="0"/>
-              </a:rPr>
-              <a:t># Python program to illustrate  (</a:t>
-            </a:r>
-            <a:r>
-              <a:rPr lang="en-US" sz="1200" dirty="0">
-                <a:hlinkClick r:id="rId2"/>
-              </a:rPr>
-              <a:t>https://www.geeksforgeeks.org/args-kwargs-python/</a:t>
-            </a:r>
-            <a:r>
-              <a:rPr lang="en-US" sz="1200" dirty="0"/>
-              <a:t>)</a:t>
-            </a:r>
-            <a:endParaRPr lang="en-US" sz="1200" dirty="0">
+              <a:rPr lang="en-US" sz="1800" dirty="0">
+                <a:latin typeface="Courier New" panose="02070309020205020404" pitchFamily="49" charset="0"/>
+                <a:cs typeface="Courier New" panose="02070309020205020404" pitchFamily="49" charset="0"/>
+              </a:rPr>
+              <a:t># Reference count = 1</a:t>
+            </a:r>
+          </a:p>
+          <a:p>
+            <a:pPr marL="0" indent="0">
+              <a:buNone/>
+            </a:pPr>
+            <a:r>
+              <a:rPr lang="en-US" sz="1800" dirty="0" err="1">
+                <a:latin typeface="Courier New" panose="02070309020205020404" pitchFamily="49" charset="0"/>
+                <a:cs typeface="Courier New" panose="02070309020205020404" pitchFamily="49" charset="0"/>
+              </a:rPr>
+              <a:t>more_numbers</a:t>
+            </a:r>
+            <a:r>
+              <a:rPr lang="en-US" sz="1800" dirty="0">
+                <a:latin typeface="Courier New" panose="02070309020205020404" pitchFamily="49" charset="0"/>
+                <a:cs typeface="Courier New" panose="02070309020205020404" pitchFamily="49" charset="0"/>
+              </a:rPr>
+              <a:t> = numbers</a:t>
+            </a:r>
+          </a:p>
+          <a:p>
+            <a:pPr marL="0" indent="0">
+              <a:buNone/>
+            </a:pPr>
+            <a:r>
+              <a:rPr lang="en-US" sz="1800" dirty="0">
+                <a:latin typeface="Courier New" panose="02070309020205020404" pitchFamily="49" charset="0"/>
+                <a:cs typeface="Courier New" panose="02070309020205020404" pitchFamily="49" charset="0"/>
+              </a:rPr>
+              <a:t># Reference count = 2</a:t>
+            </a:r>
+          </a:p>
+          <a:p>
+            <a:pPr marL="0" indent="0">
+              <a:buNone/>
+            </a:pPr>
+            <a:r>
+              <a:rPr lang="en-US" sz="1800" b="1" dirty="0" err="1">
+                <a:latin typeface="Courier New" panose="02070309020205020404" pitchFamily="49" charset="0"/>
+                <a:cs typeface="Courier New" panose="02070309020205020404" pitchFamily="49" charset="0"/>
+              </a:rPr>
+              <a:t>sys.getrefcount</a:t>
+            </a:r>
+            <a:r>
+              <a:rPr lang="en-US" sz="1800" b="1" dirty="0">
+                <a:latin typeface="Courier New" panose="02070309020205020404" pitchFamily="49" charset="0"/>
+                <a:cs typeface="Courier New" panose="02070309020205020404" pitchFamily="49" charset="0"/>
+              </a:rPr>
+              <a:t>(numbers)</a:t>
+            </a:r>
+          </a:p>
+          <a:p>
+            <a:pPr marL="0" indent="0">
+              <a:buNone/>
+            </a:pPr>
+            <a:endParaRPr lang="en-US" sz="1800" b="1" dirty="0">
               <a:latin typeface="Courier New" panose="02070309020205020404" pitchFamily="49" charset="0"/>
               <a:cs typeface="Courier New" panose="02070309020205020404" pitchFamily="49" charset="0"/>
             </a:endParaRPr>
@@ -15225,25 +17729,8 @@
               <a:buNone/>
             </a:pPr>
             <a:r>
-              <a:rPr lang="en-US" sz="1200" dirty="0">
-                <a:latin typeface="Courier New" panose="02070309020205020404" pitchFamily="49" charset="0"/>
-                <a:cs typeface="Courier New" panose="02070309020205020404" pitchFamily="49" charset="0"/>
-              </a:rPr>
-              <a:t># *</a:t>
-            </a:r>
-            <a:r>
-              <a:rPr lang="en-US" sz="1200" dirty="0" err="1">
-                <a:latin typeface="Courier New" panose="02070309020205020404" pitchFamily="49" charset="0"/>
-                <a:cs typeface="Courier New" panose="02070309020205020404" pitchFamily="49" charset="0"/>
-              </a:rPr>
-              <a:t>args</a:t>
-            </a:r>
-            <a:r>
-              <a:rPr lang="en-US" sz="1200" dirty="0">
-                <a:latin typeface="Courier New" panose="02070309020205020404" pitchFamily="49" charset="0"/>
-                <a:cs typeface="Courier New" panose="02070309020205020404" pitchFamily="49" charset="0"/>
-              </a:rPr>
-              <a:t> with first extra argument </a:t>
+              <a:rPr lang="en-US" dirty="0"/>
+              <a:t>Where is the data stored?</a:t>
             </a:r>
           </a:p>
           <a:p>
@@ -15251,294 +17738,40 @@
               <a:buNone/>
             </a:pPr>
             <a:r>
-              <a:rPr lang="en-US" sz="1200" dirty="0">
-                <a:latin typeface="Courier New" panose="02070309020205020404" pitchFamily="49" charset="0"/>
-                <a:cs typeface="Courier New" panose="02070309020205020404" pitchFamily="49" charset="0"/>
-              </a:rPr>
-              <a:t>def </a:t>
-            </a:r>
-            <a:r>
-              <a:rPr lang="en-US" sz="1200" dirty="0" err="1">
-                <a:latin typeface="Courier New" panose="02070309020205020404" pitchFamily="49" charset="0"/>
-                <a:cs typeface="Courier New" panose="02070309020205020404" pitchFamily="49" charset="0"/>
-              </a:rPr>
-              <a:t>myFun</a:t>
-            </a:r>
-            <a:r>
-              <a:rPr lang="en-US" sz="1200" dirty="0">
-                <a:latin typeface="Courier New" panose="02070309020205020404" pitchFamily="49" charset="0"/>
-                <a:cs typeface="Courier New" panose="02070309020205020404" pitchFamily="49" charset="0"/>
-              </a:rPr>
-              <a:t>(arg1, </a:t>
-            </a:r>
-            <a:r>
-              <a:rPr lang="en-US" sz="1400" b="1" dirty="0">
-                <a:latin typeface="Courier New" panose="02070309020205020404" pitchFamily="49" charset="0"/>
-                <a:cs typeface="Courier New" panose="02070309020205020404" pitchFamily="49" charset="0"/>
-              </a:rPr>
-              <a:t>*</a:t>
-            </a:r>
-            <a:r>
-              <a:rPr lang="en-US" sz="1400" b="1" dirty="0" err="1">
-                <a:latin typeface="Courier New" panose="02070309020205020404" pitchFamily="49" charset="0"/>
-                <a:cs typeface="Courier New" panose="02070309020205020404" pitchFamily="49" charset="0"/>
-              </a:rPr>
-              <a:t>argv</a:t>
-            </a:r>
-            <a:r>
-              <a:rPr lang="en-US" sz="1200" dirty="0">
-                <a:latin typeface="Courier New" panose="02070309020205020404" pitchFamily="49" charset="0"/>
-                <a:cs typeface="Courier New" panose="02070309020205020404" pitchFamily="49" charset="0"/>
-              </a:rPr>
-              <a:t>): </a:t>
-            </a:r>
+              <a:rPr lang="en-US" dirty="0">
+                <a:sym typeface="Wingdings" panose="05000000000000000000" pitchFamily="2" charset="2"/>
+              </a:rPr>
+              <a:t> Implementation dependent. In </a:t>
+            </a:r>
+            <a:r>
+              <a:rPr lang="en-US" dirty="0" err="1">
+                <a:sym typeface="Wingdings" panose="05000000000000000000" pitchFamily="2" charset="2"/>
+              </a:rPr>
+              <a:t>Cpython</a:t>
+            </a:r>
+            <a:r>
+              <a:rPr lang="en-US" dirty="0">
+                <a:sym typeface="Wingdings" panose="05000000000000000000" pitchFamily="2" charset="2"/>
+              </a:rPr>
+              <a:t>, all objects are stored in the heap, and the stack has reference to them.</a:t>
+            </a:r>
+            <a:endParaRPr lang="en-US" dirty="0"/>
           </a:p>
           <a:p>
             <a:pPr marL="0" indent="0">
               <a:buNone/>
             </a:pPr>
-            <a:r>
-              <a:rPr lang="en-US" sz="1200" dirty="0">
-                <a:latin typeface="Courier New" panose="02070309020205020404" pitchFamily="49" charset="0"/>
-                <a:cs typeface="Courier New" panose="02070309020205020404" pitchFamily="49" charset="0"/>
-              </a:rPr>
-              <a:t>	print ("First argument :", arg1) </a:t>
-            </a:r>
-          </a:p>
-          <a:p>
-            <a:pPr marL="0" indent="0">
-              <a:buNone/>
-            </a:pPr>
-            <a:r>
-              <a:rPr lang="en-US" sz="1200" dirty="0">
-                <a:latin typeface="Courier New" panose="02070309020205020404" pitchFamily="49" charset="0"/>
-                <a:cs typeface="Courier New" panose="02070309020205020404" pitchFamily="49" charset="0"/>
-              </a:rPr>
-              <a:t>	for </a:t>
-            </a:r>
-            <a:r>
-              <a:rPr lang="en-US" sz="1200" dirty="0" err="1">
-                <a:latin typeface="Courier New" panose="02070309020205020404" pitchFamily="49" charset="0"/>
-                <a:cs typeface="Courier New" panose="02070309020205020404" pitchFamily="49" charset="0"/>
-              </a:rPr>
-              <a:t>arg</a:t>
-            </a:r>
-            <a:r>
-              <a:rPr lang="en-US" sz="1200" dirty="0">
-                <a:latin typeface="Courier New" panose="02070309020205020404" pitchFamily="49" charset="0"/>
-                <a:cs typeface="Courier New" panose="02070309020205020404" pitchFamily="49" charset="0"/>
-              </a:rPr>
-              <a:t> in </a:t>
-            </a:r>
-            <a:r>
-              <a:rPr lang="en-US" sz="1200" dirty="0" err="1">
-                <a:latin typeface="Courier New" panose="02070309020205020404" pitchFamily="49" charset="0"/>
-                <a:cs typeface="Courier New" panose="02070309020205020404" pitchFamily="49" charset="0"/>
-              </a:rPr>
-              <a:t>argv</a:t>
-            </a:r>
-            <a:r>
-              <a:rPr lang="en-US" sz="1200" dirty="0">
-                <a:latin typeface="Courier New" panose="02070309020205020404" pitchFamily="49" charset="0"/>
-                <a:cs typeface="Courier New" panose="02070309020205020404" pitchFamily="49" charset="0"/>
-              </a:rPr>
-              <a:t>: </a:t>
-            </a:r>
-          </a:p>
-          <a:p>
-            <a:pPr marL="0" indent="0">
-              <a:buNone/>
-            </a:pPr>
-            <a:r>
-              <a:rPr lang="en-US" sz="1200" dirty="0">
-                <a:latin typeface="Courier New" panose="02070309020205020404" pitchFamily="49" charset="0"/>
-                <a:cs typeface="Courier New" panose="02070309020205020404" pitchFamily="49" charset="0"/>
-              </a:rPr>
-              <a:t>		print("Next argument through *</a:t>
-            </a:r>
-            <a:r>
-              <a:rPr lang="en-US" sz="1200" dirty="0" err="1">
-                <a:latin typeface="Courier New" panose="02070309020205020404" pitchFamily="49" charset="0"/>
-                <a:cs typeface="Courier New" panose="02070309020205020404" pitchFamily="49" charset="0"/>
-              </a:rPr>
-              <a:t>argv</a:t>
-            </a:r>
-            <a:r>
-              <a:rPr lang="en-US" sz="1200" dirty="0">
-                <a:latin typeface="Courier New" panose="02070309020205020404" pitchFamily="49" charset="0"/>
-                <a:cs typeface="Courier New" panose="02070309020205020404" pitchFamily="49" charset="0"/>
-              </a:rPr>
-              <a:t> :", </a:t>
-            </a:r>
-            <a:r>
-              <a:rPr lang="en-US" sz="1200" dirty="0" err="1">
-                <a:latin typeface="Courier New" panose="02070309020205020404" pitchFamily="49" charset="0"/>
-                <a:cs typeface="Courier New" panose="02070309020205020404" pitchFamily="49" charset="0"/>
-              </a:rPr>
-              <a:t>arg</a:t>
-            </a:r>
-            <a:r>
-              <a:rPr lang="en-US" sz="1200" dirty="0">
-                <a:latin typeface="Courier New" panose="02070309020205020404" pitchFamily="49" charset="0"/>
-                <a:cs typeface="Courier New" panose="02070309020205020404" pitchFamily="49" charset="0"/>
-              </a:rPr>
-              <a:t>) </a:t>
-            </a:r>
-          </a:p>
-          <a:p>
-            <a:pPr marL="0" indent="0">
-              <a:buNone/>
-            </a:pPr>
-            <a:r>
-              <a:rPr lang="en-US" sz="1200" dirty="0" err="1">
-                <a:latin typeface="Courier New" panose="02070309020205020404" pitchFamily="49" charset="0"/>
-                <a:cs typeface="Courier New" panose="02070309020205020404" pitchFamily="49" charset="0"/>
-              </a:rPr>
-              <a:t>myFun</a:t>
-            </a:r>
-            <a:r>
-              <a:rPr lang="en-US" sz="1200" dirty="0">
-                <a:latin typeface="Courier New" panose="02070309020205020404" pitchFamily="49" charset="0"/>
-                <a:cs typeface="Courier New" panose="02070309020205020404" pitchFamily="49" charset="0"/>
-              </a:rPr>
-              <a:t>('Hello', 'Welcome', 'to', '</a:t>
-            </a:r>
-            <a:r>
-              <a:rPr lang="en-US" sz="1200" dirty="0" err="1">
-                <a:latin typeface="Courier New" panose="02070309020205020404" pitchFamily="49" charset="0"/>
-                <a:cs typeface="Courier New" panose="02070309020205020404" pitchFamily="49" charset="0"/>
-              </a:rPr>
-              <a:t>GeeksforGeeks</a:t>
-            </a:r>
-            <a:r>
-              <a:rPr lang="en-US" sz="1200" dirty="0">
-                <a:latin typeface="Courier New" panose="02070309020205020404" pitchFamily="49" charset="0"/>
-                <a:cs typeface="Courier New" panose="02070309020205020404" pitchFamily="49" charset="0"/>
-              </a:rPr>
-              <a:t>’) </a:t>
-            </a:r>
-          </a:p>
-          <a:p>
-            <a:pPr marL="0" indent="0">
-              <a:buNone/>
-            </a:pPr>
-            <a:r>
-              <a:rPr lang="en-US" sz="1200" dirty="0">
-                <a:latin typeface="Courier New" panose="02070309020205020404" pitchFamily="49" charset="0"/>
-                <a:cs typeface="Courier New" panose="02070309020205020404" pitchFamily="49" charset="0"/>
-              </a:rPr>
-              <a:t>---------------------------</a:t>
-            </a:r>
-          </a:p>
-          <a:p>
-            <a:pPr marL="0" indent="0">
-              <a:buNone/>
-            </a:pPr>
-            <a:r>
-              <a:rPr lang="en-US" sz="1200" dirty="0">
-                <a:latin typeface="Courier New" panose="02070309020205020404" pitchFamily="49" charset="0"/>
-                <a:cs typeface="Courier New" panose="02070309020205020404" pitchFamily="49" charset="0"/>
-              </a:rPr>
-              <a:t>def </a:t>
-            </a:r>
-            <a:r>
-              <a:rPr lang="en-US" sz="1200" dirty="0" err="1">
-                <a:latin typeface="Courier New" panose="02070309020205020404" pitchFamily="49" charset="0"/>
-                <a:cs typeface="Courier New" panose="02070309020205020404" pitchFamily="49" charset="0"/>
-              </a:rPr>
-              <a:t>myFun</a:t>
-            </a:r>
-            <a:r>
-              <a:rPr lang="en-US" sz="1200" dirty="0">
-                <a:latin typeface="Courier New" panose="02070309020205020404" pitchFamily="49" charset="0"/>
-                <a:cs typeface="Courier New" panose="02070309020205020404" pitchFamily="49" charset="0"/>
-              </a:rPr>
-              <a:t>(**</a:t>
-            </a:r>
-            <a:r>
-              <a:rPr lang="en-US" sz="1200" dirty="0" err="1">
-                <a:latin typeface="Courier New" panose="02070309020205020404" pitchFamily="49" charset="0"/>
-                <a:cs typeface="Courier New" panose="02070309020205020404" pitchFamily="49" charset="0"/>
-              </a:rPr>
-              <a:t>kwargs</a:t>
-            </a:r>
-            <a:r>
-              <a:rPr lang="en-US" sz="1200" dirty="0">
-                <a:latin typeface="Courier New" panose="02070309020205020404" pitchFamily="49" charset="0"/>
-                <a:cs typeface="Courier New" panose="02070309020205020404" pitchFamily="49" charset="0"/>
-              </a:rPr>
-              <a:t>): </a:t>
-            </a:r>
-          </a:p>
-          <a:p>
-            <a:pPr marL="0" indent="0">
-              <a:buNone/>
-            </a:pPr>
-            <a:r>
-              <a:rPr lang="en-US" sz="1200" dirty="0">
-                <a:latin typeface="Courier New" panose="02070309020205020404" pitchFamily="49" charset="0"/>
-                <a:cs typeface="Courier New" panose="02070309020205020404" pitchFamily="49" charset="0"/>
-              </a:rPr>
-              <a:t>	for key, value in </a:t>
-            </a:r>
-            <a:r>
-              <a:rPr lang="en-US" sz="1200" dirty="0" err="1">
-                <a:latin typeface="Courier New" panose="02070309020205020404" pitchFamily="49" charset="0"/>
-                <a:cs typeface="Courier New" panose="02070309020205020404" pitchFamily="49" charset="0"/>
-              </a:rPr>
-              <a:t>kwargs.items</a:t>
-            </a:r>
-            <a:r>
-              <a:rPr lang="en-US" sz="1200" dirty="0">
-                <a:latin typeface="Courier New" panose="02070309020205020404" pitchFamily="49" charset="0"/>
-                <a:cs typeface="Courier New" panose="02070309020205020404" pitchFamily="49" charset="0"/>
-              </a:rPr>
-              <a:t>(): </a:t>
-            </a:r>
-          </a:p>
-          <a:p>
-            <a:pPr marL="0" indent="0">
-              <a:buNone/>
-            </a:pPr>
-            <a:r>
-              <a:rPr lang="en-US" sz="1200" dirty="0">
-                <a:latin typeface="Courier New" panose="02070309020205020404" pitchFamily="49" charset="0"/>
-                <a:cs typeface="Courier New" panose="02070309020205020404" pitchFamily="49" charset="0"/>
-              </a:rPr>
-              <a:t>		print ("%s == %s" %(key, value)) </a:t>
-            </a:r>
-          </a:p>
-          <a:p>
-            <a:pPr marL="0" indent="0">
-              <a:buNone/>
-            </a:pPr>
-            <a:r>
-              <a:rPr lang="en-US" sz="1200" dirty="0" err="1">
-                <a:latin typeface="Courier New" panose="02070309020205020404" pitchFamily="49" charset="0"/>
-                <a:cs typeface="Courier New" panose="02070309020205020404" pitchFamily="49" charset="0"/>
-              </a:rPr>
-              <a:t>myFun</a:t>
-            </a:r>
-            <a:r>
-              <a:rPr lang="en-US" sz="1200" dirty="0">
-                <a:latin typeface="Courier New" panose="02070309020205020404" pitchFamily="49" charset="0"/>
-                <a:cs typeface="Courier New" panose="02070309020205020404" pitchFamily="49" charset="0"/>
-              </a:rPr>
-              <a:t>(first ='Geeks', mid ='for', last='Geeks')	 </a:t>
-            </a:r>
-          </a:p>
-          <a:p>
-            <a:pPr marL="0" indent="0">
-              <a:buNone/>
-            </a:pPr>
-            <a:endParaRPr lang="en-IL" dirty="0"/>
+            <a:endParaRPr lang="en-IL" sz="1800" b="1" dirty="0">
+              <a:latin typeface="Courier New" panose="02070309020205020404" pitchFamily="49" charset="0"/>
+              <a:cs typeface="Courier New" panose="02070309020205020404" pitchFamily="49" charset="0"/>
+            </a:endParaRPr>
           </a:p>
         </p:txBody>
       </p:sp>
     </p:spTree>
     <p:extLst>
       <p:ext uri="{BB962C8B-B14F-4D97-AF65-F5344CB8AC3E}">
-        <p14:creationId xmlns:p14="http://schemas.microsoft.com/office/powerpoint/2010/main" val="1951621338"/>
+        <p14:creationId xmlns:p14="http://schemas.microsoft.com/office/powerpoint/2010/main" val="761173015"/>
       </p:ext>
     </p:extLst>
   </p:cSld>

--- a/Advanced Python workshop.pptx
+++ b/Advanced Python workshop.pptx
@@ -5,7 +5,7 @@
     <p:sldMasterId id="2147483648" r:id="rId1"/>
   </p:sldMasterIdLst>
   <p:notesMasterIdLst>
-    <p:notesMasterId r:id="rId44"/>
+    <p:notesMasterId r:id="rId46"/>
   </p:notesMasterIdLst>
   <p:sldIdLst>
     <p:sldId id="256" r:id="rId2"/>
@@ -16,40 +16,42 @@
     <p:sldId id="263" r:id="rId7"/>
     <p:sldId id="293" r:id="rId8"/>
     <p:sldId id="258" r:id="rId9"/>
-    <p:sldId id="269" r:id="rId10"/>
-    <p:sldId id="270" r:id="rId11"/>
-    <p:sldId id="284" r:id="rId12"/>
-    <p:sldId id="277" r:id="rId13"/>
-    <p:sldId id="264" r:id="rId14"/>
-    <p:sldId id="274" r:id="rId15"/>
-    <p:sldId id="265" r:id="rId16"/>
-    <p:sldId id="273" r:id="rId17"/>
-    <p:sldId id="272" r:id="rId18"/>
-    <p:sldId id="266" r:id="rId19"/>
-    <p:sldId id="267" r:id="rId20"/>
-    <p:sldId id="275" r:id="rId21"/>
-    <p:sldId id="283" r:id="rId22"/>
-    <p:sldId id="276" r:id="rId23"/>
-    <p:sldId id="259" r:id="rId24"/>
-    <p:sldId id="262" r:id="rId25"/>
-    <p:sldId id="260" r:id="rId26"/>
-    <p:sldId id="296" r:id="rId27"/>
-    <p:sldId id="295" r:id="rId28"/>
-    <p:sldId id="297" r:id="rId29"/>
-    <p:sldId id="298" r:id="rId30"/>
-    <p:sldId id="268" r:id="rId31"/>
-    <p:sldId id="291" r:id="rId32"/>
-    <p:sldId id="261" r:id="rId33"/>
-    <p:sldId id="279" r:id="rId34"/>
-    <p:sldId id="278" r:id="rId35"/>
-    <p:sldId id="280" r:id="rId36"/>
-    <p:sldId id="282" r:id="rId37"/>
-    <p:sldId id="281" r:id="rId38"/>
-    <p:sldId id="285" r:id="rId39"/>
-    <p:sldId id="286" r:id="rId40"/>
-    <p:sldId id="287" r:id="rId41"/>
-    <p:sldId id="271" r:id="rId42"/>
-    <p:sldId id="292" r:id="rId43"/>
+    <p:sldId id="300" r:id="rId10"/>
+    <p:sldId id="269" r:id="rId11"/>
+    <p:sldId id="270" r:id="rId12"/>
+    <p:sldId id="284" r:id="rId13"/>
+    <p:sldId id="277" r:id="rId14"/>
+    <p:sldId id="264" r:id="rId15"/>
+    <p:sldId id="274" r:id="rId16"/>
+    <p:sldId id="265" r:id="rId17"/>
+    <p:sldId id="273" r:id="rId18"/>
+    <p:sldId id="272" r:id="rId19"/>
+    <p:sldId id="266" r:id="rId20"/>
+    <p:sldId id="267" r:id="rId21"/>
+    <p:sldId id="275" r:id="rId22"/>
+    <p:sldId id="283" r:id="rId23"/>
+    <p:sldId id="276" r:id="rId24"/>
+    <p:sldId id="259" r:id="rId25"/>
+    <p:sldId id="262" r:id="rId26"/>
+    <p:sldId id="260" r:id="rId27"/>
+    <p:sldId id="296" r:id="rId28"/>
+    <p:sldId id="295" r:id="rId29"/>
+    <p:sldId id="297" r:id="rId30"/>
+    <p:sldId id="298" r:id="rId31"/>
+    <p:sldId id="268" r:id="rId32"/>
+    <p:sldId id="291" r:id="rId33"/>
+    <p:sldId id="261" r:id="rId34"/>
+    <p:sldId id="279" r:id="rId35"/>
+    <p:sldId id="278" r:id="rId36"/>
+    <p:sldId id="280" r:id="rId37"/>
+    <p:sldId id="282" r:id="rId38"/>
+    <p:sldId id="281" r:id="rId39"/>
+    <p:sldId id="285" r:id="rId40"/>
+    <p:sldId id="299" r:id="rId41"/>
+    <p:sldId id="286" r:id="rId42"/>
+    <p:sldId id="287" r:id="rId43"/>
+    <p:sldId id="271" r:id="rId44"/>
+    <p:sldId id="292" r:id="rId45"/>
   </p:sldIdLst>
   <p:sldSz cx="12192000" cy="6858000"/>
   <p:notesSz cx="6858000" cy="9144000"/>
@@ -161,7 +163,7 @@
   <pc:docChgLst>
     <pc:chgData name="Noam Cohen" userId="91dab1e8-3a56-42f2-9f70-7df54632f194" providerId="ADAL" clId="{4A58AB60-FFCE-45E6-B313-A3ABF4C9F6DD}"/>
     <pc:docChg chg="undo redo custSel addSld delSld modSld sldOrd">
-      <pc:chgData name="Noam Cohen" userId="91dab1e8-3a56-42f2-9f70-7df54632f194" providerId="ADAL" clId="{4A58AB60-FFCE-45E6-B313-A3ABF4C9F6DD}" dt="2019-07-18T09:41:32.513" v="10436" actId="13926"/>
+      <pc:chgData name="Noam Cohen" userId="91dab1e8-3a56-42f2-9f70-7df54632f194" providerId="ADAL" clId="{4A58AB60-FFCE-45E6-B313-A3ABF4C9F6DD}" dt="2019-07-25T07:31:59.930" v="11048" actId="108"/>
       <pc:docMkLst>
         <pc:docMk/>
       </pc:docMkLst>
@@ -197,13 +199,13 @@
         </pc:spChg>
       </pc:sldChg>
       <pc:sldChg chg="addSp modSp">
-        <pc:chgData name="Noam Cohen" userId="91dab1e8-3a56-42f2-9f70-7df54632f194" providerId="ADAL" clId="{4A58AB60-FFCE-45E6-B313-A3ABF4C9F6DD}" dt="2019-07-17T14:18:15.061" v="9908" actId="1076"/>
+        <pc:chgData name="Noam Cohen" userId="91dab1e8-3a56-42f2-9f70-7df54632f194" providerId="ADAL" clId="{4A58AB60-FFCE-45E6-B313-A3ABF4C9F6DD}" dt="2019-07-25T07:19:53.396" v="10710" actId="20577"/>
         <pc:sldMkLst>
           <pc:docMk/>
           <pc:sldMk cId="3223354107" sldId="257"/>
         </pc:sldMkLst>
         <pc:spChg chg="mod">
-          <ac:chgData name="Noam Cohen" userId="91dab1e8-3a56-42f2-9f70-7df54632f194" providerId="ADAL" clId="{4A58AB60-FFCE-45E6-B313-A3ABF4C9F6DD}" dt="2019-07-17T14:17:57.595" v="9904"/>
+          <ac:chgData name="Noam Cohen" userId="91dab1e8-3a56-42f2-9f70-7df54632f194" providerId="ADAL" clId="{4A58AB60-FFCE-45E6-B313-A3ABF4C9F6DD}" dt="2019-07-25T07:19:53.396" v="10710" actId="20577"/>
           <ac:spMkLst>
             <pc:docMk/>
             <pc:sldMk cId="3223354107" sldId="257"/>
@@ -1208,7 +1210,7 @@
         </pc:spChg>
       </pc:sldChg>
       <pc:sldChg chg="addSp delSp modSp add">
-        <pc:chgData name="Noam Cohen" userId="91dab1e8-3a56-42f2-9f70-7df54632f194" providerId="ADAL" clId="{4A58AB60-FFCE-45E6-B313-A3ABF4C9F6DD}" dt="2019-06-25T13:44:00.115" v="6666" actId="404"/>
+        <pc:chgData name="Noam Cohen" userId="91dab1e8-3a56-42f2-9f70-7df54632f194" providerId="ADAL" clId="{4A58AB60-FFCE-45E6-B313-A3ABF4C9F6DD}" dt="2019-07-23T06:40:18.708" v="10706" actId="20577"/>
         <pc:sldMkLst>
           <pc:docMk/>
           <pc:sldMk cId="203887387" sldId="286"/>
@@ -1222,7 +1224,7 @@
           </ac:spMkLst>
         </pc:spChg>
         <pc:spChg chg="mod">
-          <ac:chgData name="Noam Cohen" userId="91dab1e8-3a56-42f2-9f70-7df54632f194" providerId="ADAL" clId="{4A58AB60-FFCE-45E6-B313-A3ABF4C9F6DD}" dt="2019-06-25T13:44:00.115" v="6666" actId="404"/>
+          <ac:chgData name="Noam Cohen" userId="91dab1e8-3a56-42f2-9f70-7df54632f194" providerId="ADAL" clId="{4A58AB60-FFCE-45E6-B313-A3ABF4C9F6DD}" dt="2019-07-23T06:40:18.708" v="10706" actId="20577"/>
           <ac:spMkLst>
             <pc:docMk/>
             <pc:sldMk cId="203887387" sldId="286"/>
@@ -1619,6 +1621,84 @@
           </ac:spMkLst>
         </pc:spChg>
       </pc:sldChg>
+      <pc:sldChg chg="addSp delSp modSp add delAnim modAnim modNotesTx">
+        <pc:chgData name="Noam Cohen" userId="91dab1e8-3a56-42f2-9f70-7df54632f194" providerId="ADAL" clId="{4A58AB60-FFCE-45E6-B313-A3ABF4C9F6DD}" dt="2019-07-23T06:37:45.130" v="10705" actId="20577"/>
+        <pc:sldMkLst>
+          <pc:docMk/>
+          <pc:sldMk cId="3202883494" sldId="299"/>
+        </pc:sldMkLst>
+        <pc:spChg chg="mod">
+          <ac:chgData name="Noam Cohen" userId="91dab1e8-3a56-42f2-9f70-7df54632f194" providerId="ADAL" clId="{4A58AB60-FFCE-45E6-B313-A3ABF4C9F6DD}" dt="2019-07-23T06:25:09.136" v="10505" actId="20577"/>
+          <ac:spMkLst>
+            <pc:docMk/>
+            <pc:sldMk cId="3202883494" sldId="299"/>
+            <ac:spMk id="2" creationId="{27E84274-8B0C-4D0A-9C90-CCF69FFD8E25}"/>
+          </ac:spMkLst>
+        </pc:spChg>
+        <pc:spChg chg="mod">
+          <ac:chgData name="Noam Cohen" userId="91dab1e8-3a56-42f2-9f70-7df54632f194" providerId="ADAL" clId="{4A58AB60-FFCE-45E6-B313-A3ABF4C9F6DD}" dt="2019-07-23T06:35:19.605" v="10596" actId="113"/>
+          <ac:spMkLst>
+            <pc:docMk/>
+            <pc:sldMk cId="3202883494" sldId="299"/>
+            <ac:spMk id="3" creationId="{99FF2BB8-F2B1-467A-9CD9-BB63F5AD3E5D}"/>
+          </ac:spMkLst>
+        </pc:spChg>
+        <pc:spChg chg="add del mod">
+          <ac:chgData name="Noam Cohen" userId="91dab1e8-3a56-42f2-9f70-7df54632f194" providerId="ADAL" clId="{4A58AB60-FFCE-45E6-B313-A3ABF4C9F6DD}" dt="2019-07-23T06:33:24.223" v="10573" actId="478"/>
+          <ac:spMkLst>
+            <pc:docMk/>
+            <pc:sldMk cId="3202883494" sldId="299"/>
+            <ac:spMk id="4" creationId="{DA42C879-A04E-45AB-B7B3-2294C890490F}"/>
+          </ac:spMkLst>
+        </pc:spChg>
+        <pc:spChg chg="add mod">
+          <ac:chgData name="Noam Cohen" userId="91dab1e8-3a56-42f2-9f70-7df54632f194" providerId="ADAL" clId="{4A58AB60-FFCE-45E6-B313-A3ABF4C9F6DD}" dt="2019-07-23T06:36:48.163" v="10606" actId="207"/>
+          <ac:spMkLst>
+            <pc:docMk/>
+            <pc:sldMk cId="3202883494" sldId="299"/>
+            <ac:spMk id="5" creationId="{0396270F-36CE-4C8E-9614-EB20E21FA449}"/>
+          </ac:spMkLst>
+        </pc:spChg>
+      </pc:sldChg>
+      <pc:sldChg chg="addSp delSp modSp add">
+        <pc:chgData name="Noam Cohen" userId="91dab1e8-3a56-42f2-9f70-7df54632f194" providerId="ADAL" clId="{4A58AB60-FFCE-45E6-B313-A3ABF4C9F6DD}" dt="2019-07-25T07:31:59.930" v="11048" actId="108"/>
+        <pc:sldMkLst>
+          <pc:docMk/>
+          <pc:sldMk cId="610780590" sldId="300"/>
+        </pc:sldMkLst>
+        <pc:spChg chg="mod">
+          <ac:chgData name="Noam Cohen" userId="91dab1e8-3a56-42f2-9f70-7df54632f194" providerId="ADAL" clId="{4A58AB60-FFCE-45E6-B313-A3ABF4C9F6DD}" dt="2019-07-25T07:25:54.611" v="10755" actId="20577"/>
+          <ac:spMkLst>
+            <pc:docMk/>
+            <pc:sldMk cId="610780590" sldId="300"/>
+            <ac:spMk id="2" creationId="{BC87D5EC-0E84-423F-9187-EF14C7DF0302}"/>
+          </ac:spMkLst>
+        </pc:spChg>
+        <pc:spChg chg="mod">
+          <ac:chgData name="Noam Cohen" userId="91dab1e8-3a56-42f2-9f70-7df54632f194" providerId="ADAL" clId="{4A58AB60-FFCE-45E6-B313-A3ABF4C9F6DD}" dt="2019-07-25T07:31:59.930" v="11048" actId="108"/>
+          <ac:spMkLst>
+            <pc:docMk/>
+            <pc:sldMk cId="610780590" sldId="300"/>
+            <ac:spMk id="3" creationId="{9D038613-3998-4B9E-A057-0B783F9A4611}"/>
+          </ac:spMkLst>
+        </pc:spChg>
+        <pc:spChg chg="add del">
+          <ac:chgData name="Noam Cohen" userId="91dab1e8-3a56-42f2-9f70-7df54632f194" providerId="ADAL" clId="{4A58AB60-FFCE-45E6-B313-A3ABF4C9F6DD}" dt="2019-07-25T07:27:18.447" v="10894"/>
+          <ac:spMkLst>
+            <pc:docMk/>
+            <pc:sldMk cId="610780590" sldId="300"/>
+            <ac:spMk id="4" creationId="{AC6B412E-E6D2-4C33-8C00-EAC497D82128}"/>
+          </ac:spMkLst>
+        </pc:spChg>
+        <pc:spChg chg="add del">
+          <ac:chgData name="Noam Cohen" userId="91dab1e8-3a56-42f2-9f70-7df54632f194" providerId="ADAL" clId="{4A58AB60-FFCE-45E6-B313-A3ABF4C9F6DD}" dt="2019-07-25T07:28:57.670" v="10910"/>
+          <ac:spMkLst>
+            <pc:docMk/>
+            <pc:sldMk cId="610780590" sldId="300"/>
+            <ac:spMk id="5" creationId="{2D186AA2-4228-433D-A0E8-9EB9A0310877}"/>
+          </ac:spMkLst>
+        </pc:spChg>
+      </pc:sldChg>
     </pc:docChg>
   </pc:docChgLst>
 </pc:chgInfo>
@@ -1706,7 +1786,7 @@
           <a:p>
             <a:fld id="{E3A89C9D-33F5-4EFB-A589-AF1B6A4537ED}" type="datetimeFigureOut">
               <a:rPr lang="en-IL" smtClean="0"/>
-              <a:t>17/07/2019</a:t>
+              <a:t>25/07/2019</a:t>
             </a:fld>
             <a:endParaRPr lang="en-IL"/>
           </a:p>
@@ -2123,7 +2203,7 @@
           <a:p>
             <a:fld id="{7BBAA17F-B3FF-4B29-AA8E-9CA518DC54C6}" type="slidenum">
               <a:rPr lang="en-IL" smtClean="0"/>
-              <a:t>12</a:t>
+              <a:t>13</a:t>
             </a:fld>
             <a:endParaRPr lang="en-IL"/>
           </a:p>
@@ -2207,7 +2287,7 @@
           <a:p>
             <a:fld id="{7BBAA17F-B3FF-4B29-AA8E-9CA518DC54C6}" type="slidenum">
               <a:rPr lang="en-IL" smtClean="0"/>
-              <a:t>13</a:t>
+              <a:t>14</a:t>
             </a:fld>
             <a:endParaRPr lang="en-IL"/>
           </a:p>
@@ -2291,7 +2371,7 @@
           <a:p>
             <a:fld id="{7BBAA17F-B3FF-4B29-AA8E-9CA518DC54C6}" type="slidenum">
               <a:rPr lang="en-IL" smtClean="0"/>
-              <a:t>15</a:t>
+              <a:t>16</a:t>
             </a:fld>
             <a:endParaRPr lang="en-IL"/>
           </a:p>
@@ -2381,7 +2461,7 @@
           <a:p>
             <a:fld id="{7BBAA17F-B3FF-4B29-AA8E-9CA518DC54C6}" type="slidenum">
               <a:rPr lang="en-IL" smtClean="0"/>
-              <a:t>17</a:t>
+              <a:t>18</a:t>
             </a:fld>
             <a:endParaRPr lang="en-IL"/>
           </a:p>
@@ -2465,7 +2545,7 @@
           <a:p>
             <a:fld id="{7BBAA17F-B3FF-4B29-AA8E-9CA518DC54C6}" type="slidenum">
               <a:rPr lang="en-IL" smtClean="0"/>
-              <a:t>20</a:t>
+              <a:t>21</a:t>
             </a:fld>
             <a:endParaRPr lang="en-IL"/>
           </a:p>
@@ -2577,7 +2657,7 @@
           <a:p>
             <a:fld id="{7BBAA17F-B3FF-4B29-AA8E-9CA518DC54C6}" type="slidenum">
               <a:rPr lang="en-IL" smtClean="0"/>
-              <a:t>22</a:t>
+              <a:t>23</a:t>
             </a:fld>
             <a:endParaRPr lang="en-IL"/>
           </a:p>
@@ -2665,7 +2745,7 @@
           <a:p>
             <a:fld id="{7BBAA17F-B3FF-4B29-AA8E-9CA518DC54C6}" type="slidenum">
               <a:rPr lang="en-IL" smtClean="0"/>
-              <a:t>23</a:t>
+              <a:t>24</a:t>
             </a:fld>
             <a:endParaRPr lang="en-IL"/>
           </a:p>
@@ -2753,7 +2833,7 @@
           <a:p>
             <a:fld id="{7BBAA17F-B3FF-4B29-AA8E-9CA518DC54C6}" type="slidenum">
               <a:rPr lang="en-IL" smtClean="0"/>
-              <a:t>24</a:t>
+              <a:t>25</a:t>
             </a:fld>
             <a:endParaRPr lang="en-IL"/>
           </a:p>
@@ -2850,7 +2930,7 @@
           <a:p>
             <a:fld id="{7BBAA17F-B3FF-4B29-AA8E-9CA518DC54C6}" type="slidenum">
               <a:rPr lang="en-IL" smtClean="0"/>
-              <a:t>25</a:t>
+              <a:t>26</a:t>
             </a:fld>
             <a:endParaRPr lang="en-IL"/>
           </a:p>
@@ -2934,7 +3014,7 @@
           <a:p>
             <a:fld id="{7BBAA17F-B3FF-4B29-AA8E-9CA518DC54C6}" type="slidenum">
               <a:rPr lang="en-IL" smtClean="0"/>
-              <a:t>26</a:t>
+              <a:t>27</a:t>
             </a:fld>
             <a:endParaRPr lang="en-IL"/>
           </a:p>
@@ -3128,7 +3208,7 @@
           <a:p>
             <a:fld id="{7BBAA17F-B3FF-4B29-AA8E-9CA518DC54C6}" type="slidenum">
               <a:rPr lang="en-IL" smtClean="0"/>
-              <a:t>30</a:t>
+              <a:t>31</a:t>
             </a:fld>
             <a:endParaRPr lang="en-IL"/>
           </a:p>
@@ -3272,7 +3352,7 @@
           <a:p>
             <a:fld id="{7BBAA17F-B3FF-4B29-AA8E-9CA518DC54C6}" type="slidenum">
               <a:rPr lang="en-IL" smtClean="0"/>
-              <a:t>31</a:t>
+              <a:t>32</a:t>
             </a:fld>
             <a:endParaRPr lang="en-IL"/>
           </a:p>
@@ -3360,7 +3440,7 @@
           <a:p>
             <a:fld id="{7BBAA17F-B3FF-4B29-AA8E-9CA518DC54C6}" type="slidenum">
               <a:rPr lang="en-IL" smtClean="0"/>
-              <a:t>32</a:t>
+              <a:t>33</a:t>
             </a:fld>
             <a:endParaRPr lang="en-IL"/>
           </a:p>
@@ -3444,7 +3524,7 @@
           <a:p>
             <a:fld id="{7BBAA17F-B3FF-4B29-AA8E-9CA518DC54C6}" type="slidenum">
               <a:rPr lang="en-IL" smtClean="0"/>
-              <a:t>36</a:t>
+              <a:t>37</a:t>
             </a:fld>
             <a:endParaRPr lang="en-IL"/>
           </a:p>
@@ -3528,7 +3608,7 @@
           <a:p>
             <a:fld id="{7BBAA17F-B3FF-4B29-AA8E-9CA518DC54C6}" type="slidenum">
               <a:rPr lang="en-IL" smtClean="0"/>
-              <a:t>37</a:t>
+              <a:t>38</a:t>
             </a:fld>
             <a:endParaRPr lang="en-IL"/>
           </a:p>
@@ -3616,7 +3696,7 @@
           <a:p>
             <a:fld id="{7BBAA17F-B3FF-4B29-AA8E-9CA518DC54C6}" type="slidenum">
               <a:rPr lang="en-IL" smtClean="0"/>
-              <a:t>38</a:t>
+              <a:t>39</a:t>
             </a:fld>
             <a:endParaRPr lang="en-IL"/>
           </a:p>
@@ -3681,8 +3761,16 @@
           <a:p>
             <a:r>
               <a:rPr lang="en-US" dirty="0"/>
-              <a:t> pip install pyprof2calltree </a:t>
-            </a:r>
+              <a:t>In python 32 bit, each integer is 4 bytes. </a:t>
+            </a:r>
+          </a:p>
+          <a:p>
+            <a:r>
+              <a:rPr lang="en-US" dirty="0"/>
+              <a:t>In python 64 bit, each integer is 8 bytes.</a:t>
+            </a:r>
+          </a:p>
+          <a:p>
             <a:endParaRPr lang="en-IL" dirty="0"/>
           </a:p>
         </p:txBody>
@@ -3704,7 +3792,95 @@
           <a:p>
             <a:fld id="{7BBAA17F-B3FF-4B29-AA8E-9CA518DC54C6}" type="slidenum">
               <a:rPr lang="en-IL" smtClean="0"/>
-              <a:t>39</a:t>
+              <a:t>40</a:t>
+            </a:fld>
+            <a:endParaRPr lang="en-IL"/>
+          </a:p>
+        </p:txBody>
+      </p:sp>
+    </p:spTree>
+    <p:extLst>
+      <p:ext uri="{BB962C8B-B14F-4D97-AF65-F5344CB8AC3E}">
+        <p14:creationId xmlns:p14="http://schemas.microsoft.com/office/powerpoint/2010/main" val="3587606368"/>
+      </p:ext>
+    </p:extLst>
+  </p:cSld>
+  <p:clrMapOvr>
+    <a:masterClrMapping/>
+  </p:clrMapOvr>
+</p:notes>
+</file>
+
+<file path=ppt/notesSlides/notesSlide27.xml><?xml version="1.0" encoding="utf-8"?>
+<p:notes xmlns:a="http://schemas.openxmlformats.org/drawingml/2006/main" xmlns:r="http://schemas.openxmlformats.org/officeDocument/2006/relationships" xmlns:p="http://schemas.openxmlformats.org/presentationml/2006/main">
+  <p:cSld>
+    <p:spTree>
+      <p:nvGrpSpPr>
+        <p:cNvPr id="1" name=""/>
+        <p:cNvGrpSpPr/>
+        <p:nvPr/>
+      </p:nvGrpSpPr>
+      <p:grpSpPr>
+        <a:xfrm>
+          <a:off x="0" y="0"/>
+          <a:ext cx="0" cy="0"/>
+          <a:chOff x="0" y="0"/>
+          <a:chExt cx="0" cy="0"/>
+        </a:xfrm>
+      </p:grpSpPr>
+      <p:sp>
+        <p:nvSpPr>
+          <p:cNvPr id="2" name="Slide Image Placeholder 1"/>
+          <p:cNvSpPr>
+            <a:spLocks noGrp="1" noRot="1" noChangeAspect="1"/>
+          </p:cNvSpPr>
+          <p:nvPr>
+            <p:ph type="sldImg"/>
+          </p:nvPr>
+        </p:nvSpPr>
+        <p:spPr/>
+      </p:sp>
+      <p:sp>
+        <p:nvSpPr>
+          <p:cNvPr id="3" name="Notes Placeholder 2"/>
+          <p:cNvSpPr>
+            <a:spLocks noGrp="1"/>
+          </p:cNvSpPr>
+          <p:nvPr>
+            <p:ph type="body" idx="1"/>
+          </p:nvPr>
+        </p:nvSpPr>
+        <p:spPr/>
+        <p:txBody>
+          <a:bodyPr/>
+          <a:lstStyle/>
+          <a:p>
+            <a:r>
+              <a:rPr lang="en-US" dirty="0"/>
+              <a:t> pip install pyprof2calltree </a:t>
+            </a:r>
+            <a:endParaRPr lang="en-IL" dirty="0"/>
+          </a:p>
+        </p:txBody>
+      </p:sp>
+      <p:sp>
+        <p:nvSpPr>
+          <p:cNvPr id="4" name="Slide Number Placeholder 3"/>
+          <p:cNvSpPr>
+            <a:spLocks noGrp="1"/>
+          </p:cNvSpPr>
+          <p:nvPr>
+            <p:ph type="sldNum" sz="quarter" idx="5"/>
+          </p:nvPr>
+        </p:nvSpPr>
+        <p:spPr/>
+        <p:txBody>
+          <a:bodyPr/>
+          <a:lstStyle/>
+          <a:p>
+            <a:fld id="{7BBAA17F-B3FF-4B29-AA8E-9CA518DC54C6}" type="slidenum">
+              <a:rPr lang="en-IL" smtClean="0"/>
+              <a:t>41</a:t>
             </a:fld>
             <a:endParaRPr lang="en-IL"/>
           </a:p>
@@ -4368,7 +4544,7 @@
           <a:p>
             <a:fld id="{7BBAA17F-B3FF-4B29-AA8E-9CA518DC54C6}" type="slidenum">
               <a:rPr lang="en-IL" smtClean="0"/>
-              <a:t>9</a:t>
+              <a:t>10</a:t>
             </a:fld>
             <a:endParaRPr lang="en-IL"/>
           </a:p>
@@ -4461,7 +4637,7 @@
           <a:p>
             <a:fld id="{7BBAA17F-B3FF-4B29-AA8E-9CA518DC54C6}" type="slidenum">
               <a:rPr lang="en-IL" smtClean="0"/>
-              <a:t>10</a:t>
+              <a:t>11</a:t>
             </a:fld>
             <a:endParaRPr lang="en-IL"/>
           </a:p>
@@ -4629,7 +4805,7 @@
           <a:p>
             <a:fld id="{E76C6979-4359-4DC8-92A3-F7DCB12C5136}" type="datetimeFigureOut">
               <a:rPr lang="en-IL" smtClean="0"/>
-              <a:t>17/07/2019</a:t>
+              <a:t>25/07/2019</a:t>
             </a:fld>
             <a:endParaRPr lang="en-IL"/>
           </a:p>
@@ -4829,7 +5005,7 @@
           <a:p>
             <a:fld id="{E76C6979-4359-4DC8-92A3-F7DCB12C5136}" type="datetimeFigureOut">
               <a:rPr lang="en-IL" smtClean="0"/>
-              <a:t>17/07/2019</a:t>
+              <a:t>25/07/2019</a:t>
             </a:fld>
             <a:endParaRPr lang="en-IL"/>
           </a:p>
@@ -5039,7 +5215,7 @@
           <a:p>
             <a:fld id="{E76C6979-4359-4DC8-92A3-F7DCB12C5136}" type="datetimeFigureOut">
               <a:rPr lang="en-IL" smtClean="0"/>
-              <a:t>17/07/2019</a:t>
+              <a:t>25/07/2019</a:t>
             </a:fld>
             <a:endParaRPr lang="en-IL"/>
           </a:p>
@@ -5239,7 +5415,7 @@
           <a:p>
             <a:fld id="{E76C6979-4359-4DC8-92A3-F7DCB12C5136}" type="datetimeFigureOut">
               <a:rPr lang="en-IL" smtClean="0"/>
-              <a:t>17/07/2019</a:t>
+              <a:t>25/07/2019</a:t>
             </a:fld>
             <a:endParaRPr lang="en-IL"/>
           </a:p>
@@ -5515,7 +5691,7 @@
           <a:p>
             <a:fld id="{E76C6979-4359-4DC8-92A3-F7DCB12C5136}" type="datetimeFigureOut">
               <a:rPr lang="en-IL" smtClean="0"/>
-              <a:t>17/07/2019</a:t>
+              <a:t>25/07/2019</a:t>
             </a:fld>
             <a:endParaRPr lang="en-IL"/>
           </a:p>
@@ -5783,7 +5959,7 @@
           <a:p>
             <a:fld id="{E76C6979-4359-4DC8-92A3-F7DCB12C5136}" type="datetimeFigureOut">
               <a:rPr lang="en-IL" smtClean="0"/>
-              <a:t>17/07/2019</a:t>
+              <a:t>25/07/2019</a:t>
             </a:fld>
             <a:endParaRPr lang="en-IL"/>
           </a:p>
@@ -6198,7 +6374,7 @@
           <a:p>
             <a:fld id="{E76C6979-4359-4DC8-92A3-F7DCB12C5136}" type="datetimeFigureOut">
               <a:rPr lang="en-IL" smtClean="0"/>
-              <a:t>17/07/2019</a:t>
+              <a:t>25/07/2019</a:t>
             </a:fld>
             <a:endParaRPr lang="en-IL"/>
           </a:p>
@@ -6340,7 +6516,7 @@
           <a:p>
             <a:fld id="{E76C6979-4359-4DC8-92A3-F7DCB12C5136}" type="datetimeFigureOut">
               <a:rPr lang="en-IL" smtClean="0"/>
-              <a:t>17/07/2019</a:t>
+              <a:t>25/07/2019</a:t>
             </a:fld>
             <a:endParaRPr lang="en-IL"/>
           </a:p>
@@ -6453,7 +6629,7 @@
           <a:p>
             <a:fld id="{E76C6979-4359-4DC8-92A3-F7DCB12C5136}" type="datetimeFigureOut">
               <a:rPr lang="en-IL" smtClean="0"/>
-              <a:t>17/07/2019</a:t>
+              <a:t>25/07/2019</a:t>
             </a:fld>
             <a:endParaRPr lang="en-IL"/>
           </a:p>
@@ -6766,7 +6942,7 @@
           <a:p>
             <a:fld id="{E76C6979-4359-4DC8-92A3-F7DCB12C5136}" type="datetimeFigureOut">
               <a:rPr lang="en-IL" smtClean="0"/>
-              <a:t>17/07/2019</a:t>
+              <a:t>25/07/2019</a:t>
             </a:fld>
             <a:endParaRPr lang="en-IL"/>
           </a:p>
@@ -7055,7 +7231,7 @@
           <a:p>
             <a:fld id="{E76C6979-4359-4DC8-92A3-F7DCB12C5136}" type="datetimeFigureOut">
               <a:rPr lang="en-IL" smtClean="0"/>
-              <a:t>17/07/2019</a:t>
+              <a:t>25/07/2019</a:t>
             </a:fld>
             <a:endParaRPr lang="en-IL"/>
           </a:p>
@@ -7298,7 +7474,7 @@
           <a:p>
             <a:fld id="{E76C6979-4359-4DC8-92A3-F7DCB12C5136}" type="datetimeFigureOut">
               <a:rPr lang="en-IL" smtClean="0"/>
-              <a:t>17/07/2019</a:t>
+              <a:t>25/07/2019</a:t>
             </a:fld>
             <a:endParaRPr lang="en-IL"/>
           </a:p>
@@ -7850,6 +8026,223 @@
           <p:cNvPr id="2" name="Title 1">
             <a:extLst>
               <a:ext uri="{FF2B5EF4-FFF2-40B4-BE49-F238E27FC236}">
+                <a16:creationId xmlns:a16="http://schemas.microsoft.com/office/drawing/2014/main" id="{2F0BD027-A483-4275-821C-37778F1FED31}"/>
+              </a:ext>
+            </a:extLst>
+          </p:cNvPr>
+          <p:cNvSpPr>
+            <a:spLocks noGrp="1"/>
+          </p:cNvSpPr>
+          <p:nvPr>
+            <p:ph type="title"/>
+          </p:nvPr>
+        </p:nvSpPr>
+        <p:spPr/>
+        <p:txBody>
+          <a:bodyPr/>
+          <a:lstStyle/>
+          <a:p>
+            <a:r>
+              <a:rPr lang="en-US" dirty="0"/>
+              <a:t>Memory management</a:t>
+            </a:r>
+            <a:endParaRPr lang="en-IL" dirty="0"/>
+          </a:p>
+        </p:txBody>
+      </p:sp>
+      <p:sp>
+        <p:nvSpPr>
+          <p:cNvPr id="3" name="Content Placeholder 2">
+            <a:extLst>
+              <a:ext uri="{FF2B5EF4-FFF2-40B4-BE49-F238E27FC236}">
+                <a16:creationId xmlns:a16="http://schemas.microsoft.com/office/drawing/2014/main" id="{38358AA7-483B-4422-A2BF-9FA41DB3A914}"/>
+              </a:ext>
+            </a:extLst>
+          </p:cNvPr>
+          <p:cNvSpPr>
+            <a:spLocks noGrp="1"/>
+          </p:cNvSpPr>
+          <p:nvPr>
+            <p:ph idx="1"/>
+          </p:nvPr>
+        </p:nvSpPr>
+        <p:spPr>
+          <a:xfrm>
+            <a:off x="838200" y="1825625"/>
+            <a:ext cx="10515600" cy="4351338"/>
+          </a:xfrm>
+        </p:spPr>
+        <p:txBody>
+          <a:bodyPr/>
+          <a:lstStyle/>
+          <a:p>
+            <a:r>
+              <a:rPr lang="en-US" dirty="0"/>
+              <a:t>Automatic Garbage Collection using reference counting (+magic)</a:t>
+            </a:r>
+          </a:p>
+          <a:p>
+            <a:pPr marL="0" indent="0">
+              <a:buNone/>
+            </a:pPr>
+            <a:r>
+              <a:rPr lang="en-US" sz="1800" dirty="0">
+                <a:latin typeface="Courier New" panose="02070309020205020404" pitchFamily="49" charset="0"/>
+                <a:cs typeface="Courier New" panose="02070309020205020404" pitchFamily="49" charset="0"/>
+              </a:rPr>
+              <a:t>numbers = [1, 2, 3]</a:t>
+            </a:r>
+          </a:p>
+          <a:p>
+            <a:pPr marL="0" indent="0">
+              <a:buNone/>
+            </a:pPr>
+            <a:r>
+              <a:rPr lang="en-US" sz="1800" dirty="0">
+                <a:latin typeface="Courier New" panose="02070309020205020404" pitchFamily="49" charset="0"/>
+                <a:cs typeface="Courier New" panose="02070309020205020404" pitchFamily="49" charset="0"/>
+              </a:rPr>
+              <a:t># Reference count = 1</a:t>
+            </a:r>
+          </a:p>
+          <a:p>
+            <a:pPr marL="0" indent="0">
+              <a:buNone/>
+            </a:pPr>
+            <a:r>
+              <a:rPr lang="en-US" sz="1800" dirty="0" err="1">
+                <a:latin typeface="Courier New" panose="02070309020205020404" pitchFamily="49" charset="0"/>
+                <a:cs typeface="Courier New" panose="02070309020205020404" pitchFamily="49" charset="0"/>
+              </a:rPr>
+              <a:t>more_numbers</a:t>
+            </a:r>
+            <a:r>
+              <a:rPr lang="en-US" sz="1800" dirty="0">
+                <a:latin typeface="Courier New" panose="02070309020205020404" pitchFamily="49" charset="0"/>
+                <a:cs typeface="Courier New" panose="02070309020205020404" pitchFamily="49" charset="0"/>
+              </a:rPr>
+              <a:t> = numbers</a:t>
+            </a:r>
+          </a:p>
+          <a:p>
+            <a:pPr marL="0" indent="0">
+              <a:buNone/>
+            </a:pPr>
+            <a:r>
+              <a:rPr lang="en-US" sz="1800" dirty="0">
+                <a:latin typeface="Courier New" panose="02070309020205020404" pitchFamily="49" charset="0"/>
+                <a:cs typeface="Courier New" panose="02070309020205020404" pitchFamily="49" charset="0"/>
+              </a:rPr>
+              <a:t># Reference count = 2</a:t>
+            </a:r>
+          </a:p>
+          <a:p>
+            <a:pPr marL="0" indent="0">
+              <a:buNone/>
+            </a:pPr>
+            <a:r>
+              <a:rPr lang="en-US" sz="1800" b="1" dirty="0" err="1">
+                <a:latin typeface="Courier New" panose="02070309020205020404" pitchFamily="49" charset="0"/>
+                <a:cs typeface="Courier New" panose="02070309020205020404" pitchFamily="49" charset="0"/>
+              </a:rPr>
+              <a:t>sys.getrefcount</a:t>
+            </a:r>
+            <a:r>
+              <a:rPr lang="en-US" sz="1800" b="1" dirty="0">
+                <a:latin typeface="Courier New" panose="02070309020205020404" pitchFamily="49" charset="0"/>
+                <a:cs typeface="Courier New" panose="02070309020205020404" pitchFamily="49" charset="0"/>
+              </a:rPr>
+              <a:t>(numbers)</a:t>
+            </a:r>
+          </a:p>
+          <a:p>
+            <a:pPr marL="0" indent="0">
+              <a:buNone/>
+            </a:pPr>
+            <a:endParaRPr lang="en-US" sz="1800" b="1" dirty="0">
+              <a:latin typeface="Courier New" panose="02070309020205020404" pitchFamily="49" charset="0"/>
+              <a:cs typeface="Courier New" panose="02070309020205020404" pitchFamily="49" charset="0"/>
+            </a:endParaRPr>
+          </a:p>
+          <a:p>
+            <a:pPr marL="0" indent="0">
+              <a:buNone/>
+            </a:pPr>
+            <a:r>
+              <a:rPr lang="en-US" dirty="0"/>
+              <a:t>Where is the data stored?</a:t>
+            </a:r>
+          </a:p>
+          <a:p>
+            <a:pPr marL="0" indent="0">
+              <a:buNone/>
+            </a:pPr>
+            <a:r>
+              <a:rPr lang="en-US" dirty="0">
+                <a:sym typeface="Wingdings" panose="05000000000000000000" pitchFamily="2" charset="2"/>
+              </a:rPr>
+              <a:t> Implementation dependent. In </a:t>
+            </a:r>
+            <a:r>
+              <a:rPr lang="en-US" dirty="0" err="1">
+                <a:sym typeface="Wingdings" panose="05000000000000000000" pitchFamily="2" charset="2"/>
+              </a:rPr>
+              <a:t>Cpython</a:t>
+            </a:r>
+            <a:r>
+              <a:rPr lang="en-US" dirty="0">
+                <a:sym typeface="Wingdings" panose="05000000000000000000" pitchFamily="2" charset="2"/>
+              </a:rPr>
+              <a:t>, all objects are stored in the heap, and the stack has reference to them.</a:t>
+            </a:r>
+            <a:endParaRPr lang="en-US" dirty="0"/>
+          </a:p>
+          <a:p>
+            <a:pPr marL="0" indent="0">
+              <a:buNone/>
+            </a:pPr>
+            <a:endParaRPr lang="en-IL" sz="1800" b="1" dirty="0">
+              <a:latin typeface="Courier New" panose="02070309020205020404" pitchFamily="49" charset="0"/>
+              <a:cs typeface="Courier New" panose="02070309020205020404" pitchFamily="49" charset="0"/>
+            </a:endParaRPr>
+          </a:p>
+        </p:txBody>
+      </p:sp>
+    </p:spTree>
+    <p:extLst>
+      <p:ext uri="{BB962C8B-B14F-4D97-AF65-F5344CB8AC3E}">
+        <p14:creationId xmlns:p14="http://schemas.microsoft.com/office/powerpoint/2010/main" val="761173015"/>
+      </p:ext>
+    </p:extLst>
+  </p:cSld>
+  <p:clrMapOvr>
+    <a:masterClrMapping/>
+  </p:clrMapOvr>
+</p:sld>
+</file>
+
+<file path=ppt/slides/slide11.xml><?xml version="1.0" encoding="utf-8"?>
+<p:sld xmlns:a="http://schemas.openxmlformats.org/drawingml/2006/main" xmlns:r="http://schemas.openxmlformats.org/officeDocument/2006/relationships" xmlns:p="http://schemas.openxmlformats.org/presentationml/2006/main">
+  <p:cSld>
+    <p:spTree>
+      <p:nvGrpSpPr>
+        <p:cNvPr id="1" name=""/>
+        <p:cNvGrpSpPr/>
+        <p:nvPr/>
+      </p:nvGrpSpPr>
+      <p:grpSpPr>
+        <a:xfrm>
+          <a:off x="0" y="0"/>
+          <a:ext cx="0" cy="0"/>
+          <a:chOff x="0" y="0"/>
+          <a:chExt cx="0" cy="0"/>
+        </a:xfrm>
+      </p:grpSpPr>
+      <p:sp>
+        <p:nvSpPr>
+          <p:cNvPr id="2" name="Title 1">
+            <a:extLst>
+              <a:ext uri="{FF2B5EF4-FFF2-40B4-BE49-F238E27FC236}">
                 <a16:creationId xmlns:a16="http://schemas.microsoft.com/office/drawing/2014/main" id="{D0C41DE6-471C-4243-9E3F-ADD72860E634}"/>
               </a:ext>
             </a:extLst>
@@ -7997,7 +8390,7 @@
 </p:sld>
 </file>
 
-<file path=ppt/slides/slide11.xml><?xml version="1.0" encoding="utf-8"?>
+<file path=ppt/slides/slide12.xml><?xml version="1.0" encoding="utf-8"?>
 <p:sld xmlns:a="http://schemas.openxmlformats.org/drawingml/2006/main" xmlns:r="http://schemas.openxmlformats.org/officeDocument/2006/relationships" xmlns:p="http://schemas.openxmlformats.org/presentationml/2006/main">
   <p:cSld>
     <p:spTree>
@@ -8440,7 +8833,7 @@
 </p:sld>
 </file>
 
-<file path=ppt/slides/slide12.xml><?xml version="1.0" encoding="utf-8"?>
+<file path=ppt/slides/slide13.xml><?xml version="1.0" encoding="utf-8"?>
 <p:sld xmlns:a="http://schemas.openxmlformats.org/drawingml/2006/main" xmlns:r="http://schemas.openxmlformats.org/officeDocument/2006/relationships" xmlns:p="http://schemas.openxmlformats.org/presentationml/2006/main">
   <p:cSld>
     <p:spTree>
@@ -8896,7 +9289,7 @@
 </p:sld>
 </file>
 
-<file path=ppt/slides/slide13.xml><?xml version="1.0" encoding="utf-8"?>
+<file path=ppt/slides/slide14.xml><?xml version="1.0" encoding="utf-8"?>
 <p:sld xmlns:a="http://schemas.openxmlformats.org/drawingml/2006/main" xmlns:r="http://schemas.openxmlformats.org/officeDocument/2006/relationships" xmlns:p="http://schemas.openxmlformats.org/presentationml/2006/main">
   <p:cSld>
     <p:spTree>
@@ -9138,7 +9531,7 @@
 </p:sld>
 </file>
 
-<file path=ppt/slides/slide14.xml><?xml version="1.0" encoding="utf-8"?>
+<file path=ppt/slides/slide15.xml><?xml version="1.0" encoding="utf-8"?>
 <p:sld xmlns:a="http://schemas.openxmlformats.org/drawingml/2006/main" xmlns:r="http://schemas.openxmlformats.org/officeDocument/2006/relationships" xmlns:p="http://schemas.openxmlformats.org/presentationml/2006/main">
   <p:cSld>
     <p:spTree>
@@ -9262,196 +9655,6 @@
 </p:sld>
 </file>
 
-<file path=ppt/slides/slide15.xml><?xml version="1.0" encoding="utf-8"?>
-<p:sld xmlns:a="http://schemas.openxmlformats.org/drawingml/2006/main" xmlns:r="http://schemas.openxmlformats.org/officeDocument/2006/relationships" xmlns:p="http://schemas.openxmlformats.org/presentationml/2006/main">
-  <p:cSld>
-    <p:spTree>
-      <p:nvGrpSpPr>
-        <p:cNvPr id="1" name=""/>
-        <p:cNvGrpSpPr/>
-        <p:nvPr/>
-      </p:nvGrpSpPr>
-      <p:grpSpPr>
-        <a:xfrm>
-          <a:off x="0" y="0"/>
-          <a:ext cx="0" cy="0"/>
-          <a:chOff x="0" y="0"/>
-          <a:chExt cx="0" cy="0"/>
-        </a:xfrm>
-      </p:grpSpPr>
-      <p:sp>
-        <p:nvSpPr>
-          <p:cNvPr id="2" name="Title 1">
-            <a:extLst>
-              <a:ext uri="{FF2B5EF4-FFF2-40B4-BE49-F238E27FC236}">
-                <a16:creationId xmlns:a16="http://schemas.microsoft.com/office/drawing/2014/main" id="{8955AB0A-EA96-49DB-AAB6-330B5892AA66}"/>
-              </a:ext>
-            </a:extLst>
-          </p:cNvPr>
-          <p:cNvSpPr>
-            <a:spLocks noGrp="1"/>
-          </p:cNvSpPr>
-          <p:nvPr>
-            <p:ph type="title"/>
-          </p:nvPr>
-        </p:nvSpPr>
-        <p:spPr/>
-        <p:txBody>
-          <a:bodyPr/>
-          <a:lstStyle/>
-          <a:p>
-            <a:r>
-              <a:rPr lang="en-US" dirty="0"/>
-              <a:t>Packages, modules and tree structure</a:t>
-            </a:r>
-            <a:endParaRPr lang="en-IL" dirty="0"/>
-          </a:p>
-        </p:txBody>
-      </p:sp>
-      <p:sp>
-        <p:nvSpPr>
-          <p:cNvPr id="3" name="Content Placeholder 2">
-            <a:extLst>
-              <a:ext uri="{FF2B5EF4-FFF2-40B4-BE49-F238E27FC236}">
-                <a16:creationId xmlns:a16="http://schemas.microsoft.com/office/drawing/2014/main" id="{9B2AEC60-8E7D-4EB5-8E63-58BB77A263F0}"/>
-              </a:ext>
-            </a:extLst>
-          </p:cNvPr>
-          <p:cNvSpPr>
-            <a:spLocks noGrp="1"/>
-          </p:cNvSpPr>
-          <p:nvPr>
-            <p:ph idx="1"/>
-          </p:nvPr>
-        </p:nvSpPr>
-        <p:spPr>
-          <a:xfrm>
-            <a:off x="838200" y="1825625"/>
-            <a:ext cx="10515600" cy="4351338"/>
-          </a:xfrm>
-        </p:spPr>
-        <p:txBody>
-          <a:bodyPr/>
-          <a:lstStyle/>
-          <a:p>
-            <a:r>
-              <a:rPr lang="en-US" dirty="0">
-                <a:hlinkClick r:id="rId3"/>
-              </a:rPr>
-              <a:t>https://realpython.com/python-modules-packages/</a:t>
-            </a:r>
-            <a:endParaRPr lang="en-US" dirty="0"/>
-          </a:p>
-          <a:p>
-            <a:r>
-              <a:rPr lang="en-US" sz="3200" dirty="0"/>
-              <a:t>Module – can be imported (if in the path) </a:t>
-            </a:r>
-            <a:r>
-              <a:rPr lang="en-US" dirty="0">
-                <a:solidFill>
-                  <a:schemeClr val="accent6">
-                    <a:lumMod val="75000"/>
-                  </a:schemeClr>
-                </a:solidFill>
-              </a:rPr>
-              <a:t>(demo)</a:t>
-            </a:r>
-          </a:p>
-          <a:p>
-            <a:r>
-              <a:rPr lang="en-US" sz="3200" dirty="0"/>
-              <a:t>Know your </a:t>
-            </a:r>
-            <a:r>
-              <a:rPr lang="en-US" sz="3200" dirty="0">
-                <a:latin typeface="Courier New" panose="02070309020205020404" pitchFamily="49" charset="0"/>
-                <a:cs typeface="Courier New" panose="02070309020205020404" pitchFamily="49" charset="0"/>
-              </a:rPr>
-              <a:t>import</a:t>
-            </a:r>
-            <a:r>
-              <a:rPr lang="en-US" sz="3200" dirty="0"/>
-              <a:t> stuff</a:t>
-            </a:r>
-          </a:p>
-          <a:p>
-            <a:r>
-              <a:rPr lang="en-US" sz="3200" dirty="0"/>
-              <a:t>Module reloading (lazy)</a:t>
-            </a:r>
-          </a:p>
-          <a:p>
-            <a:r>
-              <a:rPr lang="en-US" sz="3200" dirty="0"/>
-              <a:t>Using </a:t>
-            </a:r>
-            <a:r>
-              <a:rPr lang="en-US" sz="3200" dirty="0">
-                <a:latin typeface="Courier New" panose="02070309020205020404" pitchFamily="49" charset="0"/>
-                <a:cs typeface="Courier New" panose="02070309020205020404" pitchFamily="49" charset="0"/>
-              </a:rPr>
-              <a:t>__name__ </a:t>
-            </a:r>
-            <a:r>
-              <a:rPr lang="en-US" sz="3200" dirty="0"/>
-              <a:t>for testing the module</a:t>
-            </a:r>
-          </a:p>
-          <a:p>
-            <a:r>
-              <a:rPr lang="en-US" dirty="0"/>
-              <a:t>Vars starting with ‘_’ are not imported </a:t>
-            </a:r>
-            <a:r>
-              <a:rPr lang="en-US" dirty="0">
-                <a:solidFill>
-                  <a:schemeClr val="accent6">
-                    <a:lumMod val="75000"/>
-                  </a:schemeClr>
-                </a:solidFill>
-              </a:rPr>
-              <a:t>(demo)</a:t>
-            </a:r>
-          </a:p>
-          <a:p>
-            <a:r>
-              <a:rPr lang="en-US" dirty="0" err="1"/>
-              <a:t>Subpackages</a:t>
-            </a:r>
-            <a:r>
-              <a:rPr lang="en-US" dirty="0"/>
-              <a:t>: </a:t>
-            </a:r>
-            <a:r>
-              <a:rPr lang="en-US" dirty="0" err="1"/>
-              <a:t>pkg.subpkg</a:t>
-            </a:r>
-            <a:endParaRPr lang="en-US" dirty="0"/>
-          </a:p>
-          <a:p>
-            <a:pPr lvl="1"/>
-            <a:r>
-              <a:rPr lang="en-US" dirty="0"/>
-              <a:t>Relative import path</a:t>
-            </a:r>
-            <a:endParaRPr lang="en-IL" dirty="0"/>
-          </a:p>
-        </p:txBody>
-      </p:sp>
-    </p:spTree>
-    <p:extLst>
-      <p:ext uri="{BB962C8B-B14F-4D97-AF65-F5344CB8AC3E}">
-        <p14:creationId xmlns:p14="http://schemas.microsoft.com/office/powerpoint/2010/main" val="1317010179"/>
-      </p:ext>
-    </p:extLst>
-  </p:cSld>
-  <p:clrMapOvr>
-    <a:masterClrMapping/>
-  </p:clrMapOvr>
-</p:sld>
-</file>
-
 <file path=ppt/slides/slide16.xml><?xml version="1.0" encoding="utf-8"?>
 <p:sld xmlns:a="http://schemas.openxmlformats.org/drawingml/2006/main" xmlns:r="http://schemas.openxmlformats.org/officeDocument/2006/relationships" xmlns:p="http://schemas.openxmlformats.org/presentationml/2006/main">
   <p:cSld>
@@ -9474,6 +9677,196 @@
           <p:cNvPr id="2" name="Title 1">
             <a:extLst>
               <a:ext uri="{FF2B5EF4-FFF2-40B4-BE49-F238E27FC236}">
+                <a16:creationId xmlns:a16="http://schemas.microsoft.com/office/drawing/2014/main" id="{8955AB0A-EA96-49DB-AAB6-330B5892AA66}"/>
+              </a:ext>
+            </a:extLst>
+          </p:cNvPr>
+          <p:cNvSpPr>
+            <a:spLocks noGrp="1"/>
+          </p:cNvSpPr>
+          <p:nvPr>
+            <p:ph type="title"/>
+          </p:nvPr>
+        </p:nvSpPr>
+        <p:spPr/>
+        <p:txBody>
+          <a:bodyPr/>
+          <a:lstStyle/>
+          <a:p>
+            <a:r>
+              <a:rPr lang="en-US" dirty="0"/>
+              <a:t>Packages, modules and tree structure</a:t>
+            </a:r>
+            <a:endParaRPr lang="en-IL" dirty="0"/>
+          </a:p>
+        </p:txBody>
+      </p:sp>
+      <p:sp>
+        <p:nvSpPr>
+          <p:cNvPr id="3" name="Content Placeholder 2">
+            <a:extLst>
+              <a:ext uri="{FF2B5EF4-FFF2-40B4-BE49-F238E27FC236}">
+                <a16:creationId xmlns:a16="http://schemas.microsoft.com/office/drawing/2014/main" id="{9B2AEC60-8E7D-4EB5-8E63-58BB77A263F0}"/>
+              </a:ext>
+            </a:extLst>
+          </p:cNvPr>
+          <p:cNvSpPr>
+            <a:spLocks noGrp="1"/>
+          </p:cNvSpPr>
+          <p:nvPr>
+            <p:ph idx="1"/>
+          </p:nvPr>
+        </p:nvSpPr>
+        <p:spPr>
+          <a:xfrm>
+            <a:off x="838200" y="1825625"/>
+            <a:ext cx="10515600" cy="4351338"/>
+          </a:xfrm>
+        </p:spPr>
+        <p:txBody>
+          <a:bodyPr/>
+          <a:lstStyle/>
+          <a:p>
+            <a:r>
+              <a:rPr lang="en-US" dirty="0">
+                <a:hlinkClick r:id="rId3"/>
+              </a:rPr>
+              <a:t>https://realpython.com/python-modules-packages/</a:t>
+            </a:r>
+            <a:endParaRPr lang="en-US" dirty="0"/>
+          </a:p>
+          <a:p>
+            <a:r>
+              <a:rPr lang="en-US" sz="3200" dirty="0"/>
+              <a:t>Module – can be imported (if in the path) </a:t>
+            </a:r>
+            <a:r>
+              <a:rPr lang="en-US" dirty="0">
+                <a:solidFill>
+                  <a:schemeClr val="accent6">
+                    <a:lumMod val="75000"/>
+                  </a:schemeClr>
+                </a:solidFill>
+              </a:rPr>
+              <a:t>(demo)</a:t>
+            </a:r>
+          </a:p>
+          <a:p>
+            <a:r>
+              <a:rPr lang="en-US" sz="3200" dirty="0"/>
+              <a:t>Know your </a:t>
+            </a:r>
+            <a:r>
+              <a:rPr lang="en-US" sz="3200" dirty="0">
+                <a:latin typeface="Courier New" panose="02070309020205020404" pitchFamily="49" charset="0"/>
+                <a:cs typeface="Courier New" panose="02070309020205020404" pitchFamily="49" charset="0"/>
+              </a:rPr>
+              <a:t>import</a:t>
+            </a:r>
+            <a:r>
+              <a:rPr lang="en-US" sz="3200" dirty="0"/>
+              <a:t> stuff</a:t>
+            </a:r>
+          </a:p>
+          <a:p>
+            <a:r>
+              <a:rPr lang="en-US" sz="3200" dirty="0"/>
+              <a:t>Module reloading (lazy)</a:t>
+            </a:r>
+          </a:p>
+          <a:p>
+            <a:r>
+              <a:rPr lang="en-US" sz="3200" dirty="0"/>
+              <a:t>Using </a:t>
+            </a:r>
+            <a:r>
+              <a:rPr lang="en-US" sz="3200" dirty="0">
+                <a:latin typeface="Courier New" panose="02070309020205020404" pitchFamily="49" charset="0"/>
+                <a:cs typeface="Courier New" panose="02070309020205020404" pitchFamily="49" charset="0"/>
+              </a:rPr>
+              <a:t>__name__ </a:t>
+            </a:r>
+            <a:r>
+              <a:rPr lang="en-US" sz="3200" dirty="0"/>
+              <a:t>for testing the module</a:t>
+            </a:r>
+          </a:p>
+          <a:p>
+            <a:r>
+              <a:rPr lang="en-US" dirty="0"/>
+              <a:t>Vars starting with ‘_’ are not imported </a:t>
+            </a:r>
+            <a:r>
+              <a:rPr lang="en-US" dirty="0">
+                <a:solidFill>
+                  <a:schemeClr val="accent6">
+                    <a:lumMod val="75000"/>
+                  </a:schemeClr>
+                </a:solidFill>
+              </a:rPr>
+              <a:t>(demo)</a:t>
+            </a:r>
+          </a:p>
+          <a:p>
+            <a:r>
+              <a:rPr lang="en-US" dirty="0" err="1"/>
+              <a:t>Subpackages</a:t>
+            </a:r>
+            <a:r>
+              <a:rPr lang="en-US" dirty="0"/>
+              <a:t>: </a:t>
+            </a:r>
+            <a:r>
+              <a:rPr lang="en-US" dirty="0" err="1"/>
+              <a:t>pkg.subpkg</a:t>
+            </a:r>
+            <a:endParaRPr lang="en-US" dirty="0"/>
+          </a:p>
+          <a:p>
+            <a:pPr lvl="1"/>
+            <a:r>
+              <a:rPr lang="en-US" dirty="0"/>
+              <a:t>Relative import path</a:t>
+            </a:r>
+            <a:endParaRPr lang="en-IL" dirty="0"/>
+          </a:p>
+        </p:txBody>
+      </p:sp>
+    </p:spTree>
+    <p:extLst>
+      <p:ext uri="{BB962C8B-B14F-4D97-AF65-F5344CB8AC3E}">
+        <p14:creationId xmlns:p14="http://schemas.microsoft.com/office/powerpoint/2010/main" val="1317010179"/>
+      </p:ext>
+    </p:extLst>
+  </p:cSld>
+  <p:clrMapOvr>
+    <a:masterClrMapping/>
+  </p:clrMapOvr>
+</p:sld>
+</file>
+
+<file path=ppt/slides/slide17.xml><?xml version="1.0" encoding="utf-8"?>
+<p:sld xmlns:a="http://schemas.openxmlformats.org/drawingml/2006/main" xmlns:r="http://schemas.openxmlformats.org/officeDocument/2006/relationships" xmlns:p="http://schemas.openxmlformats.org/presentationml/2006/main">
+  <p:cSld>
+    <p:spTree>
+      <p:nvGrpSpPr>
+        <p:cNvPr id="1" name=""/>
+        <p:cNvGrpSpPr/>
+        <p:nvPr/>
+      </p:nvGrpSpPr>
+      <p:grpSpPr>
+        <a:xfrm>
+          <a:off x="0" y="0"/>
+          <a:ext cx="0" cy="0"/>
+          <a:chOff x="0" y="0"/>
+          <a:chExt cx="0" cy="0"/>
+        </a:xfrm>
+      </p:grpSpPr>
+      <p:sp>
+        <p:nvSpPr>
+          <p:cNvPr id="2" name="Title 1">
+            <a:extLst>
+              <a:ext uri="{FF2B5EF4-FFF2-40B4-BE49-F238E27FC236}">
                 <a16:creationId xmlns:a16="http://schemas.microsoft.com/office/drawing/2014/main" id="{2D2ABFDA-AF32-4BCA-BE15-D9FB9CF11AA4}"/>
               </a:ext>
             </a:extLst>
@@ -9669,7 +10062,7 @@
 </p:sld>
 </file>
 
-<file path=ppt/slides/slide17.xml><?xml version="1.0" encoding="utf-8"?>
+<file path=ppt/slides/slide18.xml><?xml version="1.0" encoding="utf-8"?>
 <p:sld xmlns:a="http://schemas.openxmlformats.org/drawingml/2006/main" xmlns:r="http://schemas.openxmlformats.org/officeDocument/2006/relationships" xmlns:p="http://schemas.openxmlformats.org/presentationml/2006/main">
   <p:cSld>
     <p:spTree>
@@ -10973,7 +11366,7 @@
 </p:sld>
 </file>
 
-<file path=ppt/slides/slide18.xml><?xml version="1.0" encoding="utf-8"?>
+<file path=ppt/slides/slide19.xml><?xml version="1.0" encoding="utf-8"?>
 <p:sld xmlns:a="http://schemas.openxmlformats.org/drawingml/2006/main" xmlns:r="http://schemas.openxmlformats.org/officeDocument/2006/relationships" xmlns:p="http://schemas.openxmlformats.org/presentationml/2006/main">
   <p:cSld>
     <p:spTree>
@@ -11144,145 +11537,6 @@
 </p:sld>
 </file>
 
-<file path=ppt/slides/slide19.xml><?xml version="1.0" encoding="utf-8"?>
-<p:sld xmlns:a="http://schemas.openxmlformats.org/drawingml/2006/main" xmlns:r="http://schemas.openxmlformats.org/officeDocument/2006/relationships" xmlns:p="http://schemas.openxmlformats.org/presentationml/2006/main">
-  <p:cSld>
-    <p:spTree>
-      <p:nvGrpSpPr>
-        <p:cNvPr id="1" name=""/>
-        <p:cNvGrpSpPr/>
-        <p:nvPr/>
-      </p:nvGrpSpPr>
-      <p:grpSpPr>
-        <a:xfrm>
-          <a:off x="0" y="0"/>
-          <a:ext cx="0" cy="0"/>
-          <a:chOff x="0" y="0"/>
-          <a:chExt cx="0" cy="0"/>
-        </a:xfrm>
-      </p:grpSpPr>
-      <p:sp>
-        <p:nvSpPr>
-          <p:cNvPr id="2" name="Title 1">
-            <a:extLst>
-              <a:ext uri="{FF2B5EF4-FFF2-40B4-BE49-F238E27FC236}">
-                <a16:creationId xmlns:a16="http://schemas.microsoft.com/office/drawing/2014/main" id="{AE650928-75B9-4204-9EAF-AF7EDA2E08C7}"/>
-              </a:ext>
-            </a:extLst>
-          </p:cNvPr>
-          <p:cNvSpPr>
-            <a:spLocks noGrp="1"/>
-          </p:cNvSpPr>
-          <p:nvPr>
-            <p:ph type="title"/>
-          </p:nvPr>
-        </p:nvSpPr>
-        <p:spPr/>
-        <p:txBody>
-          <a:bodyPr/>
-          <a:lstStyle/>
-          <a:p>
-            <a:r>
-              <a:rPr lang="en-US" dirty="0"/>
-              <a:t>Installing packages – some tools</a:t>
-            </a:r>
-            <a:endParaRPr lang="en-IL" dirty="0"/>
-          </a:p>
-        </p:txBody>
-      </p:sp>
-      <p:sp>
-        <p:nvSpPr>
-          <p:cNvPr id="3" name="Content Placeholder 2">
-            <a:extLst>
-              <a:ext uri="{FF2B5EF4-FFF2-40B4-BE49-F238E27FC236}">
-                <a16:creationId xmlns:a16="http://schemas.microsoft.com/office/drawing/2014/main" id="{A5CA3D45-3B53-4F6E-B796-220472E415F3}"/>
-              </a:ext>
-            </a:extLst>
-          </p:cNvPr>
-          <p:cNvSpPr>
-            <a:spLocks noGrp="1"/>
-          </p:cNvSpPr>
-          <p:nvPr>
-            <p:ph idx="1"/>
-          </p:nvPr>
-        </p:nvSpPr>
-        <p:spPr/>
-        <p:txBody>
-          <a:bodyPr/>
-          <a:lstStyle/>
-          <a:p>
-            <a:r>
-              <a:rPr lang="en-US" b="1" dirty="0"/>
-              <a:t>pip</a:t>
-            </a:r>
-            <a:r>
-              <a:rPr lang="en-US" dirty="0"/>
-              <a:t>     (requirements.txt)</a:t>
-            </a:r>
-          </a:p>
-          <a:p>
-            <a:r>
-              <a:rPr lang="en-US" dirty="0" err="1"/>
-              <a:t>pipenv</a:t>
-            </a:r>
-            <a:endParaRPr lang="en-US" dirty="0"/>
-          </a:p>
-          <a:p>
-            <a:r>
-              <a:rPr lang="en-US" dirty="0" err="1"/>
-              <a:t>conda</a:t>
-            </a:r>
-            <a:endParaRPr lang="en-US" dirty="0"/>
-          </a:p>
-          <a:p>
-            <a:r>
-              <a:rPr lang="en-US" dirty="0" err="1"/>
-              <a:t>setuptools</a:t>
-            </a:r>
-            <a:endParaRPr lang="en-US" dirty="0"/>
-          </a:p>
-          <a:p>
-            <a:endParaRPr lang="en-US" dirty="0"/>
-          </a:p>
-          <a:p>
-            <a:endParaRPr lang="en-US" dirty="0"/>
-          </a:p>
-          <a:p>
-            <a:r>
-              <a:rPr lang="en-US" dirty="0"/>
-              <a:t>(</a:t>
-            </a:r>
-            <a:r>
-              <a:rPr lang="en-US" dirty="0">
-                <a:solidFill>
-                  <a:schemeClr val="accent6"/>
-                </a:solidFill>
-              </a:rPr>
-              <a:t>demo pip</a:t>
-            </a:r>
-            <a:r>
-              <a:rPr lang="en-US" dirty="0"/>
-              <a:t>)</a:t>
-            </a:r>
-          </a:p>
-          <a:p>
-            <a:endParaRPr lang="en-IL" dirty="0"/>
-          </a:p>
-        </p:txBody>
-      </p:sp>
-    </p:spTree>
-    <p:extLst>
-      <p:ext uri="{BB962C8B-B14F-4D97-AF65-F5344CB8AC3E}">
-        <p14:creationId xmlns:p14="http://schemas.microsoft.com/office/powerpoint/2010/main" val="914576816"/>
-      </p:ext>
-    </p:extLst>
-  </p:cSld>
-  <p:clrMapOvr>
-    <a:masterClrMapping/>
-  </p:clrMapOvr>
-</p:sld>
-</file>
-
 <file path=ppt/slides/slide2.xml><?xml version="1.0" encoding="utf-8"?>
 <p:sld xmlns:a="http://schemas.openxmlformats.org/drawingml/2006/main" xmlns:r="http://schemas.openxmlformats.org/officeDocument/2006/relationships" xmlns:p="http://schemas.openxmlformats.org/presentationml/2006/main">
   <p:cSld>
@@ -11389,7 +11643,7 @@
             <a:pPr lvl="1"/>
             <a:r>
               <a:rPr lang="en-US" dirty="0"/>
-              <a:t>3 * ( 1h lecture + 1 hour hands-on)</a:t>
+              <a:t>3 * ( 1h lecture + 2 hour hands-on)</a:t>
             </a:r>
           </a:p>
           <a:p>
@@ -11532,7 +11786,7 @@
           <p:cNvPr id="2" name="Title 1">
             <a:extLst>
               <a:ext uri="{FF2B5EF4-FFF2-40B4-BE49-F238E27FC236}">
-                <a16:creationId xmlns:a16="http://schemas.microsoft.com/office/drawing/2014/main" id="{0953F5CC-25B3-4920-92B1-4B7A69912AAB}"/>
+                <a16:creationId xmlns:a16="http://schemas.microsoft.com/office/drawing/2014/main" id="{AE650928-75B9-4204-9EAF-AF7EDA2E08C7}"/>
               </a:ext>
             </a:extLst>
           </p:cNvPr>
@@ -11550,11 +11804,7 @@
           <a:p>
             <a:r>
               <a:rPr lang="en-US" dirty="0"/>
-              <a:t>Optimizations </a:t>
-            </a:r>
-            <a:r>
-              <a:rPr lang="en-US" sz="3600" dirty="0"/>
-              <a:t>(of what?)</a:t>
+              <a:t>Installing packages – some tools</a:t>
             </a:r>
             <a:endParaRPr lang="en-IL" dirty="0"/>
           </a:p>
@@ -11565,7 +11815,7 @@
           <p:cNvPr id="3" name="Content Placeholder 2">
             <a:extLst>
               <a:ext uri="{FF2B5EF4-FFF2-40B4-BE49-F238E27FC236}">
-                <a16:creationId xmlns:a16="http://schemas.microsoft.com/office/drawing/2014/main" id="{99991640-B5C9-4804-A626-94EAB1965A14}"/>
+                <a16:creationId xmlns:a16="http://schemas.microsoft.com/office/drawing/2014/main" id="{A5CA3D45-3B53-4F6E-B796-220472E415F3}"/>
               </a:ext>
             </a:extLst>
           </p:cNvPr>
@@ -11582,93 +11832,60 @@
           <a:lstStyle/>
           <a:p>
             <a:r>
-              <a:rPr lang="en-US" dirty="0"/>
-              <a:t>Speed vs. memory?</a:t>
-            </a:r>
-          </a:p>
-          <a:p>
-            <a:pPr lvl="1"/>
-            <a:r>
-              <a:rPr lang="en-US" dirty="0"/>
-              <a:t> Sometimes you can gain in both</a:t>
-            </a:r>
-          </a:p>
-          <a:p>
-            <a:r>
-              <a:rPr lang="en-US" dirty="0"/>
-              <a:t>How to find the hotspots?</a:t>
-            </a:r>
-          </a:p>
-          <a:p>
-            <a:pPr lvl="1"/>
-            <a:r>
-              <a:rPr lang="en-US" dirty="0"/>
-              <a:t>Profiling tools ( </a:t>
-            </a:r>
+              <a:rPr lang="en-US" b="1" dirty="0"/>
+              <a:t>pip</a:t>
+            </a:r>
+            <a:r>
+              <a:rPr lang="en-US" dirty="0"/>
+              <a:t>     (requirements.txt)</a:t>
+            </a:r>
+          </a:p>
+          <a:p>
             <a:r>
               <a:rPr lang="en-US" dirty="0" err="1"/>
-              <a:t>Pycharm</a:t>
-            </a:r>
-            <a:r>
-              <a:rPr lang="en-US" dirty="0"/>
-              <a:t> Pro, </a:t>
-            </a:r>
+              <a:t>pipenv</a:t>
+            </a:r>
+            <a:endParaRPr lang="en-US" dirty="0"/>
+          </a:p>
+          <a:p>
             <a:r>
               <a:rPr lang="en-US" dirty="0" err="1"/>
-              <a:t>cProfile</a:t>
-            </a:r>
-            <a:r>
-              <a:rPr lang="en-US" dirty="0"/>
-              <a:t>, …)</a:t>
-            </a:r>
-          </a:p>
-          <a:p>
-            <a:r>
-              <a:rPr lang="en-US" dirty="0"/>
-              <a:t>Use libraries (</a:t>
-            </a:r>
+              <a:t>conda</a:t>
+            </a:r>
+            <a:endParaRPr lang="en-US" dirty="0"/>
+          </a:p>
+          <a:p>
             <a:r>
               <a:rPr lang="en-US" dirty="0" err="1"/>
-              <a:t>e.g</a:t>
-            </a:r>
-            <a:r>
-              <a:rPr lang="en-US" dirty="0"/>
-              <a:t> </a:t>
-            </a:r>
-            <a:r>
-              <a:rPr lang="en-US" dirty="0" err="1"/>
-              <a:t>Numpy</a:t>
-            </a:r>
-            <a:r>
-              <a:rPr lang="en-US" dirty="0"/>
-              <a:t>) that uses native code</a:t>
-            </a:r>
-          </a:p>
-          <a:p>
-            <a:r>
-              <a:rPr lang="en-US" dirty="0"/>
-              <a:t>Write your own native code library (after you profiled your code)</a:t>
-            </a:r>
-          </a:p>
-          <a:p>
+              <a:t>setuptools</a:t>
+            </a:r>
             <a:endParaRPr lang="en-US" dirty="0"/>
           </a:p>
           <a:p>
-            <a:pPr marL="0" indent="0">
-              <a:buNone/>
-            </a:pPr>
+            <a:endParaRPr lang="en-US" dirty="0"/>
+          </a:p>
+          <a:p>
+            <a:endParaRPr lang="en-US" dirty="0"/>
+          </a:p>
+          <a:p>
+            <a:r>
+              <a:rPr lang="en-US" dirty="0"/>
+              <a:t>(</a:t>
+            </a:r>
             <a:r>
               <a:rPr lang="en-US" dirty="0">
                 <a:solidFill>
-                  <a:srgbClr val="FF0000"/>
+                  <a:schemeClr val="accent6"/>
                 </a:solidFill>
               </a:rPr>
-              <a:t>“Early optimization is the root of all evil” </a:t>
-            </a:r>
-            <a:r>
-              <a:rPr lang="en-US" dirty="0"/>
-              <a:t>(Confucius ) </a:t>
-            </a:r>
+              <a:t>demo pip</a:t>
+            </a:r>
+            <a:r>
+              <a:rPr lang="en-US" dirty="0"/>
+              <a:t>)</a:t>
+            </a:r>
+          </a:p>
+          <a:p>
             <a:endParaRPr lang="en-IL" dirty="0"/>
           </a:p>
         </p:txBody>
@@ -11676,7 +11893,7 @@
     </p:spTree>
     <p:extLst>
       <p:ext uri="{BB962C8B-B14F-4D97-AF65-F5344CB8AC3E}">
-        <p14:creationId xmlns:p14="http://schemas.microsoft.com/office/powerpoint/2010/main" val="1828237256"/>
+        <p14:creationId xmlns:p14="http://schemas.microsoft.com/office/powerpoint/2010/main" val="914576816"/>
       </p:ext>
     </p:extLst>
   </p:cSld>
@@ -11708,7 +11925,7 @@
           <p:cNvPr id="2" name="Title 1">
             <a:extLst>
               <a:ext uri="{FF2B5EF4-FFF2-40B4-BE49-F238E27FC236}">
-                <a16:creationId xmlns:a16="http://schemas.microsoft.com/office/drawing/2014/main" id="{17FFE9F9-F0DB-4784-A828-46FFA65C9B86}"/>
+                <a16:creationId xmlns:a16="http://schemas.microsoft.com/office/drawing/2014/main" id="{0953F5CC-25B3-4920-92B1-4B7A69912AAB}"/>
               </a:ext>
             </a:extLst>
           </p:cNvPr>
@@ -11726,7 +11943,11 @@
           <a:p>
             <a:r>
               <a:rPr lang="en-US" dirty="0"/>
-              <a:t>Code profiling</a:t>
+              <a:t>Optimizations </a:t>
+            </a:r>
+            <a:r>
+              <a:rPr lang="en-US" sz="3600" dirty="0"/>
+              <a:t>(of what?)</a:t>
             </a:r>
             <a:endParaRPr lang="en-IL" dirty="0"/>
           </a:p>
@@ -11737,7 +11958,7 @@
           <p:cNvPr id="3" name="Content Placeholder 2">
             <a:extLst>
               <a:ext uri="{FF2B5EF4-FFF2-40B4-BE49-F238E27FC236}">
-                <a16:creationId xmlns:a16="http://schemas.microsoft.com/office/drawing/2014/main" id="{DC1B7393-F842-48D7-8977-4D8C9D17158F}"/>
+                <a16:creationId xmlns:a16="http://schemas.microsoft.com/office/drawing/2014/main" id="{99991640-B5C9-4804-A626-94EAB1965A14}"/>
               </a:ext>
             </a:extLst>
           </p:cNvPr>
@@ -11755,25 +11976,91 @@
           <a:p>
             <a:r>
               <a:rPr lang="en-US" dirty="0"/>
-              <a:t>Guessing where the code is slow can be very misleading. Measure!</a:t>
-            </a:r>
-          </a:p>
-          <a:p>
-            <a:r>
-              <a:rPr lang="en-US" dirty="0"/>
-              <a:t>The measurement tool is called a Profiler. </a:t>
-            </a:r>
-          </a:p>
-          <a:p>
-            <a:r>
-              <a:rPr lang="en-US" dirty="0"/>
-              <a:t>Run your code with several inputs (to cover most common control flows)</a:t>
-            </a:r>
-          </a:p>
-          <a:p>
-            <a:r>
-              <a:rPr lang="en-US" dirty="0"/>
-              <a:t>We will see an example down the road (if there is enough time)</a:t>
+              <a:t>Speed vs. memory?</a:t>
+            </a:r>
+          </a:p>
+          <a:p>
+            <a:pPr lvl="1"/>
+            <a:r>
+              <a:rPr lang="en-US" dirty="0"/>
+              <a:t> Sometimes you can gain in both</a:t>
+            </a:r>
+          </a:p>
+          <a:p>
+            <a:r>
+              <a:rPr lang="en-US" dirty="0"/>
+              <a:t>How to find the hotspots?</a:t>
+            </a:r>
+          </a:p>
+          <a:p>
+            <a:pPr lvl="1"/>
+            <a:r>
+              <a:rPr lang="en-US" dirty="0"/>
+              <a:t>Profiling tools ( </a:t>
+            </a:r>
+            <a:r>
+              <a:rPr lang="en-US" dirty="0" err="1"/>
+              <a:t>Pycharm</a:t>
+            </a:r>
+            <a:r>
+              <a:rPr lang="en-US" dirty="0"/>
+              <a:t> Pro, </a:t>
+            </a:r>
+            <a:r>
+              <a:rPr lang="en-US" dirty="0" err="1"/>
+              <a:t>cProfile</a:t>
+            </a:r>
+            <a:r>
+              <a:rPr lang="en-US" dirty="0"/>
+              <a:t>, …)</a:t>
+            </a:r>
+          </a:p>
+          <a:p>
+            <a:r>
+              <a:rPr lang="en-US" dirty="0"/>
+              <a:t>Use libraries (</a:t>
+            </a:r>
+            <a:r>
+              <a:rPr lang="en-US" dirty="0" err="1"/>
+              <a:t>e.g</a:t>
+            </a:r>
+            <a:r>
+              <a:rPr lang="en-US" dirty="0"/>
+              <a:t> </a:t>
+            </a:r>
+            <a:r>
+              <a:rPr lang="en-US" dirty="0" err="1"/>
+              <a:t>Numpy</a:t>
+            </a:r>
+            <a:r>
+              <a:rPr lang="en-US" dirty="0"/>
+              <a:t>) that uses native code</a:t>
+            </a:r>
+          </a:p>
+          <a:p>
+            <a:r>
+              <a:rPr lang="en-US" dirty="0"/>
+              <a:t>Write your own native code library (after you profiled your code)</a:t>
+            </a:r>
+          </a:p>
+          <a:p>
+            <a:endParaRPr lang="en-US" dirty="0"/>
+          </a:p>
+          <a:p>
+            <a:pPr marL="0" indent="0">
+              <a:buNone/>
+            </a:pPr>
+            <a:r>
+              <a:rPr lang="en-US" dirty="0">
+                <a:solidFill>
+                  <a:srgbClr val="FF0000"/>
+                </a:solidFill>
+              </a:rPr>
+              <a:t>“Early optimization is the root of all evil” </a:t>
+            </a:r>
+            <a:r>
+              <a:rPr lang="en-US" dirty="0"/>
+              <a:t>(Confucius ) </a:t>
             </a:r>
             <a:endParaRPr lang="en-IL" dirty="0"/>
           </a:p>
@@ -11782,7 +12069,7 @@
     </p:spTree>
     <p:extLst>
       <p:ext uri="{BB962C8B-B14F-4D97-AF65-F5344CB8AC3E}">
-        <p14:creationId xmlns:p14="http://schemas.microsoft.com/office/powerpoint/2010/main" val="3757237208"/>
+        <p14:creationId xmlns:p14="http://schemas.microsoft.com/office/powerpoint/2010/main" val="1828237256"/>
       </p:ext>
     </p:extLst>
   </p:cSld>
@@ -11814,7 +12101,7 @@
           <p:cNvPr id="2" name="Title 1">
             <a:extLst>
               <a:ext uri="{FF2B5EF4-FFF2-40B4-BE49-F238E27FC236}">
-                <a16:creationId xmlns:a16="http://schemas.microsoft.com/office/drawing/2014/main" id="{F9243501-C93C-453D-ACA8-7252CC5F2A21}"/>
+                <a16:creationId xmlns:a16="http://schemas.microsoft.com/office/drawing/2014/main" id="{17FFE9F9-F0DB-4784-A828-46FFA65C9B86}"/>
               </a:ext>
             </a:extLst>
           </p:cNvPr>
@@ -11832,7 +12119,7 @@
           <a:p>
             <a:r>
               <a:rPr lang="en-US" dirty="0"/>
-              <a:t>Python implementations</a:t>
+              <a:t>Code profiling</a:t>
             </a:r>
             <a:endParaRPr lang="en-IL" dirty="0"/>
           </a:p>
@@ -11843,7 +12130,7 @@
           <p:cNvPr id="3" name="Content Placeholder 2">
             <a:extLst>
               <a:ext uri="{FF2B5EF4-FFF2-40B4-BE49-F238E27FC236}">
-                <a16:creationId xmlns:a16="http://schemas.microsoft.com/office/drawing/2014/main" id="{CFE62499-B454-426B-9233-01E91A9B51EF}"/>
+                <a16:creationId xmlns:a16="http://schemas.microsoft.com/office/drawing/2014/main" id="{DC1B7393-F842-48D7-8977-4D8C9D17158F}"/>
               </a:ext>
             </a:extLst>
           </p:cNvPr>
@@ -11861,55 +12148,25 @@
           <a:p>
             <a:r>
               <a:rPr lang="en-US" dirty="0"/>
-              <a:t>The default implementation is written in C, and is a stupid interpreter.</a:t>
-            </a:r>
-          </a:p>
-          <a:p>
-            <a:r>
-              <a:rPr lang="en-US" dirty="0"/>
-              <a:t>Alternatives: (both have </a:t>
-            </a:r>
-            <a:r>
-              <a:rPr lang="en-US" dirty="0" err="1"/>
-              <a:t>JustInTime</a:t>
-            </a:r>
-            <a:r>
-              <a:rPr lang="en-US" dirty="0"/>
-              <a:t> compilation)</a:t>
-            </a:r>
-          </a:p>
-          <a:p>
-            <a:pPr lvl="1"/>
-            <a:r>
-              <a:rPr lang="en-US" dirty="0" err="1"/>
-              <a:t>Pypy</a:t>
-            </a:r>
-            <a:r>
-              <a:rPr lang="en-US" dirty="0"/>
-              <a:t>     : latest build (as of 2019-06) is compatible with </a:t>
-            </a:r>
-            <a:r>
-              <a:rPr lang="en-US" dirty="0" err="1"/>
-              <a:t>cpython</a:t>
-            </a:r>
-            <a:r>
-              <a:rPr lang="en-US" dirty="0"/>
-              <a:t> 3.5.3</a:t>
-            </a:r>
-          </a:p>
-          <a:p>
-            <a:pPr lvl="1"/>
-            <a:r>
-              <a:rPr lang="en-US" dirty="0"/>
-              <a:t> </a:t>
-            </a:r>
-            <a:r>
-              <a:rPr lang="en-US" dirty="0" err="1"/>
-              <a:t>jython</a:t>
-            </a:r>
-            <a:r>
-              <a:rPr lang="en-US" dirty="0"/>
-              <a:t> : python that runs on JVM. The python code can call Java libs!</a:t>
+              <a:t>Guessing where the code is slow can be very misleading. Measure!</a:t>
+            </a:r>
+          </a:p>
+          <a:p>
+            <a:r>
+              <a:rPr lang="en-US" dirty="0"/>
+              <a:t>The measurement tool is called a Profiler. </a:t>
+            </a:r>
+          </a:p>
+          <a:p>
+            <a:r>
+              <a:rPr lang="en-US" dirty="0"/>
+              <a:t>Run your code with several inputs (to cover most common control flows)</a:t>
+            </a:r>
+          </a:p>
+          <a:p>
+            <a:r>
+              <a:rPr lang="en-US" dirty="0"/>
+              <a:t>We will see an example down the road (if there is enough time)</a:t>
             </a:r>
             <a:endParaRPr lang="en-IL" dirty="0"/>
           </a:p>
@@ -11918,7 +12175,7 @@
     </p:spTree>
     <p:extLst>
       <p:ext uri="{BB962C8B-B14F-4D97-AF65-F5344CB8AC3E}">
-        <p14:creationId xmlns:p14="http://schemas.microsoft.com/office/powerpoint/2010/main" val="920220994"/>
+        <p14:creationId xmlns:p14="http://schemas.microsoft.com/office/powerpoint/2010/main" val="3757237208"/>
       </p:ext>
     </p:extLst>
   </p:cSld>
@@ -11931,40 +12188,6 @@
 <file path=ppt/slides/slide23.xml><?xml version="1.0" encoding="utf-8"?>
 <p:sld xmlns:a="http://schemas.openxmlformats.org/drawingml/2006/main" xmlns:r="http://schemas.openxmlformats.org/officeDocument/2006/relationships" xmlns:p="http://schemas.openxmlformats.org/presentationml/2006/main">
   <p:cSld>
-    <p:bg>
-      <p:bgPr>
-        <a:gradFill>
-          <a:gsLst>
-            <a:gs pos="0">
-              <a:schemeClr val="accent1">
-                <a:lumMod val="5000"/>
-                <a:lumOff val="95000"/>
-              </a:schemeClr>
-            </a:gs>
-            <a:gs pos="74000">
-              <a:schemeClr val="accent1">
-                <a:lumMod val="45000"/>
-                <a:lumOff val="55000"/>
-              </a:schemeClr>
-            </a:gs>
-            <a:gs pos="83000">
-              <a:schemeClr val="accent1">
-                <a:lumMod val="45000"/>
-                <a:lumOff val="55000"/>
-              </a:schemeClr>
-            </a:gs>
-            <a:gs pos="100000">
-              <a:schemeClr val="accent1">
-                <a:lumMod val="30000"/>
-                <a:lumOff val="70000"/>
-              </a:schemeClr>
-            </a:gs>
-          </a:gsLst>
-          <a:lin ang="5400000" scaled="1"/>
-        </a:gradFill>
-        <a:effectLst/>
-      </p:bgPr>
-    </p:bg>
     <p:spTree>
       <p:nvGrpSpPr>
         <p:cNvPr id="1" name=""/>
@@ -11984,7 +12207,7 @@
           <p:cNvPr id="2" name="Title 1">
             <a:extLst>
               <a:ext uri="{FF2B5EF4-FFF2-40B4-BE49-F238E27FC236}">
-                <a16:creationId xmlns:a16="http://schemas.microsoft.com/office/drawing/2014/main" id="{46ED0E52-E63C-48E2-A0D8-1DB6E65B4920}"/>
+                <a16:creationId xmlns:a16="http://schemas.microsoft.com/office/drawing/2014/main" id="{F9243501-C93C-453D-ACA8-7252CC5F2A21}"/>
               </a:ext>
             </a:extLst>
           </p:cNvPr>
@@ -12002,7 +12225,7 @@
           <a:p>
             <a:r>
               <a:rPr lang="en-US" dirty="0"/>
-              <a:t>Introducing selected packages</a:t>
+              <a:t>Python implementations</a:t>
             </a:r>
             <a:endParaRPr lang="en-IL" dirty="0"/>
           </a:p>
@@ -12013,7 +12236,7 @@
           <p:cNvPr id="3" name="Content Placeholder 2">
             <a:extLst>
               <a:ext uri="{FF2B5EF4-FFF2-40B4-BE49-F238E27FC236}">
-                <a16:creationId xmlns:a16="http://schemas.microsoft.com/office/drawing/2014/main" id="{7D55E15C-D33D-404E-93FA-345F4F41B3FD}"/>
+                <a16:creationId xmlns:a16="http://schemas.microsoft.com/office/drawing/2014/main" id="{CFE62499-B454-426B-9233-01E91A9B51EF}"/>
               </a:ext>
             </a:extLst>
           </p:cNvPr>
@@ -12029,61 +12252,58 @@
           <a:bodyPr/>
           <a:lstStyle/>
           <a:p>
-            <a:pPr fontAlgn="base"/>
+            <a:r>
+              <a:rPr lang="en-US" dirty="0"/>
+              <a:t>The default implementation is written in C, and is a stupid interpreter.</a:t>
+            </a:r>
+          </a:p>
+          <a:p>
+            <a:r>
+              <a:rPr lang="en-US" dirty="0"/>
+              <a:t>Alternatives: (both have </a:t>
+            </a:r>
             <a:r>
               <a:rPr lang="en-US" dirty="0" err="1"/>
-              <a:t>scrapy</a:t>
-            </a:r>
-            <a:r>
-              <a:rPr lang="en-US" dirty="0"/>
-              <a:t> – if you need to collect the data set yourself from a web site.</a:t>
-            </a:r>
-          </a:p>
-          <a:p>
-            <a:pPr fontAlgn="base"/>
-            <a:r>
-              <a:rPr lang="en-US" dirty="0"/>
-              <a:t>SciPy </a:t>
-            </a:r>
-          </a:p>
-          <a:p>
-            <a:pPr fontAlgn="base"/>
-            <a:r>
-              <a:rPr lang="en-US" b="1" dirty="0"/>
-              <a:t>NumPy </a:t>
-            </a:r>
-          </a:p>
-          <a:p>
-            <a:pPr fontAlgn="base"/>
-            <a:r>
-              <a:rPr lang="en-US" b="1" dirty="0"/>
-              <a:t>Pandas</a:t>
-            </a:r>
-          </a:p>
-          <a:p>
-            <a:pPr fontAlgn="base"/>
+              <a:t>JustInTime</a:t>
+            </a:r>
+            <a:r>
+              <a:rPr lang="en-US" dirty="0"/>
+              <a:t> compilation)</a:t>
+            </a:r>
+          </a:p>
+          <a:p>
+            <a:pPr lvl="1"/>
             <a:r>
               <a:rPr lang="en-US" dirty="0" err="1"/>
-              <a:t>scikit</a:t>
-            </a:r>
-            <a:r>
-              <a:rPr lang="en-US" dirty="0"/>
-              <a:t>-learn</a:t>
-            </a:r>
-          </a:p>
-          <a:p>
-            <a:pPr marL="0" indent="0" fontAlgn="base">
-              <a:buNone/>
-            </a:pPr>
+              <a:t>Pypy</a:t>
+            </a:r>
+            <a:r>
+              <a:rPr lang="en-US" dirty="0"/>
+              <a:t>     : latest build (as of 2019-06) is compatible with </a:t>
+            </a:r>
+            <a:r>
+              <a:rPr lang="en-US" dirty="0" err="1"/>
+              <a:t>cpython</a:t>
+            </a:r>
+            <a:r>
+              <a:rPr lang="en-US" dirty="0"/>
+              <a:t> 3.5.3</a:t>
+            </a:r>
+          </a:p>
+          <a:p>
+            <a:pPr lvl="1"/>
             <a:r>
               <a:rPr lang="en-US" dirty="0"/>
               <a:t> </a:t>
             </a:r>
-          </a:p>
-          <a:p>
-            <a:pPr marL="0" indent="0">
-              <a:buNone/>
-            </a:pPr>
+            <a:r>
+              <a:rPr lang="en-US" dirty="0" err="1"/>
+              <a:t>jython</a:t>
+            </a:r>
+            <a:r>
+              <a:rPr lang="en-US" dirty="0"/>
+              <a:t> : python that runs on JVM. The python code can call Java libs!</a:t>
+            </a:r>
             <a:endParaRPr lang="en-IL" dirty="0"/>
           </a:p>
         </p:txBody>
@@ -12091,7 +12311,7 @@
     </p:spTree>
     <p:extLst>
       <p:ext uri="{BB962C8B-B14F-4D97-AF65-F5344CB8AC3E}">
-        <p14:creationId xmlns:p14="http://schemas.microsoft.com/office/powerpoint/2010/main" val="3738750185"/>
+        <p14:creationId xmlns:p14="http://schemas.microsoft.com/office/powerpoint/2010/main" val="920220994"/>
       </p:ext>
     </p:extLst>
   </p:cSld>
@@ -12157,6 +12377,179 @@
           <p:cNvPr id="2" name="Title 1">
             <a:extLst>
               <a:ext uri="{FF2B5EF4-FFF2-40B4-BE49-F238E27FC236}">
+                <a16:creationId xmlns:a16="http://schemas.microsoft.com/office/drawing/2014/main" id="{46ED0E52-E63C-48E2-A0D8-1DB6E65B4920}"/>
+              </a:ext>
+            </a:extLst>
+          </p:cNvPr>
+          <p:cNvSpPr>
+            <a:spLocks noGrp="1"/>
+          </p:cNvSpPr>
+          <p:nvPr>
+            <p:ph type="title"/>
+          </p:nvPr>
+        </p:nvSpPr>
+        <p:spPr/>
+        <p:txBody>
+          <a:bodyPr/>
+          <a:lstStyle/>
+          <a:p>
+            <a:r>
+              <a:rPr lang="en-US" dirty="0"/>
+              <a:t>Introducing selected packages</a:t>
+            </a:r>
+            <a:endParaRPr lang="en-IL" dirty="0"/>
+          </a:p>
+        </p:txBody>
+      </p:sp>
+      <p:sp>
+        <p:nvSpPr>
+          <p:cNvPr id="3" name="Content Placeholder 2">
+            <a:extLst>
+              <a:ext uri="{FF2B5EF4-FFF2-40B4-BE49-F238E27FC236}">
+                <a16:creationId xmlns:a16="http://schemas.microsoft.com/office/drawing/2014/main" id="{7D55E15C-D33D-404E-93FA-345F4F41B3FD}"/>
+              </a:ext>
+            </a:extLst>
+          </p:cNvPr>
+          <p:cNvSpPr>
+            <a:spLocks noGrp="1"/>
+          </p:cNvSpPr>
+          <p:nvPr>
+            <p:ph idx="1"/>
+          </p:nvPr>
+        </p:nvSpPr>
+        <p:spPr/>
+        <p:txBody>
+          <a:bodyPr/>
+          <a:lstStyle/>
+          <a:p>
+            <a:pPr fontAlgn="base"/>
+            <a:r>
+              <a:rPr lang="en-US" dirty="0" err="1"/>
+              <a:t>scrapy</a:t>
+            </a:r>
+            <a:r>
+              <a:rPr lang="en-US" dirty="0"/>
+              <a:t> – if you need to collect the data set yourself from a web site.</a:t>
+            </a:r>
+          </a:p>
+          <a:p>
+            <a:pPr fontAlgn="base"/>
+            <a:r>
+              <a:rPr lang="en-US" dirty="0"/>
+              <a:t>SciPy </a:t>
+            </a:r>
+          </a:p>
+          <a:p>
+            <a:pPr fontAlgn="base"/>
+            <a:r>
+              <a:rPr lang="en-US" b="1" dirty="0"/>
+              <a:t>NumPy </a:t>
+            </a:r>
+          </a:p>
+          <a:p>
+            <a:pPr fontAlgn="base"/>
+            <a:r>
+              <a:rPr lang="en-US" b="1" dirty="0"/>
+              <a:t>Pandas</a:t>
+            </a:r>
+          </a:p>
+          <a:p>
+            <a:pPr fontAlgn="base"/>
+            <a:r>
+              <a:rPr lang="en-US" dirty="0" err="1"/>
+              <a:t>scikit</a:t>
+            </a:r>
+            <a:r>
+              <a:rPr lang="en-US" dirty="0"/>
+              <a:t>-learn</a:t>
+            </a:r>
+          </a:p>
+          <a:p>
+            <a:pPr marL="0" indent="0" fontAlgn="base">
+              <a:buNone/>
+            </a:pPr>
+            <a:r>
+              <a:rPr lang="en-US" dirty="0"/>
+              <a:t> </a:t>
+            </a:r>
+          </a:p>
+          <a:p>
+            <a:pPr marL="0" indent="0">
+              <a:buNone/>
+            </a:pPr>
+            <a:endParaRPr lang="en-IL" dirty="0"/>
+          </a:p>
+        </p:txBody>
+      </p:sp>
+    </p:spTree>
+    <p:extLst>
+      <p:ext uri="{BB962C8B-B14F-4D97-AF65-F5344CB8AC3E}">
+        <p14:creationId xmlns:p14="http://schemas.microsoft.com/office/powerpoint/2010/main" val="3738750185"/>
+      </p:ext>
+    </p:extLst>
+  </p:cSld>
+  <p:clrMapOvr>
+    <a:masterClrMapping/>
+  </p:clrMapOvr>
+</p:sld>
+</file>
+
+<file path=ppt/slides/slide25.xml><?xml version="1.0" encoding="utf-8"?>
+<p:sld xmlns:a="http://schemas.openxmlformats.org/drawingml/2006/main" xmlns:r="http://schemas.openxmlformats.org/officeDocument/2006/relationships" xmlns:p="http://schemas.openxmlformats.org/presentationml/2006/main">
+  <p:cSld>
+    <p:bg>
+      <p:bgPr>
+        <a:gradFill>
+          <a:gsLst>
+            <a:gs pos="0">
+              <a:schemeClr val="accent1">
+                <a:lumMod val="5000"/>
+                <a:lumOff val="95000"/>
+              </a:schemeClr>
+            </a:gs>
+            <a:gs pos="74000">
+              <a:schemeClr val="accent1">
+                <a:lumMod val="45000"/>
+                <a:lumOff val="55000"/>
+              </a:schemeClr>
+            </a:gs>
+            <a:gs pos="83000">
+              <a:schemeClr val="accent1">
+                <a:lumMod val="45000"/>
+                <a:lumOff val="55000"/>
+              </a:schemeClr>
+            </a:gs>
+            <a:gs pos="100000">
+              <a:schemeClr val="accent1">
+                <a:lumMod val="30000"/>
+                <a:lumOff val="70000"/>
+              </a:schemeClr>
+            </a:gs>
+          </a:gsLst>
+          <a:lin ang="5400000" scaled="1"/>
+        </a:gradFill>
+        <a:effectLst/>
+      </p:bgPr>
+    </p:bg>
+    <p:spTree>
+      <p:nvGrpSpPr>
+        <p:cNvPr id="1" name=""/>
+        <p:cNvGrpSpPr/>
+        <p:nvPr/>
+      </p:nvGrpSpPr>
+      <p:grpSpPr>
+        <a:xfrm>
+          <a:off x="0" y="0"/>
+          <a:ext cx="0" cy="0"/>
+          <a:chOff x="0" y="0"/>
+          <a:chExt cx="0" cy="0"/>
+        </a:xfrm>
+      </p:grpSpPr>
+      <p:sp>
+        <p:nvSpPr>
+          <p:cNvPr id="2" name="Title 1">
+            <a:extLst>
+              <a:ext uri="{FF2B5EF4-FFF2-40B4-BE49-F238E27FC236}">
                 <a16:creationId xmlns:a16="http://schemas.microsoft.com/office/drawing/2014/main" id="{DB123991-850E-40FA-B0B8-07B2A1FBA24E}"/>
               </a:ext>
             </a:extLst>
@@ -12261,7 +12654,7 @@
 </p:sld>
 </file>
 
-<file path=ppt/slides/slide25.xml><?xml version="1.0" encoding="utf-8"?>
+<file path=ppt/slides/slide26.xml><?xml version="1.0" encoding="utf-8"?>
 <p:sld xmlns:a="http://schemas.openxmlformats.org/drawingml/2006/main" xmlns:r="http://schemas.openxmlformats.org/officeDocument/2006/relationships" xmlns:p="http://schemas.openxmlformats.org/presentationml/2006/main">
   <p:cSld>
     <p:spTree>
@@ -12396,7 +12789,7 @@
 </p:sld>
 </file>
 
-<file path=ppt/slides/slide26.xml><?xml version="1.0" encoding="utf-8"?>
+<file path=ppt/slides/slide27.xml><?xml version="1.0" encoding="utf-8"?>
 <p:sld xmlns:a="http://schemas.openxmlformats.org/drawingml/2006/main" xmlns:r="http://schemas.openxmlformats.org/officeDocument/2006/relationships" xmlns:p="http://schemas.openxmlformats.org/presentationml/2006/main">
   <p:cSld>
     <p:spTree>
@@ -12783,247 +13176,6 @@
 </p:sld>
 </file>
 
-<file path=ppt/slides/slide27.xml><?xml version="1.0" encoding="utf-8"?>
-<p:sld xmlns:a="http://schemas.openxmlformats.org/drawingml/2006/main" xmlns:r="http://schemas.openxmlformats.org/officeDocument/2006/relationships" xmlns:p="http://schemas.openxmlformats.org/presentationml/2006/main">
-  <p:cSld>
-    <p:spTree>
-      <p:nvGrpSpPr>
-        <p:cNvPr id="1" name=""/>
-        <p:cNvGrpSpPr/>
-        <p:nvPr/>
-      </p:nvGrpSpPr>
-      <p:grpSpPr>
-        <a:xfrm>
-          <a:off x="0" y="0"/>
-          <a:ext cx="0" cy="0"/>
-          <a:chOff x="0" y="0"/>
-          <a:chExt cx="0" cy="0"/>
-        </a:xfrm>
-      </p:grpSpPr>
-      <p:sp>
-        <p:nvSpPr>
-          <p:cNvPr id="2" name="Title 1">
-            <a:extLst>
-              <a:ext uri="{FF2B5EF4-FFF2-40B4-BE49-F238E27FC236}">
-                <a16:creationId xmlns:a16="http://schemas.microsoft.com/office/drawing/2014/main" id="{D06D3B45-46F0-4916-B4B8-C858CBF04FA1}"/>
-              </a:ext>
-            </a:extLst>
-          </p:cNvPr>
-          <p:cNvSpPr>
-            <a:spLocks noGrp="1"/>
-          </p:cNvSpPr>
-          <p:nvPr>
-            <p:ph type="title"/>
-          </p:nvPr>
-        </p:nvSpPr>
-        <p:spPr/>
-        <p:txBody>
-          <a:bodyPr>
-            <a:normAutofit/>
-          </a:bodyPr>
-          <a:lstStyle/>
-          <a:p>
-            <a:r>
-              <a:rPr lang="en-US" dirty="0"/>
-              <a:t>Generators</a:t>
-            </a:r>
-            <a:br>
-              <a:rPr lang="en-US" dirty="0"/>
-            </a:br>
-            <a:r>
-              <a:rPr lang="en-US" sz="1600" dirty="0">
-                <a:hlinkClick r:id="rId2"/>
-              </a:rPr>
-              <a:t>https://www.programiz.com/python-programming/generator</a:t>
-            </a:r>
-            <a:endParaRPr lang="en-IL" dirty="0"/>
-          </a:p>
-        </p:txBody>
-      </p:sp>
-      <p:sp>
-        <p:nvSpPr>
-          <p:cNvPr id="3" name="Content Placeholder 2">
-            <a:extLst>
-              <a:ext uri="{FF2B5EF4-FFF2-40B4-BE49-F238E27FC236}">
-                <a16:creationId xmlns:a16="http://schemas.microsoft.com/office/drawing/2014/main" id="{33E46937-2862-40D2-AB02-DE360699FFEC}"/>
-              </a:ext>
-            </a:extLst>
-          </p:cNvPr>
-          <p:cNvSpPr>
-            <a:spLocks noGrp="1"/>
-          </p:cNvSpPr>
-          <p:nvPr>
-            <p:ph idx="1"/>
-          </p:nvPr>
-        </p:nvSpPr>
-        <p:spPr/>
-        <p:txBody>
-          <a:bodyPr>
-            <a:normAutofit lnSpcReduction="10000"/>
-          </a:bodyPr>
-          <a:lstStyle/>
-          <a:p>
-            <a:pPr marL="0" indent="0">
-              <a:buNone/>
-            </a:pPr>
-            <a:r>
-              <a:rPr lang="en-US" sz="2400" dirty="0"/>
-              <a:t>Here is how a generator function differs from a normal function.</a:t>
-            </a:r>
-          </a:p>
-          <a:p>
-            <a:r>
-              <a:rPr lang="en-US" sz="2400" dirty="0"/>
-              <a:t>Generator function contains one or more </a:t>
-            </a:r>
-            <a:r>
-              <a:rPr lang="en-US" sz="2400" dirty="0">
-                <a:highlight>
-                  <a:srgbClr val="FFFF00"/>
-                </a:highlight>
-              </a:rPr>
-              <a:t>yield</a:t>
-            </a:r>
-            <a:r>
-              <a:rPr lang="en-US" sz="2400" dirty="0"/>
-              <a:t> statement.</a:t>
-            </a:r>
-          </a:p>
-          <a:p>
-            <a:r>
-              <a:rPr lang="en-US" sz="2400" dirty="0"/>
-              <a:t>When called, it returns an object (iterator) but does not start execution immediately.</a:t>
-            </a:r>
-          </a:p>
-          <a:p>
-            <a:r>
-              <a:rPr lang="en-US" sz="2400" dirty="0"/>
-              <a:t>Methods like __</a:t>
-            </a:r>
-            <a:r>
-              <a:rPr lang="en-US" sz="2400" dirty="0" err="1"/>
-              <a:t>iter</a:t>
-            </a:r>
-            <a:r>
-              <a:rPr lang="en-US" sz="2400" dirty="0"/>
-              <a:t>__() and __next__() are implemented automatically. So we can iterate through the items using next().</a:t>
-            </a:r>
-          </a:p>
-          <a:p>
-            <a:r>
-              <a:rPr lang="en-US" sz="2400" dirty="0"/>
-              <a:t>Once the function yields, the function is paused and the control is transferred to the caller.</a:t>
-            </a:r>
-          </a:p>
-          <a:p>
-            <a:r>
-              <a:rPr lang="en-US" sz="2400" dirty="0"/>
-              <a:t>Local variables and their states are remembered between successive calls.</a:t>
-            </a:r>
-          </a:p>
-          <a:p>
-            <a:r>
-              <a:rPr lang="en-US" sz="2400" dirty="0"/>
-              <a:t>Finally, when the function terminates, </a:t>
-            </a:r>
-            <a:r>
-              <a:rPr lang="en-US" sz="2400" dirty="0" err="1"/>
-              <a:t>StopIteration</a:t>
-            </a:r>
-            <a:r>
-              <a:rPr lang="en-US" sz="2400" dirty="0"/>
-              <a:t> is raised automatically on further calls</a:t>
-            </a:r>
-            <a:endParaRPr lang="en-IL" sz="2400" dirty="0"/>
-          </a:p>
-        </p:txBody>
-      </p:sp>
-      <p:sp>
-        <p:nvSpPr>
-          <p:cNvPr id="9" name="Rectangle 8">
-            <a:extLst>
-              <a:ext uri="{FF2B5EF4-FFF2-40B4-BE49-F238E27FC236}">
-                <a16:creationId xmlns:a16="http://schemas.microsoft.com/office/drawing/2014/main" id="{4BC32687-1517-483B-B044-A8A2FC7E62B9}"/>
-              </a:ext>
-            </a:extLst>
-          </p:cNvPr>
-          <p:cNvSpPr/>
-          <p:nvPr/>
-        </p:nvSpPr>
-        <p:spPr>
-          <a:xfrm>
-            <a:off x="4673600" y="5715298"/>
-            <a:ext cx="6680200" cy="923330"/>
-          </a:xfrm>
-          <a:prstGeom prst="rect">
-            <a:avLst/>
-          </a:prstGeom>
-        </p:spPr>
-        <p:txBody>
-          <a:bodyPr wrap="square">
-            <a:spAutoFit/>
-          </a:bodyPr>
-          <a:lstStyle/>
-          <a:p>
-            <a:r>
-              <a:rPr lang="en-US" dirty="0">
-                <a:latin typeface="Courier New" panose="02070309020205020404" pitchFamily="49" charset="0"/>
-                <a:cs typeface="Courier New" panose="02070309020205020404" pitchFamily="49" charset="0"/>
-              </a:rPr>
-              <a:t>def reverse(data):</a:t>
-            </a:r>
-          </a:p>
-          <a:p>
-            <a:r>
-              <a:rPr lang="en-US" dirty="0">
-                <a:latin typeface="Courier New" panose="02070309020205020404" pitchFamily="49" charset="0"/>
-                <a:cs typeface="Courier New" panose="02070309020205020404" pitchFamily="49" charset="0"/>
-              </a:rPr>
-              <a:t>    for index in range(</a:t>
-            </a:r>
-            <a:r>
-              <a:rPr lang="en-US" dirty="0" err="1">
-                <a:latin typeface="Courier New" panose="02070309020205020404" pitchFamily="49" charset="0"/>
-                <a:cs typeface="Courier New" panose="02070309020205020404" pitchFamily="49" charset="0"/>
-              </a:rPr>
-              <a:t>len</a:t>
-            </a:r>
-            <a:r>
-              <a:rPr lang="en-US" dirty="0">
-                <a:latin typeface="Courier New" panose="02070309020205020404" pitchFamily="49" charset="0"/>
-                <a:cs typeface="Courier New" panose="02070309020205020404" pitchFamily="49" charset="0"/>
-              </a:rPr>
-              <a:t>(data)-1, -1, -1):</a:t>
-            </a:r>
-          </a:p>
-          <a:p>
-            <a:r>
-              <a:rPr lang="en-US" dirty="0">
-                <a:latin typeface="Courier New" panose="02070309020205020404" pitchFamily="49" charset="0"/>
-                <a:cs typeface="Courier New" panose="02070309020205020404" pitchFamily="49" charset="0"/>
-              </a:rPr>
-              <a:t>        yield data[index]</a:t>
-            </a:r>
-            <a:endParaRPr lang="en-IL" dirty="0">
-              <a:latin typeface="Courier New" panose="02070309020205020404" pitchFamily="49" charset="0"/>
-              <a:cs typeface="Courier New" panose="02070309020205020404" pitchFamily="49" charset="0"/>
-            </a:endParaRPr>
-          </a:p>
-        </p:txBody>
-      </p:sp>
-    </p:spTree>
-    <p:extLst>
-      <p:ext uri="{BB962C8B-B14F-4D97-AF65-F5344CB8AC3E}">
-        <p14:creationId xmlns:p14="http://schemas.microsoft.com/office/powerpoint/2010/main" val="3126482207"/>
-      </p:ext>
-    </p:extLst>
-  </p:cSld>
-  <p:clrMapOvr>
-    <a:masterClrMapping/>
-  </p:clrMapOvr>
-</p:sld>
-</file>
-
 <file path=ppt/slides/slide28.xml><?xml version="1.0" encoding="utf-8"?>
 <p:sld xmlns:a="http://schemas.openxmlformats.org/drawingml/2006/main" xmlns:r="http://schemas.openxmlformats.org/officeDocument/2006/relationships" xmlns:p="http://schemas.openxmlformats.org/presentationml/2006/main">
   <p:cSld>
@@ -13046,7 +13198,7 @@
           <p:cNvPr id="2" name="Title 1">
             <a:extLst>
               <a:ext uri="{FF2B5EF4-FFF2-40B4-BE49-F238E27FC236}">
-                <a16:creationId xmlns:a16="http://schemas.microsoft.com/office/drawing/2014/main" id="{3DE598E6-3F5D-4DCF-A41B-378B97465A3B}"/>
+                <a16:creationId xmlns:a16="http://schemas.microsoft.com/office/drawing/2014/main" id="{D06D3B45-46F0-4916-B4B8-C858CBF04FA1}"/>
               </a:ext>
             </a:extLst>
           </p:cNvPr>
@@ -13055,35 +13207,6 @@
           </p:cNvSpPr>
           <p:nvPr>
             <p:ph type="title"/>
-          </p:nvPr>
-        </p:nvSpPr>
-        <p:spPr/>
-        <p:txBody>
-          <a:bodyPr/>
-          <a:lstStyle/>
-          <a:p>
-            <a:r>
-              <a:rPr lang="en-US" dirty="0"/>
-              <a:t>Decorators</a:t>
-            </a:r>
-            <a:endParaRPr lang="en-IL" dirty="0"/>
-          </a:p>
-        </p:txBody>
-      </p:sp>
-      <p:sp>
-        <p:nvSpPr>
-          <p:cNvPr id="3" name="Content Placeholder 2">
-            <a:extLst>
-              <a:ext uri="{FF2B5EF4-FFF2-40B4-BE49-F238E27FC236}">
-                <a16:creationId xmlns:a16="http://schemas.microsoft.com/office/drawing/2014/main" id="{F7A8A4F1-D700-4B78-B60C-DF7B258329B0}"/>
-              </a:ext>
-            </a:extLst>
-          </p:cNvPr>
-          <p:cNvSpPr>
-            <a:spLocks noGrp="1"/>
-          </p:cNvSpPr>
-          <p:nvPr>
-            <p:ph idx="1"/>
           </p:nvPr>
         </p:nvSpPr>
         <p:spPr/>
@@ -13093,222 +13216,198 @@
           </a:bodyPr>
           <a:lstStyle/>
           <a:p>
+            <a:r>
+              <a:rPr lang="en-US" dirty="0"/>
+              <a:t>Generators</a:t>
+            </a:r>
+            <a:br>
+              <a:rPr lang="en-US" dirty="0"/>
+            </a:br>
+            <a:r>
+              <a:rPr lang="en-US" sz="1600" dirty="0">
+                <a:hlinkClick r:id="rId2"/>
+              </a:rPr>
+              <a:t>https://www.programiz.com/python-programming/generator</a:t>
+            </a:r>
+            <a:endParaRPr lang="en-IL" dirty="0"/>
+          </a:p>
+        </p:txBody>
+      </p:sp>
+      <p:sp>
+        <p:nvSpPr>
+          <p:cNvPr id="3" name="Content Placeholder 2">
+            <a:extLst>
+              <a:ext uri="{FF2B5EF4-FFF2-40B4-BE49-F238E27FC236}">
+                <a16:creationId xmlns:a16="http://schemas.microsoft.com/office/drawing/2014/main" id="{33E46937-2862-40D2-AB02-DE360699FFEC}"/>
+              </a:ext>
+            </a:extLst>
+          </p:cNvPr>
+          <p:cNvSpPr>
+            <a:spLocks noGrp="1"/>
+          </p:cNvSpPr>
+          <p:nvPr>
+            <p:ph idx="1"/>
+          </p:nvPr>
+        </p:nvSpPr>
+        <p:spPr/>
+        <p:txBody>
+          <a:bodyPr>
+            <a:normAutofit lnSpcReduction="10000"/>
+          </a:bodyPr>
+          <a:lstStyle/>
+          <a:p>
             <a:pPr marL="0" indent="0">
               <a:buNone/>
             </a:pPr>
             <a:r>
-              <a:rPr lang="en-US" dirty="0"/>
-              <a:t>Wrapping a function:</a:t>
-            </a:r>
-          </a:p>
-          <a:p>
-            <a:pPr marL="0" indent="0">
-              <a:buNone/>
-            </a:pPr>
-            <a:r>
-              <a:rPr lang="en-US" sz="1200" dirty="0">
-                <a:latin typeface="Courier New" panose="02070309020205020404" pitchFamily="49" charset="0"/>
-                <a:cs typeface="Courier New" panose="02070309020205020404" pitchFamily="49" charset="0"/>
-              </a:rPr>
-              <a:t>def </a:t>
-            </a:r>
-            <a:r>
-              <a:rPr lang="en-US" sz="1200" dirty="0" err="1">
-                <a:latin typeface="Courier New" panose="02070309020205020404" pitchFamily="49" charset="0"/>
-                <a:cs typeface="Courier New" panose="02070309020205020404" pitchFamily="49" charset="0"/>
-              </a:rPr>
-              <a:t>my_decorator</a:t>
-            </a:r>
-            <a:r>
-              <a:rPr lang="en-US" sz="1200" dirty="0">
-                <a:latin typeface="Courier New" panose="02070309020205020404" pitchFamily="49" charset="0"/>
-                <a:cs typeface="Courier New" panose="02070309020205020404" pitchFamily="49" charset="0"/>
-              </a:rPr>
-              <a:t>(</a:t>
-            </a:r>
-            <a:r>
-              <a:rPr lang="en-US" sz="1200" dirty="0" err="1">
-                <a:latin typeface="Courier New" panose="02070309020205020404" pitchFamily="49" charset="0"/>
-                <a:cs typeface="Courier New" panose="02070309020205020404" pitchFamily="49" charset="0"/>
-              </a:rPr>
-              <a:t>func</a:t>
-            </a:r>
-            <a:r>
-              <a:rPr lang="en-US" sz="1200" dirty="0">
-                <a:latin typeface="Courier New" panose="02070309020205020404" pitchFamily="49" charset="0"/>
-                <a:cs typeface="Courier New" panose="02070309020205020404" pitchFamily="49" charset="0"/>
-              </a:rPr>
-              <a:t>):</a:t>
-            </a:r>
-          </a:p>
-          <a:p>
-            <a:pPr marL="0" indent="0">
-              <a:buNone/>
-            </a:pPr>
-            <a:r>
-              <a:rPr lang="en-US" sz="1200" dirty="0">
-                <a:latin typeface="Courier New" panose="02070309020205020404" pitchFamily="49" charset="0"/>
-                <a:cs typeface="Courier New" panose="02070309020205020404" pitchFamily="49" charset="0"/>
-              </a:rPr>
-              <a:t>    def wrapper():</a:t>
-            </a:r>
-          </a:p>
-          <a:p>
-            <a:pPr marL="0" indent="0">
-              <a:buNone/>
-            </a:pPr>
-            <a:r>
-              <a:rPr lang="en-US" sz="1200" dirty="0">
-                <a:latin typeface="Courier New" panose="02070309020205020404" pitchFamily="49" charset="0"/>
-                <a:cs typeface="Courier New" panose="02070309020205020404" pitchFamily="49" charset="0"/>
-              </a:rPr>
-              <a:t>        print("Something is happening before the function is called.")</a:t>
-            </a:r>
-          </a:p>
-          <a:p>
-            <a:pPr marL="0" indent="0">
-              <a:buNone/>
-            </a:pPr>
-            <a:r>
-              <a:rPr lang="en-US" sz="1200" dirty="0">
-                <a:latin typeface="Courier New" panose="02070309020205020404" pitchFamily="49" charset="0"/>
-                <a:cs typeface="Courier New" panose="02070309020205020404" pitchFamily="49" charset="0"/>
-              </a:rPr>
-              <a:t>        </a:t>
-            </a:r>
-            <a:r>
-              <a:rPr lang="en-US" sz="1200" dirty="0" err="1">
-                <a:latin typeface="Courier New" panose="02070309020205020404" pitchFamily="49" charset="0"/>
-                <a:cs typeface="Courier New" panose="02070309020205020404" pitchFamily="49" charset="0"/>
-              </a:rPr>
-              <a:t>func</a:t>
-            </a:r>
-            <a:r>
-              <a:rPr lang="en-US" sz="1200" dirty="0">
-                <a:latin typeface="Courier New" panose="02070309020205020404" pitchFamily="49" charset="0"/>
-                <a:cs typeface="Courier New" panose="02070309020205020404" pitchFamily="49" charset="0"/>
-              </a:rPr>
-              <a:t>()</a:t>
-            </a:r>
-          </a:p>
-          <a:p>
-            <a:pPr marL="0" indent="0">
-              <a:buNone/>
-            </a:pPr>
-            <a:r>
-              <a:rPr lang="en-US" sz="1200" dirty="0">
-                <a:latin typeface="Courier New" panose="02070309020205020404" pitchFamily="49" charset="0"/>
-                <a:cs typeface="Courier New" panose="02070309020205020404" pitchFamily="49" charset="0"/>
-              </a:rPr>
-              <a:t>        print("Something is happening after the function is called.")</a:t>
-            </a:r>
-          </a:p>
-          <a:p>
-            <a:pPr marL="0" indent="0">
-              <a:buNone/>
-            </a:pPr>
-            <a:r>
-              <a:rPr lang="en-US" sz="1200" dirty="0">
-                <a:latin typeface="Courier New" panose="02070309020205020404" pitchFamily="49" charset="0"/>
-                <a:cs typeface="Courier New" panose="02070309020205020404" pitchFamily="49" charset="0"/>
-              </a:rPr>
-              <a:t>    return wrapper</a:t>
-            </a:r>
-          </a:p>
-          <a:p>
-            <a:pPr marL="0" indent="0">
-              <a:buNone/>
-            </a:pPr>
-            <a:endParaRPr lang="en-US" sz="1200" dirty="0">
+              <a:rPr lang="en-US" sz="2400" dirty="0"/>
+              <a:t>Here is how a generator function differs from a normal function.</a:t>
+            </a:r>
+          </a:p>
+          <a:p>
+            <a:r>
+              <a:rPr lang="en-US" sz="2400" dirty="0"/>
+              <a:t>Generator function contains one or more </a:t>
+            </a:r>
+            <a:r>
+              <a:rPr lang="en-US" sz="2400" dirty="0">
+                <a:highlight>
+                  <a:srgbClr val="FFFF00"/>
+                </a:highlight>
+              </a:rPr>
+              <a:t>yield</a:t>
+            </a:r>
+            <a:r>
+              <a:rPr lang="en-US" sz="2400" dirty="0"/>
+              <a:t> statement.</a:t>
+            </a:r>
+          </a:p>
+          <a:p>
+            <a:r>
+              <a:rPr lang="en-US" sz="2400" dirty="0"/>
+              <a:t>When called, it returns an object (iterator) but does not start execution immediately.</a:t>
+            </a:r>
+          </a:p>
+          <a:p>
+            <a:r>
+              <a:rPr lang="en-US" sz="2400" dirty="0"/>
+              <a:t>Methods like __</a:t>
+            </a:r>
+            <a:r>
+              <a:rPr lang="en-US" sz="2400" dirty="0" err="1"/>
+              <a:t>iter</a:t>
+            </a:r>
+            <a:r>
+              <a:rPr lang="en-US" sz="2400" dirty="0"/>
+              <a:t>__() and __next__() are implemented automatically. So we can iterate through the items using next().</a:t>
+            </a:r>
+          </a:p>
+          <a:p>
+            <a:r>
+              <a:rPr lang="en-US" sz="2400" dirty="0"/>
+              <a:t>Once the function yields, the function is paused and the control is transferred to the caller.</a:t>
+            </a:r>
+          </a:p>
+          <a:p>
+            <a:r>
+              <a:rPr lang="en-US" sz="2400" dirty="0"/>
+              <a:t>Local variables and their states are remembered between successive calls.</a:t>
+            </a:r>
+          </a:p>
+          <a:p>
+            <a:r>
+              <a:rPr lang="en-US" sz="2400" dirty="0"/>
+              <a:t>Finally, when the function terminates, </a:t>
+            </a:r>
+            <a:r>
+              <a:rPr lang="en-US" sz="2400" dirty="0" err="1"/>
+              <a:t>StopIteration</a:t>
+            </a:r>
+            <a:r>
+              <a:rPr lang="en-US" sz="2400" dirty="0"/>
+              <a:t> is raised automatically on further calls</a:t>
+            </a:r>
+            <a:endParaRPr lang="en-IL" sz="2400" dirty="0"/>
+          </a:p>
+        </p:txBody>
+      </p:sp>
+      <p:sp>
+        <p:nvSpPr>
+          <p:cNvPr id="9" name="Rectangle 8">
+            <a:extLst>
+              <a:ext uri="{FF2B5EF4-FFF2-40B4-BE49-F238E27FC236}">
+                <a16:creationId xmlns:a16="http://schemas.microsoft.com/office/drawing/2014/main" id="{4BC32687-1517-483B-B044-A8A2FC7E62B9}"/>
+              </a:ext>
+            </a:extLst>
+          </p:cNvPr>
+          <p:cNvSpPr/>
+          <p:nvPr/>
+        </p:nvSpPr>
+        <p:spPr>
+          <a:xfrm>
+            <a:off x="4673600" y="5715298"/>
+            <a:ext cx="6680200" cy="923330"/>
+          </a:xfrm>
+          <a:prstGeom prst="rect">
+            <a:avLst/>
+          </a:prstGeom>
+        </p:spPr>
+        <p:txBody>
+          <a:bodyPr wrap="square">
+            <a:spAutoFit/>
+          </a:bodyPr>
+          <a:lstStyle/>
+          <a:p>
+            <a:r>
+              <a:rPr lang="en-US" dirty="0">
+                <a:latin typeface="Courier New" panose="02070309020205020404" pitchFamily="49" charset="0"/>
+                <a:cs typeface="Courier New" panose="02070309020205020404" pitchFamily="49" charset="0"/>
+              </a:rPr>
+              <a:t>def reverse(data):</a:t>
+            </a:r>
+          </a:p>
+          <a:p>
+            <a:r>
+              <a:rPr lang="en-US" dirty="0">
+                <a:latin typeface="Courier New" panose="02070309020205020404" pitchFamily="49" charset="0"/>
+                <a:cs typeface="Courier New" panose="02070309020205020404" pitchFamily="49" charset="0"/>
+              </a:rPr>
+              <a:t>    for index in range(</a:t>
+            </a:r>
+            <a:r>
+              <a:rPr lang="en-US" dirty="0" err="1">
+                <a:latin typeface="Courier New" panose="02070309020205020404" pitchFamily="49" charset="0"/>
+                <a:cs typeface="Courier New" panose="02070309020205020404" pitchFamily="49" charset="0"/>
+              </a:rPr>
+              <a:t>len</a:t>
+            </a:r>
+            <a:r>
+              <a:rPr lang="en-US" dirty="0">
+                <a:latin typeface="Courier New" panose="02070309020205020404" pitchFamily="49" charset="0"/>
+                <a:cs typeface="Courier New" panose="02070309020205020404" pitchFamily="49" charset="0"/>
+              </a:rPr>
+              <a:t>(data)-1, -1, -1):</a:t>
+            </a:r>
+          </a:p>
+          <a:p>
+            <a:r>
+              <a:rPr lang="en-US" dirty="0">
+                <a:latin typeface="Courier New" panose="02070309020205020404" pitchFamily="49" charset="0"/>
+                <a:cs typeface="Courier New" panose="02070309020205020404" pitchFamily="49" charset="0"/>
+              </a:rPr>
+              <a:t>        yield data[index]</a:t>
+            </a:r>
+            <a:endParaRPr lang="en-IL" dirty="0">
               <a:latin typeface="Courier New" panose="02070309020205020404" pitchFamily="49" charset="0"/>
               <a:cs typeface="Courier New" panose="02070309020205020404" pitchFamily="49" charset="0"/>
             </a:endParaRPr>
           </a:p>
-          <a:p>
-            <a:pPr marL="0" indent="0">
-              <a:buNone/>
-            </a:pPr>
-            <a:r>
-              <a:rPr lang="en-US" sz="1200" dirty="0">
-                <a:latin typeface="Courier New" panose="02070309020205020404" pitchFamily="49" charset="0"/>
-                <a:cs typeface="Courier New" panose="02070309020205020404" pitchFamily="49" charset="0"/>
-              </a:rPr>
-              <a:t>@</a:t>
-            </a:r>
-            <a:r>
-              <a:rPr lang="en-US" sz="1200" dirty="0" err="1">
-                <a:latin typeface="Courier New" panose="02070309020205020404" pitchFamily="49" charset="0"/>
-                <a:cs typeface="Courier New" panose="02070309020205020404" pitchFamily="49" charset="0"/>
-              </a:rPr>
-              <a:t>my_decorator</a:t>
-            </a:r>
-            <a:endParaRPr lang="en-US" sz="1200" dirty="0">
-              <a:latin typeface="Courier New" panose="02070309020205020404" pitchFamily="49" charset="0"/>
-              <a:cs typeface="Courier New" panose="02070309020205020404" pitchFamily="49" charset="0"/>
-            </a:endParaRPr>
-          </a:p>
-          <a:p>
-            <a:pPr marL="0" indent="0">
-              <a:buNone/>
-            </a:pPr>
-            <a:r>
-              <a:rPr lang="en-US" sz="1200" dirty="0">
-                <a:latin typeface="Courier New" panose="02070309020205020404" pitchFamily="49" charset="0"/>
-                <a:cs typeface="Courier New" panose="02070309020205020404" pitchFamily="49" charset="0"/>
-              </a:rPr>
-              <a:t>def </a:t>
-            </a:r>
-            <a:r>
-              <a:rPr lang="en-US" sz="1200" dirty="0" err="1">
-                <a:latin typeface="Courier New" panose="02070309020205020404" pitchFamily="49" charset="0"/>
-                <a:cs typeface="Courier New" panose="02070309020205020404" pitchFamily="49" charset="0"/>
-              </a:rPr>
-              <a:t>say_whee</a:t>
-            </a:r>
-            <a:r>
-              <a:rPr lang="en-US" sz="1200" dirty="0">
-                <a:latin typeface="Courier New" panose="02070309020205020404" pitchFamily="49" charset="0"/>
-                <a:cs typeface="Courier New" panose="02070309020205020404" pitchFamily="49" charset="0"/>
-              </a:rPr>
-              <a:t>():</a:t>
-            </a:r>
-          </a:p>
-          <a:p>
-            <a:pPr marL="0" indent="0">
-              <a:buNone/>
-            </a:pPr>
-            <a:r>
-              <a:rPr lang="en-US" sz="1200" dirty="0">
-                <a:latin typeface="Courier New" panose="02070309020205020404" pitchFamily="49" charset="0"/>
-                <a:cs typeface="Courier New" panose="02070309020205020404" pitchFamily="49" charset="0"/>
-              </a:rPr>
-              <a:t>    print("</a:t>
-            </a:r>
-            <a:r>
-              <a:rPr lang="en-US" sz="1200" dirty="0" err="1">
-                <a:latin typeface="Courier New" panose="02070309020205020404" pitchFamily="49" charset="0"/>
-                <a:cs typeface="Courier New" panose="02070309020205020404" pitchFamily="49" charset="0"/>
-              </a:rPr>
-              <a:t>Whee</a:t>
-            </a:r>
-            <a:r>
-              <a:rPr lang="en-US" sz="1200" dirty="0">
-                <a:latin typeface="Courier New" panose="02070309020205020404" pitchFamily="49" charset="0"/>
-                <a:cs typeface="Courier New" panose="02070309020205020404" pitchFamily="49" charset="0"/>
-              </a:rPr>
-              <a:t>!"</a:t>
-            </a:r>
-            <a:endParaRPr lang="en-IL" sz="1200" dirty="0">
-              <a:latin typeface="Courier New" panose="02070309020205020404" pitchFamily="49" charset="0"/>
-              <a:cs typeface="Courier New" panose="02070309020205020404" pitchFamily="49" charset="0"/>
-            </a:endParaRPr>
-          </a:p>
         </p:txBody>
       </p:sp>
     </p:spTree>
     <p:extLst>
       <p:ext uri="{BB962C8B-B14F-4D97-AF65-F5344CB8AC3E}">
-        <p14:creationId xmlns:p14="http://schemas.microsoft.com/office/powerpoint/2010/main" val="953621309"/>
+        <p14:creationId xmlns:p14="http://schemas.microsoft.com/office/powerpoint/2010/main" val="3126482207"/>
       </p:ext>
     </p:extLst>
   </p:cSld>
@@ -13340,7 +13439,7 @@
           <p:cNvPr id="2" name="Title 1">
             <a:extLst>
               <a:ext uri="{FF2B5EF4-FFF2-40B4-BE49-F238E27FC236}">
-                <a16:creationId xmlns:a16="http://schemas.microsoft.com/office/drawing/2014/main" id="{6BC7A684-1535-4BF2-B4AB-AECCDC4D53D3}"/>
+                <a16:creationId xmlns:a16="http://schemas.microsoft.com/office/drawing/2014/main" id="{3DE598E6-3F5D-4DCF-A41B-378B97465A3B}"/>
               </a:ext>
             </a:extLst>
           </p:cNvPr>
@@ -13358,7 +13457,7 @@
           <a:p>
             <a:r>
               <a:rPr lang="en-US" dirty="0"/>
-              <a:t>Decorators (more)</a:t>
+              <a:t>Decorators</a:t>
             </a:r>
             <a:endParaRPr lang="en-IL" dirty="0"/>
           </a:p>
@@ -13369,7 +13468,7 @@
           <p:cNvPr id="3" name="Content Placeholder 2">
             <a:extLst>
               <a:ext uri="{FF2B5EF4-FFF2-40B4-BE49-F238E27FC236}">
-                <a16:creationId xmlns:a16="http://schemas.microsoft.com/office/drawing/2014/main" id="{C533A2F6-7176-4597-A778-B8AADF0E097B}"/>
+                <a16:creationId xmlns:a16="http://schemas.microsoft.com/office/drawing/2014/main" id="{F7A8A4F1-D700-4B78-B60C-DF7B258329B0}"/>
               </a:ext>
             </a:extLst>
           </p:cNvPr>
@@ -13387,33 +13486,127 @@
           </a:bodyPr>
           <a:lstStyle/>
           <a:p>
-            <a:r>
-              <a:rPr lang="en-US" dirty="0"/>
-              <a:t>Use ready decorators from libraries:</a:t>
-            </a:r>
-          </a:p>
-          <a:p>
             <a:pPr marL="0" indent="0">
               <a:buNone/>
             </a:pPr>
             <a:r>
+              <a:rPr lang="en-US" dirty="0"/>
+              <a:t>Wrapping a function:</a:t>
+            </a:r>
+          </a:p>
+          <a:p>
+            <a:pPr marL="0" indent="0">
+              <a:buNone/>
+            </a:pPr>
+            <a:r>
               <a:rPr lang="en-US" sz="1200" dirty="0">
                 <a:latin typeface="Courier New" panose="02070309020205020404" pitchFamily="49" charset="0"/>
                 <a:cs typeface="Courier New" panose="02070309020205020404" pitchFamily="49" charset="0"/>
               </a:rPr>
-              <a:t>import </a:t>
+              <a:t>def </a:t>
             </a:r>
             <a:r>
               <a:rPr lang="en-US" sz="1200" dirty="0" err="1">
                 <a:latin typeface="Courier New" panose="02070309020205020404" pitchFamily="49" charset="0"/>
                 <a:cs typeface="Courier New" panose="02070309020205020404" pitchFamily="49" charset="0"/>
               </a:rPr>
-              <a:t>functools</a:t>
-            </a:r>
-            <a:endParaRPr lang="en-US" sz="1200" dirty="0">
-              <a:latin typeface="Courier New" panose="02070309020205020404" pitchFamily="49" charset="0"/>
-              <a:cs typeface="Courier New" panose="02070309020205020404" pitchFamily="49" charset="0"/>
-            </a:endParaRPr>
+              <a:t>my_decorator</a:t>
+            </a:r>
+            <a:r>
+              <a:rPr lang="en-US" sz="1200" dirty="0">
+                <a:latin typeface="Courier New" panose="02070309020205020404" pitchFamily="49" charset="0"/>
+                <a:cs typeface="Courier New" panose="02070309020205020404" pitchFamily="49" charset="0"/>
+              </a:rPr>
+              <a:t>(</a:t>
+            </a:r>
+            <a:r>
+              <a:rPr lang="en-US" sz="1200" dirty="0" err="1">
+                <a:latin typeface="Courier New" panose="02070309020205020404" pitchFamily="49" charset="0"/>
+                <a:cs typeface="Courier New" panose="02070309020205020404" pitchFamily="49" charset="0"/>
+              </a:rPr>
+              <a:t>func</a:t>
+            </a:r>
+            <a:r>
+              <a:rPr lang="en-US" sz="1200" dirty="0">
+                <a:latin typeface="Courier New" panose="02070309020205020404" pitchFamily="49" charset="0"/>
+                <a:cs typeface="Courier New" panose="02070309020205020404" pitchFamily="49" charset="0"/>
+              </a:rPr>
+              <a:t>):</a:t>
+            </a:r>
+          </a:p>
+          <a:p>
+            <a:pPr marL="0" indent="0">
+              <a:buNone/>
+            </a:pPr>
+            <a:r>
+              <a:rPr lang="en-US" sz="1200" dirty="0">
+                <a:latin typeface="Courier New" panose="02070309020205020404" pitchFamily="49" charset="0"/>
+                <a:cs typeface="Courier New" panose="02070309020205020404" pitchFamily="49" charset="0"/>
+              </a:rPr>
+              <a:t>    def wrapper():</a:t>
+            </a:r>
+          </a:p>
+          <a:p>
+            <a:pPr marL="0" indent="0">
+              <a:buNone/>
+            </a:pPr>
+            <a:r>
+              <a:rPr lang="en-US" sz="1200" dirty="0">
+                <a:latin typeface="Courier New" panose="02070309020205020404" pitchFamily="49" charset="0"/>
+                <a:cs typeface="Courier New" panose="02070309020205020404" pitchFamily="49" charset="0"/>
+              </a:rPr>
+              <a:t>        print("Something is happening before the function is called.")</a:t>
+            </a:r>
+          </a:p>
+          <a:p>
+            <a:pPr marL="0" indent="0">
+              <a:buNone/>
+            </a:pPr>
+            <a:r>
+              <a:rPr lang="en-US" sz="1200" dirty="0">
+                <a:latin typeface="Courier New" panose="02070309020205020404" pitchFamily="49" charset="0"/>
+                <a:cs typeface="Courier New" panose="02070309020205020404" pitchFamily="49" charset="0"/>
+              </a:rPr>
+              <a:t>        </a:t>
+            </a:r>
+            <a:r>
+              <a:rPr lang="en-US" sz="1200" dirty="0" err="1">
+                <a:latin typeface="Courier New" panose="02070309020205020404" pitchFamily="49" charset="0"/>
+                <a:cs typeface="Courier New" panose="02070309020205020404" pitchFamily="49" charset="0"/>
+              </a:rPr>
+              <a:t>func</a:t>
+            </a:r>
+            <a:r>
+              <a:rPr lang="en-US" sz="1200" dirty="0">
+                <a:latin typeface="Courier New" panose="02070309020205020404" pitchFamily="49" charset="0"/>
+                <a:cs typeface="Courier New" panose="02070309020205020404" pitchFamily="49" charset="0"/>
+              </a:rPr>
+              <a:t>()</a:t>
+            </a:r>
+          </a:p>
+          <a:p>
+            <a:pPr marL="0" indent="0">
+              <a:buNone/>
+            </a:pPr>
+            <a:r>
+              <a:rPr lang="en-US" sz="1200" dirty="0">
+                <a:latin typeface="Courier New" panose="02070309020205020404" pitchFamily="49" charset="0"/>
+                <a:cs typeface="Courier New" panose="02070309020205020404" pitchFamily="49" charset="0"/>
+              </a:rPr>
+              <a:t>        print("Something is happening after the function is called.")</a:t>
+            </a:r>
+          </a:p>
+          <a:p>
+            <a:pPr marL="0" indent="0">
+              <a:buNone/>
+            </a:pPr>
+            <a:r>
+              <a:rPr lang="en-US" sz="1200" dirty="0">
+                <a:latin typeface="Courier New" panose="02070309020205020404" pitchFamily="49" charset="0"/>
+                <a:cs typeface="Courier New" panose="02070309020205020404" pitchFamily="49" charset="0"/>
+              </a:rPr>
+              <a:t>    return wrapper</a:t>
+            </a:r>
           </a:p>
           <a:p>
             <a:pPr marL="0" indent="0">
@@ -13440,39 +13633,12 @@
                 <a:latin typeface="Courier New" panose="02070309020205020404" pitchFamily="49" charset="0"/>
                 <a:cs typeface="Courier New" panose="02070309020205020404" pitchFamily="49" charset="0"/>
               </a:rPr>
-              <a:t>functools.</a:t>
-            </a:r>
-            <a:r>
-              <a:rPr lang="en-US" sz="1200" dirty="0" err="1">
-                <a:highlight>
-                  <a:srgbClr val="FFFF00"/>
-                </a:highlight>
-                <a:latin typeface="Courier New" panose="02070309020205020404" pitchFamily="49" charset="0"/>
-                <a:cs typeface="Courier New" panose="02070309020205020404" pitchFamily="49" charset="0"/>
-              </a:rPr>
-              <a:t>lru_cache</a:t>
-            </a:r>
-            <a:r>
-              <a:rPr lang="en-US" sz="1200" dirty="0">
-                <a:latin typeface="Courier New" panose="02070309020205020404" pitchFamily="49" charset="0"/>
-                <a:cs typeface="Courier New" panose="02070309020205020404" pitchFamily="49" charset="0"/>
-              </a:rPr>
-              <a:t>(</a:t>
-            </a:r>
-            <a:r>
-              <a:rPr lang="en-US" sz="1200" dirty="0" err="1">
-                <a:latin typeface="Courier New" panose="02070309020205020404" pitchFamily="49" charset="0"/>
-                <a:cs typeface="Courier New" panose="02070309020205020404" pitchFamily="49" charset="0"/>
-              </a:rPr>
-              <a:t>maxsize</a:t>
-            </a:r>
-            <a:r>
-              <a:rPr lang="en-US" sz="1200" dirty="0">
-                <a:latin typeface="Courier New" panose="02070309020205020404" pitchFamily="49" charset="0"/>
-                <a:cs typeface="Courier New" panose="02070309020205020404" pitchFamily="49" charset="0"/>
-              </a:rPr>
-              <a:t>=4)</a:t>
-            </a:r>
+              <a:t>my_decorator</a:t>
+            </a:r>
+            <a:endParaRPr lang="en-US" sz="1200" dirty="0">
+              <a:latin typeface="Courier New" panose="02070309020205020404" pitchFamily="49" charset="0"/>
+              <a:cs typeface="Courier New" panose="02070309020205020404" pitchFamily="49" charset="0"/>
+            </a:endParaRPr>
           </a:p>
           <a:p>
             <a:pPr marL="0" indent="0">
@@ -13490,14 +13656,14 @@
                 <a:latin typeface="Courier New" panose="02070309020205020404" pitchFamily="49" charset="0"/>
                 <a:cs typeface="Courier New" panose="02070309020205020404" pitchFamily="49" charset="0"/>
               </a:rPr>
-              <a:t>fibonacci</a:t>
+              <a:t>say_whee</a:t>
             </a:r>
             <a:r>
               <a:rPr lang="en-US" sz="1200" dirty="0">
                 <a:latin typeface="Courier New" panose="02070309020205020404" pitchFamily="49" charset="0"/>
                 <a:cs typeface="Courier New" panose="02070309020205020404" pitchFamily="49" charset="0"/>
               </a:rPr>
-              <a:t>(num):</a:t>
+              <a:t>():</a:t>
             </a:r>
           </a:p>
           <a:p>
@@ -13509,99 +13675,21 @@
                 <a:latin typeface="Courier New" panose="02070309020205020404" pitchFamily="49" charset="0"/>
                 <a:cs typeface="Courier New" panose="02070309020205020404" pitchFamily="49" charset="0"/>
               </a:rPr>
-              <a:t>    print(</a:t>
+              <a:t>    print("</a:t>
             </a:r>
             <a:r>
               <a:rPr lang="en-US" sz="1200" dirty="0" err="1">
                 <a:latin typeface="Courier New" panose="02070309020205020404" pitchFamily="49" charset="0"/>
                 <a:cs typeface="Courier New" panose="02070309020205020404" pitchFamily="49" charset="0"/>
               </a:rPr>
-              <a:t>f"Calculating</a:t>
+              <a:t>Whee</a:t>
             </a:r>
             <a:r>
               <a:rPr lang="en-US" sz="1200" dirty="0">
                 <a:latin typeface="Courier New" panose="02070309020205020404" pitchFamily="49" charset="0"/>
                 <a:cs typeface="Courier New" panose="02070309020205020404" pitchFamily="49" charset="0"/>
               </a:rPr>
-              <a:t> </a:t>
-            </a:r>
-            <a:r>
-              <a:rPr lang="en-US" sz="1200" dirty="0" err="1">
-                <a:latin typeface="Courier New" panose="02070309020205020404" pitchFamily="49" charset="0"/>
-                <a:cs typeface="Courier New" panose="02070309020205020404" pitchFamily="49" charset="0"/>
-              </a:rPr>
-              <a:t>fibonacci</a:t>
-            </a:r>
-            <a:r>
-              <a:rPr lang="en-US" sz="1200" dirty="0">
-                <a:latin typeface="Courier New" panose="02070309020205020404" pitchFamily="49" charset="0"/>
-                <a:cs typeface="Courier New" panose="02070309020205020404" pitchFamily="49" charset="0"/>
-              </a:rPr>
-              <a:t>({num})")</a:t>
-            </a:r>
-          </a:p>
-          <a:p>
-            <a:pPr marL="0" indent="0">
-              <a:buNone/>
-            </a:pPr>
-            <a:r>
-              <a:rPr lang="en-US" sz="1200" dirty="0">
-                <a:latin typeface="Courier New" panose="02070309020205020404" pitchFamily="49" charset="0"/>
-                <a:cs typeface="Courier New" panose="02070309020205020404" pitchFamily="49" charset="0"/>
-              </a:rPr>
-              <a:t>    if num &lt; 2:</a:t>
-            </a:r>
-          </a:p>
-          <a:p>
-            <a:pPr marL="0" indent="0">
-              <a:buNone/>
-            </a:pPr>
-            <a:r>
-              <a:rPr lang="en-US" sz="1200" dirty="0">
-                <a:latin typeface="Courier New" panose="02070309020205020404" pitchFamily="49" charset="0"/>
-                <a:cs typeface="Courier New" panose="02070309020205020404" pitchFamily="49" charset="0"/>
-              </a:rPr>
-              <a:t>        return num</a:t>
-            </a:r>
-          </a:p>
-          <a:p>
-            <a:pPr marL="0" indent="0">
-              <a:buNone/>
-            </a:pPr>
-            <a:r>
-              <a:rPr lang="en-US" sz="1200" dirty="0">
-                <a:latin typeface="Courier New" panose="02070309020205020404" pitchFamily="49" charset="0"/>
-                <a:cs typeface="Courier New" panose="02070309020205020404" pitchFamily="49" charset="0"/>
-              </a:rPr>
-              <a:t>    return </a:t>
-            </a:r>
-            <a:r>
-              <a:rPr lang="en-US" sz="1200" dirty="0" err="1">
-                <a:latin typeface="Courier New" panose="02070309020205020404" pitchFamily="49" charset="0"/>
-                <a:cs typeface="Courier New" panose="02070309020205020404" pitchFamily="49" charset="0"/>
-              </a:rPr>
-              <a:t>fibonacci</a:t>
-            </a:r>
-            <a:r>
-              <a:rPr lang="en-US" sz="1200" dirty="0">
-                <a:latin typeface="Courier New" panose="02070309020205020404" pitchFamily="49" charset="0"/>
-                <a:cs typeface="Courier New" panose="02070309020205020404" pitchFamily="49" charset="0"/>
-              </a:rPr>
-              <a:t>(num - 1) + </a:t>
-            </a:r>
-            <a:r>
-              <a:rPr lang="en-US" sz="1200" dirty="0" err="1">
-                <a:latin typeface="Courier New" panose="02070309020205020404" pitchFamily="49" charset="0"/>
-                <a:cs typeface="Courier New" panose="02070309020205020404" pitchFamily="49" charset="0"/>
-              </a:rPr>
-              <a:t>fibonacci</a:t>
-            </a:r>
-            <a:r>
-              <a:rPr lang="en-US" sz="1200" dirty="0">
-                <a:latin typeface="Courier New" panose="02070309020205020404" pitchFamily="49" charset="0"/>
-                <a:cs typeface="Courier New" panose="02070309020205020404" pitchFamily="49" charset="0"/>
-              </a:rPr>
-              <a:t>(num - 2)</a:t>
+              <a:t>!"</a:t>
             </a:r>
             <a:endParaRPr lang="en-IL" sz="1200" dirty="0">
               <a:latin typeface="Courier New" panose="02070309020205020404" pitchFamily="49" charset="0"/>
@@ -13613,7 +13701,7 @@
     </p:spTree>
     <p:extLst>
       <p:ext uri="{BB962C8B-B14F-4D97-AF65-F5344CB8AC3E}">
-        <p14:creationId xmlns:p14="http://schemas.microsoft.com/office/powerpoint/2010/main" val="2148606295"/>
+        <p14:creationId xmlns:p14="http://schemas.microsoft.com/office/powerpoint/2010/main" val="953621309"/>
       </p:ext>
     </p:extLst>
   </p:cSld>
@@ -13852,6 +13940,311 @@
           <p:cNvPr id="2" name="Title 1">
             <a:extLst>
               <a:ext uri="{FF2B5EF4-FFF2-40B4-BE49-F238E27FC236}">
+                <a16:creationId xmlns:a16="http://schemas.microsoft.com/office/drawing/2014/main" id="{6BC7A684-1535-4BF2-B4AB-AECCDC4D53D3}"/>
+              </a:ext>
+            </a:extLst>
+          </p:cNvPr>
+          <p:cNvSpPr>
+            <a:spLocks noGrp="1"/>
+          </p:cNvSpPr>
+          <p:nvPr>
+            <p:ph type="title"/>
+          </p:nvPr>
+        </p:nvSpPr>
+        <p:spPr/>
+        <p:txBody>
+          <a:bodyPr/>
+          <a:lstStyle/>
+          <a:p>
+            <a:r>
+              <a:rPr lang="en-US" dirty="0"/>
+              <a:t>Decorators (more)</a:t>
+            </a:r>
+            <a:endParaRPr lang="en-IL" dirty="0"/>
+          </a:p>
+        </p:txBody>
+      </p:sp>
+      <p:sp>
+        <p:nvSpPr>
+          <p:cNvPr id="3" name="Content Placeholder 2">
+            <a:extLst>
+              <a:ext uri="{FF2B5EF4-FFF2-40B4-BE49-F238E27FC236}">
+                <a16:creationId xmlns:a16="http://schemas.microsoft.com/office/drawing/2014/main" id="{C533A2F6-7176-4597-A778-B8AADF0E097B}"/>
+              </a:ext>
+            </a:extLst>
+          </p:cNvPr>
+          <p:cNvSpPr>
+            <a:spLocks noGrp="1"/>
+          </p:cNvSpPr>
+          <p:nvPr>
+            <p:ph idx="1"/>
+          </p:nvPr>
+        </p:nvSpPr>
+        <p:spPr/>
+        <p:txBody>
+          <a:bodyPr>
+            <a:normAutofit/>
+          </a:bodyPr>
+          <a:lstStyle/>
+          <a:p>
+            <a:r>
+              <a:rPr lang="en-US" dirty="0"/>
+              <a:t>Use ready decorators from libraries:</a:t>
+            </a:r>
+          </a:p>
+          <a:p>
+            <a:pPr marL="0" indent="0">
+              <a:buNone/>
+            </a:pPr>
+            <a:r>
+              <a:rPr lang="en-US" sz="1200" dirty="0">
+                <a:latin typeface="Courier New" panose="02070309020205020404" pitchFamily="49" charset="0"/>
+                <a:cs typeface="Courier New" panose="02070309020205020404" pitchFamily="49" charset="0"/>
+              </a:rPr>
+              <a:t>import </a:t>
+            </a:r>
+            <a:r>
+              <a:rPr lang="en-US" sz="1200" dirty="0" err="1">
+                <a:latin typeface="Courier New" panose="02070309020205020404" pitchFamily="49" charset="0"/>
+                <a:cs typeface="Courier New" panose="02070309020205020404" pitchFamily="49" charset="0"/>
+              </a:rPr>
+              <a:t>functools</a:t>
+            </a:r>
+            <a:endParaRPr lang="en-US" sz="1200" dirty="0">
+              <a:latin typeface="Courier New" panose="02070309020205020404" pitchFamily="49" charset="0"/>
+              <a:cs typeface="Courier New" panose="02070309020205020404" pitchFamily="49" charset="0"/>
+            </a:endParaRPr>
+          </a:p>
+          <a:p>
+            <a:pPr marL="0" indent="0">
+              <a:buNone/>
+            </a:pPr>
+            <a:endParaRPr lang="en-US" sz="1200" dirty="0">
+              <a:latin typeface="Courier New" panose="02070309020205020404" pitchFamily="49" charset="0"/>
+              <a:cs typeface="Courier New" panose="02070309020205020404" pitchFamily="49" charset="0"/>
+            </a:endParaRPr>
+          </a:p>
+          <a:p>
+            <a:pPr marL="0" indent="0">
+              <a:buNone/>
+            </a:pPr>
+            <a:r>
+              <a:rPr lang="en-US" sz="1200" dirty="0">
+                <a:latin typeface="Courier New" panose="02070309020205020404" pitchFamily="49" charset="0"/>
+                <a:cs typeface="Courier New" panose="02070309020205020404" pitchFamily="49" charset="0"/>
+              </a:rPr>
+              <a:t>@</a:t>
+            </a:r>
+            <a:r>
+              <a:rPr lang="en-US" sz="1200" dirty="0" err="1">
+                <a:latin typeface="Courier New" panose="02070309020205020404" pitchFamily="49" charset="0"/>
+                <a:cs typeface="Courier New" panose="02070309020205020404" pitchFamily="49" charset="0"/>
+              </a:rPr>
+              <a:t>functools.</a:t>
+            </a:r>
+            <a:r>
+              <a:rPr lang="en-US" sz="1200" dirty="0" err="1">
+                <a:highlight>
+                  <a:srgbClr val="FFFF00"/>
+                </a:highlight>
+                <a:latin typeface="Courier New" panose="02070309020205020404" pitchFamily="49" charset="0"/>
+                <a:cs typeface="Courier New" panose="02070309020205020404" pitchFamily="49" charset="0"/>
+              </a:rPr>
+              <a:t>lru_cache</a:t>
+            </a:r>
+            <a:r>
+              <a:rPr lang="en-US" sz="1200" dirty="0">
+                <a:latin typeface="Courier New" panose="02070309020205020404" pitchFamily="49" charset="0"/>
+                <a:cs typeface="Courier New" panose="02070309020205020404" pitchFamily="49" charset="0"/>
+              </a:rPr>
+              <a:t>(</a:t>
+            </a:r>
+            <a:r>
+              <a:rPr lang="en-US" sz="1200" dirty="0" err="1">
+                <a:latin typeface="Courier New" panose="02070309020205020404" pitchFamily="49" charset="0"/>
+                <a:cs typeface="Courier New" panose="02070309020205020404" pitchFamily="49" charset="0"/>
+              </a:rPr>
+              <a:t>maxsize</a:t>
+            </a:r>
+            <a:r>
+              <a:rPr lang="en-US" sz="1200" dirty="0">
+                <a:latin typeface="Courier New" panose="02070309020205020404" pitchFamily="49" charset="0"/>
+                <a:cs typeface="Courier New" panose="02070309020205020404" pitchFamily="49" charset="0"/>
+              </a:rPr>
+              <a:t>=4)</a:t>
+            </a:r>
+          </a:p>
+          <a:p>
+            <a:pPr marL="0" indent="0">
+              <a:buNone/>
+            </a:pPr>
+            <a:r>
+              <a:rPr lang="en-US" sz="1200" dirty="0">
+                <a:latin typeface="Courier New" panose="02070309020205020404" pitchFamily="49" charset="0"/>
+                <a:cs typeface="Courier New" panose="02070309020205020404" pitchFamily="49" charset="0"/>
+              </a:rPr>
+              <a:t>def </a:t>
+            </a:r>
+            <a:r>
+              <a:rPr lang="en-US" sz="1200" dirty="0" err="1">
+                <a:latin typeface="Courier New" panose="02070309020205020404" pitchFamily="49" charset="0"/>
+                <a:cs typeface="Courier New" panose="02070309020205020404" pitchFamily="49" charset="0"/>
+              </a:rPr>
+              <a:t>fibonacci</a:t>
+            </a:r>
+            <a:r>
+              <a:rPr lang="en-US" sz="1200" dirty="0">
+                <a:latin typeface="Courier New" panose="02070309020205020404" pitchFamily="49" charset="0"/>
+                <a:cs typeface="Courier New" panose="02070309020205020404" pitchFamily="49" charset="0"/>
+              </a:rPr>
+              <a:t>(num):</a:t>
+            </a:r>
+          </a:p>
+          <a:p>
+            <a:pPr marL="0" indent="0">
+              <a:buNone/>
+            </a:pPr>
+            <a:r>
+              <a:rPr lang="en-US" sz="1200" dirty="0">
+                <a:latin typeface="Courier New" panose="02070309020205020404" pitchFamily="49" charset="0"/>
+                <a:cs typeface="Courier New" panose="02070309020205020404" pitchFamily="49" charset="0"/>
+              </a:rPr>
+              <a:t>    print(</a:t>
+            </a:r>
+            <a:r>
+              <a:rPr lang="en-US" sz="1200" dirty="0" err="1">
+                <a:latin typeface="Courier New" panose="02070309020205020404" pitchFamily="49" charset="0"/>
+                <a:cs typeface="Courier New" panose="02070309020205020404" pitchFamily="49" charset="0"/>
+              </a:rPr>
+              <a:t>f"Calculating</a:t>
+            </a:r>
+            <a:r>
+              <a:rPr lang="en-US" sz="1200" dirty="0">
+                <a:latin typeface="Courier New" panose="02070309020205020404" pitchFamily="49" charset="0"/>
+                <a:cs typeface="Courier New" panose="02070309020205020404" pitchFamily="49" charset="0"/>
+              </a:rPr>
+              <a:t> </a:t>
+            </a:r>
+            <a:r>
+              <a:rPr lang="en-US" sz="1200" dirty="0" err="1">
+                <a:latin typeface="Courier New" panose="02070309020205020404" pitchFamily="49" charset="0"/>
+                <a:cs typeface="Courier New" panose="02070309020205020404" pitchFamily="49" charset="0"/>
+              </a:rPr>
+              <a:t>fibonacci</a:t>
+            </a:r>
+            <a:r>
+              <a:rPr lang="en-US" sz="1200" dirty="0">
+                <a:latin typeface="Courier New" panose="02070309020205020404" pitchFamily="49" charset="0"/>
+                <a:cs typeface="Courier New" panose="02070309020205020404" pitchFamily="49" charset="0"/>
+              </a:rPr>
+              <a:t>({num})")</a:t>
+            </a:r>
+          </a:p>
+          <a:p>
+            <a:pPr marL="0" indent="0">
+              <a:buNone/>
+            </a:pPr>
+            <a:r>
+              <a:rPr lang="en-US" sz="1200" dirty="0">
+                <a:latin typeface="Courier New" panose="02070309020205020404" pitchFamily="49" charset="0"/>
+                <a:cs typeface="Courier New" panose="02070309020205020404" pitchFamily="49" charset="0"/>
+              </a:rPr>
+              <a:t>    if num &lt; 2:</a:t>
+            </a:r>
+          </a:p>
+          <a:p>
+            <a:pPr marL="0" indent="0">
+              <a:buNone/>
+            </a:pPr>
+            <a:r>
+              <a:rPr lang="en-US" sz="1200" dirty="0">
+                <a:latin typeface="Courier New" panose="02070309020205020404" pitchFamily="49" charset="0"/>
+                <a:cs typeface="Courier New" panose="02070309020205020404" pitchFamily="49" charset="0"/>
+              </a:rPr>
+              <a:t>        return num</a:t>
+            </a:r>
+          </a:p>
+          <a:p>
+            <a:pPr marL="0" indent="0">
+              <a:buNone/>
+            </a:pPr>
+            <a:r>
+              <a:rPr lang="en-US" sz="1200" dirty="0">
+                <a:latin typeface="Courier New" panose="02070309020205020404" pitchFamily="49" charset="0"/>
+                <a:cs typeface="Courier New" panose="02070309020205020404" pitchFamily="49" charset="0"/>
+              </a:rPr>
+              <a:t>    return </a:t>
+            </a:r>
+            <a:r>
+              <a:rPr lang="en-US" sz="1200" dirty="0" err="1">
+                <a:latin typeface="Courier New" panose="02070309020205020404" pitchFamily="49" charset="0"/>
+                <a:cs typeface="Courier New" panose="02070309020205020404" pitchFamily="49" charset="0"/>
+              </a:rPr>
+              <a:t>fibonacci</a:t>
+            </a:r>
+            <a:r>
+              <a:rPr lang="en-US" sz="1200" dirty="0">
+                <a:latin typeface="Courier New" panose="02070309020205020404" pitchFamily="49" charset="0"/>
+                <a:cs typeface="Courier New" panose="02070309020205020404" pitchFamily="49" charset="0"/>
+              </a:rPr>
+              <a:t>(num - 1) + </a:t>
+            </a:r>
+            <a:r>
+              <a:rPr lang="en-US" sz="1200" dirty="0" err="1">
+                <a:latin typeface="Courier New" panose="02070309020205020404" pitchFamily="49" charset="0"/>
+                <a:cs typeface="Courier New" panose="02070309020205020404" pitchFamily="49" charset="0"/>
+              </a:rPr>
+              <a:t>fibonacci</a:t>
+            </a:r>
+            <a:r>
+              <a:rPr lang="en-US" sz="1200" dirty="0">
+                <a:latin typeface="Courier New" panose="02070309020205020404" pitchFamily="49" charset="0"/>
+                <a:cs typeface="Courier New" panose="02070309020205020404" pitchFamily="49" charset="0"/>
+              </a:rPr>
+              <a:t>(num - 2)</a:t>
+            </a:r>
+            <a:endParaRPr lang="en-IL" sz="1200" dirty="0">
+              <a:latin typeface="Courier New" panose="02070309020205020404" pitchFamily="49" charset="0"/>
+              <a:cs typeface="Courier New" panose="02070309020205020404" pitchFamily="49" charset="0"/>
+            </a:endParaRPr>
+          </a:p>
+        </p:txBody>
+      </p:sp>
+    </p:spTree>
+    <p:extLst>
+      <p:ext uri="{BB962C8B-B14F-4D97-AF65-F5344CB8AC3E}">
+        <p14:creationId xmlns:p14="http://schemas.microsoft.com/office/powerpoint/2010/main" val="2148606295"/>
+      </p:ext>
+    </p:extLst>
+  </p:cSld>
+  <p:clrMapOvr>
+    <a:masterClrMapping/>
+  </p:clrMapOvr>
+</p:sld>
+</file>
+
+<file path=ppt/slides/slide31.xml><?xml version="1.0" encoding="utf-8"?>
+<p:sld xmlns:a="http://schemas.openxmlformats.org/drawingml/2006/main" xmlns:r="http://schemas.openxmlformats.org/officeDocument/2006/relationships" xmlns:p="http://schemas.openxmlformats.org/presentationml/2006/main">
+  <p:cSld>
+    <p:spTree>
+      <p:nvGrpSpPr>
+        <p:cNvPr id="1" name=""/>
+        <p:cNvGrpSpPr/>
+        <p:nvPr/>
+      </p:nvGrpSpPr>
+      <p:grpSpPr>
+        <a:xfrm>
+          <a:off x="0" y="0"/>
+          <a:ext cx="0" cy="0"/>
+          <a:chOff x="0" y="0"/>
+          <a:chExt cx="0" cy="0"/>
+        </a:xfrm>
+      </p:grpSpPr>
+      <p:sp>
+        <p:nvSpPr>
+          <p:cNvPr id="2" name="Title 1">
+            <a:extLst>
+              <a:ext uri="{FF2B5EF4-FFF2-40B4-BE49-F238E27FC236}">
                 <a16:creationId xmlns:a16="http://schemas.microsoft.com/office/drawing/2014/main" id="{3E2FBADA-DC0F-4FFB-B48C-E71ED4BF6521}"/>
               </a:ext>
             </a:extLst>
@@ -14114,7 +14507,7 @@
 </p:sld>
 </file>
 
-<file path=ppt/slides/slide31.xml><?xml version="1.0" encoding="utf-8"?>
+<file path=ppt/slides/slide32.xml><?xml version="1.0" encoding="utf-8"?>
 <p:sld xmlns:a="http://schemas.openxmlformats.org/drawingml/2006/main" xmlns:r="http://schemas.openxmlformats.org/officeDocument/2006/relationships" xmlns:p="http://schemas.openxmlformats.org/presentationml/2006/main">
   <p:cSld>
     <p:spTree>
@@ -14329,7 +14722,7 @@
 </p:sld>
 </file>
 
-<file path=ppt/slides/slide32.xml><?xml version="1.0" encoding="utf-8"?>
+<file path=ppt/slides/slide33.xml><?xml version="1.0" encoding="utf-8"?>
 <p:sld xmlns:a="http://schemas.openxmlformats.org/drawingml/2006/main" xmlns:r="http://schemas.openxmlformats.org/officeDocument/2006/relationships" xmlns:p="http://schemas.openxmlformats.org/presentationml/2006/main">
   <p:cSld>
     <p:bg>
@@ -14513,7 +14906,7 @@
 </p:sld>
 </file>
 
-<file path=ppt/slides/slide33.xml><?xml version="1.0" encoding="utf-8"?>
+<file path=ppt/slides/slide34.xml><?xml version="1.0" encoding="utf-8"?>
 <p:sld xmlns:a="http://schemas.openxmlformats.org/drawingml/2006/main" xmlns:r="http://schemas.openxmlformats.org/officeDocument/2006/relationships" xmlns:p="http://schemas.openxmlformats.org/presentationml/2006/main">
   <p:cSld>
     <p:spTree>
@@ -14675,7 +15068,7 @@
 </p:sld>
 </file>
 
-<file path=ppt/slides/slide34.xml><?xml version="1.0" encoding="utf-8"?>
+<file path=ppt/slides/slide35.xml><?xml version="1.0" encoding="utf-8"?>
 <p:sld xmlns:a="http://schemas.openxmlformats.org/drawingml/2006/main" xmlns:r="http://schemas.openxmlformats.org/officeDocument/2006/relationships" xmlns:p="http://schemas.openxmlformats.org/presentationml/2006/main">
   <p:cSld>
     <p:spTree>
@@ -15248,7 +15641,7 @@
 </p:sld>
 </file>
 
-<file path=ppt/slides/slide35.xml><?xml version="1.0" encoding="utf-8"?>
+<file path=ppt/slides/slide36.xml><?xml version="1.0" encoding="utf-8"?>
 <p:sld xmlns:a="http://schemas.openxmlformats.org/drawingml/2006/main" xmlns:r="http://schemas.openxmlformats.org/officeDocument/2006/relationships" xmlns:p="http://schemas.openxmlformats.org/presentationml/2006/main">
   <p:cSld>
     <p:spTree>
@@ -15423,174 +15816,6 @@
 </p:sld>
 </file>
 
-<file path=ppt/slides/slide36.xml><?xml version="1.0" encoding="utf-8"?>
-<p:sld xmlns:a="http://schemas.openxmlformats.org/drawingml/2006/main" xmlns:r="http://schemas.openxmlformats.org/officeDocument/2006/relationships" xmlns:p="http://schemas.openxmlformats.org/presentationml/2006/main">
-  <p:cSld>
-    <p:spTree>
-      <p:nvGrpSpPr>
-        <p:cNvPr id="1" name=""/>
-        <p:cNvGrpSpPr/>
-        <p:nvPr/>
-      </p:nvGrpSpPr>
-      <p:grpSpPr>
-        <a:xfrm>
-          <a:off x="0" y="0"/>
-          <a:ext cx="0" cy="0"/>
-          <a:chOff x="0" y="0"/>
-          <a:chExt cx="0" cy="0"/>
-        </a:xfrm>
-      </p:grpSpPr>
-      <p:sp>
-        <p:nvSpPr>
-          <p:cNvPr id="2" name="Title 1">
-            <a:extLst>
-              <a:ext uri="{FF2B5EF4-FFF2-40B4-BE49-F238E27FC236}">
-                <a16:creationId xmlns:a16="http://schemas.microsoft.com/office/drawing/2014/main" id="{9144717B-2B16-4A25-9555-6400A5C0A97C}"/>
-              </a:ext>
-            </a:extLst>
-          </p:cNvPr>
-          <p:cNvSpPr>
-            <a:spLocks noGrp="1"/>
-          </p:cNvSpPr>
-          <p:nvPr>
-            <p:ph type="title"/>
-          </p:nvPr>
-        </p:nvSpPr>
-        <p:spPr/>
-        <p:txBody>
-          <a:bodyPr/>
-          <a:lstStyle/>
-          <a:p>
-            <a:r>
-              <a:rPr lang="en-US" dirty="0"/>
-              <a:t>Alternative implementations	</a:t>
-            </a:r>
-            <a:endParaRPr lang="en-IL" dirty="0"/>
-          </a:p>
-        </p:txBody>
-      </p:sp>
-      <p:sp>
-        <p:nvSpPr>
-          <p:cNvPr id="3" name="Content Placeholder 2">
-            <a:extLst>
-              <a:ext uri="{FF2B5EF4-FFF2-40B4-BE49-F238E27FC236}">
-                <a16:creationId xmlns:a16="http://schemas.microsoft.com/office/drawing/2014/main" id="{41154C83-1A9F-42E3-B48A-18B4E5C5F0E2}"/>
-              </a:ext>
-            </a:extLst>
-          </p:cNvPr>
-          <p:cNvSpPr>
-            <a:spLocks noGrp="1"/>
-          </p:cNvSpPr>
-          <p:nvPr>
-            <p:ph idx="1"/>
-          </p:nvPr>
-        </p:nvSpPr>
-        <p:spPr/>
-        <p:txBody>
-          <a:bodyPr/>
-          <a:lstStyle/>
-          <a:p>
-            <a:r>
-              <a:rPr lang="en-US" dirty="0"/>
-              <a:t>The ‘usual’ interpreter is </a:t>
-            </a:r>
-            <a:r>
-              <a:rPr lang="en-US" dirty="0" err="1"/>
-              <a:t>Cpython</a:t>
-            </a:r>
-            <a:endParaRPr lang="en-US" dirty="0"/>
-          </a:p>
-          <a:p>
-            <a:pPr lvl="1"/>
-            <a:r>
-              <a:rPr lang="en-US" sz="2000" dirty="0"/>
-              <a:t>Non optimizing interpreter</a:t>
-            </a:r>
-          </a:p>
-          <a:p>
-            <a:pPr lvl="1"/>
-            <a:r>
-              <a:rPr lang="en-US" sz="2000" dirty="0"/>
-              <a:t>Used as the reference implementation</a:t>
-            </a:r>
-          </a:p>
-          <a:p>
-            <a:r>
-              <a:rPr lang="en-US" dirty="0" err="1"/>
-              <a:t>Jython</a:t>
-            </a:r>
-            <a:r>
-              <a:rPr lang="en-US" dirty="0"/>
-              <a:t> – execute the python byte code in java VM</a:t>
-            </a:r>
-          </a:p>
-          <a:p>
-            <a:pPr lvl="1"/>
-            <a:r>
-              <a:rPr lang="en-US" sz="2000" dirty="0"/>
-              <a:t>Especially good if you need to use java libraries</a:t>
-            </a:r>
-          </a:p>
-          <a:p>
-            <a:r>
-              <a:rPr lang="en-US" dirty="0" err="1"/>
-              <a:t>Pypy</a:t>
-            </a:r>
-            <a:r>
-              <a:rPr lang="en-US" dirty="0"/>
-              <a:t> – optimizing  (JIT) interpreter written in python</a:t>
-            </a:r>
-          </a:p>
-          <a:p>
-            <a:r>
-              <a:rPr lang="en-US" dirty="0" err="1"/>
-              <a:t>IronPython</a:t>
-            </a:r>
-            <a:r>
-              <a:rPr lang="en-US" dirty="0"/>
-              <a:t>  - implementation in C#</a:t>
-            </a:r>
-          </a:p>
-          <a:p>
-            <a:pPr lvl="1"/>
-            <a:r>
-              <a:rPr lang="en-US" sz="2000" dirty="0"/>
-              <a:t>Especially good if you need to use .NET libraries</a:t>
-            </a:r>
-          </a:p>
-          <a:p>
-            <a:pPr lvl="1"/>
-            <a:endParaRPr lang="en-US" sz="2000" dirty="0"/>
-          </a:p>
-          <a:p>
-            <a:pPr marL="0" indent="0">
-              <a:buNone/>
-            </a:pPr>
-            <a:r>
-              <a:rPr lang="en-US" sz="2400" i="1" dirty="0"/>
-              <a:t>Caveat Emptor</a:t>
-            </a:r>
-            <a:r>
-              <a:rPr lang="en-US" sz="2400" dirty="0"/>
-              <a:t>: I did not try to use any of those</a:t>
-            </a:r>
-            <a:endParaRPr lang="en-IL" sz="2400" dirty="0"/>
-          </a:p>
-        </p:txBody>
-      </p:sp>
-    </p:spTree>
-    <p:extLst>
-      <p:ext uri="{BB962C8B-B14F-4D97-AF65-F5344CB8AC3E}">
-        <p14:creationId xmlns:p14="http://schemas.microsoft.com/office/powerpoint/2010/main" val="620005339"/>
-      </p:ext>
-    </p:extLst>
-  </p:cSld>
-  <p:clrMapOvr>
-    <a:masterClrMapping/>
-  </p:clrMapOvr>
-</p:sld>
-</file>
-
 <file path=ppt/slides/slide37.xml><?xml version="1.0" encoding="utf-8"?>
 <p:sld xmlns:a="http://schemas.openxmlformats.org/drawingml/2006/main" xmlns:r="http://schemas.openxmlformats.org/officeDocument/2006/relationships" xmlns:p="http://schemas.openxmlformats.org/presentationml/2006/main">
   <p:cSld>
@@ -15613,7 +15838,7 @@
           <p:cNvPr id="2" name="Title 1">
             <a:extLst>
               <a:ext uri="{FF2B5EF4-FFF2-40B4-BE49-F238E27FC236}">
-                <a16:creationId xmlns:a16="http://schemas.microsoft.com/office/drawing/2014/main" id="{AF2D27B6-D715-4335-9937-DD4AA4CF663C}"/>
+                <a16:creationId xmlns:a16="http://schemas.microsoft.com/office/drawing/2014/main" id="{9144717B-2B16-4A25-9555-6400A5C0A97C}"/>
               </a:ext>
             </a:extLst>
           </p:cNvPr>
@@ -15631,7 +15856,7 @@
           <a:p>
             <a:r>
               <a:rPr lang="en-US" dirty="0"/>
-              <a:t>Static type checking</a:t>
+              <a:t>Alternative implementations	</a:t>
             </a:r>
             <a:endParaRPr lang="en-IL" dirty="0"/>
           </a:p>
@@ -15642,7 +15867,7 @@
           <p:cNvPr id="3" name="Content Placeholder 2">
             <a:extLst>
               <a:ext uri="{FF2B5EF4-FFF2-40B4-BE49-F238E27FC236}">
-                <a16:creationId xmlns:a16="http://schemas.microsoft.com/office/drawing/2014/main" id="{A1650639-B263-4AEE-AC53-A4B80ED06F28}"/>
+                <a16:creationId xmlns:a16="http://schemas.microsoft.com/office/drawing/2014/main" id="{41154C83-1A9F-42E3-B48A-18B4E5C5F0E2}"/>
               </a:ext>
             </a:extLst>
           </p:cNvPr>
@@ -15660,152 +15885,96 @@
           <a:p>
             <a:r>
               <a:rPr lang="en-US" dirty="0"/>
-              <a:t>Optional package “</a:t>
+              <a:t>The ‘usual’ interpreter is </a:t>
             </a:r>
             <a:r>
               <a:rPr lang="en-US" dirty="0" err="1"/>
-              <a:t>mypy</a:t>
-            </a:r>
-            <a:r>
-              <a:rPr lang="en-US" dirty="0"/>
-              <a:t>”</a:t>
-            </a:r>
-          </a:p>
-          <a:p>
-            <a:r>
-              <a:rPr lang="en-US" dirty="0"/>
-              <a:t>In development (requires python &gt;=3.5)</a:t>
-            </a:r>
-          </a:p>
-          <a:p>
-            <a:r>
-              <a:rPr lang="en-US" dirty="0"/>
-              <a:t> You can add type hints (</a:t>
-            </a:r>
-            <a:r>
-              <a:rPr lang="en-US" dirty="0">
-                <a:hlinkClick r:id="rId3"/>
-              </a:rPr>
-              <a:t>PEP 484</a:t>
-            </a:r>
-            <a:r>
-              <a:rPr lang="en-US" dirty="0"/>
-              <a:t>) to your Python programs, and use </a:t>
-            </a:r>
+              <a:t>Cpython</a:t>
+            </a:r>
+            <a:endParaRPr lang="en-US" dirty="0"/>
+          </a:p>
+          <a:p>
+            <a:pPr lvl="1"/>
+            <a:r>
+              <a:rPr lang="en-US" sz="2000" dirty="0"/>
+              <a:t>Non optimizing interpreter</a:t>
+            </a:r>
+          </a:p>
+          <a:p>
+            <a:pPr lvl="1"/>
+            <a:r>
+              <a:rPr lang="en-US" sz="2000" dirty="0"/>
+              <a:t>Used as the reference implementation</a:t>
+            </a:r>
+          </a:p>
+          <a:p>
             <a:r>
               <a:rPr lang="en-US" dirty="0" err="1"/>
-              <a:t>mypy</a:t>
-            </a:r>
-            <a:r>
-              <a:rPr lang="en-US" dirty="0"/>
-              <a:t> to type check them statically</a:t>
-            </a:r>
+              <a:t>Jython</a:t>
+            </a:r>
+            <a:r>
+              <a:rPr lang="en-US" dirty="0"/>
+              <a:t> – execute the python byte code in java VM</a:t>
+            </a:r>
+          </a:p>
+          <a:p>
+            <a:pPr lvl="1"/>
+            <a:r>
+              <a:rPr lang="en-US" sz="2000" dirty="0"/>
+              <a:t>Especially good if you need to use java libraries</a:t>
+            </a:r>
+          </a:p>
+          <a:p>
+            <a:r>
+              <a:rPr lang="en-US" dirty="0" err="1"/>
+              <a:t>Pypy</a:t>
+            </a:r>
+            <a:r>
+              <a:rPr lang="en-US" dirty="0"/>
+              <a:t> – optimizing  (JIT) interpreter written in python</a:t>
+            </a:r>
+          </a:p>
+          <a:p>
+            <a:r>
+              <a:rPr lang="en-US" dirty="0" err="1"/>
+              <a:t>IronPython</a:t>
+            </a:r>
+            <a:r>
+              <a:rPr lang="en-US" dirty="0"/>
+              <a:t>  - implementation in C#</a:t>
+            </a:r>
+          </a:p>
+          <a:p>
+            <a:pPr lvl="1"/>
+            <a:r>
+              <a:rPr lang="en-US" sz="2000" dirty="0"/>
+              <a:t>Especially good if you need to use .NET libraries</a:t>
+            </a:r>
+          </a:p>
+          <a:p>
+            <a:pPr lvl="1"/>
+            <a:endParaRPr lang="en-US" sz="2000" dirty="0"/>
           </a:p>
           <a:p>
             <a:pPr marL="0" indent="0">
               <a:buNone/>
             </a:pPr>
-            <a:endParaRPr lang="en-IL" dirty="0"/>
-          </a:p>
-        </p:txBody>
-      </p:sp>
-      <p:sp>
-        <p:nvSpPr>
-          <p:cNvPr id="4" name="TextBox 3">
-            <a:extLst>
-              <a:ext uri="{FF2B5EF4-FFF2-40B4-BE49-F238E27FC236}">
-                <a16:creationId xmlns:a16="http://schemas.microsoft.com/office/drawing/2014/main" id="{E356F92D-1469-4940-8024-E89B1E22DB59}"/>
-              </a:ext>
-            </a:extLst>
-          </p:cNvPr>
-          <p:cNvSpPr txBox="1"/>
-          <p:nvPr/>
-        </p:nvSpPr>
-        <p:spPr>
-          <a:xfrm>
-            <a:off x="1907821" y="3868639"/>
-            <a:ext cx="5700889" cy="2031325"/>
-          </a:xfrm>
-          <a:prstGeom prst="rect">
-            <a:avLst/>
-          </a:prstGeom>
-          <a:noFill/>
-        </p:spPr>
-        <p:txBody>
-          <a:bodyPr wrap="square" rtlCol="0">
-            <a:spAutoFit/>
-          </a:bodyPr>
-          <a:lstStyle/>
-          <a:p>
-            <a:r>
-              <a:rPr lang="en-US" dirty="0">
-                <a:latin typeface="Courier New" panose="02070309020205020404" pitchFamily="49" charset="0"/>
-                <a:cs typeface="Courier New" panose="02070309020205020404" pitchFamily="49" charset="0"/>
-              </a:rPr>
-              <a:t>from typing import Iterator</a:t>
-            </a:r>
-          </a:p>
-          <a:p>
-            <a:endParaRPr lang="en-US" dirty="0">
-              <a:latin typeface="Courier New" panose="02070309020205020404" pitchFamily="49" charset="0"/>
-              <a:cs typeface="Courier New" panose="02070309020205020404" pitchFamily="49" charset="0"/>
-            </a:endParaRPr>
-          </a:p>
-          <a:p>
-            <a:r>
-              <a:rPr lang="en-US" dirty="0">
-                <a:latin typeface="Courier New" panose="02070309020205020404" pitchFamily="49" charset="0"/>
-                <a:cs typeface="Courier New" panose="02070309020205020404" pitchFamily="49" charset="0"/>
-              </a:rPr>
-              <a:t>def fib(n: int) -&gt; Iterator[int]:</a:t>
-            </a:r>
-          </a:p>
-          <a:p>
-            <a:r>
-              <a:rPr lang="en-US" dirty="0">
-                <a:latin typeface="Courier New" panose="02070309020205020404" pitchFamily="49" charset="0"/>
-                <a:cs typeface="Courier New" panose="02070309020205020404" pitchFamily="49" charset="0"/>
-              </a:rPr>
-              <a:t>    a, b = 0, 1</a:t>
-            </a:r>
-          </a:p>
-          <a:p>
-            <a:r>
-              <a:rPr lang="en-US" dirty="0">
-                <a:latin typeface="Courier New" panose="02070309020205020404" pitchFamily="49" charset="0"/>
-                <a:cs typeface="Courier New" panose="02070309020205020404" pitchFamily="49" charset="0"/>
-              </a:rPr>
-              <a:t>    while a &lt; n:</a:t>
-            </a:r>
-          </a:p>
-          <a:p>
-            <a:r>
-              <a:rPr lang="en-US" dirty="0">
-                <a:latin typeface="Courier New" panose="02070309020205020404" pitchFamily="49" charset="0"/>
-                <a:cs typeface="Courier New" panose="02070309020205020404" pitchFamily="49" charset="0"/>
-              </a:rPr>
-              <a:t>        yield a</a:t>
-            </a:r>
-          </a:p>
-          <a:p>
-            <a:r>
-              <a:rPr lang="en-US" dirty="0">
-                <a:latin typeface="Courier New" panose="02070309020205020404" pitchFamily="49" charset="0"/>
-                <a:cs typeface="Courier New" panose="02070309020205020404" pitchFamily="49" charset="0"/>
-              </a:rPr>
-              <a:t>        a, b = b, a + b</a:t>
-            </a:r>
-            <a:endParaRPr lang="en-IL" dirty="0">
-              <a:latin typeface="Courier New" panose="02070309020205020404" pitchFamily="49" charset="0"/>
-              <a:cs typeface="Courier New" panose="02070309020205020404" pitchFamily="49" charset="0"/>
-            </a:endParaRPr>
+            <a:r>
+              <a:rPr lang="en-US" sz="2400" i="1" dirty="0"/>
+              <a:t>Caveat Emptor</a:t>
+            </a:r>
+            <a:r>
+              <a:rPr lang="en-US" sz="2400" dirty="0"/>
+              <a:t>: I did not try to use any of those</a:t>
+            </a:r>
+            <a:endParaRPr lang="en-IL" sz="2400" dirty="0"/>
           </a:p>
         </p:txBody>
       </p:sp>
     </p:spTree>
     <p:extLst>
       <p:ext uri="{BB962C8B-B14F-4D97-AF65-F5344CB8AC3E}">
-        <p14:creationId xmlns:p14="http://schemas.microsoft.com/office/powerpoint/2010/main" val="4195438216"/>
+        <p14:creationId xmlns:p14="http://schemas.microsoft.com/office/powerpoint/2010/main" val="620005339"/>
       </p:ext>
     </p:extLst>
   </p:cSld>
@@ -15837,7 +16006,7 @@
           <p:cNvPr id="2" name="Title 1">
             <a:extLst>
               <a:ext uri="{FF2B5EF4-FFF2-40B4-BE49-F238E27FC236}">
-                <a16:creationId xmlns:a16="http://schemas.microsoft.com/office/drawing/2014/main" id="{A7F24BE9-C633-4B35-928B-D5B2E7849565}"/>
+                <a16:creationId xmlns:a16="http://schemas.microsoft.com/office/drawing/2014/main" id="{AF2D27B6-D715-4335-9937-DD4AA4CF663C}"/>
               </a:ext>
             </a:extLst>
           </p:cNvPr>
@@ -15855,7 +16024,7 @@
           <a:p>
             <a:r>
               <a:rPr lang="en-US" dirty="0"/>
-              <a:t>More on Profiling</a:t>
+              <a:t>Static type checking</a:t>
             </a:r>
             <a:endParaRPr lang="en-IL" dirty="0"/>
           </a:p>
@@ -15866,7 +16035,7 @@
           <p:cNvPr id="3" name="Content Placeholder 2">
             <a:extLst>
               <a:ext uri="{FF2B5EF4-FFF2-40B4-BE49-F238E27FC236}">
-                <a16:creationId xmlns:a16="http://schemas.microsoft.com/office/drawing/2014/main" id="{BB5C53C8-634B-4997-80E1-53AB04B248D0}"/>
+                <a16:creationId xmlns:a16="http://schemas.microsoft.com/office/drawing/2014/main" id="{A1650639-B263-4AEE-AC53-A4B80ED06F28}"/>
               </a:ext>
             </a:extLst>
           </p:cNvPr>
@@ -15879,260 +16048,157 @@
         </p:nvSpPr>
         <p:spPr/>
         <p:txBody>
-          <a:bodyPr>
-            <a:normAutofit/>
-          </a:bodyPr>
-          <a:lstStyle/>
-          <a:p>
-            <a:r>
-              <a:rPr lang="en-US" dirty="0"/>
-              <a:t>The </a:t>
+          <a:bodyPr/>
+          <a:lstStyle/>
+          <a:p>
+            <a:r>
+              <a:rPr lang="en-US" dirty="0"/>
+              <a:t>Optional package “</a:t>
             </a:r>
             <a:r>
               <a:rPr lang="en-US" dirty="0" err="1"/>
-              <a:t>cProfile</a:t>
-            </a:r>
-            <a:r>
-              <a:rPr lang="en-US" dirty="0"/>
-              <a:t> module is  part of the standard installation</a:t>
+              <a:t>mypy</a:t>
+            </a:r>
+            <a:r>
+              <a:rPr lang="en-US" dirty="0"/>
+              <a:t>”</a:t>
+            </a:r>
+          </a:p>
+          <a:p>
+            <a:r>
+              <a:rPr lang="en-US" dirty="0"/>
+              <a:t>In development (requires python &gt;=3.5)</a:t>
+            </a:r>
+          </a:p>
+          <a:p>
+            <a:r>
+              <a:rPr lang="en-US" dirty="0"/>
+              <a:t> You can add type hints (</a:t>
+            </a:r>
+            <a:r>
+              <a:rPr lang="en-US" dirty="0">
+                <a:hlinkClick r:id="rId3"/>
+              </a:rPr>
+              <a:t>PEP 484</a:t>
+            </a:r>
+            <a:r>
+              <a:rPr lang="en-US" dirty="0"/>
+              <a:t>) to your Python programs, and use </a:t>
+            </a:r>
+            <a:r>
+              <a:rPr lang="en-US" dirty="0" err="1"/>
+              <a:t>mypy</a:t>
+            </a:r>
+            <a:r>
+              <a:rPr lang="en-US" dirty="0"/>
+              <a:t> to type check them statically</a:t>
             </a:r>
           </a:p>
           <a:p>
             <a:pPr marL="0" indent="0">
               <a:buNone/>
             </a:pPr>
-            <a:r>
-              <a:rPr lang="en-US" sz="1400" dirty="0">
-                <a:latin typeface="Courier New" panose="02070309020205020404" pitchFamily="49" charset="0"/>
-                <a:cs typeface="Courier New" panose="02070309020205020404" pitchFamily="49" charset="0"/>
-              </a:rPr>
-              <a:t>$ python -m </a:t>
-            </a:r>
-            <a:r>
-              <a:rPr lang="en-US" sz="1400" dirty="0" err="1">
-                <a:latin typeface="Courier New" panose="02070309020205020404" pitchFamily="49" charset="0"/>
-                <a:cs typeface="Courier New" panose="02070309020205020404" pitchFamily="49" charset="0"/>
-              </a:rPr>
-              <a:t>cProfile</a:t>
-            </a:r>
-            <a:r>
-              <a:rPr lang="en-US" sz="1400" dirty="0">
-                <a:latin typeface="Courier New" panose="02070309020205020404" pitchFamily="49" charset="0"/>
-                <a:cs typeface="Courier New" panose="02070309020205020404" pitchFamily="49" charset="0"/>
-              </a:rPr>
-              <a:t>  fib.py</a:t>
-            </a:r>
-          </a:p>
-          <a:p>
-            <a:pPr marL="0" indent="0">
-              <a:buNone/>
-            </a:pPr>
-            <a:r>
-              <a:rPr lang="en-US" sz="1400" dirty="0">
-                <a:latin typeface="Courier New" panose="02070309020205020404" pitchFamily="49" charset="0"/>
-                <a:cs typeface="Courier New" panose="02070309020205020404" pitchFamily="49" charset="0"/>
-              </a:rPr>
-              <a:t>584 function calls in 3.004 seconds</a:t>
-            </a:r>
-          </a:p>
-          <a:p>
-            <a:pPr marL="0" indent="0">
-              <a:buNone/>
-            </a:pPr>
-            <a:endParaRPr lang="en-US" sz="1400" dirty="0">
+            <a:endParaRPr lang="en-IL" dirty="0"/>
+          </a:p>
+        </p:txBody>
+      </p:sp>
+      <p:sp>
+        <p:nvSpPr>
+          <p:cNvPr id="4" name="TextBox 3">
+            <a:extLst>
+              <a:ext uri="{FF2B5EF4-FFF2-40B4-BE49-F238E27FC236}">
+                <a16:creationId xmlns:a16="http://schemas.microsoft.com/office/drawing/2014/main" id="{E356F92D-1469-4940-8024-E89B1E22DB59}"/>
+              </a:ext>
+            </a:extLst>
+          </p:cNvPr>
+          <p:cNvSpPr txBox="1"/>
+          <p:nvPr/>
+        </p:nvSpPr>
+        <p:spPr>
+          <a:xfrm>
+            <a:off x="1907821" y="3868639"/>
+            <a:ext cx="5700889" cy="2031325"/>
+          </a:xfrm>
+          <a:prstGeom prst="rect">
+            <a:avLst/>
+          </a:prstGeom>
+          <a:noFill/>
+        </p:spPr>
+        <p:txBody>
+          <a:bodyPr wrap="square" rtlCol="0">
+            <a:spAutoFit/>
+          </a:bodyPr>
+          <a:lstStyle/>
+          <a:p>
+            <a:r>
+              <a:rPr lang="en-US" dirty="0">
+                <a:latin typeface="Courier New" panose="02070309020205020404" pitchFamily="49" charset="0"/>
+                <a:cs typeface="Courier New" panose="02070309020205020404" pitchFamily="49" charset="0"/>
+              </a:rPr>
+              <a:t>from typing import Iterator</a:t>
+            </a:r>
+          </a:p>
+          <a:p>
+            <a:endParaRPr lang="en-US" dirty="0">
               <a:latin typeface="Courier New" panose="02070309020205020404" pitchFamily="49" charset="0"/>
               <a:cs typeface="Courier New" panose="02070309020205020404" pitchFamily="49" charset="0"/>
             </a:endParaRPr>
           </a:p>
           <a:p>
-            <a:pPr marL="0" indent="0">
-              <a:buNone/>
-            </a:pPr>
-            <a:r>
-              <a:rPr lang="en-US" sz="1400" dirty="0">
-                <a:latin typeface="Courier New" panose="02070309020205020404" pitchFamily="49" charset="0"/>
-                <a:cs typeface="Courier New" panose="02070309020205020404" pitchFamily="49" charset="0"/>
-              </a:rPr>
-              <a:t>   Ordered by: standard name</a:t>
-            </a:r>
-          </a:p>
-          <a:p>
-            <a:pPr marL="0" indent="0">
-              <a:buNone/>
-            </a:pPr>
-            <a:endParaRPr lang="en-US" sz="1400" dirty="0">
+            <a:r>
+              <a:rPr lang="en-US" dirty="0">
+                <a:latin typeface="Courier New" panose="02070309020205020404" pitchFamily="49" charset="0"/>
+                <a:cs typeface="Courier New" panose="02070309020205020404" pitchFamily="49" charset="0"/>
+              </a:rPr>
+              <a:t>def fib(n: int) -&gt; Iterator[int]:</a:t>
+            </a:r>
+          </a:p>
+          <a:p>
+            <a:r>
+              <a:rPr lang="en-US" dirty="0">
+                <a:latin typeface="Courier New" panose="02070309020205020404" pitchFamily="49" charset="0"/>
+                <a:cs typeface="Courier New" panose="02070309020205020404" pitchFamily="49" charset="0"/>
+              </a:rPr>
+              <a:t>    a, b = 0, 1</a:t>
+            </a:r>
+          </a:p>
+          <a:p>
+            <a:r>
+              <a:rPr lang="en-US" dirty="0">
+                <a:latin typeface="Courier New" panose="02070309020205020404" pitchFamily="49" charset="0"/>
+                <a:cs typeface="Courier New" panose="02070309020205020404" pitchFamily="49" charset="0"/>
+              </a:rPr>
+              <a:t>    while a &lt; n:</a:t>
+            </a:r>
+          </a:p>
+          <a:p>
+            <a:r>
+              <a:rPr lang="en-US" dirty="0">
+                <a:latin typeface="Courier New" panose="02070309020205020404" pitchFamily="49" charset="0"/>
+                <a:cs typeface="Courier New" panose="02070309020205020404" pitchFamily="49" charset="0"/>
+              </a:rPr>
+              <a:t>        yield a</a:t>
+            </a:r>
+          </a:p>
+          <a:p>
+            <a:r>
+              <a:rPr lang="en-US" dirty="0">
+                <a:latin typeface="Courier New" panose="02070309020205020404" pitchFamily="49" charset="0"/>
+                <a:cs typeface="Courier New" panose="02070309020205020404" pitchFamily="49" charset="0"/>
+              </a:rPr>
+              <a:t>        a, b = b, a + b</a:t>
+            </a:r>
+            <a:endParaRPr lang="en-IL" dirty="0">
               <a:latin typeface="Courier New" panose="02070309020205020404" pitchFamily="49" charset="0"/>
               <a:cs typeface="Courier New" panose="02070309020205020404" pitchFamily="49" charset="0"/>
             </a:endParaRPr>
           </a:p>
-          <a:p>
-            <a:pPr marL="0" indent="0">
-              <a:buNone/>
-            </a:pPr>
-            <a:r>
-              <a:rPr lang="en-US" sz="1400" dirty="0">
-                <a:latin typeface="Courier New" panose="02070309020205020404" pitchFamily="49" charset="0"/>
-                <a:cs typeface="Courier New" panose="02070309020205020404" pitchFamily="49" charset="0"/>
-              </a:rPr>
-              <a:t>   </a:t>
-            </a:r>
-            <a:r>
-              <a:rPr lang="en-US" sz="1400" dirty="0" err="1">
-                <a:latin typeface="Courier New" panose="02070309020205020404" pitchFamily="49" charset="0"/>
-                <a:cs typeface="Courier New" panose="02070309020205020404" pitchFamily="49" charset="0"/>
-              </a:rPr>
-              <a:t>ncalls</a:t>
-            </a:r>
-            <a:r>
-              <a:rPr lang="en-US" sz="1400" dirty="0">
-                <a:latin typeface="Courier New" panose="02070309020205020404" pitchFamily="49" charset="0"/>
-                <a:cs typeface="Courier New" panose="02070309020205020404" pitchFamily="49" charset="0"/>
-              </a:rPr>
-              <a:t>  </a:t>
-            </a:r>
-            <a:r>
-              <a:rPr lang="en-US" sz="1400" dirty="0" err="1">
-                <a:latin typeface="Courier New" panose="02070309020205020404" pitchFamily="49" charset="0"/>
-                <a:cs typeface="Courier New" panose="02070309020205020404" pitchFamily="49" charset="0"/>
-              </a:rPr>
-              <a:t>tottime</a:t>
-            </a:r>
-            <a:r>
-              <a:rPr lang="en-US" sz="1400" dirty="0">
-                <a:latin typeface="Courier New" panose="02070309020205020404" pitchFamily="49" charset="0"/>
-                <a:cs typeface="Courier New" panose="02070309020205020404" pitchFamily="49" charset="0"/>
-              </a:rPr>
-              <a:t>  </a:t>
-            </a:r>
-            <a:r>
-              <a:rPr lang="en-US" sz="1400" dirty="0" err="1">
-                <a:latin typeface="Courier New" panose="02070309020205020404" pitchFamily="49" charset="0"/>
-                <a:cs typeface="Courier New" panose="02070309020205020404" pitchFamily="49" charset="0"/>
-              </a:rPr>
-              <a:t>percall</a:t>
-            </a:r>
-            <a:r>
-              <a:rPr lang="en-US" sz="1400" dirty="0">
-                <a:latin typeface="Courier New" panose="02070309020205020404" pitchFamily="49" charset="0"/>
-                <a:cs typeface="Courier New" panose="02070309020205020404" pitchFamily="49" charset="0"/>
-              </a:rPr>
-              <a:t>  </a:t>
-            </a:r>
-            <a:r>
-              <a:rPr lang="en-US" sz="1400" dirty="0" err="1">
-                <a:latin typeface="Courier New" panose="02070309020205020404" pitchFamily="49" charset="0"/>
-                <a:cs typeface="Courier New" panose="02070309020205020404" pitchFamily="49" charset="0"/>
-              </a:rPr>
-              <a:t>cumtime</a:t>
-            </a:r>
-            <a:r>
-              <a:rPr lang="en-US" sz="1400" dirty="0">
-                <a:latin typeface="Courier New" panose="02070309020205020404" pitchFamily="49" charset="0"/>
-                <a:cs typeface="Courier New" panose="02070309020205020404" pitchFamily="49" charset="0"/>
-              </a:rPr>
-              <a:t>  </a:t>
-            </a:r>
-            <a:r>
-              <a:rPr lang="en-US" sz="1400" dirty="0" err="1">
-                <a:latin typeface="Courier New" panose="02070309020205020404" pitchFamily="49" charset="0"/>
-                <a:cs typeface="Courier New" panose="02070309020205020404" pitchFamily="49" charset="0"/>
-              </a:rPr>
-              <a:t>percall</a:t>
-            </a:r>
-            <a:r>
-              <a:rPr lang="en-US" sz="1400" dirty="0">
-                <a:latin typeface="Courier New" panose="02070309020205020404" pitchFamily="49" charset="0"/>
-                <a:cs typeface="Courier New" panose="02070309020205020404" pitchFamily="49" charset="0"/>
-              </a:rPr>
-              <a:t> </a:t>
-            </a:r>
-            <a:r>
-              <a:rPr lang="en-US" sz="1400" dirty="0" err="1">
-                <a:latin typeface="Courier New" panose="02070309020205020404" pitchFamily="49" charset="0"/>
-                <a:cs typeface="Courier New" panose="02070309020205020404" pitchFamily="49" charset="0"/>
-              </a:rPr>
-              <a:t>filename:lineno</a:t>
-            </a:r>
-            <a:r>
-              <a:rPr lang="en-US" sz="1400" dirty="0">
-                <a:latin typeface="Courier New" panose="02070309020205020404" pitchFamily="49" charset="0"/>
-                <a:cs typeface="Courier New" panose="02070309020205020404" pitchFamily="49" charset="0"/>
-              </a:rPr>
-              <a:t>(function)</a:t>
-            </a:r>
-          </a:p>
-          <a:p>
-            <a:pPr marL="0" indent="0">
-              <a:buNone/>
-            </a:pPr>
-            <a:r>
-              <a:rPr lang="en-US" sz="1400" dirty="0">
-                <a:latin typeface="Courier New" panose="02070309020205020404" pitchFamily="49" charset="0"/>
-                <a:cs typeface="Courier New" panose="02070309020205020404" pitchFamily="49" charset="0"/>
-              </a:rPr>
-              <a:t>        1    0.000    0.000    3.004    3.004 fib.py:1(&lt;module&gt;)</a:t>
-            </a:r>
-          </a:p>
-          <a:p>
-            <a:pPr marL="0" indent="0">
-              <a:buNone/>
-            </a:pPr>
-            <a:r>
-              <a:rPr lang="en-US" sz="1400" dirty="0">
-                <a:latin typeface="Courier New" panose="02070309020205020404" pitchFamily="49" charset="0"/>
-                <a:cs typeface="Courier New" panose="02070309020205020404" pitchFamily="49" charset="0"/>
-              </a:rPr>
-              <a:t>      577    0.000    0.000    0.000    0.000 fib.py:1(fib)</a:t>
-            </a:r>
-          </a:p>
-          <a:p>
-            <a:pPr marL="0" indent="0">
-              <a:buNone/>
-            </a:pPr>
-            <a:r>
-              <a:rPr lang="en-US" sz="1400" dirty="0">
-                <a:latin typeface="Courier New" panose="02070309020205020404" pitchFamily="49" charset="0"/>
-                <a:cs typeface="Courier New" panose="02070309020205020404" pitchFamily="49" charset="0"/>
-              </a:rPr>
-              <a:t>        1    0.000    0.000    3.003    3.003 fib.py:8(</a:t>
-            </a:r>
-            <a:r>
-              <a:rPr lang="en-US" sz="1400" dirty="0" err="1">
-                <a:latin typeface="Courier New" panose="02070309020205020404" pitchFamily="49" charset="0"/>
-                <a:cs typeface="Courier New" panose="02070309020205020404" pitchFamily="49" charset="0"/>
-              </a:rPr>
-              <a:t>noop</a:t>
-            </a:r>
-            <a:r>
-              <a:rPr lang="en-US" sz="1400" dirty="0">
-                <a:latin typeface="Courier New" panose="02070309020205020404" pitchFamily="49" charset="0"/>
-                <a:cs typeface="Courier New" panose="02070309020205020404" pitchFamily="49" charset="0"/>
-              </a:rPr>
-              <a:t>)</a:t>
-            </a:r>
-          </a:p>
-          <a:p>
-            <a:pPr marL="0" indent="0">
-              <a:buNone/>
-            </a:pPr>
-            <a:r>
-              <a:rPr lang="en-US" sz="1400" dirty="0">
-                <a:latin typeface="Courier New" panose="02070309020205020404" pitchFamily="49" charset="0"/>
-                <a:cs typeface="Courier New" panose="02070309020205020404" pitchFamily="49" charset="0"/>
-              </a:rPr>
-              <a:t>&lt;…&gt;</a:t>
-            </a:r>
-            <a:endParaRPr lang="en-IL" sz="1400" dirty="0">
-              <a:latin typeface="Courier New" panose="02070309020205020404" pitchFamily="49" charset="0"/>
-              <a:cs typeface="Courier New" panose="02070309020205020404" pitchFamily="49" charset="0"/>
-            </a:endParaRPr>
-          </a:p>
         </p:txBody>
       </p:sp>
     </p:spTree>
     <p:extLst>
       <p:ext uri="{BB962C8B-B14F-4D97-AF65-F5344CB8AC3E}">
-        <p14:creationId xmlns:p14="http://schemas.microsoft.com/office/powerpoint/2010/main" val="1696074043"/>
+        <p14:creationId xmlns:p14="http://schemas.microsoft.com/office/powerpoint/2010/main" val="4195438216"/>
       </p:ext>
     </p:extLst>
   </p:cSld>
@@ -16164,7 +16230,7 @@
           <p:cNvPr id="2" name="Title 1">
             <a:extLst>
               <a:ext uri="{FF2B5EF4-FFF2-40B4-BE49-F238E27FC236}">
-                <a16:creationId xmlns:a16="http://schemas.microsoft.com/office/drawing/2014/main" id="{F5231BBA-2444-4DBB-89C1-C1045A4DBD0F}"/>
+                <a16:creationId xmlns:a16="http://schemas.microsoft.com/office/drawing/2014/main" id="{A7F24BE9-C633-4B35-928B-D5B2E7849565}"/>
               </a:ext>
             </a:extLst>
           </p:cNvPr>
@@ -16182,7 +16248,7 @@
           <a:p>
             <a:r>
               <a:rPr lang="en-US" dirty="0"/>
-              <a:t>Profiling output that’s looks nice</a:t>
+              <a:t>More on Profiling</a:t>
             </a:r>
             <a:endParaRPr lang="en-IL" dirty="0"/>
           </a:p>
@@ -16193,7 +16259,7 @@
           <p:cNvPr id="3" name="Content Placeholder 2">
             <a:extLst>
               <a:ext uri="{FF2B5EF4-FFF2-40B4-BE49-F238E27FC236}">
-                <a16:creationId xmlns:a16="http://schemas.microsoft.com/office/drawing/2014/main" id="{223DCFA3-2828-4E8F-BEDD-B06A6A98E5F4}"/>
+                <a16:creationId xmlns:a16="http://schemas.microsoft.com/office/drawing/2014/main" id="{BB5C53C8-634B-4997-80E1-53AB04B248D0}"/>
               </a:ext>
             </a:extLst>
           </p:cNvPr>
@@ -16206,97 +16272,67 @@
         </p:nvSpPr>
         <p:spPr/>
         <p:txBody>
-          <a:bodyPr/>
-          <a:lstStyle/>
+          <a:bodyPr>
+            <a:normAutofit/>
+          </a:bodyPr>
+          <a:lstStyle/>
+          <a:p>
+            <a:r>
+              <a:rPr lang="en-US" dirty="0"/>
+              <a:t>The </a:t>
+            </a:r>
+            <a:r>
+              <a:rPr lang="en-US" dirty="0" err="1"/>
+              <a:t>cProfile</a:t>
+            </a:r>
+            <a:r>
+              <a:rPr lang="en-US" dirty="0"/>
+              <a:t> module is  part of the standard installation</a:t>
+            </a:r>
+          </a:p>
           <a:p>
             <a:pPr marL="0" indent="0">
               <a:buNone/>
             </a:pPr>
             <a:r>
-              <a:rPr lang="en-US" sz="2000" dirty="0"/>
-              <a:t>See for example </a:t>
-            </a:r>
-            <a:r>
-              <a:rPr lang="en-US" sz="2000" dirty="0">
-                <a:hlinkClick r:id="rId3"/>
-              </a:rPr>
-              <a:t>https://julien.danjou.info/guide-to-python-profiling-cprofile-concrete-case-carbonara/</a:t>
-            </a:r>
-            <a:endParaRPr lang="en-US" sz="2000" dirty="0"/>
+              <a:rPr lang="en-US" sz="1400" dirty="0">
+                <a:latin typeface="Courier New" panose="02070309020205020404" pitchFamily="49" charset="0"/>
+                <a:cs typeface="Courier New" panose="02070309020205020404" pitchFamily="49" charset="0"/>
+              </a:rPr>
+              <a:t>$ python -m </a:t>
+            </a:r>
+            <a:r>
+              <a:rPr lang="en-US" sz="1400" dirty="0" err="1">
+                <a:latin typeface="Courier New" panose="02070309020205020404" pitchFamily="49" charset="0"/>
+                <a:cs typeface="Courier New" panose="02070309020205020404" pitchFamily="49" charset="0"/>
+              </a:rPr>
+              <a:t>cProfile</a:t>
+            </a:r>
+            <a:r>
+              <a:rPr lang="en-US" sz="1400" dirty="0">
+                <a:latin typeface="Courier New" panose="02070309020205020404" pitchFamily="49" charset="0"/>
+                <a:cs typeface="Courier New" panose="02070309020205020404" pitchFamily="49" charset="0"/>
+              </a:rPr>
+              <a:t>  fib.py</a:t>
+            </a:r>
           </a:p>
           <a:p>
             <a:pPr marL="0" indent="0">
               <a:buNone/>
             </a:pPr>
             <a:r>
-              <a:rPr lang="en-US" sz="2000" dirty="0">
-                <a:latin typeface="Courier New" panose="02070309020205020404" pitchFamily="49" charset="0"/>
-                <a:cs typeface="Courier New" panose="02070309020205020404" pitchFamily="49" charset="0"/>
-              </a:rPr>
-              <a:t>$ python -m </a:t>
-            </a:r>
-            <a:r>
-              <a:rPr lang="en-US" sz="2000" dirty="0" err="1">
-                <a:latin typeface="Courier New" panose="02070309020205020404" pitchFamily="49" charset="0"/>
-                <a:cs typeface="Courier New" panose="02070309020205020404" pitchFamily="49" charset="0"/>
-              </a:rPr>
-              <a:t>cProfile</a:t>
-            </a:r>
-            <a:r>
-              <a:rPr lang="en-US" sz="2000" dirty="0">
-                <a:latin typeface="Courier New" panose="02070309020205020404" pitchFamily="49" charset="0"/>
-                <a:cs typeface="Courier New" panose="02070309020205020404" pitchFamily="49" charset="0"/>
-              </a:rPr>
-              <a:t> -o </a:t>
-            </a:r>
-            <a:r>
-              <a:rPr lang="en-US" sz="2000" dirty="0" err="1">
-                <a:latin typeface="Courier New" panose="02070309020205020404" pitchFamily="49" charset="0"/>
-                <a:cs typeface="Courier New" panose="02070309020205020404" pitchFamily="49" charset="0"/>
-              </a:rPr>
-              <a:t>myscript.cprof</a:t>
-            </a:r>
-            <a:r>
-              <a:rPr lang="en-US" sz="2000" dirty="0">
-                <a:latin typeface="Courier New" panose="02070309020205020404" pitchFamily="49" charset="0"/>
-                <a:cs typeface="Courier New" panose="02070309020205020404" pitchFamily="49" charset="0"/>
-              </a:rPr>
-              <a:t> myscript.py</a:t>
+              <a:rPr lang="en-US" sz="1400" dirty="0">
+                <a:latin typeface="Courier New" panose="02070309020205020404" pitchFamily="49" charset="0"/>
+                <a:cs typeface="Courier New" panose="02070309020205020404" pitchFamily="49" charset="0"/>
+              </a:rPr>
+              <a:t>584 function calls in 3.004 seconds</a:t>
             </a:r>
           </a:p>
           <a:p>
             <a:pPr marL="0" indent="0">
               <a:buNone/>
             </a:pPr>
-            <a:r>
-              <a:rPr lang="en-US" sz="2000" dirty="0">
-                <a:latin typeface="Courier New" panose="02070309020205020404" pitchFamily="49" charset="0"/>
-                <a:cs typeface="Courier New" panose="02070309020205020404" pitchFamily="49" charset="0"/>
-              </a:rPr>
-              <a:t>$ pyprof2calltree -</a:t>
-            </a:r>
-            <a:r>
-              <a:rPr lang="en-US" sz="2000" dirty="0" err="1">
-                <a:latin typeface="Courier New" panose="02070309020205020404" pitchFamily="49" charset="0"/>
-                <a:cs typeface="Courier New" panose="02070309020205020404" pitchFamily="49" charset="0"/>
-              </a:rPr>
-              <a:t>i</a:t>
-            </a:r>
-            <a:r>
-              <a:rPr lang="en-US" sz="2000" dirty="0">
-                <a:latin typeface="Courier New" panose="02070309020205020404" pitchFamily="49" charset="0"/>
-                <a:cs typeface="Courier New" panose="02070309020205020404" pitchFamily="49" charset="0"/>
-              </a:rPr>
-              <a:t> </a:t>
-            </a:r>
-            <a:r>
-              <a:rPr lang="en-US" sz="2000" dirty="0" err="1">
-                <a:latin typeface="Courier New" panose="02070309020205020404" pitchFamily="49" charset="0"/>
-                <a:cs typeface="Courier New" panose="02070309020205020404" pitchFamily="49" charset="0"/>
-              </a:rPr>
-              <a:t>myscript.cprof</a:t>
-            </a:r>
-            <a:endParaRPr lang="en-US" sz="2000" dirty="0">
+            <a:endParaRPr lang="en-US" sz="1400" dirty="0">
               <a:latin typeface="Courier New" panose="02070309020205020404" pitchFamily="49" charset="0"/>
               <a:cs typeface="Courier New" panose="02070309020205020404" pitchFamily="49" charset="0"/>
             </a:endParaRPr>
@@ -16306,33 +16342,190 @@
               <a:buNone/>
             </a:pPr>
             <a:r>
-              <a:rPr lang="en-US" dirty="0"/>
-              <a:t>Then open </a:t>
-            </a:r>
-            <a:r>
-              <a:rPr lang="en-US" dirty="0" err="1"/>
-              <a:t>kcachegrind</a:t>
-            </a:r>
-            <a:r>
-              <a:rPr lang="en-US" dirty="0"/>
-              <a:t> on your machine and feed it with the </a:t>
-            </a:r>
-            <a:r>
-              <a:rPr lang="en-US" dirty="0" err="1"/>
-              <a:t>conveted</a:t>
-            </a:r>
-            <a:r>
-              <a:rPr lang="en-US" dirty="0"/>
-              <a:t> file.</a:t>
-            </a:r>
-            <a:endParaRPr lang="en-IL" dirty="0"/>
+              <a:rPr lang="en-US" sz="1400" dirty="0">
+                <a:latin typeface="Courier New" panose="02070309020205020404" pitchFamily="49" charset="0"/>
+                <a:cs typeface="Courier New" panose="02070309020205020404" pitchFamily="49" charset="0"/>
+              </a:rPr>
+              <a:t>   Ordered by: standard name</a:t>
+            </a:r>
+          </a:p>
+          <a:p>
+            <a:pPr marL="0" indent="0">
+              <a:buNone/>
+            </a:pPr>
+            <a:endParaRPr lang="en-US" sz="1400" dirty="0">
+              <a:latin typeface="Courier New" panose="02070309020205020404" pitchFamily="49" charset="0"/>
+              <a:cs typeface="Courier New" panose="02070309020205020404" pitchFamily="49" charset="0"/>
+            </a:endParaRPr>
+          </a:p>
+          <a:p>
+            <a:pPr marL="0" indent="0">
+              <a:buNone/>
+            </a:pPr>
+            <a:r>
+              <a:rPr lang="en-US" sz="1400" dirty="0">
+                <a:latin typeface="Courier New" panose="02070309020205020404" pitchFamily="49" charset="0"/>
+                <a:cs typeface="Courier New" panose="02070309020205020404" pitchFamily="49" charset="0"/>
+              </a:rPr>
+              <a:t>   </a:t>
+            </a:r>
+            <a:r>
+              <a:rPr lang="en-US" sz="1400" dirty="0" err="1">
+                <a:latin typeface="Courier New" panose="02070309020205020404" pitchFamily="49" charset="0"/>
+                <a:cs typeface="Courier New" panose="02070309020205020404" pitchFamily="49" charset="0"/>
+              </a:rPr>
+              <a:t>ncalls</a:t>
+            </a:r>
+            <a:r>
+              <a:rPr lang="en-US" sz="1400" dirty="0">
+                <a:latin typeface="Courier New" panose="02070309020205020404" pitchFamily="49" charset="0"/>
+                <a:cs typeface="Courier New" panose="02070309020205020404" pitchFamily="49" charset="0"/>
+              </a:rPr>
+              <a:t>  </a:t>
+            </a:r>
+            <a:r>
+              <a:rPr lang="en-US" sz="1400" dirty="0" err="1">
+                <a:latin typeface="Courier New" panose="02070309020205020404" pitchFamily="49" charset="0"/>
+                <a:cs typeface="Courier New" panose="02070309020205020404" pitchFamily="49" charset="0"/>
+              </a:rPr>
+              <a:t>tottime</a:t>
+            </a:r>
+            <a:r>
+              <a:rPr lang="en-US" sz="1400" dirty="0">
+                <a:latin typeface="Courier New" panose="02070309020205020404" pitchFamily="49" charset="0"/>
+                <a:cs typeface="Courier New" panose="02070309020205020404" pitchFamily="49" charset="0"/>
+              </a:rPr>
+              <a:t>  </a:t>
+            </a:r>
+            <a:r>
+              <a:rPr lang="en-US" sz="1400" dirty="0" err="1">
+                <a:latin typeface="Courier New" panose="02070309020205020404" pitchFamily="49" charset="0"/>
+                <a:cs typeface="Courier New" panose="02070309020205020404" pitchFamily="49" charset="0"/>
+              </a:rPr>
+              <a:t>percall</a:t>
+            </a:r>
+            <a:r>
+              <a:rPr lang="en-US" sz="1400" dirty="0">
+                <a:latin typeface="Courier New" panose="02070309020205020404" pitchFamily="49" charset="0"/>
+                <a:cs typeface="Courier New" panose="02070309020205020404" pitchFamily="49" charset="0"/>
+              </a:rPr>
+              <a:t>  </a:t>
+            </a:r>
+            <a:r>
+              <a:rPr lang="en-US" sz="1400" dirty="0" err="1">
+                <a:latin typeface="Courier New" panose="02070309020205020404" pitchFamily="49" charset="0"/>
+                <a:cs typeface="Courier New" panose="02070309020205020404" pitchFamily="49" charset="0"/>
+              </a:rPr>
+              <a:t>cumtime</a:t>
+            </a:r>
+            <a:r>
+              <a:rPr lang="en-US" sz="1400" dirty="0">
+                <a:latin typeface="Courier New" panose="02070309020205020404" pitchFamily="49" charset="0"/>
+                <a:cs typeface="Courier New" panose="02070309020205020404" pitchFamily="49" charset="0"/>
+              </a:rPr>
+              <a:t>  </a:t>
+            </a:r>
+            <a:r>
+              <a:rPr lang="en-US" sz="1400" dirty="0" err="1">
+                <a:latin typeface="Courier New" panose="02070309020205020404" pitchFamily="49" charset="0"/>
+                <a:cs typeface="Courier New" panose="02070309020205020404" pitchFamily="49" charset="0"/>
+              </a:rPr>
+              <a:t>percall</a:t>
+            </a:r>
+            <a:r>
+              <a:rPr lang="en-US" sz="1400" dirty="0">
+                <a:latin typeface="Courier New" panose="02070309020205020404" pitchFamily="49" charset="0"/>
+                <a:cs typeface="Courier New" panose="02070309020205020404" pitchFamily="49" charset="0"/>
+              </a:rPr>
+              <a:t> </a:t>
+            </a:r>
+            <a:r>
+              <a:rPr lang="en-US" sz="1400" dirty="0" err="1">
+                <a:latin typeface="Courier New" panose="02070309020205020404" pitchFamily="49" charset="0"/>
+                <a:cs typeface="Courier New" panose="02070309020205020404" pitchFamily="49" charset="0"/>
+              </a:rPr>
+              <a:t>filename:lineno</a:t>
+            </a:r>
+            <a:r>
+              <a:rPr lang="en-US" sz="1400" dirty="0">
+                <a:latin typeface="Courier New" panose="02070309020205020404" pitchFamily="49" charset="0"/>
+                <a:cs typeface="Courier New" panose="02070309020205020404" pitchFamily="49" charset="0"/>
+              </a:rPr>
+              <a:t>(function)</a:t>
+            </a:r>
+          </a:p>
+          <a:p>
+            <a:pPr marL="0" indent="0">
+              <a:buNone/>
+            </a:pPr>
+            <a:r>
+              <a:rPr lang="en-US" sz="1400" dirty="0">
+                <a:latin typeface="Courier New" panose="02070309020205020404" pitchFamily="49" charset="0"/>
+                <a:cs typeface="Courier New" panose="02070309020205020404" pitchFamily="49" charset="0"/>
+              </a:rPr>
+              <a:t>        1    0.000    0.000    3.004    3.004 fib.py:1(&lt;module&gt;)</a:t>
+            </a:r>
+          </a:p>
+          <a:p>
+            <a:pPr marL="0" indent="0">
+              <a:buNone/>
+            </a:pPr>
+            <a:r>
+              <a:rPr lang="en-US" sz="1400" dirty="0">
+                <a:latin typeface="Courier New" panose="02070309020205020404" pitchFamily="49" charset="0"/>
+                <a:cs typeface="Courier New" panose="02070309020205020404" pitchFamily="49" charset="0"/>
+              </a:rPr>
+              <a:t>      577    0.000    0.000    0.000    0.000 fib.py:1(fib)</a:t>
+            </a:r>
+          </a:p>
+          <a:p>
+            <a:pPr marL="0" indent="0">
+              <a:buNone/>
+            </a:pPr>
+            <a:r>
+              <a:rPr lang="en-US" sz="1400" dirty="0">
+                <a:latin typeface="Courier New" panose="02070309020205020404" pitchFamily="49" charset="0"/>
+                <a:cs typeface="Courier New" panose="02070309020205020404" pitchFamily="49" charset="0"/>
+              </a:rPr>
+              <a:t>        1    0.000    0.000    3.003    3.003 fib.py:8(</a:t>
+            </a:r>
+            <a:r>
+              <a:rPr lang="en-US" sz="1400" dirty="0" err="1">
+                <a:latin typeface="Courier New" panose="02070309020205020404" pitchFamily="49" charset="0"/>
+                <a:cs typeface="Courier New" panose="02070309020205020404" pitchFamily="49" charset="0"/>
+              </a:rPr>
+              <a:t>noop</a:t>
+            </a:r>
+            <a:r>
+              <a:rPr lang="en-US" sz="1400" dirty="0">
+                <a:latin typeface="Courier New" panose="02070309020205020404" pitchFamily="49" charset="0"/>
+                <a:cs typeface="Courier New" panose="02070309020205020404" pitchFamily="49" charset="0"/>
+              </a:rPr>
+              <a:t>)</a:t>
+            </a:r>
+          </a:p>
+          <a:p>
+            <a:pPr marL="0" indent="0">
+              <a:buNone/>
+            </a:pPr>
+            <a:r>
+              <a:rPr lang="en-US" sz="1400" dirty="0">
+                <a:latin typeface="Courier New" panose="02070309020205020404" pitchFamily="49" charset="0"/>
+                <a:cs typeface="Courier New" panose="02070309020205020404" pitchFamily="49" charset="0"/>
+              </a:rPr>
+              <a:t>&lt;…&gt;</a:t>
+            </a:r>
+            <a:endParaRPr lang="en-IL" sz="1400" dirty="0">
+              <a:latin typeface="Courier New" panose="02070309020205020404" pitchFamily="49" charset="0"/>
+              <a:cs typeface="Courier New" panose="02070309020205020404" pitchFamily="49" charset="0"/>
+            </a:endParaRPr>
           </a:p>
         </p:txBody>
       </p:sp>
     </p:spTree>
     <p:extLst>
       <p:ext uri="{BB962C8B-B14F-4D97-AF65-F5344CB8AC3E}">
-        <p14:creationId xmlns:p14="http://schemas.microsoft.com/office/powerpoint/2010/main" val="203887387"/>
+        <p14:creationId xmlns:p14="http://schemas.microsoft.com/office/powerpoint/2010/main" val="1696074043"/>
       </p:ext>
     </p:extLst>
   </p:cSld>
@@ -16495,6 +16688,703 @@
           <a:chExt cx="0" cy="0"/>
         </a:xfrm>
       </p:grpSpPr>
+      <p:sp>
+        <p:nvSpPr>
+          <p:cNvPr id="2" name="Title 1">
+            <a:extLst>
+              <a:ext uri="{FF2B5EF4-FFF2-40B4-BE49-F238E27FC236}">
+                <a16:creationId xmlns:a16="http://schemas.microsoft.com/office/drawing/2014/main" id="{27E84274-8B0C-4D0A-9C90-CCF69FFD8E25}"/>
+              </a:ext>
+            </a:extLst>
+          </p:cNvPr>
+          <p:cNvSpPr>
+            <a:spLocks noGrp="1"/>
+          </p:cNvSpPr>
+          <p:nvPr>
+            <p:ph type="title"/>
+          </p:nvPr>
+        </p:nvSpPr>
+        <p:spPr/>
+        <p:txBody>
+          <a:bodyPr/>
+          <a:lstStyle/>
+          <a:p>
+            <a:r>
+              <a:rPr lang="en-US" dirty="0"/>
+              <a:t>Memory profiling – will my data fit in the RAM?</a:t>
+            </a:r>
+            <a:endParaRPr lang="en-IL" dirty="0"/>
+          </a:p>
+        </p:txBody>
+      </p:sp>
+      <p:sp>
+        <p:nvSpPr>
+          <p:cNvPr id="3" name="Content Placeholder 2">
+            <a:extLst>
+              <a:ext uri="{FF2B5EF4-FFF2-40B4-BE49-F238E27FC236}">
+                <a16:creationId xmlns:a16="http://schemas.microsoft.com/office/drawing/2014/main" id="{99FF2BB8-F2B1-467A-9CD9-BB63F5AD3E5D}"/>
+              </a:ext>
+            </a:extLst>
+          </p:cNvPr>
+          <p:cNvSpPr>
+            <a:spLocks noGrp="1"/>
+          </p:cNvSpPr>
+          <p:nvPr>
+            <p:ph idx="1"/>
+          </p:nvPr>
+        </p:nvSpPr>
+        <p:spPr>
+          <a:xfrm>
+            <a:off x="632178" y="1569156"/>
+            <a:ext cx="10721622" cy="5080000"/>
+          </a:xfrm>
+        </p:spPr>
+        <p:txBody>
+          <a:bodyPr>
+            <a:normAutofit fontScale="77500" lnSpcReduction="20000"/>
+          </a:bodyPr>
+          <a:lstStyle/>
+          <a:p>
+            <a:pPr marL="0" indent="0">
+              <a:buNone/>
+            </a:pPr>
+            <a:r>
+              <a:rPr lang="en-US" dirty="0">
+                <a:latin typeface="Courier New" panose="02070309020205020404" pitchFamily="49" charset="0"/>
+                <a:cs typeface="Courier New" panose="02070309020205020404" pitchFamily="49" charset="0"/>
+              </a:rPr>
+              <a:t>Python 3.6.8 (default, Jan 14 2019, 11:02:34)</a:t>
+            </a:r>
+          </a:p>
+          <a:p>
+            <a:pPr marL="0" indent="0">
+              <a:buNone/>
+            </a:pPr>
+            <a:r>
+              <a:rPr lang="en-US" dirty="0">
+                <a:latin typeface="Courier New" panose="02070309020205020404" pitchFamily="49" charset="0"/>
+                <a:cs typeface="Courier New" panose="02070309020205020404" pitchFamily="49" charset="0"/>
+              </a:rPr>
+              <a:t>[GCC 8.0.1 20180414 (experimental) [trunk revision 259383]] on </a:t>
+            </a:r>
+            <a:r>
+              <a:rPr lang="en-US" dirty="0" err="1">
+                <a:latin typeface="Courier New" panose="02070309020205020404" pitchFamily="49" charset="0"/>
+                <a:cs typeface="Courier New" panose="02070309020205020404" pitchFamily="49" charset="0"/>
+              </a:rPr>
+              <a:t>linux</a:t>
+            </a:r>
+            <a:endParaRPr lang="en-US" dirty="0">
+              <a:latin typeface="Courier New" panose="02070309020205020404" pitchFamily="49" charset="0"/>
+              <a:cs typeface="Courier New" panose="02070309020205020404" pitchFamily="49" charset="0"/>
+            </a:endParaRPr>
+          </a:p>
+          <a:p>
+            <a:pPr marL="0" indent="0">
+              <a:buNone/>
+            </a:pPr>
+            <a:r>
+              <a:rPr lang="en-US" dirty="0">
+                <a:latin typeface="Courier New" panose="02070309020205020404" pitchFamily="49" charset="0"/>
+                <a:cs typeface="Courier New" panose="02070309020205020404" pitchFamily="49" charset="0"/>
+              </a:rPr>
+              <a:t>&gt;&gt;&gt; import sys</a:t>
+            </a:r>
+          </a:p>
+          <a:p>
+            <a:pPr marL="0" indent="0">
+              <a:buNone/>
+            </a:pPr>
+            <a:r>
+              <a:rPr lang="en-US" dirty="0">
+                <a:latin typeface="Courier New" panose="02070309020205020404" pitchFamily="49" charset="0"/>
+                <a:cs typeface="Courier New" panose="02070309020205020404" pitchFamily="49" charset="0"/>
+              </a:rPr>
+              <a:t>&gt;&gt;&gt; </a:t>
+            </a:r>
+            <a:r>
+              <a:rPr lang="en-US" dirty="0" err="1">
+                <a:latin typeface="Courier New" panose="02070309020205020404" pitchFamily="49" charset="0"/>
+                <a:cs typeface="Courier New" panose="02070309020205020404" pitchFamily="49" charset="0"/>
+              </a:rPr>
+              <a:t>sys.getsizeof</a:t>
+            </a:r>
+            <a:r>
+              <a:rPr lang="en-US" dirty="0">
+                <a:latin typeface="Courier New" panose="02070309020205020404" pitchFamily="49" charset="0"/>
+                <a:cs typeface="Courier New" panose="02070309020205020404" pitchFamily="49" charset="0"/>
+              </a:rPr>
+              <a:t>([])</a:t>
+            </a:r>
+          </a:p>
+          <a:p>
+            <a:pPr marL="0" indent="0">
+              <a:buNone/>
+            </a:pPr>
+            <a:r>
+              <a:rPr lang="en-US" dirty="0">
+                <a:latin typeface="Courier New" panose="02070309020205020404" pitchFamily="49" charset="0"/>
+                <a:cs typeface="Courier New" panose="02070309020205020404" pitchFamily="49" charset="0"/>
+              </a:rPr>
+              <a:t>64</a:t>
+            </a:r>
+          </a:p>
+          <a:p>
+            <a:pPr marL="0" indent="0">
+              <a:buNone/>
+            </a:pPr>
+            <a:r>
+              <a:rPr lang="en-US" dirty="0">
+                <a:latin typeface="Courier New" panose="02070309020205020404" pitchFamily="49" charset="0"/>
+                <a:cs typeface="Courier New" panose="02070309020205020404" pitchFamily="49" charset="0"/>
+              </a:rPr>
+              <a:t>&gt;&gt;&gt; </a:t>
+            </a:r>
+            <a:r>
+              <a:rPr lang="en-US" dirty="0" err="1">
+                <a:latin typeface="Courier New" panose="02070309020205020404" pitchFamily="49" charset="0"/>
+                <a:cs typeface="Courier New" panose="02070309020205020404" pitchFamily="49" charset="0"/>
+              </a:rPr>
+              <a:t>sys.getsizeof</a:t>
+            </a:r>
+            <a:r>
+              <a:rPr lang="en-US" dirty="0">
+                <a:latin typeface="Courier New" panose="02070309020205020404" pitchFamily="49" charset="0"/>
+                <a:cs typeface="Courier New" panose="02070309020205020404" pitchFamily="49" charset="0"/>
+              </a:rPr>
+              <a:t>([4])</a:t>
+            </a:r>
+          </a:p>
+          <a:p>
+            <a:pPr marL="0" indent="0">
+              <a:buNone/>
+            </a:pPr>
+            <a:r>
+              <a:rPr lang="en-US" dirty="0">
+                <a:latin typeface="Courier New" panose="02070309020205020404" pitchFamily="49" charset="0"/>
+                <a:cs typeface="Courier New" panose="02070309020205020404" pitchFamily="49" charset="0"/>
+              </a:rPr>
+              <a:t>72</a:t>
+            </a:r>
+          </a:p>
+          <a:p>
+            <a:pPr marL="0" indent="0">
+              <a:buNone/>
+            </a:pPr>
+            <a:r>
+              <a:rPr lang="en-US" dirty="0">
+                <a:latin typeface="Courier New" panose="02070309020205020404" pitchFamily="49" charset="0"/>
+                <a:cs typeface="Courier New" panose="02070309020205020404" pitchFamily="49" charset="0"/>
+              </a:rPr>
+              <a:t>&gt;&gt;&gt; </a:t>
+            </a:r>
+            <a:r>
+              <a:rPr lang="en-US" dirty="0" err="1">
+                <a:latin typeface="Courier New" panose="02070309020205020404" pitchFamily="49" charset="0"/>
+                <a:cs typeface="Courier New" panose="02070309020205020404" pitchFamily="49" charset="0"/>
+              </a:rPr>
+              <a:t>sys.getsizeof</a:t>
+            </a:r>
+            <a:r>
+              <a:rPr lang="en-US" dirty="0">
+                <a:latin typeface="Courier New" panose="02070309020205020404" pitchFamily="49" charset="0"/>
+                <a:cs typeface="Courier New" panose="02070309020205020404" pitchFamily="49" charset="0"/>
+              </a:rPr>
+              <a:t>([4,5])</a:t>
+            </a:r>
+          </a:p>
+          <a:p>
+            <a:pPr marL="0" indent="0">
+              <a:buNone/>
+            </a:pPr>
+            <a:r>
+              <a:rPr lang="en-US" dirty="0">
+                <a:latin typeface="Courier New" panose="02070309020205020404" pitchFamily="49" charset="0"/>
+                <a:cs typeface="Courier New" panose="02070309020205020404" pitchFamily="49" charset="0"/>
+              </a:rPr>
+              <a:t>80</a:t>
+            </a:r>
+          </a:p>
+          <a:p>
+            <a:pPr marL="0" indent="0">
+              <a:buNone/>
+            </a:pPr>
+            <a:r>
+              <a:rPr lang="en-US" dirty="0">
+                <a:latin typeface="Courier New" panose="02070309020205020404" pitchFamily="49" charset="0"/>
+                <a:cs typeface="Courier New" panose="02070309020205020404" pitchFamily="49" charset="0"/>
+              </a:rPr>
+              <a:t>&gt;&gt;&gt; </a:t>
+            </a:r>
+            <a:r>
+              <a:rPr lang="en-US" dirty="0" err="1">
+                <a:latin typeface="Courier New" panose="02070309020205020404" pitchFamily="49" charset="0"/>
+                <a:cs typeface="Courier New" panose="02070309020205020404" pitchFamily="49" charset="0"/>
+              </a:rPr>
+              <a:t>sys.getsizeof</a:t>
+            </a:r>
+            <a:r>
+              <a:rPr lang="en-US" dirty="0">
+                <a:latin typeface="Courier New" panose="02070309020205020404" pitchFamily="49" charset="0"/>
+                <a:cs typeface="Courier New" panose="02070309020205020404" pitchFamily="49" charset="0"/>
+              </a:rPr>
+              <a:t>({})</a:t>
+            </a:r>
+          </a:p>
+          <a:p>
+            <a:pPr marL="0" indent="0">
+              <a:buNone/>
+            </a:pPr>
+            <a:r>
+              <a:rPr lang="en-US" dirty="0">
+                <a:latin typeface="Courier New" panose="02070309020205020404" pitchFamily="49" charset="0"/>
+                <a:cs typeface="Courier New" panose="02070309020205020404" pitchFamily="49" charset="0"/>
+              </a:rPr>
+              <a:t>240</a:t>
+            </a:r>
+          </a:p>
+          <a:p>
+            <a:pPr marL="0" indent="0">
+              <a:buNone/>
+            </a:pPr>
+            <a:r>
+              <a:rPr lang="en-US" dirty="0">
+                <a:latin typeface="Courier New" panose="02070309020205020404" pitchFamily="49" charset="0"/>
+                <a:cs typeface="Courier New" panose="02070309020205020404" pitchFamily="49" charset="0"/>
+              </a:rPr>
+              <a:t>&gt;&gt;&gt; </a:t>
+            </a:r>
+            <a:r>
+              <a:rPr lang="en-US" dirty="0" err="1">
+                <a:latin typeface="Courier New" panose="02070309020205020404" pitchFamily="49" charset="0"/>
+                <a:cs typeface="Courier New" panose="02070309020205020404" pitchFamily="49" charset="0"/>
+              </a:rPr>
+              <a:t>sys.getsizeof</a:t>
+            </a:r>
+            <a:r>
+              <a:rPr lang="en-US" dirty="0">
+                <a:latin typeface="Courier New" panose="02070309020205020404" pitchFamily="49" charset="0"/>
+                <a:cs typeface="Courier New" panose="02070309020205020404" pitchFamily="49" charset="0"/>
+              </a:rPr>
+              <a:t>({1:[4,5]})</a:t>
+            </a:r>
+          </a:p>
+          <a:p>
+            <a:pPr marL="0" indent="0">
+              <a:buNone/>
+            </a:pPr>
+            <a:r>
+              <a:rPr lang="en-US" sz="4100" b="1" dirty="0">
+                <a:latin typeface="Courier New" panose="02070309020205020404" pitchFamily="49" charset="0"/>
+                <a:cs typeface="Courier New" panose="02070309020205020404" pitchFamily="49" charset="0"/>
+              </a:rPr>
+              <a:t>?</a:t>
+            </a:r>
+            <a:endParaRPr lang="en-IL" b="1" dirty="0">
+              <a:highlight>
+                <a:srgbClr val="FFFF00"/>
+              </a:highlight>
+              <a:latin typeface="Courier New" panose="02070309020205020404" pitchFamily="49" charset="0"/>
+              <a:cs typeface="Courier New" panose="02070309020205020404" pitchFamily="49" charset="0"/>
+            </a:endParaRPr>
+          </a:p>
+        </p:txBody>
+      </p:sp>
+      <p:sp>
+        <p:nvSpPr>
+          <p:cNvPr id="5" name="TextBox 4">
+            <a:extLst>
+              <a:ext uri="{FF2B5EF4-FFF2-40B4-BE49-F238E27FC236}">
+                <a16:creationId xmlns:a16="http://schemas.microsoft.com/office/drawing/2014/main" id="{0396270F-36CE-4C8E-9614-EB20E21FA449}"/>
+              </a:ext>
+            </a:extLst>
+          </p:cNvPr>
+          <p:cNvSpPr txBox="1"/>
+          <p:nvPr/>
+        </p:nvSpPr>
+        <p:spPr>
+          <a:xfrm>
+            <a:off x="632178" y="6057356"/>
+            <a:ext cx="732893" cy="523220"/>
+          </a:xfrm>
+          <a:prstGeom prst="rect">
+            <a:avLst/>
+          </a:prstGeom>
+          <a:solidFill>
+            <a:schemeClr val="accent1">
+              <a:lumMod val="40000"/>
+              <a:lumOff val="60000"/>
+            </a:schemeClr>
+          </a:solidFill>
+        </p:spPr>
+        <p:txBody>
+          <a:bodyPr wrap="none" rtlCol="0">
+            <a:spAutoFit/>
+          </a:bodyPr>
+          <a:lstStyle/>
+          <a:p>
+            <a:r>
+              <a:rPr lang="en-US" sz="2800" dirty="0"/>
+              <a:t>240</a:t>
+            </a:r>
+            <a:endParaRPr lang="en-IL" sz="2800" dirty="0"/>
+          </a:p>
+        </p:txBody>
+      </p:sp>
+    </p:spTree>
+    <p:extLst>
+      <p:ext uri="{BB962C8B-B14F-4D97-AF65-F5344CB8AC3E}">
+        <p14:creationId xmlns:p14="http://schemas.microsoft.com/office/powerpoint/2010/main" val="3202883494"/>
+      </p:ext>
+    </p:extLst>
+  </p:cSld>
+  <p:clrMapOvr>
+    <a:masterClrMapping/>
+  </p:clrMapOvr>
+  <p:timing>
+    <p:tnLst>
+      <p:par>
+        <p:cTn id="1" dur="indefinite" restart="never" nodeType="tmRoot">
+          <p:childTnLst>
+            <p:seq concurrent="1" nextAc="seek">
+              <p:cTn id="2" dur="indefinite" nodeType="mainSeq">
+                <p:childTnLst>
+                  <p:par>
+                    <p:cTn id="3" fill="hold">
+                      <p:stCondLst>
+                        <p:cond delay="indefinite"/>
+                      </p:stCondLst>
+                      <p:childTnLst>
+                        <p:par>
+                          <p:cTn id="4" fill="hold">
+                            <p:stCondLst>
+                              <p:cond delay="0"/>
+                            </p:stCondLst>
+                            <p:childTnLst>
+                              <p:par>
+                                <p:cTn id="5" presetID="2" presetClass="entr" presetSubtype="4" fill="hold" grpId="0" nodeType="clickEffect">
+                                  <p:stCondLst>
+                                    <p:cond delay="0"/>
+                                  </p:stCondLst>
+                                  <p:childTnLst>
+                                    <p:set>
+                                      <p:cBhvr>
+                                        <p:cTn id="6" dur="1" fill="hold">
+                                          <p:stCondLst>
+                                            <p:cond delay="0"/>
+                                          </p:stCondLst>
+                                        </p:cTn>
+                                        <p:tgtEl>
+                                          <p:spTgt spid="5"/>
+                                        </p:tgtEl>
+                                        <p:attrNameLst>
+                                          <p:attrName>style.visibility</p:attrName>
+                                        </p:attrNameLst>
+                                      </p:cBhvr>
+                                      <p:to>
+                                        <p:strVal val="visible"/>
+                                      </p:to>
+                                    </p:set>
+                                    <p:anim calcmode="lin" valueType="num">
+                                      <p:cBhvr additive="base">
+                                        <p:cTn id="7" dur="500" fill="hold"/>
+                                        <p:tgtEl>
+                                          <p:spTgt spid="5"/>
+                                        </p:tgtEl>
+                                        <p:attrNameLst>
+                                          <p:attrName>ppt_x</p:attrName>
+                                        </p:attrNameLst>
+                                      </p:cBhvr>
+                                      <p:tavLst>
+                                        <p:tav tm="0">
+                                          <p:val>
+                                            <p:strVal val="#ppt_x"/>
+                                          </p:val>
+                                        </p:tav>
+                                        <p:tav tm="100000">
+                                          <p:val>
+                                            <p:strVal val="#ppt_x"/>
+                                          </p:val>
+                                        </p:tav>
+                                      </p:tavLst>
+                                    </p:anim>
+                                    <p:anim calcmode="lin" valueType="num">
+                                      <p:cBhvr additive="base">
+                                        <p:cTn id="8" dur="500" fill="hold"/>
+                                        <p:tgtEl>
+                                          <p:spTgt spid="5"/>
+                                        </p:tgtEl>
+                                        <p:attrNameLst>
+                                          <p:attrName>ppt_y</p:attrName>
+                                        </p:attrNameLst>
+                                      </p:cBhvr>
+                                      <p:tavLst>
+                                        <p:tav tm="0">
+                                          <p:val>
+                                            <p:strVal val="1+#ppt_h/2"/>
+                                          </p:val>
+                                        </p:tav>
+                                        <p:tav tm="100000">
+                                          <p:val>
+                                            <p:strVal val="#ppt_y"/>
+                                          </p:val>
+                                        </p:tav>
+                                      </p:tavLst>
+                                    </p:anim>
+                                  </p:childTnLst>
+                                </p:cTn>
+                              </p:par>
+                            </p:childTnLst>
+                          </p:cTn>
+                        </p:par>
+                      </p:childTnLst>
+                    </p:cTn>
+                  </p:par>
+                </p:childTnLst>
+              </p:cTn>
+              <p:prevCondLst>
+                <p:cond evt="onPrev" delay="0">
+                  <p:tgtEl>
+                    <p:sldTgt/>
+                  </p:tgtEl>
+                </p:cond>
+              </p:prevCondLst>
+              <p:nextCondLst>
+                <p:cond evt="onNext" delay="0">
+                  <p:tgtEl>
+                    <p:sldTgt/>
+                  </p:tgtEl>
+                </p:cond>
+              </p:nextCondLst>
+            </p:seq>
+          </p:childTnLst>
+        </p:cTn>
+      </p:par>
+    </p:tnLst>
+    <p:bldLst>
+      <p:bldP spid="5" grpId="0" animBg="1"/>
+    </p:bldLst>
+  </p:timing>
+</p:sld>
+</file>
+
+<file path=ppt/slides/slide41.xml><?xml version="1.0" encoding="utf-8"?>
+<p:sld xmlns:a="http://schemas.openxmlformats.org/drawingml/2006/main" xmlns:r="http://schemas.openxmlformats.org/officeDocument/2006/relationships" xmlns:p="http://schemas.openxmlformats.org/presentationml/2006/main">
+  <p:cSld>
+    <p:spTree>
+      <p:nvGrpSpPr>
+        <p:cNvPr id="1" name=""/>
+        <p:cNvGrpSpPr/>
+        <p:nvPr/>
+      </p:nvGrpSpPr>
+      <p:grpSpPr>
+        <a:xfrm>
+          <a:off x="0" y="0"/>
+          <a:ext cx="0" cy="0"/>
+          <a:chOff x="0" y="0"/>
+          <a:chExt cx="0" cy="0"/>
+        </a:xfrm>
+      </p:grpSpPr>
+      <p:sp>
+        <p:nvSpPr>
+          <p:cNvPr id="2" name="Title 1">
+            <a:extLst>
+              <a:ext uri="{FF2B5EF4-FFF2-40B4-BE49-F238E27FC236}">
+                <a16:creationId xmlns:a16="http://schemas.microsoft.com/office/drawing/2014/main" id="{F5231BBA-2444-4DBB-89C1-C1045A4DBD0F}"/>
+              </a:ext>
+            </a:extLst>
+          </p:cNvPr>
+          <p:cNvSpPr>
+            <a:spLocks noGrp="1"/>
+          </p:cNvSpPr>
+          <p:nvPr>
+            <p:ph type="title"/>
+          </p:nvPr>
+        </p:nvSpPr>
+        <p:spPr/>
+        <p:txBody>
+          <a:bodyPr/>
+          <a:lstStyle/>
+          <a:p>
+            <a:r>
+              <a:rPr lang="en-US" dirty="0"/>
+              <a:t>Profiling output that’s looks nice</a:t>
+            </a:r>
+            <a:endParaRPr lang="en-IL" dirty="0"/>
+          </a:p>
+        </p:txBody>
+      </p:sp>
+      <p:sp>
+        <p:nvSpPr>
+          <p:cNvPr id="3" name="Content Placeholder 2">
+            <a:extLst>
+              <a:ext uri="{FF2B5EF4-FFF2-40B4-BE49-F238E27FC236}">
+                <a16:creationId xmlns:a16="http://schemas.microsoft.com/office/drawing/2014/main" id="{223DCFA3-2828-4E8F-BEDD-B06A6A98E5F4}"/>
+              </a:ext>
+            </a:extLst>
+          </p:cNvPr>
+          <p:cNvSpPr>
+            <a:spLocks noGrp="1"/>
+          </p:cNvSpPr>
+          <p:nvPr>
+            <p:ph idx="1"/>
+          </p:nvPr>
+        </p:nvSpPr>
+        <p:spPr/>
+        <p:txBody>
+          <a:bodyPr/>
+          <a:lstStyle/>
+          <a:p>
+            <a:pPr marL="0" indent="0">
+              <a:buNone/>
+            </a:pPr>
+            <a:r>
+              <a:rPr lang="en-US" sz="2000" dirty="0"/>
+              <a:t>See for example </a:t>
+            </a:r>
+            <a:r>
+              <a:rPr lang="en-US" sz="2000" dirty="0">
+                <a:hlinkClick r:id="rId3"/>
+              </a:rPr>
+              <a:t>https://julien.danjou.info/guide-to-python-profiling-cprofile-concrete-case-carbonara/</a:t>
+            </a:r>
+            <a:endParaRPr lang="en-US" sz="2000" dirty="0"/>
+          </a:p>
+          <a:p>
+            <a:pPr marL="0" indent="0">
+              <a:buNone/>
+            </a:pPr>
+            <a:r>
+              <a:rPr lang="en-US" sz="2000" dirty="0">
+                <a:latin typeface="Courier New" panose="02070309020205020404" pitchFamily="49" charset="0"/>
+                <a:cs typeface="Courier New" panose="02070309020205020404" pitchFamily="49" charset="0"/>
+              </a:rPr>
+              <a:t>$ python -m </a:t>
+            </a:r>
+            <a:r>
+              <a:rPr lang="en-US" sz="2000" dirty="0" err="1">
+                <a:latin typeface="Courier New" panose="02070309020205020404" pitchFamily="49" charset="0"/>
+                <a:cs typeface="Courier New" panose="02070309020205020404" pitchFamily="49" charset="0"/>
+              </a:rPr>
+              <a:t>cProfile</a:t>
+            </a:r>
+            <a:r>
+              <a:rPr lang="en-US" sz="2000" dirty="0">
+                <a:latin typeface="Courier New" panose="02070309020205020404" pitchFamily="49" charset="0"/>
+                <a:cs typeface="Courier New" panose="02070309020205020404" pitchFamily="49" charset="0"/>
+              </a:rPr>
+              <a:t> -o </a:t>
+            </a:r>
+            <a:r>
+              <a:rPr lang="en-US" sz="2000" dirty="0" err="1">
+                <a:latin typeface="Courier New" panose="02070309020205020404" pitchFamily="49" charset="0"/>
+                <a:cs typeface="Courier New" panose="02070309020205020404" pitchFamily="49" charset="0"/>
+              </a:rPr>
+              <a:t>myscript.cprof</a:t>
+            </a:r>
+            <a:r>
+              <a:rPr lang="en-US" sz="2000" dirty="0">
+                <a:latin typeface="Courier New" panose="02070309020205020404" pitchFamily="49" charset="0"/>
+                <a:cs typeface="Courier New" panose="02070309020205020404" pitchFamily="49" charset="0"/>
+              </a:rPr>
+              <a:t> myscript.py</a:t>
+            </a:r>
+          </a:p>
+          <a:p>
+            <a:pPr marL="0" indent="0">
+              <a:buNone/>
+            </a:pPr>
+            <a:r>
+              <a:rPr lang="en-US" sz="2000" dirty="0">
+                <a:latin typeface="Courier New" panose="02070309020205020404" pitchFamily="49" charset="0"/>
+                <a:cs typeface="Courier New" panose="02070309020205020404" pitchFamily="49" charset="0"/>
+              </a:rPr>
+              <a:t>$ pyprof2calltree -</a:t>
+            </a:r>
+            <a:r>
+              <a:rPr lang="en-US" sz="2000" dirty="0" err="1">
+                <a:latin typeface="Courier New" panose="02070309020205020404" pitchFamily="49" charset="0"/>
+                <a:cs typeface="Courier New" panose="02070309020205020404" pitchFamily="49" charset="0"/>
+              </a:rPr>
+              <a:t>i</a:t>
+            </a:r>
+            <a:r>
+              <a:rPr lang="en-US" sz="2000" dirty="0">
+                <a:latin typeface="Courier New" panose="02070309020205020404" pitchFamily="49" charset="0"/>
+                <a:cs typeface="Courier New" panose="02070309020205020404" pitchFamily="49" charset="0"/>
+              </a:rPr>
+              <a:t> </a:t>
+            </a:r>
+            <a:r>
+              <a:rPr lang="en-US" sz="2000" dirty="0" err="1">
+                <a:latin typeface="Courier New" panose="02070309020205020404" pitchFamily="49" charset="0"/>
+                <a:cs typeface="Courier New" panose="02070309020205020404" pitchFamily="49" charset="0"/>
+              </a:rPr>
+              <a:t>myscript.cprof</a:t>
+            </a:r>
+            <a:endParaRPr lang="en-US" sz="2000" dirty="0">
+              <a:latin typeface="Courier New" panose="02070309020205020404" pitchFamily="49" charset="0"/>
+              <a:cs typeface="Courier New" panose="02070309020205020404" pitchFamily="49" charset="0"/>
+            </a:endParaRPr>
+          </a:p>
+          <a:p>
+            <a:pPr marL="0" indent="0">
+              <a:buNone/>
+            </a:pPr>
+            <a:r>
+              <a:rPr lang="en-US" dirty="0"/>
+              <a:t>Then open </a:t>
+            </a:r>
+            <a:r>
+              <a:rPr lang="en-US" dirty="0" err="1"/>
+              <a:t>kcachegrind</a:t>
+            </a:r>
+            <a:r>
+              <a:rPr lang="en-US" dirty="0"/>
+              <a:t> on your machine and feed it with </a:t>
+            </a:r>
+            <a:r>
+              <a:rPr lang="en-US"/>
+              <a:t>the converted </a:t>
+            </a:r>
+            <a:r>
+              <a:rPr lang="en-US" dirty="0"/>
+              <a:t>file.</a:t>
+            </a:r>
+            <a:endParaRPr lang="en-IL" dirty="0"/>
+          </a:p>
+        </p:txBody>
+      </p:sp>
+    </p:spTree>
+    <p:extLst>
+      <p:ext uri="{BB962C8B-B14F-4D97-AF65-F5344CB8AC3E}">
+        <p14:creationId xmlns:p14="http://schemas.microsoft.com/office/powerpoint/2010/main" val="203887387"/>
+      </p:ext>
+    </p:extLst>
+  </p:cSld>
+  <p:clrMapOvr>
+    <a:masterClrMapping/>
+  </p:clrMapOvr>
+</p:sld>
+</file>
+
+<file path=ppt/slides/slide42.xml><?xml version="1.0" encoding="utf-8"?>
+<p:sld xmlns:a="http://schemas.openxmlformats.org/drawingml/2006/main" xmlns:r="http://schemas.openxmlformats.org/officeDocument/2006/relationships" xmlns:p="http://schemas.openxmlformats.org/presentationml/2006/main">
+  <p:cSld>
+    <p:spTree>
+      <p:nvGrpSpPr>
+        <p:cNvPr id="1" name=""/>
+        <p:cNvGrpSpPr/>
+        <p:nvPr/>
+      </p:nvGrpSpPr>
+      <p:grpSpPr>
+        <a:xfrm>
+          <a:off x="0" y="0"/>
+          <a:ext cx="0" cy="0"/>
+          <a:chOff x="0" y="0"/>
+          <a:chExt cx="0" cy="0"/>
+        </a:xfrm>
+      </p:grpSpPr>
       <p:pic>
         <p:nvPicPr>
           <p:cNvPr id="3074" name="Picture 2" descr="kcachegrind">
@@ -16595,7 +17485,7 @@
 </p:sld>
 </file>
 
-<file path=ppt/slides/slide41.xml><?xml version="1.0" encoding="utf-8"?>
+<file path=ppt/slides/slide43.xml><?xml version="1.0" encoding="utf-8"?>
 <p:sld xmlns:a="http://schemas.openxmlformats.org/drawingml/2006/main" xmlns:r="http://schemas.openxmlformats.org/officeDocument/2006/relationships" xmlns:p="http://schemas.openxmlformats.org/presentationml/2006/main">
   <p:cSld>
     <p:spTree>
@@ -16813,7 +17703,7 @@
 </p:sld>
 </file>
 
-<file path=ppt/slides/slide42.xml><?xml version="1.0" encoding="utf-8"?>
+<file path=ppt/slides/slide44.xml><?xml version="1.0" encoding="utf-8"?>
 <p:sld xmlns:a="http://schemas.openxmlformats.org/drawingml/2006/main" xmlns:r="http://schemas.openxmlformats.org/officeDocument/2006/relationships" xmlns:p="http://schemas.openxmlformats.org/presentationml/2006/main">
   <p:cSld>
     <p:spTree>
@@ -17586,7 +18476,7 @@
           <p:cNvPr id="2" name="Title 1">
             <a:extLst>
               <a:ext uri="{FF2B5EF4-FFF2-40B4-BE49-F238E27FC236}">
-                <a16:creationId xmlns:a16="http://schemas.microsoft.com/office/drawing/2014/main" id="{2F0BD027-A483-4275-821C-37778F1FED31}"/>
+                <a16:creationId xmlns:a16="http://schemas.microsoft.com/office/drawing/2014/main" id="{BC87D5EC-0E84-423F-9187-EF14C7DF0302}"/>
               </a:ext>
             </a:extLst>
           </p:cNvPr>
@@ -17604,7 +18494,7 @@
           <a:p>
             <a:r>
               <a:rPr lang="en-US" dirty="0"/>
-              <a:t>Memory management</a:t>
+              <a:t>Assert – what/why?</a:t>
             </a:r>
             <a:endParaRPr lang="en-IL" dirty="0"/>
           </a:p>
@@ -17615,7 +18505,7 @@
           <p:cNvPr id="3" name="Content Placeholder 2">
             <a:extLst>
               <a:ext uri="{FF2B5EF4-FFF2-40B4-BE49-F238E27FC236}">
-                <a16:creationId xmlns:a16="http://schemas.microsoft.com/office/drawing/2014/main" id="{38358AA7-483B-4422-A2BF-9FA41DB3A914}"/>
+                <a16:creationId xmlns:a16="http://schemas.microsoft.com/office/drawing/2014/main" id="{9D038613-3998-4B9E-A057-0B783F9A4611}"/>
               </a:ext>
             </a:extLst>
           </p:cNvPr>
@@ -17626,20 +18516,83 @@
             <p:ph idx="1"/>
           </p:nvPr>
         </p:nvSpPr>
-        <p:spPr>
-          <a:xfrm>
-            <a:off x="838200" y="1825625"/>
-            <a:ext cx="10515600" cy="4351338"/>
-          </a:xfrm>
-        </p:spPr>
+        <p:spPr/>
         <p:txBody>
           <a:bodyPr/>
           <a:lstStyle/>
           <a:p>
             <a:r>
               <a:rPr lang="en-US" dirty="0"/>
-              <a:t>Automatic Garbage Collection using reference counting (+magic)</a:t>
-            </a:r>
+              <a:t>Guard against your own bugs and incorrect usage of your functions</a:t>
+            </a:r>
+          </a:p>
+          <a:p>
+            <a:r>
+              <a:rPr lang="en-US"/>
+              <a:t>Verify </a:t>
+            </a:r>
+            <a:r>
+              <a:rPr lang="en-US" dirty="0"/>
+              <a:t>that conditions are kept:  </a:t>
+            </a:r>
+            <a:br>
+              <a:rPr lang="en-US" dirty="0"/>
+            </a:br>
+            <a:r>
+              <a:rPr lang="en-US" sz="1800" dirty="0">
+                <a:latin typeface="Courier New" panose="02070309020205020404" pitchFamily="49" charset="0"/>
+                <a:cs typeface="Courier New" panose="02070309020205020404" pitchFamily="49" charset="0"/>
+              </a:rPr>
+              <a:t>assert </a:t>
+            </a:r>
+            <a:r>
+              <a:rPr lang="en-US" sz="1800" dirty="0" err="1">
+                <a:latin typeface="Courier New" panose="02070309020205020404" pitchFamily="49" charset="0"/>
+                <a:cs typeface="Courier New" panose="02070309020205020404" pitchFamily="49" charset="0"/>
+              </a:rPr>
+              <a:t>len</a:t>
+            </a:r>
+            <a:r>
+              <a:rPr lang="en-US" sz="1800" dirty="0">
+                <a:latin typeface="Courier New" panose="02070309020205020404" pitchFamily="49" charset="0"/>
+                <a:cs typeface="Courier New" panose="02070309020205020404" pitchFamily="49" charset="0"/>
+              </a:rPr>
+              <a:t>(distances) == </a:t>
+            </a:r>
+            <a:r>
+              <a:rPr lang="en-US" sz="1800" dirty="0" err="1">
+                <a:latin typeface="Courier New" panose="02070309020205020404" pitchFamily="49" charset="0"/>
+                <a:cs typeface="Courier New" panose="02070309020205020404" pitchFamily="49" charset="0"/>
+              </a:rPr>
+              <a:t>len</a:t>
+            </a:r>
+            <a:r>
+              <a:rPr lang="en-US" sz="1800" dirty="0">
+                <a:latin typeface="Courier New" panose="02070309020205020404" pitchFamily="49" charset="0"/>
+                <a:cs typeface="Courier New" panose="02070309020205020404" pitchFamily="49" charset="0"/>
+              </a:rPr>
+              <a:t>(</a:t>
+            </a:r>
+            <a:r>
+              <a:rPr lang="en-US" sz="1800" dirty="0" err="1">
+                <a:latin typeface="Courier New" panose="02070309020205020404" pitchFamily="49" charset="0"/>
+                <a:cs typeface="Courier New" panose="02070309020205020404" pitchFamily="49" charset="0"/>
+              </a:rPr>
+              <a:t>self.id_to_label</a:t>
+            </a:r>
+            <a:r>
+              <a:rPr lang="en-US" sz="1800" dirty="0">
+                <a:latin typeface="Courier New" panose="02070309020205020404" pitchFamily="49" charset="0"/>
+                <a:cs typeface="Courier New" panose="02070309020205020404" pitchFamily="49" charset="0"/>
+              </a:rPr>
+              <a:t>)</a:t>
+            </a:r>
+          </a:p>
+          <a:p>
+            <a:endParaRPr lang="en-US" sz="1800" dirty="0">
+              <a:latin typeface="Courier New" panose="02070309020205020404" pitchFamily="49" charset="0"/>
+              <a:cs typeface="Courier New" panose="02070309020205020404" pitchFamily="49" charset="0"/>
+            </a:endParaRPr>
           </a:p>
           <a:p>
             <a:pPr marL="0" indent="0">
@@ -17650,7 +18603,21 @@
                 <a:latin typeface="Courier New" panose="02070309020205020404" pitchFamily="49" charset="0"/>
                 <a:cs typeface="Courier New" panose="02070309020205020404" pitchFamily="49" charset="0"/>
               </a:rPr>
-              <a:t>numbers = [1, 2, 3]</a:t>
+              <a:t>def </a:t>
+            </a:r>
+            <a:r>
+              <a:rPr lang="en-US" sz="1800" dirty="0" err="1">
+                <a:latin typeface="Courier New" panose="02070309020205020404" pitchFamily="49" charset="0"/>
+                <a:cs typeface="Courier New" panose="02070309020205020404" pitchFamily="49" charset="0"/>
+              </a:rPr>
+              <a:t>by_name</a:t>
+            </a:r>
+            <a:r>
+              <a:rPr lang="en-US" sz="1800" dirty="0">
+                <a:latin typeface="Courier New" panose="02070309020205020404" pitchFamily="49" charset="0"/>
+                <a:cs typeface="Courier New" panose="02070309020205020404" pitchFamily="49" charset="0"/>
+              </a:rPr>
+              <a:t>(self, name):</a:t>
             </a:r>
           </a:p>
           <a:p>
@@ -17662,7 +18629,7 @@
                 <a:latin typeface="Courier New" panose="02070309020205020404" pitchFamily="49" charset="0"/>
                 <a:cs typeface="Courier New" panose="02070309020205020404" pitchFamily="49" charset="0"/>
               </a:rPr>
-              <a:t># Reference count = 1</a:t>
+              <a:t>      id = self._name2id_map[name]</a:t>
             </a:r>
           </a:p>
           <a:p>
@@ -17670,18 +18637,25 @@
               <a:buNone/>
             </a:pPr>
             <a:r>
-              <a:rPr lang="en-US" sz="1800" dirty="0" err="1">
-                <a:latin typeface="Courier New" panose="02070309020205020404" pitchFamily="49" charset="0"/>
-                <a:cs typeface="Courier New" panose="02070309020205020404" pitchFamily="49" charset="0"/>
-              </a:rPr>
-              <a:t>more_numbers</a:t>
-            </a:r>
-            <a:r>
               <a:rPr lang="en-US" sz="1800" dirty="0">
                 <a:latin typeface="Courier New" panose="02070309020205020404" pitchFamily="49" charset="0"/>
                 <a:cs typeface="Courier New" panose="02070309020205020404" pitchFamily="49" charset="0"/>
               </a:rPr>
-              <a:t> = numbers</a:t>
+              <a:t>      </a:t>
+            </a:r>
+            <a:r>
+              <a:rPr lang="en-US" sz="1800" b="1" dirty="0">
+                <a:latin typeface="Courier New" panose="02070309020205020404" pitchFamily="49" charset="0"/>
+                <a:cs typeface="Courier New" panose="02070309020205020404" pitchFamily="49" charset="0"/>
+              </a:rPr>
+              <a:t>assert</a:t>
+            </a:r>
+            <a:r>
+              <a:rPr lang="en-US" sz="1800" dirty="0">
+                <a:latin typeface="Courier New" panose="02070309020205020404" pitchFamily="49" charset="0"/>
+                <a:cs typeface="Courier New" panose="02070309020205020404" pitchFamily="49" charset="0"/>
+              </a:rPr>
+              <a:t> self._id2name_map[id] == name, “your [formatted] message here”</a:t>
             </a:r>
           </a:p>
           <a:p>
@@ -17693,85 +18667,28 @@
                 <a:latin typeface="Courier New" panose="02070309020205020404" pitchFamily="49" charset="0"/>
                 <a:cs typeface="Courier New" panose="02070309020205020404" pitchFamily="49" charset="0"/>
               </a:rPr>
-              <a:t># Reference count = 2</a:t>
-            </a:r>
-          </a:p>
-          <a:p>
-            <a:pPr marL="0" indent="0">
-              <a:buNone/>
-            </a:pPr>
-            <a:r>
-              <a:rPr lang="en-US" sz="1800" b="1" dirty="0" err="1">
-                <a:latin typeface="Courier New" panose="02070309020205020404" pitchFamily="49" charset="0"/>
-                <a:cs typeface="Courier New" panose="02070309020205020404" pitchFamily="49" charset="0"/>
-              </a:rPr>
-              <a:t>sys.getrefcount</a:t>
-            </a:r>
-            <a:r>
-              <a:rPr lang="en-US" sz="1800" b="1" dirty="0">
-                <a:latin typeface="Courier New" panose="02070309020205020404" pitchFamily="49" charset="0"/>
-                <a:cs typeface="Courier New" panose="02070309020205020404" pitchFamily="49" charset="0"/>
-              </a:rPr>
-              <a:t>(numbers)</a:t>
-            </a:r>
-          </a:p>
-          <a:p>
-            <a:pPr marL="0" indent="0">
-              <a:buNone/>
-            </a:pPr>
-            <a:endParaRPr lang="en-US" sz="1800" b="1" dirty="0">
-              <a:latin typeface="Courier New" panose="02070309020205020404" pitchFamily="49" charset="0"/>
-              <a:cs typeface="Courier New" panose="02070309020205020404" pitchFamily="49" charset="0"/>
-            </a:endParaRPr>
-          </a:p>
-          <a:p>
-            <a:pPr marL="0" indent="0">
-              <a:buNone/>
-            </a:pPr>
-            <a:r>
-              <a:rPr lang="en-US" dirty="0"/>
-              <a:t>Where is the data stored?</a:t>
-            </a:r>
-          </a:p>
-          <a:p>
-            <a:pPr marL="0" indent="0">
-              <a:buNone/>
-            </a:pPr>
-            <a:r>
-              <a:rPr lang="en-US" dirty="0">
-                <a:sym typeface="Wingdings" panose="05000000000000000000" pitchFamily="2" charset="2"/>
-              </a:rPr>
-              <a:t> Implementation dependent. In </a:t>
-            </a:r>
-            <a:r>
-              <a:rPr lang="en-US" dirty="0" err="1">
-                <a:sym typeface="Wingdings" panose="05000000000000000000" pitchFamily="2" charset="2"/>
-              </a:rPr>
-              <a:t>Cpython</a:t>
-            </a:r>
-            <a:r>
-              <a:rPr lang="en-US" dirty="0">
-                <a:sym typeface="Wingdings" panose="05000000000000000000" pitchFamily="2" charset="2"/>
-              </a:rPr>
-              <a:t>, all objects are stored in the heap, and the stack has reference to them.</a:t>
-            </a:r>
-            <a:endParaRPr lang="en-US" dirty="0"/>
-          </a:p>
-          <a:p>
-            <a:pPr marL="0" indent="0">
-              <a:buNone/>
-            </a:pPr>
-            <a:endParaRPr lang="en-IL" sz="1800" b="1" dirty="0">
-              <a:latin typeface="Courier New" panose="02070309020205020404" pitchFamily="49" charset="0"/>
-              <a:cs typeface="Courier New" panose="02070309020205020404" pitchFamily="49" charset="0"/>
-            </a:endParaRPr>
+              <a:t>      return id</a:t>
+            </a:r>
+          </a:p>
+          <a:p>
+            <a:r>
+              <a:rPr lang="en-US" dirty="0"/>
+              <a:t>Read it all here: </a:t>
+            </a:r>
+            <a:r>
+              <a:rPr lang="en-US" sz="2000" dirty="0">
+                <a:hlinkClick r:id="rId2"/>
+              </a:rPr>
+              <a:t>https://wiki.python.org/moin/UsingAssertionsEffectively</a:t>
+            </a:r>
+            <a:endParaRPr lang="en-US" sz="2000" dirty="0"/>
           </a:p>
         </p:txBody>
       </p:sp>
     </p:spTree>
     <p:extLst>
       <p:ext uri="{BB962C8B-B14F-4D97-AF65-F5344CB8AC3E}">
-        <p14:creationId xmlns:p14="http://schemas.microsoft.com/office/powerpoint/2010/main" val="761173015"/>
+        <p14:creationId xmlns:p14="http://schemas.microsoft.com/office/powerpoint/2010/main" val="610780590"/>
       </p:ext>
     </p:extLst>
   </p:cSld>
